--- a/기획 UI/A조 프로토타입 발표.pptx
+++ b/기획 UI/A조 프로토타입 발표.pptx
@@ -5897,8 +5897,8 @@
           </p:nvSpPr>
           <p:spPr>
             <a:xfrm>
-              <a:off x="2527737" y="1126766"/>
-              <a:ext cx="8881241" cy="1086708"/>
+              <a:off x="2527737" y="836879"/>
+              <a:ext cx="8881241" cy="1666482"/>
             </a:xfrm>
             <a:prstGeom prst="rect">
               <a:avLst/>
@@ -5913,38 +5913,38 @@
             <a:p>
               <a:pPr eaLnBrk="0" hangingPunct="0">
                 <a:lnSpc>
-                  <a:spcPct val="150000"/>
+                  <a:spcPct val="200000"/>
                 </a:lnSpc>
               </a:pPr>
               <a:r>
-                <a:rPr lang="en-US" altLang="ko-KR" sz="1500" b="1" dirty="0">
+                <a:rPr lang="en-US" altLang="ko-KR" b="1" dirty="0">
                   <a:latin typeface="나눔고딕" panose="020B0503020000020004" pitchFamily="2" charset="-127"/>
                   <a:ea typeface="나눔고딕" panose="020B0503020000020004" pitchFamily="2" charset="-127"/>
                 </a:rPr>
                 <a:t>1.</a:t>
               </a:r>
               <a:r>
-                <a:rPr lang="ko-KR" altLang="en-US" sz="1500" b="1" dirty="0">
+                <a:rPr lang="ko-KR" altLang="en-US" b="1" dirty="0">
                   <a:latin typeface="나눔고딕" panose="020B0503020000020004" pitchFamily="2" charset="-127"/>
                   <a:ea typeface="나눔고딕" panose="020B0503020000020004" pitchFamily="2" charset="-127"/>
                 </a:rPr>
                 <a:t> </a:t>
               </a:r>
               <a:r>
-                <a:rPr lang="ko-KR" altLang="en-US" sz="1500" b="1" dirty="0" err="1">
+                <a:rPr lang="ko-KR" altLang="en-US" b="1" dirty="0" err="1">
                   <a:latin typeface="나눔고딕" panose="020B0503020000020004" pitchFamily="2" charset="-127"/>
                   <a:ea typeface="나눔고딕" panose="020B0503020000020004" pitchFamily="2" charset="-127"/>
                 </a:rPr>
                 <a:t>유스케이스</a:t>
               </a:r>
               <a:r>
-                <a:rPr lang="ko-KR" altLang="en-US" sz="1500" b="1" dirty="0">
+                <a:rPr lang="ko-KR" altLang="en-US" b="1" dirty="0">
                   <a:latin typeface="나눔고딕" panose="020B0503020000020004" pitchFamily="2" charset="-127"/>
                   <a:ea typeface="나눔고딕" panose="020B0503020000020004" pitchFamily="2" charset="-127"/>
                 </a:rPr>
                 <a:t> 관점에서의 디자인 개선 필요</a:t>
               </a:r>
-              <a:endParaRPr lang="en-US" altLang="ko-KR" sz="1500" b="1" dirty="0">
+              <a:endParaRPr lang="en-US" altLang="ko-KR" b="1" dirty="0">
                 <a:latin typeface="나눔고딕" panose="020B0503020000020004" pitchFamily="2" charset="-127"/>
                 <a:ea typeface="나눔고딕" panose="020B0503020000020004" pitchFamily="2" charset="-127"/>
               </a:endParaRPr>
@@ -5952,24 +5952,24 @@
             <a:p>
               <a:pPr eaLnBrk="0" hangingPunct="0">
                 <a:lnSpc>
-                  <a:spcPct val="150000"/>
+                  <a:spcPct val="200000"/>
                 </a:lnSpc>
               </a:pPr>
               <a:r>
-                <a:rPr lang="en-US" altLang="ko-KR" sz="1500" b="1" dirty="0">
+                <a:rPr lang="en-US" altLang="ko-KR" b="1" dirty="0">
                   <a:latin typeface="나눔고딕" panose="020B0503020000020004" pitchFamily="2" charset="-127"/>
                   <a:ea typeface="나눔고딕" panose="020B0503020000020004" pitchFamily="2" charset="-127"/>
                 </a:rPr>
                 <a:t>2. </a:t>
               </a:r>
               <a:r>
-                <a:rPr lang="ko-KR" altLang="en-US" sz="1500" b="1" dirty="0">
+                <a:rPr lang="ko-KR" altLang="en-US" b="1" dirty="0">
                   <a:latin typeface="나눔고딕" panose="020B0503020000020004" pitchFamily="2" charset="-127"/>
                   <a:ea typeface="나눔고딕" panose="020B0503020000020004" pitchFamily="2" charset="-127"/>
                 </a:rPr>
                 <a:t>서버 과부화로 인한 출력 지연현상 완화 필요</a:t>
               </a:r>
-              <a:endParaRPr lang="en-US" altLang="ko-KR" sz="1500" b="1" dirty="0">
+              <a:endParaRPr lang="en-US" altLang="ko-KR" b="1" dirty="0">
                 <a:latin typeface="나눔고딕" panose="020B0503020000020004" pitchFamily="2" charset="-127"/>
                 <a:ea typeface="나눔고딕" panose="020B0503020000020004" pitchFamily="2" charset="-127"/>
               </a:endParaRPr>
@@ -5977,38 +5977,38 @@
             <a:p>
               <a:pPr eaLnBrk="0" hangingPunct="0">
                 <a:lnSpc>
-                  <a:spcPct val="150000"/>
+                  <a:spcPct val="200000"/>
                 </a:lnSpc>
               </a:pPr>
               <a:r>
-                <a:rPr lang="en-US" altLang="ko-KR" sz="1500" b="1" dirty="0">
+                <a:rPr lang="en-US" altLang="ko-KR" b="1" dirty="0">
                   <a:latin typeface="나눔고딕" panose="020B0503020000020004" pitchFamily="2" charset="-127"/>
                   <a:ea typeface="나눔고딕" panose="020B0503020000020004" pitchFamily="2" charset="-127"/>
                 </a:rPr>
                 <a:t>3. </a:t>
               </a:r>
               <a:r>
-                <a:rPr lang="ko-KR" altLang="en-US" sz="1500" b="1" dirty="0">
+                <a:rPr lang="ko-KR" altLang="en-US" b="1" dirty="0">
                   <a:latin typeface="나눔고딕" panose="020B0503020000020004" pitchFamily="2" charset="-127"/>
                   <a:ea typeface="나눔고딕" panose="020B0503020000020004" pitchFamily="2" charset="-127"/>
                 </a:rPr>
                 <a:t>일정관리를 할 수 있는</a:t>
               </a:r>
               <a:r>
-                <a:rPr lang="en-US" altLang="ko-KR" sz="1500" b="1" dirty="0">
+                <a:rPr lang="en-US" altLang="ko-KR" b="1" dirty="0">
                   <a:latin typeface="나눔고딕" panose="020B0503020000020004" pitchFamily="2" charset="-127"/>
                   <a:ea typeface="나눔고딕" panose="020B0503020000020004" pitchFamily="2" charset="-127"/>
                 </a:rPr>
                 <a:t> </a:t>
               </a:r>
               <a:r>
-                <a:rPr lang="ko-KR" altLang="en-US" sz="1500" b="1" dirty="0">
+                <a:rPr lang="ko-KR" altLang="en-US" b="1" dirty="0">
                   <a:latin typeface="나눔고딕" panose="020B0503020000020004" pitchFamily="2" charset="-127"/>
                   <a:ea typeface="나눔고딕" panose="020B0503020000020004" pitchFamily="2" charset="-127"/>
                 </a:rPr>
                 <a:t>추가 기능 요소 필요</a:t>
               </a:r>
-              <a:endParaRPr lang="en-US" altLang="ko-KR" sz="1500" b="1" dirty="0">
+              <a:endParaRPr lang="en-US" altLang="ko-KR" b="1" dirty="0">
                 <a:latin typeface="나눔고딕" panose="020B0503020000020004" pitchFamily="2" charset="-127"/>
                 <a:ea typeface="나눔고딕" panose="020B0503020000020004" pitchFamily="2" charset="-127"/>
               </a:endParaRPr>

--- a/기획 UI/A조 프로토타입 발표.pptx
+++ b/기획 UI/A조 프로토타입 발표.pptx
@@ -4,6 +4,9 @@
   <p:sldMasterIdLst>
     <p:sldMasterId id="2147483708" r:id="rId1"/>
   </p:sldMasterIdLst>
+  <p:notesMasterIdLst>
+    <p:notesMasterId r:id="rId16"/>
+  </p:notesMasterIdLst>
   <p:sldIdLst>
     <p:sldId id="260" r:id="rId2"/>
     <p:sldId id="256" r:id="rId3"/>
@@ -1213,6 +1216,439 @@
 </cs:chartStyle>
 </file>
 
+<file path=ppt/notesMasters/notesMaster1.xml><?xml version="1.0" encoding="utf-8"?>
+<p:notesMaster xmlns:a="http://schemas.openxmlformats.org/drawingml/2006/main" xmlns:r="http://schemas.openxmlformats.org/officeDocument/2006/relationships" xmlns:p="http://schemas.openxmlformats.org/presentationml/2006/main">
+  <p:cSld>
+    <p:bg>
+      <p:bgRef idx="1001">
+        <a:schemeClr val="bg1"/>
+      </p:bgRef>
+    </p:bg>
+    <p:spTree>
+      <p:nvGrpSpPr>
+        <p:cNvPr id="1" name=""/>
+        <p:cNvGrpSpPr/>
+        <p:nvPr/>
+      </p:nvGrpSpPr>
+      <p:grpSpPr>
+        <a:xfrm>
+          <a:off x="0" y="0"/>
+          <a:ext cx="0" cy="0"/>
+          <a:chOff x="0" y="0"/>
+          <a:chExt cx="0" cy="0"/>
+        </a:xfrm>
+      </p:grpSpPr>
+      <p:sp>
+        <p:nvSpPr>
+          <p:cNvPr id="2" name="머리글 개체 틀 1"/>
+          <p:cNvSpPr>
+            <a:spLocks noGrp="1"/>
+          </p:cNvSpPr>
+          <p:nvPr>
+            <p:ph type="hdr" sz="quarter"/>
+          </p:nvPr>
+        </p:nvSpPr>
+        <p:spPr>
+          <a:xfrm>
+            <a:off x="0" y="0"/>
+            <a:ext cx="2971800" cy="458788"/>
+          </a:xfrm>
+          <a:prstGeom prst="rect">
+            <a:avLst/>
+          </a:prstGeom>
+        </p:spPr>
+        <p:txBody>
+          <a:bodyPr vert="horz" lIns="91440" tIns="45720" rIns="91440" bIns="45720" rtlCol="0"/>
+          <a:lstStyle>
+            <a:lvl1pPr algn="l">
+              <a:defRPr sz="1200"/>
+            </a:lvl1pPr>
+          </a:lstStyle>
+          <a:p>
+            <a:endParaRPr lang="ko-KR" altLang="en-US"/>
+          </a:p>
+        </p:txBody>
+      </p:sp>
+      <p:sp>
+        <p:nvSpPr>
+          <p:cNvPr id="3" name="날짜 개체 틀 2"/>
+          <p:cNvSpPr>
+            <a:spLocks noGrp="1"/>
+          </p:cNvSpPr>
+          <p:nvPr>
+            <p:ph type="dt" idx="1"/>
+          </p:nvPr>
+        </p:nvSpPr>
+        <p:spPr>
+          <a:xfrm>
+            <a:off x="3884613" y="0"/>
+            <a:ext cx="2971800" cy="458788"/>
+          </a:xfrm>
+          <a:prstGeom prst="rect">
+            <a:avLst/>
+          </a:prstGeom>
+        </p:spPr>
+        <p:txBody>
+          <a:bodyPr vert="horz" lIns="91440" tIns="45720" rIns="91440" bIns="45720" rtlCol="0"/>
+          <a:lstStyle>
+            <a:lvl1pPr algn="r">
+              <a:defRPr sz="1200"/>
+            </a:lvl1pPr>
+          </a:lstStyle>
+          <a:p>
+            <a:fld id="{BAB0EF52-0BC9-4FAB-B538-F1BCB30B3D84}" type="datetimeFigureOut">
+              <a:rPr lang="ko-KR" altLang="en-US" smtClean="0"/>
+              <a:t>2023-06-02</a:t>
+            </a:fld>
+            <a:endParaRPr lang="ko-KR" altLang="en-US"/>
+          </a:p>
+        </p:txBody>
+      </p:sp>
+      <p:sp>
+        <p:nvSpPr>
+          <p:cNvPr id="4" name="슬라이드 이미지 개체 틀 3"/>
+          <p:cNvSpPr>
+            <a:spLocks noGrp="1" noRot="1" noChangeAspect="1"/>
+          </p:cNvSpPr>
+          <p:nvPr>
+            <p:ph type="sldImg" idx="2"/>
+          </p:nvPr>
+        </p:nvSpPr>
+        <p:spPr>
+          <a:xfrm>
+            <a:off x="685800" y="1143000"/>
+            <a:ext cx="5486400" cy="3086100"/>
+          </a:xfrm>
+          <a:prstGeom prst="rect">
+            <a:avLst/>
+          </a:prstGeom>
+          <a:noFill/>
+          <a:ln w="12700">
+            <a:solidFill>
+              <a:prstClr val="black"/>
+            </a:solidFill>
+          </a:ln>
+        </p:spPr>
+        <p:txBody>
+          <a:bodyPr vert="horz" lIns="91440" tIns="45720" rIns="91440" bIns="45720" rtlCol="0" anchor="ctr"/>
+          <a:lstStyle/>
+          <a:p>
+            <a:endParaRPr lang="ko-KR" altLang="en-US"/>
+          </a:p>
+        </p:txBody>
+      </p:sp>
+      <p:sp>
+        <p:nvSpPr>
+          <p:cNvPr id="5" name="슬라이드 노트 개체 틀 4"/>
+          <p:cNvSpPr>
+            <a:spLocks noGrp="1"/>
+          </p:cNvSpPr>
+          <p:nvPr>
+            <p:ph type="body" sz="quarter" idx="3"/>
+          </p:nvPr>
+        </p:nvSpPr>
+        <p:spPr>
+          <a:xfrm>
+            <a:off x="685800" y="4400550"/>
+            <a:ext cx="5486400" cy="3600450"/>
+          </a:xfrm>
+          <a:prstGeom prst="rect">
+            <a:avLst/>
+          </a:prstGeom>
+        </p:spPr>
+        <p:txBody>
+          <a:bodyPr vert="horz" lIns="91440" tIns="45720" rIns="91440" bIns="45720" rtlCol="0"/>
+          <a:lstStyle/>
+          <a:p>
+            <a:pPr lvl="0"/>
+            <a:r>
+              <a:rPr lang="ko-KR" altLang="en-US"/>
+              <a:t>마스터 텍스트 스타일을 편집하려면 클릭</a:t>
+            </a:r>
+          </a:p>
+          <a:p>
+            <a:pPr lvl="1"/>
+            <a:r>
+              <a:rPr lang="ko-KR" altLang="en-US"/>
+              <a:t>두 번째 수준</a:t>
+            </a:r>
+          </a:p>
+          <a:p>
+            <a:pPr lvl="2"/>
+            <a:r>
+              <a:rPr lang="ko-KR" altLang="en-US"/>
+              <a:t>세 번째 수준</a:t>
+            </a:r>
+          </a:p>
+          <a:p>
+            <a:pPr lvl="3"/>
+            <a:r>
+              <a:rPr lang="ko-KR" altLang="en-US"/>
+              <a:t>네 번째 수준</a:t>
+            </a:r>
+          </a:p>
+          <a:p>
+            <a:pPr lvl="4"/>
+            <a:r>
+              <a:rPr lang="ko-KR" altLang="en-US"/>
+              <a:t>다섯 번째 수준</a:t>
+            </a:r>
+          </a:p>
+        </p:txBody>
+      </p:sp>
+      <p:sp>
+        <p:nvSpPr>
+          <p:cNvPr id="6" name="바닥글 개체 틀 5"/>
+          <p:cNvSpPr>
+            <a:spLocks noGrp="1"/>
+          </p:cNvSpPr>
+          <p:nvPr>
+            <p:ph type="ftr" sz="quarter" idx="4"/>
+          </p:nvPr>
+        </p:nvSpPr>
+        <p:spPr>
+          <a:xfrm>
+            <a:off x="0" y="8685213"/>
+            <a:ext cx="2971800" cy="458787"/>
+          </a:xfrm>
+          <a:prstGeom prst="rect">
+            <a:avLst/>
+          </a:prstGeom>
+        </p:spPr>
+        <p:txBody>
+          <a:bodyPr vert="horz" lIns="91440" tIns="45720" rIns="91440" bIns="45720" rtlCol="0" anchor="b"/>
+          <a:lstStyle>
+            <a:lvl1pPr algn="l">
+              <a:defRPr sz="1200"/>
+            </a:lvl1pPr>
+          </a:lstStyle>
+          <a:p>
+            <a:endParaRPr lang="ko-KR" altLang="en-US"/>
+          </a:p>
+        </p:txBody>
+      </p:sp>
+      <p:sp>
+        <p:nvSpPr>
+          <p:cNvPr id="7" name="슬라이드 번호 개체 틀 6"/>
+          <p:cNvSpPr>
+            <a:spLocks noGrp="1"/>
+          </p:cNvSpPr>
+          <p:nvPr>
+            <p:ph type="sldNum" sz="quarter" idx="5"/>
+          </p:nvPr>
+        </p:nvSpPr>
+        <p:spPr>
+          <a:xfrm>
+            <a:off x="3884613" y="8685213"/>
+            <a:ext cx="2971800" cy="458787"/>
+          </a:xfrm>
+          <a:prstGeom prst="rect">
+            <a:avLst/>
+          </a:prstGeom>
+        </p:spPr>
+        <p:txBody>
+          <a:bodyPr vert="horz" lIns="91440" tIns="45720" rIns="91440" bIns="45720" rtlCol="0" anchor="b"/>
+          <a:lstStyle>
+            <a:lvl1pPr algn="r">
+              <a:defRPr sz="1200"/>
+            </a:lvl1pPr>
+          </a:lstStyle>
+          <a:p>
+            <a:fld id="{D2A03A7A-A6BE-420D-A040-6E99343C7960}" type="slidenum">
+              <a:rPr lang="ko-KR" altLang="en-US" smtClean="0"/>
+              <a:t>‹#›</a:t>
+            </a:fld>
+            <a:endParaRPr lang="ko-KR" altLang="en-US"/>
+          </a:p>
+        </p:txBody>
+      </p:sp>
+    </p:spTree>
+    <p:extLst>
+      <p:ext uri="{BB962C8B-B14F-4D97-AF65-F5344CB8AC3E}">
+        <p14:creationId xmlns:p14="http://schemas.microsoft.com/office/powerpoint/2010/main" val="3472976387"/>
+      </p:ext>
+    </p:extLst>
+  </p:cSld>
+  <p:clrMap bg1="lt1" tx1="dk1" bg2="lt2" tx2="dk2" accent1="accent1" accent2="accent2" accent3="accent3" accent4="accent4" accent5="accent5" accent6="accent6" hlink="hlink" folHlink="folHlink"/>
+  <p:notesStyle>
+    <a:lvl1pPr marL="0" algn="l" defTabSz="914400" rtl="0" eaLnBrk="1" latinLnBrk="1" hangingPunct="1">
+      <a:defRPr sz="1200" kern="1200">
+        <a:solidFill>
+          <a:schemeClr val="tx1"/>
+        </a:solidFill>
+        <a:latin typeface="+mn-lt"/>
+        <a:ea typeface="+mn-ea"/>
+        <a:cs typeface="+mn-cs"/>
+      </a:defRPr>
+    </a:lvl1pPr>
+    <a:lvl2pPr marL="457200" algn="l" defTabSz="914400" rtl="0" eaLnBrk="1" latinLnBrk="1" hangingPunct="1">
+      <a:defRPr sz="1200" kern="1200">
+        <a:solidFill>
+          <a:schemeClr val="tx1"/>
+        </a:solidFill>
+        <a:latin typeface="+mn-lt"/>
+        <a:ea typeface="+mn-ea"/>
+        <a:cs typeface="+mn-cs"/>
+      </a:defRPr>
+    </a:lvl2pPr>
+    <a:lvl3pPr marL="914400" algn="l" defTabSz="914400" rtl="0" eaLnBrk="1" latinLnBrk="1" hangingPunct="1">
+      <a:defRPr sz="1200" kern="1200">
+        <a:solidFill>
+          <a:schemeClr val="tx1"/>
+        </a:solidFill>
+        <a:latin typeface="+mn-lt"/>
+        <a:ea typeface="+mn-ea"/>
+        <a:cs typeface="+mn-cs"/>
+      </a:defRPr>
+    </a:lvl3pPr>
+    <a:lvl4pPr marL="1371600" algn="l" defTabSz="914400" rtl="0" eaLnBrk="1" latinLnBrk="1" hangingPunct="1">
+      <a:defRPr sz="1200" kern="1200">
+        <a:solidFill>
+          <a:schemeClr val="tx1"/>
+        </a:solidFill>
+        <a:latin typeface="+mn-lt"/>
+        <a:ea typeface="+mn-ea"/>
+        <a:cs typeface="+mn-cs"/>
+      </a:defRPr>
+    </a:lvl4pPr>
+    <a:lvl5pPr marL="1828800" algn="l" defTabSz="914400" rtl="0" eaLnBrk="1" latinLnBrk="1" hangingPunct="1">
+      <a:defRPr sz="1200" kern="1200">
+        <a:solidFill>
+          <a:schemeClr val="tx1"/>
+        </a:solidFill>
+        <a:latin typeface="+mn-lt"/>
+        <a:ea typeface="+mn-ea"/>
+        <a:cs typeface="+mn-cs"/>
+      </a:defRPr>
+    </a:lvl5pPr>
+    <a:lvl6pPr marL="2286000" algn="l" defTabSz="914400" rtl="0" eaLnBrk="1" latinLnBrk="1" hangingPunct="1">
+      <a:defRPr sz="1200" kern="1200">
+        <a:solidFill>
+          <a:schemeClr val="tx1"/>
+        </a:solidFill>
+        <a:latin typeface="+mn-lt"/>
+        <a:ea typeface="+mn-ea"/>
+        <a:cs typeface="+mn-cs"/>
+      </a:defRPr>
+    </a:lvl6pPr>
+    <a:lvl7pPr marL="2743200" algn="l" defTabSz="914400" rtl="0" eaLnBrk="1" latinLnBrk="1" hangingPunct="1">
+      <a:defRPr sz="1200" kern="1200">
+        <a:solidFill>
+          <a:schemeClr val="tx1"/>
+        </a:solidFill>
+        <a:latin typeface="+mn-lt"/>
+        <a:ea typeface="+mn-ea"/>
+        <a:cs typeface="+mn-cs"/>
+      </a:defRPr>
+    </a:lvl7pPr>
+    <a:lvl8pPr marL="3200400" algn="l" defTabSz="914400" rtl="0" eaLnBrk="1" latinLnBrk="1" hangingPunct="1">
+      <a:defRPr sz="1200" kern="1200">
+        <a:solidFill>
+          <a:schemeClr val="tx1"/>
+        </a:solidFill>
+        <a:latin typeface="+mn-lt"/>
+        <a:ea typeface="+mn-ea"/>
+        <a:cs typeface="+mn-cs"/>
+      </a:defRPr>
+    </a:lvl8pPr>
+    <a:lvl9pPr marL="3657600" algn="l" defTabSz="914400" rtl="0" eaLnBrk="1" latinLnBrk="1" hangingPunct="1">
+      <a:defRPr sz="1200" kern="1200">
+        <a:solidFill>
+          <a:schemeClr val="tx1"/>
+        </a:solidFill>
+        <a:latin typeface="+mn-lt"/>
+        <a:ea typeface="+mn-ea"/>
+        <a:cs typeface="+mn-cs"/>
+      </a:defRPr>
+    </a:lvl9pPr>
+  </p:notesStyle>
+</p:notesMaster>
+</file>
+
+<file path=ppt/notesSlides/notesSlide1.xml><?xml version="1.0" encoding="utf-8"?>
+<p:notes xmlns:a="http://schemas.openxmlformats.org/drawingml/2006/main" xmlns:r="http://schemas.openxmlformats.org/officeDocument/2006/relationships" xmlns:p="http://schemas.openxmlformats.org/presentationml/2006/main">
+  <p:cSld>
+    <p:spTree>
+      <p:nvGrpSpPr>
+        <p:cNvPr id="1" name=""/>
+        <p:cNvGrpSpPr/>
+        <p:nvPr/>
+      </p:nvGrpSpPr>
+      <p:grpSpPr>
+        <a:xfrm>
+          <a:off x="0" y="0"/>
+          <a:ext cx="0" cy="0"/>
+          <a:chOff x="0" y="0"/>
+          <a:chExt cx="0" cy="0"/>
+        </a:xfrm>
+      </p:grpSpPr>
+      <p:sp>
+        <p:nvSpPr>
+          <p:cNvPr id="2" name="슬라이드 이미지 개체 틀 1"/>
+          <p:cNvSpPr>
+            <a:spLocks noGrp="1" noRot="1" noChangeAspect="1"/>
+          </p:cNvSpPr>
+          <p:nvPr>
+            <p:ph type="sldImg"/>
+          </p:nvPr>
+        </p:nvSpPr>
+        <p:spPr/>
+      </p:sp>
+      <p:sp>
+        <p:nvSpPr>
+          <p:cNvPr id="3" name="슬라이드 노트 개체 틀 2"/>
+          <p:cNvSpPr>
+            <a:spLocks noGrp="1"/>
+          </p:cNvSpPr>
+          <p:nvPr>
+            <p:ph type="body" idx="1"/>
+          </p:nvPr>
+        </p:nvSpPr>
+        <p:spPr/>
+        <p:txBody>
+          <a:bodyPr/>
+          <a:lstStyle/>
+          <a:p>
+            <a:endParaRPr lang="ko-KR" altLang="en-US" dirty="0"/>
+          </a:p>
+        </p:txBody>
+      </p:sp>
+      <p:sp>
+        <p:nvSpPr>
+          <p:cNvPr id="4" name="슬라이드 번호 개체 틀 3"/>
+          <p:cNvSpPr>
+            <a:spLocks noGrp="1"/>
+          </p:cNvSpPr>
+          <p:nvPr>
+            <p:ph type="sldNum" sz="quarter" idx="5"/>
+          </p:nvPr>
+        </p:nvSpPr>
+        <p:spPr/>
+        <p:txBody>
+          <a:bodyPr/>
+          <a:lstStyle/>
+          <a:p>
+            <a:fld id="{D2A03A7A-A6BE-420D-A040-6E99343C7960}" type="slidenum">
+              <a:rPr lang="ko-KR" altLang="en-US" smtClean="0"/>
+              <a:t>5</a:t>
+            </a:fld>
+            <a:endParaRPr lang="ko-KR" altLang="en-US"/>
+          </a:p>
+        </p:txBody>
+      </p:sp>
+    </p:spTree>
+    <p:extLst>
+      <p:ext uri="{BB962C8B-B14F-4D97-AF65-F5344CB8AC3E}">
+        <p14:creationId xmlns:p14="http://schemas.microsoft.com/office/powerpoint/2010/main" val="2963485686"/>
+      </p:ext>
+    </p:extLst>
+  </p:cSld>
+  <p:clrMapOvr>
+    <a:masterClrMapping/>
+  </p:clrMapOvr>
+</p:notes>
+</file>
+
 <file path=ppt/slideLayouts/slideLayout1.xml><?xml version="1.0" encoding="utf-8"?>
 <p:sldLayout xmlns:a="http://schemas.openxmlformats.org/drawingml/2006/main" xmlns:r="http://schemas.openxmlformats.org/officeDocument/2006/relationships" xmlns:p="http://schemas.openxmlformats.org/presentationml/2006/main" type="title" preserve="1">
   <p:cSld name="제목 슬라이드">
@@ -1344,7 +1780,7 @@
           <a:p>
             <a:fld id="{63398173-0E1E-4132-A695-781E3AD47F04}" type="datetimeFigureOut">
               <a:rPr lang="ko-KR" altLang="en-US" smtClean="0"/>
-              <a:t>2023-06-01</a:t>
+              <a:t>2023-06-02</a:t>
             </a:fld>
             <a:endParaRPr lang="ko-KR" altLang="en-US"/>
           </a:p>
@@ -1514,7 +1950,7 @@
           <a:p>
             <a:fld id="{63398173-0E1E-4132-A695-781E3AD47F04}" type="datetimeFigureOut">
               <a:rPr lang="ko-KR" altLang="en-US" smtClean="0"/>
-              <a:t>2023-06-01</a:t>
+              <a:t>2023-06-02</a:t>
             </a:fld>
             <a:endParaRPr lang="ko-KR" altLang="en-US"/>
           </a:p>
@@ -1694,7 +2130,7 @@
           <a:p>
             <a:fld id="{63398173-0E1E-4132-A695-781E3AD47F04}" type="datetimeFigureOut">
               <a:rPr lang="ko-KR" altLang="en-US" smtClean="0"/>
-              <a:t>2023-06-01</a:t>
+              <a:t>2023-06-02</a:t>
             </a:fld>
             <a:endParaRPr lang="ko-KR" altLang="en-US"/>
           </a:p>
@@ -1864,7 +2300,7 @@
           <a:p>
             <a:fld id="{63398173-0E1E-4132-A695-781E3AD47F04}" type="datetimeFigureOut">
               <a:rPr lang="ko-KR" altLang="en-US" smtClean="0"/>
-              <a:t>2023-06-01</a:t>
+              <a:t>2023-06-02</a:t>
             </a:fld>
             <a:endParaRPr lang="ko-KR" altLang="en-US"/>
           </a:p>
@@ -2110,7 +2546,7 @@
           <a:p>
             <a:fld id="{63398173-0E1E-4132-A695-781E3AD47F04}" type="datetimeFigureOut">
               <a:rPr lang="ko-KR" altLang="en-US" smtClean="0"/>
-              <a:t>2023-06-01</a:t>
+              <a:t>2023-06-02</a:t>
             </a:fld>
             <a:endParaRPr lang="ko-KR" altLang="en-US"/>
           </a:p>
@@ -2342,7 +2778,7 @@
           <a:p>
             <a:fld id="{63398173-0E1E-4132-A695-781E3AD47F04}" type="datetimeFigureOut">
               <a:rPr lang="ko-KR" altLang="en-US" smtClean="0"/>
-              <a:t>2023-06-01</a:t>
+              <a:t>2023-06-02</a:t>
             </a:fld>
             <a:endParaRPr lang="ko-KR" altLang="en-US"/>
           </a:p>
@@ -2709,7 +3145,7 @@
           <a:p>
             <a:fld id="{63398173-0E1E-4132-A695-781E3AD47F04}" type="datetimeFigureOut">
               <a:rPr lang="ko-KR" altLang="en-US" smtClean="0"/>
-              <a:t>2023-06-01</a:t>
+              <a:t>2023-06-02</a:t>
             </a:fld>
             <a:endParaRPr lang="ko-KR" altLang="en-US"/>
           </a:p>
@@ -2827,7 +3263,7 @@
           <a:p>
             <a:fld id="{63398173-0E1E-4132-A695-781E3AD47F04}" type="datetimeFigureOut">
               <a:rPr lang="ko-KR" altLang="en-US" smtClean="0"/>
-              <a:t>2023-06-01</a:t>
+              <a:t>2023-06-02</a:t>
             </a:fld>
             <a:endParaRPr lang="ko-KR" altLang="en-US"/>
           </a:p>
@@ -2922,7 +3358,7 @@
           <a:p>
             <a:fld id="{63398173-0E1E-4132-A695-781E3AD47F04}" type="datetimeFigureOut">
               <a:rPr lang="ko-KR" altLang="en-US" smtClean="0"/>
-              <a:t>2023-06-01</a:t>
+              <a:t>2023-06-02</a:t>
             </a:fld>
             <a:endParaRPr lang="ko-KR" altLang="en-US"/>
           </a:p>
@@ -3199,7 +3635,7 @@
           <a:p>
             <a:fld id="{63398173-0E1E-4132-A695-781E3AD47F04}" type="datetimeFigureOut">
               <a:rPr lang="ko-KR" altLang="en-US" smtClean="0"/>
-              <a:t>2023-06-01</a:t>
+              <a:t>2023-06-02</a:t>
             </a:fld>
             <a:endParaRPr lang="ko-KR" altLang="en-US"/>
           </a:p>
@@ -3456,7 +3892,7 @@
           <a:p>
             <a:fld id="{63398173-0E1E-4132-A695-781E3AD47F04}" type="datetimeFigureOut">
               <a:rPr lang="ko-KR" altLang="en-US" smtClean="0"/>
-              <a:t>2023-06-01</a:t>
+              <a:t>2023-06-02</a:t>
             </a:fld>
             <a:endParaRPr lang="ko-KR" altLang="en-US"/>
           </a:p>
@@ -3669,7 +4105,7 @@
           <a:p>
             <a:fld id="{63398173-0E1E-4132-A695-781E3AD47F04}" type="datetimeFigureOut">
               <a:rPr lang="ko-KR" altLang="en-US" smtClean="0"/>
-              <a:t>2023-06-01</a:t>
+              <a:t>2023-06-02</a:t>
             </a:fld>
             <a:endParaRPr lang="ko-KR" altLang="en-US"/>
           </a:p>
@@ -13531,7 +13967,7 @@
         </p:nvSpPr>
         <p:spPr>
           <a:xfrm>
-            <a:off x="8331776" y="662279"/>
+            <a:off x="8400007" y="410647"/>
             <a:ext cx="3486219" cy="2947282"/>
           </a:xfrm>
           <a:prstGeom prst="rect">
@@ -13906,7 +14342,7 @@
         </p:nvSpPr>
         <p:spPr bwMode="gray">
           <a:xfrm>
-            <a:off x="2291255" y="3501564"/>
+            <a:off x="2291255" y="3790601"/>
             <a:ext cx="9249103" cy="2452794"/>
           </a:xfrm>
           <a:prstGeom prst="roundRect">
@@ -13951,7 +14387,7 @@
         </p:nvSpPr>
         <p:spPr>
           <a:xfrm>
-            <a:off x="2291255" y="3273967"/>
+            <a:off x="2291255" y="3563004"/>
             <a:ext cx="2774732" cy="814557"/>
           </a:xfrm>
           <a:prstGeom prst="roundRect">
@@ -14013,7 +14449,7 @@
         </p:nvGrpSpPr>
         <p:grpSpPr>
           <a:xfrm>
-            <a:off x="2291255" y="265300"/>
+            <a:off x="2291255" y="554337"/>
             <a:ext cx="9249103" cy="2606991"/>
             <a:chOff x="2291255" y="851332"/>
             <a:chExt cx="9249103" cy="2316992"/>
@@ -14142,7 +14578,7 @@
           </p:nvSpPr>
           <p:spPr>
             <a:xfrm>
-              <a:off x="2622331" y="1691377"/>
+              <a:off x="2519853" y="1665889"/>
               <a:ext cx="8791905" cy="1260449"/>
             </a:xfrm>
             <a:prstGeom prst="rect">
@@ -14238,10 +14674,10 @@
       </p:grpSp>
       <p:sp>
         <p:nvSpPr>
-          <p:cNvPr id="14" name="TextBox 13">
+          <p:cNvPr id="3" name="TextBox 2">
             <a:extLst>
               <a:ext uri="{FF2B5EF4-FFF2-40B4-BE49-F238E27FC236}">
-                <a16:creationId xmlns:a16="http://schemas.microsoft.com/office/drawing/2014/main" id="{E9E66952-BAC7-F495-410B-2D8FC44CEEE8}"/>
+                <a16:creationId xmlns:a16="http://schemas.microsoft.com/office/drawing/2014/main" id="{775FE370-9304-BCC6-7B79-04EC5A088237}"/>
               </a:ext>
             </a:extLst>
           </p:cNvPr>
@@ -14250,8 +14686,8 @@
         </p:nvSpPr>
         <p:spPr>
           <a:xfrm>
-            <a:off x="2511971" y="4129482"/>
-            <a:ext cx="9012624" cy="1418209"/>
+            <a:off x="2519853" y="4387147"/>
+            <a:ext cx="8791905" cy="1418209"/>
           </a:xfrm>
           <a:prstGeom prst="rect">
             <a:avLst/>
@@ -14532,7 +14968,7 @@
         </p:nvSpPr>
         <p:spPr>
           <a:xfrm>
-            <a:off x="6190243" y="2061011"/>
+            <a:off x="6245875" y="1909878"/>
             <a:ext cx="1287830" cy="494879"/>
           </a:xfrm>
           <a:prstGeom prst="rect">
@@ -14580,7 +15016,7 @@
           <p:nvPr/>
         </p:nvPicPr>
         <p:blipFill>
-          <a:blip r:embed="rId2">
+          <a:blip r:embed="rId3">
             <a:extLst>
               <a:ext uri="{28A0092B-C50C-407E-A947-70E740481C1C}">
                 <a14:useLocalDpi xmlns:a14="http://schemas.microsoft.com/office/drawing/2010/main" val="0"/>
@@ -14593,7 +15029,7 @@
         </p:blipFill>
         <p:spPr>
           <a:xfrm>
-            <a:off x="2071506" y="334351"/>
+            <a:off x="2292080" y="1207460"/>
             <a:ext cx="1620000" cy="1620000"/>
           </a:xfrm>
           <a:prstGeom prst="rect">
@@ -14607,42 +15043,6 @@
             <a:extLst>
               <a:ext uri="{FF2B5EF4-FFF2-40B4-BE49-F238E27FC236}">
                 <a16:creationId xmlns:a16="http://schemas.microsoft.com/office/drawing/2014/main" id="{1CFD4250-A259-787B-C707-7EA6CED954D8}"/>
-              </a:ext>
-            </a:extLst>
-          </p:cNvPr>
-          <p:cNvPicPr>
-            <a:picLocks noChangeAspect="1"/>
-          </p:cNvPicPr>
-          <p:nvPr/>
-        </p:nvPicPr>
-        <p:blipFill>
-          <a:blip r:embed="rId3">
-            <a:extLst>
-              <a:ext uri="{28A0092B-C50C-407E-A947-70E740481C1C}">
-                <a14:useLocalDpi xmlns:a14="http://schemas.microsoft.com/office/drawing/2010/main" val="0"/>
-              </a:ext>
-            </a:extLst>
-          </a:blip>
-          <a:stretch>
-            <a:fillRect/>
-          </a:stretch>
-        </p:blipFill>
-        <p:spPr>
-          <a:xfrm>
-            <a:off x="9556775" y="4515000"/>
-            <a:ext cx="1620000" cy="1620000"/>
-          </a:xfrm>
-          <a:prstGeom prst="rect">
-            <a:avLst/>
-          </a:prstGeom>
-        </p:spPr>
-      </p:pic>
-      <p:pic>
-        <p:nvPicPr>
-          <p:cNvPr id="23" name="그림 22" descr="블랙, 어둠이(가) 표시된 사진&#10;&#10;자동 생성된 설명">
-            <a:extLst>
-              <a:ext uri="{FF2B5EF4-FFF2-40B4-BE49-F238E27FC236}">
-                <a16:creationId xmlns:a16="http://schemas.microsoft.com/office/drawing/2014/main" id="{C1C886F7-3623-0E7D-C357-441B8C824FE0}"/>
               </a:ext>
             </a:extLst>
           </p:cNvPr>
@@ -14653,6 +15053,42 @@
         </p:nvPicPr>
         <p:blipFill>
           <a:blip r:embed="rId4">
+            <a:extLst>
+              <a:ext uri="{28A0092B-C50C-407E-A947-70E740481C1C}">
+                <a14:useLocalDpi xmlns:a14="http://schemas.microsoft.com/office/drawing/2010/main" val="0"/>
+              </a:ext>
+            </a:extLst>
+          </a:blip>
+          <a:stretch>
+            <a:fillRect/>
+          </a:stretch>
+        </p:blipFill>
+        <p:spPr>
+          <a:xfrm>
+            <a:off x="9628818" y="4037176"/>
+            <a:ext cx="1620000" cy="1620000"/>
+          </a:xfrm>
+          <a:prstGeom prst="rect">
+            <a:avLst/>
+          </a:prstGeom>
+        </p:spPr>
+      </p:pic>
+      <p:pic>
+        <p:nvPicPr>
+          <p:cNvPr id="23" name="그림 22" descr="블랙, 어둠이(가) 표시된 사진&#10;&#10;자동 생성된 설명">
+            <a:extLst>
+              <a:ext uri="{FF2B5EF4-FFF2-40B4-BE49-F238E27FC236}">
+                <a16:creationId xmlns:a16="http://schemas.microsoft.com/office/drawing/2014/main" id="{C1C886F7-3623-0E7D-C357-441B8C824FE0}"/>
+              </a:ext>
+            </a:extLst>
+          </p:cNvPr>
+          <p:cNvPicPr>
+            <a:picLocks noChangeAspect="1"/>
+          </p:cNvPicPr>
+          <p:nvPr/>
+        </p:nvPicPr>
+        <p:blipFill>
+          <a:blip r:embed="rId5">
             <a:extLst>
               <a:ext uri="{28A0092B-C50C-407E-A947-70E740481C1C}">
                 <a14:useLocalDpi xmlns:a14="http://schemas.microsoft.com/office/drawing/2010/main" val="0"/>
@@ -14734,7 +15170,7 @@
         </p:nvSpPr>
         <p:spPr>
           <a:xfrm>
-            <a:off x="9061937" y="6194343"/>
+            <a:off x="9133980" y="5716519"/>
             <a:ext cx="2928225" cy="494879"/>
           </a:xfrm>
           <a:prstGeom prst="rect">
@@ -14789,7 +15225,7 @@
           <p:nvPr/>
         </p:nvPicPr>
         <p:blipFill>
-          <a:blip r:embed="rId5">
+          <a:blip r:embed="rId6">
             <a:extLst>
               <a:ext uri="{28A0092B-C50C-407E-A947-70E740481C1C}">
                 <a14:useLocalDpi xmlns:a14="http://schemas.microsoft.com/office/drawing/2010/main" val="0"/>
@@ -14802,7 +15238,7 @@
         </p:blipFill>
         <p:spPr>
           <a:xfrm>
-            <a:off x="5968526" y="368923"/>
+            <a:off x="6024158" y="217790"/>
             <a:ext cx="1620000" cy="1620000"/>
           </a:xfrm>
           <a:prstGeom prst="rect">
@@ -14816,42 +15252,6 @@
             <a:extLst>
               <a:ext uri="{FF2B5EF4-FFF2-40B4-BE49-F238E27FC236}">
                 <a16:creationId xmlns:a16="http://schemas.microsoft.com/office/drawing/2014/main" id="{EE6ADFCB-FEF6-0468-6BC1-8F1B4D8F4D60}"/>
-              </a:ext>
-            </a:extLst>
-          </p:cNvPr>
-          <p:cNvPicPr>
-            <a:picLocks noChangeAspect="1"/>
-          </p:cNvPicPr>
-          <p:nvPr/>
-        </p:nvPicPr>
-        <p:blipFill>
-          <a:blip r:embed="rId6">
-            <a:extLst>
-              <a:ext uri="{28A0092B-C50C-407E-A947-70E740481C1C}">
-                <a14:useLocalDpi xmlns:a14="http://schemas.microsoft.com/office/drawing/2010/main" val="0"/>
-              </a:ext>
-            </a:extLst>
-          </a:blip>
-          <a:stretch>
-            <a:fillRect/>
-          </a:stretch>
-        </p:blipFill>
-        <p:spPr>
-          <a:xfrm>
-            <a:off x="9669457" y="334351"/>
-            <a:ext cx="1620000" cy="1620000"/>
-          </a:xfrm>
-          <a:prstGeom prst="rect">
-            <a:avLst/>
-          </a:prstGeom>
-        </p:spPr>
-      </p:pic>
-      <p:pic>
-        <p:nvPicPr>
-          <p:cNvPr id="32" name="그림 31" descr="블랙, 어둠이(가) 표시된 사진&#10;&#10;자동 생성된 설명">
-            <a:extLst>
-              <a:ext uri="{FF2B5EF4-FFF2-40B4-BE49-F238E27FC236}">
-                <a16:creationId xmlns:a16="http://schemas.microsoft.com/office/drawing/2014/main" id="{2B30173F-5AF5-DDE9-E310-B615BC833CAE}"/>
               </a:ext>
             </a:extLst>
           </p:cNvPr>
@@ -14874,7 +15274,43 @@
         </p:blipFill>
         <p:spPr>
           <a:xfrm>
-            <a:off x="5859423" y="4608160"/>
+            <a:off x="9756236" y="1221544"/>
+            <a:ext cx="1620000" cy="1620000"/>
+          </a:xfrm>
+          <a:prstGeom prst="rect">
+            <a:avLst/>
+          </a:prstGeom>
+        </p:spPr>
+      </p:pic>
+      <p:pic>
+        <p:nvPicPr>
+          <p:cNvPr id="32" name="그림 31" descr="블랙, 어둠이(가) 표시된 사진&#10;&#10;자동 생성된 설명">
+            <a:extLst>
+              <a:ext uri="{FF2B5EF4-FFF2-40B4-BE49-F238E27FC236}">
+                <a16:creationId xmlns:a16="http://schemas.microsoft.com/office/drawing/2014/main" id="{2B30173F-5AF5-DDE9-E310-B615BC833CAE}"/>
+              </a:ext>
+            </a:extLst>
+          </p:cNvPr>
+          <p:cNvPicPr>
+            <a:picLocks noChangeAspect="1"/>
+          </p:cNvPicPr>
+          <p:nvPr/>
+        </p:nvPicPr>
+        <p:blipFill>
+          <a:blip r:embed="rId8">
+            <a:extLst>
+              <a:ext uri="{28A0092B-C50C-407E-A947-70E740481C1C}">
+                <a14:useLocalDpi xmlns:a14="http://schemas.microsoft.com/office/drawing/2010/main" val="0"/>
+              </a:ext>
+            </a:extLst>
+          </a:blip>
+          <a:stretch>
+            <a:fillRect/>
+          </a:stretch>
+        </p:blipFill>
+        <p:spPr>
+          <a:xfrm>
+            <a:off x="6122376" y="4492458"/>
             <a:ext cx="1620000" cy="1620000"/>
           </a:xfrm>
           <a:prstGeom prst="rect">
@@ -14896,7 +15332,7 @@
         </p:nvSpPr>
         <p:spPr>
           <a:xfrm>
-            <a:off x="1846855" y="2061012"/>
+            <a:off x="2067429" y="2934121"/>
             <a:ext cx="2111311" cy="494879"/>
           </a:xfrm>
           <a:prstGeom prst="rect">
@@ -14943,7 +15379,7 @@
         </p:nvSpPr>
         <p:spPr>
           <a:xfrm>
-            <a:off x="5366630" y="6261033"/>
+            <a:off x="5629583" y="6145331"/>
             <a:ext cx="2688177" cy="494879"/>
           </a:xfrm>
           <a:prstGeom prst="rect">
@@ -14990,7 +15426,7 @@
         </p:nvSpPr>
         <p:spPr>
           <a:xfrm>
-            <a:off x="9756236" y="2046928"/>
+            <a:off x="9843015" y="2934121"/>
             <a:ext cx="1533221" cy="494879"/>
           </a:xfrm>
           <a:prstGeom prst="rect">
@@ -22917,4 +23353,299 @@
     </a:ext>
   </a:extLst>
 </a:theme>
+</file>
+
+<file path=ppt/theme/theme2.xml><?xml version="1.0" encoding="utf-8"?>
+<a:theme xmlns:a="http://schemas.openxmlformats.org/drawingml/2006/main" name="Office 테마">
+  <a:themeElements>
+    <a:clrScheme name="Office">
+      <a:dk1>
+        <a:sysClr val="windowText" lastClr="000000"/>
+      </a:dk1>
+      <a:lt1>
+        <a:sysClr val="window" lastClr="FFFFFF"/>
+      </a:lt1>
+      <a:dk2>
+        <a:srgbClr val="44546A"/>
+      </a:dk2>
+      <a:lt2>
+        <a:srgbClr val="E7E6E6"/>
+      </a:lt2>
+      <a:accent1>
+        <a:srgbClr val="4472C4"/>
+      </a:accent1>
+      <a:accent2>
+        <a:srgbClr val="ED7D31"/>
+      </a:accent2>
+      <a:accent3>
+        <a:srgbClr val="A5A5A5"/>
+      </a:accent3>
+      <a:accent4>
+        <a:srgbClr val="FFC000"/>
+      </a:accent4>
+      <a:accent5>
+        <a:srgbClr val="5B9BD5"/>
+      </a:accent5>
+      <a:accent6>
+        <a:srgbClr val="70AD47"/>
+      </a:accent6>
+      <a:hlink>
+        <a:srgbClr val="0563C1"/>
+      </a:hlink>
+      <a:folHlink>
+        <a:srgbClr val="954F72"/>
+      </a:folHlink>
+    </a:clrScheme>
+    <a:fontScheme name="Office">
+      <a:majorFont>
+        <a:latin typeface="맑은 고딕" panose="020F0302020204030204"/>
+        <a:ea typeface=""/>
+        <a:cs typeface=""/>
+        <a:font script="Jpan" typeface="游ゴシック Light"/>
+        <a:font script="Hang" typeface="맑은 고딕"/>
+        <a:font script="Hans" typeface="等线 Light"/>
+        <a:font script="Hant" typeface="新細明體"/>
+        <a:font script="Arab" typeface="Times New Roman"/>
+        <a:font script="Hebr" typeface="Times New Roman"/>
+        <a:font script="Thai" typeface="Angsana New"/>
+        <a:font script="Ethi" typeface="Nyala"/>
+        <a:font script="Beng" typeface="Vrinda"/>
+        <a:font script="Gujr" typeface="Shruti"/>
+        <a:font script="Khmr" typeface="MoolBoran"/>
+        <a:font script="Knda" typeface="Tunga"/>
+        <a:font script="Guru" typeface="Raavi"/>
+        <a:font script="Cans" typeface="Euphemia"/>
+        <a:font script="Cher" typeface="Plantagenet Cherokee"/>
+        <a:font script="Yiii" typeface="Microsoft Yi Baiti"/>
+        <a:font script="Tibt" typeface="Microsoft Himalaya"/>
+        <a:font script="Thaa" typeface="MV Boli"/>
+        <a:font script="Deva" typeface="Mangal"/>
+        <a:font script="Telu" typeface="Gautami"/>
+        <a:font script="Taml" typeface="Latha"/>
+        <a:font script="Syrc" typeface="Estrangelo Edessa"/>
+        <a:font script="Orya" typeface="Kalinga"/>
+        <a:font script="Mlym" typeface="Kartika"/>
+        <a:font script="Laoo" typeface="DokChampa"/>
+        <a:font script="Sinh" typeface="Iskoola Pota"/>
+        <a:font script="Mong" typeface="Mongolian Baiti"/>
+        <a:font script="Viet" typeface="Times New Roman"/>
+        <a:font script="Uigh" typeface="Microsoft Uighur"/>
+        <a:font script="Geor" typeface="Sylfaen"/>
+        <a:font script="Armn" typeface="Arial"/>
+        <a:font script="Bugi" typeface="Leelawadee UI"/>
+        <a:font script="Bopo" typeface="Microsoft JhengHei"/>
+        <a:font script="Java" typeface="Javanese Text"/>
+        <a:font script="Lisu" typeface="Segoe UI"/>
+        <a:font script="Mymr" typeface="Myanmar Text"/>
+        <a:font script="Nkoo" typeface="Ebrima"/>
+        <a:font script="Olck" typeface="Nirmala UI"/>
+        <a:font script="Osma" typeface="Ebrima"/>
+        <a:font script="Phag" typeface="Phagspa"/>
+        <a:font script="Syrn" typeface="Estrangelo Edessa"/>
+        <a:font script="Syrj" typeface="Estrangelo Edessa"/>
+        <a:font script="Syre" typeface="Estrangelo Edessa"/>
+        <a:font script="Sora" typeface="Nirmala UI"/>
+        <a:font script="Tale" typeface="Microsoft Tai Le"/>
+        <a:font script="Talu" typeface="Microsoft New Tai Lue"/>
+        <a:font script="Tfng" typeface="Ebrima"/>
+      </a:majorFont>
+      <a:minorFont>
+        <a:latin typeface="맑은 고딕" panose="020F0502020204030204"/>
+        <a:ea typeface=""/>
+        <a:cs typeface=""/>
+        <a:font script="Jpan" typeface="游ゴシック"/>
+        <a:font script="Hang" typeface="맑은 고딕"/>
+        <a:font script="Hans" typeface="等线"/>
+        <a:font script="Hant" typeface="新細明體"/>
+        <a:font script="Arab" typeface="Arial"/>
+        <a:font script="Hebr" typeface="Arial"/>
+        <a:font script="Thai" typeface="Cordia New"/>
+        <a:font script="Ethi" typeface="Nyala"/>
+        <a:font script="Beng" typeface="Vrinda"/>
+        <a:font script="Gujr" typeface="Shruti"/>
+        <a:font script="Khmr" typeface="DaunPenh"/>
+        <a:font script="Knda" typeface="Tunga"/>
+        <a:font script="Guru" typeface="Raavi"/>
+        <a:font script="Cans" typeface="Euphemia"/>
+        <a:font script="Cher" typeface="Plantagenet Cherokee"/>
+        <a:font script="Yiii" typeface="Microsoft Yi Baiti"/>
+        <a:font script="Tibt" typeface="Microsoft Himalaya"/>
+        <a:font script="Thaa" typeface="MV Boli"/>
+        <a:font script="Deva" typeface="Mangal"/>
+        <a:font script="Telu" typeface="Gautami"/>
+        <a:font script="Taml" typeface="Latha"/>
+        <a:font script="Syrc" typeface="Estrangelo Edessa"/>
+        <a:font script="Orya" typeface="Kalinga"/>
+        <a:font script="Mlym" typeface="Kartika"/>
+        <a:font script="Laoo" typeface="DokChampa"/>
+        <a:font script="Sinh" typeface="Iskoola Pota"/>
+        <a:font script="Mong" typeface="Mongolian Baiti"/>
+        <a:font script="Viet" typeface="Arial"/>
+        <a:font script="Uigh" typeface="Microsoft Uighur"/>
+        <a:font script="Geor" typeface="Sylfaen"/>
+        <a:font script="Armn" typeface="Arial"/>
+        <a:font script="Bugi" typeface="Leelawadee UI"/>
+        <a:font script="Bopo" typeface="Microsoft JhengHei"/>
+        <a:font script="Java" typeface="Javanese Text"/>
+        <a:font script="Lisu" typeface="Segoe UI"/>
+        <a:font script="Mymr" typeface="Myanmar Text"/>
+        <a:font script="Nkoo" typeface="Ebrima"/>
+        <a:font script="Olck" typeface="Nirmala UI"/>
+        <a:font script="Osma" typeface="Ebrima"/>
+        <a:font script="Phag" typeface="Phagspa"/>
+        <a:font script="Syrn" typeface="Estrangelo Edessa"/>
+        <a:font script="Syrj" typeface="Estrangelo Edessa"/>
+        <a:font script="Syre" typeface="Estrangelo Edessa"/>
+        <a:font script="Sora" typeface="Nirmala UI"/>
+        <a:font script="Tale" typeface="Microsoft Tai Le"/>
+        <a:font script="Talu" typeface="Microsoft New Tai Lue"/>
+        <a:font script="Tfng" typeface="Ebrima"/>
+      </a:minorFont>
+    </a:fontScheme>
+    <a:fmtScheme name="Office">
+      <a:fillStyleLst>
+        <a:solidFill>
+          <a:schemeClr val="phClr"/>
+        </a:solidFill>
+        <a:gradFill rotWithShape="1">
+          <a:gsLst>
+            <a:gs pos="0">
+              <a:schemeClr val="phClr">
+                <a:lumMod val="110000"/>
+                <a:satMod val="105000"/>
+                <a:tint val="67000"/>
+              </a:schemeClr>
+            </a:gs>
+            <a:gs pos="50000">
+              <a:schemeClr val="phClr">
+                <a:lumMod val="105000"/>
+                <a:satMod val="103000"/>
+                <a:tint val="73000"/>
+              </a:schemeClr>
+            </a:gs>
+            <a:gs pos="100000">
+              <a:schemeClr val="phClr">
+                <a:lumMod val="105000"/>
+                <a:satMod val="109000"/>
+                <a:tint val="81000"/>
+              </a:schemeClr>
+            </a:gs>
+          </a:gsLst>
+          <a:lin ang="5400000" scaled="0"/>
+        </a:gradFill>
+        <a:gradFill rotWithShape="1">
+          <a:gsLst>
+            <a:gs pos="0">
+              <a:schemeClr val="phClr">
+                <a:satMod val="103000"/>
+                <a:lumMod val="102000"/>
+                <a:tint val="94000"/>
+              </a:schemeClr>
+            </a:gs>
+            <a:gs pos="50000">
+              <a:schemeClr val="phClr">
+                <a:satMod val="110000"/>
+                <a:lumMod val="100000"/>
+                <a:shade val="100000"/>
+              </a:schemeClr>
+            </a:gs>
+            <a:gs pos="100000">
+              <a:schemeClr val="phClr">
+                <a:lumMod val="99000"/>
+                <a:satMod val="120000"/>
+                <a:shade val="78000"/>
+              </a:schemeClr>
+            </a:gs>
+          </a:gsLst>
+          <a:lin ang="5400000" scaled="0"/>
+        </a:gradFill>
+      </a:fillStyleLst>
+      <a:lnStyleLst>
+        <a:ln w="6350" cap="flat" cmpd="sng" algn="ctr">
+          <a:solidFill>
+            <a:schemeClr val="phClr"/>
+          </a:solidFill>
+          <a:prstDash val="solid"/>
+          <a:miter lim="800000"/>
+        </a:ln>
+        <a:ln w="12700" cap="flat" cmpd="sng" algn="ctr">
+          <a:solidFill>
+            <a:schemeClr val="phClr"/>
+          </a:solidFill>
+          <a:prstDash val="solid"/>
+          <a:miter lim="800000"/>
+        </a:ln>
+        <a:ln w="19050" cap="flat" cmpd="sng" algn="ctr">
+          <a:solidFill>
+            <a:schemeClr val="phClr"/>
+          </a:solidFill>
+          <a:prstDash val="solid"/>
+          <a:miter lim="800000"/>
+        </a:ln>
+      </a:lnStyleLst>
+      <a:effectStyleLst>
+        <a:effectStyle>
+          <a:effectLst/>
+        </a:effectStyle>
+        <a:effectStyle>
+          <a:effectLst/>
+        </a:effectStyle>
+        <a:effectStyle>
+          <a:effectLst>
+            <a:outerShdw blurRad="57150" dist="19050" dir="5400000" algn="ctr" rotWithShape="0">
+              <a:srgbClr val="000000">
+                <a:alpha val="63000"/>
+              </a:srgbClr>
+            </a:outerShdw>
+          </a:effectLst>
+        </a:effectStyle>
+      </a:effectStyleLst>
+      <a:bgFillStyleLst>
+        <a:solidFill>
+          <a:schemeClr val="phClr"/>
+        </a:solidFill>
+        <a:solidFill>
+          <a:schemeClr val="phClr">
+            <a:tint val="95000"/>
+            <a:satMod val="170000"/>
+          </a:schemeClr>
+        </a:solidFill>
+        <a:gradFill rotWithShape="1">
+          <a:gsLst>
+            <a:gs pos="0">
+              <a:schemeClr val="phClr">
+                <a:tint val="93000"/>
+                <a:satMod val="150000"/>
+                <a:shade val="98000"/>
+                <a:lumMod val="102000"/>
+              </a:schemeClr>
+            </a:gs>
+            <a:gs pos="50000">
+              <a:schemeClr val="phClr">
+                <a:tint val="98000"/>
+                <a:satMod val="130000"/>
+                <a:shade val="90000"/>
+                <a:lumMod val="103000"/>
+              </a:schemeClr>
+            </a:gs>
+            <a:gs pos="100000">
+              <a:schemeClr val="phClr">
+                <a:shade val="63000"/>
+                <a:satMod val="120000"/>
+              </a:schemeClr>
+            </a:gs>
+          </a:gsLst>
+          <a:lin ang="5400000" scaled="0"/>
+        </a:gradFill>
+      </a:bgFillStyleLst>
+    </a:fmtScheme>
+  </a:themeElements>
+  <a:objectDefaults/>
+  <a:extraClrSchemeLst/>
+  <a:extLst>
+    <a:ext uri="{05A4C25C-085E-4340-85A3-A5531E510DB2}">
+      <thm15:themeFamily xmlns:thm15="http://schemas.microsoft.com/office/thememl/2012/main" name="Office Theme" id="{62F939B6-93AF-4DB8-9C6B-D6C7DFDC589F}" vid="{4A3C46E8-61CC-4603-A589-7422A47A8E4A}"/>
+    </a:ext>
+  </a:extLst>
+</a:theme>
 </file>
--- a/기획 UI/A조 프로토타입 발표.pptx
+++ b/기획 UI/A조 프로토타입 발표.pptx
@@ -5,23 +5,24 @@
     <p:sldMasterId id="2147483708" r:id="rId1"/>
   </p:sldMasterIdLst>
   <p:notesMasterIdLst>
-    <p:notesMasterId r:id="rId16"/>
+    <p:notesMasterId r:id="rId17"/>
   </p:notesMasterIdLst>
   <p:sldIdLst>
     <p:sldId id="260" r:id="rId2"/>
     <p:sldId id="256" r:id="rId3"/>
     <p:sldId id="258" r:id="rId4"/>
-    <p:sldId id="261" r:id="rId5"/>
-    <p:sldId id="263" r:id="rId6"/>
-    <p:sldId id="266" r:id="rId7"/>
-    <p:sldId id="265" r:id="rId8"/>
-    <p:sldId id="262" r:id="rId9"/>
-    <p:sldId id="272" r:id="rId10"/>
-    <p:sldId id="267" r:id="rId11"/>
-    <p:sldId id="268" r:id="rId12"/>
-    <p:sldId id="271" r:id="rId13"/>
-    <p:sldId id="264" r:id="rId14"/>
-    <p:sldId id="270" r:id="rId15"/>
+    <p:sldId id="273" r:id="rId5"/>
+    <p:sldId id="261" r:id="rId6"/>
+    <p:sldId id="263" r:id="rId7"/>
+    <p:sldId id="266" r:id="rId8"/>
+    <p:sldId id="265" r:id="rId9"/>
+    <p:sldId id="262" r:id="rId10"/>
+    <p:sldId id="272" r:id="rId11"/>
+    <p:sldId id="267" r:id="rId12"/>
+    <p:sldId id="268" r:id="rId13"/>
+    <p:sldId id="271" r:id="rId14"/>
+    <p:sldId id="264" r:id="rId15"/>
+    <p:sldId id="270" r:id="rId16"/>
   </p:sldIdLst>
   <p:sldSz cx="12192000" cy="6858000"/>
   <p:notesSz cx="6858000" cy="9144000"/>
@@ -1298,7 +1299,7 @@
           <a:p>
             <a:fld id="{BAB0EF52-0BC9-4FAB-B538-F1BCB30B3D84}" type="datetimeFigureOut">
               <a:rPr lang="ko-KR" altLang="en-US" smtClean="0"/>
-              <a:t>2023-06-02</a:t>
+              <a:t>2023-06-23</a:t>
             </a:fld>
             <a:endParaRPr lang="ko-KR" altLang="en-US"/>
           </a:p>
@@ -1630,7 +1631,7 @@
           <a:p>
             <a:fld id="{D2A03A7A-A6BE-420D-A040-6E99343C7960}" type="slidenum">
               <a:rPr lang="ko-KR" altLang="en-US" smtClean="0"/>
-              <a:t>5</a:t>
+              <a:t>6</a:t>
             </a:fld>
             <a:endParaRPr lang="ko-KR" altLang="en-US"/>
           </a:p>
@@ -1780,7 +1781,7 @@
           <a:p>
             <a:fld id="{63398173-0E1E-4132-A695-781E3AD47F04}" type="datetimeFigureOut">
               <a:rPr lang="ko-KR" altLang="en-US" smtClean="0"/>
-              <a:t>2023-06-02</a:t>
+              <a:t>2023-06-23</a:t>
             </a:fld>
             <a:endParaRPr lang="ko-KR" altLang="en-US"/>
           </a:p>
@@ -1950,7 +1951,7 @@
           <a:p>
             <a:fld id="{63398173-0E1E-4132-A695-781E3AD47F04}" type="datetimeFigureOut">
               <a:rPr lang="ko-KR" altLang="en-US" smtClean="0"/>
-              <a:t>2023-06-02</a:t>
+              <a:t>2023-06-23</a:t>
             </a:fld>
             <a:endParaRPr lang="ko-KR" altLang="en-US"/>
           </a:p>
@@ -2130,7 +2131,7 @@
           <a:p>
             <a:fld id="{63398173-0E1E-4132-A695-781E3AD47F04}" type="datetimeFigureOut">
               <a:rPr lang="ko-KR" altLang="en-US" smtClean="0"/>
-              <a:t>2023-06-02</a:t>
+              <a:t>2023-06-23</a:t>
             </a:fld>
             <a:endParaRPr lang="ko-KR" altLang="en-US"/>
           </a:p>
@@ -2300,7 +2301,7 @@
           <a:p>
             <a:fld id="{63398173-0E1E-4132-A695-781E3AD47F04}" type="datetimeFigureOut">
               <a:rPr lang="ko-KR" altLang="en-US" smtClean="0"/>
-              <a:t>2023-06-02</a:t>
+              <a:t>2023-06-23</a:t>
             </a:fld>
             <a:endParaRPr lang="ko-KR" altLang="en-US"/>
           </a:p>
@@ -2546,7 +2547,7 @@
           <a:p>
             <a:fld id="{63398173-0E1E-4132-A695-781E3AD47F04}" type="datetimeFigureOut">
               <a:rPr lang="ko-KR" altLang="en-US" smtClean="0"/>
-              <a:t>2023-06-02</a:t>
+              <a:t>2023-06-23</a:t>
             </a:fld>
             <a:endParaRPr lang="ko-KR" altLang="en-US"/>
           </a:p>
@@ -2778,7 +2779,7 @@
           <a:p>
             <a:fld id="{63398173-0E1E-4132-A695-781E3AD47F04}" type="datetimeFigureOut">
               <a:rPr lang="ko-KR" altLang="en-US" smtClean="0"/>
-              <a:t>2023-06-02</a:t>
+              <a:t>2023-06-23</a:t>
             </a:fld>
             <a:endParaRPr lang="ko-KR" altLang="en-US"/>
           </a:p>
@@ -3145,7 +3146,7 @@
           <a:p>
             <a:fld id="{63398173-0E1E-4132-A695-781E3AD47F04}" type="datetimeFigureOut">
               <a:rPr lang="ko-KR" altLang="en-US" smtClean="0"/>
-              <a:t>2023-06-02</a:t>
+              <a:t>2023-06-23</a:t>
             </a:fld>
             <a:endParaRPr lang="ko-KR" altLang="en-US"/>
           </a:p>
@@ -3263,7 +3264,7 @@
           <a:p>
             <a:fld id="{63398173-0E1E-4132-A695-781E3AD47F04}" type="datetimeFigureOut">
               <a:rPr lang="ko-KR" altLang="en-US" smtClean="0"/>
-              <a:t>2023-06-02</a:t>
+              <a:t>2023-06-23</a:t>
             </a:fld>
             <a:endParaRPr lang="ko-KR" altLang="en-US"/>
           </a:p>
@@ -3358,7 +3359,7 @@
           <a:p>
             <a:fld id="{63398173-0E1E-4132-A695-781E3AD47F04}" type="datetimeFigureOut">
               <a:rPr lang="ko-KR" altLang="en-US" smtClean="0"/>
-              <a:t>2023-06-02</a:t>
+              <a:t>2023-06-23</a:t>
             </a:fld>
             <a:endParaRPr lang="ko-KR" altLang="en-US"/>
           </a:p>
@@ -3635,7 +3636,7 @@
           <a:p>
             <a:fld id="{63398173-0E1E-4132-A695-781E3AD47F04}" type="datetimeFigureOut">
               <a:rPr lang="ko-KR" altLang="en-US" smtClean="0"/>
-              <a:t>2023-06-02</a:t>
+              <a:t>2023-06-23</a:t>
             </a:fld>
             <a:endParaRPr lang="ko-KR" altLang="en-US"/>
           </a:p>
@@ -3892,7 +3893,7 @@
           <a:p>
             <a:fld id="{63398173-0E1E-4132-A695-781E3AD47F04}" type="datetimeFigureOut">
               <a:rPr lang="ko-KR" altLang="en-US" smtClean="0"/>
-              <a:t>2023-06-02</a:t>
+              <a:t>2023-06-23</a:t>
             </a:fld>
             <a:endParaRPr lang="ko-KR" altLang="en-US"/>
           </a:p>
@@ -4105,7 +4106,7 @@
           <a:p>
             <a:fld id="{63398173-0E1E-4132-A695-781E3AD47F04}" type="datetimeFigureOut">
               <a:rPr lang="ko-KR" altLang="en-US" smtClean="0"/>
-              <a:t>2023-06-02</a:t>
+              <a:t>2023-06-23</a:t>
             </a:fld>
             <a:endParaRPr lang="ko-KR" altLang="en-US"/>
           </a:p>
@@ -4596,7 +4597,7 @@
         </p:nvSpPr>
         <p:spPr>
           <a:xfrm>
-            <a:off x="638882" y="639193"/>
+            <a:off x="604192" y="733948"/>
             <a:ext cx="3571810" cy="3573516"/>
           </a:xfrm>
         </p:spPr>
@@ -4607,6 +4608,42 @@
           <a:lstStyle/>
           <a:p>
             <a:pPr latinLnBrk="0"/>
+            <a:r>
+              <a:rPr lang="en-US" altLang="ko-KR" sz="5100" b="1" kern="1200" dirty="0">
+                <a:solidFill>
+                  <a:schemeClr val="accent1">
+                    <a:lumMod val="75000"/>
+                  </a:schemeClr>
+                </a:solidFill>
+                <a:effectLst>
+                  <a:outerShdw blurRad="38100" dist="38100" dir="2700000" algn="tl">
+                    <a:srgbClr val="000000">
+                      <a:alpha val="43137"/>
+                    </a:srgbClr>
+                  </a:outerShdw>
+                </a:effectLst>
+                <a:latin typeface="나눔고딕" pitchFamily="2" charset="-127"/>
+                <a:ea typeface="나눔고딕" pitchFamily="2" charset="-127"/>
+              </a:rPr>
+              <a:t>B</a:t>
+            </a:r>
+            <a:r>
+              <a:rPr lang="en-US" altLang="ko-KR" sz="5100" b="1" kern="1200" dirty="0">
+                <a:solidFill>
+                  <a:srgbClr val="017A59"/>
+                </a:solidFill>
+                <a:effectLst>
+                  <a:outerShdw blurRad="38100" dist="38100" dir="2700000" algn="tl">
+                    <a:srgbClr val="000000">
+                      <a:alpha val="43137"/>
+                    </a:srgbClr>
+                  </a:outerShdw>
+                </a:effectLst>
+                <a:latin typeface="나눔고딕" pitchFamily="2" charset="-127"/>
+                <a:ea typeface="나눔고딕" pitchFamily="2" charset="-127"/>
+              </a:rPr>
+              <a:t>.</a:t>
+            </a:r>
             <a:r>
               <a:rPr lang="en-US" altLang="ko-KR" sz="5100" b="1" kern="1200" dirty="0">
                 <a:solidFill>
@@ -4622,10 +4659,10 @@
                 <a:latin typeface="나눔고딕" pitchFamily="2" charset="-127"/>
                 <a:ea typeface="나눔고딕" pitchFamily="2" charset="-127"/>
               </a:rPr>
-              <a:t>A</a:t>
+              <a:t>  lack</a:t>
             </a:r>
-            <a:r>
-              <a:rPr lang="ko-KR" altLang="en-US" sz="5100" b="1" kern="1200" dirty="0">
+            <a:br>
+              <a:rPr lang="en-US" altLang="ko-KR" sz="5100" b="1" kern="1200" dirty="0">
                 <a:solidFill>
                   <a:schemeClr val="tx1"/>
                 </a:solidFill>
@@ -4639,7 +4676,111 @@
                 <a:latin typeface="나눔고딕" pitchFamily="2" charset="-127"/>
                 <a:ea typeface="나눔고딕" pitchFamily="2" charset="-127"/>
               </a:rPr>
-              <a:t>조 프로토타입 발표</a:t>
+            </a:br>
+            <a:r>
+              <a:rPr lang="en-US" altLang="ko-KR" sz="5100" b="1" kern="1200" dirty="0">
+                <a:solidFill>
+                  <a:schemeClr val="accent1">
+                    <a:lumMod val="75000"/>
+                  </a:schemeClr>
+                </a:solidFill>
+                <a:effectLst>
+                  <a:outerShdw blurRad="38100" dist="38100" dir="2700000" algn="tl">
+                    <a:srgbClr val="000000">
+                      <a:alpha val="43137"/>
+                    </a:srgbClr>
+                  </a:outerShdw>
+                </a:effectLst>
+                <a:latin typeface="나눔고딕" pitchFamily="2" charset="-127"/>
+                <a:ea typeface="나눔고딕" pitchFamily="2" charset="-127"/>
+              </a:rPr>
+              <a:t>P.  </a:t>
+            </a:r>
+            <a:r>
+              <a:rPr lang="en-US" altLang="ko-KR" sz="5100" b="1" kern="1200" dirty="0" err="1">
+                <a:solidFill>
+                  <a:schemeClr val="tx1"/>
+                </a:solidFill>
+                <a:effectLst>
+                  <a:outerShdw blurRad="38100" dist="38100" dir="2700000" algn="tl">
+                    <a:srgbClr val="000000">
+                      <a:alpha val="43137"/>
+                    </a:srgbClr>
+                  </a:outerShdw>
+                </a:effectLst>
+                <a:latin typeface="나눔고딕" pitchFamily="2" charset="-127"/>
+                <a:ea typeface="나눔고딕" pitchFamily="2" charset="-127"/>
+              </a:rPr>
+              <a:t>roject</a:t>
+            </a:r>
+            <a:br>
+              <a:rPr lang="en-US" altLang="ko-KR" sz="5100" b="1" kern="1200" dirty="0">
+                <a:solidFill>
+                  <a:schemeClr val="tx1"/>
+                </a:solidFill>
+                <a:effectLst>
+                  <a:outerShdw blurRad="38100" dist="38100" dir="2700000" algn="tl">
+                    <a:srgbClr val="000000">
+                      <a:alpha val="43137"/>
+                    </a:srgbClr>
+                  </a:outerShdw>
+                </a:effectLst>
+                <a:latin typeface="나눔고딕" pitchFamily="2" charset="-127"/>
+                <a:ea typeface="나눔고딕" pitchFamily="2" charset="-127"/>
+              </a:rPr>
+            </a:br>
+            <a:r>
+              <a:rPr lang="en-US" altLang="ko-KR" sz="5100" b="1" kern="1200" dirty="0">
+                <a:solidFill>
+                  <a:schemeClr val="accent1">
+                    <a:lumMod val="75000"/>
+                  </a:schemeClr>
+                </a:solidFill>
+                <a:effectLst>
+                  <a:outerShdw blurRad="38100" dist="38100" dir="2700000" algn="tl">
+                    <a:srgbClr val="000000">
+                      <a:alpha val="43137"/>
+                    </a:srgbClr>
+                  </a:outerShdw>
+                </a:effectLst>
+                <a:latin typeface="나눔고딕" pitchFamily="2" charset="-127"/>
+                <a:ea typeface="나눔고딕" pitchFamily="2" charset="-127"/>
+              </a:rPr>
+              <a:t>M.</a:t>
+            </a:r>
+            <a:r>
+              <a:rPr lang="en-US" altLang="ko-KR" sz="5100" b="1" kern="1200" dirty="0">
+                <a:solidFill>
+                  <a:schemeClr val="tx1"/>
+                </a:solidFill>
+                <a:effectLst>
+                  <a:outerShdw blurRad="38100" dist="38100" dir="2700000" algn="tl">
+                    <a:srgbClr val="000000">
+                      <a:alpha val="43137"/>
+                    </a:srgbClr>
+                  </a:outerShdw>
+                </a:effectLst>
+                <a:latin typeface="나눔고딕" pitchFamily="2" charset="-127"/>
+                <a:ea typeface="나눔고딕" pitchFamily="2" charset="-127"/>
+              </a:rPr>
+              <a:t> </a:t>
+            </a:r>
+            <a:r>
+              <a:rPr lang="en-US" altLang="ko-KR" sz="5100" b="1" kern="1200" dirty="0" err="1">
+                <a:solidFill>
+                  <a:schemeClr val="tx1"/>
+                </a:solidFill>
+                <a:effectLst>
+                  <a:outerShdw blurRad="38100" dist="38100" dir="2700000" algn="tl">
+                    <a:srgbClr val="000000">
+                      <a:alpha val="43137"/>
+                    </a:srgbClr>
+                  </a:outerShdw>
+                </a:effectLst>
+                <a:latin typeface="나눔고딕" pitchFamily="2" charset="-127"/>
+                <a:ea typeface="나눔고딕" pitchFamily="2" charset="-127"/>
+              </a:rPr>
+              <a:t>anager</a:t>
             </a:r>
             <a:endParaRPr lang="en-US" altLang="ko-KR" sz="5100" b="1" kern="1200" dirty="0">
               <a:solidFill>
@@ -4674,7 +4815,7 @@
         </p:nvSpPr>
         <p:spPr>
           <a:xfrm>
-            <a:off x="638882" y="4631161"/>
+            <a:off x="2877777" y="4658870"/>
             <a:ext cx="3571810" cy="1559327"/>
           </a:xfrm>
           <a:prstGeom prst="rect">
@@ -4711,7 +4852,7 @@
               </a:spcBef>
             </a:pPr>
             <a:r>
-              <a:rPr lang="ko-KR" altLang="en-US" sz="2400" b="1" kern="1200">
+              <a:rPr lang="ko-KR" altLang="en-US" sz="2400" b="1" kern="1200" dirty="0">
                 <a:solidFill>
                   <a:schemeClr val="tx1"/>
                 </a:solidFill>
@@ -4728,7 +4869,7 @@
               </a:rPr>
               <a:t>박종혁</a:t>
             </a:r>
-            <a:endParaRPr lang="en-US" altLang="ko-KR" sz="2400" b="1" kern="1200">
+            <a:endParaRPr lang="en-US" altLang="ko-KR" sz="2400" b="1" kern="1200" dirty="0">
               <a:solidFill>
                 <a:schemeClr val="tx1"/>
               </a:solidFill>
@@ -4751,7 +4892,7 @@
               </a:spcBef>
             </a:pPr>
             <a:r>
-              <a:rPr lang="ko-KR" altLang="en-US" sz="2400" b="1" kern="1200">
+              <a:rPr lang="ko-KR" altLang="en-US" sz="2400" b="1" kern="1200" dirty="0">
                 <a:solidFill>
                   <a:schemeClr val="tx1"/>
                 </a:solidFill>
@@ -4768,7 +4909,7 @@
               </a:rPr>
               <a:t>신현성</a:t>
             </a:r>
-            <a:endParaRPr lang="en-US" altLang="ko-KR" sz="2400" b="1" kern="1200">
+            <a:endParaRPr lang="en-US" altLang="ko-KR" sz="2400" b="1" kern="1200" dirty="0">
               <a:solidFill>
                 <a:schemeClr val="tx1"/>
               </a:solidFill>
@@ -4791,7 +4932,7 @@
               </a:spcBef>
             </a:pPr>
             <a:r>
-              <a:rPr lang="ko-KR" altLang="en-US" sz="2400" b="1" kern="1200">
+              <a:rPr lang="ko-KR" altLang="en-US" sz="2400" b="1" kern="1200" dirty="0">
                 <a:solidFill>
                   <a:schemeClr val="tx1"/>
                 </a:solidFill>
@@ -4808,7 +4949,7 @@
               </a:rPr>
               <a:t>유영훈</a:t>
             </a:r>
-            <a:endParaRPr lang="en-US" altLang="ko-KR" sz="2400" b="1" kern="1200">
+            <a:endParaRPr lang="en-US" altLang="ko-KR" sz="2400" b="1" kern="1200" dirty="0">
               <a:solidFill>
                 <a:schemeClr val="tx1"/>
               </a:solidFill>
@@ -5101,10 +5242,10 @@
       </p:sp>
       <p:pic>
         <p:nvPicPr>
-          <p:cNvPr id="53" name="Graphic 52" descr="스토리보드">
+          <p:cNvPr id="3" name="그림 2" descr="블랙, 어둠이(가) 표시된 사진&#10;&#10;자동 생성된 설명">
             <a:extLst>
               <a:ext uri="{FF2B5EF4-FFF2-40B4-BE49-F238E27FC236}">
-                <a16:creationId xmlns:a16="http://schemas.microsoft.com/office/drawing/2014/main" id="{2680AEBB-C956-7109-CC54-B0F14A0A928F}"/>
+                <a16:creationId xmlns:a16="http://schemas.microsoft.com/office/drawing/2014/main" id="{FB45AADA-1B92-7F34-5067-828F56D0BD7B}"/>
               </a:ext>
             </a:extLst>
           </p:cNvPr>
@@ -5115,12 +5256,16 @@
         </p:nvPicPr>
         <p:blipFill>
           <a:blip r:embed="rId2">
+            <a:duotone>
+              <a:schemeClr val="accent1">
+                <a:shade val="45000"/>
+                <a:satMod val="135000"/>
+              </a:schemeClr>
+              <a:prstClr val="white"/>
+            </a:duotone>
             <a:extLst>
               <a:ext uri="{28A0092B-C50C-407E-A947-70E740481C1C}">
                 <a14:useLocalDpi xmlns:a14="http://schemas.microsoft.com/office/drawing/2010/main" val="0"/>
-              </a:ext>
-              <a:ext uri="{96DAC541-7B7A-43D3-8B79-37D633B846F1}">
-                <asvg:svgBlip xmlns:asvg="http://schemas.microsoft.com/office/drawing/2016/SVG/main" r:embed="rId3"/>
               </a:ext>
             </a:extLst>
           </a:blip>
@@ -5130,8 +5275,8 @@
         </p:blipFill>
         <p:spPr>
           <a:xfrm>
-            <a:off x="5486400" y="640080"/>
-            <a:ext cx="5550408" cy="5550408"/>
+            <a:off x="6211048" y="1173139"/>
+            <a:ext cx="4877481" cy="4877481"/>
           </a:xfrm>
           <a:prstGeom prst="rect">
             <a:avLst/>
@@ -5164,6 +5309,2584 @@
 </file>
 
 <file path=ppt/slides/slide10.xml><?xml version="1.0" encoding="utf-8"?>
+<p:sld xmlns:a="http://schemas.openxmlformats.org/drawingml/2006/main" xmlns:r="http://schemas.openxmlformats.org/officeDocument/2006/relationships" xmlns:p="http://schemas.openxmlformats.org/presentationml/2006/main">
+  <p:cSld>
+    <p:spTree>
+      <p:nvGrpSpPr>
+        <p:cNvPr id="1" name=""/>
+        <p:cNvGrpSpPr/>
+        <p:nvPr/>
+      </p:nvGrpSpPr>
+      <p:grpSpPr>
+        <a:xfrm>
+          <a:off x="0" y="0"/>
+          <a:ext cx="0" cy="0"/>
+          <a:chOff x="0" y="0"/>
+          <a:chExt cx="0" cy="0"/>
+        </a:xfrm>
+      </p:grpSpPr>
+      <p:sp>
+        <p:nvSpPr>
+          <p:cNvPr id="4" name="직사각형 3">
+            <a:extLst>
+              <a:ext uri="{FF2B5EF4-FFF2-40B4-BE49-F238E27FC236}">
+                <a16:creationId xmlns:a16="http://schemas.microsoft.com/office/drawing/2014/main" id="{C35F139B-CDDB-42FA-525C-DA01A8146D90}"/>
+              </a:ext>
+            </a:extLst>
+          </p:cNvPr>
+          <p:cNvSpPr/>
+          <p:nvPr/>
+        </p:nvSpPr>
+        <p:spPr>
+          <a:xfrm>
+            <a:off x="0" y="0"/>
+            <a:ext cx="1573619" cy="6858000"/>
+          </a:xfrm>
+          <a:prstGeom prst="rect">
+            <a:avLst/>
+          </a:prstGeom>
+          <a:solidFill>
+            <a:schemeClr val="accent1"/>
+          </a:solidFill>
+        </p:spPr>
+        <p:style>
+          <a:lnRef idx="2">
+            <a:schemeClr val="accent1">
+              <a:shade val="50000"/>
+            </a:schemeClr>
+          </a:lnRef>
+          <a:fillRef idx="1">
+            <a:schemeClr val="accent1"/>
+          </a:fillRef>
+          <a:effectRef idx="0">
+            <a:schemeClr val="accent1"/>
+          </a:effectRef>
+          <a:fontRef idx="minor">
+            <a:schemeClr val="lt1"/>
+          </a:fontRef>
+        </p:style>
+        <p:txBody>
+          <a:bodyPr vert="eaVert" rtlCol="0" anchor="ctr"/>
+          <a:lstStyle/>
+          <a:p>
+            <a:pPr algn="ctr"/>
+            <a:r>
+              <a:rPr lang="ko-KR" altLang="en-US" sz="3500" b="1" dirty="0">
+                <a:solidFill>
+                  <a:schemeClr val="bg1"/>
+                </a:solidFill>
+                <a:effectLst>
+                  <a:outerShdw blurRad="38100" dist="38100" dir="2700000" algn="tl">
+                    <a:srgbClr val="000000">
+                      <a:alpha val="43137"/>
+                    </a:srgbClr>
+                  </a:outerShdw>
+                </a:effectLst>
+                <a:latin typeface="나눔고딕" pitchFamily="2" charset="-127"/>
+                <a:ea typeface="나눔고딕" pitchFamily="2" charset="-127"/>
+              </a:rPr>
+              <a:t>시  </a:t>
+            </a:r>
+            <a:r>
+              <a:rPr lang="ko-KR" altLang="en-US" sz="3500" b="1" dirty="0" err="1">
+                <a:solidFill>
+                  <a:schemeClr val="bg1"/>
+                </a:solidFill>
+                <a:effectLst>
+                  <a:outerShdw blurRad="38100" dist="38100" dir="2700000" algn="tl">
+                    <a:srgbClr val="000000">
+                      <a:alpha val="43137"/>
+                    </a:srgbClr>
+                  </a:outerShdw>
+                </a:effectLst>
+                <a:latin typeface="나눔고딕" pitchFamily="2" charset="-127"/>
+                <a:ea typeface="나눔고딕" pitchFamily="2" charset="-127"/>
+              </a:rPr>
+              <a:t>스</a:t>
+            </a:r>
+            <a:r>
+              <a:rPr lang="ko-KR" altLang="en-US" sz="3500" b="1" dirty="0">
+                <a:solidFill>
+                  <a:schemeClr val="bg1"/>
+                </a:solidFill>
+                <a:effectLst>
+                  <a:outerShdw blurRad="38100" dist="38100" dir="2700000" algn="tl">
+                    <a:srgbClr val="000000">
+                      <a:alpha val="43137"/>
+                    </a:srgbClr>
+                  </a:outerShdw>
+                </a:effectLst>
+                <a:latin typeface="나눔고딕" pitchFamily="2" charset="-127"/>
+                <a:ea typeface="나눔고딕" pitchFamily="2" charset="-127"/>
+              </a:rPr>
+              <a:t>  템  주  요  기  능</a:t>
+            </a:r>
+          </a:p>
+        </p:txBody>
+      </p:sp>
+      <p:sp>
+        <p:nvSpPr>
+          <p:cNvPr id="50" name="사각형: 둥근 모서리 49">
+            <a:extLst>
+              <a:ext uri="{FF2B5EF4-FFF2-40B4-BE49-F238E27FC236}">
+                <a16:creationId xmlns:a16="http://schemas.microsoft.com/office/drawing/2014/main" id="{03AF9854-8907-12D2-E7F9-000656C9A490}"/>
+              </a:ext>
+            </a:extLst>
+          </p:cNvPr>
+          <p:cNvSpPr/>
+          <p:nvPr/>
+        </p:nvSpPr>
+        <p:spPr>
+          <a:xfrm>
+            <a:off x="2112579" y="557043"/>
+            <a:ext cx="2165131" cy="635601"/>
+          </a:xfrm>
+          <a:prstGeom prst="roundRect">
+            <a:avLst>
+              <a:gd name="adj" fmla="val 15623"/>
+            </a:avLst>
+          </a:prstGeom>
+          <a:solidFill>
+            <a:srgbClr val="1D9A78"/>
+          </a:solidFill>
+        </p:spPr>
+        <p:style>
+          <a:lnRef idx="2">
+            <a:schemeClr val="accent1">
+              <a:shade val="50000"/>
+            </a:schemeClr>
+          </a:lnRef>
+          <a:fillRef idx="1">
+            <a:schemeClr val="accent1"/>
+          </a:fillRef>
+          <a:effectRef idx="0">
+            <a:schemeClr val="accent1"/>
+          </a:effectRef>
+          <a:fontRef idx="minor">
+            <a:schemeClr val="lt1"/>
+          </a:fontRef>
+        </p:style>
+        <p:txBody>
+          <a:bodyPr rtlCol="0" anchor="ctr"/>
+          <a:lstStyle/>
+          <a:p>
+            <a:pPr algn="ctr"/>
+            <a:r>
+              <a:rPr lang="en-US" altLang="ko-KR" sz="2500" b="1" dirty="0">
+                <a:effectLst>
+                  <a:outerShdw blurRad="38100" dist="38100" dir="2700000" algn="tl">
+                    <a:srgbClr val="000000">
+                      <a:alpha val="43137"/>
+                    </a:srgbClr>
+                  </a:outerShdw>
+                </a:effectLst>
+              </a:rPr>
+              <a:t>Index </a:t>
+            </a:r>
+            <a:r>
+              <a:rPr lang="ko-KR" altLang="en-US" sz="2500" b="1" dirty="0">
+                <a:effectLst>
+                  <a:outerShdw blurRad="38100" dist="38100" dir="2700000" algn="tl">
+                    <a:srgbClr val="000000">
+                      <a:alpha val="43137"/>
+                    </a:srgbClr>
+                  </a:outerShdw>
+                </a:effectLst>
+              </a:rPr>
+              <a:t>창</a:t>
+            </a:r>
+          </a:p>
+        </p:txBody>
+      </p:sp>
+      <p:sp>
+        <p:nvSpPr>
+          <p:cNvPr id="51" name="사각형: 둥근 모서리 50">
+            <a:extLst>
+              <a:ext uri="{FF2B5EF4-FFF2-40B4-BE49-F238E27FC236}">
+                <a16:creationId xmlns:a16="http://schemas.microsoft.com/office/drawing/2014/main" id="{6105FBFB-6071-9C39-2680-AE536B9B4B20}"/>
+              </a:ext>
+            </a:extLst>
+          </p:cNvPr>
+          <p:cNvSpPr/>
+          <p:nvPr/>
+        </p:nvSpPr>
+        <p:spPr>
+          <a:xfrm>
+            <a:off x="4816269" y="557043"/>
+            <a:ext cx="2165131" cy="635601"/>
+          </a:xfrm>
+          <a:prstGeom prst="roundRect">
+            <a:avLst>
+              <a:gd name="adj" fmla="val 15623"/>
+            </a:avLst>
+          </a:prstGeom>
+          <a:solidFill>
+            <a:srgbClr val="1D9A78"/>
+          </a:solidFill>
+        </p:spPr>
+        <p:style>
+          <a:lnRef idx="2">
+            <a:schemeClr val="accent1">
+              <a:shade val="50000"/>
+            </a:schemeClr>
+          </a:lnRef>
+          <a:fillRef idx="1">
+            <a:schemeClr val="accent1"/>
+          </a:fillRef>
+          <a:effectRef idx="0">
+            <a:schemeClr val="accent1"/>
+          </a:effectRef>
+          <a:fontRef idx="minor">
+            <a:schemeClr val="lt1"/>
+          </a:fontRef>
+        </p:style>
+        <p:txBody>
+          <a:bodyPr rtlCol="0" anchor="ctr"/>
+          <a:lstStyle/>
+          <a:p>
+            <a:pPr algn="ctr"/>
+            <a:r>
+              <a:rPr lang="ko-KR" altLang="en-US" sz="2000" b="1" dirty="0">
+                <a:effectLst>
+                  <a:outerShdw blurRad="38100" dist="38100" dir="2700000" algn="tl">
+                    <a:srgbClr val="000000">
+                      <a:alpha val="43137"/>
+                    </a:srgbClr>
+                  </a:outerShdw>
+                </a:effectLst>
+              </a:rPr>
+              <a:t>프로젝트 선택창</a:t>
+            </a:r>
+          </a:p>
+        </p:txBody>
+      </p:sp>
+      <p:sp>
+        <p:nvSpPr>
+          <p:cNvPr id="52" name="사각형: 둥근 모서리 51">
+            <a:extLst>
+              <a:ext uri="{FF2B5EF4-FFF2-40B4-BE49-F238E27FC236}">
+                <a16:creationId xmlns:a16="http://schemas.microsoft.com/office/drawing/2014/main" id="{A3AE165E-FF7A-84B9-C000-34D0E5BC330D}"/>
+              </a:ext>
+            </a:extLst>
+          </p:cNvPr>
+          <p:cNvSpPr/>
+          <p:nvPr/>
+        </p:nvSpPr>
+        <p:spPr>
+          <a:xfrm>
+            <a:off x="8005734" y="557042"/>
+            <a:ext cx="2165131" cy="635601"/>
+          </a:xfrm>
+          <a:prstGeom prst="roundRect">
+            <a:avLst>
+              <a:gd name="adj" fmla="val 15623"/>
+            </a:avLst>
+          </a:prstGeom>
+          <a:solidFill>
+            <a:srgbClr val="1D9A78"/>
+          </a:solidFill>
+        </p:spPr>
+        <p:style>
+          <a:lnRef idx="2">
+            <a:schemeClr val="accent1">
+              <a:shade val="50000"/>
+            </a:schemeClr>
+          </a:lnRef>
+          <a:fillRef idx="1">
+            <a:schemeClr val="accent1"/>
+          </a:fillRef>
+          <a:effectRef idx="0">
+            <a:schemeClr val="accent1"/>
+          </a:effectRef>
+          <a:fontRef idx="minor">
+            <a:schemeClr val="lt1"/>
+          </a:fontRef>
+        </p:style>
+        <p:txBody>
+          <a:bodyPr rtlCol="0" anchor="ctr"/>
+          <a:lstStyle/>
+          <a:p>
+            <a:pPr algn="ctr"/>
+            <a:r>
+              <a:rPr lang="ko-KR" altLang="en-US" sz="2500" b="1" dirty="0">
+                <a:effectLst>
+                  <a:outerShdw blurRad="38100" dist="38100" dir="2700000" algn="tl">
+                    <a:srgbClr val="000000">
+                      <a:alpha val="43137"/>
+                    </a:srgbClr>
+                  </a:outerShdw>
+                </a:effectLst>
+              </a:rPr>
+              <a:t>프로젝트 창</a:t>
+            </a:r>
+          </a:p>
+        </p:txBody>
+      </p:sp>
+      <p:sp>
+        <p:nvSpPr>
+          <p:cNvPr id="53" name="사각형: 둥근 모서리 52">
+            <a:extLst>
+              <a:ext uri="{FF2B5EF4-FFF2-40B4-BE49-F238E27FC236}">
+                <a16:creationId xmlns:a16="http://schemas.microsoft.com/office/drawing/2014/main" id="{D87B9832-294A-B921-59B5-80B22F69B700}"/>
+              </a:ext>
+            </a:extLst>
+          </p:cNvPr>
+          <p:cNvSpPr/>
+          <p:nvPr/>
+        </p:nvSpPr>
+        <p:spPr>
+          <a:xfrm>
+            <a:off x="2128344" y="3570463"/>
+            <a:ext cx="2165131" cy="635601"/>
+          </a:xfrm>
+          <a:prstGeom prst="roundRect">
+            <a:avLst>
+              <a:gd name="adj" fmla="val 15623"/>
+            </a:avLst>
+          </a:prstGeom>
+          <a:solidFill>
+            <a:srgbClr val="1D9A78"/>
+          </a:solidFill>
+        </p:spPr>
+        <p:style>
+          <a:lnRef idx="2">
+            <a:schemeClr val="accent1">
+              <a:shade val="50000"/>
+            </a:schemeClr>
+          </a:lnRef>
+          <a:fillRef idx="1">
+            <a:schemeClr val="accent1"/>
+          </a:fillRef>
+          <a:effectRef idx="0">
+            <a:schemeClr val="accent1"/>
+          </a:effectRef>
+          <a:fontRef idx="minor">
+            <a:schemeClr val="lt1"/>
+          </a:fontRef>
+        </p:style>
+        <p:txBody>
+          <a:bodyPr rtlCol="0" anchor="ctr"/>
+          <a:lstStyle/>
+          <a:p>
+            <a:pPr algn="ctr"/>
+            <a:r>
+              <a:rPr lang="ko-KR" altLang="en-US" sz="2500" b="1" dirty="0">
+                <a:effectLst>
+                  <a:outerShdw blurRad="38100" dist="38100" dir="2700000" algn="tl">
+                    <a:srgbClr val="000000">
+                      <a:alpha val="43137"/>
+                    </a:srgbClr>
+                  </a:outerShdw>
+                </a:effectLst>
+              </a:rPr>
+              <a:t>문서 창</a:t>
+            </a:r>
+          </a:p>
+        </p:txBody>
+      </p:sp>
+      <p:sp>
+        <p:nvSpPr>
+          <p:cNvPr id="54" name="사각형: 둥근 모서리 53">
+            <a:extLst>
+              <a:ext uri="{FF2B5EF4-FFF2-40B4-BE49-F238E27FC236}">
+                <a16:creationId xmlns:a16="http://schemas.microsoft.com/office/drawing/2014/main" id="{06977E4E-1F6B-6C83-3CD2-78DE12D79EE7}"/>
+              </a:ext>
+            </a:extLst>
+          </p:cNvPr>
+          <p:cNvSpPr/>
+          <p:nvPr/>
+        </p:nvSpPr>
+        <p:spPr>
+          <a:xfrm>
+            <a:off x="2810717" y="1419167"/>
+            <a:ext cx="1466993" cy="430654"/>
+          </a:xfrm>
+          <a:prstGeom prst="roundRect">
+            <a:avLst>
+              <a:gd name="adj" fmla="val 15623"/>
+            </a:avLst>
+          </a:prstGeom>
+          <a:solidFill>
+            <a:srgbClr val="7BAA3C"/>
+          </a:solidFill>
+        </p:spPr>
+        <p:style>
+          <a:lnRef idx="2">
+            <a:schemeClr val="accent1">
+              <a:shade val="50000"/>
+            </a:schemeClr>
+          </a:lnRef>
+          <a:fillRef idx="1">
+            <a:schemeClr val="accent1"/>
+          </a:fillRef>
+          <a:effectRef idx="0">
+            <a:schemeClr val="accent1"/>
+          </a:effectRef>
+          <a:fontRef idx="minor">
+            <a:schemeClr val="lt1"/>
+          </a:fontRef>
+        </p:style>
+        <p:txBody>
+          <a:bodyPr rtlCol="0" anchor="ctr"/>
+          <a:lstStyle/>
+          <a:p>
+            <a:pPr algn="ctr"/>
+            <a:r>
+              <a:rPr lang="ko-KR" altLang="en-US" sz="2000" b="1">
+                <a:effectLst>
+                  <a:outerShdw blurRad="38100" dist="38100" dir="2700000" algn="tl">
+                    <a:srgbClr val="000000">
+                      <a:alpha val="43137"/>
+                    </a:srgbClr>
+                  </a:outerShdw>
+                </a:effectLst>
+              </a:rPr>
+              <a:t>로그인</a:t>
+            </a:r>
+            <a:endParaRPr lang="ko-KR" altLang="en-US" sz="2000" b="1" dirty="0">
+              <a:effectLst>
+                <a:outerShdw blurRad="38100" dist="38100" dir="2700000" algn="tl">
+                  <a:srgbClr val="000000">
+                    <a:alpha val="43137"/>
+                  </a:srgbClr>
+                </a:outerShdw>
+              </a:effectLst>
+            </a:endParaRPr>
+          </a:p>
+        </p:txBody>
+      </p:sp>
+      <p:sp>
+        <p:nvSpPr>
+          <p:cNvPr id="55" name="사각형: 둥근 모서리 54">
+            <a:extLst>
+              <a:ext uri="{FF2B5EF4-FFF2-40B4-BE49-F238E27FC236}">
+                <a16:creationId xmlns:a16="http://schemas.microsoft.com/office/drawing/2014/main" id="{821613AE-90D0-9ED1-5AEB-69363B46C093}"/>
+              </a:ext>
+            </a:extLst>
+          </p:cNvPr>
+          <p:cNvSpPr/>
+          <p:nvPr/>
+        </p:nvSpPr>
+        <p:spPr>
+          <a:xfrm>
+            <a:off x="2810717" y="2023512"/>
+            <a:ext cx="1466993" cy="430654"/>
+          </a:xfrm>
+          <a:prstGeom prst="roundRect">
+            <a:avLst>
+              <a:gd name="adj" fmla="val 15623"/>
+            </a:avLst>
+          </a:prstGeom>
+          <a:solidFill>
+            <a:srgbClr val="7BAA3C"/>
+          </a:solidFill>
+        </p:spPr>
+        <p:style>
+          <a:lnRef idx="2">
+            <a:schemeClr val="accent1">
+              <a:shade val="50000"/>
+            </a:schemeClr>
+          </a:lnRef>
+          <a:fillRef idx="1">
+            <a:schemeClr val="accent1"/>
+          </a:fillRef>
+          <a:effectRef idx="0">
+            <a:schemeClr val="accent1"/>
+          </a:effectRef>
+          <a:fontRef idx="minor">
+            <a:schemeClr val="lt1"/>
+          </a:fontRef>
+        </p:style>
+        <p:txBody>
+          <a:bodyPr rtlCol="0" anchor="ctr"/>
+          <a:lstStyle/>
+          <a:p>
+            <a:pPr algn="ctr"/>
+            <a:r>
+              <a:rPr lang="ko-KR" altLang="en-US" sz="2000" b="1" dirty="0">
+                <a:effectLst>
+                  <a:outerShdw blurRad="38100" dist="38100" dir="2700000" algn="tl">
+                    <a:srgbClr val="000000">
+                      <a:alpha val="43137"/>
+                    </a:srgbClr>
+                  </a:outerShdw>
+                </a:effectLst>
+              </a:rPr>
+              <a:t>회원가입</a:t>
+            </a:r>
+          </a:p>
+        </p:txBody>
+      </p:sp>
+      <p:sp>
+        <p:nvSpPr>
+          <p:cNvPr id="56" name="사각형: 둥근 모서리 55">
+            <a:extLst>
+              <a:ext uri="{FF2B5EF4-FFF2-40B4-BE49-F238E27FC236}">
+                <a16:creationId xmlns:a16="http://schemas.microsoft.com/office/drawing/2014/main" id="{52DAE9B0-2D99-E32C-6B1E-C6046636503F}"/>
+              </a:ext>
+            </a:extLst>
+          </p:cNvPr>
+          <p:cNvSpPr/>
+          <p:nvPr/>
+        </p:nvSpPr>
+        <p:spPr>
+          <a:xfrm>
+            <a:off x="2826482" y="2627857"/>
+            <a:ext cx="1466993" cy="430654"/>
+          </a:xfrm>
+          <a:prstGeom prst="roundRect">
+            <a:avLst>
+              <a:gd name="adj" fmla="val 15623"/>
+            </a:avLst>
+          </a:prstGeom>
+          <a:solidFill>
+            <a:srgbClr val="7BAA3C"/>
+          </a:solidFill>
+        </p:spPr>
+        <p:style>
+          <a:lnRef idx="2">
+            <a:schemeClr val="accent1">
+              <a:shade val="50000"/>
+            </a:schemeClr>
+          </a:lnRef>
+          <a:fillRef idx="1">
+            <a:schemeClr val="accent1"/>
+          </a:fillRef>
+          <a:effectRef idx="0">
+            <a:schemeClr val="accent1"/>
+          </a:effectRef>
+          <a:fontRef idx="minor">
+            <a:schemeClr val="lt1"/>
+          </a:fontRef>
+        </p:style>
+        <p:txBody>
+          <a:bodyPr rtlCol="0" anchor="ctr"/>
+          <a:lstStyle/>
+          <a:p>
+            <a:pPr algn="ctr"/>
+            <a:r>
+              <a:rPr lang="ko-KR" altLang="en-US" sz="2000" b="1" dirty="0">
+                <a:effectLst>
+                  <a:outerShdw blurRad="38100" dist="38100" dir="2700000" algn="tl">
+                    <a:srgbClr val="000000">
+                      <a:alpha val="43137"/>
+                    </a:srgbClr>
+                  </a:outerShdw>
+                </a:effectLst>
+              </a:rPr>
+              <a:t>정보 수정</a:t>
+            </a:r>
+          </a:p>
+        </p:txBody>
+      </p:sp>
+      <p:sp>
+        <p:nvSpPr>
+          <p:cNvPr id="57" name="사각형: 둥근 모서리 56">
+            <a:extLst>
+              <a:ext uri="{FF2B5EF4-FFF2-40B4-BE49-F238E27FC236}">
+                <a16:creationId xmlns:a16="http://schemas.microsoft.com/office/drawing/2014/main" id="{381ACC84-EEF7-022B-D39A-38F619AB39A6}"/>
+              </a:ext>
+            </a:extLst>
+          </p:cNvPr>
+          <p:cNvSpPr/>
+          <p:nvPr/>
+        </p:nvSpPr>
+        <p:spPr>
+          <a:xfrm>
+            <a:off x="5518266" y="1419167"/>
+            <a:ext cx="1466993" cy="430654"/>
+          </a:xfrm>
+          <a:prstGeom prst="roundRect">
+            <a:avLst>
+              <a:gd name="adj" fmla="val 15623"/>
+            </a:avLst>
+          </a:prstGeom>
+          <a:solidFill>
+            <a:srgbClr val="7BAA3C"/>
+          </a:solidFill>
+        </p:spPr>
+        <p:style>
+          <a:lnRef idx="2">
+            <a:schemeClr val="accent1">
+              <a:shade val="50000"/>
+            </a:schemeClr>
+          </a:lnRef>
+          <a:fillRef idx="1">
+            <a:schemeClr val="accent1"/>
+          </a:fillRef>
+          <a:effectRef idx="0">
+            <a:schemeClr val="accent1"/>
+          </a:effectRef>
+          <a:fontRef idx="minor">
+            <a:schemeClr val="lt1"/>
+          </a:fontRef>
+        </p:style>
+        <p:txBody>
+          <a:bodyPr rtlCol="0" anchor="ctr"/>
+          <a:lstStyle/>
+          <a:p>
+            <a:pPr algn="ctr"/>
+            <a:r>
+              <a:rPr lang="ko-KR" altLang="en-US" sz="2000" b="1" dirty="0">
+                <a:effectLst>
+                  <a:outerShdw blurRad="38100" dist="38100" dir="2700000" algn="tl">
+                    <a:srgbClr val="000000">
+                      <a:alpha val="43137"/>
+                    </a:srgbClr>
+                  </a:outerShdw>
+                </a:effectLst>
+              </a:rPr>
+              <a:t>읽기 전용</a:t>
+            </a:r>
+          </a:p>
+        </p:txBody>
+      </p:sp>
+      <p:sp>
+        <p:nvSpPr>
+          <p:cNvPr id="58" name="사각형: 둥근 모서리 57">
+            <a:extLst>
+              <a:ext uri="{FF2B5EF4-FFF2-40B4-BE49-F238E27FC236}">
+                <a16:creationId xmlns:a16="http://schemas.microsoft.com/office/drawing/2014/main" id="{53174CC8-E3B1-BC5F-CE59-B497DE2DB4C4}"/>
+              </a:ext>
+            </a:extLst>
+          </p:cNvPr>
+          <p:cNvSpPr/>
+          <p:nvPr/>
+        </p:nvSpPr>
+        <p:spPr>
+          <a:xfrm>
+            <a:off x="5518266" y="2054624"/>
+            <a:ext cx="1466993" cy="430654"/>
+          </a:xfrm>
+          <a:prstGeom prst="roundRect">
+            <a:avLst>
+              <a:gd name="adj" fmla="val 15623"/>
+            </a:avLst>
+          </a:prstGeom>
+          <a:solidFill>
+            <a:srgbClr val="7BAA3C"/>
+          </a:solidFill>
+        </p:spPr>
+        <p:style>
+          <a:lnRef idx="2">
+            <a:schemeClr val="accent1">
+              <a:shade val="50000"/>
+            </a:schemeClr>
+          </a:lnRef>
+          <a:fillRef idx="1">
+            <a:schemeClr val="accent1"/>
+          </a:fillRef>
+          <a:effectRef idx="0">
+            <a:schemeClr val="accent1"/>
+          </a:effectRef>
+          <a:fontRef idx="minor">
+            <a:schemeClr val="lt1"/>
+          </a:fontRef>
+        </p:style>
+        <p:txBody>
+          <a:bodyPr rtlCol="0" anchor="ctr"/>
+          <a:lstStyle/>
+          <a:p>
+            <a:pPr algn="ctr"/>
+            <a:r>
+              <a:rPr lang="ko-KR" altLang="en-US" sz="2000" b="1" dirty="0">
+                <a:effectLst>
+                  <a:outerShdw blurRad="38100" dist="38100" dir="2700000" algn="tl">
+                    <a:srgbClr val="000000">
+                      <a:alpha val="43137"/>
+                    </a:srgbClr>
+                  </a:outerShdw>
+                </a:effectLst>
+              </a:rPr>
+              <a:t>편집 전용</a:t>
+            </a:r>
+          </a:p>
+        </p:txBody>
+      </p:sp>
+      <p:sp>
+        <p:nvSpPr>
+          <p:cNvPr id="59" name="사각형: 둥근 모서리 58">
+            <a:extLst>
+              <a:ext uri="{FF2B5EF4-FFF2-40B4-BE49-F238E27FC236}">
+                <a16:creationId xmlns:a16="http://schemas.microsoft.com/office/drawing/2014/main" id="{D2F9F16F-D2ED-DD9E-3D43-8FCF3BDC6149}"/>
+              </a:ext>
+            </a:extLst>
+          </p:cNvPr>
+          <p:cNvSpPr/>
+          <p:nvPr/>
+        </p:nvSpPr>
+        <p:spPr>
+          <a:xfrm>
+            <a:off x="5518265" y="2717057"/>
+            <a:ext cx="1466993" cy="430654"/>
+          </a:xfrm>
+          <a:prstGeom prst="roundRect">
+            <a:avLst>
+              <a:gd name="adj" fmla="val 15623"/>
+            </a:avLst>
+          </a:prstGeom>
+          <a:solidFill>
+            <a:srgbClr val="7BAA3C"/>
+          </a:solidFill>
+        </p:spPr>
+        <p:style>
+          <a:lnRef idx="2">
+            <a:schemeClr val="accent1">
+              <a:shade val="50000"/>
+            </a:schemeClr>
+          </a:lnRef>
+          <a:fillRef idx="1">
+            <a:schemeClr val="accent1"/>
+          </a:fillRef>
+          <a:effectRef idx="0">
+            <a:schemeClr val="accent1"/>
+          </a:effectRef>
+          <a:fontRef idx="minor">
+            <a:schemeClr val="lt1"/>
+          </a:fontRef>
+        </p:style>
+        <p:txBody>
+          <a:bodyPr rtlCol="0" anchor="ctr"/>
+          <a:lstStyle/>
+          <a:p>
+            <a:pPr algn="ctr"/>
+            <a:r>
+              <a:rPr lang="ko-KR" altLang="en-US" sz="2000" b="1" dirty="0">
+                <a:effectLst>
+                  <a:outerShdw blurRad="38100" dist="38100" dir="2700000" algn="tl">
+                    <a:srgbClr val="000000">
+                      <a:alpha val="43137"/>
+                    </a:srgbClr>
+                  </a:outerShdw>
+                </a:effectLst>
+              </a:rPr>
+              <a:t>초대 확인</a:t>
+            </a:r>
+          </a:p>
+        </p:txBody>
+      </p:sp>
+      <p:sp>
+        <p:nvSpPr>
+          <p:cNvPr id="60" name="사각형: 둥근 모서리 59">
+            <a:extLst>
+              <a:ext uri="{FF2B5EF4-FFF2-40B4-BE49-F238E27FC236}">
+                <a16:creationId xmlns:a16="http://schemas.microsoft.com/office/drawing/2014/main" id="{BA859C46-CB0C-D7DC-8A85-47FF6453BFB0}"/>
+              </a:ext>
+            </a:extLst>
+          </p:cNvPr>
+          <p:cNvSpPr/>
+          <p:nvPr/>
+        </p:nvSpPr>
+        <p:spPr>
+          <a:xfrm>
+            <a:off x="8709129" y="1419166"/>
+            <a:ext cx="1466993" cy="430654"/>
+          </a:xfrm>
+          <a:prstGeom prst="roundRect">
+            <a:avLst>
+              <a:gd name="adj" fmla="val 15623"/>
+            </a:avLst>
+          </a:prstGeom>
+          <a:solidFill>
+            <a:srgbClr val="7BAA3C"/>
+          </a:solidFill>
+        </p:spPr>
+        <p:style>
+          <a:lnRef idx="2">
+            <a:schemeClr val="accent1">
+              <a:shade val="50000"/>
+            </a:schemeClr>
+          </a:lnRef>
+          <a:fillRef idx="1">
+            <a:schemeClr val="accent1"/>
+          </a:fillRef>
+          <a:effectRef idx="0">
+            <a:schemeClr val="accent1"/>
+          </a:effectRef>
+          <a:fontRef idx="minor">
+            <a:schemeClr val="lt1"/>
+          </a:fontRef>
+        </p:style>
+        <p:txBody>
+          <a:bodyPr rtlCol="0" anchor="ctr"/>
+          <a:lstStyle/>
+          <a:p>
+            <a:pPr algn="ctr"/>
+            <a:r>
+              <a:rPr lang="ko-KR" altLang="en-US" sz="2000" b="1" dirty="0">
+                <a:effectLst>
+                  <a:outerShdw blurRad="38100" dist="38100" dir="2700000" algn="tl">
+                    <a:srgbClr val="000000">
+                      <a:alpha val="43137"/>
+                    </a:srgbClr>
+                  </a:outerShdw>
+                </a:effectLst>
+              </a:rPr>
+              <a:t>목표</a:t>
+            </a:r>
+          </a:p>
+        </p:txBody>
+      </p:sp>
+      <p:sp>
+        <p:nvSpPr>
+          <p:cNvPr id="61" name="사각형: 둥근 모서리 60">
+            <a:extLst>
+              <a:ext uri="{FF2B5EF4-FFF2-40B4-BE49-F238E27FC236}">
+                <a16:creationId xmlns:a16="http://schemas.microsoft.com/office/drawing/2014/main" id="{D0B8DDCA-FDF7-E115-4DEA-5EDBBE674398}"/>
+              </a:ext>
+            </a:extLst>
+          </p:cNvPr>
+          <p:cNvSpPr/>
+          <p:nvPr/>
+        </p:nvSpPr>
+        <p:spPr>
+          <a:xfrm>
+            <a:off x="8709129" y="2054623"/>
+            <a:ext cx="1466993" cy="430654"/>
+          </a:xfrm>
+          <a:prstGeom prst="roundRect">
+            <a:avLst>
+              <a:gd name="adj" fmla="val 15623"/>
+            </a:avLst>
+          </a:prstGeom>
+          <a:solidFill>
+            <a:srgbClr val="7BAA3C"/>
+          </a:solidFill>
+        </p:spPr>
+        <p:style>
+          <a:lnRef idx="2">
+            <a:schemeClr val="accent1">
+              <a:shade val="50000"/>
+            </a:schemeClr>
+          </a:lnRef>
+          <a:fillRef idx="1">
+            <a:schemeClr val="accent1"/>
+          </a:fillRef>
+          <a:effectRef idx="0">
+            <a:schemeClr val="accent1"/>
+          </a:effectRef>
+          <a:fontRef idx="minor">
+            <a:schemeClr val="lt1"/>
+          </a:fontRef>
+        </p:style>
+        <p:txBody>
+          <a:bodyPr rtlCol="0" anchor="ctr"/>
+          <a:lstStyle/>
+          <a:p>
+            <a:pPr algn="ctr"/>
+            <a:r>
+              <a:rPr lang="ko-KR" altLang="en-US" sz="2000" b="1" dirty="0">
+                <a:effectLst>
+                  <a:outerShdw blurRad="38100" dist="38100" dir="2700000" algn="tl">
+                    <a:srgbClr val="000000">
+                      <a:alpha val="43137"/>
+                    </a:srgbClr>
+                  </a:outerShdw>
+                </a:effectLst>
+              </a:rPr>
+              <a:t>하위 목표</a:t>
+            </a:r>
+          </a:p>
+        </p:txBody>
+      </p:sp>
+      <p:sp>
+        <p:nvSpPr>
+          <p:cNvPr id="62" name="사각형: 둥근 모서리 61">
+            <a:extLst>
+              <a:ext uri="{FF2B5EF4-FFF2-40B4-BE49-F238E27FC236}">
+                <a16:creationId xmlns:a16="http://schemas.microsoft.com/office/drawing/2014/main" id="{696C2C38-AC00-2227-8BE3-691A9B6FB92C}"/>
+              </a:ext>
+            </a:extLst>
+          </p:cNvPr>
+          <p:cNvSpPr/>
+          <p:nvPr/>
+        </p:nvSpPr>
+        <p:spPr>
+          <a:xfrm>
+            <a:off x="8709128" y="2690080"/>
+            <a:ext cx="1466993" cy="430654"/>
+          </a:xfrm>
+          <a:prstGeom prst="roundRect">
+            <a:avLst>
+              <a:gd name="adj" fmla="val 15623"/>
+            </a:avLst>
+          </a:prstGeom>
+          <a:solidFill>
+            <a:srgbClr val="7BAA3C"/>
+          </a:solidFill>
+        </p:spPr>
+        <p:style>
+          <a:lnRef idx="2">
+            <a:schemeClr val="accent1">
+              <a:shade val="50000"/>
+            </a:schemeClr>
+          </a:lnRef>
+          <a:fillRef idx="1">
+            <a:schemeClr val="accent1"/>
+          </a:fillRef>
+          <a:effectRef idx="0">
+            <a:schemeClr val="accent1"/>
+          </a:effectRef>
+          <a:fontRef idx="minor">
+            <a:schemeClr val="lt1"/>
+          </a:fontRef>
+        </p:style>
+        <p:txBody>
+          <a:bodyPr rtlCol="0" anchor="ctr"/>
+          <a:lstStyle/>
+          <a:p>
+            <a:pPr algn="ctr"/>
+            <a:r>
+              <a:rPr lang="ko-KR" altLang="en-US" sz="2000" b="1" dirty="0">
+                <a:effectLst>
+                  <a:outerShdw blurRad="38100" dist="38100" dir="2700000" algn="tl">
+                    <a:srgbClr val="000000">
+                      <a:alpha val="43137"/>
+                    </a:srgbClr>
+                  </a:outerShdw>
+                </a:effectLst>
+              </a:rPr>
+              <a:t>세부 작업</a:t>
+            </a:r>
+          </a:p>
+        </p:txBody>
+      </p:sp>
+      <p:sp>
+        <p:nvSpPr>
+          <p:cNvPr id="63" name="사각형: 둥근 모서리 62">
+            <a:extLst>
+              <a:ext uri="{FF2B5EF4-FFF2-40B4-BE49-F238E27FC236}">
+                <a16:creationId xmlns:a16="http://schemas.microsoft.com/office/drawing/2014/main" id="{11907755-3D27-D688-A1CE-54B002EB0019}"/>
+              </a:ext>
+            </a:extLst>
+          </p:cNvPr>
+          <p:cNvSpPr/>
+          <p:nvPr/>
+        </p:nvSpPr>
+        <p:spPr>
+          <a:xfrm>
+            <a:off x="8709128" y="3352513"/>
+            <a:ext cx="1466993" cy="430654"/>
+          </a:xfrm>
+          <a:prstGeom prst="roundRect">
+            <a:avLst>
+              <a:gd name="adj" fmla="val 15623"/>
+            </a:avLst>
+          </a:prstGeom>
+          <a:solidFill>
+            <a:srgbClr val="7BAA3C"/>
+          </a:solidFill>
+        </p:spPr>
+        <p:style>
+          <a:lnRef idx="2">
+            <a:schemeClr val="accent1">
+              <a:shade val="50000"/>
+            </a:schemeClr>
+          </a:lnRef>
+          <a:fillRef idx="1">
+            <a:schemeClr val="accent1"/>
+          </a:fillRef>
+          <a:effectRef idx="0">
+            <a:schemeClr val="accent1"/>
+          </a:effectRef>
+          <a:fontRef idx="minor">
+            <a:schemeClr val="lt1"/>
+          </a:fontRef>
+        </p:style>
+        <p:txBody>
+          <a:bodyPr rtlCol="0" anchor="ctr"/>
+          <a:lstStyle/>
+          <a:p>
+            <a:pPr algn="ctr"/>
+            <a:r>
+              <a:rPr lang="ko-KR" altLang="en-US" sz="2000" b="1" dirty="0">
+                <a:effectLst>
+                  <a:outerShdw blurRad="38100" dist="38100" dir="2700000" algn="tl">
+                    <a:srgbClr val="000000">
+                      <a:alpha val="43137"/>
+                    </a:srgbClr>
+                  </a:outerShdw>
+                </a:effectLst>
+              </a:rPr>
+              <a:t>캘린더</a:t>
+            </a:r>
+          </a:p>
+        </p:txBody>
+      </p:sp>
+      <p:sp>
+        <p:nvSpPr>
+          <p:cNvPr id="64" name="사각형: 둥근 모서리 63">
+            <a:extLst>
+              <a:ext uri="{FF2B5EF4-FFF2-40B4-BE49-F238E27FC236}">
+                <a16:creationId xmlns:a16="http://schemas.microsoft.com/office/drawing/2014/main" id="{A01E704C-A8D4-F389-C7E9-49E614ADBDF2}"/>
+              </a:ext>
+            </a:extLst>
+          </p:cNvPr>
+          <p:cNvSpPr/>
+          <p:nvPr/>
+        </p:nvSpPr>
+        <p:spPr>
+          <a:xfrm>
+            <a:off x="8709128" y="4014945"/>
+            <a:ext cx="1466993" cy="430654"/>
+          </a:xfrm>
+          <a:prstGeom prst="roundRect">
+            <a:avLst>
+              <a:gd name="adj" fmla="val 15623"/>
+            </a:avLst>
+          </a:prstGeom>
+          <a:solidFill>
+            <a:srgbClr val="7BAA3C"/>
+          </a:solidFill>
+        </p:spPr>
+        <p:style>
+          <a:lnRef idx="2">
+            <a:schemeClr val="accent1">
+              <a:shade val="50000"/>
+            </a:schemeClr>
+          </a:lnRef>
+          <a:fillRef idx="1">
+            <a:schemeClr val="accent1"/>
+          </a:fillRef>
+          <a:effectRef idx="0">
+            <a:schemeClr val="accent1"/>
+          </a:effectRef>
+          <a:fontRef idx="minor">
+            <a:schemeClr val="lt1"/>
+          </a:fontRef>
+        </p:style>
+        <p:txBody>
+          <a:bodyPr rtlCol="0" anchor="ctr"/>
+          <a:lstStyle/>
+          <a:p>
+            <a:pPr algn="ctr"/>
+            <a:r>
+              <a:rPr lang="ko-KR" altLang="en-US" sz="2000" b="1" dirty="0">
+                <a:effectLst>
+                  <a:outerShdw blurRad="38100" dist="38100" dir="2700000" algn="tl">
+                    <a:srgbClr val="000000">
+                      <a:alpha val="43137"/>
+                    </a:srgbClr>
+                  </a:outerShdw>
+                </a:effectLst>
+              </a:rPr>
+              <a:t>멤버 초대</a:t>
+            </a:r>
+          </a:p>
+        </p:txBody>
+      </p:sp>
+      <p:sp>
+        <p:nvSpPr>
+          <p:cNvPr id="65" name="사각형: 둥근 모서리 64">
+            <a:extLst>
+              <a:ext uri="{FF2B5EF4-FFF2-40B4-BE49-F238E27FC236}">
+                <a16:creationId xmlns:a16="http://schemas.microsoft.com/office/drawing/2014/main" id="{7A4C4118-42A5-1029-6D4A-135051F5BEF2}"/>
+              </a:ext>
+            </a:extLst>
+          </p:cNvPr>
+          <p:cNvSpPr/>
+          <p:nvPr/>
+        </p:nvSpPr>
+        <p:spPr>
+          <a:xfrm>
+            <a:off x="8703872" y="4650546"/>
+            <a:ext cx="1466993" cy="430654"/>
+          </a:xfrm>
+          <a:prstGeom prst="roundRect">
+            <a:avLst>
+              <a:gd name="adj" fmla="val 15623"/>
+            </a:avLst>
+          </a:prstGeom>
+          <a:solidFill>
+            <a:srgbClr val="7BAA3C"/>
+          </a:solidFill>
+        </p:spPr>
+        <p:style>
+          <a:lnRef idx="2">
+            <a:schemeClr val="accent1">
+              <a:shade val="50000"/>
+            </a:schemeClr>
+          </a:lnRef>
+          <a:fillRef idx="1">
+            <a:schemeClr val="accent1"/>
+          </a:fillRef>
+          <a:effectRef idx="0">
+            <a:schemeClr val="accent1"/>
+          </a:effectRef>
+          <a:fontRef idx="minor">
+            <a:schemeClr val="lt1"/>
+          </a:fontRef>
+        </p:style>
+        <p:txBody>
+          <a:bodyPr rtlCol="0" anchor="ctr"/>
+          <a:lstStyle/>
+          <a:p>
+            <a:pPr algn="ctr"/>
+            <a:r>
+              <a:rPr lang="ko-KR" altLang="en-US" sz="2000" b="1" dirty="0">
+                <a:effectLst>
+                  <a:outerShdw blurRad="38100" dist="38100" dir="2700000" algn="tl">
+                    <a:srgbClr val="000000">
+                      <a:alpha val="43137"/>
+                    </a:srgbClr>
+                  </a:outerShdw>
+                </a:effectLst>
+              </a:rPr>
+              <a:t>상태 표시</a:t>
+            </a:r>
+          </a:p>
+        </p:txBody>
+      </p:sp>
+      <p:sp>
+        <p:nvSpPr>
+          <p:cNvPr id="66" name="사각형: 둥근 모서리 65">
+            <a:extLst>
+              <a:ext uri="{FF2B5EF4-FFF2-40B4-BE49-F238E27FC236}">
+                <a16:creationId xmlns:a16="http://schemas.microsoft.com/office/drawing/2014/main" id="{7DEEC610-AF0D-B78A-2FD2-E25D869D14E2}"/>
+              </a:ext>
+            </a:extLst>
+          </p:cNvPr>
+          <p:cNvSpPr/>
+          <p:nvPr/>
+        </p:nvSpPr>
+        <p:spPr>
+          <a:xfrm>
+            <a:off x="10663555" y="2690080"/>
+            <a:ext cx="1466993" cy="430654"/>
+          </a:xfrm>
+          <a:prstGeom prst="roundRect">
+            <a:avLst>
+              <a:gd name="adj" fmla="val 15623"/>
+            </a:avLst>
+          </a:prstGeom>
+          <a:solidFill>
+            <a:srgbClr val="3AAC42"/>
+          </a:solidFill>
+        </p:spPr>
+        <p:style>
+          <a:lnRef idx="2">
+            <a:schemeClr val="accent1">
+              <a:shade val="50000"/>
+            </a:schemeClr>
+          </a:lnRef>
+          <a:fillRef idx="1">
+            <a:schemeClr val="accent1"/>
+          </a:fillRef>
+          <a:effectRef idx="0">
+            <a:schemeClr val="accent1"/>
+          </a:effectRef>
+          <a:fontRef idx="minor">
+            <a:schemeClr val="lt1"/>
+          </a:fontRef>
+        </p:style>
+        <p:txBody>
+          <a:bodyPr rtlCol="0" anchor="ctr"/>
+          <a:lstStyle/>
+          <a:p>
+            <a:pPr algn="ctr"/>
+            <a:r>
+              <a:rPr lang="ko-KR" altLang="en-US" b="1" dirty="0">
+                <a:effectLst>
+                  <a:outerShdw blurRad="38100" dist="38100" dir="2700000" algn="tl">
+                    <a:srgbClr val="000000">
+                      <a:alpha val="43137"/>
+                    </a:srgbClr>
+                  </a:outerShdw>
+                </a:effectLst>
+              </a:rPr>
+              <a:t>댓글</a:t>
+            </a:r>
+          </a:p>
+        </p:txBody>
+      </p:sp>
+      <p:cxnSp>
+        <p:nvCxnSpPr>
+          <p:cNvPr id="67" name="직선 연결선 66">
+            <a:extLst>
+              <a:ext uri="{FF2B5EF4-FFF2-40B4-BE49-F238E27FC236}">
+                <a16:creationId xmlns:a16="http://schemas.microsoft.com/office/drawing/2014/main" id="{86068A42-F644-616C-D3C0-B3226979DD25}"/>
+              </a:ext>
+            </a:extLst>
+          </p:cNvPr>
+          <p:cNvCxnSpPr>
+            <a:cxnSpLocks/>
+          </p:cNvCxnSpPr>
+          <p:nvPr/>
+        </p:nvCxnSpPr>
+        <p:spPr>
+          <a:xfrm>
+            <a:off x="2333297" y="1192644"/>
+            <a:ext cx="493" cy="1682715"/>
+          </a:xfrm>
+          <a:prstGeom prst="line">
+            <a:avLst/>
+          </a:prstGeom>
+          <a:ln w="38100">
+            <a:solidFill>
+              <a:schemeClr val="accent1">
+                <a:lumMod val="50000"/>
+              </a:schemeClr>
+            </a:solidFill>
+          </a:ln>
+        </p:spPr>
+        <p:style>
+          <a:lnRef idx="1">
+            <a:schemeClr val="accent1"/>
+          </a:lnRef>
+          <a:fillRef idx="0">
+            <a:schemeClr val="accent1"/>
+          </a:fillRef>
+          <a:effectRef idx="0">
+            <a:schemeClr val="accent1"/>
+          </a:effectRef>
+          <a:fontRef idx="minor">
+            <a:schemeClr val="tx1"/>
+          </a:fontRef>
+        </p:style>
+      </p:cxnSp>
+      <p:cxnSp>
+        <p:nvCxnSpPr>
+          <p:cNvPr id="68" name="직선 연결선 67">
+            <a:extLst>
+              <a:ext uri="{FF2B5EF4-FFF2-40B4-BE49-F238E27FC236}">
+                <a16:creationId xmlns:a16="http://schemas.microsoft.com/office/drawing/2014/main" id="{91095343-11FB-EBF1-5DE0-D6AA0235CBEC}"/>
+              </a:ext>
+            </a:extLst>
+          </p:cNvPr>
+          <p:cNvCxnSpPr>
+            <a:cxnSpLocks/>
+            <a:stCxn id="54" idx="1"/>
+          </p:cNvCxnSpPr>
+          <p:nvPr/>
+        </p:nvCxnSpPr>
+        <p:spPr>
+          <a:xfrm flipH="1">
+            <a:off x="2318025" y="1634494"/>
+            <a:ext cx="492692" cy="0"/>
+          </a:xfrm>
+          <a:prstGeom prst="line">
+            <a:avLst/>
+          </a:prstGeom>
+          <a:ln w="38100">
+            <a:solidFill>
+              <a:schemeClr val="accent1">
+                <a:lumMod val="50000"/>
+              </a:schemeClr>
+            </a:solidFill>
+          </a:ln>
+        </p:spPr>
+        <p:style>
+          <a:lnRef idx="1">
+            <a:schemeClr val="accent1"/>
+          </a:lnRef>
+          <a:fillRef idx="0">
+            <a:schemeClr val="accent1"/>
+          </a:fillRef>
+          <a:effectRef idx="0">
+            <a:schemeClr val="accent1"/>
+          </a:effectRef>
+          <a:fontRef idx="minor">
+            <a:schemeClr val="tx1"/>
+          </a:fontRef>
+        </p:style>
+      </p:cxnSp>
+      <p:cxnSp>
+        <p:nvCxnSpPr>
+          <p:cNvPr id="69" name="직선 연결선 68">
+            <a:extLst>
+              <a:ext uri="{FF2B5EF4-FFF2-40B4-BE49-F238E27FC236}">
+                <a16:creationId xmlns:a16="http://schemas.microsoft.com/office/drawing/2014/main" id="{C9C1C5EB-82BA-31CE-277C-55846A241835}"/>
+              </a:ext>
+            </a:extLst>
+          </p:cNvPr>
+          <p:cNvCxnSpPr>
+            <a:cxnSpLocks/>
+          </p:cNvCxnSpPr>
+          <p:nvPr/>
+        </p:nvCxnSpPr>
+        <p:spPr>
+          <a:xfrm flipH="1">
+            <a:off x="2316627" y="2238839"/>
+            <a:ext cx="492692" cy="0"/>
+          </a:xfrm>
+          <a:prstGeom prst="line">
+            <a:avLst/>
+          </a:prstGeom>
+          <a:ln w="38100">
+            <a:solidFill>
+              <a:schemeClr val="accent1">
+                <a:lumMod val="50000"/>
+              </a:schemeClr>
+            </a:solidFill>
+          </a:ln>
+        </p:spPr>
+        <p:style>
+          <a:lnRef idx="1">
+            <a:schemeClr val="accent1"/>
+          </a:lnRef>
+          <a:fillRef idx="0">
+            <a:schemeClr val="accent1"/>
+          </a:fillRef>
+          <a:effectRef idx="0">
+            <a:schemeClr val="accent1"/>
+          </a:effectRef>
+          <a:fontRef idx="minor">
+            <a:schemeClr val="tx1"/>
+          </a:fontRef>
+        </p:style>
+      </p:cxnSp>
+      <p:cxnSp>
+        <p:nvCxnSpPr>
+          <p:cNvPr id="70" name="직선 연결선 69">
+            <a:extLst>
+              <a:ext uri="{FF2B5EF4-FFF2-40B4-BE49-F238E27FC236}">
+                <a16:creationId xmlns:a16="http://schemas.microsoft.com/office/drawing/2014/main" id="{57217C60-4BCB-BA37-0A60-3C5457E12CB9}"/>
+              </a:ext>
+            </a:extLst>
+          </p:cNvPr>
+          <p:cNvCxnSpPr>
+            <a:cxnSpLocks/>
+          </p:cNvCxnSpPr>
+          <p:nvPr/>
+        </p:nvCxnSpPr>
+        <p:spPr>
+          <a:xfrm flipH="1">
+            <a:off x="2333790" y="2862726"/>
+            <a:ext cx="492692" cy="0"/>
+          </a:xfrm>
+          <a:prstGeom prst="line">
+            <a:avLst/>
+          </a:prstGeom>
+          <a:ln w="38100">
+            <a:solidFill>
+              <a:schemeClr val="accent1">
+                <a:lumMod val="50000"/>
+              </a:schemeClr>
+            </a:solidFill>
+          </a:ln>
+        </p:spPr>
+        <p:style>
+          <a:lnRef idx="1">
+            <a:schemeClr val="accent1"/>
+          </a:lnRef>
+          <a:fillRef idx="0">
+            <a:schemeClr val="accent1"/>
+          </a:fillRef>
+          <a:effectRef idx="0">
+            <a:schemeClr val="accent1"/>
+          </a:effectRef>
+          <a:fontRef idx="minor">
+            <a:schemeClr val="tx1"/>
+          </a:fontRef>
+        </p:style>
+      </p:cxnSp>
+      <p:cxnSp>
+        <p:nvCxnSpPr>
+          <p:cNvPr id="71" name="직선 연결선 70">
+            <a:extLst>
+              <a:ext uri="{FF2B5EF4-FFF2-40B4-BE49-F238E27FC236}">
+                <a16:creationId xmlns:a16="http://schemas.microsoft.com/office/drawing/2014/main" id="{F8C3B0F9-CDB3-D91D-A9A3-FAE5E67E189A}"/>
+              </a:ext>
+            </a:extLst>
+          </p:cNvPr>
+          <p:cNvCxnSpPr>
+            <a:cxnSpLocks/>
+          </p:cNvCxnSpPr>
+          <p:nvPr/>
+        </p:nvCxnSpPr>
+        <p:spPr>
+          <a:xfrm>
+            <a:off x="5026972" y="1213266"/>
+            <a:ext cx="493" cy="1682715"/>
+          </a:xfrm>
+          <a:prstGeom prst="line">
+            <a:avLst/>
+          </a:prstGeom>
+          <a:ln w="38100">
+            <a:solidFill>
+              <a:schemeClr val="accent1">
+                <a:lumMod val="50000"/>
+              </a:schemeClr>
+            </a:solidFill>
+          </a:ln>
+        </p:spPr>
+        <p:style>
+          <a:lnRef idx="1">
+            <a:schemeClr val="accent1"/>
+          </a:lnRef>
+          <a:fillRef idx="0">
+            <a:schemeClr val="accent1"/>
+          </a:fillRef>
+          <a:effectRef idx="0">
+            <a:schemeClr val="accent1"/>
+          </a:effectRef>
+          <a:fontRef idx="minor">
+            <a:schemeClr val="tx1"/>
+          </a:fontRef>
+        </p:style>
+      </p:cxnSp>
+      <p:cxnSp>
+        <p:nvCxnSpPr>
+          <p:cNvPr id="72" name="직선 연결선 71">
+            <a:extLst>
+              <a:ext uri="{FF2B5EF4-FFF2-40B4-BE49-F238E27FC236}">
+                <a16:creationId xmlns:a16="http://schemas.microsoft.com/office/drawing/2014/main" id="{3EF0E5D0-DE5F-F838-19A0-18D17EDC0D21}"/>
+              </a:ext>
+            </a:extLst>
+          </p:cNvPr>
+          <p:cNvCxnSpPr>
+            <a:cxnSpLocks/>
+          </p:cNvCxnSpPr>
+          <p:nvPr/>
+        </p:nvCxnSpPr>
+        <p:spPr>
+          <a:xfrm flipH="1">
+            <a:off x="5011700" y="1655116"/>
+            <a:ext cx="492692" cy="0"/>
+          </a:xfrm>
+          <a:prstGeom prst="line">
+            <a:avLst/>
+          </a:prstGeom>
+          <a:ln w="38100">
+            <a:solidFill>
+              <a:schemeClr val="accent1">
+                <a:lumMod val="50000"/>
+              </a:schemeClr>
+            </a:solidFill>
+          </a:ln>
+        </p:spPr>
+        <p:style>
+          <a:lnRef idx="1">
+            <a:schemeClr val="accent1"/>
+          </a:lnRef>
+          <a:fillRef idx="0">
+            <a:schemeClr val="accent1"/>
+          </a:fillRef>
+          <a:effectRef idx="0">
+            <a:schemeClr val="accent1"/>
+          </a:effectRef>
+          <a:fontRef idx="minor">
+            <a:schemeClr val="tx1"/>
+          </a:fontRef>
+        </p:style>
+      </p:cxnSp>
+      <p:cxnSp>
+        <p:nvCxnSpPr>
+          <p:cNvPr id="73" name="직선 연결선 72">
+            <a:extLst>
+              <a:ext uri="{FF2B5EF4-FFF2-40B4-BE49-F238E27FC236}">
+                <a16:creationId xmlns:a16="http://schemas.microsoft.com/office/drawing/2014/main" id="{6313B5C3-2461-88BD-F8B3-D73337190044}"/>
+              </a:ext>
+            </a:extLst>
+          </p:cNvPr>
+          <p:cNvCxnSpPr>
+            <a:cxnSpLocks/>
+          </p:cNvCxnSpPr>
+          <p:nvPr/>
+        </p:nvCxnSpPr>
+        <p:spPr>
+          <a:xfrm flipH="1">
+            <a:off x="5010302" y="2259461"/>
+            <a:ext cx="492692" cy="0"/>
+          </a:xfrm>
+          <a:prstGeom prst="line">
+            <a:avLst/>
+          </a:prstGeom>
+          <a:ln w="38100">
+            <a:solidFill>
+              <a:schemeClr val="accent1">
+                <a:lumMod val="50000"/>
+              </a:schemeClr>
+            </a:solidFill>
+          </a:ln>
+        </p:spPr>
+        <p:style>
+          <a:lnRef idx="1">
+            <a:schemeClr val="accent1"/>
+          </a:lnRef>
+          <a:fillRef idx="0">
+            <a:schemeClr val="accent1"/>
+          </a:fillRef>
+          <a:effectRef idx="0">
+            <a:schemeClr val="accent1"/>
+          </a:effectRef>
+          <a:fontRef idx="minor">
+            <a:schemeClr val="tx1"/>
+          </a:fontRef>
+        </p:style>
+      </p:cxnSp>
+      <p:cxnSp>
+        <p:nvCxnSpPr>
+          <p:cNvPr id="74" name="직선 연결선 73">
+            <a:extLst>
+              <a:ext uri="{FF2B5EF4-FFF2-40B4-BE49-F238E27FC236}">
+                <a16:creationId xmlns:a16="http://schemas.microsoft.com/office/drawing/2014/main" id="{EFCE4BA6-0849-D502-A8B7-0515974F16E5}"/>
+              </a:ext>
+            </a:extLst>
+          </p:cNvPr>
+          <p:cNvCxnSpPr>
+            <a:cxnSpLocks/>
+          </p:cNvCxnSpPr>
+          <p:nvPr/>
+        </p:nvCxnSpPr>
+        <p:spPr>
+          <a:xfrm flipH="1">
+            <a:off x="5027465" y="2883348"/>
+            <a:ext cx="492692" cy="0"/>
+          </a:xfrm>
+          <a:prstGeom prst="line">
+            <a:avLst/>
+          </a:prstGeom>
+          <a:ln w="38100">
+            <a:solidFill>
+              <a:schemeClr val="accent1">
+                <a:lumMod val="50000"/>
+              </a:schemeClr>
+            </a:solidFill>
+          </a:ln>
+        </p:spPr>
+        <p:style>
+          <a:lnRef idx="1">
+            <a:schemeClr val="accent1"/>
+          </a:lnRef>
+          <a:fillRef idx="0">
+            <a:schemeClr val="accent1"/>
+          </a:fillRef>
+          <a:effectRef idx="0">
+            <a:schemeClr val="accent1"/>
+          </a:effectRef>
+          <a:fontRef idx="minor">
+            <a:schemeClr val="tx1"/>
+          </a:fontRef>
+        </p:style>
+      </p:cxnSp>
+      <p:cxnSp>
+        <p:nvCxnSpPr>
+          <p:cNvPr id="75" name="직선 연결선 74">
+            <a:extLst>
+              <a:ext uri="{FF2B5EF4-FFF2-40B4-BE49-F238E27FC236}">
+                <a16:creationId xmlns:a16="http://schemas.microsoft.com/office/drawing/2014/main" id="{A4FF6685-AAA1-4051-F704-BE9ACB833611}"/>
+              </a:ext>
+            </a:extLst>
+          </p:cNvPr>
+          <p:cNvCxnSpPr>
+            <a:cxnSpLocks/>
+          </p:cNvCxnSpPr>
+          <p:nvPr/>
+        </p:nvCxnSpPr>
+        <p:spPr>
+          <a:xfrm flipH="1">
+            <a:off x="8174285" y="1192643"/>
+            <a:ext cx="15066" cy="3710350"/>
+          </a:xfrm>
+          <a:prstGeom prst="line">
+            <a:avLst/>
+          </a:prstGeom>
+          <a:ln w="38100">
+            <a:solidFill>
+              <a:schemeClr val="accent1">
+                <a:lumMod val="50000"/>
+              </a:schemeClr>
+            </a:solidFill>
+          </a:ln>
+        </p:spPr>
+        <p:style>
+          <a:lnRef idx="1">
+            <a:schemeClr val="accent1"/>
+          </a:lnRef>
+          <a:fillRef idx="0">
+            <a:schemeClr val="accent1"/>
+          </a:fillRef>
+          <a:effectRef idx="0">
+            <a:schemeClr val="accent1"/>
+          </a:effectRef>
+          <a:fontRef idx="minor">
+            <a:schemeClr val="tx1"/>
+          </a:fontRef>
+        </p:style>
+      </p:cxnSp>
+      <p:cxnSp>
+        <p:nvCxnSpPr>
+          <p:cNvPr id="76" name="직선 연결선 75">
+            <a:extLst>
+              <a:ext uri="{FF2B5EF4-FFF2-40B4-BE49-F238E27FC236}">
+                <a16:creationId xmlns:a16="http://schemas.microsoft.com/office/drawing/2014/main" id="{3271A351-DB69-9CF3-1FBF-A136B7F58364}"/>
+              </a:ext>
+            </a:extLst>
+          </p:cNvPr>
+          <p:cNvCxnSpPr>
+            <a:cxnSpLocks/>
+            <a:stCxn id="60" idx="1"/>
+          </p:cNvCxnSpPr>
+          <p:nvPr/>
+        </p:nvCxnSpPr>
+        <p:spPr>
+          <a:xfrm flipH="1">
+            <a:off x="8178842" y="1634493"/>
+            <a:ext cx="530287" cy="0"/>
+          </a:xfrm>
+          <a:prstGeom prst="line">
+            <a:avLst/>
+          </a:prstGeom>
+          <a:ln w="38100">
+            <a:solidFill>
+              <a:schemeClr val="accent1">
+                <a:lumMod val="50000"/>
+              </a:schemeClr>
+            </a:solidFill>
+          </a:ln>
+        </p:spPr>
+        <p:style>
+          <a:lnRef idx="1">
+            <a:schemeClr val="accent1"/>
+          </a:lnRef>
+          <a:fillRef idx="0">
+            <a:schemeClr val="accent1"/>
+          </a:fillRef>
+          <a:effectRef idx="0">
+            <a:schemeClr val="accent1"/>
+          </a:effectRef>
+          <a:fontRef idx="minor">
+            <a:schemeClr val="tx1"/>
+          </a:fontRef>
+        </p:style>
+      </p:cxnSp>
+      <p:cxnSp>
+        <p:nvCxnSpPr>
+          <p:cNvPr id="77" name="직선 연결선 76">
+            <a:extLst>
+              <a:ext uri="{FF2B5EF4-FFF2-40B4-BE49-F238E27FC236}">
+                <a16:creationId xmlns:a16="http://schemas.microsoft.com/office/drawing/2014/main" id="{CCC46968-3BF7-BAFA-B5F8-7DDA32905B83}"/>
+              </a:ext>
+            </a:extLst>
+          </p:cNvPr>
+          <p:cNvCxnSpPr>
+            <a:cxnSpLocks/>
+            <a:stCxn id="61" idx="1"/>
+          </p:cNvCxnSpPr>
+          <p:nvPr/>
+        </p:nvCxnSpPr>
+        <p:spPr>
+          <a:xfrm flipH="1">
+            <a:off x="8178842" y="2269950"/>
+            <a:ext cx="530287" cy="82"/>
+          </a:xfrm>
+          <a:prstGeom prst="line">
+            <a:avLst/>
+          </a:prstGeom>
+          <a:ln w="38100">
+            <a:solidFill>
+              <a:schemeClr val="accent1">
+                <a:lumMod val="50000"/>
+              </a:schemeClr>
+            </a:solidFill>
+          </a:ln>
+        </p:spPr>
+        <p:style>
+          <a:lnRef idx="1">
+            <a:schemeClr val="accent1"/>
+          </a:lnRef>
+          <a:fillRef idx="0">
+            <a:schemeClr val="accent1"/>
+          </a:fillRef>
+          <a:effectRef idx="0">
+            <a:schemeClr val="accent1"/>
+          </a:effectRef>
+          <a:fontRef idx="minor">
+            <a:schemeClr val="tx1"/>
+          </a:fontRef>
+        </p:style>
+      </p:cxnSp>
+      <p:cxnSp>
+        <p:nvCxnSpPr>
+          <p:cNvPr id="78" name="직선 연결선 77">
+            <a:extLst>
+              <a:ext uri="{FF2B5EF4-FFF2-40B4-BE49-F238E27FC236}">
+                <a16:creationId xmlns:a16="http://schemas.microsoft.com/office/drawing/2014/main" id="{0ED82EFA-5C05-E089-8D12-1C6F532637A0}"/>
+              </a:ext>
+            </a:extLst>
+          </p:cNvPr>
+          <p:cNvCxnSpPr>
+            <a:cxnSpLocks/>
+            <a:stCxn id="62" idx="1"/>
+          </p:cNvCxnSpPr>
+          <p:nvPr/>
+        </p:nvCxnSpPr>
+        <p:spPr>
+          <a:xfrm flipH="1">
+            <a:off x="8189351" y="2905407"/>
+            <a:ext cx="519777" cy="561"/>
+          </a:xfrm>
+          <a:prstGeom prst="line">
+            <a:avLst/>
+          </a:prstGeom>
+          <a:ln w="38100">
+            <a:solidFill>
+              <a:schemeClr val="accent1">
+                <a:lumMod val="50000"/>
+              </a:schemeClr>
+            </a:solidFill>
+          </a:ln>
+        </p:spPr>
+        <p:style>
+          <a:lnRef idx="1">
+            <a:schemeClr val="accent1"/>
+          </a:lnRef>
+          <a:fillRef idx="0">
+            <a:schemeClr val="accent1"/>
+          </a:fillRef>
+          <a:effectRef idx="0">
+            <a:schemeClr val="accent1"/>
+          </a:effectRef>
+          <a:fontRef idx="minor">
+            <a:schemeClr val="tx1"/>
+          </a:fontRef>
+        </p:style>
+      </p:cxnSp>
+      <p:cxnSp>
+        <p:nvCxnSpPr>
+          <p:cNvPr id="79" name="직선 연결선 78">
+            <a:extLst>
+              <a:ext uri="{FF2B5EF4-FFF2-40B4-BE49-F238E27FC236}">
+                <a16:creationId xmlns:a16="http://schemas.microsoft.com/office/drawing/2014/main" id="{287C581C-34EB-8B0B-DC93-F2524A7623B8}"/>
+              </a:ext>
+            </a:extLst>
+          </p:cNvPr>
+          <p:cNvCxnSpPr>
+            <a:cxnSpLocks/>
+          </p:cNvCxnSpPr>
+          <p:nvPr/>
+        </p:nvCxnSpPr>
+        <p:spPr>
+          <a:xfrm flipH="1">
+            <a:off x="8184096" y="3567279"/>
+            <a:ext cx="519777" cy="561"/>
+          </a:xfrm>
+          <a:prstGeom prst="line">
+            <a:avLst/>
+          </a:prstGeom>
+          <a:ln w="38100">
+            <a:solidFill>
+              <a:schemeClr val="accent1">
+                <a:lumMod val="50000"/>
+              </a:schemeClr>
+            </a:solidFill>
+          </a:ln>
+        </p:spPr>
+        <p:style>
+          <a:lnRef idx="1">
+            <a:schemeClr val="accent1"/>
+          </a:lnRef>
+          <a:fillRef idx="0">
+            <a:schemeClr val="accent1"/>
+          </a:fillRef>
+          <a:effectRef idx="0">
+            <a:schemeClr val="accent1"/>
+          </a:effectRef>
+          <a:fontRef idx="minor">
+            <a:schemeClr val="tx1"/>
+          </a:fontRef>
+        </p:style>
+      </p:cxnSp>
+      <p:cxnSp>
+        <p:nvCxnSpPr>
+          <p:cNvPr id="80" name="직선 연결선 79">
+            <a:extLst>
+              <a:ext uri="{FF2B5EF4-FFF2-40B4-BE49-F238E27FC236}">
+                <a16:creationId xmlns:a16="http://schemas.microsoft.com/office/drawing/2014/main" id="{028E390F-9407-E6FC-546D-9648789BF88F}"/>
+              </a:ext>
+            </a:extLst>
+          </p:cNvPr>
+          <p:cNvCxnSpPr>
+            <a:cxnSpLocks/>
+          </p:cNvCxnSpPr>
+          <p:nvPr/>
+        </p:nvCxnSpPr>
+        <p:spPr>
+          <a:xfrm flipH="1">
+            <a:off x="8186724" y="4228590"/>
+            <a:ext cx="519777" cy="561"/>
+          </a:xfrm>
+          <a:prstGeom prst="line">
+            <a:avLst/>
+          </a:prstGeom>
+          <a:ln w="38100">
+            <a:solidFill>
+              <a:schemeClr val="accent1">
+                <a:lumMod val="50000"/>
+              </a:schemeClr>
+            </a:solidFill>
+          </a:ln>
+        </p:spPr>
+        <p:style>
+          <a:lnRef idx="1">
+            <a:schemeClr val="accent1"/>
+          </a:lnRef>
+          <a:fillRef idx="0">
+            <a:schemeClr val="accent1"/>
+          </a:fillRef>
+          <a:effectRef idx="0">
+            <a:schemeClr val="accent1"/>
+          </a:effectRef>
+          <a:fontRef idx="minor">
+            <a:schemeClr val="tx1"/>
+          </a:fontRef>
+        </p:style>
+      </p:cxnSp>
+      <p:cxnSp>
+        <p:nvCxnSpPr>
+          <p:cNvPr id="81" name="직선 연결선 80">
+            <a:extLst>
+              <a:ext uri="{FF2B5EF4-FFF2-40B4-BE49-F238E27FC236}">
+                <a16:creationId xmlns:a16="http://schemas.microsoft.com/office/drawing/2014/main" id="{BC6917AF-B6FD-92C1-82E4-ACA88687F428}"/>
+              </a:ext>
+            </a:extLst>
+          </p:cNvPr>
+          <p:cNvCxnSpPr>
+            <a:cxnSpLocks/>
+          </p:cNvCxnSpPr>
+          <p:nvPr/>
+        </p:nvCxnSpPr>
+        <p:spPr>
+          <a:xfrm flipH="1">
+            <a:off x="8186724" y="4885824"/>
+            <a:ext cx="519777" cy="561"/>
+          </a:xfrm>
+          <a:prstGeom prst="line">
+            <a:avLst/>
+          </a:prstGeom>
+          <a:ln w="38100">
+            <a:solidFill>
+              <a:schemeClr val="accent1">
+                <a:lumMod val="50000"/>
+              </a:schemeClr>
+            </a:solidFill>
+          </a:ln>
+        </p:spPr>
+        <p:style>
+          <a:lnRef idx="1">
+            <a:schemeClr val="accent1"/>
+          </a:lnRef>
+          <a:fillRef idx="0">
+            <a:schemeClr val="accent1"/>
+          </a:fillRef>
+          <a:effectRef idx="0">
+            <a:schemeClr val="accent1"/>
+          </a:effectRef>
+          <a:fontRef idx="minor">
+            <a:schemeClr val="tx1"/>
+          </a:fontRef>
+        </p:style>
+      </p:cxnSp>
+      <p:cxnSp>
+        <p:nvCxnSpPr>
+          <p:cNvPr id="82" name="직선 연결선 81">
+            <a:extLst>
+              <a:ext uri="{FF2B5EF4-FFF2-40B4-BE49-F238E27FC236}">
+                <a16:creationId xmlns:a16="http://schemas.microsoft.com/office/drawing/2014/main" id="{27B63F75-D39F-4E1E-6674-CDD3633105D2}"/>
+              </a:ext>
+            </a:extLst>
+          </p:cNvPr>
+          <p:cNvCxnSpPr>
+            <a:cxnSpLocks/>
+            <a:stCxn id="66" idx="1"/>
+            <a:endCxn id="62" idx="3"/>
+          </p:cNvCxnSpPr>
+          <p:nvPr/>
+        </p:nvCxnSpPr>
+        <p:spPr>
+          <a:xfrm flipH="1">
+            <a:off x="10176121" y="2905407"/>
+            <a:ext cx="487434" cy="0"/>
+          </a:xfrm>
+          <a:prstGeom prst="line">
+            <a:avLst/>
+          </a:prstGeom>
+          <a:ln w="38100">
+            <a:solidFill>
+              <a:schemeClr val="accent1">
+                <a:lumMod val="50000"/>
+              </a:schemeClr>
+            </a:solidFill>
+          </a:ln>
+        </p:spPr>
+        <p:style>
+          <a:lnRef idx="1">
+            <a:schemeClr val="accent1"/>
+          </a:lnRef>
+          <a:fillRef idx="0">
+            <a:schemeClr val="accent1"/>
+          </a:fillRef>
+          <a:effectRef idx="0">
+            <a:schemeClr val="accent1"/>
+          </a:effectRef>
+          <a:fontRef idx="minor">
+            <a:schemeClr val="tx1"/>
+          </a:fontRef>
+        </p:style>
+      </p:cxnSp>
+      <p:sp>
+        <p:nvSpPr>
+          <p:cNvPr id="83" name="사각형: 둥근 모서리 82">
+            <a:extLst>
+              <a:ext uri="{FF2B5EF4-FFF2-40B4-BE49-F238E27FC236}">
+                <a16:creationId xmlns:a16="http://schemas.microsoft.com/office/drawing/2014/main" id="{6D44B548-BE25-9C4B-3785-A83667AA9436}"/>
+              </a:ext>
+            </a:extLst>
+          </p:cNvPr>
+          <p:cNvSpPr/>
+          <p:nvPr/>
+        </p:nvSpPr>
+        <p:spPr>
+          <a:xfrm>
+            <a:off x="5045022" y="4472339"/>
+            <a:ext cx="1466993" cy="430654"/>
+          </a:xfrm>
+          <a:prstGeom prst="roundRect">
+            <a:avLst>
+              <a:gd name="adj" fmla="val 15623"/>
+            </a:avLst>
+          </a:prstGeom>
+          <a:solidFill>
+            <a:srgbClr val="7BAA3C"/>
+          </a:solidFill>
+        </p:spPr>
+        <p:style>
+          <a:lnRef idx="2">
+            <a:schemeClr val="accent1">
+              <a:shade val="50000"/>
+            </a:schemeClr>
+          </a:lnRef>
+          <a:fillRef idx="1">
+            <a:schemeClr val="accent1"/>
+          </a:fillRef>
+          <a:effectRef idx="0">
+            <a:schemeClr val="accent1"/>
+          </a:effectRef>
+          <a:fontRef idx="minor">
+            <a:schemeClr val="lt1"/>
+          </a:fontRef>
+        </p:style>
+        <p:txBody>
+          <a:bodyPr rtlCol="0" anchor="ctr"/>
+          <a:lstStyle/>
+          <a:p>
+            <a:pPr algn="ctr"/>
+            <a:r>
+              <a:rPr lang="en-US" altLang="ko-KR" b="1" dirty="0" err="1">
+                <a:effectLst>
+                  <a:outerShdw blurRad="38100" dist="38100" dir="2700000" algn="tl">
+                    <a:srgbClr val="000000">
+                      <a:alpha val="43137"/>
+                    </a:srgbClr>
+                  </a:outerShdw>
+                </a:effectLst>
+              </a:rPr>
+              <a:t>Hitory</a:t>
+            </a:r>
+            <a:endParaRPr lang="ko-KR" altLang="en-US" b="1" dirty="0">
+              <a:effectLst>
+                <a:outerShdw blurRad="38100" dist="38100" dir="2700000" algn="tl">
+                  <a:srgbClr val="000000">
+                    <a:alpha val="43137"/>
+                  </a:srgbClr>
+                </a:outerShdw>
+              </a:effectLst>
+            </a:endParaRPr>
+          </a:p>
+        </p:txBody>
+      </p:sp>
+      <p:sp>
+        <p:nvSpPr>
+          <p:cNvPr id="84" name="사각형: 둥근 모서리 83">
+            <a:extLst>
+              <a:ext uri="{FF2B5EF4-FFF2-40B4-BE49-F238E27FC236}">
+                <a16:creationId xmlns:a16="http://schemas.microsoft.com/office/drawing/2014/main" id="{C0025831-D734-64D4-D86C-1775BEEBCC07}"/>
+              </a:ext>
+            </a:extLst>
+          </p:cNvPr>
+          <p:cNvSpPr/>
+          <p:nvPr/>
+        </p:nvSpPr>
+        <p:spPr>
+          <a:xfrm>
+            <a:off x="2810716" y="4483146"/>
+            <a:ext cx="1466993" cy="430654"/>
+          </a:xfrm>
+          <a:prstGeom prst="roundRect">
+            <a:avLst>
+              <a:gd name="adj" fmla="val 15623"/>
+            </a:avLst>
+          </a:prstGeom>
+          <a:solidFill>
+            <a:srgbClr val="7BAA3C"/>
+          </a:solidFill>
+        </p:spPr>
+        <p:style>
+          <a:lnRef idx="2">
+            <a:schemeClr val="accent1">
+              <a:shade val="50000"/>
+            </a:schemeClr>
+          </a:lnRef>
+          <a:fillRef idx="1">
+            <a:schemeClr val="accent1"/>
+          </a:fillRef>
+          <a:effectRef idx="0">
+            <a:schemeClr val="accent1"/>
+          </a:effectRef>
+          <a:fontRef idx="minor">
+            <a:schemeClr val="lt1"/>
+          </a:fontRef>
+        </p:style>
+        <p:txBody>
+          <a:bodyPr rtlCol="0" anchor="ctr"/>
+          <a:lstStyle/>
+          <a:p>
+            <a:pPr algn="ctr"/>
+            <a:r>
+              <a:rPr lang="ko-KR" altLang="en-US" sz="2000" b="1" dirty="0">
+                <a:effectLst>
+                  <a:outerShdw blurRad="38100" dist="38100" dir="2700000" algn="tl">
+                    <a:srgbClr val="000000">
+                      <a:alpha val="43137"/>
+                    </a:srgbClr>
+                  </a:outerShdw>
+                </a:effectLst>
+              </a:rPr>
+              <a:t>편집</a:t>
+            </a:r>
+          </a:p>
+        </p:txBody>
+      </p:sp>
+      <p:sp>
+        <p:nvSpPr>
+          <p:cNvPr id="85" name="사각형: 둥근 모서리 84">
+            <a:extLst>
+              <a:ext uri="{FF2B5EF4-FFF2-40B4-BE49-F238E27FC236}">
+                <a16:creationId xmlns:a16="http://schemas.microsoft.com/office/drawing/2014/main" id="{1C5683FC-69A7-9A79-685E-759D3C84B0AC}"/>
+              </a:ext>
+            </a:extLst>
+          </p:cNvPr>
+          <p:cNvSpPr/>
+          <p:nvPr/>
+        </p:nvSpPr>
+        <p:spPr>
+          <a:xfrm>
+            <a:off x="5045021" y="5017036"/>
+            <a:ext cx="1466993" cy="430654"/>
+          </a:xfrm>
+          <a:prstGeom prst="roundRect">
+            <a:avLst>
+              <a:gd name="adj" fmla="val 15623"/>
+            </a:avLst>
+          </a:prstGeom>
+          <a:solidFill>
+            <a:srgbClr val="7BAA3C"/>
+          </a:solidFill>
+        </p:spPr>
+        <p:style>
+          <a:lnRef idx="2">
+            <a:schemeClr val="accent1">
+              <a:shade val="50000"/>
+            </a:schemeClr>
+          </a:lnRef>
+          <a:fillRef idx="1">
+            <a:schemeClr val="accent1"/>
+          </a:fillRef>
+          <a:effectRef idx="0">
+            <a:schemeClr val="accent1"/>
+          </a:effectRef>
+          <a:fontRef idx="minor">
+            <a:schemeClr val="lt1"/>
+          </a:fontRef>
+        </p:style>
+        <p:txBody>
+          <a:bodyPr rtlCol="0" anchor="ctr"/>
+          <a:lstStyle/>
+          <a:p>
+            <a:pPr algn="ctr"/>
+            <a:r>
+              <a:rPr lang="ko-KR" altLang="en-US" b="1" dirty="0">
+                <a:effectLst>
+                  <a:outerShdw blurRad="38100" dist="38100" dir="2700000" algn="tl">
+                    <a:srgbClr val="000000">
+                      <a:alpha val="43137"/>
+                    </a:srgbClr>
+                  </a:outerShdw>
+                </a:effectLst>
+              </a:rPr>
+              <a:t>이미지</a:t>
+            </a:r>
+          </a:p>
+        </p:txBody>
+      </p:sp>
+      <p:sp>
+        <p:nvSpPr>
+          <p:cNvPr id="86" name="사각형: 둥근 모서리 85">
+            <a:extLst>
+              <a:ext uri="{FF2B5EF4-FFF2-40B4-BE49-F238E27FC236}">
+                <a16:creationId xmlns:a16="http://schemas.microsoft.com/office/drawing/2014/main" id="{B7CE4157-8A30-0574-1CF7-8A195488CA0E}"/>
+              </a:ext>
+            </a:extLst>
+          </p:cNvPr>
+          <p:cNvSpPr/>
+          <p:nvPr/>
+        </p:nvSpPr>
+        <p:spPr>
+          <a:xfrm>
+            <a:off x="2809319" y="5537687"/>
+            <a:ext cx="1466993" cy="430654"/>
+          </a:xfrm>
+          <a:prstGeom prst="roundRect">
+            <a:avLst>
+              <a:gd name="adj" fmla="val 15623"/>
+            </a:avLst>
+          </a:prstGeom>
+          <a:solidFill>
+            <a:srgbClr val="7BAA3C"/>
+          </a:solidFill>
+        </p:spPr>
+        <p:style>
+          <a:lnRef idx="2">
+            <a:schemeClr val="accent1">
+              <a:shade val="50000"/>
+            </a:schemeClr>
+          </a:lnRef>
+          <a:fillRef idx="1">
+            <a:schemeClr val="accent1"/>
+          </a:fillRef>
+          <a:effectRef idx="0">
+            <a:schemeClr val="accent1"/>
+          </a:effectRef>
+          <a:fontRef idx="minor">
+            <a:schemeClr val="lt1"/>
+          </a:fontRef>
+        </p:style>
+        <p:txBody>
+          <a:bodyPr rtlCol="0" anchor="ctr"/>
+          <a:lstStyle/>
+          <a:p>
+            <a:pPr algn="ctr"/>
+            <a:r>
+              <a:rPr lang="ko-KR" altLang="en-US" sz="2000" b="1" dirty="0">
+                <a:effectLst>
+                  <a:outerShdw blurRad="38100" dist="38100" dir="2700000" algn="tl">
+                    <a:srgbClr val="000000">
+                      <a:alpha val="43137"/>
+                    </a:srgbClr>
+                  </a:outerShdw>
+                </a:effectLst>
+              </a:rPr>
+              <a:t>읽기 전용</a:t>
+            </a:r>
+          </a:p>
+        </p:txBody>
+      </p:sp>
+      <p:sp>
+        <p:nvSpPr>
+          <p:cNvPr id="87" name="사각형: 둥근 모서리 86">
+            <a:extLst>
+              <a:ext uri="{FF2B5EF4-FFF2-40B4-BE49-F238E27FC236}">
+                <a16:creationId xmlns:a16="http://schemas.microsoft.com/office/drawing/2014/main" id="{AE71B54C-799F-BC3F-FE08-3941A5A07754}"/>
+              </a:ext>
+            </a:extLst>
+          </p:cNvPr>
+          <p:cNvSpPr/>
+          <p:nvPr/>
+        </p:nvSpPr>
+        <p:spPr>
+          <a:xfrm>
+            <a:off x="5045023" y="5561733"/>
+            <a:ext cx="1466993" cy="430654"/>
+          </a:xfrm>
+          <a:prstGeom prst="roundRect">
+            <a:avLst>
+              <a:gd name="adj" fmla="val 15623"/>
+            </a:avLst>
+          </a:prstGeom>
+          <a:solidFill>
+            <a:srgbClr val="7BAA3C"/>
+          </a:solidFill>
+        </p:spPr>
+        <p:style>
+          <a:lnRef idx="2">
+            <a:schemeClr val="accent1">
+              <a:shade val="50000"/>
+            </a:schemeClr>
+          </a:lnRef>
+          <a:fillRef idx="1">
+            <a:schemeClr val="accent1"/>
+          </a:fillRef>
+          <a:effectRef idx="0">
+            <a:schemeClr val="accent1"/>
+          </a:effectRef>
+          <a:fontRef idx="minor">
+            <a:schemeClr val="lt1"/>
+          </a:fontRef>
+        </p:style>
+        <p:txBody>
+          <a:bodyPr rtlCol="0" anchor="ctr"/>
+          <a:lstStyle/>
+          <a:p>
+            <a:pPr algn="ctr"/>
+            <a:r>
+              <a:rPr lang="ko-KR" altLang="en-US" b="1">
+                <a:effectLst>
+                  <a:outerShdw blurRad="38100" dist="38100" dir="2700000" algn="tl">
+                    <a:srgbClr val="000000">
+                      <a:alpha val="43137"/>
+                    </a:srgbClr>
+                  </a:outerShdw>
+                </a:effectLst>
+              </a:rPr>
+              <a:t>동영상</a:t>
+            </a:r>
+            <a:endParaRPr lang="ko-KR" altLang="en-US" b="1" dirty="0">
+              <a:effectLst>
+                <a:outerShdw blurRad="38100" dist="38100" dir="2700000" algn="tl">
+                  <a:srgbClr val="000000">
+                    <a:alpha val="43137"/>
+                  </a:srgbClr>
+                </a:outerShdw>
+              </a:effectLst>
+            </a:endParaRPr>
+          </a:p>
+        </p:txBody>
+      </p:sp>
+      <p:cxnSp>
+        <p:nvCxnSpPr>
+          <p:cNvPr id="88" name="직선 연결선 87">
+            <a:extLst>
+              <a:ext uri="{FF2B5EF4-FFF2-40B4-BE49-F238E27FC236}">
+                <a16:creationId xmlns:a16="http://schemas.microsoft.com/office/drawing/2014/main" id="{CD8C5365-E6A7-B8F1-4BEB-53BC9D81AC3A}"/>
+              </a:ext>
+            </a:extLst>
+          </p:cNvPr>
+          <p:cNvCxnSpPr>
+            <a:cxnSpLocks/>
+          </p:cNvCxnSpPr>
+          <p:nvPr/>
+        </p:nvCxnSpPr>
+        <p:spPr>
+          <a:xfrm flipH="1">
+            <a:off x="2322909" y="4198972"/>
+            <a:ext cx="10700" cy="1579131"/>
+          </a:xfrm>
+          <a:prstGeom prst="line">
+            <a:avLst/>
+          </a:prstGeom>
+          <a:ln w="38100">
+            <a:solidFill>
+              <a:schemeClr val="accent1">
+                <a:lumMod val="50000"/>
+              </a:schemeClr>
+            </a:solidFill>
+          </a:ln>
+        </p:spPr>
+        <p:style>
+          <a:lnRef idx="1">
+            <a:schemeClr val="accent1"/>
+          </a:lnRef>
+          <a:fillRef idx="0">
+            <a:schemeClr val="accent1"/>
+          </a:fillRef>
+          <a:effectRef idx="0">
+            <a:schemeClr val="accent1"/>
+          </a:effectRef>
+          <a:fontRef idx="minor">
+            <a:schemeClr val="tx1"/>
+          </a:fontRef>
+        </p:style>
+      </p:cxnSp>
+      <p:cxnSp>
+        <p:nvCxnSpPr>
+          <p:cNvPr id="89" name="직선 연결선 88">
+            <a:extLst>
+              <a:ext uri="{FF2B5EF4-FFF2-40B4-BE49-F238E27FC236}">
+                <a16:creationId xmlns:a16="http://schemas.microsoft.com/office/drawing/2014/main" id="{E83D30C7-6EA6-3239-01DD-801DD656150F}"/>
+              </a:ext>
+            </a:extLst>
+          </p:cNvPr>
+          <p:cNvCxnSpPr>
+            <a:cxnSpLocks/>
+          </p:cNvCxnSpPr>
+          <p:nvPr/>
+        </p:nvCxnSpPr>
+        <p:spPr>
+          <a:xfrm flipH="1">
+            <a:off x="2316627" y="5761898"/>
+            <a:ext cx="492692" cy="0"/>
+          </a:xfrm>
+          <a:prstGeom prst="line">
+            <a:avLst/>
+          </a:prstGeom>
+          <a:ln w="38100">
+            <a:solidFill>
+              <a:schemeClr val="accent1">
+                <a:lumMod val="50000"/>
+              </a:schemeClr>
+            </a:solidFill>
+          </a:ln>
+        </p:spPr>
+        <p:style>
+          <a:lnRef idx="1">
+            <a:schemeClr val="accent1"/>
+          </a:lnRef>
+          <a:fillRef idx="0">
+            <a:schemeClr val="accent1"/>
+          </a:fillRef>
+          <a:effectRef idx="0">
+            <a:schemeClr val="accent1"/>
+          </a:effectRef>
+          <a:fontRef idx="minor">
+            <a:schemeClr val="tx1"/>
+          </a:fontRef>
+        </p:style>
+      </p:cxnSp>
+      <p:cxnSp>
+        <p:nvCxnSpPr>
+          <p:cNvPr id="90" name="직선 연결선 89">
+            <a:extLst>
+              <a:ext uri="{FF2B5EF4-FFF2-40B4-BE49-F238E27FC236}">
+                <a16:creationId xmlns:a16="http://schemas.microsoft.com/office/drawing/2014/main" id="{CEAFA3CF-A417-4712-D145-F3FA1C318956}"/>
+              </a:ext>
+            </a:extLst>
+          </p:cNvPr>
+          <p:cNvCxnSpPr>
+            <a:cxnSpLocks/>
+          </p:cNvCxnSpPr>
+          <p:nvPr/>
+        </p:nvCxnSpPr>
+        <p:spPr>
+          <a:xfrm flipH="1">
+            <a:off x="2316627" y="4683192"/>
+            <a:ext cx="492692" cy="0"/>
+          </a:xfrm>
+          <a:prstGeom prst="line">
+            <a:avLst/>
+          </a:prstGeom>
+          <a:ln w="38100">
+            <a:solidFill>
+              <a:schemeClr val="accent1">
+                <a:lumMod val="50000"/>
+              </a:schemeClr>
+            </a:solidFill>
+          </a:ln>
+        </p:spPr>
+        <p:style>
+          <a:lnRef idx="1">
+            <a:schemeClr val="accent1"/>
+          </a:lnRef>
+          <a:fillRef idx="0">
+            <a:schemeClr val="accent1"/>
+          </a:fillRef>
+          <a:effectRef idx="0">
+            <a:schemeClr val="accent1"/>
+          </a:effectRef>
+          <a:fontRef idx="minor">
+            <a:schemeClr val="tx1"/>
+          </a:fontRef>
+        </p:style>
+      </p:cxnSp>
+      <p:cxnSp>
+        <p:nvCxnSpPr>
+          <p:cNvPr id="91" name="직선 연결선 90">
+            <a:extLst>
+              <a:ext uri="{FF2B5EF4-FFF2-40B4-BE49-F238E27FC236}">
+                <a16:creationId xmlns:a16="http://schemas.microsoft.com/office/drawing/2014/main" id="{C9065F75-7D84-6FBD-D056-4331C2D64D19}"/>
+              </a:ext>
+            </a:extLst>
+          </p:cNvPr>
+          <p:cNvCxnSpPr>
+            <a:cxnSpLocks/>
+            <a:stCxn id="83" idx="1"/>
+          </p:cNvCxnSpPr>
+          <p:nvPr/>
+        </p:nvCxnSpPr>
+        <p:spPr>
+          <a:xfrm flipH="1" flipV="1">
+            <a:off x="4276312" y="4683192"/>
+            <a:ext cx="768710" cy="4474"/>
+          </a:xfrm>
+          <a:prstGeom prst="line">
+            <a:avLst/>
+          </a:prstGeom>
+          <a:ln w="38100">
+            <a:solidFill>
+              <a:schemeClr val="accent1">
+                <a:lumMod val="50000"/>
+              </a:schemeClr>
+            </a:solidFill>
+          </a:ln>
+        </p:spPr>
+        <p:style>
+          <a:lnRef idx="1">
+            <a:schemeClr val="accent1"/>
+          </a:lnRef>
+          <a:fillRef idx="0">
+            <a:schemeClr val="accent1"/>
+          </a:fillRef>
+          <a:effectRef idx="0">
+            <a:schemeClr val="accent1"/>
+          </a:effectRef>
+          <a:fontRef idx="minor">
+            <a:schemeClr val="tx1"/>
+          </a:fontRef>
+        </p:style>
+      </p:cxnSp>
+      <p:cxnSp>
+        <p:nvCxnSpPr>
+          <p:cNvPr id="92" name="직선 연결선 91">
+            <a:extLst>
+              <a:ext uri="{FF2B5EF4-FFF2-40B4-BE49-F238E27FC236}">
+                <a16:creationId xmlns:a16="http://schemas.microsoft.com/office/drawing/2014/main" id="{8F351BA0-BE67-24F8-E8BD-9419393F3426}"/>
+              </a:ext>
+            </a:extLst>
+          </p:cNvPr>
+          <p:cNvCxnSpPr>
+            <a:cxnSpLocks/>
+          </p:cNvCxnSpPr>
+          <p:nvPr/>
+        </p:nvCxnSpPr>
+        <p:spPr>
+          <a:xfrm flipH="1">
+            <a:off x="4652485" y="4683192"/>
+            <a:ext cx="12107" cy="1119914"/>
+          </a:xfrm>
+          <a:prstGeom prst="line">
+            <a:avLst/>
+          </a:prstGeom>
+          <a:ln w="38100">
+            <a:solidFill>
+              <a:schemeClr val="accent1">
+                <a:lumMod val="50000"/>
+              </a:schemeClr>
+            </a:solidFill>
+          </a:ln>
+        </p:spPr>
+        <p:style>
+          <a:lnRef idx="1">
+            <a:schemeClr val="accent1"/>
+          </a:lnRef>
+          <a:fillRef idx="0">
+            <a:schemeClr val="accent1"/>
+          </a:fillRef>
+          <a:effectRef idx="0">
+            <a:schemeClr val="accent1"/>
+          </a:effectRef>
+          <a:fontRef idx="minor">
+            <a:schemeClr val="tx1"/>
+          </a:fontRef>
+        </p:style>
+      </p:cxnSp>
+      <p:cxnSp>
+        <p:nvCxnSpPr>
+          <p:cNvPr id="93" name="직선 연결선 92">
+            <a:extLst>
+              <a:ext uri="{FF2B5EF4-FFF2-40B4-BE49-F238E27FC236}">
+                <a16:creationId xmlns:a16="http://schemas.microsoft.com/office/drawing/2014/main" id="{98920409-FD63-2C59-396F-854B96FBC3A1}"/>
+              </a:ext>
+            </a:extLst>
+          </p:cNvPr>
+          <p:cNvCxnSpPr>
+            <a:cxnSpLocks/>
+            <a:stCxn id="85" idx="1"/>
+          </p:cNvCxnSpPr>
+          <p:nvPr/>
+        </p:nvCxnSpPr>
+        <p:spPr>
+          <a:xfrm flipH="1">
+            <a:off x="4660667" y="5232363"/>
+            <a:ext cx="384354" cy="0"/>
+          </a:xfrm>
+          <a:prstGeom prst="line">
+            <a:avLst/>
+          </a:prstGeom>
+          <a:ln w="38100">
+            <a:solidFill>
+              <a:schemeClr val="accent1">
+                <a:lumMod val="50000"/>
+              </a:schemeClr>
+            </a:solidFill>
+          </a:ln>
+        </p:spPr>
+        <p:style>
+          <a:lnRef idx="1">
+            <a:schemeClr val="accent1"/>
+          </a:lnRef>
+          <a:fillRef idx="0">
+            <a:schemeClr val="accent1"/>
+          </a:fillRef>
+          <a:effectRef idx="0">
+            <a:schemeClr val="accent1"/>
+          </a:effectRef>
+          <a:fontRef idx="minor">
+            <a:schemeClr val="tx1"/>
+          </a:fontRef>
+        </p:style>
+      </p:cxnSp>
+      <p:cxnSp>
+        <p:nvCxnSpPr>
+          <p:cNvPr id="94" name="직선 연결선 93">
+            <a:extLst>
+              <a:ext uri="{FF2B5EF4-FFF2-40B4-BE49-F238E27FC236}">
+                <a16:creationId xmlns:a16="http://schemas.microsoft.com/office/drawing/2014/main" id="{12D799B1-BFA0-C2E5-DA13-AE9B793021E0}"/>
+              </a:ext>
+            </a:extLst>
+          </p:cNvPr>
+          <p:cNvCxnSpPr>
+            <a:cxnSpLocks/>
+          </p:cNvCxnSpPr>
+          <p:nvPr/>
+        </p:nvCxnSpPr>
+        <p:spPr>
+          <a:xfrm flipH="1">
+            <a:off x="4660667" y="5786003"/>
+            <a:ext cx="384354" cy="0"/>
+          </a:xfrm>
+          <a:prstGeom prst="line">
+            <a:avLst/>
+          </a:prstGeom>
+          <a:ln w="38100">
+            <a:solidFill>
+              <a:schemeClr val="accent1">
+                <a:lumMod val="50000"/>
+              </a:schemeClr>
+            </a:solidFill>
+          </a:ln>
+        </p:spPr>
+        <p:style>
+          <a:lnRef idx="1">
+            <a:schemeClr val="accent1"/>
+          </a:lnRef>
+          <a:fillRef idx="0">
+            <a:schemeClr val="accent1"/>
+          </a:fillRef>
+          <a:effectRef idx="0">
+            <a:schemeClr val="accent1"/>
+          </a:effectRef>
+          <a:fontRef idx="minor">
+            <a:schemeClr val="tx1"/>
+          </a:fontRef>
+        </p:style>
+      </p:cxnSp>
+    </p:spTree>
+    <p:extLst>
+      <p:ext uri="{BB962C8B-B14F-4D97-AF65-F5344CB8AC3E}">
+        <p14:creationId xmlns:p14="http://schemas.microsoft.com/office/powerpoint/2010/main" val="3622597973"/>
+      </p:ext>
+    </p:extLst>
+  </p:cSld>
+  <p:clrMapOvr>
+    <a:masterClrMapping/>
+  </p:clrMapOvr>
+  <p:transition spd="slow">
+    <p:push dir="u"/>
+  </p:transition>
+</p:sld>
+</file>
+
+<file path=ppt/slides/slide11.xml><?xml version="1.0" encoding="utf-8"?>
 <p:sld xmlns:a="http://schemas.openxmlformats.org/drawingml/2006/main" xmlns:r="http://schemas.openxmlformats.org/officeDocument/2006/relationships" xmlns:p="http://schemas.openxmlformats.org/presentationml/2006/main">
   <p:cSld>
     <p:bg>
@@ -5831,7 +8554,7 @@
 </p:sld>
 </file>
 
-<file path=ppt/slides/slide11.xml><?xml version="1.0" encoding="utf-8"?>
+<file path=ppt/slides/slide12.xml><?xml version="1.0" encoding="utf-8"?>
 <p:sld xmlns:a="http://schemas.openxmlformats.org/drawingml/2006/main" xmlns:r="http://schemas.openxmlformats.org/officeDocument/2006/relationships" xmlns:p="http://schemas.openxmlformats.org/presentationml/2006/main">
   <p:cSld>
     <p:spTree>
@@ -6468,7 +9191,7 @@
 </p:sld>
 </file>
 
-<file path=ppt/slides/slide12.xml><?xml version="1.0" encoding="utf-8"?>
+<file path=ppt/slides/slide13.xml><?xml version="1.0" encoding="utf-8"?>
 <p:sld xmlns:a="http://schemas.openxmlformats.org/drawingml/2006/main" xmlns:r="http://schemas.openxmlformats.org/officeDocument/2006/relationships" xmlns:p="http://schemas.openxmlformats.org/presentationml/2006/main">
   <p:cSld>
     <p:bg>
@@ -7136,7 +9859,7 @@
 </p:sld>
 </file>
 
-<file path=ppt/slides/slide13.xml><?xml version="1.0" encoding="utf-8"?>
+<file path=ppt/slides/slide14.xml><?xml version="1.0" encoding="utf-8"?>
 <p:sld xmlns:a="http://schemas.openxmlformats.org/drawingml/2006/main" xmlns:r="http://schemas.openxmlformats.org/officeDocument/2006/relationships" xmlns:p="http://schemas.openxmlformats.org/presentationml/2006/main">
   <p:cSld>
     <p:spTree>
@@ -12286,7 +15009,7 @@
 </p:sld>
 </file>
 
-<file path=ppt/slides/slide14.xml><?xml version="1.0" encoding="utf-8"?>
+<file path=ppt/slides/slide15.xml><?xml version="1.0" encoding="utf-8"?>
 <p:sld xmlns:a="http://schemas.openxmlformats.org/drawingml/2006/main" xmlns:r="http://schemas.openxmlformats.org/officeDocument/2006/relationships" xmlns:p="http://schemas.openxmlformats.org/presentationml/2006/main">
   <p:cSld>
     <p:spTree>
@@ -12981,7 +15704,7 @@
                 <a:latin typeface="나눔고딕" panose="020B0503020000020004" pitchFamily="2" charset="-127"/>
                 <a:ea typeface="나눔고딕" panose="020B0503020000020004" pitchFamily="2" charset="-127"/>
               </a:rPr>
-              <a:t>보완 사항 및 개발 후기</a:t>
+              <a:t>         보완 사항 및 개발 후기</a:t>
             </a:r>
             <a:endParaRPr lang="en-US" altLang="ko-KR" sz="2200" b="1" dirty="0">
               <a:latin typeface="나눔고딕" panose="020B0503020000020004" pitchFamily="2" charset="-127"/>
@@ -13004,8 +15727,8 @@
         </p:nvSpPr>
         <p:spPr>
           <a:xfrm>
-            <a:off x="999910" y="1672763"/>
-            <a:ext cx="833883" cy="707886"/>
+            <a:off x="1077654" y="2187883"/>
+            <a:ext cx="678391" cy="553998"/>
           </a:xfrm>
           <a:prstGeom prst="rect">
             <a:avLst/>
@@ -13020,7 +15743,7 @@
           <a:p>
             <a:pPr algn="ctr"/>
             <a:r>
-              <a:rPr lang="en-US" altLang="ko-KR" sz="4000" b="1" cap="none" spc="0" dirty="0">
+              <a:rPr lang="en-US" altLang="ko-KR" sz="3000" b="1" cap="none" spc="0" dirty="0">
                 <a:ln w="0"/>
                 <a:solidFill>
                   <a:schemeClr val="accent1"/>
@@ -13045,8 +15768,8 @@
         </p:nvSpPr>
         <p:spPr>
           <a:xfrm>
-            <a:off x="996703" y="2793351"/>
-            <a:ext cx="840295" cy="707886"/>
+            <a:off x="1077654" y="3324941"/>
+            <a:ext cx="678391" cy="553998"/>
           </a:xfrm>
           <a:prstGeom prst="rect">
             <a:avLst/>
@@ -13061,7 +15784,7 @@
           <a:p>
             <a:pPr algn="ctr"/>
             <a:r>
-              <a:rPr lang="en-US" altLang="ko-KR" sz="4000" b="1" cap="none" spc="0" dirty="0">
+              <a:rPr lang="en-US" altLang="ko-KR" sz="3000" b="1" cap="none" spc="0" dirty="0">
                 <a:ln w="0"/>
                 <a:solidFill>
                   <a:schemeClr val="accent1"/>
@@ -13086,8 +15809,8 @@
         </p:nvSpPr>
         <p:spPr>
           <a:xfrm>
-            <a:off x="996703" y="3940833"/>
-            <a:ext cx="840295" cy="707886"/>
+            <a:off x="1077653" y="4435969"/>
+            <a:ext cx="678391" cy="553998"/>
           </a:xfrm>
           <a:prstGeom prst="rect">
             <a:avLst/>
@@ -13102,7 +15825,7 @@
           <a:p>
             <a:pPr algn="ctr"/>
             <a:r>
-              <a:rPr lang="en-US" altLang="ko-KR" sz="4000" b="1" cap="none" spc="0" dirty="0">
+              <a:rPr lang="en-US" altLang="ko-KR" sz="3000" b="1" cap="none" spc="0" dirty="0">
                 <a:ln w="0"/>
                 <a:solidFill>
                   <a:schemeClr val="accent1"/>
@@ -13127,8 +15850,8 @@
         </p:nvSpPr>
         <p:spPr>
           <a:xfrm>
-            <a:off x="996702" y="5066800"/>
-            <a:ext cx="840295" cy="707886"/>
+            <a:off x="1077653" y="5586353"/>
+            <a:ext cx="678391" cy="553998"/>
           </a:xfrm>
           <a:prstGeom prst="rect">
             <a:avLst/>
@@ -13143,7 +15866,7 @@
           <a:p>
             <a:pPr algn="ctr"/>
             <a:r>
-              <a:rPr lang="en-US" altLang="ko-KR" sz="4000" b="1" cap="none" spc="0" dirty="0">
+              <a:rPr lang="en-US" altLang="ko-KR" sz="3000" b="1" cap="none" spc="0" dirty="0">
                 <a:ln w="0"/>
                 <a:solidFill>
                   <a:schemeClr val="accent1"/>
@@ -13168,8 +15891,8 @@
         </p:nvSpPr>
         <p:spPr>
           <a:xfrm>
-            <a:off x="7650309" y="1672763"/>
-            <a:ext cx="840295" cy="707886"/>
+            <a:off x="7731259" y="2194711"/>
+            <a:ext cx="678391" cy="553998"/>
           </a:xfrm>
           <a:prstGeom prst="rect">
             <a:avLst/>
@@ -13184,7 +15907,7 @@
           <a:p>
             <a:pPr algn="ctr"/>
             <a:r>
-              <a:rPr lang="en-US" altLang="ko-KR" sz="4000" b="1" cap="none" spc="0" dirty="0">
+              <a:rPr lang="en-US" altLang="ko-KR" sz="3000" b="1" cap="none" spc="0" dirty="0">
                 <a:ln w="0"/>
                 <a:solidFill>
                   <a:schemeClr val="accent1"/>
@@ -13209,8 +15932,8 @@
         </p:nvSpPr>
         <p:spPr>
           <a:xfrm>
-            <a:off x="7650308" y="2793351"/>
-            <a:ext cx="840295" cy="707886"/>
+            <a:off x="7731259" y="3310002"/>
+            <a:ext cx="678391" cy="553998"/>
           </a:xfrm>
           <a:prstGeom prst="rect">
             <a:avLst/>
@@ -13225,7 +15948,7 @@
           <a:p>
             <a:pPr algn="ctr"/>
             <a:r>
-              <a:rPr lang="en-US" altLang="ko-KR" sz="4000" b="1" cap="none" spc="0" dirty="0">
+              <a:rPr lang="en-US" altLang="ko-KR" sz="3000" b="1" cap="none" spc="0" dirty="0">
                 <a:ln w="0"/>
                 <a:solidFill>
                   <a:schemeClr val="accent1"/>
@@ -13250,8 +15973,8 @@
         </p:nvSpPr>
         <p:spPr>
           <a:xfrm>
-            <a:off x="7650308" y="3940833"/>
-            <a:ext cx="840295" cy="707886"/>
+            <a:off x="7745054" y="4434950"/>
+            <a:ext cx="678391" cy="553998"/>
           </a:xfrm>
           <a:prstGeom prst="rect">
             <a:avLst/>
@@ -13266,7 +15989,7 @@
           <a:p>
             <a:pPr algn="ctr"/>
             <a:r>
-              <a:rPr lang="en-US" altLang="ko-KR" sz="4000" b="1" cap="none" spc="0" dirty="0">
+              <a:rPr lang="en-US" altLang="ko-KR" sz="3000" b="1" cap="none" spc="0" dirty="0">
                 <a:ln w="0"/>
                 <a:solidFill>
                   <a:schemeClr val="accent1"/>
@@ -13291,8 +16014,8 @@
         </p:nvSpPr>
         <p:spPr>
           <a:xfrm>
-            <a:off x="7650307" y="5066800"/>
-            <a:ext cx="840295" cy="707886"/>
+            <a:off x="7731258" y="5589485"/>
+            <a:ext cx="678391" cy="553998"/>
           </a:xfrm>
           <a:prstGeom prst="rect">
             <a:avLst/>
@@ -13307,7 +16030,7 @@
           <a:p>
             <a:pPr algn="ctr"/>
             <a:r>
-              <a:rPr lang="en-US" altLang="ko-KR" sz="4000" b="1" cap="none" spc="0" dirty="0">
+              <a:rPr lang="en-US" altLang="ko-KR" sz="3000" b="1" cap="none" spc="0" dirty="0">
                 <a:ln w="0"/>
                 <a:solidFill>
                   <a:schemeClr val="accent1"/>
@@ -13544,6 +16267,379 @@
           </a:p>
         </p:txBody>
       </p:sp>
+      <p:sp>
+        <p:nvSpPr>
+          <p:cNvPr id="19" name="TextBox 18">
+            <a:extLst>
+              <a:ext uri="{FF2B5EF4-FFF2-40B4-BE49-F238E27FC236}">
+                <a16:creationId xmlns:a16="http://schemas.microsoft.com/office/drawing/2014/main" id="{ADC440AE-6FE0-F325-8A12-A2042E3E8181}"/>
+              </a:ext>
+            </a:extLst>
+          </p:cNvPr>
+          <p:cNvSpPr txBox="1"/>
+          <p:nvPr/>
+        </p:nvSpPr>
+        <p:spPr>
+          <a:xfrm>
+            <a:off x="8400007" y="410647"/>
+            <a:ext cx="3486219" cy="2947282"/>
+          </a:xfrm>
+          <a:prstGeom prst="rect">
+            <a:avLst/>
+          </a:prstGeom>
+          <a:noFill/>
+        </p:spPr>
+        <p:txBody>
+          <a:bodyPr wrap="square" rtlCol="0">
+            <a:spAutoFit/>
+          </a:bodyPr>
+          <a:lstStyle/>
+          <a:p>
+            <a:pPr marL="285750" indent="-285750">
+              <a:lnSpc>
+                <a:spcPct val="150000"/>
+              </a:lnSpc>
+              <a:buFontTx/>
+              <a:buChar char="-"/>
+            </a:pPr>
+            <a:r>
+              <a:rPr lang="ko-KR" altLang="en-US" b="1" dirty="0">
+                <a:latin typeface="맑은 고딕" panose="020B0503020000020004" pitchFamily="50" charset="-127"/>
+                <a:ea typeface="맑은 고딕" panose="020B0503020000020004" pitchFamily="50" charset="-127"/>
+              </a:rPr>
+              <a:t>개발자로써 필연적인 프로젝트 경험</a:t>
+            </a:r>
+            <a:endParaRPr lang="en-US" altLang="ko-KR" b="1" dirty="0">
+              <a:latin typeface="맑은 고딕" panose="020B0503020000020004" pitchFamily="50" charset="-127"/>
+              <a:ea typeface="맑은 고딕" panose="020B0503020000020004" pitchFamily="50" charset="-127"/>
+            </a:endParaRPr>
+          </a:p>
+          <a:p>
+            <a:pPr>
+              <a:lnSpc>
+                <a:spcPct val="150000"/>
+              </a:lnSpc>
+            </a:pPr>
+            <a:endParaRPr lang="en-US" altLang="ko-KR" b="1" dirty="0">
+              <a:latin typeface="맑은 고딕" panose="020B0503020000020004" pitchFamily="50" charset="-127"/>
+              <a:ea typeface="맑은 고딕" panose="020B0503020000020004" pitchFamily="50" charset="-127"/>
+            </a:endParaRPr>
+          </a:p>
+          <a:p>
+            <a:pPr marL="285750" indent="-285750">
+              <a:lnSpc>
+                <a:spcPct val="150000"/>
+              </a:lnSpc>
+              <a:buFontTx/>
+              <a:buChar char="-"/>
+            </a:pPr>
+            <a:r>
+              <a:rPr lang="ko-KR" altLang="en-US" sz="1800" b="1" dirty="0">
+                <a:latin typeface="맑은 고딕" panose="020B0503020000020004" pitchFamily="50" charset="-127"/>
+                <a:ea typeface="맑은 고딕" panose="020B0503020000020004" pitchFamily="50" charset="-127"/>
+              </a:rPr>
+              <a:t>프로젝트 시작의 어려움</a:t>
+            </a:r>
+            <a:endParaRPr lang="en-US" altLang="ko-KR" sz="1800" b="1" dirty="0">
+              <a:latin typeface="맑은 고딕" panose="020B0503020000020004" pitchFamily="50" charset="-127"/>
+              <a:ea typeface="맑은 고딕" panose="020B0503020000020004" pitchFamily="50" charset="-127"/>
+            </a:endParaRPr>
+          </a:p>
+          <a:p>
+            <a:pPr>
+              <a:lnSpc>
+                <a:spcPct val="150000"/>
+              </a:lnSpc>
+            </a:pPr>
+            <a:endParaRPr lang="en-US" altLang="ko-KR" sz="1800" b="1" dirty="0">
+              <a:latin typeface="맑은 고딕" panose="020B0503020000020004" pitchFamily="50" charset="-127"/>
+              <a:ea typeface="맑은 고딕" panose="020B0503020000020004" pitchFamily="50" charset="-127"/>
+            </a:endParaRPr>
+          </a:p>
+          <a:p>
+            <a:pPr marL="285750" indent="-285750">
+              <a:lnSpc>
+                <a:spcPct val="150000"/>
+              </a:lnSpc>
+              <a:buFontTx/>
+              <a:buChar char="-"/>
+            </a:pPr>
+            <a:r>
+              <a:rPr lang="ko-KR" altLang="en-US" b="1" dirty="0">
+                <a:latin typeface="맑은 고딕" panose="020B0503020000020004" pitchFamily="50" charset="-127"/>
+                <a:ea typeface="맑은 고딕" panose="020B0503020000020004" pitchFamily="50" charset="-127"/>
+              </a:rPr>
+              <a:t>프로젝트를 마치며 정리된 문서의 부재</a:t>
+            </a:r>
+            <a:endParaRPr lang="en-US" altLang="ko-KR" sz="1800" b="1" dirty="0">
+              <a:latin typeface="맑은 고딕" panose="020B0503020000020004" pitchFamily="50" charset="-127"/>
+              <a:ea typeface="맑은 고딕" panose="020B0503020000020004" pitchFamily="50" charset="-127"/>
+            </a:endParaRPr>
+          </a:p>
+        </p:txBody>
+      </p:sp>
+      <p:pic>
+        <p:nvPicPr>
+          <p:cNvPr id="21" name="그림 20" descr="텍스트, 스크린샷, 폰트, 번호이(가) 표시된 사진&#10;&#10;자동 생성된 설명">
+            <a:extLst>
+              <a:ext uri="{FF2B5EF4-FFF2-40B4-BE49-F238E27FC236}">
+                <a16:creationId xmlns:a16="http://schemas.microsoft.com/office/drawing/2014/main" id="{78124535-19D4-CB6B-A91E-3DEFC5BB1A41}"/>
+              </a:ext>
+            </a:extLst>
+          </p:cNvPr>
+          <p:cNvPicPr>
+            <a:picLocks noChangeAspect="1"/>
+          </p:cNvPicPr>
+          <p:nvPr/>
+        </p:nvPicPr>
+        <p:blipFill>
+          <a:blip r:embed="rId2">
+            <a:extLst>
+              <a:ext uri="{28A0092B-C50C-407E-A947-70E740481C1C}">
+                <a14:useLocalDpi xmlns:a14="http://schemas.microsoft.com/office/drawing/2010/main" val="0"/>
+              </a:ext>
+            </a:extLst>
+          </a:blip>
+          <a:stretch>
+            <a:fillRect/>
+          </a:stretch>
+        </p:blipFill>
+        <p:spPr>
+          <a:xfrm>
+            <a:off x="1885916" y="269010"/>
+            <a:ext cx="6201794" cy="3319226"/>
+          </a:xfrm>
+          <a:prstGeom prst="rect">
+            <a:avLst/>
+          </a:prstGeom>
+        </p:spPr>
+      </p:pic>
+    </p:spTree>
+    <p:extLst>
+      <p:ext uri="{BB962C8B-B14F-4D97-AF65-F5344CB8AC3E}">
+        <p14:creationId xmlns:p14="http://schemas.microsoft.com/office/powerpoint/2010/main" val="2627018139"/>
+      </p:ext>
+    </p:extLst>
+  </p:cSld>
+  <p:clrMapOvr>
+    <a:masterClrMapping/>
+  </p:clrMapOvr>
+  <mc:AlternateContent xmlns:mc="http://schemas.openxmlformats.org/markup-compatibility/2006" xmlns:p159="http://schemas.microsoft.com/office/powerpoint/2015/09/main">
+    <mc:Choice Requires="p159">
+      <p:transition xmlns:p14="http://schemas.microsoft.com/office/powerpoint/2010/main" spd="slow" p14:dur="2000">
+        <p159:morph option="byObject"/>
+      </p:transition>
+    </mc:Choice>
+    <mc:Fallback xmlns="">
+      <p:transition spd="slow">
+        <p:fade/>
+      </p:transition>
+    </mc:Fallback>
+  </mc:AlternateContent>
+</p:sld>
+</file>
+
+<file path=ppt/slides/slide4.xml><?xml version="1.0" encoding="utf-8"?>
+<p:sld xmlns:a="http://schemas.openxmlformats.org/drawingml/2006/main" xmlns:r="http://schemas.openxmlformats.org/officeDocument/2006/relationships" xmlns:p="http://schemas.openxmlformats.org/presentationml/2006/main">
+  <p:cSld>
+    <p:spTree>
+      <p:nvGrpSpPr>
+        <p:cNvPr id="1" name=""/>
+        <p:cNvGrpSpPr/>
+        <p:nvPr/>
+      </p:nvGrpSpPr>
+      <p:grpSpPr>
+        <a:xfrm>
+          <a:off x="0" y="0"/>
+          <a:ext cx="0" cy="0"/>
+          <a:chOff x="0" y="0"/>
+          <a:chExt cx="0" cy="0"/>
+        </a:xfrm>
+      </p:grpSpPr>
+      <p:sp>
+        <p:nvSpPr>
+          <p:cNvPr id="4" name="직사각형 3">
+            <a:extLst>
+              <a:ext uri="{FF2B5EF4-FFF2-40B4-BE49-F238E27FC236}">
+                <a16:creationId xmlns:a16="http://schemas.microsoft.com/office/drawing/2014/main" id="{C35F139B-CDDB-42FA-525C-DA01A8146D90}"/>
+              </a:ext>
+            </a:extLst>
+          </p:cNvPr>
+          <p:cNvSpPr/>
+          <p:nvPr/>
+        </p:nvSpPr>
+        <p:spPr>
+          <a:xfrm>
+            <a:off x="0" y="0"/>
+            <a:ext cx="1573619" cy="6858000"/>
+          </a:xfrm>
+          <a:prstGeom prst="rect">
+            <a:avLst/>
+          </a:prstGeom>
+          <a:solidFill>
+            <a:schemeClr val="accent1"/>
+          </a:solidFill>
+        </p:spPr>
+        <p:style>
+          <a:lnRef idx="2">
+            <a:schemeClr val="accent1">
+              <a:shade val="50000"/>
+            </a:schemeClr>
+          </a:lnRef>
+          <a:fillRef idx="1">
+            <a:schemeClr val="accent1"/>
+          </a:fillRef>
+          <a:effectRef idx="0">
+            <a:schemeClr val="accent1"/>
+          </a:effectRef>
+          <a:fontRef idx="minor">
+            <a:schemeClr val="lt1"/>
+          </a:fontRef>
+        </p:style>
+        <p:txBody>
+          <a:bodyPr vert="eaVert" rtlCol="0" anchor="ctr"/>
+          <a:lstStyle/>
+          <a:p>
+            <a:pPr algn="ctr"/>
+            <a:endParaRPr lang="ko-KR" altLang="en-US" sz="3500" b="1" dirty="0">
+              <a:solidFill>
+                <a:schemeClr val="bg1"/>
+              </a:solidFill>
+              <a:effectLst>
+                <a:outerShdw blurRad="38100" dist="38100" dir="2700000" algn="tl">
+                  <a:srgbClr val="000000">
+                    <a:alpha val="43137"/>
+                  </a:srgbClr>
+                </a:outerShdw>
+              </a:effectLst>
+              <a:latin typeface="나눔고딕" pitchFamily="2" charset="-127"/>
+              <a:ea typeface="나눔고딕" pitchFamily="2" charset="-127"/>
+            </a:endParaRPr>
+          </a:p>
+        </p:txBody>
+      </p:sp>
+      <p:sp>
+        <p:nvSpPr>
+          <p:cNvPr id="6" name="TextBox 5">
+            <a:extLst>
+              <a:ext uri="{FF2B5EF4-FFF2-40B4-BE49-F238E27FC236}">
+                <a16:creationId xmlns:a16="http://schemas.microsoft.com/office/drawing/2014/main" id="{EC074382-065A-A02C-F5FE-53D97F558448}"/>
+              </a:ext>
+            </a:extLst>
+          </p:cNvPr>
+          <p:cNvSpPr txBox="1"/>
+          <p:nvPr/>
+        </p:nvSpPr>
+        <p:spPr>
+          <a:xfrm>
+            <a:off x="374005" y="1066255"/>
+            <a:ext cx="723275" cy="4725489"/>
+          </a:xfrm>
+          <a:prstGeom prst="rect">
+            <a:avLst/>
+          </a:prstGeom>
+          <a:noFill/>
+        </p:spPr>
+        <p:txBody>
+          <a:bodyPr vert="eaVert" wrap="square" rtlCol="0">
+            <a:spAutoFit/>
+          </a:bodyPr>
+          <a:lstStyle/>
+          <a:p>
+            <a:pPr algn="ctr"/>
+            <a:r>
+              <a:rPr lang="ko-KR" altLang="en-US" sz="3500" b="1" dirty="0" err="1">
+                <a:solidFill>
+                  <a:schemeClr val="bg1"/>
+                </a:solidFill>
+                <a:effectLst>
+                  <a:outerShdw blurRad="38100" dist="38100" dir="2700000" algn="tl">
+                    <a:srgbClr val="000000">
+                      <a:alpha val="43137"/>
+                    </a:srgbClr>
+                  </a:outerShdw>
+                </a:effectLst>
+              </a:rPr>
+              <a:t>프</a:t>
+            </a:r>
+            <a:r>
+              <a:rPr lang="ko-KR" altLang="en-US" sz="3500" b="1" dirty="0">
+                <a:solidFill>
+                  <a:schemeClr val="bg1"/>
+                </a:solidFill>
+                <a:effectLst>
+                  <a:outerShdw blurRad="38100" dist="38100" dir="2700000" algn="tl">
+                    <a:srgbClr val="000000">
+                      <a:alpha val="43137"/>
+                    </a:srgbClr>
+                  </a:outerShdw>
+                </a:effectLst>
+              </a:rPr>
+              <a:t>  로  </a:t>
+            </a:r>
+            <a:r>
+              <a:rPr lang="ko-KR" altLang="en-US" sz="3500" b="1" dirty="0" err="1">
+                <a:solidFill>
+                  <a:schemeClr val="bg1"/>
+                </a:solidFill>
+                <a:effectLst>
+                  <a:outerShdw blurRad="38100" dist="38100" dir="2700000" algn="tl">
+                    <a:srgbClr val="000000">
+                      <a:alpha val="43137"/>
+                    </a:srgbClr>
+                  </a:outerShdw>
+                </a:effectLst>
+              </a:rPr>
+              <a:t>젝</a:t>
+            </a:r>
+            <a:r>
+              <a:rPr lang="ko-KR" altLang="en-US" sz="3500" b="1" dirty="0">
+                <a:solidFill>
+                  <a:schemeClr val="bg1"/>
+                </a:solidFill>
+                <a:effectLst>
+                  <a:outerShdw blurRad="38100" dist="38100" dir="2700000" algn="tl">
+                    <a:srgbClr val="000000">
+                      <a:alpha val="43137"/>
+                    </a:srgbClr>
+                  </a:outerShdw>
+                </a:effectLst>
+              </a:rPr>
+              <a:t>  </a:t>
+            </a:r>
+            <a:r>
+              <a:rPr lang="ko-KR" altLang="en-US" sz="3500" b="1" dirty="0" err="1">
+                <a:solidFill>
+                  <a:schemeClr val="bg1"/>
+                </a:solidFill>
+                <a:effectLst>
+                  <a:outerShdw blurRad="38100" dist="38100" dir="2700000" algn="tl">
+                    <a:srgbClr val="000000">
+                      <a:alpha val="43137"/>
+                    </a:srgbClr>
+                  </a:outerShdw>
+                </a:effectLst>
+              </a:rPr>
+              <a:t>트</a:t>
+            </a:r>
+            <a:r>
+              <a:rPr lang="ko-KR" altLang="en-US" sz="3500" b="1" dirty="0">
+                <a:solidFill>
+                  <a:schemeClr val="bg1"/>
+                </a:solidFill>
+                <a:effectLst>
+                  <a:outerShdw blurRad="38100" dist="38100" dir="2700000" algn="tl">
+                    <a:srgbClr val="000000">
+                      <a:alpha val="43137"/>
+                    </a:srgbClr>
+                  </a:outerShdw>
+                </a:effectLst>
+              </a:rPr>
+              <a:t>  개  요</a:t>
+            </a:r>
+          </a:p>
+        </p:txBody>
+      </p:sp>
       <p:grpSp>
         <p:nvGrpSpPr>
           <p:cNvPr id="18" name="그룹 17">
@@ -13640,8 +16736,8 @@
           </p:nvSpPr>
           <p:spPr>
             <a:xfrm>
-              <a:off x="2857969" y="1497796"/>
-              <a:ext cx="4525302" cy="1286525"/>
+              <a:off x="2857969" y="1017863"/>
+              <a:ext cx="4525302" cy="1900871"/>
             </a:xfrm>
             <a:prstGeom prst="rect">
               <a:avLst/>
@@ -13755,49 +16851,7 @@
                   <a:latin typeface="나눔고딕" panose="020B0503020000020004" pitchFamily="2" charset="-127"/>
                   <a:ea typeface="나눔고딕" panose="020B0503020000020004" pitchFamily="2" charset="-127"/>
                 </a:rPr>
-                <a:t>줄임말로</a:t>
-              </a:r>
-              <a:r>
-                <a:rPr lang="ko-KR" altLang="en-US" b="1" dirty="0">
-                  <a:effectLst>
-                    <a:outerShdw blurRad="38100" dist="38100" dir="2700000" algn="tl">
-                      <a:srgbClr val="000000">
-                        <a:alpha val="43137"/>
-                      </a:srgbClr>
-                    </a:outerShdw>
-                  </a:effectLst>
-                  <a:latin typeface="나눔고딕" panose="020B0503020000020004" pitchFamily="2" charset="-127"/>
-                  <a:ea typeface="나눔고딕" panose="020B0503020000020004" pitchFamily="2" charset="-127"/>
-                </a:rPr>
-                <a:t> 프로젝트 </a:t>
-              </a:r>
-              <a:r>
-                <a:rPr lang="ko-KR" altLang="en-US" b="1" dirty="0" err="1">
-                  <a:effectLst>
-                    <a:outerShdw blurRad="38100" dist="38100" dir="2700000" algn="tl">
-                      <a:srgbClr val="000000">
-                        <a:alpha val="43137"/>
-                      </a:srgbClr>
-                    </a:outerShdw>
-                  </a:effectLst>
-                  <a:latin typeface="나눔고딕" panose="020B0503020000020004" pitchFamily="2" charset="-127"/>
-                  <a:ea typeface="나눔고딕" panose="020B0503020000020004" pitchFamily="2" charset="-127"/>
-                </a:rPr>
-                <a:t>협업툴</a:t>
-              </a:r>
-              <a:r>
-                <a:rPr lang="ko-KR" altLang="en-US" b="1" dirty="0">
-                  <a:effectLst>
-                    <a:outerShdw blurRad="38100" dist="38100" dir="2700000" algn="tl">
-                      <a:srgbClr val="000000">
-                        <a:alpha val="43137"/>
-                      </a:srgbClr>
-                    </a:outerShdw>
-                  </a:effectLst>
-                  <a:latin typeface="나눔고딕" panose="020B0503020000020004" pitchFamily="2" charset="-127"/>
-                  <a:ea typeface="나눔고딕" panose="020B0503020000020004" pitchFamily="2" charset="-127"/>
-                </a:rPr>
-                <a:t> 주제로 한 관리 서비스를 제공하고</a:t>
+                <a:t>줄임말로써</a:t>
               </a:r>
               <a:r>
                 <a:rPr lang="en-US" altLang="ko-KR" b="1" dirty="0">
@@ -13811,7 +16865,7 @@
                   <a:latin typeface="나눔고딕" panose="020B0503020000020004" pitchFamily="2" charset="-127"/>
                   <a:ea typeface="나눔고딕" panose="020B0503020000020004" pitchFamily="2" charset="-127"/>
                 </a:rPr>
-                <a:t>, </a:t>
+                <a:t>,</a:t>
               </a:r>
             </a:p>
             <a:p>
@@ -13832,7 +16886,7 @@
                   <a:latin typeface="나눔고딕" panose="020B0503020000020004" pitchFamily="2" charset="-127"/>
                   <a:ea typeface="나눔고딕" panose="020B0503020000020004" pitchFamily="2" charset="-127"/>
                 </a:rPr>
-                <a:t>문서의 한 줄을 </a:t>
+                <a:t>프로젝트의 현황을 한눈에 확인하고 업무를 분류별로 나누어 현황을 확인할 수 있게 도와주는 프로젝트 템플릿 엔진 웹 애플리케이션 이다</a:t>
               </a:r>
               <a:r>
                 <a:rPr lang="en-US" altLang="ko-KR" b="1" dirty="0">
@@ -13846,61 +16900,8 @@
                   <a:latin typeface="나눔고딕" panose="020B0503020000020004" pitchFamily="2" charset="-127"/>
                   <a:ea typeface="나눔고딕" panose="020B0503020000020004" pitchFamily="2" charset="-127"/>
                 </a:rPr>
-                <a:t>Block </a:t>
+                <a:t>.</a:t>
               </a:r>
-              <a:r>
-                <a:rPr lang="ko-KR" altLang="en-US" b="1" dirty="0">
-                  <a:effectLst>
-                    <a:outerShdw blurRad="38100" dist="38100" dir="2700000" algn="tl">
-                      <a:srgbClr val="000000">
-                        <a:alpha val="43137"/>
-                      </a:srgbClr>
-                    </a:outerShdw>
-                  </a:effectLst>
-                  <a:latin typeface="나눔고딕" panose="020B0503020000020004" pitchFamily="2" charset="-127"/>
-                  <a:ea typeface="나눔고딕" panose="020B0503020000020004" pitchFamily="2" charset="-127"/>
-                </a:rPr>
-                <a:t>단위로 매긴 문서 편집기를 포함하고 있는 서비스를</a:t>
-              </a:r>
-              <a:r>
-                <a:rPr lang="en-US" altLang="ko-KR" b="1" dirty="0">
-                  <a:effectLst>
-                    <a:outerShdw blurRad="38100" dist="38100" dir="2700000" algn="tl">
-                      <a:srgbClr val="000000">
-                        <a:alpha val="43137"/>
-                      </a:srgbClr>
-                    </a:outerShdw>
-                  </a:effectLst>
-                  <a:latin typeface="나눔고딕" panose="020B0503020000020004" pitchFamily="2" charset="-127"/>
-                  <a:ea typeface="나눔고딕" panose="020B0503020000020004" pitchFamily="2" charset="-127"/>
-                </a:rPr>
-                <a:t> </a:t>
-              </a:r>
-              <a:r>
-                <a:rPr lang="ko-KR" altLang="en-US" b="1" dirty="0">
-                  <a:effectLst>
-                    <a:outerShdw blurRad="38100" dist="38100" dir="2700000" algn="tl">
-                      <a:srgbClr val="000000">
-                        <a:alpha val="43137"/>
-                      </a:srgbClr>
-                    </a:outerShdw>
-                  </a:effectLst>
-                  <a:latin typeface="나눔고딕" panose="020B0503020000020004" pitchFamily="2" charset="-127"/>
-                  <a:ea typeface="나눔고딕" panose="020B0503020000020004" pitchFamily="2" charset="-127"/>
-                </a:rPr>
-                <a:t>함축한 의미</a:t>
-              </a:r>
-              <a:endParaRPr lang="en-US" altLang="ko-KR" b="1" dirty="0">
-                <a:effectLst>
-                  <a:outerShdw blurRad="38100" dist="38100" dir="2700000" algn="tl">
-                    <a:srgbClr val="000000">
-                      <a:alpha val="43137"/>
-                    </a:srgbClr>
-                  </a:outerShdw>
-                </a:effectLst>
-                <a:latin typeface="나눔고딕" panose="020B0503020000020004" pitchFamily="2" charset="-127"/>
-                <a:ea typeface="나눔고딕" panose="020B0503020000020004" pitchFamily="2" charset="-127"/>
-              </a:endParaRPr>
             </a:p>
           </p:txBody>
         </p:sp>
@@ -14103,7 +17104,7 @@
     </p:spTree>
     <p:extLst>
       <p:ext uri="{BB962C8B-B14F-4D97-AF65-F5344CB8AC3E}">
-        <p14:creationId xmlns:p14="http://schemas.microsoft.com/office/powerpoint/2010/main" val="2627018139"/>
+        <p14:creationId xmlns:p14="http://schemas.microsoft.com/office/powerpoint/2010/main" val="3339497514"/>
       </p:ext>
     </p:extLst>
   </p:cSld>
@@ -14125,7 +17126,7 @@
 </p:sld>
 </file>
 
-<file path=ppt/slides/slide4.xml><?xml version="1.0" encoding="utf-8"?>
+<file path=ppt/slides/slide5.xml><?xml version="1.0" encoding="utf-8"?>
 <p:sld xmlns:a="http://schemas.openxmlformats.org/drawingml/2006/main" xmlns:r="http://schemas.openxmlformats.org/officeDocument/2006/relationships" xmlns:p="http://schemas.openxmlformats.org/presentationml/2006/main">
   <p:cSld>
     <p:spTree>
@@ -14792,7 +17793,7 @@
 </p:sld>
 </file>
 
-<file path=ppt/slides/slide5.xml><?xml version="1.0" encoding="utf-8"?>
+<file path=ppt/slides/slide6.xml><?xml version="1.0" encoding="utf-8"?>
 <p:sld xmlns:a="http://schemas.openxmlformats.org/drawingml/2006/main" xmlns:r="http://schemas.openxmlformats.org/officeDocument/2006/relationships" xmlns:p="http://schemas.openxmlformats.org/presentationml/2006/main">
   <p:cSld>
     <p:spTree>
@@ -15523,7 +18524,7 @@
 </p:sld>
 </file>
 
-<file path=ppt/slides/slide6.xml><?xml version="1.0" encoding="utf-8"?>
+<file path=ppt/slides/slide7.xml><?xml version="1.0" encoding="utf-8"?>
 <p:sld xmlns:a="http://schemas.openxmlformats.org/drawingml/2006/main" xmlns:r="http://schemas.openxmlformats.org/officeDocument/2006/relationships" xmlns:p="http://schemas.openxmlformats.org/presentationml/2006/main">
   <p:cSld>
     <p:spTree>
@@ -16459,7 +19460,7 @@
         <p:spPr>
           <a:xfrm>
             <a:off x="3505199" y="1661863"/>
-            <a:ext cx="2990194" cy="382399"/>
+            <a:ext cx="1715194" cy="382399"/>
           </a:xfrm>
           <a:prstGeom prst="roundRect">
             <a:avLst>
@@ -16517,8 +19518,8 @@
         </p:nvSpPr>
         <p:spPr>
           <a:xfrm>
-            <a:off x="4818992" y="2505938"/>
-            <a:ext cx="2990194" cy="382399"/>
+            <a:off x="3505200" y="2505938"/>
+            <a:ext cx="2801390" cy="382399"/>
           </a:xfrm>
           <a:prstGeom prst="roundRect">
             <a:avLst>
@@ -16576,8 +19577,8 @@
         </p:nvSpPr>
         <p:spPr>
           <a:xfrm>
-            <a:off x="4818992" y="3369026"/>
-            <a:ext cx="4120056" cy="382399"/>
+            <a:off x="4818991" y="3369026"/>
+            <a:ext cx="5322535" cy="382399"/>
           </a:xfrm>
           <a:prstGeom prst="roundRect">
             <a:avLst>
@@ -16635,8 +19636,8 @@
         </p:nvSpPr>
         <p:spPr>
           <a:xfrm>
-            <a:off x="6185336" y="4157302"/>
-            <a:ext cx="5260429" cy="382399"/>
+            <a:off x="6185337" y="4157302"/>
+            <a:ext cx="2725908" cy="382399"/>
           </a:xfrm>
           <a:prstGeom prst="roundRect">
             <a:avLst>
@@ -16695,7 +19696,7 @@
         <p:spPr>
           <a:xfrm>
             <a:off x="6185335" y="4945578"/>
-            <a:ext cx="5260429" cy="382399"/>
+            <a:ext cx="3956191" cy="382399"/>
           </a:xfrm>
           <a:prstGeom prst="roundRect">
             <a:avLst>
@@ -16814,7 +19815,7 @@
 </p:sld>
 </file>
 
-<file path=ppt/slides/slide7.xml><?xml version="1.0" encoding="utf-8"?>
+<file path=ppt/slides/slide8.xml><?xml version="1.0" encoding="utf-8"?>
 <p:sld xmlns:a="http://schemas.openxmlformats.org/drawingml/2006/main" xmlns:r="http://schemas.openxmlformats.org/officeDocument/2006/relationships" xmlns:p="http://schemas.openxmlformats.org/presentationml/2006/main">
   <p:cSld>
     <p:spTree>
@@ -17846,7 +20847,7 @@
 </p:sld>
 </file>
 
-<file path=ppt/slides/slide8.xml><?xml version="1.0" encoding="utf-8"?>
+<file path=ppt/slides/slide9.xml><?xml version="1.0" encoding="utf-8"?>
 <p:sld xmlns:a="http://schemas.openxmlformats.org/drawingml/2006/main" xmlns:r="http://schemas.openxmlformats.org/officeDocument/2006/relationships" xmlns:p="http://schemas.openxmlformats.org/presentationml/2006/main">
   <p:cSld>
     <p:spTree>
@@ -20504,2584 +23505,6 @@
     <p:extLst>
       <p:ext uri="{BB962C8B-B14F-4D97-AF65-F5344CB8AC3E}">
         <p14:creationId xmlns:p14="http://schemas.microsoft.com/office/powerpoint/2010/main" val="1481692695"/>
-      </p:ext>
-    </p:extLst>
-  </p:cSld>
-  <p:clrMapOvr>
-    <a:masterClrMapping/>
-  </p:clrMapOvr>
-  <p:transition spd="slow">
-    <p:push dir="u"/>
-  </p:transition>
-</p:sld>
-</file>
-
-<file path=ppt/slides/slide9.xml><?xml version="1.0" encoding="utf-8"?>
-<p:sld xmlns:a="http://schemas.openxmlformats.org/drawingml/2006/main" xmlns:r="http://schemas.openxmlformats.org/officeDocument/2006/relationships" xmlns:p="http://schemas.openxmlformats.org/presentationml/2006/main">
-  <p:cSld>
-    <p:spTree>
-      <p:nvGrpSpPr>
-        <p:cNvPr id="1" name=""/>
-        <p:cNvGrpSpPr/>
-        <p:nvPr/>
-      </p:nvGrpSpPr>
-      <p:grpSpPr>
-        <a:xfrm>
-          <a:off x="0" y="0"/>
-          <a:ext cx="0" cy="0"/>
-          <a:chOff x="0" y="0"/>
-          <a:chExt cx="0" cy="0"/>
-        </a:xfrm>
-      </p:grpSpPr>
-      <p:sp>
-        <p:nvSpPr>
-          <p:cNvPr id="4" name="직사각형 3">
-            <a:extLst>
-              <a:ext uri="{FF2B5EF4-FFF2-40B4-BE49-F238E27FC236}">
-                <a16:creationId xmlns:a16="http://schemas.microsoft.com/office/drawing/2014/main" id="{C35F139B-CDDB-42FA-525C-DA01A8146D90}"/>
-              </a:ext>
-            </a:extLst>
-          </p:cNvPr>
-          <p:cNvSpPr/>
-          <p:nvPr/>
-        </p:nvSpPr>
-        <p:spPr>
-          <a:xfrm>
-            <a:off x="0" y="0"/>
-            <a:ext cx="1573619" cy="6858000"/>
-          </a:xfrm>
-          <a:prstGeom prst="rect">
-            <a:avLst/>
-          </a:prstGeom>
-          <a:solidFill>
-            <a:schemeClr val="accent1"/>
-          </a:solidFill>
-        </p:spPr>
-        <p:style>
-          <a:lnRef idx="2">
-            <a:schemeClr val="accent1">
-              <a:shade val="50000"/>
-            </a:schemeClr>
-          </a:lnRef>
-          <a:fillRef idx="1">
-            <a:schemeClr val="accent1"/>
-          </a:fillRef>
-          <a:effectRef idx="0">
-            <a:schemeClr val="accent1"/>
-          </a:effectRef>
-          <a:fontRef idx="minor">
-            <a:schemeClr val="lt1"/>
-          </a:fontRef>
-        </p:style>
-        <p:txBody>
-          <a:bodyPr vert="eaVert" rtlCol="0" anchor="ctr"/>
-          <a:lstStyle/>
-          <a:p>
-            <a:pPr algn="ctr"/>
-            <a:r>
-              <a:rPr lang="ko-KR" altLang="en-US" sz="3500" b="1" dirty="0">
-                <a:solidFill>
-                  <a:schemeClr val="bg1"/>
-                </a:solidFill>
-                <a:effectLst>
-                  <a:outerShdw blurRad="38100" dist="38100" dir="2700000" algn="tl">
-                    <a:srgbClr val="000000">
-                      <a:alpha val="43137"/>
-                    </a:srgbClr>
-                  </a:outerShdw>
-                </a:effectLst>
-                <a:latin typeface="나눔고딕" pitchFamily="2" charset="-127"/>
-                <a:ea typeface="나눔고딕" pitchFamily="2" charset="-127"/>
-              </a:rPr>
-              <a:t>시  </a:t>
-            </a:r>
-            <a:r>
-              <a:rPr lang="ko-KR" altLang="en-US" sz="3500" b="1" dirty="0" err="1">
-                <a:solidFill>
-                  <a:schemeClr val="bg1"/>
-                </a:solidFill>
-                <a:effectLst>
-                  <a:outerShdw blurRad="38100" dist="38100" dir="2700000" algn="tl">
-                    <a:srgbClr val="000000">
-                      <a:alpha val="43137"/>
-                    </a:srgbClr>
-                  </a:outerShdw>
-                </a:effectLst>
-                <a:latin typeface="나눔고딕" pitchFamily="2" charset="-127"/>
-                <a:ea typeface="나눔고딕" pitchFamily="2" charset="-127"/>
-              </a:rPr>
-              <a:t>스</a:t>
-            </a:r>
-            <a:r>
-              <a:rPr lang="ko-KR" altLang="en-US" sz="3500" b="1" dirty="0">
-                <a:solidFill>
-                  <a:schemeClr val="bg1"/>
-                </a:solidFill>
-                <a:effectLst>
-                  <a:outerShdw blurRad="38100" dist="38100" dir="2700000" algn="tl">
-                    <a:srgbClr val="000000">
-                      <a:alpha val="43137"/>
-                    </a:srgbClr>
-                  </a:outerShdw>
-                </a:effectLst>
-                <a:latin typeface="나눔고딕" pitchFamily="2" charset="-127"/>
-                <a:ea typeface="나눔고딕" pitchFamily="2" charset="-127"/>
-              </a:rPr>
-              <a:t>  템  주  요  기  능</a:t>
-            </a:r>
-          </a:p>
-        </p:txBody>
-      </p:sp>
-      <p:sp>
-        <p:nvSpPr>
-          <p:cNvPr id="50" name="사각형: 둥근 모서리 49">
-            <a:extLst>
-              <a:ext uri="{FF2B5EF4-FFF2-40B4-BE49-F238E27FC236}">
-                <a16:creationId xmlns:a16="http://schemas.microsoft.com/office/drawing/2014/main" id="{03AF9854-8907-12D2-E7F9-000656C9A490}"/>
-              </a:ext>
-            </a:extLst>
-          </p:cNvPr>
-          <p:cNvSpPr/>
-          <p:nvPr/>
-        </p:nvSpPr>
-        <p:spPr>
-          <a:xfrm>
-            <a:off x="2112579" y="557043"/>
-            <a:ext cx="2165131" cy="635601"/>
-          </a:xfrm>
-          <a:prstGeom prst="roundRect">
-            <a:avLst>
-              <a:gd name="adj" fmla="val 15623"/>
-            </a:avLst>
-          </a:prstGeom>
-          <a:solidFill>
-            <a:srgbClr val="1D9A78"/>
-          </a:solidFill>
-        </p:spPr>
-        <p:style>
-          <a:lnRef idx="2">
-            <a:schemeClr val="accent1">
-              <a:shade val="50000"/>
-            </a:schemeClr>
-          </a:lnRef>
-          <a:fillRef idx="1">
-            <a:schemeClr val="accent1"/>
-          </a:fillRef>
-          <a:effectRef idx="0">
-            <a:schemeClr val="accent1"/>
-          </a:effectRef>
-          <a:fontRef idx="minor">
-            <a:schemeClr val="lt1"/>
-          </a:fontRef>
-        </p:style>
-        <p:txBody>
-          <a:bodyPr rtlCol="0" anchor="ctr"/>
-          <a:lstStyle/>
-          <a:p>
-            <a:pPr algn="ctr"/>
-            <a:r>
-              <a:rPr lang="en-US" altLang="ko-KR" sz="2500" b="1" dirty="0">
-                <a:effectLst>
-                  <a:outerShdw blurRad="38100" dist="38100" dir="2700000" algn="tl">
-                    <a:srgbClr val="000000">
-                      <a:alpha val="43137"/>
-                    </a:srgbClr>
-                  </a:outerShdw>
-                </a:effectLst>
-              </a:rPr>
-              <a:t>Index </a:t>
-            </a:r>
-            <a:r>
-              <a:rPr lang="ko-KR" altLang="en-US" sz="2500" b="1" dirty="0">
-                <a:effectLst>
-                  <a:outerShdw blurRad="38100" dist="38100" dir="2700000" algn="tl">
-                    <a:srgbClr val="000000">
-                      <a:alpha val="43137"/>
-                    </a:srgbClr>
-                  </a:outerShdw>
-                </a:effectLst>
-              </a:rPr>
-              <a:t>창</a:t>
-            </a:r>
-          </a:p>
-        </p:txBody>
-      </p:sp>
-      <p:sp>
-        <p:nvSpPr>
-          <p:cNvPr id="51" name="사각형: 둥근 모서리 50">
-            <a:extLst>
-              <a:ext uri="{FF2B5EF4-FFF2-40B4-BE49-F238E27FC236}">
-                <a16:creationId xmlns:a16="http://schemas.microsoft.com/office/drawing/2014/main" id="{6105FBFB-6071-9C39-2680-AE536B9B4B20}"/>
-              </a:ext>
-            </a:extLst>
-          </p:cNvPr>
-          <p:cNvSpPr/>
-          <p:nvPr/>
-        </p:nvSpPr>
-        <p:spPr>
-          <a:xfrm>
-            <a:off x="4816269" y="557043"/>
-            <a:ext cx="2165131" cy="635601"/>
-          </a:xfrm>
-          <a:prstGeom prst="roundRect">
-            <a:avLst>
-              <a:gd name="adj" fmla="val 15623"/>
-            </a:avLst>
-          </a:prstGeom>
-          <a:solidFill>
-            <a:srgbClr val="1D9A78"/>
-          </a:solidFill>
-        </p:spPr>
-        <p:style>
-          <a:lnRef idx="2">
-            <a:schemeClr val="accent1">
-              <a:shade val="50000"/>
-            </a:schemeClr>
-          </a:lnRef>
-          <a:fillRef idx="1">
-            <a:schemeClr val="accent1"/>
-          </a:fillRef>
-          <a:effectRef idx="0">
-            <a:schemeClr val="accent1"/>
-          </a:effectRef>
-          <a:fontRef idx="minor">
-            <a:schemeClr val="lt1"/>
-          </a:fontRef>
-        </p:style>
-        <p:txBody>
-          <a:bodyPr rtlCol="0" anchor="ctr"/>
-          <a:lstStyle/>
-          <a:p>
-            <a:pPr algn="ctr"/>
-            <a:r>
-              <a:rPr lang="ko-KR" altLang="en-US" sz="2000" b="1" dirty="0">
-                <a:effectLst>
-                  <a:outerShdw blurRad="38100" dist="38100" dir="2700000" algn="tl">
-                    <a:srgbClr val="000000">
-                      <a:alpha val="43137"/>
-                    </a:srgbClr>
-                  </a:outerShdw>
-                </a:effectLst>
-              </a:rPr>
-              <a:t>프로젝트 선택창</a:t>
-            </a:r>
-          </a:p>
-        </p:txBody>
-      </p:sp>
-      <p:sp>
-        <p:nvSpPr>
-          <p:cNvPr id="52" name="사각형: 둥근 모서리 51">
-            <a:extLst>
-              <a:ext uri="{FF2B5EF4-FFF2-40B4-BE49-F238E27FC236}">
-                <a16:creationId xmlns:a16="http://schemas.microsoft.com/office/drawing/2014/main" id="{A3AE165E-FF7A-84B9-C000-34D0E5BC330D}"/>
-              </a:ext>
-            </a:extLst>
-          </p:cNvPr>
-          <p:cNvSpPr/>
-          <p:nvPr/>
-        </p:nvSpPr>
-        <p:spPr>
-          <a:xfrm>
-            <a:off x="8005734" y="557042"/>
-            <a:ext cx="2165131" cy="635601"/>
-          </a:xfrm>
-          <a:prstGeom prst="roundRect">
-            <a:avLst>
-              <a:gd name="adj" fmla="val 15623"/>
-            </a:avLst>
-          </a:prstGeom>
-          <a:solidFill>
-            <a:srgbClr val="1D9A78"/>
-          </a:solidFill>
-        </p:spPr>
-        <p:style>
-          <a:lnRef idx="2">
-            <a:schemeClr val="accent1">
-              <a:shade val="50000"/>
-            </a:schemeClr>
-          </a:lnRef>
-          <a:fillRef idx="1">
-            <a:schemeClr val="accent1"/>
-          </a:fillRef>
-          <a:effectRef idx="0">
-            <a:schemeClr val="accent1"/>
-          </a:effectRef>
-          <a:fontRef idx="minor">
-            <a:schemeClr val="lt1"/>
-          </a:fontRef>
-        </p:style>
-        <p:txBody>
-          <a:bodyPr rtlCol="0" anchor="ctr"/>
-          <a:lstStyle/>
-          <a:p>
-            <a:pPr algn="ctr"/>
-            <a:r>
-              <a:rPr lang="ko-KR" altLang="en-US" sz="2500" b="1" dirty="0">
-                <a:effectLst>
-                  <a:outerShdw blurRad="38100" dist="38100" dir="2700000" algn="tl">
-                    <a:srgbClr val="000000">
-                      <a:alpha val="43137"/>
-                    </a:srgbClr>
-                  </a:outerShdw>
-                </a:effectLst>
-              </a:rPr>
-              <a:t>프로젝트 창</a:t>
-            </a:r>
-          </a:p>
-        </p:txBody>
-      </p:sp>
-      <p:sp>
-        <p:nvSpPr>
-          <p:cNvPr id="53" name="사각형: 둥근 모서리 52">
-            <a:extLst>
-              <a:ext uri="{FF2B5EF4-FFF2-40B4-BE49-F238E27FC236}">
-                <a16:creationId xmlns:a16="http://schemas.microsoft.com/office/drawing/2014/main" id="{D87B9832-294A-B921-59B5-80B22F69B700}"/>
-              </a:ext>
-            </a:extLst>
-          </p:cNvPr>
-          <p:cNvSpPr/>
-          <p:nvPr/>
-        </p:nvSpPr>
-        <p:spPr>
-          <a:xfrm>
-            <a:off x="2128344" y="3570463"/>
-            <a:ext cx="2165131" cy="635601"/>
-          </a:xfrm>
-          <a:prstGeom prst="roundRect">
-            <a:avLst>
-              <a:gd name="adj" fmla="val 15623"/>
-            </a:avLst>
-          </a:prstGeom>
-          <a:solidFill>
-            <a:srgbClr val="1D9A78"/>
-          </a:solidFill>
-        </p:spPr>
-        <p:style>
-          <a:lnRef idx="2">
-            <a:schemeClr val="accent1">
-              <a:shade val="50000"/>
-            </a:schemeClr>
-          </a:lnRef>
-          <a:fillRef idx="1">
-            <a:schemeClr val="accent1"/>
-          </a:fillRef>
-          <a:effectRef idx="0">
-            <a:schemeClr val="accent1"/>
-          </a:effectRef>
-          <a:fontRef idx="minor">
-            <a:schemeClr val="lt1"/>
-          </a:fontRef>
-        </p:style>
-        <p:txBody>
-          <a:bodyPr rtlCol="0" anchor="ctr"/>
-          <a:lstStyle/>
-          <a:p>
-            <a:pPr algn="ctr"/>
-            <a:r>
-              <a:rPr lang="ko-KR" altLang="en-US" sz="2500" b="1" dirty="0">
-                <a:effectLst>
-                  <a:outerShdw blurRad="38100" dist="38100" dir="2700000" algn="tl">
-                    <a:srgbClr val="000000">
-                      <a:alpha val="43137"/>
-                    </a:srgbClr>
-                  </a:outerShdw>
-                </a:effectLst>
-              </a:rPr>
-              <a:t>문서 창</a:t>
-            </a:r>
-          </a:p>
-        </p:txBody>
-      </p:sp>
-      <p:sp>
-        <p:nvSpPr>
-          <p:cNvPr id="54" name="사각형: 둥근 모서리 53">
-            <a:extLst>
-              <a:ext uri="{FF2B5EF4-FFF2-40B4-BE49-F238E27FC236}">
-                <a16:creationId xmlns:a16="http://schemas.microsoft.com/office/drawing/2014/main" id="{06977E4E-1F6B-6C83-3CD2-78DE12D79EE7}"/>
-              </a:ext>
-            </a:extLst>
-          </p:cNvPr>
-          <p:cNvSpPr/>
-          <p:nvPr/>
-        </p:nvSpPr>
-        <p:spPr>
-          <a:xfrm>
-            <a:off x="2810717" y="1419167"/>
-            <a:ext cx="1466993" cy="430654"/>
-          </a:xfrm>
-          <a:prstGeom prst="roundRect">
-            <a:avLst>
-              <a:gd name="adj" fmla="val 15623"/>
-            </a:avLst>
-          </a:prstGeom>
-          <a:solidFill>
-            <a:srgbClr val="7BAA3C"/>
-          </a:solidFill>
-        </p:spPr>
-        <p:style>
-          <a:lnRef idx="2">
-            <a:schemeClr val="accent1">
-              <a:shade val="50000"/>
-            </a:schemeClr>
-          </a:lnRef>
-          <a:fillRef idx="1">
-            <a:schemeClr val="accent1"/>
-          </a:fillRef>
-          <a:effectRef idx="0">
-            <a:schemeClr val="accent1"/>
-          </a:effectRef>
-          <a:fontRef idx="minor">
-            <a:schemeClr val="lt1"/>
-          </a:fontRef>
-        </p:style>
-        <p:txBody>
-          <a:bodyPr rtlCol="0" anchor="ctr"/>
-          <a:lstStyle/>
-          <a:p>
-            <a:pPr algn="ctr"/>
-            <a:r>
-              <a:rPr lang="ko-KR" altLang="en-US" sz="2000" b="1">
-                <a:effectLst>
-                  <a:outerShdw blurRad="38100" dist="38100" dir="2700000" algn="tl">
-                    <a:srgbClr val="000000">
-                      <a:alpha val="43137"/>
-                    </a:srgbClr>
-                  </a:outerShdw>
-                </a:effectLst>
-              </a:rPr>
-              <a:t>로그인</a:t>
-            </a:r>
-            <a:endParaRPr lang="ko-KR" altLang="en-US" sz="2000" b="1" dirty="0">
-              <a:effectLst>
-                <a:outerShdw blurRad="38100" dist="38100" dir="2700000" algn="tl">
-                  <a:srgbClr val="000000">
-                    <a:alpha val="43137"/>
-                  </a:srgbClr>
-                </a:outerShdw>
-              </a:effectLst>
-            </a:endParaRPr>
-          </a:p>
-        </p:txBody>
-      </p:sp>
-      <p:sp>
-        <p:nvSpPr>
-          <p:cNvPr id="55" name="사각형: 둥근 모서리 54">
-            <a:extLst>
-              <a:ext uri="{FF2B5EF4-FFF2-40B4-BE49-F238E27FC236}">
-                <a16:creationId xmlns:a16="http://schemas.microsoft.com/office/drawing/2014/main" id="{821613AE-90D0-9ED1-5AEB-69363B46C093}"/>
-              </a:ext>
-            </a:extLst>
-          </p:cNvPr>
-          <p:cNvSpPr/>
-          <p:nvPr/>
-        </p:nvSpPr>
-        <p:spPr>
-          <a:xfrm>
-            <a:off x="2810717" y="2023512"/>
-            <a:ext cx="1466993" cy="430654"/>
-          </a:xfrm>
-          <a:prstGeom prst="roundRect">
-            <a:avLst>
-              <a:gd name="adj" fmla="val 15623"/>
-            </a:avLst>
-          </a:prstGeom>
-          <a:solidFill>
-            <a:srgbClr val="7BAA3C"/>
-          </a:solidFill>
-        </p:spPr>
-        <p:style>
-          <a:lnRef idx="2">
-            <a:schemeClr val="accent1">
-              <a:shade val="50000"/>
-            </a:schemeClr>
-          </a:lnRef>
-          <a:fillRef idx="1">
-            <a:schemeClr val="accent1"/>
-          </a:fillRef>
-          <a:effectRef idx="0">
-            <a:schemeClr val="accent1"/>
-          </a:effectRef>
-          <a:fontRef idx="minor">
-            <a:schemeClr val="lt1"/>
-          </a:fontRef>
-        </p:style>
-        <p:txBody>
-          <a:bodyPr rtlCol="0" anchor="ctr"/>
-          <a:lstStyle/>
-          <a:p>
-            <a:pPr algn="ctr"/>
-            <a:r>
-              <a:rPr lang="ko-KR" altLang="en-US" sz="2000" b="1" dirty="0">
-                <a:effectLst>
-                  <a:outerShdw blurRad="38100" dist="38100" dir="2700000" algn="tl">
-                    <a:srgbClr val="000000">
-                      <a:alpha val="43137"/>
-                    </a:srgbClr>
-                  </a:outerShdw>
-                </a:effectLst>
-              </a:rPr>
-              <a:t>회원가입</a:t>
-            </a:r>
-          </a:p>
-        </p:txBody>
-      </p:sp>
-      <p:sp>
-        <p:nvSpPr>
-          <p:cNvPr id="56" name="사각형: 둥근 모서리 55">
-            <a:extLst>
-              <a:ext uri="{FF2B5EF4-FFF2-40B4-BE49-F238E27FC236}">
-                <a16:creationId xmlns:a16="http://schemas.microsoft.com/office/drawing/2014/main" id="{52DAE9B0-2D99-E32C-6B1E-C6046636503F}"/>
-              </a:ext>
-            </a:extLst>
-          </p:cNvPr>
-          <p:cNvSpPr/>
-          <p:nvPr/>
-        </p:nvSpPr>
-        <p:spPr>
-          <a:xfrm>
-            <a:off x="2826482" y="2627857"/>
-            <a:ext cx="1466993" cy="430654"/>
-          </a:xfrm>
-          <a:prstGeom prst="roundRect">
-            <a:avLst>
-              <a:gd name="adj" fmla="val 15623"/>
-            </a:avLst>
-          </a:prstGeom>
-          <a:solidFill>
-            <a:srgbClr val="7BAA3C"/>
-          </a:solidFill>
-        </p:spPr>
-        <p:style>
-          <a:lnRef idx="2">
-            <a:schemeClr val="accent1">
-              <a:shade val="50000"/>
-            </a:schemeClr>
-          </a:lnRef>
-          <a:fillRef idx="1">
-            <a:schemeClr val="accent1"/>
-          </a:fillRef>
-          <a:effectRef idx="0">
-            <a:schemeClr val="accent1"/>
-          </a:effectRef>
-          <a:fontRef idx="minor">
-            <a:schemeClr val="lt1"/>
-          </a:fontRef>
-        </p:style>
-        <p:txBody>
-          <a:bodyPr rtlCol="0" anchor="ctr"/>
-          <a:lstStyle/>
-          <a:p>
-            <a:pPr algn="ctr"/>
-            <a:r>
-              <a:rPr lang="ko-KR" altLang="en-US" sz="2000" b="1" dirty="0">
-                <a:effectLst>
-                  <a:outerShdw blurRad="38100" dist="38100" dir="2700000" algn="tl">
-                    <a:srgbClr val="000000">
-                      <a:alpha val="43137"/>
-                    </a:srgbClr>
-                  </a:outerShdw>
-                </a:effectLst>
-              </a:rPr>
-              <a:t>정보 수정</a:t>
-            </a:r>
-          </a:p>
-        </p:txBody>
-      </p:sp>
-      <p:sp>
-        <p:nvSpPr>
-          <p:cNvPr id="57" name="사각형: 둥근 모서리 56">
-            <a:extLst>
-              <a:ext uri="{FF2B5EF4-FFF2-40B4-BE49-F238E27FC236}">
-                <a16:creationId xmlns:a16="http://schemas.microsoft.com/office/drawing/2014/main" id="{381ACC84-EEF7-022B-D39A-38F619AB39A6}"/>
-              </a:ext>
-            </a:extLst>
-          </p:cNvPr>
-          <p:cNvSpPr/>
-          <p:nvPr/>
-        </p:nvSpPr>
-        <p:spPr>
-          <a:xfrm>
-            <a:off x="5518266" y="1419167"/>
-            <a:ext cx="1466993" cy="430654"/>
-          </a:xfrm>
-          <a:prstGeom prst="roundRect">
-            <a:avLst>
-              <a:gd name="adj" fmla="val 15623"/>
-            </a:avLst>
-          </a:prstGeom>
-          <a:solidFill>
-            <a:srgbClr val="7BAA3C"/>
-          </a:solidFill>
-        </p:spPr>
-        <p:style>
-          <a:lnRef idx="2">
-            <a:schemeClr val="accent1">
-              <a:shade val="50000"/>
-            </a:schemeClr>
-          </a:lnRef>
-          <a:fillRef idx="1">
-            <a:schemeClr val="accent1"/>
-          </a:fillRef>
-          <a:effectRef idx="0">
-            <a:schemeClr val="accent1"/>
-          </a:effectRef>
-          <a:fontRef idx="minor">
-            <a:schemeClr val="lt1"/>
-          </a:fontRef>
-        </p:style>
-        <p:txBody>
-          <a:bodyPr rtlCol="0" anchor="ctr"/>
-          <a:lstStyle/>
-          <a:p>
-            <a:pPr algn="ctr"/>
-            <a:r>
-              <a:rPr lang="ko-KR" altLang="en-US" sz="2000" b="1" dirty="0">
-                <a:effectLst>
-                  <a:outerShdw blurRad="38100" dist="38100" dir="2700000" algn="tl">
-                    <a:srgbClr val="000000">
-                      <a:alpha val="43137"/>
-                    </a:srgbClr>
-                  </a:outerShdw>
-                </a:effectLst>
-              </a:rPr>
-              <a:t>읽기 전용</a:t>
-            </a:r>
-          </a:p>
-        </p:txBody>
-      </p:sp>
-      <p:sp>
-        <p:nvSpPr>
-          <p:cNvPr id="58" name="사각형: 둥근 모서리 57">
-            <a:extLst>
-              <a:ext uri="{FF2B5EF4-FFF2-40B4-BE49-F238E27FC236}">
-                <a16:creationId xmlns:a16="http://schemas.microsoft.com/office/drawing/2014/main" id="{53174CC8-E3B1-BC5F-CE59-B497DE2DB4C4}"/>
-              </a:ext>
-            </a:extLst>
-          </p:cNvPr>
-          <p:cNvSpPr/>
-          <p:nvPr/>
-        </p:nvSpPr>
-        <p:spPr>
-          <a:xfrm>
-            <a:off x="5518266" y="2054624"/>
-            <a:ext cx="1466993" cy="430654"/>
-          </a:xfrm>
-          <a:prstGeom prst="roundRect">
-            <a:avLst>
-              <a:gd name="adj" fmla="val 15623"/>
-            </a:avLst>
-          </a:prstGeom>
-          <a:solidFill>
-            <a:srgbClr val="7BAA3C"/>
-          </a:solidFill>
-        </p:spPr>
-        <p:style>
-          <a:lnRef idx="2">
-            <a:schemeClr val="accent1">
-              <a:shade val="50000"/>
-            </a:schemeClr>
-          </a:lnRef>
-          <a:fillRef idx="1">
-            <a:schemeClr val="accent1"/>
-          </a:fillRef>
-          <a:effectRef idx="0">
-            <a:schemeClr val="accent1"/>
-          </a:effectRef>
-          <a:fontRef idx="minor">
-            <a:schemeClr val="lt1"/>
-          </a:fontRef>
-        </p:style>
-        <p:txBody>
-          <a:bodyPr rtlCol="0" anchor="ctr"/>
-          <a:lstStyle/>
-          <a:p>
-            <a:pPr algn="ctr"/>
-            <a:r>
-              <a:rPr lang="ko-KR" altLang="en-US" sz="2000" b="1" dirty="0">
-                <a:effectLst>
-                  <a:outerShdw blurRad="38100" dist="38100" dir="2700000" algn="tl">
-                    <a:srgbClr val="000000">
-                      <a:alpha val="43137"/>
-                    </a:srgbClr>
-                  </a:outerShdw>
-                </a:effectLst>
-              </a:rPr>
-              <a:t>편집 전용</a:t>
-            </a:r>
-          </a:p>
-        </p:txBody>
-      </p:sp>
-      <p:sp>
-        <p:nvSpPr>
-          <p:cNvPr id="59" name="사각형: 둥근 모서리 58">
-            <a:extLst>
-              <a:ext uri="{FF2B5EF4-FFF2-40B4-BE49-F238E27FC236}">
-                <a16:creationId xmlns:a16="http://schemas.microsoft.com/office/drawing/2014/main" id="{D2F9F16F-D2ED-DD9E-3D43-8FCF3BDC6149}"/>
-              </a:ext>
-            </a:extLst>
-          </p:cNvPr>
-          <p:cNvSpPr/>
-          <p:nvPr/>
-        </p:nvSpPr>
-        <p:spPr>
-          <a:xfrm>
-            <a:off x="5518265" y="2717057"/>
-            <a:ext cx="1466993" cy="430654"/>
-          </a:xfrm>
-          <a:prstGeom prst="roundRect">
-            <a:avLst>
-              <a:gd name="adj" fmla="val 15623"/>
-            </a:avLst>
-          </a:prstGeom>
-          <a:solidFill>
-            <a:srgbClr val="7BAA3C"/>
-          </a:solidFill>
-        </p:spPr>
-        <p:style>
-          <a:lnRef idx="2">
-            <a:schemeClr val="accent1">
-              <a:shade val="50000"/>
-            </a:schemeClr>
-          </a:lnRef>
-          <a:fillRef idx="1">
-            <a:schemeClr val="accent1"/>
-          </a:fillRef>
-          <a:effectRef idx="0">
-            <a:schemeClr val="accent1"/>
-          </a:effectRef>
-          <a:fontRef idx="minor">
-            <a:schemeClr val="lt1"/>
-          </a:fontRef>
-        </p:style>
-        <p:txBody>
-          <a:bodyPr rtlCol="0" anchor="ctr"/>
-          <a:lstStyle/>
-          <a:p>
-            <a:pPr algn="ctr"/>
-            <a:r>
-              <a:rPr lang="ko-KR" altLang="en-US" sz="2000" b="1" dirty="0">
-                <a:effectLst>
-                  <a:outerShdw blurRad="38100" dist="38100" dir="2700000" algn="tl">
-                    <a:srgbClr val="000000">
-                      <a:alpha val="43137"/>
-                    </a:srgbClr>
-                  </a:outerShdw>
-                </a:effectLst>
-              </a:rPr>
-              <a:t>초대 확인</a:t>
-            </a:r>
-          </a:p>
-        </p:txBody>
-      </p:sp>
-      <p:sp>
-        <p:nvSpPr>
-          <p:cNvPr id="60" name="사각형: 둥근 모서리 59">
-            <a:extLst>
-              <a:ext uri="{FF2B5EF4-FFF2-40B4-BE49-F238E27FC236}">
-                <a16:creationId xmlns:a16="http://schemas.microsoft.com/office/drawing/2014/main" id="{BA859C46-CB0C-D7DC-8A85-47FF6453BFB0}"/>
-              </a:ext>
-            </a:extLst>
-          </p:cNvPr>
-          <p:cNvSpPr/>
-          <p:nvPr/>
-        </p:nvSpPr>
-        <p:spPr>
-          <a:xfrm>
-            <a:off x="8709129" y="1419166"/>
-            <a:ext cx="1466993" cy="430654"/>
-          </a:xfrm>
-          <a:prstGeom prst="roundRect">
-            <a:avLst>
-              <a:gd name="adj" fmla="val 15623"/>
-            </a:avLst>
-          </a:prstGeom>
-          <a:solidFill>
-            <a:srgbClr val="7BAA3C"/>
-          </a:solidFill>
-        </p:spPr>
-        <p:style>
-          <a:lnRef idx="2">
-            <a:schemeClr val="accent1">
-              <a:shade val="50000"/>
-            </a:schemeClr>
-          </a:lnRef>
-          <a:fillRef idx="1">
-            <a:schemeClr val="accent1"/>
-          </a:fillRef>
-          <a:effectRef idx="0">
-            <a:schemeClr val="accent1"/>
-          </a:effectRef>
-          <a:fontRef idx="minor">
-            <a:schemeClr val="lt1"/>
-          </a:fontRef>
-        </p:style>
-        <p:txBody>
-          <a:bodyPr rtlCol="0" anchor="ctr"/>
-          <a:lstStyle/>
-          <a:p>
-            <a:pPr algn="ctr"/>
-            <a:r>
-              <a:rPr lang="ko-KR" altLang="en-US" sz="2000" b="1" dirty="0">
-                <a:effectLst>
-                  <a:outerShdw blurRad="38100" dist="38100" dir="2700000" algn="tl">
-                    <a:srgbClr val="000000">
-                      <a:alpha val="43137"/>
-                    </a:srgbClr>
-                  </a:outerShdw>
-                </a:effectLst>
-              </a:rPr>
-              <a:t>목표</a:t>
-            </a:r>
-          </a:p>
-        </p:txBody>
-      </p:sp>
-      <p:sp>
-        <p:nvSpPr>
-          <p:cNvPr id="61" name="사각형: 둥근 모서리 60">
-            <a:extLst>
-              <a:ext uri="{FF2B5EF4-FFF2-40B4-BE49-F238E27FC236}">
-                <a16:creationId xmlns:a16="http://schemas.microsoft.com/office/drawing/2014/main" id="{D0B8DDCA-FDF7-E115-4DEA-5EDBBE674398}"/>
-              </a:ext>
-            </a:extLst>
-          </p:cNvPr>
-          <p:cNvSpPr/>
-          <p:nvPr/>
-        </p:nvSpPr>
-        <p:spPr>
-          <a:xfrm>
-            <a:off x="8709129" y="2054623"/>
-            <a:ext cx="1466993" cy="430654"/>
-          </a:xfrm>
-          <a:prstGeom prst="roundRect">
-            <a:avLst>
-              <a:gd name="adj" fmla="val 15623"/>
-            </a:avLst>
-          </a:prstGeom>
-          <a:solidFill>
-            <a:srgbClr val="7BAA3C"/>
-          </a:solidFill>
-        </p:spPr>
-        <p:style>
-          <a:lnRef idx="2">
-            <a:schemeClr val="accent1">
-              <a:shade val="50000"/>
-            </a:schemeClr>
-          </a:lnRef>
-          <a:fillRef idx="1">
-            <a:schemeClr val="accent1"/>
-          </a:fillRef>
-          <a:effectRef idx="0">
-            <a:schemeClr val="accent1"/>
-          </a:effectRef>
-          <a:fontRef idx="minor">
-            <a:schemeClr val="lt1"/>
-          </a:fontRef>
-        </p:style>
-        <p:txBody>
-          <a:bodyPr rtlCol="0" anchor="ctr"/>
-          <a:lstStyle/>
-          <a:p>
-            <a:pPr algn="ctr"/>
-            <a:r>
-              <a:rPr lang="ko-KR" altLang="en-US" sz="2000" b="1" dirty="0">
-                <a:effectLst>
-                  <a:outerShdw blurRad="38100" dist="38100" dir="2700000" algn="tl">
-                    <a:srgbClr val="000000">
-                      <a:alpha val="43137"/>
-                    </a:srgbClr>
-                  </a:outerShdw>
-                </a:effectLst>
-              </a:rPr>
-              <a:t>하위 목표</a:t>
-            </a:r>
-          </a:p>
-        </p:txBody>
-      </p:sp>
-      <p:sp>
-        <p:nvSpPr>
-          <p:cNvPr id="62" name="사각형: 둥근 모서리 61">
-            <a:extLst>
-              <a:ext uri="{FF2B5EF4-FFF2-40B4-BE49-F238E27FC236}">
-                <a16:creationId xmlns:a16="http://schemas.microsoft.com/office/drawing/2014/main" id="{696C2C38-AC00-2227-8BE3-691A9B6FB92C}"/>
-              </a:ext>
-            </a:extLst>
-          </p:cNvPr>
-          <p:cNvSpPr/>
-          <p:nvPr/>
-        </p:nvSpPr>
-        <p:spPr>
-          <a:xfrm>
-            <a:off x="8709128" y="2690080"/>
-            <a:ext cx="1466993" cy="430654"/>
-          </a:xfrm>
-          <a:prstGeom prst="roundRect">
-            <a:avLst>
-              <a:gd name="adj" fmla="val 15623"/>
-            </a:avLst>
-          </a:prstGeom>
-          <a:solidFill>
-            <a:srgbClr val="7BAA3C"/>
-          </a:solidFill>
-        </p:spPr>
-        <p:style>
-          <a:lnRef idx="2">
-            <a:schemeClr val="accent1">
-              <a:shade val="50000"/>
-            </a:schemeClr>
-          </a:lnRef>
-          <a:fillRef idx="1">
-            <a:schemeClr val="accent1"/>
-          </a:fillRef>
-          <a:effectRef idx="0">
-            <a:schemeClr val="accent1"/>
-          </a:effectRef>
-          <a:fontRef idx="minor">
-            <a:schemeClr val="lt1"/>
-          </a:fontRef>
-        </p:style>
-        <p:txBody>
-          <a:bodyPr rtlCol="0" anchor="ctr"/>
-          <a:lstStyle/>
-          <a:p>
-            <a:pPr algn="ctr"/>
-            <a:r>
-              <a:rPr lang="ko-KR" altLang="en-US" sz="2000" b="1" dirty="0">
-                <a:effectLst>
-                  <a:outerShdw blurRad="38100" dist="38100" dir="2700000" algn="tl">
-                    <a:srgbClr val="000000">
-                      <a:alpha val="43137"/>
-                    </a:srgbClr>
-                  </a:outerShdw>
-                </a:effectLst>
-              </a:rPr>
-              <a:t>세부 작업</a:t>
-            </a:r>
-          </a:p>
-        </p:txBody>
-      </p:sp>
-      <p:sp>
-        <p:nvSpPr>
-          <p:cNvPr id="63" name="사각형: 둥근 모서리 62">
-            <a:extLst>
-              <a:ext uri="{FF2B5EF4-FFF2-40B4-BE49-F238E27FC236}">
-                <a16:creationId xmlns:a16="http://schemas.microsoft.com/office/drawing/2014/main" id="{11907755-3D27-D688-A1CE-54B002EB0019}"/>
-              </a:ext>
-            </a:extLst>
-          </p:cNvPr>
-          <p:cNvSpPr/>
-          <p:nvPr/>
-        </p:nvSpPr>
-        <p:spPr>
-          <a:xfrm>
-            <a:off x="8709128" y="3352513"/>
-            <a:ext cx="1466993" cy="430654"/>
-          </a:xfrm>
-          <a:prstGeom prst="roundRect">
-            <a:avLst>
-              <a:gd name="adj" fmla="val 15623"/>
-            </a:avLst>
-          </a:prstGeom>
-          <a:solidFill>
-            <a:srgbClr val="7BAA3C"/>
-          </a:solidFill>
-        </p:spPr>
-        <p:style>
-          <a:lnRef idx="2">
-            <a:schemeClr val="accent1">
-              <a:shade val="50000"/>
-            </a:schemeClr>
-          </a:lnRef>
-          <a:fillRef idx="1">
-            <a:schemeClr val="accent1"/>
-          </a:fillRef>
-          <a:effectRef idx="0">
-            <a:schemeClr val="accent1"/>
-          </a:effectRef>
-          <a:fontRef idx="minor">
-            <a:schemeClr val="lt1"/>
-          </a:fontRef>
-        </p:style>
-        <p:txBody>
-          <a:bodyPr rtlCol="0" anchor="ctr"/>
-          <a:lstStyle/>
-          <a:p>
-            <a:pPr algn="ctr"/>
-            <a:r>
-              <a:rPr lang="ko-KR" altLang="en-US" sz="2000" b="1" dirty="0">
-                <a:effectLst>
-                  <a:outerShdw blurRad="38100" dist="38100" dir="2700000" algn="tl">
-                    <a:srgbClr val="000000">
-                      <a:alpha val="43137"/>
-                    </a:srgbClr>
-                  </a:outerShdw>
-                </a:effectLst>
-              </a:rPr>
-              <a:t>캘린더</a:t>
-            </a:r>
-          </a:p>
-        </p:txBody>
-      </p:sp>
-      <p:sp>
-        <p:nvSpPr>
-          <p:cNvPr id="64" name="사각형: 둥근 모서리 63">
-            <a:extLst>
-              <a:ext uri="{FF2B5EF4-FFF2-40B4-BE49-F238E27FC236}">
-                <a16:creationId xmlns:a16="http://schemas.microsoft.com/office/drawing/2014/main" id="{A01E704C-A8D4-F389-C7E9-49E614ADBDF2}"/>
-              </a:ext>
-            </a:extLst>
-          </p:cNvPr>
-          <p:cNvSpPr/>
-          <p:nvPr/>
-        </p:nvSpPr>
-        <p:spPr>
-          <a:xfrm>
-            <a:off x="8709128" y="4014945"/>
-            <a:ext cx="1466993" cy="430654"/>
-          </a:xfrm>
-          <a:prstGeom prst="roundRect">
-            <a:avLst>
-              <a:gd name="adj" fmla="val 15623"/>
-            </a:avLst>
-          </a:prstGeom>
-          <a:solidFill>
-            <a:srgbClr val="7BAA3C"/>
-          </a:solidFill>
-        </p:spPr>
-        <p:style>
-          <a:lnRef idx="2">
-            <a:schemeClr val="accent1">
-              <a:shade val="50000"/>
-            </a:schemeClr>
-          </a:lnRef>
-          <a:fillRef idx="1">
-            <a:schemeClr val="accent1"/>
-          </a:fillRef>
-          <a:effectRef idx="0">
-            <a:schemeClr val="accent1"/>
-          </a:effectRef>
-          <a:fontRef idx="minor">
-            <a:schemeClr val="lt1"/>
-          </a:fontRef>
-        </p:style>
-        <p:txBody>
-          <a:bodyPr rtlCol="0" anchor="ctr"/>
-          <a:lstStyle/>
-          <a:p>
-            <a:pPr algn="ctr"/>
-            <a:r>
-              <a:rPr lang="ko-KR" altLang="en-US" sz="2000" b="1" dirty="0">
-                <a:effectLst>
-                  <a:outerShdw blurRad="38100" dist="38100" dir="2700000" algn="tl">
-                    <a:srgbClr val="000000">
-                      <a:alpha val="43137"/>
-                    </a:srgbClr>
-                  </a:outerShdw>
-                </a:effectLst>
-              </a:rPr>
-              <a:t>멤버 초대</a:t>
-            </a:r>
-          </a:p>
-        </p:txBody>
-      </p:sp>
-      <p:sp>
-        <p:nvSpPr>
-          <p:cNvPr id="65" name="사각형: 둥근 모서리 64">
-            <a:extLst>
-              <a:ext uri="{FF2B5EF4-FFF2-40B4-BE49-F238E27FC236}">
-                <a16:creationId xmlns:a16="http://schemas.microsoft.com/office/drawing/2014/main" id="{7A4C4118-42A5-1029-6D4A-135051F5BEF2}"/>
-              </a:ext>
-            </a:extLst>
-          </p:cNvPr>
-          <p:cNvSpPr/>
-          <p:nvPr/>
-        </p:nvSpPr>
-        <p:spPr>
-          <a:xfrm>
-            <a:off x="8703872" y="4650546"/>
-            <a:ext cx="1466993" cy="430654"/>
-          </a:xfrm>
-          <a:prstGeom prst="roundRect">
-            <a:avLst>
-              <a:gd name="adj" fmla="val 15623"/>
-            </a:avLst>
-          </a:prstGeom>
-          <a:solidFill>
-            <a:srgbClr val="7BAA3C"/>
-          </a:solidFill>
-        </p:spPr>
-        <p:style>
-          <a:lnRef idx="2">
-            <a:schemeClr val="accent1">
-              <a:shade val="50000"/>
-            </a:schemeClr>
-          </a:lnRef>
-          <a:fillRef idx="1">
-            <a:schemeClr val="accent1"/>
-          </a:fillRef>
-          <a:effectRef idx="0">
-            <a:schemeClr val="accent1"/>
-          </a:effectRef>
-          <a:fontRef idx="minor">
-            <a:schemeClr val="lt1"/>
-          </a:fontRef>
-        </p:style>
-        <p:txBody>
-          <a:bodyPr rtlCol="0" anchor="ctr"/>
-          <a:lstStyle/>
-          <a:p>
-            <a:pPr algn="ctr"/>
-            <a:r>
-              <a:rPr lang="ko-KR" altLang="en-US" sz="2000" b="1" dirty="0">
-                <a:effectLst>
-                  <a:outerShdw blurRad="38100" dist="38100" dir="2700000" algn="tl">
-                    <a:srgbClr val="000000">
-                      <a:alpha val="43137"/>
-                    </a:srgbClr>
-                  </a:outerShdw>
-                </a:effectLst>
-              </a:rPr>
-              <a:t>상태 표시</a:t>
-            </a:r>
-          </a:p>
-        </p:txBody>
-      </p:sp>
-      <p:sp>
-        <p:nvSpPr>
-          <p:cNvPr id="66" name="사각형: 둥근 모서리 65">
-            <a:extLst>
-              <a:ext uri="{FF2B5EF4-FFF2-40B4-BE49-F238E27FC236}">
-                <a16:creationId xmlns:a16="http://schemas.microsoft.com/office/drawing/2014/main" id="{7DEEC610-AF0D-B78A-2FD2-E25D869D14E2}"/>
-              </a:ext>
-            </a:extLst>
-          </p:cNvPr>
-          <p:cNvSpPr/>
-          <p:nvPr/>
-        </p:nvSpPr>
-        <p:spPr>
-          <a:xfrm>
-            <a:off x="10663555" y="2690080"/>
-            <a:ext cx="1466993" cy="430654"/>
-          </a:xfrm>
-          <a:prstGeom prst="roundRect">
-            <a:avLst>
-              <a:gd name="adj" fmla="val 15623"/>
-            </a:avLst>
-          </a:prstGeom>
-          <a:solidFill>
-            <a:srgbClr val="3AAC42"/>
-          </a:solidFill>
-        </p:spPr>
-        <p:style>
-          <a:lnRef idx="2">
-            <a:schemeClr val="accent1">
-              <a:shade val="50000"/>
-            </a:schemeClr>
-          </a:lnRef>
-          <a:fillRef idx="1">
-            <a:schemeClr val="accent1"/>
-          </a:fillRef>
-          <a:effectRef idx="0">
-            <a:schemeClr val="accent1"/>
-          </a:effectRef>
-          <a:fontRef idx="minor">
-            <a:schemeClr val="lt1"/>
-          </a:fontRef>
-        </p:style>
-        <p:txBody>
-          <a:bodyPr rtlCol="0" anchor="ctr"/>
-          <a:lstStyle/>
-          <a:p>
-            <a:pPr algn="ctr"/>
-            <a:r>
-              <a:rPr lang="ko-KR" altLang="en-US" b="1" dirty="0">
-                <a:effectLst>
-                  <a:outerShdw blurRad="38100" dist="38100" dir="2700000" algn="tl">
-                    <a:srgbClr val="000000">
-                      <a:alpha val="43137"/>
-                    </a:srgbClr>
-                  </a:outerShdw>
-                </a:effectLst>
-              </a:rPr>
-              <a:t>댓글</a:t>
-            </a:r>
-          </a:p>
-        </p:txBody>
-      </p:sp>
-      <p:cxnSp>
-        <p:nvCxnSpPr>
-          <p:cNvPr id="67" name="직선 연결선 66">
-            <a:extLst>
-              <a:ext uri="{FF2B5EF4-FFF2-40B4-BE49-F238E27FC236}">
-                <a16:creationId xmlns:a16="http://schemas.microsoft.com/office/drawing/2014/main" id="{86068A42-F644-616C-D3C0-B3226979DD25}"/>
-              </a:ext>
-            </a:extLst>
-          </p:cNvPr>
-          <p:cNvCxnSpPr>
-            <a:cxnSpLocks/>
-          </p:cNvCxnSpPr>
-          <p:nvPr/>
-        </p:nvCxnSpPr>
-        <p:spPr>
-          <a:xfrm>
-            <a:off x="2333297" y="1192644"/>
-            <a:ext cx="493" cy="1682715"/>
-          </a:xfrm>
-          <a:prstGeom prst="line">
-            <a:avLst/>
-          </a:prstGeom>
-          <a:ln w="38100">
-            <a:solidFill>
-              <a:schemeClr val="accent1">
-                <a:lumMod val="50000"/>
-              </a:schemeClr>
-            </a:solidFill>
-          </a:ln>
-        </p:spPr>
-        <p:style>
-          <a:lnRef idx="1">
-            <a:schemeClr val="accent1"/>
-          </a:lnRef>
-          <a:fillRef idx="0">
-            <a:schemeClr val="accent1"/>
-          </a:fillRef>
-          <a:effectRef idx="0">
-            <a:schemeClr val="accent1"/>
-          </a:effectRef>
-          <a:fontRef idx="minor">
-            <a:schemeClr val="tx1"/>
-          </a:fontRef>
-        </p:style>
-      </p:cxnSp>
-      <p:cxnSp>
-        <p:nvCxnSpPr>
-          <p:cNvPr id="68" name="직선 연결선 67">
-            <a:extLst>
-              <a:ext uri="{FF2B5EF4-FFF2-40B4-BE49-F238E27FC236}">
-                <a16:creationId xmlns:a16="http://schemas.microsoft.com/office/drawing/2014/main" id="{91095343-11FB-EBF1-5DE0-D6AA0235CBEC}"/>
-              </a:ext>
-            </a:extLst>
-          </p:cNvPr>
-          <p:cNvCxnSpPr>
-            <a:cxnSpLocks/>
-            <a:stCxn id="54" idx="1"/>
-          </p:cNvCxnSpPr>
-          <p:nvPr/>
-        </p:nvCxnSpPr>
-        <p:spPr>
-          <a:xfrm flipH="1">
-            <a:off x="2318025" y="1634494"/>
-            <a:ext cx="492692" cy="0"/>
-          </a:xfrm>
-          <a:prstGeom prst="line">
-            <a:avLst/>
-          </a:prstGeom>
-          <a:ln w="38100">
-            <a:solidFill>
-              <a:schemeClr val="accent1">
-                <a:lumMod val="50000"/>
-              </a:schemeClr>
-            </a:solidFill>
-          </a:ln>
-        </p:spPr>
-        <p:style>
-          <a:lnRef idx="1">
-            <a:schemeClr val="accent1"/>
-          </a:lnRef>
-          <a:fillRef idx="0">
-            <a:schemeClr val="accent1"/>
-          </a:fillRef>
-          <a:effectRef idx="0">
-            <a:schemeClr val="accent1"/>
-          </a:effectRef>
-          <a:fontRef idx="minor">
-            <a:schemeClr val="tx1"/>
-          </a:fontRef>
-        </p:style>
-      </p:cxnSp>
-      <p:cxnSp>
-        <p:nvCxnSpPr>
-          <p:cNvPr id="69" name="직선 연결선 68">
-            <a:extLst>
-              <a:ext uri="{FF2B5EF4-FFF2-40B4-BE49-F238E27FC236}">
-                <a16:creationId xmlns:a16="http://schemas.microsoft.com/office/drawing/2014/main" id="{C9C1C5EB-82BA-31CE-277C-55846A241835}"/>
-              </a:ext>
-            </a:extLst>
-          </p:cNvPr>
-          <p:cNvCxnSpPr>
-            <a:cxnSpLocks/>
-          </p:cNvCxnSpPr>
-          <p:nvPr/>
-        </p:nvCxnSpPr>
-        <p:spPr>
-          <a:xfrm flipH="1">
-            <a:off x="2316627" y="2238839"/>
-            <a:ext cx="492692" cy="0"/>
-          </a:xfrm>
-          <a:prstGeom prst="line">
-            <a:avLst/>
-          </a:prstGeom>
-          <a:ln w="38100">
-            <a:solidFill>
-              <a:schemeClr val="accent1">
-                <a:lumMod val="50000"/>
-              </a:schemeClr>
-            </a:solidFill>
-          </a:ln>
-        </p:spPr>
-        <p:style>
-          <a:lnRef idx="1">
-            <a:schemeClr val="accent1"/>
-          </a:lnRef>
-          <a:fillRef idx="0">
-            <a:schemeClr val="accent1"/>
-          </a:fillRef>
-          <a:effectRef idx="0">
-            <a:schemeClr val="accent1"/>
-          </a:effectRef>
-          <a:fontRef idx="minor">
-            <a:schemeClr val="tx1"/>
-          </a:fontRef>
-        </p:style>
-      </p:cxnSp>
-      <p:cxnSp>
-        <p:nvCxnSpPr>
-          <p:cNvPr id="70" name="직선 연결선 69">
-            <a:extLst>
-              <a:ext uri="{FF2B5EF4-FFF2-40B4-BE49-F238E27FC236}">
-                <a16:creationId xmlns:a16="http://schemas.microsoft.com/office/drawing/2014/main" id="{57217C60-4BCB-BA37-0A60-3C5457E12CB9}"/>
-              </a:ext>
-            </a:extLst>
-          </p:cNvPr>
-          <p:cNvCxnSpPr>
-            <a:cxnSpLocks/>
-          </p:cNvCxnSpPr>
-          <p:nvPr/>
-        </p:nvCxnSpPr>
-        <p:spPr>
-          <a:xfrm flipH="1">
-            <a:off x="2333790" y="2862726"/>
-            <a:ext cx="492692" cy="0"/>
-          </a:xfrm>
-          <a:prstGeom prst="line">
-            <a:avLst/>
-          </a:prstGeom>
-          <a:ln w="38100">
-            <a:solidFill>
-              <a:schemeClr val="accent1">
-                <a:lumMod val="50000"/>
-              </a:schemeClr>
-            </a:solidFill>
-          </a:ln>
-        </p:spPr>
-        <p:style>
-          <a:lnRef idx="1">
-            <a:schemeClr val="accent1"/>
-          </a:lnRef>
-          <a:fillRef idx="0">
-            <a:schemeClr val="accent1"/>
-          </a:fillRef>
-          <a:effectRef idx="0">
-            <a:schemeClr val="accent1"/>
-          </a:effectRef>
-          <a:fontRef idx="minor">
-            <a:schemeClr val="tx1"/>
-          </a:fontRef>
-        </p:style>
-      </p:cxnSp>
-      <p:cxnSp>
-        <p:nvCxnSpPr>
-          <p:cNvPr id="71" name="직선 연결선 70">
-            <a:extLst>
-              <a:ext uri="{FF2B5EF4-FFF2-40B4-BE49-F238E27FC236}">
-                <a16:creationId xmlns:a16="http://schemas.microsoft.com/office/drawing/2014/main" id="{F8C3B0F9-CDB3-D91D-A9A3-FAE5E67E189A}"/>
-              </a:ext>
-            </a:extLst>
-          </p:cNvPr>
-          <p:cNvCxnSpPr>
-            <a:cxnSpLocks/>
-          </p:cNvCxnSpPr>
-          <p:nvPr/>
-        </p:nvCxnSpPr>
-        <p:spPr>
-          <a:xfrm>
-            <a:off x="5026972" y="1213266"/>
-            <a:ext cx="493" cy="1682715"/>
-          </a:xfrm>
-          <a:prstGeom prst="line">
-            <a:avLst/>
-          </a:prstGeom>
-          <a:ln w="38100">
-            <a:solidFill>
-              <a:schemeClr val="accent1">
-                <a:lumMod val="50000"/>
-              </a:schemeClr>
-            </a:solidFill>
-          </a:ln>
-        </p:spPr>
-        <p:style>
-          <a:lnRef idx="1">
-            <a:schemeClr val="accent1"/>
-          </a:lnRef>
-          <a:fillRef idx="0">
-            <a:schemeClr val="accent1"/>
-          </a:fillRef>
-          <a:effectRef idx="0">
-            <a:schemeClr val="accent1"/>
-          </a:effectRef>
-          <a:fontRef idx="minor">
-            <a:schemeClr val="tx1"/>
-          </a:fontRef>
-        </p:style>
-      </p:cxnSp>
-      <p:cxnSp>
-        <p:nvCxnSpPr>
-          <p:cNvPr id="72" name="직선 연결선 71">
-            <a:extLst>
-              <a:ext uri="{FF2B5EF4-FFF2-40B4-BE49-F238E27FC236}">
-                <a16:creationId xmlns:a16="http://schemas.microsoft.com/office/drawing/2014/main" id="{3EF0E5D0-DE5F-F838-19A0-18D17EDC0D21}"/>
-              </a:ext>
-            </a:extLst>
-          </p:cNvPr>
-          <p:cNvCxnSpPr>
-            <a:cxnSpLocks/>
-          </p:cNvCxnSpPr>
-          <p:nvPr/>
-        </p:nvCxnSpPr>
-        <p:spPr>
-          <a:xfrm flipH="1">
-            <a:off x="5011700" y="1655116"/>
-            <a:ext cx="492692" cy="0"/>
-          </a:xfrm>
-          <a:prstGeom prst="line">
-            <a:avLst/>
-          </a:prstGeom>
-          <a:ln w="38100">
-            <a:solidFill>
-              <a:schemeClr val="accent1">
-                <a:lumMod val="50000"/>
-              </a:schemeClr>
-            </a:solidFill>
-          </a:ln>
-        </p:spPr>
-        <p:style>
-          <a:lnRef idx="1">
-            <a:schemeClr val="accent1"/>
-          </a:lnRef>
-          <a:fillRef idx="0">
-            <a:schemeClr val="accent1"/>
-          </a:fillRef>
-          <a:effectRef idx="0">
-            <a:schemeClr val="accent1"/>
-          </a:effectRef>
-          <a:fontRef idx="minor">
-            <a:schemeClr val="tx1"/>
-          </a:fontRef>
-        </p:style>
-      </p:cxnSp>
-      <p:cxnSp>
-        <p:nvCxnSpPr>
-          <p:cNvPr id="73" name="직선 연결선 72">
-            <a:extLst>
-              <a:ext uri="{FF2B5EF4-FFF2-40B4-BE49-F238E27FC236}">
-                <a16:creationId xmlns:a16="http://schemas.microsoft.com/office/drawing/2014/main" id="{6313B5C3-2461-88BD-F8B3-D73337190044}"/>
-              </a:ext>
-            </a:extLst>
-          </p:cNvPr>
-          <p:cNvCxnSpPr>
-            <a:cxnSpLocks/>
-          </p:cNvCxnSpPr>
-          <p:nvPr/>
-        </p:nvCxnSpPr>
-        <p:spPr>
-          <a:xfrm flipH="1">
-            <a:off x="5010302" y="2259461"/>
-            <a:ext cx="492692" cy="0"/>
-          </a:xfrm>
-          <a:prstGeom prst="line">
-            <a:avLst/>
-          </a:prstGeom>
-          <a:ln w="38100">
-            <a:solidFill>
-              <a:schemeClr val="accent1">
-                <a:lumMod val="50000"/>
-              </a:schemeClr>
-            </a:solidFill>
-          </a:ln>
-        </p:spPr>
-        <p:style>
-          <a:lnRef idx="1">
-            <a:schemeClr val="accent1"/>
-          </a:lnRef>
-          <a:fillRef idx="0">
-            <a:schemeClr val="accent1"/>
-          </a:fillRef>
-          <a:effectRef idx="0">
-            <a:schemeClr val="accent1"/>
-          </a:effectRef>
-          <a:fontRef idx="minor">
-            <a:schemeClr val="tx1"/>
-          </a:fontRef>
-        </p:style>
-      </p:cxnSp>
-      <p:cxnSp>
-        <p:nvCxnSpPr>
-          <p:cNvPr id="74" name="직선 연결선 73">
-            <a:extLst>
-              <a:ext uri="{FF2B5EF4-FFF2-40B4-BE49-F238E27FC236}">
-                <a16:creationId xmlns:a16="http://schemas.microsoft.com/office/drawing/2014/main" id="{EFCE4BA6-0849-D502-A8B7-0515974F16E5}"/>
-              </a:ext>
-            </a:extLst>
-          </p:cNvPr>
-          <p:cNvCxnSpPr>
-            <a:cxnSpLocks/>
-          </p:cNvCxnSpPr>
-          <p:nvPr/>
-        </p:nvCxnSpPr>
-        <p:spPr>
-          <a:xfrm flipH="1">
-            <a:off x="5027465" y="2883348"/>
-            <a:ext cx="492692" cy="0"/>
-          </a:xfrm>
-          <a:prstGeom prst="line">
-            <a:avLst/>
-          </a:prstGeom>
-          <a:ln w="38100">
-            <a:solidFill>
-              <a:schemeClr val="accent1">
-                <a:lumMod val="50000"/>
-              </a:schemeClr>
-            </a:solidFill>
-          </a:ln>
-        </p:spPr>
-        <p:style>
-          <a:lnRef idx="1">
-            <a:schemeClr val="accent1"/>
-          </a:lnRef>
-          <a:fillRef idx="0">
-            <a:schemeClr val="accent1"/>
-          </a:fillRef>
-          <a:effectRef idx="0">
-            <a:schemeClr val="accent1"/>
-          </a:effectRef>
-          <a:fontRef idx="minor">
-            <a:schemeClr val="tx1"/>
-          </a:fontRef>
-        </p:style>
-      </p:cxnSp>
-      <p:cxnSp>
-        <p:nvCxnSpPr>
-          <p:cNvPr id="75" name="직선 연결선 74">
-            <a:extLst>
-              <a:ext uri="{FF2B5EF4-FFF2-40B4-BE49-F238E27FC236}">
-                <a16:creationId xmlns:a16="http://schemas.microsoft.com/office/drawing/2014/main" id="{A4FF6685-AAA1-4051-F704-BE9ACB833611}"/>
-              </a:ext>
-            </a:extLst>
-          </p:cNvPr>
-          <p:cNvCxnSpPr>
-            <a:cxnSpLocks/>
-          </p:cNvCxnSpPr>
-          <p:nvPr/>
-        </p:nvCxnSpPr>
-        <p:spPr>
-          <a:xfrm flipH="1">
-            <a:off x="8174285" y="1192643"/>
-            <a:ext cx="15066" cy="3710350"/>
-          </a:xfrm>
-          <a:prstGeom prst="line">
-            <a:avLst/>
-          </a:prstGeom>
-          <a:ln w="38100">
-            <a:solidFill>
-              <a:schemeClr val="accent1">
-                <a:lumMod val="50000"/>
-              </a:schemeClr>
-            </a:solidFill>
-          </a:ln>
-        </p:spPr>
-        <p:style>
-          <a:lnRef idx="1">
-            <a:schemeClr val="accent1"/>
-          </a:lnRef>
-          <a:fillRef idx="0">
-            <a:schemeClr val="accent1"/>
-          </a:fillRef>
-          <a:effectRef idx="0">
-            <a:schemeClr val="accent1"/>
-          </a:effectRef>
-          <a:fontRef idx="minor">
-            <a:schemeClr val="tx1"/>
-          </a:fontRef>
-        </p:style>
-      </p:cxnSp>
-      <p:cxnSp>
-        <p:nvCxnSpPr>
-          <p:cNvPr id="76" name="직선 연결선 75">
-            <a:extLst>
-              <a:ext uri="{FF2B5EF4-FFF2-40B4-BE49-F238E27FC236}">
-                <a16:creationId xmlns:a16="http://schemas.microsoft.com/office/drawing/2014/main" id="{3271A351-DB69-9CF3-1FBF-A136B7F58364}"/>
-              </a:ext>
-            </a:extLst>
-          </p:cNvPr>
-          <p:cNvCxnSpPr>
-            <a:cxnSpLocks/>
-            <a:stCxn id="60" idx="1"/>
-          </p:cNvCxnSpPr>
-          <p:nvPr/>
-        </p:nvCxnSpPr>
-        <p:spPr>
-          <a:xfrm flipH="1">
-            <a:off x="8178842" y="1634493"/>
-            <a:ext cx="530287" cy="0"/>
-          </a:xfrm>
-          <a:prstGeom prst="line">
-            <a:avLst/>
-          </a:prstGeom>
-          <a:ln w="38100">
-            <a:solidFill>
-              <a:schemeClr val="accent1">
-                <a:lumMod val="50000"/>
-              </a:schemeClr>
-            </a:solidFill>
-          </a:ln>
-        </p:spPr>
-        <p:style>
-          <a:lnRef idx="1">
-            <a:schemeClr val="accent1"/>
-          </a:lnRef>
-          <a:fillRef idx="0">
-            <a:schemeClr val="accent1"/>
-          </a:fillRef>
-          <a:effectRef idx="0">
-            <a:schemeClr val="accent1"/>
-          </a:effectRef>
-          <a:fontRef idx="minor">
-            <a:schemeClr val="tx1"/>
-          </a:fontRef>
-        </p:style>
-      </p:cxnSp>
-      <p:cxnSp>
-        <p:nvCxnSpPr>
-          <p:cNvPr id="77" name="직선 연결선 76">
-            <a:extLst>
-              <a:ext uri="{FF2B5EF4-FFF2-40B4-BE49-F238E27FC236}">
-                <a16:creationId xmlns:a16="http://schemas.microsoft.com/office/drawing/2014/main" id="{CCC46968-3BF7-BAFA-B5F8-7DDA32905B83}"/>
-              </a:ext>
-            </a:extLst>
-          </p:cNvPr>
-          <p:cNvCxnSpPr>
-            <a:cxnSpLocks/>
-            <a:stCxn id="61" idx="1"/>
-          </p:cNvCxnSpPr>
-          <p:nvPr/>
-        </p:nvCxnSpPr>
-        <p:spPr>
-          <a:xfrm flipH="1">
-            <a:off x="8178842" y="2269950"/>
-            <a:ext cx="530287" cy="82"/>
-          </a:xfrm>
-          <a:prstGeom prst="line">
-            <a:avLst/>
-          </a:prstGeom>
-          <a:ln w="38100">
-            <a:solidFill>
-              <a:schemeClr val="accent1">
-                <a:lumMod val="50000"/>
-              </a:schemeClr>
-            </a:solidFill>
-          </a:ln>
-        </p:spPr>
-        <p:style>
-          <a:lnRef idx="1">
-            <a:schemeClr val="accent1"/>
-          </a:lnRef>
-          <a:fillRef idx="0">
-            <a:schemeClr val="accent1"/>
-          </a:fillRef>
-          <a:effectRef idx="0">
-            <a:schemeClr val="accent1"/>
-          </a:effectRef>
-          <a:fontRef idx="minor">
-            <a:schemeClr val="tx1"/>
-          </a:fontRef>
-        </p:style>
-      </p:cxnSp>
-      <p:cxnSp>
-        <p:nvCxnSpPr>
-          <p:cNvPr id="78" name="직선 연결선 77">
-            <a:extLst>
-              <a:ext uri="{FF2B5EF4-FFF2-40B4-BE49-F238E27FC236}">
-                <a16:creationId xmlns:a16="http://schemas.microsoft.com/office/drawing/2014/main" id="{0ED82EFA-5C05-E089-8D12-1C6F532637A0}"/>
-              </a:ext>
-            </a:extLst>
-          </p:cNvPr>
-          <p:cNvCxnSpPr>
-            <a:cxnSpLocks/>
-            <a:stCxn id="62" idx="1"/>
-          </p:cNvCxnSpPr>
-          <p:nvPr/>
-        </p:nvCxnSpPr>
-        <p:spPr>
-          <a:xfrm flipH="1">
-            <a:off x="8189351" y="2905407"/>
-            <a:ext cx="519777" cy="561"/>
-          </a:xfrm>
-          <a:prstGeom prst="line">
-            <a:avLst/>
-          </a:prstGeom>
-          <a:ln w="38100">
-            <a:solidFill>
-              <a:schemeClr val="accent1">
-                <a:lumMod val="50000"/>
-              </a:schemeClr>
-            </a:solidFill>
-          </a:ln>
-        </p:spPr>
-        <p:style>
-          <a:lnRef idx="1">
-            <a:schemeClr val="accent1"/>
-          </a:lnRef>
-          <a:fillRef idx="0">
-            <a:schemeClr val="accent1"/>
-          </a:fillRef>
-          <a:effectRef idx="0">
-            <a:schemeClr val="accent1"/>
-          </a:effectRef>
-          <a:fontRef idx="minor">
-            <a:schemeClr val="tx1"/>
-          </a:fontRef>
-        </p:style>
-      </p:cxnSp>
-      <p:cxnSp>
-        <p:nvCxnSpPr>
-          <p:cNvPr id="79" name="직선 연결선 78">
-            <a:extLst>
-              <a:ext uri="{FF2B5EF4-FFF2-40B4-BE49-F238E27FC236}">
-                <a16:creationId xmlns:a16="http://schemas.microsoft.com/office/drawing/2014/main" id="{287C581C-34EB-8B0B-DC93-F2524A7623B8}"/>
-              </a:ext>
-            </a:extLst>
-          </p:cNvPr>
-          <p:cNvCxnSpPr>
-            <a:cxnSpLocks/>
-          </p:cNvCxnSpPr>
-          <p:nvPr/>
-        </p:nvCxnSpPr>
-        <p:spPr>
-          <a:xfrm flipH="1">
-            <a:off x="8184096" y="3567279"/>
-            <a:ext cx="519777" cy="561"/>
-          </a:xfrm>
-          <a:prstGeom prst="line">
-            <a:avLst/>
-          </a:prstGeom>
-          <a:ln w="38100">
-            <a:solidFill>
-              <a:schemeClr val="accent1">
-                <a:lumMod val="50000"/>
-              </a:schemeClr>
-            </a:solidFill>
-          </a:ln>
-        </p:spPr>
-        <p:style>
-          <a:lnRef idx="1">
-            <a:schemeClr val="accent1"/>
-          </a:lnRef>
-          <a:fillRef idx="0">
-            <a:schemeClr val="accent1"/>
-          </a:fillRef>
-          <a:effectRef idx="0">
-            <a:schemeClr val="accent1"/>
-          </a:effectRef>
-          <a:fontRef idx="minor">
-            <a:schemeClr val="tx1"/>
-          </a:fontRef>
-        </p:style>
-      </p:cxnSp>
-      <p:cxnSp>
-        <p:nvCxnSpPr>
-          <p:cNvPr id="80" name="직선 연결선 79">
-            <a:extLst>
-              <a:ext uri="{FF2B5EF4-FFF2-40B4-BE49-F238E27FC236}">
-                <a16:creationId xmlns:a16="http://schemas.microsoft.com/office/drawing/2014/main" id="{028E390F-9407-E6FC-546D-9648789BF88F}"/>
-              </a:ext>
-            </a:extLst>
-          </p:cNvPr>
-          <p:cNvCxnSpPr>
-            <a:cxnSpLocks/>
-          </p:cNvCxnSpPr>
-          <p:nvPr/>
-        </p:nvCxnSpPr>
-        <p:spPr>
-          <a:xfrm flipH="1">
-            <a:off x="8186724" y="4228590"/>
-            <a:ext cx="519777" cy="561"/>
-          </a:xfrm>
-          <a:prstGeom prst="line">
-            <a:avLst/>
-          </a:prstGeom>
-          <a:ln w="38100">
-            <a:solidFill>
-              <a:schemeClr val="accent1">
-                <a:lumMod val="50000"/>
-              </a:schemeClr>
-            </a:solidFill>
-          </a:ln>
-        </p:spPr>
-        <p:style>
-          <a:lnRef idx="1">
-            <a:schemeClr val="accent1"/>
-          </a:lnRef>
-          <a:fillRef idx="0">
-            <a:schemeClr val="accent1"/>
-          </a:fillRef>
-          <a:effectRef idx="0">
-            <a:schemeClr val="accent1"/>
-          </a:effectRef>
-          <a:fontRef idx="minor">
-            <a:schemeClr val="tx1"/>
-          </a:fontRef>
-        </p:style>
-      </p:cxnSp>
-      <p:cxnSp>
-        <p:nvCxnSpPr>
-          <p:cNvPr id="81" name="직선 연결선 80">
-            <a:extLst>
-              <a:ext uri="{FF2B5EF4-FFF2-40B4-BE49-F238E27FC236}">
-                <a16:creationId xmlns:a16="http://schemas.microsoft.com/office/drawing/2014/main" id="{BC6917AF-B6FD-92C1-82E4-ACA88687F428}"/>
-              </a:ext>
-            </a:extLst>
-          </p:cNvPr>
-          <p:cNvCxnSpPr>
-            <a:cxnSpLocks/>
-          </p:cNvCxnSpPr>
-          <p:nvPr/>
-        </p:nvCxnSpPr>
-        <p:spPr>
-          <a:xfrm flipH="1">
-            <a:off x="8186724" y="4885824"/>
-            <a:ext cx="519777" cy="561"/>
-          </a:xfrm>
-          <a:prstGeom prst="line">
-            <a:avLst/>
-          </a:prstGeom>
-          <a:ln w="38100">
-            <a:solidFill>
-              <a:schemeClr val="accent1">
-                <a:lumMod val="50000"/>
-              </a:schemeClr>
-            </a:solidFill>
-          </a:ln>
-        </p:spPr>
-        <p:style>
-          <a:lnRef idx="1">
-            <a:schemeClr val="accent1"/>
-          </a:lnRef>
-          <a:fillRef idx="0">
-            <a:schemeClr val="accent1"/>
-          </a:fillRef>
-          <a:effectRef idx="0">
-            <a:schemeClr val="accent1"/>
-          </a:effectRef>
-          <a:fontRef idx="minor">
-            <a:schemeClr val="tx1"/>
-          </a:fontRef>
-        </p:style>
-      </p:cxnSp>
-      <p:cxnSp>
-        <p:nvCxnSpPr>
-          <p:cNvPr id="82" name="직선 연결선 81">
-            <a:extLst>
-              <a:ext uri="{FF2B5EF4-FFF2-40B4-BE49-F238E27FC236}">
-                <a16:creationId xmlns:a16="http://schemas.microsoft.com/office/drawing/2014/main" id="{27B63F75-D39F-4E1E-6674-CDD3633105D2}"/>
-              </a:ext>
-            </a:extLst>
-          </p:cNvPr>
-          <p:cNvCxnSpPr>
-            <a:cxnSpLocks/>
-            <a:stCxn id="66" idx="1"/>
-            <a:endCxn id="62" idx="3"/>
-          </p:cNvCxnSpPr>
-          <p:nvPr/>
-        </p:nvCxnSpPr>
-        <p:spPr>
-          <a:xfrm flipH="1">
-            <a:off x="10176121" y="2905407"/>
-            <a:ext cx="487434" cy="0"/>
-          </a:xfrm>
-          <a:prstGeom prst="line">
-            <a:avLst/>
-          </a:prstGeom>
-          <a:ln w="38100">
-            <a:solidFill>
-              <a:schemeClr val="accent1">
-                <a:lumMod val="50000"/>
-              </a:schemeClr>
-            </a:solidFill>
-          </a:ln>
-        </p:spPr>
-        <p:style>
-          <a:lnRef idx="1">
-            <a:schemeClr val="accent1"/>
-          </a:lnRef>
-          <a:fillRef idx="0">
-            <a:schemeClr val="accent1"/>
-          </a:fillRef>
-          <a:effectRef idx="0">
-            <a:schemeClr val="accent1"/>
-          </a:effectRef>
-          <a:fontRef idx="minor">
-            <a:schemeClr val="tx1"/>
-          </a:fontRef>
-        </p:style>
-      </p:cxnSp>
-      <p:sp>
-        <p:nvSpPr>
-          <p:cNvPr id="83" name="사각형: 둥근 모서리 82">
-            <a:extLst>
-              <a:ext uri="{FF2B5EF4-FFF2-40B4-BE49-F238E27FC236}">
-                <a16:creationId xmlns:a16="http://schemas.microsoft.com/office/drawing/2014/main" id="{6D44B548-BE25-9C4B-3785-A83667AA9436}"/>
-              </a:ext>
-            </a:extLst>
-          </p:cNvPr>
-          <p:cNvSpPr/>
-          <p:nvPr/>
-        </p:nvSpPr>
-        <p:spPr>
-          <a:xfrm>
-            <a:off x="5045022" y="4472339"/>
-            <a:ext cx="1466993" cy="430654"/>
-          </a:xfrm>
-          <a:prstGeom prst="roundRect">
-            <a:avLst>
-              <a:gd name="adj" fmla="val 15623"/>
-            </a:avLst>
-          </a:prstGeom>
-          <a:solidFill>
-            <a:srgbClr val="7BAA3C"/>
-          </a:solidFill>
-        </p:spPr>
-        <p:style>
-          <a:lnRef idx="2">
-            <a:schemeClr val="accent1">
-              <a:shade val="50000"/>
-            </a:schemeClr>
-          </a:lnRef>
-          <a:fillRef idx="1">
-            <a:schemeClr val="accent1"/>
-          </a:fillRef>
-          <a:effectRef idx="0">
-            <a:schemeClr val="accent1"/>
-          </a:effectRef>
-          <a:fontRef idx="minor">
-            <a:schemeClr val="lt1"/>
-          </a:fontRef>
-        </p:style>
-        <p:txBody>
-          <a:bodyPr rtlCol="0" anchor="ctr"/>
-          <a:lstStyle/>
-          <a:p>
-            <a:pPr algn="ctr"/>
-            <a:r>
-              <a:rPr lang="en-US" altLang="ko-KR" b="1" dirty="0" err="1">
-                <a:effectLst>
-                  <a:outerShdw blurRad="38100" dist="38100" dir="2700000" algn="tl">
-                    <a:srgbClr val="000000">
-                      <a:alpha val="43137"/>
-                    </a:srgbClr>
-                  </a:outerShdw>
-                </a:effectLst>
-              </a:rPr>
-              <a:t>Hitory</a:t>
-            </a:r>
-            <a:endParaRPr lang="ko-KR" altLang="en-US" b="1" dirty="0">
-              <a:effectLst>
-                <a:outerShdw blurRad="38100" dist="38100" dir="2700000" algn="tl">
-                  <a:srgbClr val="000000">
-                    <a:alpha val="43137"/>
-                  </a:srgbClr>
-                </a:outerShdw>
-              </a:effectLst>
-            </a:endParaRPr>
-          </a:p>
-        </p:txBody>
-      </p:sp>
-      <p:sp>
-        <p:nvSpPr>
-          <p:cNvPr id="84" name="사각형: 둥근 모서리 83">
-            <a:extLst>
-              <a:ext uri="{FF2B5EF4-FFF2-40B4-BE49-F238E27FC236}">
-                <a16:creationId xmlns:a16="http://schemas.microsoft.com/office/drawing/2014/main" id="{C0025831-D734-64D4-D86C-1775BEEBCC07}"/>
-              </a:ext>
-            </a:extLst>
-          </p:cNvPr>
-          <p:cNvSpPr/>
-          <p:nvPr/>
-        </p:nvSpPr>
-        <p:spPr>
-          <a:xfrm>
-            <a:off x="2810716" y="4483146"/>
-            <a:ext cx="1466993" cy="430654"/>
-          </a:xfrm>
-          <a:prstGeom prst="roundRect">
-            <a:avLst>
-              <a:gd name="adj" fmla="val 15623"/>
-            </a:avLst>
-          </a:prstGeom>
-          <a:solidFill>
-            <a:srgbClr val="7BAA3C"/>
-          </a:solidFill>
-        </p:spPr>
-        <p:style>
-          <a:lnRef idx="2">
-            <a:schemeClr val="accent1">
-              <a:shade val="50000"/>
-            </a:schemeClr>
-          </a:lnRef>
-          <a:fillRef idx="1">
-            <a:schemeClr val="accent1"/>
-          </a:fillRef>
-          <a:effectRef idx="0">
-            <a:schemeClr val="accent1"/>
-          </a:effectRef>
-          <a:fontRef idx="minor">
-            <a:schemeClr val="lt1"/>
-          </a:fontRef>
-        </p:style>
-        <p:txBody>
-          <a:bodyPr rtlCol="0" anchor="ctr"/>
-          <a:lstStyle/>
-          <a:p>
-            <a:pPr algn="ctr"/>
-            <a:r>
-              <a:rPr lang="ko-KR" altLang="en-US" sz="2000" b="1" dirty="0">
-                <a:effectLst>
-                  <a:outerShdw blurRad="38100" dist="38100" dir="2700000" algn="tl">
-                    <a:srgbClr val="000000">
-                      <a:alpha val="43137"/>
-                    </a:srgbClr>
-                  </a:outerShdw>
-                </a:effectLst>
-              </a:rPr>
-              <a:t>편집</a:t>
-            </a:r>
-          </a:p>
-        </p:txBody>
-      </p:sp>
-      <p:sp>
-        <p:nvSpPr>
-          <p:cNvPr id="85" name="사각형: 둥근 모서리 84">
-            <a:extLst>
-              <a:ext uri="{FF2B5EF4-FFF2-40B4-BE49-F238E27FC236}">
-                <a16:creationId xmlns:a16="http://schemas.microsoft.com/office/drawing/2014/main" id="{1C5683FC-69A7-9A79-685E-759D3C84B0AC}"/>
-              </a:ext>
-            </a:extLst>
-          </p:cNvPr>
-          <p:cNvSpPr/>
-          <p:nvPr/>
-        </p:nvSpPr>
-        <p:spPr>
-          <a:xfrm>
-            <a:off x="5045021" y="5017036"/>
-            <a:ext cx="1466993" cy="430654"/>
-          </a:xfrm>
-          <a:prstGeom prst="roundRect">
-            <a:avLst>
-              <a:gd name="adj" fmla="val 15623"/>
-            </a:avLst>
-          </a:prstGeom>
-          <a:solidFill>
-            <a:srgbClr val="7BAA3C"/>
-          </a:solidFill>
-        </p:spPr>
-        <p:style>
-          <a:lnRef idx="2">
-            <a:schemeClr val="accent1">
-              <a:shade val="50000"/>
-            </a:schemeClr>
-          </a:lnRef>
-          <a:fillRef idx="1">
-            <a:schemeClr val="accent1"/>
-          </a:fillRef>
-          <a:effectRef idx="0">
-            <a:schemeClr val="accent1"/>
-          </a:effectRef>
-          <a:fontRef idx="minor">
-            <a:schemeClr val="lt1"/>
-          </a:fontRef>
-        </p:style>
-        <p:txBody>
-          <a:bodyPr rtlCol="0" anchor="ctr"/>
-          <a:lstStyle/>
-          <a:p>
-            <a:pPr algn="ctr"/>
-            <a:r>
-              <a:rPr lang="ko-KR" altLang="en-US" b="1" dirty="0">
-                <a:effectLst>
-                  <a:outerShdw blurRad="38100" dist="38100" dir="2700000" algn="tl">
-                    <a:srgbClr val="000000">
-                      <a:alpha val="43137"/>
-                    </a:srgbClr>
-                  </a:outerShdw>
-                </a:effectLst>
-              </a:rPr>
-              <a:t>이미지</a:t>
-            </a:r>
-          </a:p>
-        </p:txBody>
-      </p:sp>
-      <p:sp>
-        <p:nvSpPr>
-          <p:cNvPr id="86" name="사각형: 둥근 모서리 85">
-            <a:extLst>
-              <a:ext uri="{FF2B5EF4-FFF2-40B4-BE49-F238E27FC236}">
-                <a16:creationId xmlns:a16="http://schemas.microsoft.com/office/drawing/2014/main" id="{B7CE4157-8A30-0574-1CF7-8A195488CA0E}"/>
-              </a:ext>
-            </a:extLst>
-          </p:cNvPr>
-          <p:cNvSpPr/>
-          <p:nvPr/>
-        </p:nvSpPr>
-        <p:spPr>
-          <a:xfrm>
-            <a:off x="2809319" y="5537687"/>
-            <a:ext cx="1466993" cy="430654"/>
-          </a:xfrm>
-          <a:prstGeom prst="roundRect">
-            <a:avLst>
-              <a:gd name="adj" fmla="val 15623"/>
-            </a:avLst>
-          </a:prstGeom>
-          <a:solidFill>
-            <a:srgbClr val="7BAA3C"/>
-          </a:solidFill>
-        </p:spPr>
-        <p:style>
-          <a:lnRef idx="2">
-            <a:schemeClr val="accent1">
-              <a:shade val="50000"/>
-            </a:schemeClr>
-          </a:lnRef>
-          <a:fillRef idx="1">
-            <a:schemeClr val="accent1"/>
-          </a:fillRef>
-          <a:effectRef idx="0">
-            <a:schemeClr val="accent1"/>
-          </a:effectRef>
-          <a:fontRef idx="minor">
-            <a:schemeClr val="lt1"/>
-          </a:fontRef>
-        </p:style>
-        <p:txBody>
-          <a:bodyPr rtlCol="0" anchor="ctr"/>
-          <a:lstStyle/>
-          <a:p>
-            <a:pPr algn="ctr"/>
-            <a:r>
-              <a:rPr lang="ko-KR" altLang="en-US" sz="2000" b="1" dirty="0">
-                <a:effectLst>
-                  <a:outerShdw blurRad="38100" dist="38100" dir="2700000" algn="tl">
-                    <a:srgbClr val="000000">
-                      <a:alpha val="43137"/>
-                    </a:srgbClr>
-                  </a:outerShdw>
-                </a:effectLst>
-              </a:rPr>
-              <a:t>읽기 전용</a:t>
-            </a:r>
-          </a:p>
-        </p:txBody>
-      </p:sp>
-      <p:sp>
-        <p:nvSpPr>
-          <p:cNvPr id="87" name="사각형: 둥근 모서리 86">
-            <a:extLst>
-              <a:ext uri="{FF2B5EF4-FFF2-40B4-BE49-F238E27FC236}">
-                <a16:creationId xmlns:a16="http://schemas.microsoft.com/office/drawing/2014/main" id="{AE71B54C-799F-BC3F-FE08-3941A5A07754}"/>
-              </a:ext>
-            </a:extLst>
-          </p:cNvPr>
-          <p:cNvSpPr/>
-          <p:nvPr/>
-        </p:nvSpPr>
-        <p:spPr>
-          <a:xfrm>
-            <a:off x="5045023" y="5561733"/>
-            <a:ext cx="1466993" cy="430654"/>
-          </a:xfrm>
-          <a:prstGeom prst="roundRect">
-            <a:avLst>
-              <a:gd name="adj" fmla="val 15623"/>
-            </a:avLst>
-          </a:prstGeom>
-          <a:solidFill>
-            <a:srgbClr val="7BAA3C"/>
-          </a:solidFill>
-        </p:spPr>
-        <p:style>
-          <a:lnRef idx="2">
-            <a:schemeClr val="accent1">
-              <a:shade val="50000"/>
-            </a:schemeClr>
-          </a:lnRef>
-          <a:fillRef idx="1">
-            <a:schemeClr val="accent1"/>
-          </a:fillRef>
-          <a:effectRef idx="0">
-            <a:schemeClr val="accent1"/>
-          </a:effectRef>
-          <a:fontRef idx="minor">
-            <a:schemeClr val="lt1"/>
-          </a:fontRef>
-        </p:style>
-        <p:txBody>
-          <a:bodyPr rtlCol="0" anchor="ctr"/>
-          <a:lstStyle/>
-          <a:p>
-            <a:pPr algn="ctr"/>
-            <a:r>
-              <a:rPr lang="ko-KR" altLang="en-US" b="1">
-                <a:effectLst>
-                  <a:outerShdw blurRad="38100" dist="38100" dir="2700000" algn="tl">
-                    <a:srgbClr val="000000">
-                      <a:alpha val="43137"/>
-                    </a:srgbClr>
-                  </a:outerShdw>
-                </a:effectLst>
-              </a:rPr>
-              <a:t>동영상</a:t>
-            </a:r>
-            <a:endParaRPr lang="ko-KR" altLang="en-US" b="1" dirty="0">
-              <a:effectLst>
-                <a:outerShdw blurRad="38100" dist="38100" dir="2700000" algn="tl">
-                  <a:srgbClr val="000000">
-                    <a:alpha val="43137"/>
-                  </a:srgbClr>
-                </a:outerShdw>
-              </a:effectLst>
-            </a:endParaRPr>
-          </a:p>
-        </p:txBody>
-      </p:sp>
-      <p:cxnSp>
-        <p:nvCxnSpPr>
-          <p:cNvPr id="88" name="직선 연결선 87">
-            <a:extLst>
-              <a:ext uri="{FF2B5EF4-FFF2-40B4-BE49-F238E27FC236}">
-                <a16:creationId xmlns:a16="http://schemas.microsoft.com/office/drawing/2014/main" id="{CD8C5365-E6A7-B8F1-4BEB-53BC9D81AC3A}"/>
-              </a:ext>
-            </a:extLst>
-          </p:cNvPr>
-          <p:cNvCxnSpPr>
-            <a:cxnSpLocks/>
-          </p:cNvCxnSpPr>
-          <p:nvPr/>
-        </p:nvCxnSpPr>
-        <p:spPr>
-          <a:xfrm flipH="1">
-            <a:off x="2322909" y="4198972"/>
-            <a:ext cx="10700" cy="1579131"/>
-          </a:xfrm>
-          <a:prstGeom prst="line">
-            <a:avLst/>
-          </a:prstGeom>
-          <a:ln w="38100">
-            <a:solidFill>
-              <a:schemeClr val="accent1">
-                <a:lumMod val="50000"/>
-              </a:schemeClr>
-            </a:solidFill>
-          </a:ln>
-        </p:spPr>
-        <p:style>
-          <a:lnRef idx="1">
-            <a:schemeClr val="accent1"/>
-          </a:lnRef>
-          <a:fillRef idx="0">
-            <a:schemeClr val="accent1"/>
-          </a:fillRef>
-          <a:effectRef idx="0">
-            <a:schemeClr val="accent1"/>
-          </a:effectRef>
-          <a:fontRef idx="minor">
-            <a:schemeClr val="tx1"/>
-          </a:fontRef>
-        </p:style>
-      </p:cxnSp>
-      <p:cxnSp>
-        <p:nvCxnSpPr>
-          <p:cNvPr id="89" name="직선 연결선 88">
-            <a:extLst>
-              <a:ext uri="{FF2B5EF4-FFF2-40B4-BE49-F238E27FC236}">
-                <a16:creationId xmlns:a16="http://schemas.microsoft.com/office/drawing/2014/main" id="{E83D30C7-6EA6-3239-01DD-801DD656150F}"/>
-              </a:ext>
-            </a:extLst>
-          </p:cNvPr>
-          <p:cNvCxnSpPr>
-            <a:cxnSpLocks/>
-          </p:cNvCxnSpPr>
-          <p:nvPr/>
-        </p:nvCxnSpPr>
-        <p:spPr>
-          <a:xfrm flipH="1">
-            <a:off x="2316627" y="5761898"/>
-            <a:ext cx="492692" cy="0"/>
-          </a:xfrm>
-          <a:prstGeom prst="line">
-            <a:avLst/>
-          </a:prstGeom>
-          <a:ln w="38100">
-            <a:solidFill>
-              <a:schemeClr val="accent1">
-                <a:lumMod val="50000"/>
-              </a:schemeClr>
-            </a:solidFill>
-          </a:ln>
-        </p:spPr>
-        <p:style>
-          <a:lnRef idx="1">
-            <a:schemeClr val="accent1"/>
-          </a:lnRef>
-          <a:fillRef idx="0">
-            <a:schemeClr val="accent1"/>
-          </a:fillRef>
-          <a:effectRef idx="0">
-            <a:schemeClr val="accent1"/>
-          </a:effectRef>
-          <a:fontRef idx="minor">
-            <a:schemeClr val="tx1"/>
-          </a:fontRef>
-        </p:style>
-      </p:cxnSp>
-      <p:cxnSp>
-        <p:nvCxnSpPr>
-          <p:cNvPr id="90" name="직선 연결선 89">
-            <a:extLst>
-              <a:ext uri="{FF2B5EF4-FFF2-40B4-BE49-F238E27FC236}">
-                <a16:creationId xmlns:a16="http://schemas.microsoft.com/office/drawing/2014/main" id="{CEAFA3CF-A417-4712-D145-F3FA1C318956}"/>
-              </a:ext>
-            </a:extLst>
-          </p:cNvPr>
-          <p:cNvCxnSpPr>
-            <a:cxnSpLocks/>
-          </p:cNvCxnSpPr>
-          <p:nvPr/>
-        </p:nvCxnSpPr>
-        <p:spPr>
-          <a:xfrm flipH="1">
-            <a:off x="2316627" y="4683192"/>
-            <a:ext cx="492692" cy="0"/>
-          </a:xfrm>
-          <a:prstGeom prst="line">
-            <a:avLst/>
-          </a:prstGeom>
-          <a:ln w="38100">
-            <a:solidFill>
-              <a:schemeClr val="accent1">
-                <a:lumMod val="50000"/>
-              </a:schemeClr>
-            </a:solidFill>
-          </a:ln>
-        </p:spPr>
-        <p:style>
-          <a:lnRef idx="1">
-            <a:schemeClr val="accent1"/>
-          </a:lnRef>
-          <a:fillRef idx="0">
-            <a:schemeClr val="accent1"/>
-          </a:fillRef>
-          <a:effectRef idx="0">
-            <a:schemeClr val="accent1"/>
-          </a:effectRef>
-          <a:fontRef idx="minor">
-            <a:schemeClr val="tx1"/>
-          </a:fontRef>
-        </p:style>
-      </p:cxnSp>
-      <p:cxnSp>
-        <p:nvCxnSpPr>
-          <p:cNvPr id="91" name="직선 연결선 90">
-            <a:extLst>
-              <a:ext uri="{FF2B5EF4-FFF2-40B4-BE49-F238E27FC236}">
-                <a16:creationId xmlns:a16="http://schemas.microsoft.com/office/drawing/2014/main" id="{C9065F75-7D84-6FBD-D056-4331C2D64D19}"/>
-              </a:ext>
-            </a:extLst>
-          </p:cNvPr>
-          <p:cNvCxnSpPr>
-            <a:cxnSpLocks/>
-            <a:stCxn id="83" idx="1"/>
-          </p:cNvCxnSpPr>
-          <p:nvPr/>
-        </p:nvCxnSpPr>
-        <p:spPr>
-          <a:xfrm flipH="1" flipV="1">
-            <a:off x="4276312" y="4683192"/>
-            <a:ext cx="768710" cy="4474"/>
-          </a:xfrm>
-          <a:prstGeom prst="line">
-            <a:avLst/>
-          </a:prstGeom>
-          <a:ln w="38100">
-            <a:solidFill>
-              <a:schemeClr val="accent1">
-                <a:lumMod val="50000"/>
-              </a:schemeClr>
-            </a:solidFill>
-          </a:ln>
-        </p:spPr>
-        <p:style>
-          <a:lnRef idx="1">
-            <a:schemeClr val="accent1"/>
-          </a:lnRef>
-          <a:fillRef idx="0">
-            <a:schemeClr val="accent1"/>
-          </a:fillRef>
-          <a:effectRef idx="0">
-            <a:schemeClr val="accent1"/>
-          </a:effectRef>
-          <a:fontRef idx="minor">
-            <a:schemeClr val="tx1"/>
-          </a:fontRef>
-        </p:style>
-      </p:cxnSp>
-      <p:cxnSp>
-        <p:nvCxnSpPr>
-          <p:cNvPr id="92" name="직선 연결선 91">
-            <a:extLst>
-              <a:ext uri="{FF2B5EF4-FFF2-40B4-BE49-F238E27FC236}">
-                <a16:creationId xmlns:a16="http://schemas.microsoft.com/office/drawing/2014/main" id="{8F351BA0-BE67-24F8-E8BD-9419393F3426}"/>
-              </a:ext>
-            </a:extLst>
-          </p:cNvPr>
-          <p:cNvCxnSpPr>
-            <a:cxnSpLocks/>
-          </p:cNvCxnSpPr>
-          <p:nvPr/>
-        </p:nvCxnSpPr>
-        <p:spPr>
-          <a:xfrm flipH="1">
-            <a:off x="4652485" y="4683192"/>
-            <a:ext cx="12107" cy="1119914"/>
-          </a:xfrm>
-          <a:prstGeom prst="line">
-            <a:avLst/>
-          </a:prstGeom>
-          <a:ln w="38100">
-            <a:solidFill>
-              <a:schemeClr val="accent1">
-                <a:lumMod val="50000"/>
-              </a:schemeClr>
-            </a:solidFill>
-          </a:ln>
-        </p:spPr>
-        <p:style>
-          <a:lnRef idx="1">
-            <a:schemeClr val="accent1"/>
-          </a:lnRef>
-          <a:fillRef idx="0">
-            <a:schemeClr val="accent1"/>
-          </a:fillRef>
-          <a:effectRef idx="0">
-            <a:schemeClr val="accent1"/>
-          </a:effectRef>
-          <a:fontRef idx="minor">
-            <a:schemeClr val="tx1"/>
-          </a:fontRef>
-        </p:style>
-      </p:cxnSp>
-      <p:cxnSp>
-        <p:nvCxnSpPr>
-          <p:cNvPr id="93" name="직선 연결선 92">
-            <a:extLst>
-              <a:ext uri="{FF2B5EF4-FFF2-40B4-BE49-F238E27FC236}">
-                <a16:creationId xmlns:a16="http://schemas.microsoft.com/office/drawing/2014/main" id="{98920409-FD63-2C59-396F-854B96FBC3A1}"/>
-              </a:ext>
-            </a:extLst>
-          </p:cNvPr>
-          <p:cNvCxnSpPr>
-            <a:cxnSpLocks/>
-            <a:stCxn id="85" idx="1"/>
-          </p:cNvCxnSpPr>
-          <p:nvPr/>
-        </p:nvCxnSpPr>
-        <p:spPr>
-          <a:xfrm flipH="1">
-            <a:off x="4660667" y="5232363"/>
-            <a:ext cx="384354" cy="0"/>
-          </a:xfrm>
-          <a:prstGeom prst="line">
-            <a:avLst/>
-          </a:prstGeom>
-          <a:ln w="38100">
-            <a:solidFill>
-              <a:schemeClr val="accent1">
-                <a:lumMod val="50000"/>
-              </a:schemeClr>
-            </a:solidFill>
-          </a:ln>
-        </p:spPr>
-        <p:style>
-          <a:lnRef idx="1">
-            <a:schemeClr val="accent1"/>
-          </a:lnRef>
-          <a:fillRef idx="0">
-            <a:schemeClr val="accent1"/>
-          </a:fillRef>
-          <a:effectRef idx="0">
-            <a:schemeClr val="accent1"/>
-          </a:effectRef>
-          <a:fontRef idx="minor">
-            <a:schemeClr val="tx1"/>
-          </a:fontRef>
-        </p:style>
-      </p:cxnSp>
-      <p:cxnSp>
-        <p:nvCxnSpPr>
-          <p:cNvPr id="94" name="직선 연결선 93">
-            <a:extLst>
-              <a:ext uri="{FF2B5EF4-FFF2-40B4-BE49-F238E27FC236}">
-                <a16:creationId xmlns:a16="http://schemas.microsoft.com/office/drawing/2014/main" id="{12D799B1-BFA0-C2E5-DA13-AE9B793021E0}"/>
-              </a:ext>
-            </a:extLst>
-          </p:cNvPr>
-          <p:cNvCxnSpPr>
-            <a:cxnSpLocks/>
-          </p:cNvCxnSpPr>
-          <p:nvPr/>
-        </p:nvCxnSpPr>
-        <p:spPr>
-          <a:xfrm flipH="1">
-            <a:off x="4660667" y="5786003"/>
-            <a:ext cx="384354" cy="0"/>
-          </a:xfrm>
-          <a:prstGeom prst="line">
-            <a:avLst/>
-          </a:prstGeom>
-          <a:ln w="38100">
-            <a:solidFill>
-              <a:schemeClr val="accent1">
-                <a:lumMod val="50000"/>
-              </a:schemeClr>
-            </a:solidFill>
-          </a:ln>
-        </p:spPr>
-        <p:style>
-          <a:lnRef idx="1">
-            <a:schemeClr val="accent1"/>
-          </a:lnRef>
-          <a:fillRef idx="0">
-            <a:schemeClr val="accent1"/>
-          </a:fillRef>
-          <a:effectRef idx="0">
-            <a:schemeClr val="accent1"/>
-          </a:effectRef>
-          <a:fontRef idx="minor">
-            <a:schemeClr val="tx1"/>
-          </a:fontRef>
-        </p:style>
-      </p:cxnSp>
-    </p:spTree>
-    <p:extLst>
-      <p:ext uri="{BB962C8B-B14F-4D97-AF65-F5344CB8AC3E}">
-        <p14:creationId xmlns:p14="http://schemas.microsoft.com/office/powerpoint/2010/main" val="3622597973"/>
       </p:ext>
     </p:extLst>
   </p:cSld>

--- a/기획 UI/A조 프로토타입 발표.pptx
+++ b/기획 UI/A조 프로토타입 발표.pptx
@@ -5,24 +5,23 @@
     <p:sldMasterId id="2147483708" r:id="rId1"/>
   </p:sldMasterIdLst>
   <p:notesMasterIdLst>
-    <p:notesMasterId r:id="rId17"/>
+    <p:notesMasterId r:id="rId16"/>
   </p:notesMasterIdLst>
   <p:sldIdLst>
     <p:sldId id="260" r:id="rId2"/>
     <p:sldId id="256" r:id="rId3"/>
-    <p:sldId id="258" r:id="rId4"/>
-    <p:sldId id="273" r:id="rId5"/>
-    <p:sldId id="261" r:id="rId6"/>
-    <p:sldId id="263" r:id="rId7"/>
-    <p:sldId id="266" r:id="rId8"/>
-    <p:sldId id="265" r:id="rId9"/>
-    <p:sldId id="262" r:id="rId10"/>
-    <p:sldId id="272" r:id="rId11"/>
-    <p:sldId id="267" r:id="rId12"/>
-    <p:sldId id="268" r:id="rId13"/>
-    <p:sldId id="271" r:id="rId14"/>
+    <p:sldId id="273" r:id="rId4"/>
+    <p:sldId id="261" r:id="rId5"/>
+    <p:sldId id="263" r:id="rId6"/>
+    <p:sldId id="266" r:id="rId7"/>
+    <p:sldId id="265" r:id="rId8"/>
+    <p:sldId id="262" r:id="rId9"/>
+    <p:sldId id="272" r:id="rId10"/>
+    <p:sldId id="267" r:id="rId11"/>
+    <p:sldId id="268" r:id="rId12"/>
+    <p:sldId id="274" r:id="rId13"/>
+    <p:sldId id="270" r:id="rId14"/>
     <p:sldId id="264" r:id="rId15"/>
-    <p:sldId id="270" r:id="rId16"/>
   </p:sldIdLst>
   <p:sldSz cx="12192000" cy="6858000"/>
   <p:notesSz cx="6858000" cy="9144000"/>
@@ -1299,7 +1298,7 @@
           <a:p>
             <a:fld id="{BAB0EF52-0BC9-4FAB-B538-F1BCB30B3D84}" type="datetimeFigureOut">
               <a:rPr lang="ko-KR" altLang="en-US" smtClean="0"/>
-              <a:t>2023-06-23</a:t>
+              <a:t>2023-10-10</a:t>
             </a:fld>
             <a:endParaRPr lang="ko-KR" altLang="en-US"/>
           </a:p>
@@ -1631,7 +1630,7 @@
           <a:p>
             <a:fld id="{D2A03A7A-A6BE-420D-A040-6E99343C7960}" type="slidenum">
               <a:rPr lang="ko-KR" altLang="en-US" smtClean="0"/>
-              <a:t>6</a:t>
+              <a:t>5</a:t>
             </a:fld>
             <a:endParaRPr lang="ko-KR" altLang="en-US"/>
           </a:p>
@@ -1781,7 +1780,7 @@
           <a:p>
             <a:fld id="{63398173-0E1E-4132-A695-781E3AD47F04}" type="datetimeFigureOut">
               <a:rPr lang="ko-KR" altLang="en-US" smtClean="0"/>
-              <a:t>2023-06-23</a:t>
+              <a:t>2023-10-10</a:t>
             </a:fld>
             <a:endParaRPr lang="ko-KR" altLang="en-US"/>
           </a:p>
@@ -1951,7 +1950,7 @@
           <a:p>
             <a:fld id="{63398173-0E1E-4132-A695-781E3AD47F04}" type="datetimeFigureOut">
               <a:rPr lang="ko-KR" altLang="en-US" smtClean="0"/>
-              <a:t>2023-06-23</a:t>
+              <a:t>2023-10-10</a:t>
             </a:fld>
             <a:endParaRPr lang="ko-KR" altLang="en-US"/>
           </a:p>
@@ -2131,7 +2130,7 @@
           <a:p>
             <a:fld id="{63398173-0E1E-4132-A695-781E3AD47F04}" type="datetimeFigureOut">
               <a:rPr lang="ko-KR" altLang="en-US" smtClean="0"/>
-              <a:t>2023-06-23</a:t>
+              <a:t>2023-10-10</a:t>
             </a:fld>
             <a:endParaRPr lang="ko-KR" altLang="en-US"/>
           </a:p>
@@ -2301,7 +2300,7 @@
           <a:p>
             <a:fld id="{63398173-0E1E-4132-A695-781E3AD47F04}" type="datetimeFigureOut">
               <a:rPr lang="ko-KR" altLang="en-US" smtClean="0"/>
-              <a:t>2023-06-23</a:t>
+              <a:t>2023-10-10</a:t>
             </a:fld>
             <a:endParaRPr lang="ko-KR" altLang="en-US"/>
           </a:p>
@@ -2547,7 +2546,7 @@
           <a:p>
             <a:fld id="{63398173-0E1E-4132-A695-781E3AD47F04}" type="datetimeFigureOut">
               <a:rPr lang="ko-KR" altLang="en-US" smtClean="0"/>
-              <a:t>2023-06-23</a:t>
+              <a:t>2023-10-10</a:t>
             </a:fld>
             <a:endParaRPr lang="ko-KR" altLang="en-US"/>
           </a:p>
@@ -2779,7 +2778,7 @@
           <a:p>
             <a:fld id="{63398173-0E1E-4132-A695-781E3AD47F04}" type="datetimeFigureOut">
               <a:rPr lang="ko-KR" altLang="en-US" smtClean="0"/>
-              <a:t>2023-06-23</a:t>
+              <a:t>2023-10-10</a:t>
             </a:fld>
             <a:endParaRPr lang="ko-KR" altLang="en-US"/>
           </a:p>
@@ -3146,7 +3145,7 @@
           <a:p>
             <a:fld id="{63398173-0E1E-4132-A695-781E3AD47F04}" type="datetimeFigureOut">
               <a:rPr lang="ko-KR" altLang="en-US" smtClean="0"/>
-              <a:t>2023-06-23</a:t>
+              <a:t>2023-10-10</a:t>
             </a:fld>
             <a:endParaRPr lang="ko-KR" altLang="en-US"/>
           </a:p>
@@ -3264,7 +3263,7 @@
           <a:p>
             <a:fld id="{63398173-0E1E-4132-A695-781E3AD47F04}" type="datetimeFigureOut">
               <a:rPr lang="ko-KR" altLang="en-US" smtClean="0"/>
-              <a:t>2023-06-23</a:t>
+              <a:t>2023-10-10</a:t>
             </a:fld>
             <a:endParaRPr lang="ko-KR" altLang="en-US"/>
           </a:p>
@@ -3359,7 +3358,7 @@
           <a:p>
             <a:fld id="{63398173-0E1E-4132-A695-781E3AD47F04}" type="datetimeFigureOut">
               <a:rPr lang="ko-KR" altLang="en-US" smtClean="0"/>
-              <a:t>2023-06-23</a:t>
+              <a:t>2023-10-10</a:t>
             </a:fld>
             <a:endParaRPr lang="ko-KR" altLang="en-US"/>
           </a:p>
@@ -3636,7 +3635,7 @@
           <a:p>
             <a:fld id="{63398173-0E1E-4132-A695-781E3AD47F04}" type="datetimeFigureOut">
               <a:rPr lang="ko-KR" altLang="en-US" smtClean="0"/>
-              <a:t>2023-06-23</a:t>
+              <a:t>2023-10-10</a:t>
             </a:fld>
             <a:endParaRPr lang="ko-KR" altLang="en-US"/>
           </a:p>
@@ -3893,7 +3892,7 @@
           <a:p>
             <a:fld id="{63398173-0E1E-4132-A695-781E3AD47F04}" type="datetimeFigureOut">
               <a:rPr lang="ko-KR" altLang="en-US" smtClean="0"/>
-              <a:t>2023-06-23</a:t>
+              <a:t>2023-10-10</a:t>
             </a:fld>
             <a:endParaRPr lang="ko-KR" altLang="en-US"/>
           </a:p>
@@ -4106,7 +4105,7 @@
           <a:p>
             <a:fld id="{63398173-0E1E-4132-A695-781E3AD47F04}" type="datetimeFigureOut">
               <a:rPr lang="ko-KR" altLang="en-US" smtClean="0"/>
-              <a:t>2023-06-23</a:t>
+              <a:t>2023-10-10</a:t>
             </a:fld>
             <a:endParaRPr lang="ko-KR" altLang="en-US"/>
           </a:p>
@@ -4521,10 +4520,10 @@
       </p:grpSpPr>
       <p:sp useBgFill="1">
         <p:nvSpPr>
-          <p:cNvPr id="66" name="Rectangle 65">
+          <p:cNvPr id="73" name="Rectangle 72">
             <a:extLst>
               <a:ext uri="{FF2B5EF4-FFF2-40B4-BE49-F238E27FC236}">
-                <a16:creationId xmlns:a16="http://schemas.microsoft.com/office/drawing/2014/main" id="{665DBBEF-238B-476B-96AB-8AAC3224ECEA}"/>
+                <a16:creationId xmlns:a16="http://schemas.microsoft.com/office/drawing/2014/main" id="{91DC6ABD-215C-4EA8-A483-CEF5B99AB385}"/>
               </a:ext>
               <a:ext uri="{C183D7F6-B498-43B3-948B-1728B52AA6E4}">
                 <adec:decorative xmlns:adec="http://schemas.microsoft.com/office/drawing/2017/decorative" val="1"/>
@@ -4545,7 +4544,7 @@
         <p:spPr>
           <a:xfrm>
             <a:off x="0" y="0"/>
-            <a:ext cx="12192000" cy="6858000"/>
+            <a:ext cx="12191999" cy="6857365"/>
           </a:xfrm>
           <a:prstGeom prst="rect">
             <a:avLst/>
@@ -4597,8 +4596,8 @@
         </p:nvSpPr>
         <p:spPr>
           <a:xfrm>
-            <a:off x="604192" y="733948"/>
-            <a:ext cx="3571810" cy="3573516"/>
+            <a:off x="599609" y="679731"/>
+            <a:ext cx="4171994" cy="3736540"/>
           </a:xfrm>
         </p:spPr>
         <p:txBody>
@@ -4609,11 +4608,9 @@
           <a:p>
             <a:pPr latinLnBrk="0"/>
             <a:r>
-              <a:rPr lang="en-US" altLang="ko-KR" sz="5100" b="1" kern="1200" dirty="0">
+              <a:rPr lang="en-US" altLang="ko-KR" sz="6000" b="1" kern="1200" dirty="0">
                 <a:solidFill>
-                  <a:schemeClr val="accent1">
-                    <a:lumMod val="75000"/>
-                  </a:schemeClr>
+                  <a:srgbClr val="5161CE"/>
                 </a:solidFill>
                 <a:effectLst>
                   <a:outerShdw blurRad="38100" dist="38100" dir="2700000" algn="tl">
@@ -4622,30 +4619,14 @@
                     </a:srgbClr>
                   </a:outerShdw>
                 </a:effectLst>
-                <a:latin typeface="나눔고딕" pitchFamily="2" charset="-127"/>
-                <a:ea typeface="나눔고딕" pitchFamily="2" charset="-127"/>
+                <a:latin typeface="+mj-lt"/>
+                <a:ea typeface="+mj-ea"/>
+                <a:cs typeface="+mj-cs"/>
               </a:rPr>
-              <a:t>B</a:t>
+              <a:t>B.  </a:t>
             </a:r>
             <a:r>
-              <a:rPr lang="en-US" altLang="ko-KR" sz="5100" b="1" kern="1200" dirty="0">
-                <a:solidFill>
-                  <a:srgbClr val="017A59"/>
-                </a:solidFill>
-                <a:effectLst>
-                  <a:outerShdw blurRad="38100" dist="38100" dir="2700000" algn="tl">
-                    <a:srgbClr val="000000">
-                      <a:alpha val="43137"/>
-                    </a:srgbClr>
-                  </a:outerShdw>
-                </a:effectLst>
-                <a:latin typeface="나눔고딕" pitchFamily="2" charset="-127"/>
-                <a:ea typeface="나눔고딕" pitchFamily="2" charset="-127"/>
-              </a:rPr>
-              <a:t>.</a:t>
-            </a:r>
-            <a:r>
-              <a:rPr lang="en-US" altLang="ko-KR" sz="5100" b="1" kern="1200" dirty="0">
+              <a:rPr lang="en-US" altLang="ko-KR" sz="6000" b="1" kern="1200" dirty="0">
                 <a:solidFill>
                   <a:schemeClr val="tx1"/>
                 </a:solidFill>
@@ -4656,13 +4637,14 @@
                     </a:srgbClr>
                   </a:outerShdw>
                 </a:effectLst>
-                <a:latin typeface="나눔고딕" pitchFamily="2" charset="-127"/>
-                <a:ea typeface="나눔고딕" pitchFamily="2" charset="-127"/>
+                <a:latin typeface="+mj-lt"/>
+                <a:ea typeface="+mj-ea"/>
+                <a:cs typeface="+mj-cs"/>
               </a:rPr>
-              <a:t>  lack</a:t>
+              <a:t>lack</a:t>
             </a:r>
             <a:br>
-              <a:rPr lang="en-US" altLang="ko-KR" sz="5100" b="1" kern="1200" dirty="0">
+              <a:rPr lang="en-US" altLang="ko-KR" sz="6000" b="1" kern="1200" dirty="0">
                 <a:solidFill>
                   <a:schemeClr val="tx1"/>
                 </a:solidFill>
@@ -4673,16 +4655,15 @@
                     </a:srgbClr>
                   </a:outerShdw>
                 </a:effectLst>
-                <a:latin typeface="나눔고딕" pitchFamily="2" charset="-127"/>
-                <a:ea typeface="나눔고딕" pitchFamily="2" charset="-127"/>
+                <a:latin typeface="+mj-lt"/>
+                <a:ea typeface="+mj-ea"/>
+                <a:cs typeface="+mj-cs"/>
               </a:rPr>
             </a:br>
             <a:r>
-              <a:rPr lang="en-US" altLang="ko-KR" sz="5100" b="1" kern="1200" dirty="0">
+              <a:rPr lang="en-US" altLang="ko-KR" sz="6000" b="1" kern="1200" dirty="0">
                 <a:solidFill>
-                  <a:schemeClr val="accent1">
-                    <a:lumMod val="75000"/>
-                  </a:schemeClr>
+                  <a:srgbClr val="5161CE"/>
                 </a:solidFill>
                 <a:effectLst>
                   <a:outerShdw blurRad="38100" dist="38100" dir="2700000" algn="tl">
@@ -4691,13 +4672,14 @@
                     </a:srgbClr>
                   </a:outerShdw>
                 </a:effectLst>
-                <a:latin typeface="나눔고딕" pitchFamily="2" charset="-127"/>
-                <a:ea typeface="나눔고딕" pitchFamily="2" charset="-127"/>
+                <a:latin typeface="+mj-lt"/>
+                <a:ea typeface="+mj-ea"/>
+                <a:cs typeface="+mj-cs"/>
               </a:rPr>
               <a:t>P.  </a:t>
             </a:r>
             <a:r>
-              <a:rPr lang="en-US" altLang="ko-KR" sz="5100" b="1" kern="1200" dirty="0" err="1">
+              <a:rPr lang="en-US" altLang="ko-KR" sz="6000" b="1" kern="1200" dirty="0" err="1">
                 <a:solidFill>
                   <a:schemeClr val="tx1"/>
                 </a:solidFill>
@@ -4708,13 +4690,14 @@
                     </a:srgbClr>
                   </a:outerShdw>
                 </a:effectLst>
-                <a:latin typeface="나눔고딕" pitchFamily="2" charset="-127"/>
-                <a:ea typeface="나눔고딕" pitchFamily="2" charset="-127"/>
+                <a:latin typeface="+mj-lt"/>
+                <a:ea typeface="+mj-ea"/>
+                <a:cs typeface="+mj-cs"/>
               </a:rPr>
               <a:t>roject</a:t>
             </a:r>
             <a:br>
-              <a:rPr lang="en-US" altLang="ko-KR" sz="5100" b="1" kern="1200" dirty="0">
+              <a:rPr lang="en-US" altLang="ko-KR" sz="6000" b="1" kern="1200" dirty="0">
                 <a:solidFill>
                   <a:schemeClr val="tx1"/>
                 </a:solidFill>
@@ -4725,16 +4708,15 @@
                     </a:srgbClr>
                   </a:outerShdw>
                 </a:effectLst>
-                <a:latin typeface="나눔고딕" pitchFamily="2" charset="-127"/>
-                <a:ea typeface="나눔고딕" pitchFamily="2" charset="-127"/>
+                <a:latin typeface="+mj-lt"/>
+                <a:ea typeface="+mj-ea"/>
+                <a:cs typeface="+mj-cs"/>
               </a:rPr>
             </a:br>
             <a:r>
-              <a:rPr lang="en-US" altLang="ko-KR" sz="5100" b="1" kern="1200" dirty="0">
+              <a:rPr lang="en-US" altLang="ko-KR" sz="6000" b="1" kern="1200" dirty="0">
                 <a:solidFill>
-                  <a:schemeClr val="accent1">
-                    <a:lumMod val="75000"/>
-                  </a:schemeClr>
+                  <a:srgbClr val="5161CE"/>
                 </a:solidFill>
                 <a:effectLst>
                   <a:outerShdw blurRad="38100" dist="38100" dir="2700000" algn="tl">
@@ -4743,13 +4725,14 @@
                     </a:srgbClr>
                   </a:outerShdw>
                 </a:effectLst>
-                <a:latin typeface="나눔고딕" pitchFamily="2" charset="-127"/>
-                <a:ea typeface="나눔고딕" pitchFamily="2" charset="-127"/>
+                <a:latin typeface="+mj-lt"/>
+                <a:ea typeface="+mj-ea"/>
+                <a:cs typeface="+mj-cs"/>
               </a:rPr>
-              <a:t>M.</a:t>
+              <a:t>M. </a:t>
             </a:r>
             <a:r>
-              <a:rPr lang="en-US" altLang="ko-KR" sz="5100" b="1" kern="1200" dirty="0">
+              <a:rPr lang="en-US" altLang="ko-KR" sz="6000" b="1" kern="1200" dirty="0" err="1">
                 <a:solidFill>
                   <a:schemeClr val="tx1"/>
                 </a:solidFill>
@@ -4760,29 +4743,13 @@
                     </a:srgbClr>
                   </a:outerShdw>
                 </a:effectLst>
-                <a:latin typeface="나눔고딕" pitchFamily="2" charset="-127"/>
-                <a:ea typeface="나눔고딕" pitchFamily="2" charset="-127"/>
-              </a:rPr>
-              <a:t> </a:t>
-            </a:r>
-            <a:r>
-              <a:rPr lang="en-US" altLang="ko-KR" sz="5100" b="1" kern="1200" dirty="0" err="1">
-                <a:solidFill>
-                  <a:schemeClr val="tx1"/>
-                </a:solidFill>
-                <a:effectLst>
-                  <a:outerShdw blurRad="38100" dist="38100" dir="2700000" algn="tl">
-                    <a:srgbClr val="000000">
-                      <a:alpha val="43137"/>
-                    </a:srgbClr>
-                  </a:outerShdw>
-                </a:effectLst>
-                <a:latin typeface="나눔고딕" pitchFamily="2" charset="-127"/>
-                <a:ea typeface="나눔고딕" pitchFamily="2" charset="-127"/>
+                <a:latin typeface="+mj-lt"/>
+                <a:ea typeface="+mj-ea"/>
+                <a:cs typeface="+mj-cs"/>
               </a:rPr>
               <a:t>anager</a:t>
             </a:r>
-            <a:endParaRPr lang="en-US" altLang="ko-KR" sz="5100" b="1" kern="1200" dirty="0">
+            <a:endParaRPr lang="en-US" altLang="ko-KR" sz="6000" b="1" kern="1200" dirty="0">
               <a:solidFill>
                 <a:schemeClr val="tx1"/>
               </a:solidFill>
@@ -4793,8 +4760,9 @@
                   </a:srgbClr>
                 </a:outerShdw>
               </a:effectLst>
-              <a:latin typeface="나눔고딕" pitchFamily="2" charset="-127"/>
-              <a:ea typeface="나눔고딕" pitchFamily="2" charset="-127"/>
+              <a:latin typeface="+mj-lt"/>
+              <a:ea typeface="+mj-ea"/>
+              <a:cs typeface="+mj-cs"/>
             </a:endParaRPr>
           </a:p>
         </p:txBody>
@@ -4815,8 +4783,8 @@
         </p:nvSpPr>
         <p:spPr>
           <a:xfrm>
-            <a:off x="2877777" y="4658870"/>
-            <a:ext cx="3571810" cy="1559327"/>
+            <a:off x="599609" y="4685288"/>
+            <a:ext cx="4171994" cy="1035781"/>
           </a:xfrm>
           <a:prstGeom prst="rect">
             <a:avLst/>
@@ -4852,7 +4820,7 @@
               </a:spcBef>
             </a:pPr>
             <a:r>
-              <a:rPr lang="ko-KR" altLang="en-US" sz="2400" b="1" kern="1200" dirty="0">
+              <a:rPr lang="ko-KR" altLang="en-US" sz="1500" b="1" kern="1200">
                 <a:solidFill>
                   <a:schemeClr val="tx1"/>
                 </a:solidFill>
@@ -4863,13 +4831,13 @@
                     </a:srgbClr>
                   </a:outerShdw>
                 </a:effectLst>
-                <a:latin typeface="나눔고딕" pitchFamily="2" charset="-127"/>
-                <a:ea typeface="나눔고딕" pitchFamily="2" charset="-127"/>
+                <a:latin typeface="+mn-lt"/>
+                <a:ea typeface="+mn-ea"/>
                 <a:cs typeface="+mn-cs"/>
               </a:rPr>
               <a:t>박종혁</a:t>
             </a:r>
-            <a:endParaRPr lang="en-US" altLang="ko-KR" sz="2400" b="1" kern="1200" dirty="0">
+            <a:endParaRPr lang="en-US" altLang="ko-KR" sz="1500" b="1" kern="1200">
               <a:solidFill>
                 <a:schemeClr val="tx1"/>
               </a:solidFill>
@@ -4880,8 +4848,8 @@
                   </a:srgbClr>
                 </a:outerShdw>
               </a:effectLst>
-              <a:latin typeface="나눔고딕" pitchFamily="2" charset="-127"/>
-              <a:ea typeface="나눔고딕" pitchFamily="2" charset="-127"/>
+              <a:latin typeface="+mn-lt"/>
+              <a:ea typeface="+mn-ea"/>
               <a:cs typeface="+mn-cs"/>
             </a:endParaRPr>
           </a:p>
@@ -4892,7 +4860,7 @@
               </a:spcBef>
             </a:pPr>
             <a:r>
-              <a:rPr lang="ko-KR" altLang="en-US" sz="2400" b="1" kern="1200" dirty="0">
+              <a:rPr lang="ko-KR" altLang="en-US" sz="1500" b="1" kern="1200">
                 <a:solidFill>
                   <a:schemeClr val="tx1"/>
                 </a:solidFill>
@@ -4903,13 +4871,13 @@
                     </a:srgbClr>
                   </a:outerShdw>
                 </a:effectLst>
-                <a:latin typeface="나눔고딕" pitchFamily="2" charset="-127"/>
-                <a:ea typeface="나눔고딕" pitchFamily="2" charset="-127"/>
+                <a:latin typeface="+mn-lt"/>
+                <a:ea typeface="+mn-ea"/>
                 <a:cs typeface="+mn-cs"/>
               </a:rPr>
               <a:t>신현성</a:t>
             </a:r>
-            <a:endParaRPr lang="en-US" altLang="ko-KR" sz="2400" b="1" kern="1200" dirty="0">
+            <a:endParaRPr lang="en-US" altLang="ko-KR" sz="1500" b="1" kern="1200">
               <a:solidFill>
                 <a:schemeClr val="tx1"/>
               </a:solidFill>
@@ -4920,8 +4888,8 @@
                   </a:srgbClr>
                 </a:outerShdw>
               </a:effectLst>
-              <a:latin typeface="나눔고딕" pitchFamily="2" charset="-127"/>
-              <a:ea typeface="나눔고딕" pitchFamily="2" charset="-127"/>
+              <a:latin typeface="+mn-lt"/>
+              <a:ea typeface="+mn-ea"/>
               <a:cs typeface="+mn-cs"/>
             </a:endParaRPr>
           </a:p>
@@ -4932,7 +4900,7 @@
               </a:spcBef>
             </a:pPr>
             <a:r>
-              <a:rPr lang="ko-KR" altLang="en-US" sz="2400" b="1" kern="1200" dirty="0">
+              <a:rPr lang="ko-KR" altLang="en-US" sz="1500" b="1" kern="1200">
                 <a:solidFill>
                   <a:schemeClr val="tx1"/>
                 </a:solidFill>
@@ -4943,13 +4911,13 @@
                     </a:srgbClr>
                   </a:outerShdw>
                 </a:effectLst>
-                <a:latin typeface="나눔고딕" pitchFamily="2" charset="-127"/>
-                <a:ea typeface="나눔고딕" pitchFamily="2" charset="-127"/>
+                <a:latin typeface="+mn-lt"/>
+                <a:ea typeface="+mn-ea"/>
                 <a:cs typeface="+mn-cs"/>
               </a:rPr>
               <a:t>유영훈</a:t>
             </a:r>
-            <a:endParaRPr lang="en-US" altLang="ko-KR" sz="2400" b="1" kern="1200" dirty="0">
+            <a:endParaRPr lang="en-US" altLang="ko-KR" sz="1500" b="1" kern="1200">
               <a:solidFill>
                 <a:schemeClr val="tx1"/>
               </a:solidFill>
@@ -4960,19 +4928,164 @@
                   </a:srgbClr>
                 </a:outerShdw>
               </a:effectLst>
-              <a:latin typeface="나눔고딕" pitchFamily="2" charset="-127"/>
-              <a:ea typeface="나눔고딕" pitchFamily="2" charset="-127"/>
+              <a:latin typeface="+mn-lt"/>
+              <a:ea typeface="+mn-ea"/>
               <a:cs typeface="+mn-cs"/>
             </a:endParaRPr>
           </a:p>
         </p:txBody>
       </p:sp>
+      <p:grpSp>
+        <p:nvGrpSpPr>
+          <p:cNvPr id="75" name="Group 74">
+            <a:extLst>
+              <a:ext uri="{FF2B5EF4-FFF2-40B4-BE49-F238E27FC236}">
+                <a16:creationId xmlns:a16="http://schemas.microsoft.com/office/drawing/2014/main" id="{3AF6A671-C637-4547-85F4-51B6D1881399}"/>
+              </a:ext>
+              <a:ext uri="{C183D7F6-B498-43B3-948B-1728B52AA6E4}">
+                <adec:decorative xmlns:adec="http://schemas.microsoft.com/office/drawing/2017/decorative" val="1"/>
+              </a:ext>
+            </a:extLst>
+          </p:cNvPr>
+          <p:cNvGrpSpPr>
+            <a:grpSpLocks noGrp="1" noUngrp="1" noRot="1" noChangeAspect="1" noMove="1" noResize="1"/>
+          </p:cNvGrpSpPr>
+          <p:nvPr>
+            <p:extLst>
+              <p:ext uri="{386F3935-93C4-4BCD-93E2-E3B085C9AB24}">
+                <p16:designElem xmlns:p16="http://schemas.microsoft.com/office/powerpoint/2015/main" val="1"/>
+              </p:ext>
+            </p:extLst>
+          </p:nvPr>
+        </p:nvGrpSpPr>
+        <p:grpSpPr>
+          <a:xfrm>
+            <a:off x="9416432" y="1"/>
+            <a:ext cx="2446384" cy="5777808"/>
+            <a:chOff x="329184" y="1"/>
+            <a:chExt cx="524256" cy="5777808"/>
+          </a:xfrm>
+        </p:grpSpPr>
+        <p:cxnSp>
+          <p:nvCxnSpPr>
+            <p:cNvPr id="76" name="Straight Connector 75">
+              <a:extLst>
+                <a:ext uri="{FF2B5EF4-FFF2-40B4-BE49-F238E27FC236}">
+                  <a16:creationId xmlns:a16="http://schemas.microsoft.com/office/drawing/2014/main" id="{C575CF26-3D3C-4C5A-A2B7-00432016EF62}"/>
+                </a:ext>
+                <a:ext uri="{C183D7F6-B498-43B3-948B-1728B52AA6E4}">
+                  <adec:decorative xmlns:adec="http://schemas.microsoft.com/office/drawing/2017/decorative" val="1"/>
+                </a:ext>
+              </a:extLst>
+            </p:cNvPr>
+            <p:cNvCxnSpPr>
+              <a:cxnSpLocks/>
+            </p:cNvCxnSpPr>
+            <p:nvPr>
+              <p:extLst>
+                <p:ext uri="{386F3935-93C4-4BCD-93E2-E3B085C9AB24}">
+                  <p16:designElem xmlns:p16="http://schemas.microsoft.com/office/powerpoint/2015/main" val="1"/>
+                </p:ext>
+              </p:extLst>
+            </p:nvPr>
+          </p:nvCxnSpPr>
+          <p:spPr>
+            <a:xfrm flipH="1">
+              <a:off x="329184" y="5777809"/>
+              <a:ext cx="521208" cy="0"/>
+            </a:xfrm>
+            <a:prstGeom prst="line">
+              <a:avLst/>
+            </a:prstGeom>
+            <a:ln w="152400">
+              <a:solidFill>
+                <a:schemeClr val="accent4"/>
+              </a:solidFill>
+            </a:ln>
+          </p:spPr>
+          <p:style>
+            <a:lnRef idx="1">
+              <a:schemeClr val="accent1"/>
+            </a:lnRef>
+            <a:fillRef idx="0">
+              <a:schemeClr val="accent1"/>
+            </a:fillRef>
+            <a:effectRef idx="0">
+              <a:schemeClr val="accent1"/>
+            </a:effectRef>
+            <a:fontRef idx="minor">
+              <a:schemeClr val="tx1"/>
+            </a:fontRef>
+          </p:style>
+        </p:cxnSp>
+        <p:sp>
+          <p:nvSpPr>
+            <p:cNvPr id="77" name="Rectangle 76">
+              <a:extLst>
+                <a:ext uri="{FF2B5EF4-FFF2-40B4-BE49-F238E27FC236}">
+                  <a16:creationId xmlns:a16="http://schemas.microsoft.com/office/drawing/2014/main" id="{99413ED5-9ED4-4772-BCE4-2BCAE6B12E35}"/>
+                </a:ext>
+                <a:ext uri="{C183D7F6-B498-43B3-948B-1728B52AA6E4}">
+                  <adec:decorative xmlns:adec="http://schemas.microsoft.com/office/drawing/2017/decorative" val="1"/>
+                </a:ext>
+              </a:extLst>
+            </p:cNvPr>
+            <p:cNvSpPr/>
+            <p:nvPr>
+              <p:extLst>
+                <p:ext uri="{386F3935-93C4-4BCD-93E2-E3B085C9AB24}">
+                  <p16:designElem xmlns:p16="http://schemas.microsoft.com/office/powerpoint/2015/main" val="1"/>
+                </p:ext>
+              </p:extLst>
+            </p:nvPr>
+          </p:nvSpPr>
+          <p:spPr>
+            <a:xfrm>
+              <a:off x="329184" y="1"/>
+              <a:ext cx="524256" cy="5532119"/>
+            </a:xfrm>
+            <a:prstGeom prst="rect">
+              <a:avLst/>
+            </a:prstGeom>
+            <a:solidFill>
+              <a:schemeClr val="accent4"/>
+            </a:solidFill>
+            <a:ln>
+              <a:noFill/>
+            </a:ln>
+          </p:spPr>
+          <p:style>
+            <a:lnRef idx="2">
+              <a:schemeClr val="accent1">
+                <a:shade val="50000"/>
+              </a:schemeClr>
+            </a:lnRef>
+            <a:fillRef idx="1">
+              <a:schemeClr val="accent1"/>
+            </a:fillRef>
+            <a:effectRef idx="0">
+              <a:schemeClr val="accent1"/>
+            </a:effectRef>
+            <a:fontRef idx="minor">
+              <a:schemeClr val="lt1"/>
+            </a:fontRef>
+          </p:style>
+          <p:txBody>
+            <a:bodyPr rtlCol="0" anchor="ctr"/>
+            <a:lstStyle/>
+            <a:p>
+              <a:pPr algn="ctr"/>
+              <a:endParaRPr lang="en-US"/>
+            </a:p>
+          </p:txBody>
+        </p:sp>
+      </p:grpSp>
       <p:sp>
         <p:nvSpPr>
-          <p:cNvPr id="68" name="sketch line">
+          <p:cNvPr id="79" name="Rectangle 78">
             <a:extLst>
               <a:ext uri="{FF2B5EF4-FFF2-40B4-BE49-F238E27FC236}">
-                <a16:creationId xmlns:a16="http://schemas.microsoft.com/office/drawing/2014/main" id="{3FCFB1DE-0B7E-48CC-BA90-B2AB0889F9D6}"/>
+                <a16:creationId xmlns:a16="http://schemas.microsoft.com/office/drawing/2014/main" id="{04357C93-F0CB-4A1C-8F77-4E9063789819}"/>
               </a:ext>
               <a:ext uri="{C183D7F6-B498-43B3-948B-1728B52AA6E4}">
                 <adec:decorative xmlns:adec="http://schemas.microsoft.com/office/drawing/2017/decorative" val="1"/>
@@ -4992,228 +5105,25 @@
         </p:nvSpPr>
         <p:spPr>
           <a:xfrm>
-            <a:off x="643278" y="4409267"/>
-            <a:ext cx="3255095" cy="18288"/>
-          </a:xfrm>
-          <a:custGeom>
+            <a:off x="5386598" y="269324"/>
+            <a:ext cx="6116779" cy="6208776"/>
+          </a:xfrm>
+          <a:prstGeom prst="rect">
             <a:avLst/>
-            <a:gdLst>
-              <a:gd name="connsiteX0" fmla="*/ 0 w 3255095"/>
-              <a:gd name="connsiteY0" fmla="*/ 0 h 18288"/>
-              <a:gd name="connsiteX1" fmla="*/ 618468 w 3255095"/>
-              <a:gd name="connsiteY1" fmla="*/ 0 h 18288"/>
-              <a:gd name="connsiteX2" fmla="*/ 1269487 w 3255095"/>
-              <a:gd name="connsiteY2" fmla="*/ 0 h 18288"/>
-              <a:gd name="connsiteX3" fmla="*/ 1953057 w 3255095"/>
-              <a:gd name="connsiteY3" fmla="*/ 0 h 18288"/>
-              <a:gd name="connsiteX4" fmla="*/ 2636627 w 3255095"/>
-              <a:gd name="connsiteY4" fmla="*/ 0 h 18288"/>
-              <a:gd name="connsiteX5" fmla="*/ 3255095 w 3255095"/>
-              <a:gd name="connsiteY5" fmla="*/ 0 h 18288"/>
-              <a:gd name="connsiteX6" fmla="*/ 3255095 w 3255095"/>
-              <a:gd name="connsiteY6" fmla="*/ 18288 h 18288"/>
-              <a:gd name="connsiteX7" fmla="*/ 2538974 w 3255095"/>
-              <a:gd name="connsiteY7" fmla="*/ 18288 h 18288"/>
-              <a:gd name="connsiteX8" fmla="*/ 1822853 w 3255095"/>
-              <a:gd name="connsiteY8" fmla="*/ 18288 h 18288"/>
-              <a:gd name="connsiteX9" fmla="*/ 1171834 w 3255095"/>
-              <a:gd name="connsiteY9" fmla="*/ 18288 h 18288"/>
-              <a:gd name="connsiteX10" fmla="*/ 0 w 3255095"/>
-              <a:gd name="connsiteY10" fmla="*/ 18288 h 18288"/>
-              <a:gd name="connsiteX11" fmla="*/ 0 w 3255095"/>
-              <a:gd name="connsiteY11" fmla="*/ 0 h 18288"/>
-            </a:gdLst>
-            <a:ahLst/>
-            <a:cxnLst>
-              <a:cxn ang="0">
-                <a:pos x="connsiteX0" y="connsiteY0"/>
-              </a:cxn>
-              <a:cxn ang="0">
-                <a:pos x="connsiteX1" y="connsiteY1"/>
-              </a:cxn>
-              <a:cxn ang="0">
-                <a:pos x="connsiteX2" y="connsiteY2"/>
-              </a:cxn>
-              <a:cxn ang="0">
-                <a:pos x="connsiteX3" y="connsiteY3"/>
-              </a:cxn>
-              <a:cxn ang="0">
-                <a:pos x="connsiteX4" y="connsiteY4"/>
-              </a:cxn>
-              <a:cxn ang="0">
-                <a:pos x="connsiteX5" y="connsiteY5"/>
-              </a:cxn>
-              <a:cxn ang="0">
-                <a:pos x="connsiteX6" y="connsiteY6"/>
-              </a:cxn>
-              <a:cxn ang="0">
-                <a:pos x="connsiteX7" y="connsiteY7"/>
-              </a:cxn>
-              <a:cxn ang="0">
-                <a:pos x="connsiteX8" y="connsiteY8"/>
-              </a:cxn>
-              <a:cxn ang="0">
-                <a:pos x="connsiteX9" y="connsiteY9"/>
-              </a:cxn>
-              <a:cxn ang="0">
-                <a:pos x="connsiteX10" y="connsiteY10"/>
-              </a:cxn>
-              <a:cxn ang="0">
-                <a:pos x="connsiteX11" y="connsiteY11"/>
-              </a:cxn>
-            </a:cxnLst>
-            <a:rect l="l" t="t" r="r" b="b"/>
-            <a:pathLst>
-              <a:path w="3255095" h="18288" fill="none" extrusionOk="0">
-                <a:moveTo>
-                  <a:pt x="0" y="0"/>
-                </a:moveTo>
-                <a:cubicBezTo>
-                  <a:pt x="240201" y="-22123"/>
-                  <a:pt x="462021" y="-19623"/>
-                  <a:pt x="618468" y="0"/>
-                </a:cubicBezTo>
-                <a:cubicBezTo>
-                  <a:pt x="774915" y="19623"/>
-                  <a:pt x="974734" y="2035"/>
-                  <a:pt x="1269487" y="0"/>
-                </a:cubicBezTo>
-                <a:cubicBezTo>
-                  <a:pt x="1564240" y="-2035"/>
-                  <a:pt x="1733579" y="10639"/>
-                  <a:pt x="1953057" y="0"/>
-                </a:cubicBezTo>
-                <a:cubicBezTo>
-                  <a:pt x="2172535" y="-10639"/>
-                  <a:pt x="2453962" y="14018"/>
-                  <a:pt x="2636627" y="0"/>
-                </a:cubicBezTo>
-                <a:cubicBezTo>
-                  <a:pt x="2819292" y="-14018"/>
-                  <a:pt x="3121375" y="5399"/>
-                  <a:pt x="3255095" y="0"/>
-                </a:cubicBezTo>
-                <a:cubicBezTo>
-                  <a:pt x="3254386" y="8157"/>
-                  <a:pt x="3254682" y="12125"/>
-                  <a:pt x="3255095" y="18288"/>
-                </a:cubicBezTo>
-                <a:cubicBezTo>
-                  <a:pt x="3088545" y="23203"/>
-                  <a:pt x="2687475" y="7419"/>
-                  <a:pt x="2538974" y="18288"/>
-                </a:cubicBezTo>
-                <a:cubicBezTo>
-                  <a:pt x="2390473" y="29157"/>
-                  <a:pt x="2137381" y="-8959"/>
-                  <a:pt x="1822853" y="18288"/>
-                </a:cubicBezTo>
-                <a:cubicBezTo>
-                  <a:pt x="1508325" y="45535"/>
-                  <a:pt x="1466437" y="20385"/>
-                  <a:pt x="1171834" y="18288"/>
-                </a:cubicBezTo>
-                <a:cubicBezTo>
-                  <a:pt x="877231" y="16191"/>
-                  <a:pt x="561097" y="37643"/>
-                  <a:pt x="0" y="18288"/>
-                </a:cubicBezTo>
-                <a:cubicBezTo>
-                  <a:pt x="-46" y="12483"/>
-                  <a:pt x="-203" y="6491"/>
-                  <a:pt x="0" y="0"/>
-                </a:cubicBezTo>
-                <a:close/>
-              </a:path>
-              <a:path w="3255095" h="18288" stroke="0" extrusionOk="0">
-                <a:moveTo>
-                  <a:pt x="0" y="0"/>
-                </a:moveTo>
-                <a:cubicBezTo>
-                  <a:pt x="291965" y="19429"/>
-                  <a:pt x="363155" y="8568"/>
-                  <a:pt x="618468" y="0"/>
-                </a:cubicBezTo>
-                <a:cubicBezTo>
-                  <a:pt x="873781" y="-8568"/>
-                  <a:pt x="904459" y="-19505"/>
-                  <a:pt x="1171834" y="0"/>
-                </a:cubicBezTo>
-                <a:cubicBezTo>
-                  <a:pt x="1439209" y="19505"/>
-                  <a:pt x="1744369" y="9790"/>
-                  <a:pt x="1887955" y="0"/>
-                </a:cubicBezTo>
-                <a:cubicBezTo>
-                  <a:pt x="2031541" y="-9790"/>
-                  <a:pt x="2346378" y="21240"/>
-                  <a:pt x="2506423" y="0"/>
-                </a:cubicBezTo>
-                <a:cubicBezTo>
-                  <a:pt x="2666468" y="-21240"/>
-                  <a:pt x="2990257" y="30414"/>
-                  <a:pt x="3255095" y="0"/>
-                </a:cubicBezTo>
-                <a:cubicBezTo>
-                  <a:pt x="3254831" y="4493"/>
-                  <a:pt x="3255479" y="9472"/>
-                  <a:pt x="3255095" y="18288"/>
-                </a:cubicBezTo>
-                <a:cubicBezTo>
-                  <a:pt x="3120743" y="16690"/>
-                  <a:pt x="2759628" y="42462"/>
-                  <a:pt x="2604076" y="18288"/>
-                </a:cubicBezTo>
-                <a:cubicBezTo>
-                  <a:pt x="2448524" y="-5886"/>
-                  <a:pt x="2184336" y="19599"/>
-                  <a:pt x="1887955" y="18288"/>
-                </a:cubicBezTo>
-                <a:cubicBezTo>
-                  <a:pt x="1591574" y="16977"/>
-                  <a:pt x="1548845" y="6870"/>
-                  <a:pt x="1334589" y="18288"/>
-                </a:cubicBezTo>
-                <a:cubicBezTo>
-                  <a:pt x="1120333" y="29706"/>
-                  <a:pt x="996014" y="9662"/>
-                  <a:pt x="683570" y="18288"/>
-                </a:cubicBezTo>
-                <a:cubicBezTo>
-                  <a:pt x="371126" y="26914"/>
-                  <a:pt x="198687" y="16167"/>
-                  <a:pt x="0" y="18288"/>
-                </a:cubicBezTo>
-                <a:cubicBezTo>
-                  <a:pt x="843" y="9577"/>
-                  <a:pt x="371" y="6900"/>
-                  <a:pt x="0" y="0"/>
-                </a:cubicBezTo>
-                <a:close/>
-              </a:path>
-            </a:pathLst>
-          </a:custGeom>
+          </a:prstGeom>
           <a:solidFill>
-            <a:schemeClr val="accent2"/>
+            <a:schemeClr val="bg1"/>
           </a:solidFill>
-          <a:ln w="38100" cap="rnd">
-            <a:solidFill>
-              <a:schemeClr val="accent2"/>
-            </a:solidFill>
-            <a:round/>
-            <a:extLst>
-              <a:ext uri="{C807C97D-BFC1-408E-A445-0C87EB9F89A2}">
-                <ask:lineSketchStyleProps xmlns:ask="http://schemas.microsoft.com/office/drawing/2018/sketchyshapes" sd="1219033472">
-                  <a:prstGeom prst="rect">
-                    <a:avLst/>
-                  </a:prstGeom>
-                  <ask:type>
-                    <ask:lineSketchFreehand/>
-                  </ask:type>
-                </ask:lineSketchStyleProps>
-              </a:ext>
-            </a:extLst>
+          <a:ln>
+            <a:noFill/>
           </a:ln>
+          <a:effectLst>
+            <a:outerShdw blurRad="139700" dist="127000" dir="5400000" algn="t" rotWithShape="0">
+              <a:prstClr val="black">
+                <a:alpha val="15000"/>
+              </a:prstClr>
+            </a:outerShdw>
+          </a:effectLst>
         </p:spPr>
         <p:style>
           <a:lnRef idx="2">
@@ -5242,10 +5152,10 @@
       </p:sp>
       <p:pic>
         <p:nvPicPr>
-          <p:cNvPr id="3" name="그림 2" descr="블랙, 어둠이(가) 표시된 사진&#10;&#10;자동 생성된 설명">
+          <p:cNvPr id="5" name="그림 4" descr="폰트, 그래픽, 원, 상징이(가) 표시된 사진&#10;&#10;자동 생성된 설명">
             <a:extLst>
               <a:ext uri="{FF2B5EF4-FFF2-40B4-BE49-F238E27FC236}">
-                <a16:creationId xmlns:a16="http://schemas.microsoft.com/office/drawing/2014/main" id="{FB45AADA-1B92-7F34-5067-828F56D0BD7B}"/>
+                <a16:creationId xmlns:a16="http://schemas.microsoft.com/office/drawing/2014/main" id="{461B6D24-6680-BB32-073B-43A19D48F5FA}"/>
               </a:ext>
             </a:extLst>
           </p:cNvPr>
@@ -5256,13 +5166,6 @@
         </p:nvPicPr>
         <p:blipFill>
           <a:blip r:embed="rId2">
-            <a:duotone>
-              <a:schemeClr val="accent1">
-                <a:shade val="45000"/>
-                <a:satMod val="135000"/>
-              </a:schemeClr>
-              <a:prstClr val="white"/>
-            </a:duotone>
             <a:extLst>
               <a:ext uri="{28A0092B-C50C-407E-A947-70E740481C1C}">
                 <a14:useLocalDpi xmlns:a14="http://schemas.microsoft.com/office/drawing/2010/main" val="0"/>
@@ -5275,8 +5178,8 @@
         </p:blipFill>
         <p:spPr>
           <a:xfrm>
-            <a:off x="6211048" y="1173139"/>
-            <a:ext cx="4877481" cy="4877481"/>
+            <a:off x="5640572" y="569297"/>
+            <a:ext cx="5608830" cy="5608830"/>
           </a:xfrm>
           <a:prstGeom prst="rect">
             <a:avLst/>
@@ -5309,2584 +5212,6 @@
 </file>
 
 <file path=ppt/slides/slide10.xml><?xml version="1.0" encoding="utf-8"?>
-<p:sld xmlns:a="http://schemas.openxmlformats.org/drawingml/2006/main" xmlns:r="http://schemas.openxmlformats.org/officeDocument/2006/relationships" xmlns:p="http://schemas.openxmlformats.org/presentationml/2006/main">
-  <p:cSld>
-    <p:spTree>
-      <p:nvGrpSpPr>
-        <p:cNvPr id="1" name=""/>
-        <p:cNvGrpSpPr/>
-        <p:nvPr/>
-      </p:nvGrpSpPr>
-      <p:grpSpPr>
-        <a:xfrm>
-          <a:off x="0" y="0"/>
-          <a:ext cx="0" cy="0"/>
-          <a:chOff x="0" y="0"/>
-          <a:chExt cx="0" cy="0"/>
-        </a:xfrm>
-      </p:grpSpPr>
-      <p:sp>
-        <p:nvSpPr>
-          <p:cNvPr id="4" name="직사각형 3">
-            <a:extLst>
-              <a:ext uri="{FF2B5EF4-FFF2-40B4-BE49-F238E27FC236}">
-                <a16:creationId xmlns:a16="http://schemas.microsoft.com/office/drawing/2014/main" id="{C35F139B-CDDB-42FA-525C-DA01A8146D90}"/>
-              </a:ext>
-            </a:extLst>
-          </p:cNvPr>
-          <p:cNvSpPr/>
-          <p:nvPr/>
-        </p:nvSpPr>
-        <p:spPr>
-          <a:xfrm>
-            <a:off x="0" y="0"/>
-            <a:ext cx="1573619" cy="6858000"/>
-          </a:xfrm>
-          <a:prstGeom prst="rect">
-            <a:avLst/>
-          </a:prstGeom>
-          <a:solidFill>
-            <a:schemeClr val="accent1"/>
-          </a:solidFill>
-        </p:spPr>
-        <p:style>
-          <a:lnRef idx="2">
-            <a:schemeClr val="accent1">
-              <a:shade val="50000"/>
-            </a:schemeClr>
-          </a:lnRef>
-          <a:fillRef idx="1">
-            <a:schemeClr val="accent1"/>
-          </a:fillRef>
-          <a:effectRef idx="0">
-            <a:schemeClr val="accent1"/>
-          </a:effectRef>
-          <a:fontRef idx="minor">
-            <a:schemeClr val="lt1"/>
-          </a:fontRef>
-        </p:style>
-        <p:txBody>
-          <a:bodyPr vert="eaVert" rtlCol="0" anchor="ctr"/>
-          <a:lstStyle/>
-          <a:p>
-            <a:pPr algn="ctr"/>
-            <a:r>
-              <a:rPr lang="ko-KR" altLang="en-US" sz="3500" b="1" dirty="0">
-                <a:solidFill>
-                  <a:schemeClr val="bg1"/>
-                </a:solidFill>
-                <a:effectLst>
-                  <a:outerShdw blurRad="38100" dist="38100" dir="2700000" algn="tl">
-                    <a:srgbClr val="000000">
-                      <a:alpha val="43137"/>
-                    </a:srgbClr>
-                  </a:outerShdw>
-                </a:effectLst>
-                <a:latin typeface="나눔고딕" pitchFamily="2" charset="-127"/>
-                <a:ea typeface="나눔고딕" pitchFamily="2" charset="-127"/>
-              </a:rPr>
-              <a:t>시  </a:t>
-            </a:r>
-            <a:r>
-              <a:rPr lang="ko-KR" altLang="en-US" sz="3500" b="1" dirty="0" err="1">
-                <a:solidFill>
-                  <a:schemeClr val="bg1"/>
-                </a:solidFill>
-                <a:effectLst>
-                  <a:outerShdw blurRad="38100" dist="38100" dir="2700000" algn="tl">
-                    <a:srgbClr val="000000">
-                      <a:alpha val="43137"/>
-                    </a:srgbClr>
-                  </a:outerShdw>
-                </a:effectLst>
-                <a:latin typeface="나눔고딕" pitchFamily="2" charset="-127"/>
-                <a:ea typeface="나눔고딕" pitchFamily="2" charset="-127"/>
-              </a:rPr>
-              <a:t>스</a:t>
-            </a:r>
-            <a:r>
-              <a:rPr lang="ko-KR" altLang="en-US" sz="3500" b="1" dirty="0">
-                <a:solidFill>
-                  <a:schemeClr val="bg1"/>
-                </a:solidFill>
-                <a:effectLst>
-                  <a:outerShdw blurRad="38100" dist="38100" dir="2700000" algn="tl">
-                    <a:srgbClr val="000000">
-                      <a:alpha val="43137"/>
-                    </a:srgbClr>
-                  </a:outerShdw>
-                </a:effectLst>
-                <a:latin typeface="나눔고딕" pitchFamily="2" charset="-127"/>
-                <a:ea typeface="나눔고딕" pitchFamily="2" charset="-127"/>
-              </a:rPr>
-              <a:t>  템  주  요  기  능</a:t>
-            </a:r>
-          </a:p>
-        </p:txBody>
-      </p:sp>
-      <p:sp>
-        <p:nvSpPr>
-          <p:cNvPr id="50" name="사각형: 둥근 모서리 49">
-            <a:extLst>
-              <a:ext uri="{FF2B5EF4-FFF2-40B4-BE49-F238E27FC236}">
-                <a16:creationId xmlns:a16="http://schemas.microsoft.com/office/drawing/2014/main" id="{03AF9854-8907-12D2-E7F9-000656C9A490}"/>
-              </a:ext>
-            </a:extLst>
-          </p:cNvPr>
-          <p:cNvSpPr/>
-          <p:nvPr/>
-        </p:nvSpPr>
-        <p:spPr>
-          <a:xfrm>
-            <a:off x="2112579" y="557043"/>
-            <a:ext cx="2165131" cy="635601"/>
-          </a:xfrm>
-          <a:prstGeom prst="roundRect">
-            <a:avLst>
-              <a:gd name="adj" fmla="val 15623"/>
-            </a:avLst>
-          </a:prstGeom>
-          <a:solidFill>
-            <a:srgbClr val="1D9A78"/>
-          </a:solidFill>
-        </p:spPr>
-        <p:style>
-          <a:lnRef idx="2">
-            <a:schemeClr val="accent1">
-              <a:shade val="50000"/>
-            </a:schemeClr>
-          </a:lnRef>
-          <a:fillRef idx="1">
-            <a:schemeClr val="accent1"/>
-          </a:fillRef>
-          <a:effectRef idx="0">
-            <a:schemeClr val="accent1"/>
-          </a:effectRef>
-          <a:fontRef idx="minor">
-            <a:schemeClr val="lt1"/>
-          </a:fontRef>
-        </p:style>
-        <p:txBody>
-          <a:bodyPr rtlCol="0" anchor="ctr"/>
-          <a:lstStyle/>
-          <a:p>
-            <a:pPr algn="ctr"/>
-            <a:r>
-              <a:rPr lang="en-US" altLang="ko-KR" sz="2500" b="1" dirty="0">
-                <a:effectLst>
-                  <a:outerShdw blurRad="38100" dist="38100" dir="2700000" algn="tl">
-                    <a:srgbClr val="000000">
-                      <a:alpha val="43137"/>
-                    </a:srgbClr>
-                  </a:outerShdw>
-                </a:effectLst>
-              </a:rPr>
-              <a:t>Index </a:t>
-            </a:r>
-            <a:r>
-              <a:rPr lang="ko-KR" altLang="en-US" sz="2500" b="1" dirty="0">
-                <a:effectLst>
-                  <a:outerShdw blurRad="38100" dist="38100" dir="2700000" algn="tl">
-                    <a:srgbClr val="000000">
-                      <a:alpha val="43137"/>
-                    </a:srgbClr>
-                  </a:outerShdw>
-                </a:effectLst>
-              </a:rPr>
-              <a:t>창</a:t>
-            </a:r>
-          </a:p>
-        </p:txBody>
-      </p:sp>
-      <p:sp>
-        <p:nvSpPr>
-          <p:cNvPr id="51" name="사각형: 둥근 모서리 50">
-            <a:extLst>
-              <a:ext uri="{FF2B5EF4-FFF2-40B4-BE49-F238E27FC236}">
-                <a16:creationId xmlns:a16="http://schemas.microsoft.com/office/drawing/2014/main" id="{6105FBFB-6071-9C39-2680-AE536B9B4B20}"/>
-              </a:ext>
-            </a:extLst>
-          </p:cNvPr>
-          <p:cNvSpPr/>
-          <p:nvPr/>
-        </p:nvSpPr>
-        <p:spPr>
-          <a:xfrm>
-            <a:off x="4816269" y="557043"/>
-            <a:ext cx="2165131" cy="635601"/>
-          </a:xfrm>
-          <a:prstGeom prst="roundRect">
-            <a:avLst>
-              <a:gd name="adj" fmla="val 15623"/>
-            </a:avLst>
-          </a:prstGeom>
-          <a:solidFill>
-            <a:srgbClr val="1D9A78"/>
-          </a:solidFill>
-        </p:spPr>
-        <p:style>
-          <a:lnRef idx="2">
-            <a:schemeClr val="accent1">
-              <a:shade val="50000"/>
-            </a:schemeClr>
-          </a:lnRef>
-          <a:fillRef idx="1">
-            <a:schemeClr val="accent1"/>
-          </a:fillRef>
-          <a:effectRef idx="0">
-            <a:schemeClr val="accent1"/>
-          </a:effectRef>
-          <a:fontRef idx="minor">
-            <a:schemeClr val="lt1"/>
-          </a:fontRef>
-        </p:style>
-        <p:txBody>
-          <a:bodyPr rtlCol="0" anchor="ctr"/>
-          <a:lstStyle/>
-          <a:p>
-            <a:pPr algn="ctr"/>
-            <a:r>
-              <a:rPr lang="ko-KR" altLang="en-US" sz="2000" b="1" dirty="0">
-                <a:effectLst>
-                  <a:outerShdw blurRad="38100" dist="38100" dir="2700000" algn="tl">
-                    <a:srgbClr val="000000">
-                      <a:alpha val="43137"/>
-                    </a:srgbClr>
-                  </a:outerShdw>
-                </a:effectLst>
-              </a:rPr>
-              <a:t>프로젝트 선택창</a:t>
-            </a:r>
-          </a:p>
-        </p:txBody>
-      </p:sp>
-      <p:sp>
-        <p:nvSpPr>
-          <p:cNvPr id="52" name="사각형: 둥근 모서리 51">
-            <a:extLst>
-              <a:ext uri="{FF2B5EF4-FFF2-40B4-BE49-F238E27FC236}">
-                <a16:creationId xmlns:a16="http://schemas.microsoft.com/office/drawing/2014/main" id="{A3AE165E-FF7A-84B9-C000-34D0E5BC330D}"/>
-              </a:ext>
-            </a:extLst>
-          </p:cNvPr>
-          <p:cNvSpPr/>
-          <p:nvPr/>
-        </p:nvSpPr>
-        <p:spPr>
-          <a:xfrm>
-            <a:off x="8005734" y="557042"/>
-            <a:ext cx="2165131" cy="635601"/>
-          </a:xfrm>
-          <a:prstGeom prst="roundRect">
-            <a:avLst>
-              <a:gd name="adj" fmla="val 15623"/>
-            </a:avLst>
-          </a:prstGeom>
-          <a:solidFill>
-            <a:srgbClr val="1D9A78"/>
-          </a:solidFill>
-        </p:spPr>
-        <p:style>
-          <a:lnRef idx="2">
-            <a:schemeClr val="accent1">
-              <a:shade val="50000"/>
-            </a:schemeClr>
-          </a:lnRef>
-          <a:fillRef idx="1">
-            <a:schemeClr val="accent1"/>
-          </a:fillRef>
-          <a:effectRef idx="0">
-            <a:schemeClr val="accent1"/>
-          </a:effectRef>
-          <a:fontRef idx="minor">
-            <a:schemeClr val="lt1"/>
-          </a:fontRef>
-        </p:style>
-        <p:txBody>
-          <a:bodyPr rtlCol="0" anchor="ctr"/>
-          <a:lstStyle/>
-          <a:p>
-            <a:pPr algn="ctr"/>
-            <a:r>
-              <a:rPr lang="ko-KR" altLang="en-US" sz="2500" b="1" dirty="0">
-                <a:effectLst>
-                  <a:outerShdw blurRad="38100" dist="38100" dir="2700000" algn="tl">
-                    <a:srgbClr val="000000">
-                      <a:alpha val="43137"/>
-                    </a:srgbClr>
-                  </a:outerShdw>
-                </a:effectLst>
-              </a:rPr>
-              <a:t>프로젝트 창</a:t>
-            </a:r>
-          </a:p>
-        </p:txBody>
-      </p:sp>
-      <p:sp>
-        <p:nvSpPr>
-          <p:cNvPr id="53" name="사각형: 둥근 모서리 52">
-            <a:extLst>
-              <a:ext uri="{FF2B5EF4-FFF2-40B4-BE49-F238E27FC236}">
-                <a16:creationId xmlns:a16="http://schemas.microsoft.com/office/drawing/2014/main" id="{D87B9832-294A-B921-59B5-80B22F69B700}"/>
-              </a:ext>
-            </a:extLst>
-          </p:cNvPr>
-          <p:cNvSpPr/>
-          <p:nvPr/>
-        </p:nvSpPr>
-        <p:spPr>
-          <a:xfrm>
-            <a:off x="2128344" y="3570463"/>
-            <a:ext cx="2165131" cy="635601"/>
-          </a:xfrm>
-          <a:prstGeom prst="roundRect">
-            <a:avLst>
-              <a:gd name="adj" fmla="val 15623"/>
-            </a:avLst>
-          </a:prstGeom>
-          <a:solidFill>
-            <a:srgbClr val="1D9A78"/>
-          </a:solidFill>
-        </p:spPr>
-        <p:style>
-          <a:lnRef idx="2">
-            <a:schemeClr val="accent1">
-              <a:shade val="50000"/>
-            </a:schemeClr>
-          </a:lnRef>
-          <a:fillRef idx="1">
-            <a:schemeClr val="accent1"/>
-          </a:fillRef>
-          <a:effectRef idx="0">
-            <a:schemeClr val="accent1"/>
-          </a:effectRef>
-          <a:fontRef idx="minor">
-            <a:schemeClr val="lt1"/>
-          </a:fontRef>
-        </p:style>
-        <p:txBody>
-          <a:bodyPr rtlCol="0" anchor="ctr"/>
-          <a:lstStyle/>
-          <a:p>
-            <a:pPr algn="ctr"/>
-            <a:r>
-              <a:rPr lang="ko-KR" altLang="en-US" sz="2500" b="1" dirty="0">
-                <a:effectLst>
-                  <a:outerShdw blurRad="38100" dist="38100" dir="2700000" algn="tl">
-                    <a:srgbClr val="000000">
-                      <a:alpha val="43137"/>
-                    </a:srgbClr>
-                  </a:outerShdw>
-                </a:effectLst>
-              </a:rPr>
-              <a:t>문서 창</a:t>
-            </a:r>
-          </a:p>
-        </p:txBody>
-      </p:sp>
-      <p:sp>
-        <p:nvSpPr>
-          <p:cNvPr id="54" name="사각형: 둥근 모서리 53">
-            <a:extLst>
-              <a:ext uri="{FF2B5EF4-FFF2-40B4-BE49-F238E27FC236}">
-                <a16:creationId xmlns:a16="http://schemas.microsoft.com/office/drawing/2014/main" id="{06977E4E-1F6B-6C83-3CD2-78DE12D79EE7}"/>
-              </a:ext>
-            </a:extLst>
-          </p:cNvPr>
-          <p:cNvSpPr/>
-          <p:nvPr/>
-        </p:nvSpPr>
-        <p:spPr>
-          <a:xfrm>
-            <a:off x="2810717" y="1419167"/>
-            <a:ext cx="1466993" cy="430654"/>
-          </a:xfrm>
-          <a:prstGeom prst="roundRect">
-            <a:avLst>
-              <a:gd name="adj" fmla="val 15623"/>
-            </a:avLst>
-          </a:prstGeom>
-          <a:solidFill>
-            <a:srgbClr val="7BAA3C"/>
-          </a:solidFill>
-        </p:spPr>
-        <p:style>
-          <a:lnRef idx="2">
-            <a:schemeClr val="accent1">
-              <a:shade val="50000"/>
-            </a:schemeClr>
-          </a:lnRef>
-          <a:fillRef idx="1">
-            <a:schemeClr val="accent1"/>
-          </a:fillRef>
-          <a:effectRef idx="0">
-            <a:schemeClr val="accent1"/>
-          </a:effectRef>
-          <a:fontRef idx="minor">
-            <a:schemeClr val="lt1"/>
-          </a:fontRef>
-        </p:style>
-        <p:txBody>
-          <a:bodyPr rtlCol="0" anchor="ctr"/>
-          <a:lstStyle/>
-          <a:p>
-            <a:pPr algn="ctr"/>
-            <a:r>
-              <a:rPr lang="ko-KR" altLang="en-US" sz="2000" b="1">
-                <a:effectLst>
-                  <a:outerShdw blurRad="38100" dist="38100" dir="2700000" algn="tl">
-                    <a:srgbClr val="000000">
-                      <a:alpha val="43137"/>
-                    </a:srgbClr>
-                  </a:outerShdw>
-                </a:effectLst>
-              </a:rPr>
-              <a:t>로그인</a:t>
-            </a:r>
-            <a:endParaRPr lang="ko-KR" altLang="en-US" sz="2000" b="1" dirty="0">
-              <a:effectLst>
-                <a:outerShdw blurRad="38100" dist="38100" dir="2700000" algn="tl">
-                  <a:srgbClr val="000000">
-                    <a:alpha val="43137"/>
-                  </a:srgbClr>
-                </a:outerShdw>
-              </a:effectLst>
-            </a:endParaRPr>
-          </a:p>
-        </p:txBody>
-      </p:sp>
-      <p:sp>
-        <p:nvSpPr>
-          <p:cNvPr id="55" name="사각형: 둥근 모서리 54">
-            <a:extLst>
-              <a:ext uri="{FF2B5EF4-FFF2-40B4-BE49-F238E27FC236}">
-                <a16:creationId xmlns:a16="http://schemas.microsoft.com/office/drawing/2014/main" id="{821613AE-90D0-9ED1-5AEB-69363B46C093}"/>
-              </a:ext>
-            </a:extLst>
-          </p:cNvPr>
-          <p:cNvSpPr/>
-          <p:nvPr/>
-        </p:nvSpPr>
-        <p:spPr>
-          <a:xfrm>
-            <a:off x="2810717" y="2023512"/>
-            <a:ext cx="1466993" cy="430654"/>
-          </a:xfrm>
-          <a:prstGeom prst="roundRect">
-            <a:avLst>
-              <a:gd name="adj" fmla="val 15623"/>
-            </a:avLst>
-          </a:prstGeom>
-          <a:solidFill>
-            <a:srgbClr val="7BAA3C"/>
-          </a:solidFill>
-        </p:spPr>
-        <p:style>
-          <a:lnRef idx="2">
-            <a:schemeClr val="accent1">
-              <a:shade val="50000"/>
-            </a:schemeClr>
-          </a:lnRef>
-          <a:fillRef idx="1">
-            <a:schemeClr val="accent1"/>
-          </a:fillRef>
-          <a:effectRef idx="0">
-            <a:schemeClr val="accent1"/>
-          </a:effectRef>
-          <a:fontRef idx="minor">
-            <a:schemeClr val="lt1"/>
-          </a:fontRef>
-        </p:style>
-        <p:txBody>
-          <a:bodyPr rtlCol="0" anchor="ctr"/>
-          <a:lstStyle/>
-          <a:p>
-            <a:pPr algn="ctr"/>
-            <a:r>
-              <a:rPr lang="ko-KR" altLang="en-US" sz="2000" b="1" dirty="0">
-                <a:effectLst>
-                  <a:outerShdw blurRad="38100" dist="38100" dir="2700000" algn="tl">
-                    <a:srgbClr val="000000">
-                      <a:alpha val="43137"/>
-                    </a:srgbClr>
-                  </a:outerShdw>
-                </a:effectLst>
-              </a:rPr>
-              <a:t>회원가입</a:t>
-            </a:r>
-          </a:p>
-        </p:txBody>
-      </p:sp>
-      <p:sp>
-        <p:nvSpPr>
-          <p:cNvPr id="56" name="사각형: 둥근 모서리 55">
-            <a:extLst>
-              <a:ext uri="{FF2B5EF4-FFF2-40B4-BE49-F238E27FC236}">
-                <a16:creationId xmlns:a16="http://schemas.microsoft.com/office/drawing/2014/main" id="{52DAE9B0-2D99-E32C-6B1E-C6046636503F}"/>
-              </a:ext>
-            </a:extLst>
-          </p:cNvPr>
-          <p:cNvSpPr/>
-          <p:nvPr/>
-        </p:nvSpPr>
-        <p:spPr>
-          <a:xfrm>
-            <a:off x="2826482" y="2627857"/>
-            <a:ext cx="1466993" cy="430654"/>
-          </a:xfrm>
-          <a:prstGeom prst="roundRect">
-            <a:avLst>
-              <a:gd name="adj" fmla="val 15623"/>
-            </a:avLst>
-          </a:prstGeom>
-          <a:solidFill>
-            <a:srgbClr val="7BAA3C"/>
-          </a:solidFill>
-        </p:spPr>
-        <p:style>
-          <a:lnRef idx="2">
-            <a:schemeClr val="accent1">
-              <a:shade val="50000"/>
-            </a:schemeClr>
-          </a:lnRef>
-          <a:fillRef idx="1">
-            <a:schemeClr val="accent1"/>
-          </a:fillRef>
-          <a:effectRef idx="0">
-            <a:schemeClr val="accent1"/>
-          </a:effectRef>
-          <a:fontRef idx="minor">
-            <a:schemeClr val="lt1"/>
-          </a:fontRef>
-        </p:style>
-        <p:txBody>
-          <a:bodyPr rtlCol="0" anchor="ctr"/>
-          <a:lstStyle/>
-          <a:p>
-            <a:pPr algn="ctr"/>
-            <a:r>
-              <a:rPr lang="ko-KR" altLang="en-US" sz="2000" b="1" dirty="0">
-                <a:effectLst>
-                  <a:outerShdw blurRad="38100" dist="38100" dir="2700000" algn="tl">
-                    <a:srgbClr val="000000">
-                      <a:alpha val="43137"/>
-                    </a:srgbClr>
-                  </a:outerShdw>
-                </a:effectLst>
-              </a:rPr>
-              <a:t>정보 수정</a:t>
-            </a:r>
-          </a:p>
-        </p:txBody>
-      </p:sp>
-      <p:sp>
-        <p:nvSpPr>
-          <p:cNvPr id="57" name="사각형: 둥근 모서리 56">
-            <a:extLst>
-              <a:ext uri="{FF2B5EF4-FFF2-40B4-BE49-F238E27FC236}">
-                <a16:creationId xmlns:a16="http://schemas.microsoft.com/office/drawing/2014/main" id="{381ACC84-EEF7-022B-D39A-38F619AB39A6}"/>
-              </a:ext>
-            </a:extLst>
-          </p:cNvPr>
-          <p:cNvSpPr/>
-          <p:nvPr/>
-        </p:nvSpPr>
-        <p:spPr>
-          <a:xfrm>
-            <a:off x="5518266" y="1419167"/>
-            <a:ext cx="1466993" cy="430654"/>
-          </a:xfrm>
-          <a:prstGeom prst="roundRect">
-            <a:avLst>
-              <a:gd name="adj" fmla="val 15623"/>
-            </a:avLst>
-          </a:prstGeom>
-          <a:solidFill>
-            <a:srgbClr val="7BAA3C"/>
-          </a:solidFill>
-        </p:spPr>
-        <p:style>
-          <a:lnRef idx="2">
-            <a:schemeClr val="accent1">
-              <a:shade val="50000"/>
-            </a:schemeClr>
-          </a:lnRef>
-          <a:fillRef idx="1">
-            <a:schemeClr val="accent1"/>
-          </a:fillRef>
-          <a:effectRef idx="0">
-            <a:schemeClr val="accent1"/>
-          </a:effectRef>
-          <a:fontRef idx="minor">
-            <a:schemeClr val="lt1"/>
-          </a:fontRef>
-        </p:style>
-        <p:txBody>
-          <a:bodyPr rtlCol="0" anchor="ctr"/>
-          <a:lstStyle/>
-          <a:p>
-            <a:pPr algn="ctr"/>
-            <a:r>
-              <a:rPr lang="ko-KR" altLang="en-US" sz="2000" b="1" dirty="0">
-                <a:effectLst>
-                  <a:outerShdw blurRad="38100" dist="38100" dir="2700000" algn="tl">
-                    <a:srgbClr val="000000">
-                      <a:alpha val="43137"/>
-                    </a:srgbClr>
-                  </a:outerShdw>
-                </a:effectLst>
-              </a:rPr>
-              <a:t>읽기 전용</a:t>
-            </a:r>
-          </a:p>
-        </p:txBody>
-      </p:sp>
-      <p:sp>
-        <p:nvSpPr>
-          <p:cNvPr id="58" name="사각형: 둥근 모서리 57">
-            <a:extLst>
-              <a:ext uri="{FF2B5EF4-FFF2-40B4-BE49-F238E27FC236}">
-                <a16:creationId xmlns:a16="http://schemas.microsoft.com/office/drawing/2014/main" id="{53174CC8-E3B1-BC5F-CE59-B497DE2DB4C4}"/>
-              </a:ext>
-            </a:extLst>
-          </p:cNvPr>
-          <p:cNvSpPr/>
-          <p:nvPr/>
-        </p:nvSpPr>
-        <p:spPr>
-          <a:xfrm>
-            <a:off x="5518266" y="2054624"/>
-            <a:ext cx="1466993" cy="430654"/>
-          </a:xfrm>
-          <a:prstGeom prst="roundRect">
-            <a:avLst>
-              <a:gd name="adj" fmla="val 15623"/>
-            </a:avLst>
-          </a:prstGeom>
-          <a:solidFill>
-            <a:srgbClr val="7BAA3C"/>
-          </a:solidFill>
-        </p:spPr>
-        <p:style>
-          <a:lnRef idx="2">
-            <a:schemeClr val="accent1">
-              <a:shade val="50000"/>
-            </a:schemeClr>
-          </a:lnRef>
-          <a:fillRef idx="1">
-            <a:schemeClr val="accent1"/>
-          </a:fillRef>
-          <a:effectRef idx="0">
-            <a:schemeClr val="accent1"/>
-          </a:effectRef>
-          <a:fontRef idx="minor">
-            <a:schemeClr val="lt1"/>
-          </a:fontRef>
-        </p:style>
-        <p:txBody>
-          <a:bodyPr rtlCol="0" anchor="ctr"/>
-          <a:lstStyle/>
-          <a:p>
-            <a:pPr algn="ctr"/>
-            <a:r>
-              <a:rPr lang="ko-KR" altLang="en-US" sz="2000" b="1" dirty="0">
-                <a:effectLst>
-                  <a:outerShdw blurRad="38100" dist="38100" dir="2700000" algn="tl">
-                    <a:srgbClr val="000000">
-                      <a:alpha val="43137"/>
-                    </a:srgbClr>
-                  </a:outerShdw>
-                </a:effectLst>
-              </a:rPr>
-              <a:t>편집 전용</a:t>
-            </a:r>
-          </a:p>
-        </p:txBody>
-      </p:sp>
-      <p:sp>
-        <p:nvSpPr>
-          <p:cNvPr id="59" name="사각형: 둥근 모서리 58">
-            <a:extLst>
-              <a:ext uri="{FF2B5EF4-FFF2-40B4-BE49-F238E27FC236}">
-                <a16:creationId xmlns:a16="http://schemas.microsoft.com/office/drawing/2014/main" id="{D2F9F16F-D2ED-DD9E-3D43-8FCF3BDC6149}"/>
-              </a:ext>
-            </a:extLst>
-          </p:cNvPr>
-          <p:cNvSpPr/>
-          <p:nvPr/>
-        </p:nvSpPr>
-        <p:spPr>
-          <a:xfrm>
-            <a:off x="5518265" y="2717057"/>
-            <a:ext cx="1466993" cy="430654"/>
-          </a:xfrm>
-          <a:prstGeom prst="roundRect">
-            <a:avLst>
-              <a:gd name="adj" fmla="val 15623"/>
-            </a:avLst>
-          </a:prstGeom>
-          <a:solidFill>
-            <a:srgbClr val="7BAA3C"/>
-          </a:solidFill>
-        </p:spPr>
-        <p:style>
-          <a:lnRef idx="2">
-            <a:schemeClr val="accent1">
-              <a:shade val="50000"/>
-            </a:schemeClr>
-          </a:lnRef>
-          <a:fillRef idx="1">
-            <a:schemeClr val="accent1"/>
-          </a:fillRef>
-          <a:effectRef idx="0">
-            <a:schemeClr val="accent1"/>
-          </a:effectRef>
-          <a:fontRef idx="minor">
-            <a:schemeClr val="lt1"/>
-          </a:fontRef>
-        </p:style>
-        <p:txBody>
-          <a:bodyPr rtlCol="0" anchor="ctr"/>
-          <a:lstStyle/>
-          <a:p>
-            <a:pPr algn="ctr"/>
-            <a:r>
-              <a:rPr lang="ko-KR" altLang="en-US" sz="2000" b="1" dirty="0">
-                <a:effectLst>
-                  <a:outerShdw blurRad="38100" dist="38100" dir="2700000" algn="tl">
-                    <a:srgbClr val="000000">
-                      <a:alpha val="43137"/>
-                    </a:srgbClr>
-                  </a:outerShdw>
-                </a:effectLst>
-              </a:rPr>
-              <a:t>초대 확인</a:t>
-            </a:r>
-          </a:p>
-        </p:txBody>
-      </p:sp>
-      <p:sp>
-        <p:nvSpPr>
-          <p:cNvPr id="60" name="사각형: 둥근 모서리 59">
-            <a:extLst>
-              <a:ext uri="{FF2B5EF4-FFF2-40B4-BE49-F238E27FC236}">
-                <a16:creationId xmlns:a16="http://schemas.microsoft.com/office/drawing/2014/main" id="{BA859C46-CB0C-D7DC-8A85-47FF6453BFB0}"/>
-              </a:ext>
-            </a:extLst>
-          </p:cNvPr>
-          <p:cNvSpPr/>
-          <p:nvPr/>
-        </p:nvSpPr>
-        <p:spPr>
-          <a:xfrm>
-            <a:off x="8709129" y="1419166"/>
-            <a:ext cx="1466993" cy="430654"/>
-          </a:xfrm>
-          <a:prstGeom prst="roundRect">
-            <a:avLst>
-              <a:gd name="adj" fmla="val 15623"/>
-            </a:avLst>
-          </a:prstGeom>
-          <a:solidFill>
-            <a:srgbClr val="7BAA3C"/>
-          </a:solidFill>
-        </p:spPr>
-        <p:style>
-          <a:lnRef idx="2">
-            <a:schemeClr val="accent1">
-              <a:shade val="50000"/>
-            </a:schemeClr>
-          </a:lnRef>
-          <a:fillRef idx="1">
-            <a:schemeClr val="accent1"/>
-          </a:fillRef>
-          <a:effectRef idx="0">
-            <a:schemeClr val="accent1"/>
-          </a:effectRef>
-          <a:fontRef idx="minor">
-            <a:schemeClr val="lt1"/>
-          </a:fontRef>
-        </p:style>
-        <p:txBody>
-          <a:bodyPr rtlCol="0" anchor="ctr"/>
-          <a:lstStyle/>
-          <a:p>
-            <a:pPr algn="ctr"/>
-            <a:r>
-              <a:rPr lang="ko-KR" altLang="en-US" sz="2000" b="1" dirty="0">
-                <a:effectLst>
-                  <a:outerShdw blurRad="38100" dist="38100" dir="2700000" algn="tl">
-                    <a:srgbClr val="000000">
-                      <a:alpha val="43137"/>
-                    </a:srgbClr>
-                  </a:outerShdw>
-                </a:effectLst>
-              </a:rPr>
-              <a:t>목표</a:t>
-            </a:r>
-          </a:p>
-        </p:txBody>
-      </p:sp>
-      <p:sp>
-        <p:nvSpPr>
-          <p:cNvPr id="61" name="사각형: 둥근 모서리 60">
-            <a:extLst>
-              <a:ext uri="{FF2B5EF4-FFF2-40B4-BE49-F238E27FC236}">
-                <a16:creationId xmlns:a16="http://schemas.microsoft.com/office/drawing/2014/main" id="{D0B8DDCA-FDF7-E115-4DEA-5EDBBE674398}"/>
-              </a:ext>
-            </a:extLst>
-          </p:cNvPr>
-          <p:cNvSpPr/>
-          <p:nvPr/>
-        </p:nvSpPr>
-        <p:spPr>
-          <a:xfrm>
-            <a:off x="8709129" y="2054623"/>
-            <a:ext cx="1466993" cy="430654"/>
-          </a:xfrm>
-          <a:prstGeom prst="roundRect">
-            <a:avLst>
-              <a:gd name="adj" fmla="val 15623"/>
-            </a:avLst>
-          </a:prstGeom>
-          <a:solidFill>
-            <a:srgbClr val="7BAA3C"/>
-          </a:solidFill>
-        </p:spPr>
-        <p:style>
-          <a:lnRef idx="2">
-            <a:schemeClr val="accent1">
-              <a:shade val="50000"/>
-            </a:schemeClr>
-          </a:lnRef>
-          <a:fillRef idx="1">
-            <a:schemeClr val="accent1"/>
-          </a:fillRef>
-          <a:effectRef idx="0">
-            <a:schemeClr val="accent1"/>
-          </a:effectRef>
-          <a:fontRef idx="minor">
-            <a:schemeClr val="lt1"/>
-          </a:fontRef>
-        </p:style>
-        <p:txBody>
-          <a:bodyPr rtlCol="0" anchor="ctr"/>
-          <a:lstStyle/>
-          <a:p>
-            <a:pPr algn="ctr"/>
-            <a:r>
-              <a:rPr lang="ko-KR" altLang="en-US" sz="2000" b="1" dirty="0">
-                <a:effectLst>
-                  <a:outerShdw blurRad="38100" dist="38100" dir="2700000" algn="tl">
-                    <a:srgbClr val="000000">
-                      <a:alpha val="43137"/>
-                    </a:srgbClr>
-                  </a:outerShdw>
-                </a:effectLst>
-              </a:rPr>
-              <a:t>하위 목표</a:t>
-            </a:r>
-          </a:p>
-        </p:txBody>
-      </p:sp>
-      <p:sp>
-        <p:nvSpPr>
-          <p:cNvPr id="62" name="사각형: 둥근 모서리 61">
-            <a:extLst>
-              <a:ext uri="{FF2B5EF4-FFF2-40B4-BE49-F238E27FC236}">
-                <a16:creationId xmlns:a16="http://schemas.microsoft.com/office/drawing/2014/main" id="{696C2C38-AC00-2227-8BE3-691A9B6FB92C}"/>
-              </a:ext>
-            </a:extLst>
-          </p:cNvPr>
-          <p:cNvSpPr/>
-          <p:nvPr/>
-        </p:nvSpPr>
-        <p:spPr>
-          <a:xfrm>
-            <a:off x="8709128" y="2690080"/>
-            <a:ext cx="1466993" cy="430654"/>
-          </a:xfrm>
-          <a:prstGeom prst="roundRect">
-            <a:avLst>
-              <a:gd name="adj" fmla="val 15623"/>
-            </a:avLst>
-          </a:prstGeom>
-          <a:solidFill>
-            <a:srgbClr val="7BAA3C"/>
-          </a:solidFill>
-        </p:spPr>
-        <p:style>
-          <a:lnRef idx="2">
-            <a:schemeClr val="accent1">
-              <a:shade val="50000"/>
-            </a:schemeClr>
-          </a:lnRef>
-          <a:fillRef idx="1">
-            <a:schemeClr val="accent1"/>
-          </a:fillRef>
-          <a:effectRef idx="0">
-            <a:schemeClr val="accent1"/>
-          </a:effectRef>
-          <a:fontRef idx="minor">
-            <a:schemeClr val="lt1"/>
-          </a:fontRef>
-        </p:style>
-        <p:txBody>
-          <a:bodyPr rtlCol="0" anchor="ctr"/>
-          <a:lstStyle/>
-          <a:p>
-            <a:pPr algn="ctr"/>
-            <a:r>
-              <a:rPr lang="ko-KR" altLang="en-US" sz="2000" b="1" dirty="0">
-                <a:effectLst>
-                  <a:outerShdw blurRad="38100" dist="38100" dir="2700000" algn="tl">
-                    <a:srgbClr val="000000">
-                      <a:alpha val="43137"/>
-                    </a:srgbClr>
-                  </a:outerShdw>
-                </a:effectLst>
-              </a:rPr>
-              <a:t>세부 작업</a:t>
-            </a:r>
-          </a:p>
-        </p:txBody>
-      </p:sp>
-      <p:sp>
-        <p:nvSpPr>
-          <p:cNvPr id="63" name="사각형: 둥근 모서리 62">
-            <a:extLst>
-              <a:ext uri="{FF2B5EF4-FFF2-40B4-BE49-F238E27FC236}">
-                <a16:creationId xmlns:a16="http://schemas.microsoft.com/office/drawing/2014/main" id="{11907755-3D27-D688-A1CE-54B002EB0019}"/>
-              </a:ext>
-            </a:extLst>
-          </p:cNvPr>
-          <p:cNvSpPr/>
-          <p:nvPr/>
-        </p:nvSpPr>
-        <p:spPr>
-          <a:xfrm>
-            <a:off x="8709128" y="3352513"/>
-            <a:ext cx="1466993" cy="430654"/>
-          </a:xfrm>
-          <a:prstGeom prst="roundRect">
-            <a:avLst>
-              <a:gd name="adj" fmla="val 15623"/>
-            </a:avLst>
-          </a:prstGeom>
-          <a:solidFill>
-            <a:srgbClr val="7BAA3C"/>
-          </a:solidFill>
-        </p:spPr>
-        <p:style>
-          <a:lnRef idx="2">
-            <a:schemeClr val="accent1">
-              <a:shade val="50000"/>
-            </a:schemeClr>
-          </a:lnRef>
-          <a:fillRef idx="1">
-            <a:schemeClr val="accent1"/>
-          </a:fillRef>
-          <a:effectRef idx="0">
-            <a:schemeClr val="accent1"/>
-          </a:effectRef>
-          <a:fontRef idx="minor">
-            <a:schemeClr val="lt1"/>
-          </a:fontRef>
-        </p:style>
-        <p:txBody>
-          <a:bodyPr rtlCol="0" anchor="ctr"/>
-          <a:lstStyle/>
-          <a:p>
-            <a:pPr algn="ctr"/>
-            <a:r>
-              <a:rPr lang="ko-KR" altLang="en-US" sz="2000" b="1" dirty="0">
-                <a:effectLst>
-                  <a:outerShdw blurRad="38100" dist="38100" dir="2700000" algn="tl">
-                    <a:srgbClr val="000000">
-                      <a:alpha val="43137"/>
-                    </a:srgbClr>
-                  </a:outerShdw>
-                </a:effectLst>
-              </a:rPr>
-              <a:t>캘린더</a:t>
-            </a:r>
-          </a:p>
-        </p:txBody>
-      </p:sp>
-      <p:sp>
-        <p:nvSpPr>
-          <p:cNvPr id="64" name="사각형: 둥근 모서리 63">
-            <a:extLst>
-              <a:ext uri="{FF2B5EF4-FFF2-40B4-BE49-F238E27FC236}">
-                <a16:creationId xmlns:a16="http://schemas.microsoft.com/office/drawing/2014/main" id="{A01E704C-A8D4-F389-C7E9-49E614ADBDF2}"/>
-              </a:ext>
-            </a:extLst>
-          </p:cNvPr>
-          <p:cNvSpPr/>
-          <p:nvPr/>
-        </p:nvSpPr>
-        <p:spPr>
-          <a:xfrm>
-            <a:off x="8709128" y="4014945"/>
-            <a:ext cx="1466993" cy="430654"/>
-          </a:xfrm>
-          <a:prstGeom prst="roundRect">
-            <a:avLst>
-              <a:gd name="adj" fmla="val 15623"/>
-            </a:avLst>
-          </a:prstGeom>
-          <a:solidFill>
-            <a:srgbClr val="7BAA3C"/>
-          </a:solidFill>
-        </p:spPr>
-        <p:style>
-          <a:lnRef idx="2">
-            <a:schemeClr val="accent1">
-              <a:shade val="50000"/>
-            </a:schemeClr>
-          </a:lnRef>
-          <a:fillRef idx="1">
-            <a:schemeClr val="accent1"/>
-          </a:fillRef>
-          <a:effectRef idx="0">
-            <a:schemeClr val="accent1"/>
-          </a:effectRef>
-          <a:fontRef idx="minor">
-            <a:schemeClr val="lt1"/>
-          </a:fontRef>
-        </p:style>
-        <p:txBody>
-          <a:bodyPr rtlCol="0" anchor="ctr"/>
-          <a:lstStyle/>
-          <a:p>
-            <a:pPr algn="ctr"/>
-            <a:r>
-              <a:rPr lang="ko-KR" altLang="en-US" sz="2000" b="1" dirty="0">
-                <a:effectLst>
-                  <a:outerShdw blurRad="38100" dist="38100" dir="2700000" algn="tl">
-                    <a:srgbClr val="000000">
-                      <a:alpha val="43137"/>
-                    </a:srgbClr>
-                  </a:outerShdw>
-                </a:effectLst>
-              </a:rPr>
-              <a:t>멤버 초대</a:t>
-            </a:r>
-          </a:p>
-        </p:txBody>
-      </p:sp>
-      <p:sp>
-        <p:nvSpPr>
-          <p:cNvPr id="65" name="사각형: 둥근 모서리 64">
-            <a:extLst>
-              <a:ext uri="{FF2B5EF4-FFF2-40B4-BE49-F238E27FC236}">
-                <a16:creationId xmlns:a16="http://schemas.microsoft.com/office/drawing/2014/main" id="{7A4C4118-42A5-1029-6D4A-135051F5BEF2}"/>
-              </a:ext>
-            </a:extLst>
-          </p:cNvPr>
-          <p:cNvSpPr/>
-          <p:nvPr/>
-        </p:nvSpPr>
-        <p:spPr>
-          <a:xfrm>
-            <a:off x="8703872" y="4650546"/>
-            <a:ext cx="1466993" cy="430654"/>
-          </a:xfrm>
-          <a:prstGeom prst="roundRect">
-            <a:avLst>
-              <a:gd name="adj" fmla="val 15623"/>
-            </a:avLst>
-          </a:prstGeom>
-          <a:solidFill>
-            <a:srgbClr val="7BAA3C"/>
-          </a:solidFill>
-        </p:spPr>
-        <p:style>
-          <a:lnRef idx="2">
-            <a:schemeClr val="accent1">
-              <a:shade val="50000"/>
-            </a:schemeClr>
-          </a:lnRef>
-          <a:fillRef idx="1">
-            <a:schemeClr val="accent1"/>
-          </a:fillRef>
-          <a:effectRef idx="0">
-            <a:schemeClr val="accent1"/>
-          </a:effectRef>
-          <a:fontRef idx="minor">
-            <a:schemeClr val="lt1"/>
-          </a:fontRef>
-        </p:style>
-        <p:txBody>
-          <a:bodyPr rtlCol="0" anchor="ctr"/>
-          <a:lstStyle/>
-          <a:p>
-            <a:pPr algn="ctr"/>
-            <a:r>
-              <a:rPr lang="ko-KR" altLang="en-US" sz="2000" b="1" dirty="0">
-                <a:effectLst>
-                  <a:outerShdw blurRad="38100" dist="38100" dir="2700000" algn="tl">
-                    <a:srgbClr val="000000">
-                      <a:alpha val="43137"/>
-                    </a:srgbClr>
-                  </a:outerShdw>
-                </a:effectLst>
-              </a:rPr>
-              <a:t>상태 표시</a:t>
-            </a:r>
-          </a:p>
-        </p:txBody>
-      </p:sp>
-      <p:sp>
-        <p:nvSpPr>
-          <p:cNvPr id="66" name="사각형: 둥근 모서리 65">
-            <a:extLst>
-              <a:ext uri="{FF2B5EF4-FFF2-40B4-BE49-F238E27FC236}">
-                <a16:creationId xmlns:a16="http://schemas.microsoft.com/office/drawing/2014/main" id="{7DEEC610-AF0D-B78A-2FD2-E25D869D14E2}"/>
-              </a:ext>
-            </a:extLst>
-          </p:cNvPr>
-          <p:cNvSpPr/>
-          <p:nvPr/>
-        </p:nvSpPr>
-        <p:spPr>
-          <a:xfrm>
-            <a:off x="10663555" y="2690080"/>
-            <a:ext cx="1466993" cy="430654"/>
-          </a:xfrm>
-          <a:prstGeom prst="roundRect">
-            <a:avLst>
-              <a:gd name="adj" fmla="val 15623"/>
-            </a:avLst>
-          </a:prstGeom>
-          <a:solidFill>
-            <a:srgbClr val="3AAC42"/>
-          </a:solidFill>
-        </p:spPr>
-        <p:style>
-          <a:lnRef idx="2">
-            <a:schemeClr val="accent1">
-              <a:shade val="50000"/>
-            </a:schemeClr>
-          </a:lnRef>
-          <a:fillRef idx="1">
-            <a:schemeClr val="accent1"/>
-          </a:fillRef>
-          <a:effectRef idx="0">
-            <a:schemeClr val="accent1"/>
-          </a:effectRef>
-          <a:fontRef idx="minor">
-            <a:schemeClr val="lt1"/>
-          </a:fontRef>
-        </p:style>
-        <p:txBody>
-          <a:bodyPr rtlCol="0" anchor="ctr"/>
-          <a:lstStyle/>
-          <a:p>
-            <a:pPr algn="ctr"/>
-            <a:r>
-              <a:rPr lang="ko-KR" altLang="en-US" b="1" dirty="0">
-                <a:effectLst>
-                  <a:outerShdw blurRad="38100" dist="38100" dir="2700000" algn="tl">
-                    <a:srgbClr val="000000">
-                      <a:alpha val="43137"/>
-                    </a:srgbClr>
-                  </a:outerShdw>
-                </a:effectLst>
-              </a:rPr>
-              <a:t>댓글</a:t>
-            </a:r>
-          </a:p>
-        </p:txBody>
-      </p:sp>
-      <p:cxnSp>
-        <p:nvCxnSpPr>
-          <p:cNvPr id="67" name="직선 연결선 66">
-            <a:extLst>
-              <a:ext uri="{FF2B5EF4-FFF2-40B4-BE49-F238E27FC236}">
-                <a16:creationId xmlns:a16="http://schemas.microsoft.com/office/drawing/2014/main" id="{86068A42-F644-616C-D3C0-B3226979DD25}"/>
-              </a:ext>
-            </a:extLst>
-          </p:cNvPr>
-          <p:cNvCxnSpPr>
-            <a:cxnSpLocks/>
-          </p:cNvCxnSpPr>
-          <p:nvPr/>
-        </p:nvCxnSpPr>
-        <p:spPr>
-          <a:xfrm>
-            <a:off x="2333297" y="1192644"/>
-            <a:ext cx="493" cy="1682715"/>
-          </a:xfrm>
-          <a:prstGeom prst="line">
-            <a:avLst/>
-          </a:prstGeom>
-          <a:ln w="38100">
-            <a:solidFill>
-              <a:schemeClr val="accent1">
-                <a:lumMod val="50000"/>
-              </a:schemeClr>
-            </a:solidFill>
-          </a:ln>
-        </p:spPr>
-        <p:style>
-          <a:lnRef idx="1">
-            <a:schemeClr val="accent1"/>
-          </a:lnRef>
-          <a:fillRef idx="0">
-            <a:schemeClr val="accent1"/>
-          </a:fillRef>
-          <a:effectRef idx="0">
-            <a:schemeClr val="accent1"/>
-          </a:effectRef>
-          <a:fontRef idx="minor">
-            <a:schemeClr val="tx1"/>
-          </a:fontRef>
-        </p:style>
-      </p:cxnSp>
-      <p:cxnSp>
-        <p:nvCxnSpPr>
-          <p:cNvPr id="68" name="직선 연결선 67">
-            <a:extLst>
-              <a:ext uri="{FF2B5EF4-FFF2-40B4-BE49-F238E27FC236}">
-                <a16:creationId xmlns:a16="http://schemas.microsoft.com/office/drawing/2014/main" id="{91095343-11FB-EBF1-5DE0-D6AA0235CBEC}"/>
-              </a:ext>
-            </a:extLst>
-          </p:cNvPr>
-          <p:cNvCxnSpPr>
-            <a:cxnSpLocks/>
-            <a:stCxn id="54" idx="1"/>
-          </p:cNvCxnSpPr>
-          <p:nvPr/>
-        </p:nvCxnSpPr>
-        <p:spPr>
-          <a:xfrm flipH="1">
-            <a:off x="2318025" y="1634494"/>
-            <a:ext cx="492692" cy="0"/>
-          </a:xfrm>
-          <a:prstGeom prst="line">
-            <a:avLst/>
-          </a:prstGeom>
-          <a:ln w="38100">
-            <a:solidFill>
-              <a:schemeClr val="accent1">
-                <a:lumMod val="50000"/>
-              </a:schemeClr>
-            </a:solidFill>
-          </a:ln>
-        </p:spPr>
-        <p:style>
-          <a:lnRef idx="1">
-            <a:schemeClr val="accent1"/>
-          </a:lnRef>
-          <a:fillRef idx="0">
-            <a:schemeClr val="accent1"/>
-          </a:fillRef>
-          <a:effectRef idx="0">
-            <a:schemeClr val="accent1"/>
-          </a:effectRef>
-          <a:fontRef idx="minor">
-            <a:schemeClr val="tx1"/>
-          </a:fontRef>
-        </p:style>
-      </p:cxnSp>
-      <p:cxnSp>
-        <p:nvCxnSpPr>
-          <p:cNvPr id="69" name="직선 연결선 68">
-            <a:extLst>
-              <a:ext uri="{FF2B5EF4-FFF2-40B4-BE49-F238E27FC236}">
-                <a16:creationId xmlns:a16="http://schemas.microsoft.com/office/drawing/2014/main" id="{C9C1C5EB-82BA-31CE-277C-55846A241835}"/>
-              </a:ext>
-            </a:extLst>
-          </p:cNvPr>
-          <p:cNvCxnSpPr>
-            <a:cxnSpLocks/>
-          </p:cNvCxnSpPr>
-          <p:nvPr/>
-        </p:nvCxnSpPr>
-        <p:spPr>
-          <a:xfrm flipH="1">
-            <a:off x="2316627" y="2238839"/>
-            <a:ext cx="492692" cy="0"/>
-          </a:xfrm>
-          <a:prstGeom prst="line">
-            <a:avLst/>
-          </a:prstGeom>
-          <a:ln w="38100">
-            <a:solidFill>
-              <a:schemeClr val="accent1">
-                <a:lumMod val="50000"/>
-              </a:schemeClr>
-            </a:solidFill>
-          </a:ln>
-        </p:spPr>
-        <p:style>
-          <a:lnRef idx="1">
-            <a:schemeClr val="accent1"/>
-          </a:lnRef>
-          <a:fillRef idx="0">
-            <a:schemeClr val="accent1"/>
-          </a:fillRef>
-          <a:effectRef idx="0">
-            <a:schemeClr val="accent1"/>
-          </a:effectRef>
-          <a:fontRef idx="minor">
-            <a:schemeClr val="tx1"/>
-          </a:fontRef>
-        </p:style>
-      </p:cxnSp>
-      <p:cxnSp>
-        <p:nvCxnSpPr>
-          <p:cNvPr id="70" name="직선 연결선 69">
-            <a:extLst>
-              <a:ext uri="{FF2B5EF4-FFF2-40B4-BE49-F238E27FC236}">
-                <a16:creationId xmlns:a16="http://schemas.microsoft.com/office/drawing/2014/main" id="{57217C60-4BCB-BA37-0A60-3C5457E12CB9}"/>
-              </a:ext>
-            </a:extLst>
-          </p:cNvPr>
-          <p:cNvCxnSpPr>
-            <a:cxnSpLocks/>
-          </p:cNvCxnSpPr>
-          <p:nvPr/>
-        </p:nvCxnSpPr>
-        <p:spPr>
-          <a:xfrm flipH="1">
-            <a:off x="2333790" y="2862726"/>
-            <a:ext cx="492692" cy="0"/>
-          </a:xfrm>
-          <a:prstGeom prst="line">
-            <a:avLst/>
-          </a:prstGeom>
-          <a:ln w="38100">
-            <a:solidFill>
-              <a:schemeClr val="accent1">
-                <a:lumMod val="50000"/>
-              </a:schemeClr>
-            </a:solidFill>
-          </a:ln>
-        </p:spPr>
-        <p:style>
-          <a:lnRef idx="1">
-            <a:schemeClr val="accent1"/>
-          </a:lnRef>
-          <a:fillRef idx="0">
-            <a:schemeClr val="accent1"/>
-          </a:fillRef>
-          <a:effectRef idx="0">
-            <a:schemeClr val="accent1"/>
-          </a:effectRef>
-          <a:fontRef idx="minor">
-            <a:schemeClr val="tx1"/>
-          </a:fontRef>
-        </p:style>
-      </p:cxnSp>
-      <p:cxnSp>
-        <p:nvCxnSpPr>
-          <p:cNvPr id="71" name="직선 연결선 70">
-            <a:extLst>
-              <a:ext uri="{FF2B5EF4-FFF2-40B4-BE49-F238E27FC236}">
-                <a16:creationId xmlns:a16="http://schemas.microsoft.com/office/drawing/2014/main" id="{F8C3B0F9-CDB3-D91D-A9A3-FAE5E67E189A}"/>
-              </a:ext>
-            </a:extLst>
-          </p:cNvPr>
-          <p:cNvCxnSpPr>
-            <a:cxnSpLocks/>
-          </p:cNvCxnSpPr>
-          <p:nvPr/>
-        </p:nvCxnSpPr>
-        <p:spPr>
-          <a:xfrm>
-            <a:off x="5026972" y="1213266"/>
-            <a:ext cx="493" cy="1682715"/>
-          </a:xfrm>
-          <a:prstGeom prst="line">
-            <a:avLst/>
-          </a:prstGeom>
-          <a:ln w="38100">
-            <a:solidFill>
-              <a:schemeClr val="accent1">
-                <a:lumMod val="50000"/>
-              </a:schemeClr>
-            </a:solidFill>
-          </a:ln>
-        </p:spPr>
-        <p:style>
-          <a:lnRef idx="1">
-            <a:schemeClr val="accent1"/>
-          </a:lnRef>
-          <a:fillRef idx="0">
-            <a:schemeClr val="accent1"/>
-          </a:fillRef>
-          <a:effectRef idx="0">
-            <a:schemeClr val="accent1"/>
-          </a:effectRef>
-          <a:fontRef idx="minor">
-            <a:schemeClr val="tx1"/>
-          </a:fontRef>
-        </p:style>
-      </p:cxnSp>
-      <p:cxnSp>
-        <p:nvCxnSpPr>
-          <p:cNvPr id="72" name="직선 연결선 71">
-            <a:extLst>
-              <a:ext uri="{FF2B5EF4-FFF2-40B4-BE49-F238E27FC236}">
-                <a16:creationId xmlns:a16="http://schemas.microsoft.com/office/drawing/2014/main" id="{3EF0E5D0-DE5F-F838-19A0-18D17EDC0D21}"/>
-              </a:ext>
-            </a:extLst>
-          </p:cNvPr>
-          <p:cNvCxnSpPr>
-            <a:cxnSpLocks/>
-          </p:cNvCxnSpPr>
-          <p:nvPr/>
-        </p:nvCxnSpPr>
-        <p:spPr>
-          <a:xfrm flipH="1">
-            <a:off x="5011700" y="1655116"/>
-            <a:ext cx="492692" cy="0"/>
-          </a:xfrm>
-          <a:prstGeom prst="line">
-            <a:avLst/>
-          </a:prstGeom>
-          <a:ln w="38100">
-            <a:solidFill>
-              <a:schemeClr val="accent1">
-                <a:lumMod val="50000"/>
-              </a:schemeClr>
-            </a:solidFill>
-          </a:ln>
-        </p:spPr>
-        <p:style>
-          <a:lnRef idx="1">
-            <a:schemeClr val="accent1"/>
-          </a:lnRef>
-          <a:fillRef idx="0">
-            <a:schemeClr val="accent1"/>
-          </a:fillRef>
-          <a:effectRef idx="0">
-            <a:schemeClr val="accent1"/>
-          </a:effectRef>
-          <a:fontRef idx="minor">
-            <a:schemeClr val="tx1"/>
-          </a:fontRef>
-        </p:style>
-      </p:cxnSp>
-      <p:cxnSp>
-        <p:nvCxnSpPr>
-          <p:cNvPr id="73" name="직선 연결선 72">
-            <a:extLst>
-              <a:ext uri="{FF2B5EF4-FFF2-40B4-BE49-F238E27FC236}">
-                <a16:creationId xmlns:a16="http://schemas.microsoft.com/office/drawing/2014/main" id="{6313B5C3-2461-88BD-F8B3-D73337190044}"/>
-              </a:ext>
-            </a:extLst>
-          </p:cNvPr>
-          <p:cNvCxnSpPr>
-            <a:cxnSpLocks/>
-          </p:cNvCxnSpPr>
-          <p:nvPr/>
-        </p:nvCxnSpPr>
-        <p:spPr>
-          <a:xfrm flipH="1">
-            <a:off x="5010302" y="2259461"/>
-            <a:ext cx="492692" cy="0"/>
-          </a:xfrm>
-          <a:prstGeom prst="line">
-            <a:avLst/>
-          </a:prstGeom>
-          <a:ln w="38100">
-            <a:solidFill>
-              <a:schemeClr val="accent1">
-                <a:lumMod val="50000"/>
-              </a:schemeClr>
-            </a:solidFill>
-          </a:ln>
-        </p:spPr>
-        <p:style>
-          <a:lnRef idx="1">
-            <a:schemeClr val="accent1"/>
-          </a:lnRef>
-          <a:fillRef idx="0">
-            <a:schemeClr val="accent1"/>
-          </a:fillRef>
-          <a:effectRef idx="0">
-            <a:schemeClr val="accent1"/>
-          </a:effectRef>
-          <a:fontRef idx="minor">
-            <a:schemeClr val="tx1"/>
-          </a:fontRef>
-        </p:style>
-      </p:cxnSp>
-      <p:cxnSp>
-        <p:nvCxnSpPr>
-          <p:cNvPr id="74" name="직선 연결선 73">
-            <a:extLst>
-              <a:ext uri="{FF2B5EF4-FFF2-40B4-BE49-F238E27FC236}">
-                <a16:creationId xmlns:a16="http://schemas.microsoft.com/office/drawing/2014/main" id="{EFCE4BA6-0849-D502-A8B7-0515974F16E5}"/>
-              </a:ext>
-            </a:extLst>
-          </p:cNvPr>
-          <p:cNvCxnSpPr>
-            <a:cxnSpLocks/>
-          </p:cNvCxnSpPr>
-          <p:nvPr/>
-        </p:nvCxnSpPr>
-        <p:spPr>
-          <a:xfrm flipH="1">
-            <a:off x="5027465" y="2883348"/>
-            <a:ext cx="492692" cy="0"/>
-          </a:xfrm>
-          <a:prstGeom prst="line">
-            <a:avLst/>
-          </a:prstGeom>
-          <a:ln w="38100">
-            <a:solidFill>
-              <a:schemeClr val="accent1">
-                <a:lumMod val="50000"/>
-              </a:schemeClr>
-            </a:solidFill>
-          </a:ln>
-        </p:spPr>
-        <p:style>
-          <a:lnRef idx="1">
-            <a:schemeClr val="accent1"/>
-          </a:lnRef>
-          <a:fillRef idx="0">
-            <a:schemeClr val="accent1"/>
-          </a:fillRef>
-          <a:effectRef idx="0">
-            <a:schemeClr val="accent1"/>
-          </a:effectRef>
-          <a:fontRef idx="minor">
-            <a:schemeClr val="tx1"/>
-          </a:fontRef>
-        </p:style>
-      </p:cxnSp>
-      <p:cxnSp>
-        <p:nvCxnSpPr>
-          <p:cNvPr id="75" name="직선 연결선 74">
-            <a:extLst>
-              <a:ext uri="{FF2B5EF4-FFF2-40B4-BE49-F238E27FC236}">
-                <a16:creationId xmlns:a16="http://schemas.microsoft.com/office/drawing/2014/main" id="{A4FF6685-AAA1-4051-F704-BE9ACB833611}"/>
-              </a:ext>
-            </a:extLst>
-          </p:cNvPr>
-          <p:cNvCxnSpPr>
-            <a:cxnSpLocks/>
-          </p:cNvCxnSpPr>
-          <p:nvPr/>
-        </p:nvCxnSpPr>
-        <p:spPr>
-          <a:xfrm flipH="1">
-            <a:off x="8174285" y="1192643"/>
-            <a:ext cx="15066" cy="3710350"/>
-          </a:xfrm>
-          <a:prstGeom prst="line">
-            <a:avLst/>
-          </a:prstGeom>
-          <a:ln w="38100">
-            <a:solidFill>
-              <a:schemeClr val="accent1">
-                <a:lumMod val="50000"/>
-              </a:schemeClr>
-            </a:solidFill>
-          </a:ln>
-        </p:spPr>
-        <p:style>
-          <a:lnRef idx="1">
-            <a:schemeClr val="accent1"/>
-          </a:lnRef>
-          <a:fillRef idx="0">
-            <a:schemeClr val="accent1"/>
-          </a:fillRef>
-          <a:effectRef idx="0">
-            <a:schemeClr val="accent1"/>
-          </a:effectRef>
-          <a:fontRef idx="minor">
-            <a:schemeClr val="tx1"/>
-          </a:fontRef>
-        </p:style>
-      </p:cxnSp>
-      <p:cxnSp>
-        <p:nvCxnSpPr>
-          <p:cNvPr id="76" name="직선 연결선 75">
-            <a:extLst>
-              <a:ext uri="{FF2B5EF4-FFF2-40B4-BE49-F238E27FC236}">
-                <a16:creationId xmlns:a16="http://schemas.microsoft.com/office/drawing/2014/main" id="{3271A351-DB69-9CF3-1FBF-A136B7F58364}"/>
-              </a:ext>
-            </a:extLst>
-          </p:cNvPr>
-          <p:cNvCxnSpPr>
-            <a:cxnSpLocks/>
-            <a:stCxn id="60" idx="1"/>
-          </p:cNvCxnSpPr>
-          <p:nvPr/>
-        </p:nvCxnSpPr>
-        <p:spPr>
-          <a:xfrm flipH="1">
-            <a:off x="8178842" y="1634493"/>
-            <a:ext cx="530287" cy="0"/>
-          </a:xfrm>
-          <a:prstGeom prst="line">
-            <a:avLst/>
-          </a:prstGeom>
-          <a:ln w="38100">
-            <a:solidFill>
-              <a:schemeClr val="accent1">
-                <a:lumMod val="50000"/>
-              </a:schemeClr>
-            </a:solidFill>
-          </a:ln>
-        </p:spPr>
-        <p:style>
-          <a:lnRef idx="1">
-            <a:schemeClr val="accent1"/>
-          </a:lnRef>
-          <a:fillRef idx="0">
-            <a:schemeClr val="accent1"/>
-          </a:fillRef>
-          <a:effectRef idx="0">
-            <a:schemeClr val="accent1"/>
-          </a:effectRef>
-          <a:fontRef idx="minor">
-            <a:schemeClr val="tx1"/>
-          </a:fontRef>
-        </p:style>
-      </p:cxnSp>
-      <p:cxnSp>
-        <p:nvCxnSpPr>
-          <p:cNvPr id="77" name="직선 연결선 76">
-            <a:extLst>
-              <a:ext uri="{FF2B5EF4-FFF2-40B4-BE49-F238E27FC236}">
-                <a16:creationId xmlns:a16="http://schemas.microsoft.com/office/drawing/2014/main" id="{CCC46968-3BF7-BAFA-B5F8-7DDA32905B83}"/>
-              </a:ext>
-            </a:extLst>
-          </p:cNvPr>
-          <p:cNvCxnSpPr>
-            <a:cxnSpLocks/>
-            <a:stCxn id="61" idx="1"/>
-          </p:cNvCxnSpPr>
-          <p:nvPr/>
-        </p:nvCxnSpPr>
-        <p:spPr>
-          <a:xfrm flipH="1">
-            <a:off x="8178842" y="2269950"/>
-            <a:ext cx="530287" cy="82"/>
-          </a:xfrm>
-          <a:prstGeom prst="line">
-            <a:avLst/>
-          </a:prstGeom>
-          <a:ln w="38100">
-            <a:solidFill>
-              <a:schemeClr val="accent1">
-                <a:lumMod val="50000"/>
-              </a:schemeClr>
-            </a:solidFill>
-          </a:ln>
-        </p:spPr>
-        <p:style>
-          <a:lnRef idx="1">
-            <a:schemeClr val="accent1"/>
-          </a:lnRef>
-          <a:fillRef idx="0">
-            <a:schemeClr val="accent1"/>
-          </a:fillRef>
-          <a:effectRef idx="0">
-            <a:schemeClr val="accent1"/>
-          </a:effectRef>
-          <a:fontRef idx="minor">
-            <a:schemeClr val="tx1"/>
-          </a:fontRef>
-        </p:style>
-      </p:cxnSp>
-      <p:cxnSp>
-        <p:nvCxnSpPr>
-          <p:cNvPr id="78" name="직선 연결선 77">
-            <a:extLst>
-              <a:ext uri="{FF2B5EF4-FFF2-40B4-BE49-F238E27FC236}">
-                <a16:creationId xmlns:a16="http://schemas.microsoft.com/office/drawing/2014/main" id="{0ED82EFA-5C05-E089-8D12-1C6F532637A0}"/>
-              </a:ext>
-            </a:extLst>
-          </p:cNvPr>
-          <p:cNvCxnSpPr>
-            <a:cxnSpLocks/>
-            <a:stCxn id="62" idx="1"/>
-          </p:cNvCxnSpPr>
-          <p:nvPr/>
-        </p:nvCxnSpPr>
-        <p:spPr>
-          <a:xfrm flipH="1">
-            <a:off x="8189351" y="2905407"/>
-            <a:ext cx="519777" cy="561"/>
-          </a:xfrm>
-          <a:prstGeom prst="line">
-            <a:avLst/>
-          </a:prstGeom>
-          <a:ln w="38100">
-            <a:solidFill>
-              <a:schemeClr val="accent1">
-                <a:lumMod val="50000"/>
-              </a:schemeClr>
-            </a:solidFill>
-          </a:ln>
-        </p:spPr>
-        <p:style>
-          <a:lnRef idx="1">
-            <a:schemeClr val="accent1"/>
-          </a:lnRef>
-          <a:fillRef idx="0">
-            <a:schemeClr val="accent1"/>
-          </a:fillRef>
-          <a:effectRef idx="0">
-            <a:schemeClr val="accent1"/>
-          </a:effectRef>
-          <a:fontRef idx="minor">
-            <a:schemeClr val="tx1"/>
-          </a:fontRef>
-        </p:style>
-      </p:cxnSp>
-      <p:cxnSp>
-        <p:nvCxnSpPr>
-          <p:cNvPr id="79" name="직선 연결선 78">
-            <a:extLst>
-              <a:ext uri="{FF2B5EF4-FFF2-40B4-BE49-F238E27FC236}">
-                <a16:creationId xmlns:a16="http://schemas.microsoft.com/office/drawing/2014/main" id="{287C581C-34EB-8B0B-DC93-F2524A7623B8}"/>
-              </a:ext>
-            </a:extLst>
-          </p:cNvPr>
-          <p:cNvCxnSpPr>
-            <a:cxnSpLocks/>
-          </p:cNvCxnSpPr>
-          <p:nvPr/>
-        </p:nvCxnSpPr>
-        <p:spPr>
-          <a:xfrm flipH="1">
-            <a:off x="8184096" y="3567279"/>
-            <a:ext cx="519777" cy="561"/>
-          </a:xfrm>
-          <a:prstGeom prst="line">
-            <a:avLst/>
-          </a:prstGeom>
-          <a:ln w="38100">
-            <a:solidFill>
-              <a:schemeClr val="accent1">
-                <a:lumMod val="50000"/>
-              </a:schemeClr>
-            </a:solidFill>
-          </a:ln>
-        </p:spPr>
-        <p:style>
-          <a:lnRef idx="1">
-            <a:schemeClr val="accent1"/>
-          </a:lnRef>
-          <a:fillRef idx="0">
-            <a:schemeClr val="accent1"/>
-          </a:fillRef>
-          <a:effectRef idx="0">
-            <a:schemeClr val="accent1"/>
-          </a:effectRef>
-          <a:fontRef idx="minor">
-            <a:schemeClr val="tx1"/>
-          </a:fontRef>
-        </p:style>
-      </p:cxnSp>
-      <p:cxnSp>
-        <p:nvCxnSpPr>
-          <p:cNvPr id="80" name="직선 연결선 79">
-            <a:extLst>
-              <a:ext uri="{FF2B5EF4-FFF2-40B4-BE49-F238E27FC236}">
-                <a16:creationId xmlns:a16="http://schemas.microsoft.com/office/drawing/2014/main" id="{028E390F-9407-E6FC-546D-9648789BF88F}"/>
-              </a:ext>
-            </a:extLst>
-          </p:cNvPr>
-          <p:cNvCxnSpPr>
-            <a:cxnSpLocks/>
-          </p:cNvCxnSpPr>
-          <p:nvPr/>
-        </p:nvCxnSpPr>
-        <p:spPr>
-          <a:xfrm flipH="1">
-            <a:off x="8186724" y="4228590"/>
-            <a:ext cx="519777" cy="561"/>
-          </a:xfrm>
-          <a:prstGeom prst="line">
-            <a:avLst/>
-          </a:prstGeom>
-          <a:ln w="38100">
-            <a:solidFill>
-              <a:schemeClr val="accent1">
-                <a:lumMod val="50000"/>
-              </a:schemeClr>
-            </a:solidFill>
-          </a:ln>
-        </p:spPr>
-        <p:style>
-          <a:lnRef idx="1">
-            <a:schemeClr val="accent1"/>
-          </a:lnRef>
-          <a:fillRef idx="0">
-            <a:schemeClr val="accent1"/>
-          </a:fillRef>
-          <a:effectRef idx="0">
-            <a:schemeClr val="accent1"/>
-          </a:effectRef>
-          <a:fontRef idx="minor">
-            <a:schemeClr val="tx1"/>
-          </a:fontRef>
-        </p:style>
-      </p:cxnSp>
-      <p:cxnSp>
-        <p:nvCxnSpPr>
-          <p:cNvPr id="81" name="직선 연결선 80">
-            <a:extLst>
-              <a:ext uri="{FF2B5EF4-FFF2-40B4-BE49-F238E27FC236}">
-                <a16:creationId xmlns:a16="http://schemas.microsoft.com/office/drawing/2014/main" id="{BC6917AF-B6FD-92C1-82E4-ACA88687F428}"/>
-              </a:ext>
-            </a:extLst>
-          </p:cNvPr>
-          <p:cNvCxnSpPr>
-            <a:cxnSpLocks/>
-          </p:cNvCxnSpPr>
-          <p:nvPr/>
-        </p:nvCxnSpPr>
-        <p:spPr>
-          <a:xfrm flipH="1">
-            <a:off x="8186724" y="4885824"/>
-            <a:ext cx="519777" cy="561"/>
-          </a:xfrm>
-          <a:prstGeom prst="line">
-            <a:avLst/>
-          </a:prstGeom>
-          <a:ln w="38100">
-            <a:solidFill>
-              <a:schemeClr val="accent1">
-                <a:lumMod val="50000"/>
-              </a:schemeClr>
-            </a:solidFill>
-          </a:ln>
-        </p:spPr>
-        <p:style>
-          <a:lnRef idx="1">
-            <a:schemeClr val="accent1"/>
-          </a:lnRef>
-          <a:fillRef idx="0">
-            <a:schemeClr val="accent1"/>
-          </a:fillRef>
-          <a:effectRef idx="0">
-            <a:schemeClr val="accent1"/>
-          </a:effectRef>
-          <a:fontRef idx="minor">
-            <a:schemeClr val="tx1"/>
-          </a:fontRef>
-        </p:style>
-      </p:cxnSp>
-      <p:cxnSp>
-        <p:nvCxnSpPr>
-          <p:cNvPr id="82" name="직선 연결선 81">
-            <a:extLst>
-              <a:ext uri="{FF2B5EF4-FFF2-40B4-BE49-F238E27FC236}">
-                <a16:creationId xmlns:a16="http://schemas.microsoft.com/office/drawing/2014/main" id="{27B63F75-D39F-4E1E-6674-CDD3633105D2}"/>
-              </a:ext>
-            </a:extLst>
-          </p:cNvPr>
-          <p:cNvCxnSpPr>
-            <a:cxnSpLocks/>
-            <a:stCxn id="66" idx="1"/>
-            <a:endCxn id="62" idx="3"/>
-          </p:cNvCxnSpPr>
-          <p:nvPr/>
-        </p:nvCxnSpPr>
-        <p:spPr>
-          <a:xfrm flipH="1">
-            <a:off x="10176121" y="2905407"/>
-            <a:ext cx="487434" cy="0"/>
-          </a:xfrm>
-          <a:prstGeom prst="line">
-            <a:avLst/>
-          </a:prstGeom>
-          <a:ln w="38100">
-            <a:solidFill>
-              <a:schemeClr val="accent1">
-                <a:lumMod val="50000"/>
-              </a:schemeClr>
-            </a:solidFill>
-          </a:ln>
-        </p:spPr>
-        <p:style>
-          <a:lnRef idx="1">
-            <a:schemeClr val="accent1"/>
-          </a:lnRef>
-          <a:fillRef idx="0">
-            <a:schemeClr val="accent1"/>
-          </a:fillRef>
-          <a:effectRef idx="0">
-            <a:schemeClr val="accent1"/>
-          </a:effectRef>
-          <a:fontRef idx="minor">
-            <a:schemeClr val="tx1"/>
-          </a:fontRef>
-        </p:style>
-      </p:cxnSp>
-      <p:sp>
-        <p:nvSpPr>
-          <p:cNvPr id="83" name="사각형: 둥근 모서리 82">
-            <a:extLst>
-              <a:ext uri="{FF2B5EF4-FFF2-40B4-BE49-F238E27FC236}">
-                <a16:creationId xmlns:a16="http://schemas.microsoft.com/office/drawing/2014/main" id="{6D44B548-BE25-9C4B-3785-A83667AA9436}"/>
-              </a:ext>
-            </a:extLst>
-          </p:cNvPr>
-          <p:cNvSpPr/>
-          <p:nvPr/>
-        </p:nvSpPr>
-        <p:spPr>
-          <a:xfrm>
-            <a:off x="5045022" y="4472339"/>
-            <a:ext cx="1466993" cy="430654"/>
-          </a:xfrm>
-          <a:prstGeom prst="roundRect">
-            <a:avLst>
-              <a:gd name="adj" fmla="val 15623"/>
-            </a:avLst>
-          </a:prstGeom>
-          <a:solidFill>
-            <a:srgbClr val="7BAA3C"/>
-          </a:solidFill>
-        </p:spPr>
-        <p:style>
-          <a:lnRef idx="2">
-            <a:schemeClr val="accent1">
-              <a:shade val="50000"/>
-            </a:schemeClr>
-          </a:lnRef>
-          <a:fillRef idx="1">
-            <a:schemeClr val="accent1"/>
-          </a:fillRef>
-          <a:effectRef idx="0">
-            <a:schemeClr val="accent1"/>
-          </a:effectRef>
-          <a:fontRef idx="minor">
-            <a:schemeClr val="lt1"/>
-          </a:fontRef>
-        </p:style>
-        <p:txBody>
-          <a:bodyPr rtlCol="0" anchor="ctr"/>
-          <a:lstStyle/>
-          <a:p>
-            <a:pPr algn="ctr"/>
-            <a:r>
-              <a:rPr lang="en-US" altLang="ko-KR" b="1" dirty="0" err="1">
-                <a:effectLst>
-                  <a:outerShdw blurRad="38100" dist="38100" dir="2700000" algn="tl">
-                    <a:srgbClr val="000000">
-                      <a:alpha val="43137"/>
-                    </a:srgbClr>
-                  </a:outerShdw>
-                </a:effectLst>
-              </a:rPr>
-              <a:t>Hitory</a:t>
-            </a:r>
-            <a:endParaRPr lang="ko-KR" altLang="en-US" b="1" dirty="0">
-              <a:effectLst>
-                <a:outerShdw blurRad="38100" dist="38100" dir="2700000" algn="tl">
-                  <a:srgbClr val="000000">
-                    <a:alpha val="43137"/>
-                  </a:srgbClr>
-                </a:outerShdw>
-              </a:effectLst>
-            </a:endParaRPr>
-          </a:p>
-        </p:txBody>
-      </p:sp>
-      <p:sp>
-        <p:nvSpPr>
-          <p:cNvPr id="84" name="사각형: 둥근 모서리 83">
-            <a:extLst>
-              <a:ext uri="{FF2B5EF4-FFF2-40B4-BE49-F238E27FC236}">
-                <a16:creationId xmlns:a16="http://schemas.microsoft.com/office/drawing/2014/main" id="{C0025831-D734-64D4-D86C-1775BEEBCC07}"/>
-              </a:ext>
-            </a:extLst>
-          </p:cNvPr>
-          <p:cNvSpPr/>
-          <p:nvPr/>
-        </p:nvSpPr>
-        <p:spPr>
-          <a:xfrm>
-            <a:off x="2810716" y="4483146"/>
-            <a:ext cx="1466993" cy="430654"/>
-          </a:xfrm>
-          <a:prstGeom prst="roundRect">
-            <a:avLst>
-              <a:gd name="adj" fmla="val 15623"/>
-            </a:avLst>
-          </a:prstGeom>
-          <a:solidFill>
-            <a:srgbClr val="7BAA3C"/>
-          </a:solidFill>
-        </p:spPr>
-        <p:style>
-          <a:lnRef idx="2">
-            <a:schemeClr val="accent1">
-              <a:shade val="50000"/>
-            </a:schemeClr>
-          </a:lnRef>
-          <a:fillRef idx="1">
-            <a:schemeClr val="accent1"/>
-          </a:fillRef>
-          <a:effectRef idx="0">
-            <a:schemeClr val="accent1"/>
-          </a:effectRef>
-          <a:fontRef idx="minor">
-            <a:schemeClr val="lt1"/>
-          </a:fontRef>
-        </p:style>
-        <p:txBody>
-          <a:bodyPr rtlCol="0" anchor="ctr"/>
-          <a:lstStyle/>
-          <a:p>
-            <a:pPr algn="ctr"/>
-            <a:r>
-              <a:rPr lang="ko-KR" altLang="en-US" sz="2000" b="1" dirty="0">
-                <a:effectLst>
-                  <a:outerShdw blurRad="38100" dist="38100" dir="2700000" algn="tl">
-                    <a:srgbClr val="000000">
-                      <a:alpha val="43137"/>
-                    </a:srgbClr>
-                  </a:outerShdw>
-                </a:effectLst>
-              </a:rPr>
-              <a:t>편집</a:t>
-            </a:r>
-          </a:p>
-        </p:txBody>
-      </p:sp>
-      <p:sp>
-        <p:nvSpPr>
-          <p:cNvPr id="85" name="사각형: 둥근 모서리 84">
-            <a:extLst>
-              <a:ext uri="{FF2B5EF4-FFF2-40B4-BE49-F238E27FC236}">
-                <a16:creationId xmlns:a16="http://schemas.microsoft.com/office/drawing/2014/main" id="{1C5683FC-69A7-9A79-685E-759D3C84B0AC}"/>
-              </a:ext>
-            </a:extLst>
-          </p:cNvPr>
-          <p:cNvSpPr/>
-          <p:nvPr/>
-        </p:nvSpPr>
-        <p:spPr>
-          <a:xfrm>
-            <a:off x="5045021" y="5017036"/>
-            <a:ext cx="1466993" cy="430654"/>
-          </a:xfrm>
-          <a:prstGeom prst="roundRect">
-            <a:avLst>
-              <a:gd name="adj" fmla="val 15623"/>
-            </a:avLst>
-          </a:prstGeom>
-          <a:solidFill>
-            <a:srgbClr val="7BAA3C"/>
-          </a:solidFill>
-        </p:spPr>
-        <p:style>
-          <a:lnRef idx="2">
-            <a:schemeClr val="accent1">
-              <a:shade val="50000"/>
-            </a:schemeClr>
-          </a:lnRef>
-          <a:fillRef idx="1">
-            <a:schemeClr val="accent1"/>
-          </a:fillRef>
-          <a:effectRef idx="0">
-            <a:schemeClr val="accent1"/>
-          </a:effectRef>
-          <a:fontRef idx="minor">
-            <a:schemeClr val="lt1"/>
-          </a:fontRef>
-        </p:style>
-        <p:txBody>
-          <a:bodyPr rtlCol="0" anchor="ctr"/>
-          <a:lstStyle/>
-          <a:p>
-            <a:pPr algn="ctr"/>
-            <a:r>
-              <a:rPr lang="ko-KR" altLang="en-US" b="1" dirty="0">
-                <a:effectLst>
-                  <a:outerShdw blurRad="38100" dist="38100" dir="2700000" algn="tl">
-                    <a:srgbClr val="000000">
-                      <a:alpha val="43137"/>
-                    </a:srgbClr>
-                  </a:outerShdw>
-                </a:effectLst>
-              </a:rPr>
-              <a:t>이미지</a:t>
-            </a:r>
-          </a:p>
-        </p:txBody>
-      </p:sp>
-      <p:sp>
-        <p:nvSpPr>
-          <p:cNvPr id="86" name="사각형: 둥근 모서리 85">
-            <a:extLst>
-              <a:ext uri="{FF2B5EF4-FFF2-40B4-BE49-F238E27FC236}">
-                <a16:creationId xmlns:a16="http://schemas.microsoft.com/office/drawing/2014/main" id="{B7CE4157-8A30-0574-1CF7-8A195488CA0E}"/>
-              </a:ext>
-            </a:extLst>
-          </p:cNvPr>
-          <p:cNvSpPr/>
-          <p:nvPr/>
-        </p:nvSpPr>
-        <p:spPr>
-          <a:xfrm>
-            <a:off x="2809319" y="5537687"/>
-            <a:ext cx="1466993" cy="430654"/>
-          </a:xfrm>
-          <a:prstGeom prst="roundRect">
-            <a:avLst>
-              <a:gd name="adj" fmla="val 15623"/>
-            </a:avLst>
-          </a:prstGeom>
-          <a:solidFill>
-            <a:srgbClr val="7BAA3C"/>
-          </a:solidFill>
-        </p:spPr>
-        <p:style>
-          <a:lnRef idx="2">
-            <a:schemeClr val="accent1">
-              <a:shade val="50000"/>
-            </a:schemeClr>
-          </a:lnRef>
-          <a:fillRef idx="1">
-            <a:schemeClr val="accent1"/>
-          </a:fillRef>
-          <a:effectRef idx="0">
-            <a:schemeClr val="accent1"/>
-          </a:effectRef>
-          <a:fontRef idx="minor">
-            <a:schemeClr val="lt1"/>
-          </a:fontRef>
-        </p:style>
-        <p:txBody>
-          <a:bodyPr rtlCol="0" anchor="ctr"/>
-          <a:lstStyle/>
-          <a:p>
-            <a:pPr algn="ctr"/>
-            <a:r>
-              <a:rPr lang="ko-KR" altLang="en-US" sz="2000" b="1" dirty="0">
-                <a:effectLst>
-                  <a:outerShdw blurRad="38100" dist="38100" dir="2700000" algn="tl">
-                    <a:srgbClr val="000000">
-                      <a:alpha val="43137"/>
-                    </a:srgbClr>
-                  </a:outerShdw>
-                </a:effectLst>
-              </a:rPr>
-              <a:t>읽기 전용</a:t>
-            </a:r>
-          </a:p>
-        </p:txBody>
-      </p:sp>
-      <p:sp>
-        <p:nvSpPr>
-          <p:cNvPr id="87" name="사각형: 둥근 모서리 86">
-            <a:extLst>
-              <a:ext uri="{FF2B5EF4-FFF2-40B4-BE49-F238E27FC236}">
-                <a16:creationId xmlns:a16="http://schemas.microsoft.com/office/drawing/2014/main" id="{AE71B54C-799F-BC3F-FE08-3941A5A07754}"/>
-              </a:ext>
-            </a:extLst>
-          </p:cNvPr>
-          <p:cNvSpPr/>
-          <p:nvPr/>
-        </p:nvSpPr>
-        <p:spPr>
-          <a:xfrm>
-            <a:off x="5045023" y="5561733"/>
-            <a:ext cx="1466993" cy="430654"/>
-          </a:xfrm>
-          <a:prstGeom prst="roundRect">
-            <a:avLst>
-              <a:gd name="adj" fmla="val 15623"/>
-            </a:avLst>
-          </a:prstGeom>
-          <a:solidFill>
-            <a:srgbClr val="7BAA3C"/>
-          </a:solidFill>
-        </p:spPr>
-        <p:style>
-          <a:lnRef idx="2">
-            <a:schemeClr val="accent1">
-              <a:shade val="50000"/>
-            </a:schemeClr>
-          </a:lnRef>
-          <a:fillRef idx="1">
-            <a:schemeClr val="accent1"/>
-          </a:fillRef>
-          <a:effectRef idx="0">
-            <a:schemeClr val="accent1"/>
-          </a:effectRef>
-          <a:fontRef idx="minor">
-            <a:schemeClr val="lt1"/>
-          </a:fontRef>
-        </p:style>
-        <p:txBody>
-          <a:bodyPr rtlCol="0" anchor="ctr"/>
-          <a:lstStyle/>
-          <a:p>
-            <a:pPr algn="ctr"/>
-            <a:r>
-              <a:rPr lang="ko-KR" altLang="en-US" b="1">
-                <a:effectLst>
-                  <a:outerShdw blurRad="38100" dist="38100" dir="2700000" algn="tl">
-                    <a:srgbClr val="000000">
-                      <a:alpha val="43137"/>
-                    </a:srgbClr>
-                  </a:outerShdw>
-                </a:effectLst>
-              </a:rPr>
-              <a:t>동영상</a:t>
-            </a:r>
-            <a:endParaRPr lang="ko-KR" altLang="en-US" b="1" dirty="0">
-              <a:effectLst>
-                <a:outerShdw blurRad="38100" dist="38100" dir="2700000" algn="tl">
-                  <a:srgbClr val="000000">
-                    <a:alpha val="43137"/>
-                  </a:srgbClr>
-                </a:outerShdw>
-              </a:effectLst>
-            </a:endParaRPr>
-          </a:p>
-        </p:txBody>
-      </p:sp>
-      <p:cxnSp>
-        <p:nvCxnSpPr>
-          <p:cNvPr id="88" name="직선 연결선 87">
-            <a:extLst>
-              <a:ext uri="{FF2B5EF4-FFF2-40B4-BE49-F238E27FC236}">
-                <a16:creationId xmlns:a16="http://schemas.microsoft.com/office/drawing/2014/main" id="{CD8C5365-E6A7-B8F1-4BEB-53BC9D81AC3A}"/>
-              </a:ext>
-            </a:extLst>
-          </p:cNvPr>
-          <p:cNvCxnSpPr>
-            <a:cxnSpLocks/>
-          </p:cNvCxnSpPr>
-          <p:nvPr/>
-        </p:nvCxnSpPr>
-        <p:spPr>
-          <a:xfrm flipH="1">
-            <a:off x="2322909" y="4198972"/>
-            <a:ext cx="10700" cy="1579131"/>
-          </a:xfrm>
-          <a:prstGeom prst="line">
-            <a:avLst/>
-          </a:prstGeom>
-          <a:ln w="38100">
-            <a:solidFill>
-              <a:schemeClr val="accent1">
-                <a:lumMod val="50000"/>
-              </a:schemeClr>
-            </a:solidFill>
-          </a:ln>
-        </p:spPr>
-        <p:style>
-          <a:lnRef idx="1">
-            <a:schemeClr val="accent1"/>
-          </a:lnRef>
-          <a:fillRef idx="0">
-            <a:schemeClr val="accent1"/>
-          </a:fillRef>
-          <a:effectRef idx="0">
-            <a:schemeClr val="accent1"/>
-          </a:effectRef>
-          <a:fontRef idx="minor">
-            <a:schemeClr val="tx1"/>
-          </a:fontRef>
-        </p:style>
-      </p:cxnSp>
-      <p:cxnSp>
-        <p:nvCxnSpPr>
-          <p:cNvPr id="89" name="직선 연결선 88">
-            <a:extLst>
-              <a:ext uri="{FF2B5EF4-FFF2-40B4-BE49-F238E27FC236}">
-                <a16:creationId xmlns:a16="http://schemas.microsoft.com/office/drawing/2014/main" id="{E83D30C7-6EA6-3239-01DD-801DD656150F}"/>
-              </a:ext>
-            </a:extLst>
-          </p:cNvPr>
-          <p:cNvCxnSpPr>
-            <a:cxnSpLocks/>
-          </p:cNvCxnSpPr>
-          <p:nvPr/>
-        </p:nvCxnSpPr>
-        <p:spPr>
-          <a:xfrm flipH="1">
-            <a:off x="2316627" y="5761898"/>
-            <a:ext cx="492692" cy="0"/>
-          </a:xfrm>
-          <a:prstGeom prst="line">
-            <a:avLst/>
-          </a:prstGeom>
-          <a:ln w="38100">
-            <a:solidFill>
-              <a:schemeClr val="accent1">
-                <a:lumMod val="50000"/>
-              </a:schemeClr>
-            </a:solidFill>
-          </a:ln>
-        </p:spPr>
-        <p:style>
-          <a:lnRef idx="1">
-            <a:schemeClr val="accent1"/>
-          </a:lnRef>
-          <a:fillRef idx="0">
-            <a:schemeClr val="accent1"/>
-          </a:fillRef>
-          <a:effectRef idx="0">
-            <a:schemeClr val="accent1"/>
-          </a:effectRef>
-          <a:fontRef idx="minor">
-            <a:schemeClr val="tx1"/>
-          </a:fontRef>
-        </p:style>
-      </p:cxnSp>
-      <p:cxnSp>
-        <p:nvCxnSpPr>
-          <p:cNvPr id="90" name="직선 연결선 89">
-            <a:extLst>
-              <a:ext uri="{FF2B5EF4-FFF2-40B4-BE49-F238E27FC236}">
-                <a16:creationId xmlns:a16="http://schemas.microsoft.com/office/drawing/2014/main" id="{CEAFA3CF-A417-4712-D145-F3FA1C318956}"/>
-              </a:ext>
-            </a:extLst>
-          </p:cNvPr>
-          <p:cNvCxnSpPr>
-            <a:cxnSpLocks/>
-          </p:cNvCxnSpPr>
-          <p:nvPr/>
-        </p:nvCxnSpPr>
-        <p:spPr>
-          <a:xfrm flipH="1">
-            <a:off x="2316627" y="4683192"/>
-            <a:ext cx="492692" cy="0"/>
-          </a:xfrm>
-          <a:prstGeom prst="line">
-            <a:avLst/>
-          </a:prstGeom>
-          <a:ln w="38100">
-            <a:solidFill>
-              <a:schemeClr val="accent1">
-                <a:lumMod val="50000"/>
-              </a:schemeClr>
-            </a:solidFill>
-          </a:ln>
-        </p:spPr>
-        <p:style>
-          <a:lnRef idx="1">
-            <a:schemeClr val="accent1"/>
-          </a:lnRef>
-          <a:fillRef idx="0">
-            <a:schemeClr val="accent1"/>
-          </a:fillRef>
-          <a:effectRef idx="0">
-            <a:schemeClr val="accent1"/>
-          </a:effectRef>
-          <a:fontRef idx="minor">
-            <a:schemeClr val="tx1"/>
-          </a:fontRef>
-        </p:style>
-      </p:cxnSp>
-      <p:cxnSp>
-        <p:nvCxnSpPr>
-          <p:cNvPr id="91" name="직선 연결선 90">
-            <a:extLst>
-              <a:ext uri="{FF2B5EF4-FFF2-40B4-BE49-F238E27FC236}">
-                <a16:creationId xmlns:a16="http://schemas.microsoft.com/office/drawing/2014/main" id="{C9065F75-7D84-6FBD-D056-4331C2D64D19}"/>
-              </a:ext>
-            </a:extLst>
-          </p:cNvPr>
-          <p:cNvCxnSpPr>
-            <a:cxnSpLocks/>
-            <a:stCxn id="83" idx="1"/>
-          </p:cNvCxnSpPr>
-          <p:nvPr/>
-        </p:nvCxnSpPr>
-        <p:spPr>
-          <a:xfrm flipH="1" flipV="1">
-            <a:off x="4276312" y="4683192"/>
-            <a:ext cx="768710" cy="4474"/>
-          </a:xfrm>
-          <a:prstGeom prst="line">
-            <a:avLst/>
-          </a:prstGeom>
-          <a:ln w="38100">
-            <a:solidFill>
-              <a:schemeClr val="accent1">
-                <a:lumMod val="50000"/>
-              </a:schemeClr>
-            </a:solidFill>
-          </a:ln>
-        </p:spPr>
-        <p:style>
-          <a:lnRef idx="1">
-            <a:schemeClr val="accent1"/>
-          </a:lnRef>
-          <a:fillRef idx="0">
-            <a:schemeClr val="accent1"/>
-          </a:fillRef>
-          <a:effectRef idx="0">
-            <a:schemeClr val="accent1"/>
-          </a:effectRef>
-          <a:fontRef idx="minor">
-            <a:schemeClr val="tx1"/>
-          </a:fontRef>
-        </p:style>
-      </p:cxnSp>
-      <p:cxnSp>
-        <p:nvCxnSpPr>
-          <p:cNvPr id="92" name="직선 연결선 91">
-            <a:extLst>
-              <a:ext uri="{FF2B5EF4-FFF2-40B4-BE49-F238E27FC236}">
-                <a16:creationId xmlns:a16="http://schemas.microsoft.com/office/drawing/2014/main" id="{8F351BA0-BE67-24F8-E8BD-9419393F3426}"/>
-              </a:ext>
-            </a:extLst>
-          </p:cNvPr>
-          <p:cNvCxnSpPr>
-            <a:cxnSpLocks/>
-          </p:cNvCxnSpPr>
-          <p:nvPr/>
-        </p:nvCxnSpPr>
-        <p:spPr>
-          <a:xfrm flipH="1">
-            <a:off x="4652485" y="4683192"/>
-            <a:ext cx="12107" cy="1119914"/>
-          </a:xfrm>
-          <a:prstGeom prst="line">
-            <a:avLst/>
-          </a:prstGeom>
-          <a:ln w="38100">
-            <a:solidFill>
-              <a:schemeClr val="accent1">
-                <a:lumMod val="50000"/>
-              </a:schemeClr>
-            </a:solidFill>
-          </a:ln>
-        </p:spPr>
-        <p:style>
-          <a:lnRef idx="1">
-            <a:schemeClr val="accent1"/>
-          </a:lnRef>
-          <a:fillRef idx="0">
-            <a:schemeClr val="accent1"/>
-          </a:fillRef>
-          <a:effectRef idx="0">
-            <a:schemeClr val="accent1"/>
-          </a:effectRef>
-          <a:fontRef idx="minor">
-            <a:schemeClr val="tx1"/>
-          </a:fontRef>
-        </p:style>
-      </p:cxnSp>
-      <p:cxnSp>
-        <p:nvCxnSpPr>
-          <p:cNvPr id="93" name="직선 연결선 92">
-            <a:extLst>
-              <a:ext uri="{FF2B5EF4-FFF2-40B4-BE49-F238E27FC236}">
-                <a16:creationId xmlns:a16="http://schemas.microsoft.com/office/drawing/2014/main" id="{98920409-FD63-2C59-396F-854B96FBC3A1}"/>
-              </a:ext>
-            </a:extLst>
-          </p:cNvPr>
-          <p:cNvCxnSpPr>
-            <a:cxnSpLocks/>
-            <a:stCxn id="85" idx="1"/>
-          </p:cNvCxnSpPr>
-          <p:nvPr/>
-        </p:nvCxnSpPr>
-        <p:spPr>
-          <a:xfrm flipH="1">
-            <a:off x="4660667" y="5232363"/>
-            <a:ext cx="384354" cy="0"/>
-          </a:xfrm>
-          <a:prstGeom prst="line">
-            <a:avLst/>
-          </a:prstGeom>
-          <a:ln w="38100">
-            <a:solidFill>
-              <a:schemeClr val="accent1">
-                <a:lumMod val="50000"/>
-              </a:schemeClr>
-            </a:solidFill>
-          </a:ln>
-        </p:spPr>
-        <p:style>
-          <a:lnRef idx="1">
-            <a:schemeClr val="accent1"/>
-          </a:lnRef>
-          <a:fillRef idx="0">
-            <a:schemeClr val="accent1"/>
-          </a:fillRef>
-          <a:effectRef idx="0">
-            <a:schemeClr val="accent1"/>
-          </a:effectRef>
-          <a:fontRef idx="minor">
-            <a:schemeClr val="tx1"/>
-          </a:fontRef>
-        </p:style>
-      </p:cxnSp>
-      <p:cxnSp>
-        <p:nvCxnSpPr>
-          <p:cNvPr id="94" name="직선 연결선 93">
-            <a:extLst>
-              <a:ext uri="{FF2B5EF4-FFF2-40B4-BE49-F238E27FC236}">
-                <a16:creationId xmlns:a16="http://schemas.microsoft.com/office/drawing/2014/main" id="{12D799B1-BFA0-C2E5-DA13-AE9B793021E0}"/>
-              </a:ext>
-            </a:extLst>
-          </p:cNvPr>
-          <p:cNvCxnSpPr>
-            <a:cxnSpLocks/>
-          </p:cNvCxnSpPr>
-          <p:nvPr/>
-        </p:nvCxnSpPr>
-        <p:spPr>
-          <a:xfrm flipH="1">
-            <a:off x="4660667" y="5786003"/>
-            <a:ext cx="384354" cy="0"/>
-          </a:xfrm>
-          <a:prstGeom prst="line">
-            <a:avLst/>
-          </a:prstGeom>
-          <a:ln w="38100">
-            <a:solidFill>
-              <a:schemeClr val="accent1">
-                <a:lumMod val="50000"/>
-              </a:schemeClr>
-            </a:solidFill>
-          </a:ln>
-        </p:spPr>
-        <p:style>
-          <a:lnRef idx="1">
-            <a:schemeClr val="accent1"/>
-          </a:lnRef>
-          <a:fillRef idx="0">
-            <a:schemeClr val="accent1"/>
-          </a:fillRef>
-          <a:effectRef idx="0">
-            <a:schemeClr val="accent1"/>
-          </a:effectRef>
-          <a:fontRef idx="minor">
-            <a:schemeClr val="tx1"/>
-          </a:fontRef>
-        </p:style>
-      </p:cxnSp>
-    </p:spTree>
-    <p:extLst>
-      <p:ext uri="{BB962C8B-B14F-4D97-AF65-F5344CB8AC3E}">
-        <p14:creationId xmlns:p14="http://schemas.microsoft.com/office/powerpoint/2010/main" val="3622597973"/>
-      </p:ext>
-    </p:extLst>
-  </p:cSld>
-  <p:clrMapOvr>
-    <a:masterClrMapping/>
-  </p:clrMapOvr>
-  <p:transition spd="slow">
-    <p:push dir="u"/>
-  </p:transition>
-</p:sld>
-</file>
-
-<file path=ppt/slides/slide11.xml><?xml version="1.0" encoding="utf-8"?>
 <p:sld xmlns:a="http://schemas.openxmlformats.org/drawingml/2006/main" xmlns:r="http://schemas.openxmlformats.org/officeDocument/2006/relationships" xmlns:p="http://schemas.openxmlformats.org/presentationml/2006/main">
   <p:cSld>
     <p:bg>
@@ -8382,6 +5707,9 @@
           <a:prstGeom prst="rect">
             <a:avLst/>
           </a:prstGeom>
+          <a:solidFill>
+            <a:srgbClr val="5161CE"/>
+          </a:solidFill>
         </p:spPr>
         <p:style>
           <a:lnRef idx="2">
@@ -8554,7 +5882,7 @@
 </p:sld>
 </file>
 
-<file path=ppt/slides/slide12.xml><?xml version="1.0" encoding="utf-8"?>
+<file path=ppt/slides/slide11.xml><?xml version="1.0" encoding="utf-8"?>
 <p:sld xmlns:a="http://schemas.openxmlformats.org/drawingml/2006/main" xmlns:r="http://schemas.openxmlformats.org/officeDocument/2006/relationships" xmlns:p="http://schemas.openxmlformats.org/presentationml/2006/main">
   <p:cSld>
     <p:spTree>
@@ -8592,7 +5920,7 @@
             <a:avLst/>
           </a:prstGeom>
           <a:solidFill>
-            <a:schemeClr val="accent1"/>
+            <a:srgbClr val="5161CE"/>
           </a:solidFill>
         </p:spPr>
         <p:style>
@@ -8717,7 +6045,7 @@
             <a:noFill/>
             <a:ln w="28575" algn="ctr">
               <a:solidFill>
-                <a:schemeClr val="accent1"/>
+                <a:srgbClr val="5161CE"/>
               </a:solidFill>
               <a:round/>
               <a:headEnd/>
@@ -8760,7 +6088,7 @@
               </a:avLst>
             </a:prstGeom>
             <a:solidFill>
-              <a:srgbClr val="1D9A78"/>
+              <a:srgbClr val="5161CE"/>
             </a:solidFill>
           </p:spPr>
           <p:style>
@@ -8960,7 +6288,7 @@
             <a:noFill/>
             <a:ln w="28575" algn="ctr">
               <a:solidFill>
-                <a:schemeClr val="accent1"/>
+                <a:srgbClr val="5161CE"/>
               </a:solidFill>
               <a:round/>
               <a:headEnd/>
@@ -9003,7 +6331,7 @@
               </a:avLst>
             </a:prstGeom>
             <a:solidFill>
-              <a:srgbClr val="1D9A78"/>
+              <a:srgbClr val="5161CE"/>
             </a:solidFill>
           </p:spPr>
           <p:style>
@@ -9191,17 +6519,9 @@
 </p:sld>
 </file>
 
-<file path=ppt/slides/slide13.xml><?xml version="1.0" encoding="utf-8"?>
+<file path=ppt/slides/slide12.xml><?xml version="1.0" encoding="utf-8"?>
 <p:sld xmlns:a="http://schemas.openxmlformats.org/drawingml/2006/main" xmlns:r="http://schemas.openxmlformats.org/officeDocument/2006/relationships" xmlns:p="http://schemas.openxmlformats.org/presentationml/2006/main">
   <p:cSld>
-    <p:bg>
-      <p:bgPr>
-        <a:solidFill>
-          <a:schemeClr val="bg1"/>
-        </a:solidFill>
-        <a:effectLst/>
-      </p:bgPr>
-    </p:bg>
     <p:spTree>
       <p:nvGrpSpPr>
         <p:cNvPr id="1" name=""/>
@@ -9216,457 +6536,6 @@
           <a:chExt cx="0" cy="0"/>
         </a:xfrm>
       </p:grpSpPr>
-      <p:sp useBgFill="1">
-        <p:nvSpPr>
-          <p:cNvPr id="9" name="Rectangle 8">
-            <a:extLst>
-              <a:ext uri="{FF2B5EF4-FFF2-40B4-BE49-F238E27FC236}">
-                <a16:creationId xmlns:a16="http://schemas.microsoft.com/office/drawing/2014/main" id="{FFD48BC7-DC40-47DE-87EE-9F4B6ECB9ABB}"/>
-              </a:ext>
-              <a:ext uri="{C183D7F6-B498-43B3-948B-1728B52AA6E4}">
-                <adec:decorative xmlns:adec="http://schemas.microsoft.com/office/drawing/2017/decorative" val="1"/>
-              </a:ext>
-            </a:extLst>
-          </p:cNvPr>
-          <p:cNvSpPr>
-            <a:spLocks noGrp="1" noRot="1" noChangeAspect="1" noMove="1" noResize="1" noEditPoints="1" noAdjustHandles="1" noChangeArrowheads="1" noChangeShapeType="1" noTextEdit="1"/>
-          </p:cNvSpPr>
-          <p:nvPr>
-            <p:extLst>
-              <p:ext uri="{386F3935-93C4-4BCD-93E2-E3B085C9AB24}">
-                <p16:designElem xmlns:p16="http://schemas.microsoft.com/office/powerpoint/2015/main" val="1"/>
-              </p:ext>
-            </p:extLst>
-          </p:nvPr>
-        </p:nvSpPr>
-        <p:spPr>
-          <a:xfrm>
-            <a:off x="0" y="0"/>
-            <a:ext cx="12192000" cy="6858000"/>
-          </a:xfrm>
-          <a:prstGeom prst="rect">
-            <a:avLst/>
-          </a:prstGeom>
-          <a:ln>
-            <a:noFill/>
-          </a:ln>
-        </p:spPr>
-        <p:style>
-          <a:lnRef idx="2">
-            <a:schemeClr val="accent1">
-              <a:shade val="50000"/>
-            </a:schemeClr>
-          </a:lnRef>
-          <a:fillRef idx="1">
-            <a:schemeClr val="accent1"/>
-          </a:fillRef>
-          <a:effectRef idx="0">
-            <a:schemeClr val="accent1"/>
-          </a:effectRef>
-          <a:fontRef idx="minor">
-            <a:schemeClr val="lt1"/>
-          </a:fontRef>
-        </p:style>
-        <p:txBody>
-          <a:bodyPr rtlCol="0" anchor="ctr"/>
-          <a:lstStyle/>
-          <a:p>
-            <a:pPr algn="ctr"/>
-            <a:endParaRPr lang="en-US"/>
-          </a:p>
-        </p:txBody>
-      </p:sp>
-      <p:sp useBgFill="1">
-        <p:nvSpPr>
-          <p:cNvPr id="11" name="Freeform: Shape 10">
-            <a:extLst>
-              <a:ext uri="{FF2B5EF4-FFF2-40B4-BE49-F238E27FC236}">
-                <a16:creationId xmlns:a16="http://schemas.microsoft.com/office/drawing/2014/main" id="{E502BBC7-2C76-46F3-BC24-5985BC13DB88}"/>
-              </a:ext>
-              <a:ext uri="{C183D7F6-B498-43B3-948B-1728B52AA6E4}">
-                <adec:decorative xmlns:adec="http://schemas.microsoft.com/office/drawing/2017/decorative" val="1"/>
-              </a:ext>
-            </a:extLst>
-          </p:cNvPr>
-          <p:cNvSpPr>
-            <a:spLocks noGrp="1" noRot="1" noChangeAspect="1" noMove="1" noResize="1" noEditPoints="1" noAdjustHandles="1" noChangeArrowheads="1" noChangeShapeType="1" noTextEdit="1"/>
-          </p:cNvSpPr>
-          <p:nvPr>
-            <p:extLst>
-              <p:ext uri="{386F3935-93C4-4BCD-93E2-E3B085C9AB24}">
-                <p16:designElem xmlns:p16="http://schemas.microsoft.com/office/powerpoint/2015/main" val="1"/>
-              </p:ext>
-            </p:extLst>
-          </p:nvPr>
-        </p:nvSpPr>
-        <p:spPr>
-          <a:xfrm>
-            <a:off x="1114425" y="0"/>
-            <a:ext cx="9963150" cy="6858000"/>
-          </a:xfrm>
-          <a:custGeom>
-            <a:avLst/>
-            <a:gdLst>
-              <a:gd name="connsiteX0" fmla="*/ 1595771 w 9963150"/>
-              <a:gd name="connsiteY0" fmla="*/ 0 h 6858000"/>
-              <a:gd name="connsiteX1" fmla="*/ 8367379 w 9963150"/>
-              <a:gd name="connsiteY1" fmla="*/ 0 h 6858000"/>
-              <a:gd name="connsiteX2" fmla="*/ 8504080 w 9963150"/>
-              <a:gd name="connsiteY2" fmla="*/ 130333 h 6858000"/>
-              <a:gd name="connsiteX3" fmla="*/ 9963150 w 9963150"/>
-              <a:gd name="connsiteY3" fmla="*/ 3652838 h 6858000"/>
-              <a:gd name="connsiteX4" fmla="*/ 8825600 w 9963150"/>
-              <a:gd name="connsiteY4" fmla="*/ 6821583 h 6858000"/>
-              <a:gd name="connsiteX5" fmla="*/ 8794055 w 9963150"/>
-              <a:gd name="connsiteY5" fmla="*/ 6858000 h 6858000"/>
-              <a:gd name="connsiteX6" fmla="*/ 1169096 w 9963150"/>
-              <a:gd name="connsiteY6" fmla="*/ 6858000 h 6858000"/>
-              <a:gd name="connsiteX7" fmla="*/ 1137550 w 9963150"/>
-              <a:gd name="connsiteY7" fmla="*/ 6821583 h 6858000"/>
-              <a:gd name="connsiteX8" fmla="*/ 0 w 9963150"/>
-              <a:gd name="connsiteY8" fmla="*/ 3652838 h 6858000"/>
-              <a:gd name="connsiteX9" fmla="*/ 1459070 w 9963150"/>
-              <a:gd name="connsiteY9" fmla="*/ 130333 h 6858000"/>
-            </a:gdLst>
-            <a:ahLst/>
-            <a:cxnLst>
-              <a:cxn ang="0">
-                <a:pos x="connsiteX0" y="connsiteY0"/>
-              </a:cxn>
-              <a:cxn ang="0">
-                <a:pos x="connsiteX1" y="connsiteY1"/>
-              </a:cxn>
-              <a:cxn ang="0">
-                <a:pos x="connsiteX2" y="connsiteY2"/>
-              </a:cxn>
-              <a:cxn ang="0">
-                <a:pos x="connsiteX3" y="connsiteY3"/>
-              </a:cxn>
-              <a:cxn ang="0">
-                <a:pos x="connsiteX4" y="connsiteY4"/>
-              </a:cxn>
-              <a:cxn ang="0">
-                <a:pos x="connsiteX5" y="connsiteY5"/>
-              </a:cxn>
-              <a:cxn ang="0">
-                <a:pos x="connsiteX6" y="connsiteY6"/>
-              </a:cxn>
-              <a:cxn ang="0">
-                <a:pos x="connsiteX7" y="connsiteY7"/>
-              </a:cxn>
-              <a:cxn ang="0">
-                <a:pos x="connsiteX8" y="connsiteY8"/>
-              </a:cxn>
-              <a:cxn ang="0">
-                <a:pos x="connsiteX9" y="connsiteY9"/>
-              </a:cxn>
-            </a:cxnLst>
-            <a:rect l="l" t="t" r="r" b="b"/>
-            <a:pathLst>
-              <a:path w="9963150" h="6858000">
-                <a:moveTo>
-                  <a:pt x="1595771" y="0"/>
-                </a:moveTo>
-                <a:lnTo>
-                  <a:pt x="8367379" y="0"/>
-                </a:lnTo>
-                <a:lnTo>
-                  <a:pt x="8504080" y="130333"/>
-                </a:lnTo>
-                <a:cubicBezTo>
-                  <a:pt x="9405568" y="1031820"/>
-                  <a:pt x="9963150" y="2277214"/>
-                  <a:pt x="9963150" y="3652838"/>
-                </a:cubicBezTo>
-                <a:cubicBezTo>
-                  <a:pt x="9963150" y="4856509"/>
-                  <a:pt x="9536251" y="5960473"/>
-                  <a:pt x="8825600" y="6821583"/>
-                </a:cubicBezTo>
-                <a:lnTo>
-                  <a:pt x="8794055" y="6858000"/>
-                </a:lnTo>
-                <a:lnTo>
-                  <a:pt x="1169096" y="6858000"/>
-                </a:lnTo>
-                <a:lnTo>
-                  <a:pt x="1137550" y="6821583"/>
-                </a:lnTo>
-                <a:cubicBezTo>
-                  <a:pt x="426899" y="5960473"/>
-                  <a:pt x="0" y="4856509"/>
-                  <a:pt x="0" y="3652838"/>
-                </a:cubicBezTo>
-                <a:cubicBezTo>
-                  <a:pt x="0" y="2277214"/>
-                  <a:pt x="557582" y="1031820"/>
-                  <a:pt x="1459070" y="130333"/>
-                </a:cubicBezTo>
-                <a:close/>
-              </a:path>
-            </a:pathLst>
-          </a:custGeom>
-          <a:ln w="9525">
-            <a:solidFill>
-              <a:srgbClr val="EFEFEF"/>
-            </a:solidFill>
-          </a:ln>
-          <a:effectLst>
-            <a:outerShdw blurRad="139700" sx="102000" sy="102000" algn="ctr" rotWithShape="0">
-              <a:schemeClr val="bg1">
-                <a:lumMod val="85000"/>
-                <a:alpha val="38000"/>
-              </a:schemeClr>
-            </a:outerShdw>
-          </a:effectLst>
-        </p:spPr>
-        <p:style>
-          <a:lnRef idx="2">
-            <a:schemeClr val="accent1">
-              <a:shade val="50000"/>
-            </a:schemeClr>
-          </a:lnRef>
-          <a:fillRef idx="1">
-            <a:schemeClr val="accent1"/>
-          </a:fillRef>
-          <a:effectRef idx="0">
-            <a:schemeClr val="accent1"/>
-          </a:effectRef>
-          <a:fontRef idx="minor">
-            <a:schemeClr val="lt1"/>
-          </a:fontRef>
-        </p:style>
-        <p:txBody>
-          <a:bodyPr wrap="square" rtlCol="0" anchor="ctr">
-            <a:noAutofit/>
-          </a:bodyPr>
-          <a:lstStyle/>
-          <a:p>
-            <a:pPr marL="0" marR="0" lvl="0" indent="0" algn="ctr" defTabSz="914400" rtl="0" eaLnBrk="1" fontAlgn="auto" latinLnBrk="0" hangingPunct="1">
-              <a:lnSpc>
-                <a:spcPct val="100000"/>
-              </a:lnSpc>
-              <a:spcBef>
-                <a:spcPts val="0"/>
-              </a:spcBef>
-              <a:spcAft>
-                <a:spcPts val="0"/>
-              </a:spcAft>
-              <a:buClrTx/>
-              <a:buSzTx/>
-              <a:buFontTx/>
-              <a:buNone/>
-              <a:tabLst/>
-              <a:defRPr/>
-            </a:pPr>
-            <a:endParaRPr kumimoji="0" lang="en-US" sz="1800" b="0" i="0" u="none" strike="noStrike" kern="1200" cap="none" spc="0" normalizeH="0" baseline="0" noProof="0">
-              <a:ln>
-                <a:noFill/>
-              </a:ln>
-              <a:solidFill>
-                <a:prstClr val="white"/>
-              </a:solidFill>
-              <a:effectLst/>
-              <a:uLnTx/>
-              <a:uFillTx/>
-              <a:latin typeface="Calibri" panose="020F0502020204030204"/>
-              <a:ea typeface="+mn-ea"/>
-              <a:cs typeface="+mn-cs"/>
-            </a:endParaRPr>
-          </a:p>
-        </p:txBody>
-      </p:sp>
-      <p:sp useBgFill="1">
-        <p:nvSpPr>
-          <p:cNvPr id="13" name="Freeform: Shape 12">
-            <a:extLst>
-              <a:ext uri="{FF2B5EF4-FFF2-40B4-BE49-F238E27FC236}">
-                <a16:creationId xmlns:a16="http://schemas.microsoft.com/office/drawing/2014/main" id="{C7F28D52-2A5F-4D23-81AE-7CB8B591C7AF}"/>
-              </a:ext>
-              <a:ext uri="{C183D7F6-B498-43B3-948B-1728B52AA6E4}">
-                <adec:decorative xmlns:adec="http://schemas.microsoft.com/office/drawing/2017/decorative" val="1"/>
-              </a:ext>
-            </a:extLst>
-          </p:cNvPr>
-          <p:cNvSpPr>
-            <a:spLocks noGrp="1" noRot="1" noChangeAspect="1" noMove="1" noResize="1" noEditPoints="1" noAdjustHandles="1" noChangeArrowheads="1" noChangeShapeType="1" noTextEdit="1"/>
-          </p:cNvSpPr>
-          <p:nvPr>
-            <p:extLst>
-              <p:ext uri="{386F3935-93C4-4BCD-93E2-E3B085C9AB24}">
-                <p16:designElem xmlns:p16="http://schemas.microsoft.com/office/powerpoint/2015/main" val="1"/>
-              </p:ext>
-            </p:extLst>
-          </p:nvPr>
-        </p:nvSpPr>
-        <p:spPr>
-          <a:xfrm>
-            <a:off x="1121664" y="0"/>
-            <a:ext cx="9948672" cy="6858000"/>
-          </a:xfrm>
-          <a:custGeom>
-            <a:avLst/>
-            <a:gdLst>
-              <a:gd name="connsiteX0" fmla="*/ 1595771 w 9963150"/>
-              <a:gd name="connsiteY0" fmla="*/ 0 h 6858000"/>
-              <a:gd name="connsiteX1" fmla="*/ 8367379 w 9963150"/>
-              <a:gd name="connsiteY1" fmla="*/ 0 h 6858000"/>
-              <a:gd name="connsiteX2" fmla="*/ 8504080 w 9963150"/>
-              <a:gd name="connsiteY2" fmla="*/ 130333 h 6858000"/>
-              <a:gd name="connsiteX3" fmla="*/ 9963150 w 9963150"/>
-              <a:gd name="connsiteY3" fmla="*/ 3652838 h 6858000"/>
-              <a:gd name="connsiteX4" fmla="*/ 8825600 w 9963150"/>
-              <a:gd name="connsiteY4" fmla="*/ 6821583 h 6858000"/>
-              <a:gd name="connsiteX5" fmla="*/ 8794055 w 9963150"/>
-              <a:gd name="connsiteY5" fmla="*/ 6858000 h 6858000"/>
-              <a:gd name="connsiteX6" fmla="*/ 1169096 w 9963150"/>
-              <a:gd name="connsiteY6" fmla="*/ 6858000 h 6858000"/>
-              <a:gd name="connsiteX7" fmla="*/ 1137550 w 9963150"/>
-              <a:gd name="connsiteY7" fmla="*/ 6821583 h 6858000"/>
-              <a:gd name="connsiteX8" fmla="*/ 0 w 9963150"/>
-              <a:gd name="connsiteY8" fmla="*/ 3652838 h 6858000"/>
-              <a:gd name="connsiteX9" fmla="*/ 1459070 w 9963150"/>
-              <a:gd name="connsiteY9" fmla="*/ 130333 h 6858000"/>
-            </a:gdLst>
-            <a:ahLst/>
-            <a:cxnLst>
-              <a:cxn ang="0">
-                <a:pos x="connsiteX0" y="connsiteY0"/>
-              </a:cxn>
-              <a:cxn ang="0">
-                <a:pos x="connsiteX1" y="connsiteY1"/>
-              </a:cxn>
-              <a:cxn ang="0">
-                <a:pos x="connsiteX2" y="connsiteY2"/>
-              </a:cxn>
-              <a:cxn ang="0">
-                <a:pos x="connsiteX3" y="connsiteY3"/>
-              </a:cxn>
-              <a:cxn ang="0">
-                <a:pos x="connsiteX4" y="connsiteY4"/>
-              </a:cxn>
-              <a:cxn ang="0">
-                <a:pos x="connsiteX5" y="connsiteY5"/>
-              </a:cxn>
-              <a:cxn ang="0">
-                <a:pos x="connsiteX6" y="connsiteY6"/>
-              </a:cxn>
-              <a:cxn ang="0">
-                <a:pos x="connsiteX7" y="connsiteY7"/>
-              </a:cxn>
-              <a:cxn ang="0">
-                <a:pos x="connsiteX8" y="connsiteY8"/>
-              </a:cxn>
-              <a:cxn ang="0">
-                <a:pos x="connsiteX9" y="connsiteY9"/>
-              </a:cxn>
-            </a:cxnLst>
-            <a:rect l="l" t="t" r="r" b="b"/>
-            <a:pathLst>
-              <a:path w="9963150" h="6858000">
-                <a:moveTo>
-                  <a:pt x="1595771" y="0"/>
-                </a:moveTo>
-                <a:lnTo>
-                  <a:pt x="8367379" y="0"/>
-                </a:lnTo>
-                <a:lnTo>
-                  <a:pt x="8504080" y="130333"/>
-                </a:lnTo>
-                <a:cubicBezTo>
-                  <a:pt x="9405568" y="1031820"/>
-                  <a:pt x="9963150" y="2277214"/>
-                  <a:pt x="9963150" y="3652838"/>
-                </a:cubicBezTo>
-                <a:cubicBezTo>
-                  <a:pt x="9963150" y="4856509"/>
-                  <a:pt x="9536251" y="5960473"/>
-                  <a:pt x="8825600" y="6821583"/>
-                </a:cubicBezTo>
-                <a:lnTo>
-                  <a:pt x="8794055" y="6858000"/>
-                </a:lnTo>
-                <a:lnTo>
-                  <a:pt x="1169096" y="6858000"/>
-                </a:lnTo>
-                <a:lnTo>
-                  <a:pt x="1137550" y="6821583"/>
-                </a:lnTo>
-                <a:cubicBezTo>
-                  <a:pt x="426899" y="5960473"/>
-                  <a:pt x="0" y="4856509"/>
-                  <a:pt x="0" y="3652838"/>
-                </a:cubicBezTo>
-                <a:cubicBezTo>
-                  <a:pt x="0" y="2277214"/>
-                  <a:pt x="557582" y="1031820"/>
-                  <a:pt x="1459070" y="130333"/>
-                </a:cubicBezTo>
-                <a:close/>
-              </a:path>
-            </a:pathLst>
-          </a:custGeom>
-          <a:ln w="9525">
-            <a:noFill/>
-          </a:ln>
-          <a:effectLst/>
-        </p:spPr>
-        <p:style>
-          <a:lnRef idx="2">
-            <a:schemeClr val="accent1">
-              <a:shade val="50000"/>
-            </a:schemeClr>
-          </a:lnRef>
-          <a:fillRef idx="1">
-            <a:schemeClr val="accent1"/>
-          </a:fillRef>
-          <a:effectRef idx="0">
-            <a:schemeClr val="accent1"/>
-          </a:effectRef>
-          <a:fontRef idx="minor">
-            <a:schemeClr val="lt1"/>
-          </a:fontRef>
-        </p:style>
-        <p:txBody>
-          <a:bodyPr wrap="square" rtlCol="0" anchor="ctr">
-            <a:noAutofit/>
-          </a:bodyPr>
-          <a:lstStyle/>
-          <a:p>
-            <a:pPr marL="0" marR="0" lvl="0" indent="0" algn="ctr" defTabSz="914400" rtl="0" eaLnBrk="1" fontAlgn="auto" latinLnBrk="0" hangingPunct="1">
-              <a:lnSpc>
-                <a:spcPct val="100000"/>
-              </a:lnSpc>
-              <a:spcBef>
-                <a:spcPts val="0"/>
-              </a:spcBef>
-              <a:spcAft>
-                <a:spcPts val="0"/>
-              </a:spcAft>
-              <a:buClrTx/>
-              <a:buSzTx/>
-              <a:buFontTx/>
-              <a:buNone/>
-              <a:tabLst/>
-              <a:defRPr/>
-            </a:pPr>
-            <a:endParaRPr kumimoji="0" lang="en-US" sz="1800" b="0" i="0" u="none" strike="noStrike" kern="1200" cap="none" spc="0" normalizeH="0" baseline="0" noProof="0">
-              <a:ln>
-                <a:noFill/>
-              </a:ln>
-              <a:solidFill>
-                <a:prstClr val="white"/>
-              </a:solidFill>
-              <a:effectLst/>
-              <a:uLnTx/>
-              <a:uFillTx/>
-              <a:latin typeface="Calibri" panose="020F0502020204030204"/>
-              <a:ea typeface="+mn-ea"/>
-              <a:cs typeface="+mn-cs"/>
-            </a:endParaRPr>
-          </a:p>
-        </p:txBody>
-      </p:sp>
       <p:sp>
         <p:nvSpPr>
           <p:cNvPr id="4" name="직사각형 3">
@@ -9687,6 +6556,9 @@
           <a:prstGeom prst="rect">
             <a:avLst/>
           </a:prstGeom>
+          <a:solidFill>
+            <a:srgbClr val="5161CE"/>
+          </a:solidFill>
         </p:spPr>
         <p:style>
           <a:lnRef idx="2">
@@ -9722,7 +6594,7 @@
               </a:spcAft>
             </a:pPr>
             <a:r>
-              <a:rPr lang="ko-KR" altLang="en-US" sz="7200" b="1" kern="1200">
+              <a:rPr lang="ko-KR" altLang="en-US" sz="7200" b="1" kern="1200" dirty="0">
                 <a:solidFill>
                   <a:schemeClr val="bg1"/>
                 </a:solidFill>
@@ -9742,102 +6614,10 @@
           </a:p>
         </p:txBody>
       </p:sp>
-      <p:sp>
-        <p:nvSpPr>
-          <p:cNvPr id="15" name="Rectangle 14">
-            <a:extLst>
-              <a:ext uri="{FF2B5EF4-FFF2-40B4-BE49-F238E27FC236}">
-                <a16:creationId xmlns:a16="http://schemas.microsoft.com/office/drawing/2014/main" id="{3629484E-3792-4B3D-89AD-7C8A1ED0E0D4}"/>
-              </a:ext>
-              <a:ext uri="{C183D7F6-B498-43B3-948B-1728B52AA6E4}">
-                <adec:decorative xmlns:adec="http://schemas.microsoft.com/office/drawing/2017/decorative" val="1"/>
-              </a:ext>
-            </a:extLst>
-          </p:cNvPr>
-          <p:cNvSpPr>
-            <a:spLocks noGrp="1" noRot="1" noChangeAspect="1" noMove="1" noResize="1" noEditPoints="1" noAdjustHandles="1" noChangeArrowheads="1" noChangeShapeType="1" noTextEdit="1"/>
-          </p:cNvSpPr>
-          <p:nvPr>
-            <p:extLst>
-              <p:ext uri="{386F3935-93C4-4BCD-93E2-E3B085C9AB24}">
-                <p16:designElem xmlns:p16="http://schemas.microsoft.com/office/powerpoint/2015/main" val="1"/>
-              </p:ext>
-            </p:extLst>
-          </p:nvPr>
-        </p:nvSpPr>
-        <p:spPr>
-          <a:xfrm>
-            <a:off x="3718560" y="5524786"/>
-            <a:ext cx="4754880" cy="27432"/>
-          </a:xfrm>
-          <a:prstGeom prst="rect">
-            <a:avLst/>
-          </a:prstGeom>
-          <a:solidFill>
-            <a:schemeClr val="accent2"/>
-          </a:solidFill>
-          <a:ln>
-            <a:noFill/>
-          </a:ln>
-        </p:spPr>
-        <p:style>
-          <a:lnRef idx="2">
-            <a:schemeClr val="accent1">
-              <a:shade val="50000"/>
-            </a:schemeClr>
-          </a:lnRef>
-          <a:fillRef idx="1">
-            <a:schemeClr val="accent1"/>
-          </a:fillRef>
-          <a:effectRef idx="0">
-            <a:schemeClr val="accent1"/>
-          </a:effectRef>
-          <a:fontRef idx="minor">
-            <a:schemeClr val="lt1"/>
-          </a:fontRef>
-        </p:style>
-        <p:txBody>
-          <a:bodyPr rtlCol="0" anchor="ctr"/>
-          <a:lstStyle/>
-          <a:p>
-            <a:pPr marL="0" marR="0" lvl="0" indent="0" algn="ctr" defTabSz="914400" rtl="0" eaLnBrk="1" fontAlgn="auto" latinLnBrk="0" hangingPunct="1">
-              <a:lnSpc>
-                <a:spcPct val="100000"/>
-              </a:lnSpc>
-              <a:spcBef>
-                <a:spcPts val="0"/>
-              </a:spcBef>
-              <a:spcAft>
-                <a:spcPts val="0"/>
-              </a:spcAft>
-              <a:buClrTx/>
-              <a:buSzTx/>
-              <a:buFontTx/>
-              <a:buNone/>
-              <a:tabLst/>
-              <a:defRPr/>
-            </a:pPr>
-            <a:endParaRPr kumimoji="0" lang="en-US" sz="1800" b="0" i="0" u="none" strike="noStrike" kern="1200" cap="none" spc="0" normalizeH="0" baseline="0" noProof="0">
-              <a:ln>
-                <a:noFill/>
-              </a:ln>
-              <a:solidFill>
-                <a:prstClr val="white"/>
-              </a:solidFill>
-              <a:effectLst/>
-              <a:uLnTx/>
-              <a:uFillTx/>
-              <a:latin typeface="Calibri" panose="020F0502020204030204"/>
-              <a:ea typeface="+mn-ea"/>
-              <a:cs typeface="+mn-cs"/>
-            </a:endParaRPr>
-          </a:p>
-        </p:txBody>
-      </p:sp>
     </p:spTree>
     <p:extLst>
       <p:ext uri="{BB962C8B-B14F-4D97-AF65-F5344CB8AC3E}">
-        <p14:creationId xmlns:p14="http://schemas.microsoft.com/office/powerpoint/2010/main" val="2075936973"/>
+        <p14:creationId xmlns:p14="http://schemas.microsoft.com/office/powerpoint/2010/main" val="2809456441"/>
       </p:ext>
     </p:extLst>
   </p:cSld>
@@ -9856,6 +6636,164 @@
       </p:transition>
     </mc:Fallback>
   </mc:AlternateContent>
+</p:sld>
+</file>
+
+<file path=ppt/slides/slide13.xml><?xml version="1.0" encoding="utf-8"?>
+<p:sld xmlns:a="http://schemas.openxmlformats.org/drawingml/2006/main" xmlns:r="http://schemas.openxmlformats.org/officeDocument/2006/relationships" xmlns:p="http://schemas.openxmlformats.org/presentationml/2006/main">
+  <p:cSld>
+    <p:spTree>
+      <p:nvGrpSpPr>
+        <p:cNvPr id="1" name=""/>
+        <p:cNvGrpSpPr/>
+        <p:nvPr/>
+      </p:nvGrpSpPr>
+      <p:grpSpPr>
+        <a:xfrm>
+          <a:off x="0" y="0"/>
+          <a:ext cx="0" cy="0"/>
+          <a:chOff x="0" y="0"/>
+          <a:chExt cx="0" cy="0"/>
+        </a:xfrm>
+      </p:grpSpPr>
+      <p:graphicFrame>
+        <p:nvGraphicFramePr>
+          <p:cNvPr id="98" name="차트 97">
+            <a:extLst>
+              <a:ext uri="{FF2B5EF4-FFF2-40B4-BE49-F238E27FC236}">
+                <a16:creationId xmlns:a16="http://schemas.microsoft.com/office/drawing/2014/main" id="{304640FD-C803-9AC0-17C4-84CD70B54CE9}"/>
+              </a:ext>
+            </a:extLst>
+          </p:cNvPr>
+          <p:cNvGraphicFramePr/>
+          <p:nvPr>
+            <p:extLst>
+              <p:ext uri="{D42A27DB-BD31-4B8C-83A1-F6EECF244321}">
+                <p14:modId xmlns:p14="http://schemas.microsoft.com/office/powerpoint/2010/main" val="824032288"/>
+              </p:ext>
+            </p:extLst>
+          </p:nvPr>
+        </p:nvGraphicFramePr>
+        <p:xfrm>
+          <a:off x="2031999" y="719666"/>
+          <a:ext cx="9913983" cy="5418667"/>
+        </p:xfrm>
+        <a:graphic>
+          <a:graphicData uri="http://schemas.openxmlformats.org/drawingml/2006/chart">
+            <c:chart xmlns:c="http://schemas.openxmlformats.org/drawingml/2006/chart" xmlns:r="http://schemas.openxmlformats.org/officeDocument/2006/relationships" r:id="rId2"/>
+          </a:graphicData>
+        </a:graphic>
+      </p:graphicFrame>
+    </p:spTree>
+    <p:extLst>
+      <p:ext uri="{BB962C8B-B14F-4D97-AF65-F5344CB8AC3E}">
+        <p14:creationId xmlns:p14="http://schemas.microsoft.com/office/powerpoint/2010/main" val="2817295418"/>
+      </p:ext>
+    </p:extLst>
+  </p:cSld>
+  <p:clrMapOvr>
+    <a:masterClrMapping/>
+  </p:clrMapOvr>
+  <mc:AlternateContent xmlns:mc="http://schemas.openxmlformats.org/markup-compatibility/2006" xmlns:p159="http://schemas.microsoft.com/office/powerpoint/2015/09/main">
+    <mc:Choice Requires="p159">
+      <p:transition xmlns:p14="http://schemas.microsoft.com/office/powerpoint/2010/main" spd="slow" p14:dur="2000">
+        <p159:morph option="byObject"/>
+      </p:transition>
+    </mc:Choice>
+    <mc:Fallback xmlns="">
+      <p:transition spd="slow">
+        <p:fade/>
+      </p:transition>
+    </mc:Fallback>
+  </mc:AlternateContent>
+  <p:timing>
+    <p:tnLst>
+      <p:par>
+        <p:cTn id="1" dur="indefinite" restart="never" nodeType="tmRoot">
+          <p:childTnLst>
+            <p:seq concurrent="1" nextAc="seek">
+              <p:cTn id="2" dur="indefinite" nodeType="mainSeq">
+                <p:childTnLst>
+                  <p:par>
+                    <p:cTn id="3" fill="hold">
+                      <p:stCondLst>
+                        <p:cond delay="indefinite"/>
+                      </p:stCondLst>
+                      <p:childTnLst>
+                        <p:par>
+                          <p:cTn id="4" fill="hold">
+                            <p:stCondLst>
+                              <p:cond delay="0"/>
+                            </p:stCondLst>
+                            <p:childTnLst>
+                              <p:par>
+                                <p:cTn id="5" presetID="10" presetClass="entr" presetSubtype="0" fill="hold" grpId="0" nodeType="clickEffect">
+                                  <p:stCondLst>
+                                    <p:cond delay="0"/>
+                                  </p:stCondLst>
+                                  <p:childTnLst>
+                                    <p:set>
+                                      <p:cBhvr>
+                                        <p:cTn id="6" dur="1" fill="hold">
+                                          <p:stCondLst>
+                                            <p:cond delay="0"/>
+                                          </p:stCondLst>
+                                        </p:cTn>
+                                        <p:tgtEl>
+                                          <p:spTgt spid="98"/>
+                                        </p:tgtEl>
+                                        <p:attrNameLst>
+                                          <p:attrName>style.visibility</p:attrName>
+                                        </p:attrNameLst>
+                                      </p:cBhvr>
+                                      <p:to>
+                                        <p:strVal val="visible"/>
+                                      </p:to>
+                                    </p:set>
+                                    <p:animEffect transition="in" filter="fade">
+                                      <p:cBhvr>
+                                        <p:cTn id="7" dur="500"/>
+                                        <p:tgtEl>
+                                          <p:spTgt spid="98"/>
+                                        </p:tgtEl>
+                                      </p:cBhvr>
+                                    </p:animEffect>
+                                  </p:childTnLst>
+                                </p:cTn>
+                              </p:par>
+                            </p:childTnLst>
+                          </p:cTn>
+                        </p:par>
+                      </p:childTnLst>
+                    </p:cTn>
+                  </p:par>
+                </p:childTnLst>
+              </p:cTn>
+              <p:prevCondLst>
+                <p:cond evt="onPrev" delay="0">
+                  <p:tgtEl>
+                    <p:sldTgt/>
+                  </p:tgtEl>
+                </p:cond>
+              </p:prevCondLst>
+              <p:nextCondLst>
+                <p:cond evt="onNext" delay="0">
+                  <p:tgtEl>
+                    <p:sldTgt/>
+                  </p:tgtEl>
+                </p:cond>
+              </p:nextCondLst>
+            </p:seq>
+          </p:childTnLst>
+        </p:cTn>
+      </p:par>
+    </p:tnLst>
+    <p:bldLst>
+      <p:bldGraphic spid="98" grpId="0">
+        <p:bldAsOne/>
+      </p:bldGraphic>
+    </p:bldLst>
+  </p:timing>
 </p:sld>
 </file>
 
@@ -15009,164 +11947,6 @@
 </p:sld>
 </file>
 
-<file path=ppt/slides/slide15.xml><?xml version="1.0" encoding="utf-8"?>
-<p:sld xmlns:a="http://schemas.openxmlformats.org/drawingml/2006/main" xmlns:r="http://schemas.openxmlformats.org/officeDocument/2006/relationships" xmlns:p="http://schemas.openxmlformats.org/presentationml/2006/main">
-  <p:cSld>
-    <p:spTree>
-      <p:nvGrpSpPr>
-        <p:cNvPr id="1" name=""/>
-        <p:cNvGrpSpPr/>
-        <p:nvPr/>
-      </p:nvGrpSpPr>
-      <p:grpSpPr>
-        <a:xfrm>
-          <a:off x="0" y="0"/>
-          <a:ext cx="0" cy="0"/>
-          <a:chOff x="0" y="0"/>
-          <a:chExt cx="0" cy="0"/>
-        </a:xfrm>
-      </p:grpSpPr>
-      <p:graphicFrame>
-        <p:nvGraphicFramePr>
-          <p:cNvPr id="98" name="차트 97">
-            <a:extLst>
-              <a:ext uri="{FF2B5EF4-FFF2-40B4-BE49-F238E27FC236}">
-                <a16:creationId xmlns:a16="http://schemas.microsoft.com/office/drawing/2014/main" id="{304640FD-C803-9AC0-17C4-84CD70B54CE9}"/>
-              </a:ext>
-            </a:extLst>
-          </p:cNvPr>
-          <p:cNvGraphicFramePr/>
-          <p:nvPr>
-            <p:extLst>
-              <p:ext uri="{D42A27DB-BD31-4B8C-83A1-F6EECF244321}">
-                <p14:modId xmlns:p14="http://schemas.microsoft.com/office/powerpoint/2010/main" val="824032288"/>
-              </p:ext>
-            </p:extLst>
-          </p:nvPr>
-        </p:nvGraphicFramePr>
-        <p:xfrm>
-          <a:off x="2031999" y="719666"/>
-          <a:ext cx="9913983" cy="5418667"/>
-        </p:xfrm>
-        <a:graphic>
-          <a:graphicData uri="http://schemas.openxmlformats.org/drawingml/2006/chart">
-            <c:chart xmlns:c="http://schemas.openxmlformats.org/drawingml/2006/chart" xmlns:r="http://schemas.openxmlformats.org/officeDocument/2006/relationships" r:id="rId2"/>
-          </a:graphicData>
-        </a:graphic>
-      </p:graphicFrame>
-    </p:spTree>
-    <p:extLst>
-      <p:ext uri="{BB962C8B-B14F-4D97-AF65-F5344CB8AC3E}">
-        <p14:creationId xmlns:p14="http://schemas.microsoft.com/office/powerpoint/2010/main" val="2817295418"/>
-      </p:ext>
-    </p:extLst>
-  </p:cSld>
-  <p:clrMapOvr>
-    <a:masterClrMapping/>
-  </p:clrMapOvr>
-  <mc:AlternateContent xmlns:mc="http://schemas.openxmlformats.org/markup-compatibility/2006" xmlns:p159="http://schemas.microsoft.com/office/powerpoint/2015/09/main">
-    <mc:Choice Requires="p159">
-      <p:transition xmlns:p14="http://schemas.microsoft.com/office/powerpoint/2010/main" spd="slow" p14:dur="2000">
-        <p159:morph option="byObject"/>
-      </p:transition>
-    </mc:Choice>
-    <mc:Fallback xmlns="">
-      <p:transition spd="slow">
-        <p:fade/>
-      </p:transition>
-    </mc:Fallback>
-  </mc:AlternateContent>
-  <p:timing>
-    <p:tnLst>
-      <p:par>
-        <p:cTn id="1" dur="indefinite" restart="never" nodeType="tmRoot">
-          <p:childTnLst>
-            <p:seq concurrent="1" nextAc="seek">
-              <p:cTn id="2" dur="indefinite" nodeType="mainSeq">
-                <p:childTnLst>
-                  <p:par>
-                    <p:cTn id="3" fill="hold">
-                      <p:stCondLst>
-                        <p:cond delay="indefinite"/>
-                      </p:stCondLst>
-                      <p:childTnLst>
-                        <p:par>
-                          <p:cTn id="4" fill="hold">
-                            <p:stCondLst>
-                              <p:cond delay="0"/>
-                            </p:stCondLst>
-                            <p:childTnLst>
-                              <p:par>
-                                <p:cTn id="5" presetID="10" presetClass="entr" presetSubtype="0" fill="hold" grpId="0" nodeType="clickEffect">
-                                  <p:stCondLst>
-                                    <p:cond delay="0"/>
-                                  </p:stCondLst>
-                                  <p:childTnLst>
-                                    <p:set>
-                                      <p:cBhvr>
-                                        <p:cTn id="6" dur="1" fill="hold">
-                                          <p:stCondLst>
-                                            <p:cond delay="0"/>
-                                          </p:stCondLst>
-                                        </p:cTn>
-                                        <p:tgtEl>
-                                          <p:spTgt spid="98"/>
-                                        </p:tgtEl>
-                                        <p:attrNameLst>
-                                          <p:attrName>style.visibility</p:attrName>
-                                        </p:attrNameLst>
-                                      </p:cBhvr>
-                                      <p:to>
-                                        <p:strVal val="visible"/>
-                                      </p:to>
-                                    </p:set>
-                                    <p:animEffect transition="in" filter="fade">
-                                      <p:cBhvr>
-                                        <p:cTn id="7" dur="500"/>
-                                        <p:tgtEl>
-                                          <p:spTgt spid="98"/>
-                                        </p:tgtEl>
-                                      </p:cBhvr>
-                                    </p:animEffect>
-                                  </p:childTnLst>
-                                </p:cTn>
-                              </p:par>
-                            </p:childTnLst>
-                          </p:cTn>
-                        </p:par>
-                      </p:childTnLst>
-                    </p:cTn>
-                  </p:par>
-                </p:childTnLst>
-              </p:cTn>
-              <p:prevCondLst>
-                <p:cond evt="onPrev" delay="0">
-                  <p:tgtEl>
-                    <p:sldTgt/>
-                  </p:tgtEl>
-                </p:cond>
-              </p:prevCondLst>
-              <p:nextCondLst>
-                <p:cond evt="onNext" delay="0">
-                  <p:tgtEl>
-                    <p:sldTgt/>
-                  </p:tgtEl>
-                </p:cond>
-              </p:nextCondLst>
-            </p:seq>
-          </p:childTnLst>
-        </p:cTn>
-      </p:par>
-    </p:tnLst>
-    <p:bldLst>
-      <p:bldGraphic spid="98" grpId="0">
-        <p:bldAsOne/>
-      </p:bldGraphic>
-    </p:bldLst>
-  </p:timing>
-</p:sld>
-</file>
-
 <file path=ppt/slides/slide2.xml><?xml version="1.0" encoding="utf-8"?>
 <p:sld xmlns:a="http://schemas.openxmlformats.org/drawingml/2006/main" xmlns:r="http://schemas.openxmlformats.org/officeDocument/2006/relationships" xmlns:p="http://schemas.openxmlformats.org/presentationml/2006/main">
   <p:cSld>
@@ -15205,8 +11985,13 @@
             <a:avLst/>
           </a:prstGeom>
           <a:solidFill>
-            <a:schemeClr val="accent1"/>
+            <a:srgbClr val="5161CE"/>
           </a:solidFill>
+          <a:ln>
+            <a:solidFill>
+              <a:srgbClr val="5161CE"/>
+            </a:solidFill>
+          </a:ln>
         </p:spPr>
         <p:style>
           <a:lnRef idx="2">
@@ -15229,7 +12014,11 @@
           <a:lstStyle/>
           <a:p>
             <a:pPr algn="ctr"/>
-            <a:endParaRPr lang="ko-KR" altLang="en-US"/>
+            <a:endParaRPr lang="ko-KR" altLang="en-US">
+              <a:solidFill>
+                <a:srgbClr val="5161CE"/>
+              </a:solidFill>
+            </a:endParaRPr>
           </a:p>
         </p:txBody>
       </p:sp>
@@ -15308,7 +12097,7 @@
           <a:noFill/>
           <a:ln w="28575" algn="ctr">
             <a:solidFill>
-              <a:schemeClr val="accent1"/>
+              <a:srgbClr val="5161CE"/>
             </a:solidFill>
             <a:round/>
             <a:headEnd/>
@@ -15362,7 +12151,7 @@
           <a:noFill/>
           <a:ln w="28575" algn="ctr">
             <a:solidFill>
-              <a:schemeClr val="accent1"/>
+              <a:srgbClr val="5161CE"/>
             </a:solidFill>
             <a:round/>
             <a:headEnd/>
@@ -15416,7 +12205,7 @@
           <a:noFill/>
           <a:ln w="28575" algn="ctr">
             <a:solidFill>
-              <a:schemeClr val="accent1"/>
+              <a:srgbClr val="5161CE"/>
             </a:solidFill>
             <a:round/>
             <a:headEnd/>
@@ -15470,7 +12259,7 @@
           <a:noFill/>
           <a:ln w="28575" algn="ctr">
             <a:solidFill>
-              <a:schemeClr val="accent1"/>
+              <a:srgbClr val="5161CE"/>
             </a:solidFill>
             <a:round/>
             <a:headEnd/>
@@ -15524,7 +12313,7 @@
           <a:noFill/>
           <a:ln w="28575" algn="ctr">
             <a:solidFill>
-              <a:schemeClr val="accent1"/>
+              <a:srgbClr val="5161CE"/>
             </a:solidFill>
             <a:round/>
             <a:headEnd/>
@@ -15578,7 +12367,7 @@
           <a:noFill/>
           <a:ln w="28575" algn="ctr">
             <a:solidFill>
-              <a:schemeClr val="accent1"/>
+              <a:srgbClr val="5161CE"/>
             </a:solidFill>
             <a:round/>
             <a:headEnd/>
@@ -15632,7 +12421,7 @@
           <a:noFill/>
           <a:ln w="28575" algn="ctr">
             <a:solidFill>
-              <a:schemeClr val="accent1"/>
+              <a:srgbClr val="5161CE"/>
             </a:solidFill>
             <a:round/>
             <a:headEnd/>
@@ -15686,7 +12475,7 @@
           <a:noFill/>
           <a:ln w="28575" algn="ctr">
             <a:solidFill>
-              <a:schemeClr val="accent1"/>
+              <a:srgbClr val="5161CE"/>
             </a:solidFill>
             <a:round/>
             <a:headEnd/>
@@ -15734,6 +12523,9 @@
             <a:avLst/>
           </a:prstGeom>
           <a:noFill/>
+          <a:ln>
+            <a:noFill/>
+          </a:ln>
         </p:spPr>
         <p:txBody>
           <a:bodyPr wrap="none" lIns="91440" tIns="45720" rIns="91440" bIns="45720">
@@ -15746,7 +12538,7 @@
               <a:rPr lang="en-US" altLang="ko-KR" sz="3000" b="1" cap="none" spc="0" dirty="0">
                 <a:ln w="0"/>
                 <a:solidFill>
-                  <a:schemeClr val="accent1"/>
+                  <a:srgbClr val="5161CE"/>
                 </a:solidFill>
               </a:rPr>
               <a:t>01.</a:t>
@@ -15775,6 +12567,9 @@
             <a:avLst/>
           </a:prstGeom>
           <a:noFill/>
+          <a:ln>
+            <a:noFill/>
+          </a:ln>
         </p:spPr>
         <p:txBody>
           <a:bodyPr wrap="none" lIns="91440" tIns="45720" rIns="91440" bIns="45720">
@@ -15787,7 +12582,7 @@
               <a:rPr lang="en-US" altLang="ko-KR" sz="3000" b="1" cap="none" spc="0" dirty="0">
                 <a:ln w="0"/>
                 <a:solidFill>
-                  <a:schemeClr val="accent1"/>
+                  <a:srgbClr val="5161CE"/>
                 </a:solidFill>
               </a:rPr>
               <a:t>02.</a:t>
@@ -15816,6 +12611,9 @@
             <a:avLst/>
           </a:prstGeom>
           <a:noFill/>
+          <a:ln>
+            <a:noFill/>
+          </a:ln>
         </p:spPr>
         <p:txBody>
           <a:bodyPr wrap="none" lIns="91440" tIns="45720" rIns="91440" bIns="45720">
@@ -15828,7 +12626,7 @@
               <a:rPr lang="en-US" altLang="ko-KR" sz="3000" b="1" cap="none" spc="0" dirty="0">
                 <a:ln w="0"/>
                 <a:solidFill>
-                  <a:schemeClr val="accent1"/>
+                  <a:srgbClr val="5161CE"/>
                 </a:solidFill>
               </a:rPr>
               <a:t>03.</a:t>
@@ -15857,6 +12655,9 @@
             <a:avLst/>
           </a:prstGeom>
           <a:noFill/>
+          <a:ln>
+            <a:noFill/>
+          </a:ln>
         </p:spPr>
         <p:txBody>
           <a:bodyPr wrap="none" lIns="91440" tIns="45720" rIns="91440" bIns="45720">
@@ -15869,7 +12670,7 @@
               <a:rPr lang="en-US" altLang="ko-KR" sz="3000" b="1" cap="none" spc="0" dirty="0">
                 <a:ln w="0"/>
                 <a:solidFill>
-                  <a:schemeClr val="accent1"/>
+                  <a:srgbClr val="5161CE"/>
                 </a:solidFill>
               </a:rPr>
               <a:t>04.</a:t>
@@ -15898,6 +12699,9 @@
             <a:avLst/>
           </a:prstGeom>
           <a:noFill/>
+          <a:ln>
+            <a:noFill/>
+          </a:ln>
         </p:spPr>
         <p:txBody>
           <a:bodyPr wrap="none" lIns="91440" tIns="45720" rIns="91440" bIns="45720">
@@ -15910,7 +12714,7 @@
               <a:rPr lang="en-US" altLang="ko-KR" sz="3000" b="1" cap="none" spc="0" dirty="0">
                 <a:ln w="0"/>
                 <a:solidFill>
-                  <a:schemeClr val="accent1"/>
+                  <a:srgbClr val="5161CE"/>
                 </a:solidFill>
               </a:rPr>
               <a:t>05.</a:t>
@@ -15939,6 +12743,9 @@
             <a:avLst/>
           </a:prstGeom>
           <a:noFill/>
+          <a:ln>
+            <a:noFill/>
+          </a:ln>
         </p:spPr>
         <p:txBody>
           <a:bodyPr wrap="none" lIns="91440" tIns="45720" rIns="91440" bIns="45720">
@@ -15951,7 +12758,7 @@
               <a:rPr lang="en-US" altLang="ko-KR" sz="3000" b="1" cap="none" spc="0" dirty="0">
                 <a:ln w="0"/>
                 <a:solidFill>
-                  <a:schemeClr val="accent1"/>
+                  <a:srgbClr val="5161CE"/>
                 </a:solidFill>
               </a:rPr>
               <a:t>06.</a:t>
@@ -15980,6 +12787,9 @@
             <a:avLst/>
           </a:prstGeom>
           <a:noFill/>
+          <a:ln>
+            <a:noFill/>
+          </a:ln>
         </p:spPr>
         <p:txBody>
           <a:bodyPr wrap="none" lIns="91440" tIns="45720" rIns="91440" bIns="45720">
@@ -15992,7 +12802,7 @@
               <a:rPr lang="en-US" altLang="ko-KR" sz="3000" b="1" cap="none" spc="0" dirty="0">
                 <a:ln w="0"/>
                 <a:solidFill>
-                  <a:schemeClr val="accent1"/>
+                  <a:srgbClr val="5161CE"/>
                 </a:solidFill>
               </a:rPr>
               <a:t>07.</a:t>
@@ -16021,6 +12831,9 @@
             <a:avLst/>
           </a:prstGeom>
           <a:noFill/>
+          <a:ln>
+            <a:noFill/>
+          </a:ln>
         </p:spPr>
         <p:txBody>
           <a:bodyPr wrap="none" lIns="91440" tIns="45720" rIns="91440" bIns="45720">
@@ -16033,7 +12846,7 @@
               <a:rPr lang="en-US" altLang="ko-KR" sz="3000" b="1" cap="none" spc="0" dirty="0">
                 <a:ln w="0"/>
                 <a:solidFill>
-                  <a:schemeClr val="accent1"/>
+                  <a:srgbClr val="5161CE"/>
                 </a:solidFill>
               </a:rPr>
               <a:t>08.</a:t>
@@ -16104,8 +12917,11 @@
             <a:avLst/>
           </a:prstGeom>
           <a:solidFill>
-            <a:schemeClr val="accent1"/>
+            <a:srgbClr val="5161CE"/>
           </a:solidFill>
+          <a:ln>
+            <a:noFill/>
+          </a:ln>
         </p:spPr>
         <p:style>
           <a:lnRef idx="2">
@@ -16267,379 +13083,6 @@
           </a:p>
         </p:txBody>
       </p:sp>
-      <p:sp>
-        <p:nvSpPr>
-          <p:cNvPr id="19" name="TextBox 18">
-            <a:extLst>
-              <a:ext uri="{FF2B5EF4-FFF2-40B4-BE49-F238E27FC236}">
-                <a16:creationId xmlns:a16="http://schemas.microsoft.com/office/drawing/2014/main" id="{ADC440AE-6FE0-F325-8A12-A2042E3E8181}"/>
-              </a:ext>
-            </a:extLst>
-          </p:cNvPr>
-          <p:cNvSpPr txBox="1"/>
-          <p:nvPr/>
-        </p:nvSpPr>
-        <p:spPr>
-          <a:xfrm>
-            <a:off x="8400007" y="410647"/>
-            <a:ext cx="3486219" cy="2947282"/>
-          </a:xfrm>
-          <a:prstGeom prst="rect">
-            <a:avLst/>
-          </a:prstGeom>
-          <a:noFill/>
-        </p:spPr>
-        <p:txBody>
-          <a:bodyPr wrap="square" rtlCol="0">
-            <a:spAutoFit/>
-          </a:bodyPr>
-          <a:lstStyle/>
-          <a:p>
-            <a:pPr marL="285750" indent="-285750">
-              <a:lnSpc>
-                <a:spcPct val="150000"/>
-              </a:lnSpc>
-              <a:buFontTx/>
-              <a:buChar char="-"/>
-            </a:pPr>
-            <a:r>
-              <a:rPr lang="ko-KR" altLang="en-US" b="1" dirty="0">
-                <a:latin typeface="맑은 고딕" panose="020B0503020000020004" pitchFamily="50" charset="-127"/>
-                <a:ea typeface="맑은 고딕" panose="020B0503020000020004" pitchFamily="50" charset="-127"/>
-              </a:rPr>
-              <a:t>개발자로써 필연적인 프로젝트 경험</a:t>
-            </a:r>
-            <a:endParaRPr lang="en-US" altLang="ko-KR" b="1" dirty="0">
-              <a:latin typeface="맑은 고딕" panose="020B0503020000020004" pitchFamily="50" charset="-127"/>
-              <a:ea typeface="맑은 고딕" panose="020B0503020000020004" pitchFamily="50" charset="-127"/>
-            </a:endParaRPr>
-          </a:p>
-          <a:p>
-            <a:pPr>
-              <a:lnSpc>
-                <a:spcPct val="150000"/>
-              </a:lnSpc>
-            </a:pPr>
-            <a:endParaRPr lang="en-US" altLang="ko-KR" b="1" dirty="0">
-              <a:latin typeface="맑은 고딕" panose="020B0503020000020004" pitchFamily="50" charset="-127"/>
-              <a:ea typeface="맑은 고딕" panose="020B0503020000020004" pitchFamily="50" charset="-127"/>
-            </a:endParaRPr>
-          </a:p>
-          <a:p>
-            <a:pPr marL="285750" indent="-285750">
-              <a:lnSpc>
-                <a:spcPct val="150000"/>
-              </a:lnSpc>
-              <a:buFontTx/>
-              <a:buChar char="-"/>
-            </a:pPr>
-            <a:r>
-              <a:rPr lang="ko-KR" altLang="en-US" sz="1800" b="1" dirty="0">
-                <a:latin typeface="맑은 고딕" panose="020B0503020000020004" pitchFamily="50" charset="-127"/>
-                <a:ea typeface="맑은 고딕" panose="020B0503020000020004" pitchFamily="50" charset="-127"/>
-              </a:rPr>
-              <a:t>프로젝트 시작의 어려움</a:t>
-            </a:r>
-            <a:endParaRPr lang="en-US" altLang="ko-KR" sz="1800" b="1" dirty="0">
-              <a:latin typeface="맑은 고딕" panose="020B0503020000020004" pitchFamily="50" charset="-127"/>
-              <a:ea typeface="맑은 고딕" panose="020B0503020000020004" pitchFamily="50" charset="-127"/>
-            </a:endParaRPr>
-          </a:p>
-          <a:p>
-            <a:pPr>
-              <a:lnSpc>
-                <a:spcPct val="150000"/>
-              </a:lnSpc>
-            </a:pPr>
-            <a:endParaRPr lang="en-US" altLang="ko-KR" sz="1800" b="1" dirty="0">
-              <a:latin typeface="맑은 고딕" panose="020B0503020000020004" pitchFamily="50" charset="-127"/>
-              <a:ea typeface="맑은 고딕" panose="020B0503020000020004" pitchFamily="50" charset="-127"/>
-            </a:endParaRPr>
-          </a:p>
-          <a:p>
-            <a:pPr marL="285750" indent="-285750">
-              <a:lnSpc>
-                <a:spcPct val="150000"/>
-              </a:lnSpc>
-              <a:buFontTx/>
-              <a:buChar char="-"/>
-            </a:pPr>
-            <a:r>
-              <a:rPr lang="ko-KR" altLang="en-US" b="1" dirty="0">
-                <a:latin typeface="맑은 고딕" panose="020B0503020000020004" pitchFamily="50" charset="-127"/>
-                <a:ea typeface="맑은 고딕" panose="020B0503020000020004" pitchFamily="50" charset="-127"/>
-              </a:rPr>
-              <a:t>프로젝트를 마치며 정리된 문서의 부재</a:t>
-            </a:r>
-            <a:endParaRPr lang="en-US" altLang="ko-KR" sz="1800" b="1" dirty="0">
-              <a:latin typeface="맑은 고딕" panose="020B0503020000020004" pitchFamily="50" charset="-127"/>
-              <a:ea typeface="맑은 고딕" panose="020B0503020000020004" pitchFamily="50" charset="-127"/>
-            </a:endParaRPr>
-          </a:p>
-        </p:txBody>
-      </p:sp>
-      <p:pic>
-        <p:nvPicPr>
-          <p:cNvPr id="21" name="그림 20" descr="텍스트, 스크린샷, 폰트, 번호이(가) 표시된 사진&#10;&#10;자동 생성된 설명">
-            <a:extLst>
-              <a:ext uri="{FF2B5EF4-FFF2-40B4-BE49-F238E27FC236}">
-                <a16:creationId xmlns:a16="http://schemas.microsoft.com/office/drawing/2014/main" id="{78124535-19D4-CB6B-A91E-3DEFC5BB1A41}"/>
-              </a:ext>
-            </a:extLst>
-          </p:cNvPr>
-          <p:cNvPicPr>
-            <a:picLocks noChangeAspect="1"/>
-          </p:cNvPicPr>
-          <p:nvPr/>
-        </p:nvPicPr>
-        <p:blipFill>
-          <a:blip r:embed="rId2">
-            <a:extLst>
-              <a:ext uri="{28A0092B-C50C-407E-A947-70E740481C1C}">
-                <a14:useLocalDpi xmlns:a14="http://schemas.microsoft.com/office/drawing/2010/main" val="0"/>
-              </a:ext>
-            </a:extLst>
-          </a:blip>
-          <a:stretch>
-            <a:fillRect/>
-          </a:stretch>
-        </p:blipFill>
-        <p:spPr>
-          <a:xfrm>
-            <a:off x="1885916" y="269010"/>
-            <a:ext cx="6201794" cy="3319226"/>
-          </a:xfrm>
-          <a:prstGeom prst="rect">
-            <a:avLst/>
-          </a:prstGeom>
-        </p:spPr>
-      </p:pic>
-    </p:spTree>
-    <p:extLst>
-      <p:ext uri="{BB962C8B-B14F-4D97-AF65-F5344CB8AC3E}">
-        <p14:creationId xmlns:p14="http://schemas.microsoft.com/office/powerpoint/2010/main" val="2627018139"/>
-      </p:ext>
-    </p:extLst>
-  </p:cSld>
-  <p:clrMapOvr>
-    <a:masterClrMapping/>
-  </p:clrMapOvr>
-  <mc:AlternateContent xmlns:mc="http://schemas.openxmlformats.org/markup-compatibility/2006" xmlns:p159="http://schemas.microsoft.com/office/powerpoint/2015/09/main">
-    <mc:Choice Requires="p159">
-      <p:transition xmlns:p14="http://schemas.microsoft.com/office/powerpoint/2010/main" spd="slow" p14:dur="2000">
-        <p159:morph option="byObject"/>
-      </p:transition>
-    </mc:Choice>
-    <mc:Fallback xmlns="">
-      <p:transition spd="slow">
-        <p:fade/>
-      </p:transition>
-    </mc:Fallback>
-  </mc:AlternateContent>
-</p:sld>
-</file>
-
-<file path=ppt/slides/slide4.xml><?xml version="1.0" encoding="utf-8"?>
-<p:sld xmlns:a="http://schemas.openxmlformats.org/drawingml/2006/main" xmlns:r="http://schemas.openxmlformats.org/officeDocument/2006/relationships" xmlns:p="http://schemas.openxmlformats.org/presentationml/2006/main">
-  <p:cSld>
-    <p:spTree>
-      <p:nvGrpSpPr>
-        <p:cNvPr id="1" name=""/>
-        <p:cNvGrpSpPr/>
-        <p:nvPr/>
-      </p:nvGrpSpPr>
-      <p:grpSpPr>
-        <a:xfrm>
-          <a:off x="0" y="0"/>
-          <a:ext cx="0" cy="0"/>
-          <a:chOff x="0" y="0"/>
-          <a:chExt cx="0" cy="0"/>
-        </a:xfrm>
-      </p:grpSpPr>
-      <p:sp>
-        <p:nvSpPr>
-          <p:cNvPr id="4" name="직사각형 3">
-            <a:extLst>
-              <a:ext uri="{FF2B5EF4-FFF2-40B4-BE49-F238E27FC236}">
-                <a16:creationId xmlns:a16="http://schemas.microsoft.com/office/drawing/2014/main" id="{C35F139B-CDDB-42FA-525C-DA01A8146D90}"/>
-              </a:ext>
-            </a:extLst>
-          </p:cNvPr>
-          <p:cNvSpPr/>
-          <p:nvPr/>
-        </p:nvSpPr>
-        <p:spPr>
-          <a:xfrm>
-            <a:off x="0" y="0"/>
-            <a:ext cx="1573619" cy="6858000"/>
-          </a:xfrm>
-          <a:prstGeom prst="rect">
-            <a:avLst/>
-          </a:prstGeom>
-          <a:solidFill>
-            <a:schemeClr val="accent1"/>
-          </a:solidFill>
-        </p:spPr>
-        <p:style>
-          <a:lnRef idx="2">
-            <a:schemeClr val="accent1">
-              <a:shade val="50000"/>
-            </a:schemeClr>
-          </a:lnRef>
-          <a:fillRef idx="1">
-            <a:schemeClr val="accent1"/>
-          </a:fillRef>
-          <a:effectRef idx="0">
-            <a:schemeClr val="accent1"/>
-          </a:effectRef>
-          <a:fontRef idx="minor">
-            <a:schemeClr val="lt1"/>
-          </a:fontRef>
-        </p:style>
-        <p:txBody>
-          <a:bodyPr vert="eaVert" rtlCol="0" anchor="ctr"/>
-          <a:lstStyle/>
-          <a:p>
-            <a:pPr algn="ctr"/>
-            <a:endParaRPr lang="ko-KR" altLang="en-US" sz="3500" b="1" dirty="0">
-              <a:solidFill>
-                <a:schemeClr val="bg1"/>
-              </a:solidFill>
-              <a:effectLst>
-                <a:outerShdw blurRad="38100" dist="38100" dir="2700000" algn="tl">
-                  <a:srgbClr val="000000">
-                    <a:alpha val="43137"/>
-                  </a:srgbClr>
-                </a:outerShdw>
-              </a:effectLst>
-              <a:latin typeface="나눔고딕" pitchFamily="2" charset="-127"/>
-              <a:ea typeface="나눔고딕" pitchFamily="2" charset="-127"/>
-            </a:endParaRPr>
-          </a:p>
-        </p:txBody>
-      </p:sp>
-      <p:sp>
-        <p:nvSpPr>
-          <p:cNvPr id="6" name="TextBox 5">
-            <a:extLst>
-              <a:ext uri="{FF2B5EF4-FFF2-40B4-BE49-F238E27FC236}">
-                <a16:creationId xmlns:a16="http://schemas.microsoft.com/office/drawing/2014/main" id="{EC074382-065A-A02C-F5FE-53D97F558448}"/>
-              </a:ext>
-            </a:extLst>
-          </p:cNvPr>
-          <p:cNvSpPr txBox="1"/>
-          <p:nvPr/>
-        </p:nvSpPr>
-        <p:spPr>
-          <a:xfrm>
-            <a:off x="374005" y="1066255"/>
-            <a:ext cx="723275" cy="4725489"/>
-          </a:xfrm>
-          <a:prstGeom prst="rect">
-            <a:avLst/>
-          </a:prstGeom>
-          <a:noFill/>
-        </p:spPr>
-        <p:txBody>
-          <a:bodyPr vert="eaVert" wrap="square" rtlCol="0">
-            <a:spAutoFit/>
-          </a:bodyPr>
-          <a:lstStyle/>
-          <a:p>
-            <a:pPr algn="ctr"/>
-            <a:r>
-              <a:rPr lang="ko-KR" altLang="en-US" sz="3500" b="1" dirty="0" err="1">
-                <a:solidFill>
-                  <a:schemeClr val="bg1"/>
-                </a:solidFill>
-                <a:effectLst>
-                  <a:outerShdw blurRad="38100" dist="38100" dir="2700000" algn="tl">
-                    <a:srgbClr val="000000">
-                      <a:alpha val="43137"/>
-                    </a:srgbClr>
-                  </a:outerShdw>
-                </a:effectLst>
-              </a:rPr>
-              <a:t>프</a:t>
-            </a:r>
-            <a:r>
-              <a:rPr lang="ko-KR" altLang="en-US" sz="3500" b="1" dirty="0">
-                <a:solidFill>
-                  <a:schemeClr val="bg1"/>
-                </a:solidFill>
-                <a:effectLst>
-                  <a:outerShdw blurRad="38100" dist="38100" dir="2700000" algn="tl">
-                    <a:srgbClr val="000000">
-                      <a:alpha val="43137"/>
-                    </a:srgbClr>
-                  </a:outerShdw>
-                </a:effectLst>
-              </a:rPr>
-              <a:t>  로  </a:t>
-            </a:r>
-            <a:r>
-              <a:rPr lang="ko-KR" altLang="en-US" sz="3500" b="1" dirty="0" err="1">
-                <a:solidFill>
-                  <a:schemeClr val="bg1"/>
-                </a:solidFill>
-                <a:effectLst>
-                  <a:outerShdw blurRad="38100" dist="38100" dir="2700000" algn="tl">
-                    <a:srgbClr val="000000">
-                      <a:alpha val="43137"/>
-                    </a:srgbClr>
-                  </a:outerShdw>
-                </a:effectLst>
-              </a:rPr>
-              <a:t>젝</a:t>
-            </a:r>
-            <a:r>
-              <a:rPr lang="ko-KR" altLang="en-US" sz="3500" b="1" dirty="0">
-                <a:solidFill>
-                  <a:schemeClr val="bg1"/>
-                </a:solidFill>
-                <a:effectLst>
-                  <a:outerShdw blurRad="38100" dist="38100" dir="2700000" algn="tl">
-                    <a:srgbClr val="000000">
-                      <a:alpha val="43137"/>
-                    </a:srgbClr>
-                  </a:outerShdw>
-                </a:effectLst>
-              </a:rPr>
-              <a:t>  </a:t>
-            </a:r>
-            <a:r>
-              <a:rPr lang="ko-KR" altLang="en-US" sz="3500" b="1" dirty="0" err="1">
-                <a:solidFill>
-                  <a:schemeClr val="bg1"/>
-                </a:solidFill>
-                <a:effectLst>
-                  <a:outerShdw blurRad="38100" dist="38100" dir="2700000" algn="tl">
-                    <a:srgbClr val="000000">
-                      <a:alpha val="43137"/>
-                    </a:srgbClr>
-                  </a:outerShdw>
-                </a:effectLst>
-              </a:rPr>
-              <a:t>트</a:t>
-            </a:r>
-            <a:r>
-              <a:rPr lang="ko-KR" altLang="en-US" sz="3500" b="1" dirty="0">
-                <a:solidFill>
-                  <a:schemeClr val="bg1"/>
-                </a:solidFill>
-                <a:effectLst>
-                  <a:outerShdw blurRad="38100" dist="38100" dir="2700000" algn="tl">
-                    <a:srgbClr val="000000">
-                      <a:alpha val="43137"/>
-                    </a:srgbClr>
-                  </a:outerShdw>
-                </a:effectLst>
-              </a:rPr>
-              <a:t>  개  요</a:t>
-            </a:r>
-          </a:p>
-        </p:txBody>
-      </p:sp>
       <p:grpSp>
         <p:nvGrpSpPr>
           <p:cNvPr id="18" name="그룹 17">
@@ -16685,7 +13128,7 @@
             <a:noFill/>
             <a:ln w="38100">
               <a:solidFill>
-                <a:srgbClr val="1D9A78"/>
+                <a:srgbClr val="5161CE"/>
               </a:solidFill>
             </a:ln>
           </p:spPr>
@@ -16743,6 +13186,9 @@
               <a:avLst/>
             </a:prstGeom>
             <a:noFill/>
+            <a:ln>
+              <a:noFill/>
+            </a:ln>
           </p:spPr>
           <p:txBody>
             <a:bodyPr wrap="square" rtlCol="0">
@@ -16926,6 +13372,9 @@
               <a:avLst/>
             </a:prstGeom>
             <a:noFill/>
+            <a:ln>
+              <a:noFill/>
+            </a:ln>
           </p:spPr>
           <p:txBody>
             <a:bodyPr wrap="none" lIns="91440" tIns="45720" rIns="91440" bIns="45720">
@@ -16938,7 +13387,7 @@
                 <a:rPr lang="en-US" altLang="ko-KR" sz="4500" b="1" cap="none" spc="0" dirty="0">
                   <a:ln w="0"/>
                   <a:solidFill>
-                    <a:schemeClr val="accent1"/>
+                    <a:srgbClr val="5161CE"/>
                   </a:solidFill>
                   <a:effectLst>
                     <a:outerShdw blurRad="38100" dist="25400" dir="5400000" algn="ctr" rotWithShape="0">
@@ -17126,7 +13575,7 @@
 </p:sld>
 </file>
 
-<file path=ppt/slides/slide5.xml><?xml version="1.0" encoding="utf-8"?>
+<file path=ppt/slides/slide4.xml><?xml version="1.0" encoding="utf-8"?>
 <p:sld xmlns:a="http://schemas.openxmlformats.org/drawingml/2006/main" xmlns:r="http://schemas.openxmlformats.org/officeDocument/2006/relationships" xmlns:p="http://schemas.openxmlformats.org/presentationml/2006/main">
   <p:cSld>
     <p:spTree>
@@ -17164,7 +13613,7 @@
             <a:avLst/>
           </a:prstGeom>
           <a:solidFill>
-            <a:schemeClr val="accent1"/>
+            <a:srgbClr val="5161CE"/>
           </a:solidFill>
         </p:spPr>
         <p:style>
@@ -17354,7 +13803,7 @@
           <a:noFill/>
           <a:ln w="28575" algn="ctr">
             <a:solidFill>
-              <a:schemeClr val="accent1"/>
+              <a:srgbClr val="5161CE"/>
             </a:solidFill>
             <a:round/>
             <a:headEnd/>
@@ -17388,7 +13837,7 @@
         </p:nvSpPr>
         <p:spPr>
           <a:xfrm>
-            <a:off x="2291255" y="3563004"/>
+            <a:off x="2291255" y="3572590"/>
             <a:ext cx="2774732" cy="814557"/>
           </a:xfrm>
           <a:prstGeom prst="roundRect">
@@ -17397,8 +13846,13 @@
             </a:avLst>
           </a:prstGeom>
           <a:solidFill>
-            <a:srgbClr val="1D9A78"/>
+            <a:srgbClr val="5161CE"/>
           </a:solidFill>
+          <a:ln>
+            <a:solidFill>
+              <a:srgbClr val="5161CE"/>
+            </a:solidFill>
+          </a:ln>
         </p:spPr>
         <p:style>
           <a:lnRef idx="2">
@@ -17455,6 +13909,9 @@
             <a:chOff x="2291255" y="851332"/>
             <a:chExt cx="9249103" cy="2316992"/>
           </a:xfrm>
+          <a:solidFill>
+            <a:srgbClr val="5161CE"/>
+          </a:solidFill>
         </p:grpSpPr>
         <p:sp>
           <p:nvSpPr>
@@ -17483,7 +13940,7 @@
             <a:noFill/>
             <a:ln w="28575" algn="ctr">
               <a:solidFill>
-                <a:schemeClr val="accent1"/>
+                <a:srgbClr val="5161CE"/>
               </a:solidFill>
               <a:round/>
               <a:headEnd/>
@@ -17525,9 +13982,7 @@
                 <a:gd name="adj" fmla="val 15623"/>
               </a:avLst>
             </a:prstGeom>
-            <a:solidFill>
-              <a:srgbClr val="1D9A78"/>
-            </a:solidFill>
+            <a:grpFill/>
           </p:spPr>
           <p:style>
             <a:lnRef idx="2">
@@ -17793,7 +14248,7 @@
 </p:sld>
 </file>
 
-<file path=ppt/slides/slide6.xml><?xml version="1.0" encoding="utf-8"?>
+<file path=ppt/slides/slide5.xml><?xml version="1.0" encoding="utf-8"?>
 <p:sld xmlns:a="http://schemas.openxmlformats.org/drawingml/2006/main" xmlns:r="http://schemas.openxmlformats.org/officeDocument/2006/relationships" xmlns:p="http://schemas.openxmlformats.org/presentationml/2006/main">
   <p:cSld>
     <p:spTree>
@@ -17831,7 +14286,7 @@
             <a:avLst/>
           </a:prstGeom>
           <a:solidFill>
-            <a:schemeClr val="accent1"/>
+            <a:srgbClr val="5161CE"/>
           </a:solidFill>
         </p:spPr>
         <p:style>
@@ -18102,7 +14557,7 @@
         </p:blipFill>
         <p:spPr>
           <a:xfrm>
-            <a:off x="2153042" y="4678243"/>
+            <a:off x="2615934" y="4084424"/>
             <a:ext cx="1620000" cy="1620000"/>
           </a:xfrm>
           <a:prstGeom prst="rect">
@@ -18124,7 +14579,7 @@
         </p:nvSpPr>
         <p:spPr>
           <a:xfrm>
-            <a:off x="1825225" y="6211398"/>
+            <a:off x="2288117" y="5617579"/>
             <a:ext cx="2067429" cy="494879"/>
           </a:xfrm>
           <a:prstGeom prst="rect">
@@ -18275,7 +14730,7 @@
         </p:blipFill>
         <p:spPr>
           <a:xfrm>
-            <a:off x="9756236" y="1221544"/>
+            <a:off x="9485734" y="818074"/>
             <a:ext cx="1620000" cy="1620000"/>
           </a:xfrm>
           <a:prstGeom prst="rect">
@@ -18427,7 +14882,7 @@
         </p:nvSpPr>
         <p:spPr>
           <a:xfrm>
-            <a:off x="9843015" y="2934121"/>
+            <a:off x="9572513" y="2530651"/>
             <a:ext cx="1533221" cy="494879"/>
           </a:xfrm>
           <a:prstGeom prst="rect">
@@ -18493,7 +14948,7 @@
               <a:rPr lang="en-US" altLang="ko-KR" sz="6000" b="1" cap="none" spc="0" dirty="0">
                 <a:ln w="0"/>
                 <a:solidFill>
-                  <a:schemeClr val="accent1"/>
+                  <a:srgbClr val="5161CE"/>
                 </a:solidFill>
                 <a:effectLst>
                   <a:outerShdw blurRad="38100" dist="25400" dir="5400000" algn="ctr" rotWithShape="0">
@@ -18524,7 +14979,7 @@
 </p:sld>
 </file>
 
-<file path=ppt/slides/slide7.xml><?xml version="1.0" encoding="utf-8"?>
+<file path=ppt/slides/slide6.xml><?xml version="1.0" encoding="utf-8"?>
 <p:sld xmlns:a="http://schemas.openxmlformats.org/drawingml/2006/main" xmlns:r="http://schemas.openxmlformats.org/officeDocument/2006/relationships" xmlns:p="http://schemas.openxmlformats.org/presentationml/2006/main">
   <p:cSld>
     <p:spTree>
@@ -18562,7 +15017,7 @@
             <a:avLst/>
           </a:prstGeom>
           <a:solidFill>
-            <a:schemeClr val="accent1"/>
+            <a:srgbClr val="5161CE"/>
           </a:solidFill>
         </p:spPr>
         <p:style>
@@ -18621,7 +15076,7 @@
           <p:nvPr>
             <p:extLst>
               <p:ext uri="{D42A27DB-BD31-4B8C-83A1-F6EECF244321}">
-                <p14:modId xmlns:p14="http://schemas.microsoft.com/office/powerpoint/2010/main" val="629336509"/>
+                <p14:modId xmlns:p14="http://schemas.microsoft.com/office/powerpoint/2010/main" val="770823858"/>
               </p:ext>
             </p:extLst>
           </p:nvPr>
@@ -18634,7 +15089,7 @@
           <a:graphicData uri="http://schemas.openxmlformats.org/drawingml/2006/table">
             <a:tbl>
               <a:tblPr firstRow="1" bandRow="1">
-                <a:tableStyleId>{5C22544A-7EE6-4342-B048-85BDC9FD1C3A}</a:tableStyleId>
+                <a:tableStyleId>{00A15C55-8517-42AA-B614-E9B94910E393}</a:tableStyleId>
               </a:tblPr>
               <a:tblGrid>
                 <a:gridCol w="1252921">
@@ -19468,7 +15923,7 @@
             </a:avLst>
           </a:prstGeom>
           <a:solidFill>
-            <a:srgbClr val="1D9A78"/>
+            <a:srgbClr val="5161CE"/>
           </a:solidFill>
         </p:spPr>
         <p:style>
@@ -19527,7 +15982,7 @@
             </a:avLst>
           </a:prstGeom>
           <a:solidFill>
-            <a:srgbClr val="1D9A78"/>
+            <a:srgbClr val="5161CE"/>
           </a:solidFill>
         </p:spPr>
         <p:style>
@@ -19586,7 +16041,7 @@
             </a:avLst>
           </a:prstGeom>
           <a:solidFill>
-            <a:srgbClr val="1D9A78"/>
+            <a:srgbClr val="5161CE"/>
           </a:solidFill>
         </p:spPr>
         <p:style>
@@ -19645,7 +16100,7 @@
             </a:avLst>
           </a:prstGeom>
           <a:solidFill>
-            <a:srgbClr val="1D9A78"/>
+            <a:srgbClr val="5161CE"/>
           </a:solidFill>
         </p:spPr>
         <p:style>
@@ -19704,7 +16159,7 @@
             </a:avLst>
           </a:prstGeom>
           <a:solidFill>
-            <a:srgbClr val="1D9A78"/>
+            <a:srgbClr val="5161CE"/>
           </a:solidFill>
         </p:spPr>
         <p:style>
@@ -19763,7 +16218,7 @@
             </a:avLst>
           </a:prstGeom>
           <a:solidFill>
-            <a:srgbClr val="1D9A78"/>
+            <a:srgbClr val="5161CE"/>
           </a:solidFill>
         </p:spPr>
         <p:style>
@@ -19815,7 +16270,7 @@
 </p:sld>
 </file>
 
-<file path=ppt/slides/slide8.xml><?xml version="1.0" encoding="utf-8"?>
+<file path=ppt/slides/slide7.xml><?xml version="1.0" encoding="utf-8"?>
 <p:sld xmlns:a="http://schemas.openxmlformats.org/drawingml/2006/main" xmlns:r="http://schemas.openxmlformats.org/officeDocument/2006/relationships" xmlns:p="http://schemas.openxmlformats.org/presentationml/2006/main">
   <p:cSld>
     <p:spTree>
@@ -19889,7 +16344,7 @@
             <a:avLst/>
           </a:prstGeom>
           <a:solidFill>
-            <a:schemeClr val="accent1"/>
+            <a:srgbClr val="5161CE"/>
           </a:solidFill>
         </p:spPr>
         <p:style>
@@ -19980,7 +16435,7 @@
             <a:noFill/>
             <a:ln w="28575" algn="ctr">
               <a:solidFill>
-                <a:schemeClr val="accent1"/>
+                <a:srgbClr val="5161CE"/>
               </a:solidFill>
               <a:round/>
               <a:headEnd/>
@@ -20023,7 +16478,7 @@
               </a:avLst>
             </a:prstGeom>
             <a:solidFill>
-              <a:srgbClr val="1D9A78"/>
+              <a:srgbClr val="5161CE"/>
             </a:solidFill>
           </p:spPr>
           <p:style>
@@ -20327,7 +16782,7 @@
             <a:noFill/>
             <a:ln w="28575" algn="ctr">
               <a:solidFill>
-                <a:schemeClr val="accent1"/>
+                <a:srgbClr val="5161CE"/>
               </a:solidFill>
               <a:round/>
               <a:headEnd/>
@@ -20370,7 +16825,7 @@
               </a:avLst>
             </a:prstGeom>
             <a:solidFill>
-              <a:srgbClr val="1D9A78"/>
+              <a:srgbClr val="5161CE"/>
             </a:solidFill>
           </p:spPr>
           <p:style>
@@ -20594,7 +17049,7 @@
             <a:noFill/>
             <a:ln w="28575" algn="ctr">
               <a:solidFill>
-                <a:schemeClr val="accent1"/>
+                <a:srgbClr val="5161CE"/>
               </a:solidFill>
               <a:round/>
               <a:headEnd/>
@@ -20637,7 +17092,7 @@
               </a:avLst>
             </a:prstGeom>
             <a:solidFill>
-              <a:srgbClr val="1D9A78"/>
+              <a:srgbClr val="5161CE"/>
             </a:solidFill>
           </p:spPr>
           <p:style>
@@ -20847,7 +17302,7 @@
 </p:sld>
 </file>
 
-<file path=ppt/slides/slide9.xml><?xml version="1.0" encoding="utf-8"?>
+<file path=ppt/slides/slide8.xml><?xml version="1.0" encoding="utf-8"?>
 <p:sld xmlns:a="http://schemas.openxmlformats.org/drawingml/2006/main" xmlns:r="http://schemas.openxmlformats.org/officeDocument/2006/relationships" xmlns:p="http://schemas.openxmlformats.org/presentationml/2006/main">
   <p:cSld>
     <p:spTree>
@@ -20885,7 +17340,7 @@
             <a:avLst/>
           </a:prstGeom>
           <a:solidFill>
-            <a:schemeClr val="accent1"/>
+            <a:srgbClr val="5161CE"/>
           </a:solidFill>
         </p:spPr>
         <p:style>
@@ -21032,7 +17487,7 @@
             </a:avLst>
           </a:prstGeom>
           <a:solidFill>
-            <a:srgbClr val="1D9A78"/>
+            <a:srgbClr val="7B6DFF"/>
           </a:solidFill>
         </p:spPr>
         <p:style>
@@ -21118,7 +17573,7 @@
             </a:avLst>
           </a:prstGeom>
           <a:solidFill>
-            <a:srgbClr val="7BAA3C"/>
+            <a:srgbClr val="949DD7"/>
           </a:solidFill>
         </p:spPr>
         <p:style>
@@ -21189,7 +17644,7 @@
             </a:avLst>
           </a:prstGeom>
           <a:solidFill>
-            <a:srgbClr val="7BAA3C"/>
+            <a:srgbClr val="949DD7"/>
           </a:solidFill>
         </p:spPr>
         <p:style>
@@ -21251,7 +17706,7 @@
             </a:avLst>
           </a:prstGeom>
           <a:solidFill>
-            <a:srgbClr val="7BAA3C"/>
+            <a:srgbClr val="949DD7"/>
           </a:solidFill>
         </p:spPr>
         <p:style>
@@ -21494,7 +17949,7 @@
             </a:avLst>
           </a:prstGeom>
           <a:solidFill>
-            <a:srgbClr val="1D9A78"/>
+            <a:srgbClr val="5161CE"/>
           </a:solidFill>
         </p:spPr>
         <p:style>
@@ -21655,7 +18110,7 @@
             </a:avLst>
           </a:prstGeom>
           <a:solidFill>
-            <a:srgbClr val="7BAA3C"/>
+            <a:srgbClr val="949DD7"/>
           </a:solidFill>
         </p:spPr>
         <p:style>
@@ -21717,7 +18172,7 @@
             </a:avLst>
           </a:prstGeom>
           <a:solidFill>
-            <a:srgbClr val="1D9A78"/>
+            <a:srgbClr val="7B6DFF"/>
           </a:solidFill>
         </p:spPr>
         <p:style>
@@ -21894,7 +18349,7 @@
             </a:avLst>
           </a:prstGeom>
           <a:solidFill>
-            <a:srgbClr val="7BAA3C"/>
+            <a:srgbClr val="949DD7"/>
           </a:solidFill>
         </p:spPr>
         <p:style>
@@ -21956,7 +18411,7 @@
             </a:avLst>
           </a:prstGeom>
           <a:solidFill>
-            <a:srgbClr val="7BAA3C"/>
+            <a:srgbClr val="949DD7"/>
           </a:solidFill>
         </p:spPr>
         <p:style>
@@ -22018,7 +18473,7 @@
             </a:avLst>
           </a:prstGeom>
           <a:solidFill>
-            <a:srgbClr val="7BAA3C"/>
+            <a:srgbClr val="949DD7"/>
           </a:solidFill>
         </p:spPr>
         <p:style>
@@ -22080,7 +18535,7 @@
             </a:avLst>
           </a:prstGeom>
           <a:solidFill>
-            <a:srgbClr val="7BAA3C"/>
+            <a:srgbClr val="949DD7"/>
           </a:solidFill>
         </p:spPr>
         <p:style>
@@ -22142,7 +18597,7 @@
             </a:avLst>
           </a:prstGeom>
           <a:solidFill>
-            <a:srgbClr val="7BAA3C"/>
+            <a:srgbClr val="949DD7"/>
           </a:solidFill>
         </p:spPr>
         <p:style>
@@ -22204,7 +18659,7 @@
             </a:avLst>
           </a:prstGeom>
           <a:solidFill>
-            <a:srgbClr val="7BAA3C"/>
+            <a:srgbClr val="949DD7"/>
           </a:solidFill>
         </p:spPr>
         <p:style>
@@ -22266,7 +18721,7 @@
             </a:avLst>
           </a:prstGeom>
           <a:solidFill>
-            <a:srgbClr val="3AAC42"/>
+            <a:srgbClr val="949DD7"/>
           </a:solidFill>
         </p:spPr>
         <p:style>
@@ -22555,7 +19010,7 @@
             </a:avLst>
           </a:prstGeom>
           <a:solidFill>
-            <a:srgbClr val="1D9A78"/>
+            <a:srgbClr val="5161CE"/>
           </a:solidFill>
         </p:spPr>
         <p:style>
@@ -22935,7 +19390,7 @@
             </a:avLst>
           </a:prstGeom>
           <a:solidFill>
-            <a:srgbClr val="7BAA3C"/>
+            <a:srgbClr val="7B6DFF"/>
           </a:solidFill>
         </p:spPr>
         <p:style>
@@ -22997,7 +19452,7 @@
             </a:avLst>
           </a:prstGeom>
           <a:solidFill>
-            <a:srgbClr val="7BAA3C"/>
+            <a:srgbClr val="7B6DFF"/>
           </a:solidFill>
         </p:spPr>
         <p:style>
@@ -23149,7 +19604,7 @@
             </a:avLst>
           </a:prstGeom>
           <a:solidFill>
-            <a:srgbClr val="3AAC42"/>
+            <a:srgbClr val="949DD7"/>
           </a:solidFill>
         </p:spPr>
         <p:style>
@@ -23220,7 +19675,7 @@
             </a:avLst>
           </a:prstGeom>
           <a:solidFill>
-            <a:srgbClr val="3AAC42"/>
+            <a:srgbClr val="949DD7"/>
           </a:solidFill>
         </p:spPr>
         <p:style>
@@ -23282,7 +19737,7 @@
             </a:avLst>
           </a:prstGeom>
           <a:solidFill>
-            <a:srgbClr val="3AAC42"/>
+            <a:srgbClr val="949DD7"/>
           </a:solidFill>
         </p:spPr>
         <p:style>
@@ -23505,6 +19960,2584 @@
     <p:extLst>
       <p:ext uri="{BB962C8B-B14F-4D97-AF65-F5344CB8AC3E}">
         <p14:creationId xmlns:p14="http://schemas.microsoft.com/office/powerpoint/2010/main" val="1481692695"/>
+      </p:ext>
+    </p:extLst>
+  </p:cSld>
+  <p:clrMapOvr>
+    <a:masterClrMapping/>
+  </p:clrMapOvr>
+  <p:transition spd="slow">
+    <p:push dir="u"/>
+  </p:transition>
+</p:sld>
+</file>
+
+<file path=ppt/slides/slide9.xml><?xml version="1.0" encoding="utf-8"?>
+<p:sld xmlns:a="http://schemas.openxmlformats.org/drawingml/2006/main" xmlns:r="http://schemas.openxmlformats.org/officeDocument/2006/relationships" xmlns:p="http://schemas.openxmlformats.org/presentationml/2006/main">
+  <p:cSld>
+    <p:spTree>
+      <p:nvGrpSpPr>
+        <p:cNvPr id="1" name=""/>
+        <p:cNvGrpSpPr/>
+        <p:nvPr/>
+      </p:nvGrpSpPr>
+      <p:grpSpPr>
+        <a:xfrm>
+          <a:off x="0" y="0"/>
+          <a:ext cx="0" cy="0"/>
+          <a:chOff x="0" y="0"/>
+          <a:chExt cx="0" cy="0"/>
+        </a:xfrm>
+      </p:grpSpPr>
+      <p:sp>
+        <p:nvSpPr>
+          <p:cNvPr id="4" name="직사각형 3">
+            <a:extLst>
+              <a:ext uri="{FF2B5EF4-FFF2-40B4-BE49-F238E27FC236}">
+                <a16:creationId xmlns:a16="http://schemas.microsoft.com/office/drawing/2014/main" id="{C35F139B-CDDB-42FA-525C-DA01A8146D90}"/>
+              </a:ext>
+            </a:extLst>
+          </p:cNvPr>
+          <p:cNvSpPr/>
+          <p:nvPr/>
+        </p:nvSpPr>
+        <p:spPr>
+          <a:xfrm>
+            <a:off x="0" y="0"/>
+            <a:ext cx="1573619" cy="6858000"/>
+          </a:xfrm>
+          <a:prstGeom prst="rect">
+            <a:avLst/>
+          </a:prstGeom>
+          <a:solidFill>
+            <a:srgbClr val="5161CE"/>
+          </a:solidFill>
+        </p:spPr>
+        <p:style>
+          <a:lnRef idx="2">
+            <a:schemeClr val="accent1">
+              <a:shade val="50000"/>
+            </a:schemeClr>
+          </a:lnRef>
+          <a:fillRef idx="1">
+            <a:schemeClr val="accent1"/>
+          </a:fillRef>
+          <a:effectRef idx="0">
+            <a:schemeClr val="accent1"/>
+          </a:effectRef>
+          <a:fontRef idx="minor">
+            <a:schemeClr val="lt1"/>
+          </a:fontRef>
+        </p:style>
+        <p:txBody>
+          <a:bodyPr vert="eaVert" rtlCol="0" anchor="ctr"/>
+          <a:lstStyle/>
+          <a:p>
+            <a:pPr algn="ctr"/>
+            <a:r>
+              <a:rPr lang="ko-KR" altLang="en-US" sz="3500" b="1" dirty="0">
+                <a:solidFill>
+                  <a:schemeClr val="bg1"/>
+                </a:solidFill>
+                <a:effectLst>
+                  <a:outerShdw blurRad="38100" dist="38100" dir="2700000" algn="tl">
+                    <a:srgbClr val="000000">
+                      <a:alpha val="43137"/>
+                    </a:srgbClr>
+                  </a:outerShdw>
+                </a:effectLst>
+                <a:latin typeface="나눔고딕" pitchFamily="2" charset="-127"/>
+                <a:ea typeface="나눔고딕" pitchFamily="2" charset="-127"/>
+              </a:rPr>
+              <a:t>시  </a:t>
+            </a:r>
+            <a:r>
+              <a:rPr lang="ko-KR" altLang="en-US" sz="3500" b="1" dirty="0" err="1">
+                <a:solidFill>
+                  <a:schemeClr val="bg1"/>
+                </a:solidFill>
+                <a:effectLst>
+                  <a:outerShdw blurRad="38100" dist="38100" dir="2700000" algn="tl">
+                    <a:srgbClr val="000000">
+                      <a:alpha val="43137"/>
+                    </a:srgbClr>
+                  </a:outerShdw>
+                </a:effectLst>
+                <a:latin typeface="나눔고딕" pitchFamily="2" charset="-127"/>
+                <a:ea typeface="나눔고딕" pitchFamily="2" charset="-127"/>
+              </a:rPr>
+              <a:t>스</a:t>
+            </a:r>
+            <a:r>
+              <a:rPr lang="ko-KR" altLang="en-US" sz="3500" b="1" dirty="0">
+                <a:solidFill>
+                  <a:schemeClr val="bg1"/>
+                </a:solidFill>
+                <a:effectLst>
+                  <a:outerShdw blurRad="38100" dist="38100" dir="2700000" algn="tl">
+                    <a:srgbClr val="000000">
+                      <a:alpha val="43137"/>
+                    </a:srgbClr>
+                  </a:outerShdw>
+                </a:effectLst>
+                <a:latin typeface="나눔고딕" pitchFamily="2" charset="-127"/>
+                <a:ea typeface="나눔고딕" pitchFamily="2" charset="-127"/>
+              </a:rPr>
+              <a:t>  템  주  요  기  능</a:t>
+            </a:r>
+          </a:p>
+        </p:txBody>
+      </p:sp>
+      <p:sp>
+        <p:nvSpPr>
+          <p:cNvPr id="50" name="사각형: 둥근 모서리 49">
+            <a:extLst>
+              <a:ext uri="{FF2B5EF4-FFF2-40B4-BE49-F238E27FC236}">
+                <a16:creationId xmlns:a16="http://schemas.microsoft.com/office/drawing/2014/main" id="{03AF9854-8907-12D2-E7F9-000656C9A490}"/>
+              </a:ext>
+            </a:extLst>
+          </p:cNvPr>
+          <p:cNvSpPr/>
+          <p:nvPr/>
+        </p:nvSpPr>
+        <p:spPr>
+          <a:xfrm>
+            <a:off x="2112579" y="557043"/>
+            <a:ext cx="2165131" cy="635601"/>
+          </a:xfrm>
+          <a:prstGeom prst="roundRect">
+            <a:avLst>
+              <a:gd name="adj" fmla="val 15623"/>
+            </a:avLst>
+          </a:prstGeom>
+          <a:solidFill>
+            <a:srgbClr val="5161CE"/>
+          </a:solidFill>
+        </p:spPr>
+        <p:style>
+          <a:lnRef idx="2">
+            <a:schemeClr val="accent1">
+              <a:shade val="50000"/>
+            </a:schemeClr>
+          </a:lnRef>
+          <a:fillRef idx="1">
+            <a:schemeClr val="accent1"/>
+          </a:fillRef>
+          <a:effectRef idx="0">
+            <a:schemeClr val="accent1"/>
+          </a:effectRef>
+          <a:fontRef idx="minor">
+            <a:schemeClr val="lt1"/>
+          </a:fontRef>
+        </p:style>
+        <p:txBody>
+          <a:bodyPr rtlCol="0" anchor="ctr"/>
+          <a:lstStyle/>
+          <a:p>
+            <a:pPr algn="ctr"/>
+            <a:r>
+              <a:rPr lang="en-US" altLang="ko-KR" sz="2500" b="1" dirty="0">
+                <a:effectLst>
+                  <a:outerShdw blurRad="38100" dist="38100" dir="2700000" algn="tl">
+                    <a:srgbClr val="000000">
+                      <a:alpha val="43137"/>
+                    </a:srgbClr>
+                  </a:outerShdw>
+                </a:effectLst>
+              </a:rPr>
+              <a:t>Index </a:t>
+            </a:r>
+            <a:r>
+              <a:rPr lang="ko-KR" altLang="en-US" sz="2500" b="1" dirty="0">
+                <a:effectLst>
+                  <a:outerShdw blurRad="38100" dist="38100" dir="2700000" algn="tl">
+                    <a:srgbClr val="000000">
+                      <a:alpha val="43137"/>
+                    </a:srgbClr>
+                  </a:outerShdw>
+                </a:effectLst>
+              </a:rPr>
+              <a:t>창</a:t>
+            </a:r>
+          </a:p>
+        </p:txBody>
+      </p:sp>
+      <p:sp>
+        <p:nvSpPr>
+          <p:cNvPr id="51" name="사각형: 둥근 모서리 50">
+            <a:extLst>
+              <a:ext uri="{FF2B5EF4-FFF2-40B4-BE49-F238E27FC236}">
+                <a16:creationId xmlns:a16="http://schemas.microsoft.com/office/drawing/2014/main" id="{6105FBFB-6071-9C39-2680-AE536B9B4B20}"/>
+              </a:ext>
+            </a:extLst>
+          </p:cNvPr>
+          <p:cNvSpPr/>
+          <p:nvPr/>
+        </p:nvSpPr>
+        <p:spPr>
+          <a:xfrm>
+            <a:off x="4816269" y="557043"/>
+            <a:ext cx="2165131" cy="635601"/>
+          </a:xfrm>
+          <a:prstGeom prst="roundRect">
+            <a:avLst>
+              <a:gd name="adj" fmla="val 15623"/>
+            </a:avLst>
+          </a:prstGeom>
+          <a:solidFill>
+            <a:srgbClr val="5161CE"/>
+          </a:solidFill>
+        </p:spPr>
+        <p:style>
+          <a:lnRef idx="2">
+            <a:schemeClr val="accent1">
+              <a:shade val="50000"/>
+            </a:schemeClr>
+          </a:lnRef>
+          <a:fillRef idx="1">
+            <a:schemeClr val="accent1"/>
+          </a:fillRef>
+          <a:effectRef idx="0">
+            <a:schemeClr val="accent1"/>
+          </a:effectRef>
+          <a:fontRef idx="minor">
+            <a:schemeClr val="lt1"/>
+          </a:fontRef>
+        </p:style>
+        <p:txBody>
+          <a:bodyPr rtlCol="0" anchor="ctr"/>
+          <a:lstStyle/>
+          <a:p>
+            <a:pPr algn="ctr"/>
+            <a:r>
+              <a:rPr lang="ko-KR" altLang="en-US" sz="2000" b="1" dirty="0">
+                <a:effectLst>
+                  <a:outerShdw blurRad="38100" dist="38100" dir="2700000" algn="tl">
+                    <a:srgbClr val="000000">
+                      <a:alpha val="43137"/>
+                    </a:srgbClr>
+                  </a:outerShdw>
+                </a:effectLst>
+              </a:rPr>
+              <a:t>프로젝트 선택창</a:t>
+            </a:r>
+          </a:p>
+        </p:txBody>
+      </p:sp>
+      <p:sp>
+        <p:nvSpPr>
+          <p:cNvPr id="52" name="사각형: 둥근 모서리 51">
+            <a:extLst>
+              <a:ext uri="{FF2B5EF4-FFF2-40B4-BE49-F238E27FC236}">
+                <a16:creationId xmlns:a16="http://schemas.microsoft.com/office/drawing/2014/main" id="{A3AE165E-FF7A-84B9-C000-34D0E5BC330D}"/>
+              </a:ext>
+            </a:extLst>
+          </p:cNvPr>
+          <p:cNvSpPr/>
+          <p:nvPr/>
+        </p:nvSpPr>
+        <p:spPr>
+          <a:xfrm>
+            <a:off x="8005734" y="557042"/>
+            <a:ext cx="2165131" cy="635601"/>
+          </a:xfrm>
+          <a:prstGeom prst="roundRect">
+            <a:avLst>
+              <a:gd name="adj" fmla="val 15623"/>
+            </a:avLst>
+          </a:prstGeom>
+          <a:solidFill>
+            <a:srgbClr val="5161CE"/>
+          </a:solidFill>
+        </p:spPr>
+        <p:style>
+          <a:lnRef idx="2">
+            <a:schemeClr val="accent1">
+              <a:shade val="50000"/>
+            </a:schemeClr>
+          </a:lnRef>
+          <a:fillRef idx="1">
+            <a:schemeClr val="accent1"/>
+          </a:fillRef>
+          <a:effectRef idx="0">
+            <a:schemeClr val="accent1"/>
+          </a:effectRef>
+          <a:fontRef idx="minor">
+            <a:schemeClr val="lt1"/>
+          </a:fontRef>
+        </p:style>
+        <p:txBody>
+          <a:bodyPr rtlCol="0" anchor="ctr"/>
+          <a:lstStyle/>
+          <a:p>
+            <a:pPr algn="ctr"/>
+            <a:r>
+              <a:rPr lang="ko-KR" altLang="en-US" sz="2500" b="1" dirty="0">
+                <a:effectLst>
+                  <a:outerShdw blurRad="38100" dist="38100" dir="2700000" algn="tl">
+                    <a:srgbClr val="000000">
+                      <a:alpha val="43137"/>
+                    </a:srgbClr>
+                  </a:outerShdw>
+                </a:effectLst>
+              </a:rPr>
+              <a:t>프로젝트 창</a:t>
+            </a:r>
+          </a:p>
+        </p:txBody>
+      </p:sp>
+      <p:sp>
+        <p:nvSpPr>
+          <p:cNvPr id="53" name="사각형: 둥근 모서리 52">
+            <a:extLst>
+              <a:ext uri="{FF2B5EF4-FFF2-40B4-BE49-F238E27FC236}">
+                <a16:creationId xmlns:a16="http://schemas.microsoft.com/office/drawing/2014/main" id="{D87B9832-294A-B921-59B5-80B22F69B700}"/>
+              </a:ext>
+            </a:extLst>
+          </p:cNvPr>
+          <p:cNvSpPr/>
+          <p:nvPr/>
+        </p:nvSpPr>
+        <p:spPr>
+          <a:xfrm>
+            <a:off x="2128344" y="3570463"/>
+            <a:ext cx="2165131" cy="635601"/>
+          </a:xfrm>
+          <a:prstGeom prst="roundRect">
+            <a:avLst>
+              <a:gd name="adj" fmla="val 15623"/>
+            </a:avLst>
+          </a:prstGeom>
+          <a:solidFill>
+            <a:srgbClr val="5161CE"/>
+          </a:solidFill>
+        </p:spPr>
+        <p:style>
+          <a:lnRef idx="2">
+            <a:schemeClr val="accent1">
+              <a:shade val="50000"/>
+            </a:schemeClr>
+          </a:lnRef>
+          <a:fillRef idx="1">
+            <a:schemeClr val="accent1"/>
+          </a:fillRef>
+          <a:effectRef idx="0">
+            <a:schemeClr val="accent1"/>
+          </a:effectRef>
+          <a:fontRef idx="minor">
+            <a:schemeClr val="lt1"/>
+          </a:fontRef>
+        </p:style>
+        <p:txBody>
+          <a:bodyPr rtlCol="0" anchor="ctr"/>
+          <a:lstStyle/>
+          <a:p>
+            <a:pPr algn="ctr"/>
+            <a:r>
+              <a:rPr lang="ko-KR" altLang="en-US" sz="2500" b="1" dirty="0">
+                <a:effectLst>
+                  <a:outerShdw blurRad="38100" dist="38100" dir="2700000" algn="tl">
+                    <a:srgbClr val="000000">
+                      <a:alpha val="43137"/>
+                    </a:srgbClr>
+                  </a:outerShdw>
+                </a:effectLst>
+              </a:rPr>
+              <a:t>문서 창</a:t>
+            </a:r>
+          </a:p>
+        </p:txBody>
+      </p:sp>
+      <p:sp>
+        <p:nvSpPr>
+          <p:cNvPr id="54" name="사각형: 둥근 모서리 53">
+            <a:extLst>
+              <a:ext uri="{FF2B5EF4-FFF2-40B4-BE49-F238E27FC236}">
+                <a16:creationId xmlns:a16="http://schemas.microsoft.com/office/drawing/2014/main" id="{06977E4E-1F6B-6C83-3CD2-78DE12D79EE7}"/>
+              </a:ext>
+            </a:extLst>
+          </p:cNvPr>
+          <p:cNvSpPr/>
+          <p:nvPr/>
+        </p:nvSpPr>
+        <p:spPr>
+          <a:xfrm>
+            <a:off x="2810717" y="1419167"/>
+            <a:ext cx="1466993" cy="430654"/>
+          </a:xfrm>
+          <a:prstGeom prst="roundRect">
+            <a:avLst>
+              <a:gd name="adj" fmla="val 15623"/>
+            </a:avLst>
+          </a:prstGeom>
+          <a:solidFill>
+            <a:srgbClr val="828CEA"/>
+          </a:solidFill>
+        </p:spPr>
+        <p:style>
+          <a:lnRef idx="2">
+            <a:schemeClr val="accent1">
+              <a:shade val="50000"/>
+            </a:schemeClr>
+          </a:lnRef>
+          <a:fillRef idx="1">
+            <a:schemeClr val="accent1"/>
+          </a:fillRef>
+          <a:effectRef idx="0">
+            <a:schemeClr val="accent1"/>
+          </a:effectRef>
+          <a:fontRef idx="minor">
+            <a:schemeClr val="lt1"/>
+          </a:fontRef>
+        </p:style>
+        <p:txBody>
+          <a:bodyPr rtlCol="0" anchor="ctr"/>
+          <a:lstStyle/>
+          <a:p>
+            <a:pPr algn="ctr"/>
+            <a:r>
+              <a:rPr lang="ko-KR" altLang="en-US" sz="2000" b="1">
+                <a:effectLst>
+                  <a:outerShdw blurRad="38100" dist="38100" dir="2700000" algn="tl">
+                    <a:srgbClr val="000000">
+                      <a:alpha val="43137"/>
+                    </a:srgbClr>
+                  </a:outerShdw>
+                </a:effectLst>
+              </a:rPr>
+              <a:t>로그인</a:t>
+            </a:r>
+            <a:endParaRPr lang="ko-KR" altLang="en-US" sz="2000" b="1" dirty="0">
+              <a:effectLst>
+                <a:outerShdw blurRad="38100" dist="38100" dir="2700000" algn="tl">
+                  <a:srgbClr val="000000">
+                    <a:alpha val="43137"/>
+                  </a:srgbClr>
+                </a:outerShdw>
+              </a:effectLst>
+            </a:endParaRPr>
+          </a:p>
+        </p:txBody>
+      </p:sp>
+      <p:sp>
+        <p:nvSpPr>
+          <p:cNvPr id="55" name="사각형: 둥근 모서리 54">
+            <a:extLst>
+              <a:ext uri="{FF2B5EF4-FFF2-40B4-BE49-F238E27FC236}">
+                <a16:creationId xmlns:a16="http://schemas.microsoft.com/office/drawing/2014/main" id="{821613AE-90D0-9ED1-5AEB-69363B46C093}"/>
+              </a:ext>
+            </a:extLst>
+          </p:cNvPr>
+          <p:cNvSpPr/>
+          <p:nvPr/>
+        </p:nvSpPr>
+        <p:spPr>
+          <a:xfrm>
+            <a:off x="2810717" y="2023512"/>
+            <a:ext cx="1466993" cy="430654"/>
+          </a:xfrm>
+          <a:prstGeom prst="roundRect">
+            <a:avLst>
+              <a:gd name="adj" fmla="val 15623"/>
+            </a:avLst>
+          </a:prstGeom>
+          <a:solidFill>
+            <a:srgbClr val="828CEA"/>
+          </a:solidFill>
+        </p:spPr>
+        <p:style>
+          <a:lnRef idx="2">
+            <a:schemeClr val="accent1">
+              <a:shade val="50000"/>
+            </a:schemeClr>
+          </a:lnRef>
+          <a:fillRef idx="1">
+            <a:schemeClr val="accent1"/>
+          </a:fillRef>
+          <a:effectRef idx="0">
+            <a:schemeClr val="accent1"/>
+          </a:effectRef>
+          <a:fontRef idx="minor">
+            <a:schemeClr val="lt1"/>
+          </a:fontRef>
+        </p:style>
+        <p:txBody>
+          <a:bodyPr rtlCol="0" anchor="ctr"/>
+          <a:lstStyle/>
+          <a:p>
+            <a:pPr algn="ctr"/>
+            <a:r>
+              <a:rPr lang="ko-KR" altLang="en-US" sz="2000" b="1" dirty="0">
+                <a:effectLst>
+                  <a:outerShdw blurRad="38100" dist="38100" dir="2700000" algn="tl">
+                    <a:srgbClr val="000000">
+                      <a:alpha val="43137"/>
+                    </a:srgbClr>
+                  </a:outerShdw>
+                </a:effectLst>
+              </a:rPr>
+              <a:t>회원가입</a:t>
+            </a:r>
+          </a:p>
+        </p:txBody>
+      </p:sp>
+      <p:sp>
+        <p:nvSpPr>
+          <p:cNvPr id="56" name="사각형: 둥근 모서리 55">
+            <a:extLst>
+              <a:ext uri="{FF2B5EF4-FFF2-40B4-BE49-F238E27FC236}">
+                <a16:creationId xmlns:a16="http://schemas.microsoft.com/office/drawing/2014/main" id="{52DAE9B0-2D99-E32C-6B1E-C6046636503F}"/>
+              </a:ext>
+            </a:extLst>
+          </p:cNvPr>
+          <p:cNvSpPr/>
+          <p:nvPr/>
+        </p:nvSpPr>
+        <p:spPr>
+          <a:xfrm>
+            <a:off x="2826482" y="2627857"/>
+            <a:ext cx="1466993" cy="430654"/>
+          </a:xfrm>
+          <a:prstGeom prst="roundRect">
+            <a:avLst>
+              <a:gd name="adj" fmla="val 15623"/>
+            </a:avLst>
+          </a:prstGeom>
+          <a:solidFill>
+            <a:srgbClr val="828CEA"/>
+          </a:solidFill>
+        </p:spPr>
+        <p:style>
+          <a:lnRef idx="2">
+            <a:schemeClr val="accent1">
+              <a:shade val="50000"/>
+            </a:schemeClr>
+          </a:lnRef>
+          <a:fillRef idx="1">
+            <a:schemeClr val="accent1"/>
+          </a:fillRef>
+          <a:effectRef idx="0">
+            <a:schemeClr val="accent1"/>
+          </a:effectRef>
+          <a:fontRef idx="minor">
+            <a:schemeClr val="lt1"/>
+          </a:fontRef>
+        </p:style>
+        <p:txBody>
+          <a:bodyPr rtlCol="0" anchor="ctr"/>
+          <a:lstStyle/>
+          <a:p>
+            <a:pPr algn="ctr"/>
+            <a:r>
+              <a:rPr lang="ko-KR" altLang="en-US" sz="2000" b="1" dirty="0">
+                <a:effectLst>
+                  <a:outerShdw blurRad="38100" dist="38100" dir="2700000" algn="tl">
+                    <a:srgbClr val="000000">
+                      <a:alpha val="43137"/>
+                    </a:srgbClr>
+                  </a:outerShdw>
+                </a:effectLst>
+              </a:rPr>
+              <a:t>정보 수정</a:t>
+            </a:r>
+          </a:p>
+        </p:txBody>
+      </p:sp>
+      <p:sp>
+        <p:nvSpPr>
+          <p:cNvPr id="57" name="사각형: 둥근 모서리 56">
+            <a:extLst>
+              <a:ext uri="{FF2B5EF4-FFF2-40B4-BE49-F238E27FC236}">
+                <a16:creationId xmlns:a16="http://schemas.microsoft.com/office/drawing/2014/main" id="{381ACC84-EEF7-022B-D39A-38F619AB39A6}"/>
+              </a:ext>
+            </a:extLst>
+          </p:cNvPr>
+          <p:cNvSpPr/>
+          <p:nvPr/>
+        </p:nvSpPr>
+        <p:spPr>
+          <a:xfrm>
+            <a:off x="5518266" y="1419167"/>
+            <a:ext cx="1466993" cy="430654"/>
+          </a:xfrm>
+          <a:prstGeom prst="roundRect">
+            <a:avLst>
+              <a:gd name="adj" fmla="val 15623"/>
+            </a:avLst>
+          </a:prstGeom>
+          <a:solidFill>
+            <a:srgbClr val="828CEA"/>
+          </a:solidFill>
+        </p:spPr>
+        <p:style>
+          <a:lnRef idx="2">
+            <a:schemeClr val="accent1">
+              <a:shade val="50000"/>
+            </a:schemeClr>
+          </a:lnRef>
+          <a:fillRef idx="1">
+            <a:schemeClr val="accent1"/>
+          </a:fillRef>
+          <a:effectRef idx="0">
+            <a:schemeClr val="accent1"/>
+          </a:effectRef>
+          <a:fontRef idx="minor">
+            <a:schemeClr val="lt1"/>
+          </a:fontRef>
+        </p:style>
+        <p:txBody>
+          <a:bodyPr rtlCol="0" anchor="ctr"/>
+          <a:lstStyle/>
+          <a:p>
+            <a:pPr algn="ctr"/>
+            <a:r>
+              <a:rPr lang="ko-KR" altLang="en-US" sz="2000" b="1" dirty="0">
+                <a:effectLst>
+                  <a:outerShdw blurRad="38100" dist="38100" dir="2700000" algn="tl">
+                    <a:srgbClr val="000000">
+                      <a:alpha val="43137"/>
+                    </a:srgbClr>
+                  </a:outerShdw>
+                </a:effectLst>
+              </a:rPr>
+              <a:t>읽기 전용</a:t>
+            </a:r>
+          </a:p>
+        </p:txBody>
+      </p:sp>
+      <p:sp>
+        <p:nvSpPr>
+          <p:cNvPr id="58" name="사각형: 둥근 모서리 57">
+            <a:extLst>
+              <a:ext uri="{FF2B5EF4-FFF2-40B4-BE49-F238E27FC236}">
+                <a16:creationId xmlns:a16="http://schemas.microsoft.com/office/drawing/2014/main" id="{53174CC8-E3B1-BC5F-CE59-B497DE2DB4C4}"/>
+              </a:ext>
+            </a:extLst>
+          </p:cNvPr>
+          <p:cNvSpPr/>
+          <p:nvPr/>
+        </p:nvSpPr>
+        <p:spPr>
+          <a:xfrm>
+            <a:off x="5518266" y="2054624"/>
+            <a:ext cx="1466993" cy="430654"/>
+          </a:xfrm>
+          <a:prstGeom prst="roundRect">
+            <a:avLst>
+              <a:gd name="adj" fmla="val 15623"/>
+            </a:avLst>
+          </a:prstGeom>
+          <a:solidFill>
+            <a:srgbClr val="828CEA"/>
+          </a:solidFill>
+        </p:spPr>
+        <p:style>
+          <a:lnRef idx="2">
+            <a:schemeClr val="accent1">
+              <a:shade val="50000"/>
+            </a:schemeClr>
+          </a:lnRef>
+          <a:fillRef idx="1">
+            <a:schemeClr val="accent1"/>
+          </a:fillRef>
+          <a:effectRef idx="0">
+            <a:schemeClr val="accent1"/>
+          </a:effectRef>
+          <a:fontRef idx="minor">
+            <a:schemeClr val="lt1"/>
+          </a:fontRef>
+        </p:style>
+        <p:txBody>
+          <a:bodyPr rtlCol="0" anchor="ctr"/>
+          <a:lstStyle/>
+          <a:p>
+            <a:pPr algn="ctr"/>
+            <a:r>
+              <a:rPr lang="ko-KR" altLang="en-US" sz="2000" b="1" dirty="0">
+                <a:effectLst>
+                  <a:outerShdw blurRad="38100" dist="38100" dir="2700000" algn="tl">
+                    <a:srgbClr val="000000">
+                      <a:alpha val="43137"/>
+                    </a:srgbClr>
+                  </a:outerShdw>
+                </a:effectLst>
+              </a:rPr>
+              <a:t>편집 전용</a:t>
+            </a:r>
+          </a:p>
+        </p:txBody>
+      </p:sp>
+      <p:sp>
+        <p:nvSpPr>
+          <p:cNvPr id="59" name="사각형: 둥근 모서리 58">
+            <a:extLst>
+              <a:ext uri="{FF2B5EF4-FFF2-40B4-BE49-F238E27FC236}">
+                <a16:creationId xmlns:a16="http://schemas.microsoft.com/office/drawing/2014/main" id="{D2F9F16F-D2ED-DD9E-3D43-8FCF3BDC6149}"/>
+              </a:ext>
+            </a:extLst>
+          </p:cNvPr>
+          <p:cNvSpPr/>
+          <p:nvPr/>
+        </p:nvSpPr>
+        <p:spPr>
+          <a:xfrm>
+            <a:off x="5518265" y="2717057"/>
+            <a:ext cx="1466993" cy="430654"/>
+          </a:xfrm>
+          <a:prstGeom prst="roundRect">
+            <a:avLst>
+              <a:gd name="adj" fmla="val 15623"/>
+            </a:avLst>
+          </a:prstGeom>
+          <a:solidFill>
+            <a:srgbClr val="828CEA"/>
+          </a:solidFill>
+        </p:spPr>
+        <p:style>
+          <a:lnRef idx="2">
+            <a:schemeClr val="accent1">
+              <a:shade val="50000"/>
+            </a:schemeClr>
+          </a:lnRef>
+          <a:fillRef idx="1">
+            <a:schemeClr val="accent1"/>
+          </a:fillRef>
+          <a:effectRef idx="0">
+            <a:schemeClr val="accent1"/>
+          </a:effectRef>
+          <a:fontRef idx="minor">
+            <a:schemeClr val="lt1"/>
+          </a:fontRef>
+        </p:style>
+        <p:txBody>
+          <a:bodyPr rtlCol="0" anchor="ctr"/>
+          <a:lstStyle/>
+          <a:p>
+            <a:pPr algn="ctr"/>
+            <a:r>
+              <a:rPr lang="ko-KR" altLang="en-US" sz="2000" b="1" dirty="0">
+                <a:effectLst>
+                  <a:outerShdw blurRad="38100" dist="38100" dir="2700000" algn="tl">
+                    <a:srgbClr val="000000">
+                      <a:alpha val="43137"/>
+                    </a:srgbClr>
+                  </a:outerShdw>
+                </a:effectLst>
+              </a:rPr>
+              <a:t>초대 확인</a:t>
+            </a:r>
+          </a:p>
+        </p:txBody>
+      </p:sp>
+      <p:sp>
+        <p:nvSpPr>
+          <p:cNvPr id="60" name="사각형: 둥근 모서리 59">
+            <a:extLst>
+              <a:ext uri="{FF2B5EF4-FFF2-40B4-BE49-F238E27FC236}">
+                <a16:creationId xmlns:a16="http://schemas.microsoft.com/office/drawing/2014/main" id="{BA859C46-CB0C-D7DC-8A85-47FF6453BFB0}"/>
+              </a:ext>
+            </a:extLst>
+          </p:cNvPr>
+          <p:cNvSpPr/>
+          <p:nvPr/>
+        </p:nvSpPr>
+        <p:spPr>
+          <a:xfrm>
+            <a:off x="8709129" y="1419166"/>
+            <a:ext cx="1466993" cy="430654"/>
+          </a:xfrm>
+          <a:prstGeom prst="roundRect">
+            <a:avLst>
+              <a:gd name="adj" fmla="val 15623"/>
+            </a:avLst>
+          </a:prstGeom>
+          <a:solidFill>
+            <a:srgbClr val="828CEA"/>
+          </a:solidFill>
+        </p:spPr>
+        <p:style>
+          <a:lnRef idx="2">
+            <a:schemeClr val="accent1">
+              <a:shade val="50000"/>
+            </a:schemeClr>
+          </a:lnRef>
+          <a:fillRef idx="1">
+            <a:schemeClr val="accent1"/>
+          </a:fillRef>
+          <a:effectRef idx="0">
+            <a:schemeClr val="accent1"/>
+          </a:effectRef>
+          <a:fontRef idx="minor">
+            <a:schemeClr val="lt1"/>
+          </a:fontRef>
+        </p:style>
+        <p:txBody>
+          <a:bodyPr rtlCol="0" anchor="ctr"/>
+          <a:lstStyle/>
+          <a:p>
+            <a:pPr algn="ctr"/>
+            <a:r>
+              <a:rPr lang="ko-KR" altLang="en-US" sz="2000" b="1" dirty="0">
+                <a:effectLst>
+                  <a:outerShdw blurRad="38100" dist="38100" dir="2700000" algn="tl">
+                    <a:srgbClr val="000000">
+                      <a:alpha val="43137"/>
+                    </a:srgbClr>
+                  </a:outerShdw>
+                </a:effectLst>
+              </a:rPr>
+              <a:t>목표</a:t>
+            </a:r>
+          </a:p>
+        </p:txBody>
+      </p:sp>
+      <p:sp>
+        <p:nvSpPr>
+          <p:cNvPr id="61" name="사각형: 둥근 모서리 60">
+            <a:extLst>
+              <a:ext uri="{FF2B5EF4-FFF2-40B4-BE49-F238E27FC236}">
+                <a16:creationId xmlns:a16="http://schemas.microsoft.com/office/drawing/2014/main" id="{D0B8DDCA-FDF7-E115-4DEA-5EDBBE674398}"/>
+              </a:ext>
+            </a:extLst>
+          </p:cNvPr>
+          <p:cNvSpPr/>
+          <p:nvPr/>
+        </p:nvSpPr>
+        <p:spPr>
+          <a:xfrm>
+            <a:off x="8709129" y="2054623"/>
+            <a:ext cx="1466993" cy="430654"/>
+          </a:xfrm>
+          <a:prstGeom prst="roundRect">
+            <a:avLst>
+              <a:gd name="adj" fmla="val 15623"/>
+            </a:avLst>
+          </a:prstGeom>
+          <a:solidFill>
+            <a:srgbClr val="828CEA"/>
+          </a:solidFill>
+        </p:spPr>
+        <p:style>
+          <a:lnRef idx="2">
+            <a:schemeClr val="accent1">
+              <a:shade val="50000"/>
+            </a:schemeClr>
+          </a:lnRef>
+          <a:fillRef idx="1">
+            <a:schemeClr val="accent1"/>
+          </a:fillRef>
+          <a:effectRef idx="0">
+            <a:schemeClr val="accent1"/>
+          </a:effectRef>
+          <a:fontRef idx="minor">
+            <a:schemeClr val="lt1"/>
+          </a:fontRef>
+        </p:style>
+        <p:txBody>
+          <a:bodyPr rtlCol="0" anchor="ctr"/>
+          <a:lstStyle/>
+          <a:p>
+            <a:pPr algn="ctr"/>
+            <a:r>
+              <a:rPr lang="ko-KR" altLang="en-US" sz="2000" b="1" dirty="0">
+                <a:effectLst>
+                  <a:outerShdw blurRad="38100" dist="38100" dir="2700000" algn="tl">
+                    <a:srgbClr val="000000">
+                      <a:alpha val="43137"/>
+                    </a:srgbClr>
+                  </a:outerShdw>
+                </a:effectLst>
+              </a:rPr>
+              <a:t>하위 목표</a:t>
+            </a:r>
+          </a:p>
+        </p:txBody>
+      </p:sp>
+      <p:sp>
+        <p:nvSpPr>
+          <p:cNvPr id="62" name="사각형: 둥근 모서리 61">
+            <a:extLst>
+              <a:ext uri="{FF2B5EF4-FFF2-40B4-BE49-F238E27FC236}">
+                <a16:creationId xmlns:a16="http://schemas.microsoft.com/office/drawing/2014/main" id="{696C2C38-AC00-2227-8BE3-691A9B6FB92C}"/>
+              </a:ext>
+            </a:extLst>
+          </p:cNvPr>
+          <p:cNvSpPr/>
+          <p:nvPr/>
+        </p:nvSpPr>
+        <p:spPr>
+          <a:xfrm>
+            <a:off x="8709128" y="2690080"/>
+            <a:ext cx="1466993" cy="430654"/>
+          </a:xfrm>
+          <a:prstGeom prst="roundRect">
+            <a:avLst>
+              <a:gd name="adj" fmla="val 15623"/>
+            </a:avLst>
+          </a:prstGeom>
+          <a:solidFill>
+            <a:srgbClr val="828CEA"/>
+          </a:solidFill>
+        </p:spPr>
+        <p:style>
+          <a:lnRef idx="2">
+            <a:schemeClr val="accent1">
+              <a:shade val="50000"/>
+            </a:schemeClr>
+          </a:lnRef>
+          <a:fillRef idx="1">
+            <a:schemeClr val="accent1"/>
+          </a:fillRef>
+          <a:effectRef idx="0">
+            <a:schemeClr val="accent1"/>
+          </a:effectRef>
+          <a:fontRef idx="minor">
+            <a:schemeClr val="lt1"/>
+          </a:fontRef>
+        </p:style>
+        <p:txBody>
+          <a:bodyPr rtlCol="0" anchor="ctr"/>
+          <a:lstStyle/>
+          <a:p>
+            <a:pPr algn="ctr"/>
+            <a:r>
+              <a:rPr lang="ko-KR" altLang="en-US" sz="2000" b="1" dirty="0">
+                <a:effectLst>
+                  <a:outerShdw blurRad="38100" dist="38100" dir="2700000" algn="tl">
+                    <a:srgbClr val="000000">
+                      <a:alpha val="43137"/>
+                    </a:srgbClr>
+                  </a:outerShdw>
+                </a:effectLst>
+              </a:rPr>
+              <a:t>세부 작업</a:t>
+            </a:r>
+          </a:p>
+        </p:txBody>
+      </p:sp>
+      <p:sp>
+        <p:nvSpPr>
+          <p:cNvPr id="63" name="사각형: 둥근 모서리 62">
+            <a:extLst>
+              <a:ext uri="{FF2B5EF4-FFF2-40B4-BE49-F238E27FC236}">
+                <a16:creationId xmlns:a16="http://schemas.microsoft.com/office/drawing/2014/main" id="{11907755-3D27-D688-A1CE-54B002EB0019}"/>
+              </a:ext>
+            </a:extLst>
+          </p:cNvPr>
+          <p:cNvSpPr/>
+          <p:nvPr/>
+        </p:nvSpPr>
+        <p:spPr>
+          <a:xfrm>
+            <a:off x="8709128" y="3352513"/>
+            <a:ext cx="1466993" cy="430654"/>
+          </a:xfrm>
+          <a:prstGeom prst="roundRect">
+            <a:avLst>
+              <a:gd name="adj" fmla="val 15623"/>
+            </a:avLst>
+          </a:prstGeom>
+          <a:solidFill>
+            <a:srgbClr val="828CEA"/>
+          </a:solidFill>
+        </p:spPr>
+        <p:style>
+          <a:lnRef idx="2">
+            <a:schemeClr val="accent1">
+              <a:shade val="50000"/>
+            </a:schemeClr>
+          </a:lnRef>
+          <a:fillRef idx="1">
+            <a:schemeClr val="accent1"/>
+          </a:fillRef>
+          <a:effectRef idx="0">
+            <a:schemeClr val="accent1"/>
+          </a:effectRef>
+          <a:fontRef idx="minor">
+            <a:schemeClr val="lt1"/>
+          </a:fontRef>
+        </p:style>
+        <p:txBody>
+          <a:bodyPr rtlCol="0" anchor="ctr"/>
+          <a:lstStyle/>
+          <a:p>
+            <a:pPr algn="ctr"/>
+            <a:r>
+              <a:rPr lang="ko-KR" altLang="en-US" sz="2000" b="1" dirty="0">
+                <a:effectLst>
+                  <a:outerShdw blurRad="38100" dist="38100" dir="2700000" algn="tl">
+                    <a:srgbClr val="000000">
+                      <a:alpha val="43137"/>
+                    </a:srgbClr>
+                  </a:outerShdw>
+                </a:effectLst>
+              </a:rPr>
+              <a:t>캘린더</a:t>
+            </a:r>
+          </a:p>
+        </p:txBody>
+      </p:sp>
+      <p:sp>
+        <p:nvSpPr>
+          <p:cNvPr id="64" name="사각형: 둥근 모서리 63">
+            <a:extLst>
+              <a:ext uri="{FF2B5EF4-FFF2-40B4-BE49-F238E27FC236}">
+                <a16:creationId xmlns:a16="http://schemas.microsoft.com/office/drawing/2014/main" id="{A01E704C-A8D4-F389-C7E9-49E614ADBDF2}"/>
+              </a:ext>
+            </a:extLst>
+          </p:cNvPr>
+          <p:cNvSpPr/>
+          <p:nvPr/>
+        </p:nvSpPr>
+        <p:spPr>
+          <a:xfrm>
+            <a:off x="8709128" y="4014945"/>
+            <a:ext cx="1466993" cy="430654"/>
+          </a:xfrm>
+          <a:prstGeom prst="roundRect">
+            <a:avLst>
+              <a:gd name="adj" fmla="val 15623"/>
+            </a:avLst>
+          </a:prstGeom>
+          <a:solidFill>
+            <a:srgbClr val="828CEA"/>
+          </a:solidFill>
+        </p:spPr>
+        <p:style>
+          <a:lnRef idx="2">
+            <a:schemeClr val="accent1">
+              <a:shade val="50000"/>
+            </a:schemeClr>
+          </a:lnRef>
+          <a:fillRef idx="1">
+            <a:schemeClr val="accent1"/>
+          </a:fillRef>
+          <a:effectRef idx="0">
+            <a:schemeClr val="accent1"/>
+          </a:effectRef>
+          <a:fontRef idx="minor">
+            <a:schemeClr val="lt1"/>
+          </a:fontRef>
+        </p:style>
+        <p:txBody>
+          <a:bodyPr rtlCol="0" anchor="ctr"/>
+          <a:lstStyle/>
+          <a:p>
+            <a:pPr algn="ctr"/>
+            <a:r>
+              <a:rPr lang="ko-KR" altLang="en-US" sz="2000" b="1" dirty="0">
+                <a:effectLst>
+                  <a:outerShdw blurRad="38100" dist="38100" dir="2700000" algn="tl">
+                    <a:srgbClr val="000000">
+                      <a:alpha val="43137"/>
+                    </a:srgbClr>
+                  </a:outerShdw>
+                </a:effectLst>
+              </a:rPr>
+              <a:t>멤버 초대</a:t>
+            </a:r>
+          </a:p>
+        </p:txBody>
+      </p:sp>
+      <p:sp>
+        <p:nvSpPr>
+          <p:cNvPr id="65" name="사각형: 둥근 모서리 64">
+            <a:extLst>
+              <a:ext uri="{FF2B5EF4-FFF2-40B4-BE49-F238E27FC236}">
+                <a16:creationId xmlns:a16="http://schemas.microsoft.com/office/drawing/2014/main" id="{7A4C4118-42A5-1029-6D4A-135051F5BEF2}"/>
+              </a:ext>
+            </a:extLst>
+          </p:cNvPr>
+          <p:cNvSpPr/>
+          <p:nvPr/>
+        </p:nvSpPr>
+        <p:spPr>
+          <a:xfrm>
+            <a:off x="8703872" y="4650546"/>
+            <a:ext cx="1466993" cy="430654"/>
+          </a:xfrm>
+          <a:prstGeom prst="roundRect">
+            <a:avLst>
+              <a:gd name="adj" fmla="val 15623"/>
+            </a:avLst>
+          </a:prstGeom>
+          <a:solidFill>
+            <a:srgbClr val="828CEA"/>
+          </a:solidFill>
+        </p:spPr>
+        <p:style>
+          <a:lnRef idx="2">
+            <a:schemeClr val="accent1">
+              <a:shade val="50000"/>
+            </a:schemeClr>
+          </a:lnRef>
+          <a:fillRef idx="1">
+            <a:schemeClr val="accent1"/>
+          </a:fillRef>
+          <a:effectRef idx="0">
+            <a:schemeClr val="accent1"/>
+          </a:effectRef>
+          <a:fontRef idx="minor">
+            <a:schemeClr val="lt1"/>
+          </a:fontRef>
+        </p:style>
+        <p:txBody>
+          <a:bodyPr rtlCol="0" anchor="ctr"/>
+          <a:lstStyle/>
+          <a:p>
+            <a:pPr algn="ctr"/>
+            <a:r>
+              <a:rPr lang="ko-KR" altLang="en-US" sz="2000" b="1" dirty="0">
+                <a:effectLst>
+                  <a:outerShdw blurRad="38100" dist="38100" dir="2700000" algn="tl">
+                    <a:srgbClr val="000000">
+                      <a:alpha val="43137"/>
+                    </a:srgbClr>
+                  </a:outerShdw>
+                </a:effectLst>
+              </a:rPr>
+              <a:t>상태 표시</a:t>
+            </a:r>
+          </a:p>
+        </p:txBody>
+      </p:sp>
+      <p:sp>
+        <p:nvSpPr>
+          <p:cNvPr id="66" name="사각형: 둥근 모서리 65">
+            <a:extLst>
+              <a:ext uri="{FF2B5EF4-FFF2-40B4-BE49-F238E27FC236}">
+                <a16:creationId xmlns:a16="http://schemas.microsoft.com/office/drawing/2014/main" id="{7DEEC610-AF0D-B78A-2FD2-E25D869D14E2}"/>
+              </a:ext>
+            </a:extLst>
+          </p:cNvPr>
+          <p:cNvSpPr/>
+          <p:nvPr/>
+        </p:nvSpPr>
+        <p:spPr>
+          <a:xfrm>
+            <a:off x="10663555" y="2690080"/>
+            <a:ext cx="1466993" cy="430654"/>
+          </a:xfrm>
+          <a:prstGeom prst="roundRect">
+            <a:avLst>
+              <a:gd name="adj" fmla="val 15623"/>
+            </a:avLst>
+          </a:prstGeom>
+          <a:solidFill>
+            <a:srgbClr val="5161CE"/>
+          </a:solidFill>
+        </p:spPr>
+        <p:style>
+          <a:lnRef idx="2">
+            <a:schemeClr val="accent1">
+              <a:shade val="50000"/>
+            </a:schemeClr>
+          </a:lnRef>
+          <a:fillRef idx="1">
+            <a:schemeClr val="accent1"/>
+          </a:fillRef>
+          <a:effectRef idx="0">
+            <a:schemeClr val="accent1"/>
+          </a:effectRef>
+          <a:fontRef idx="minor">
+            <a:schemeClr val="lt1"/>
+          </a:fontRef>
+        </p:style>
+        <p:txBody>
+          <a:bodyPr rtlCol="0" anchor="ctr"/>
+          <a:lstStyle/>
+          <a:p>
+            <a:pPr algn="ctr"/>
+            <a:r>
+              <a:rPr lang="ko-KR" altLang="en-US" b="1" dirty="0">
+                <a:effectLst>
+                  <a:outerShdw blurRad="38100" dist="38100" dir="2700000" algn="tl">
+                    <a:srgbClr val="000000">
+                      <a:alpha val="43137"/>
+                    </a:srgbClr>
+                  </a:outerShdw>
+                </a:effectLst>
+              </a:rPr>
+              <a:t>댓글</a:t>
+            </a:r>
+          </a:p>
+        </p:txBody>
+      </p:sp>
+      <p:cxnSp>
+        <p:nvCxnSpPr>
+          <p:cNvPr id="67" name="직선 연결선 66">
+            <a:extLst>
+              <a:ext uri="{FF2B5EF4-FFF2-40B4-BE49-F238E27FC236}">
+                <a16:creationId xmlns:a16="http://schemas.microsoft.com/office/drawing/2014/main" id="{86068A42-F644-616C-D3C0-B3226979DD25}"/>
+              </a:ext>
+            </a:extLst>
+          </p:cNvPr>
+          <p:cNvCxnSpPr>
+            <a:cxnSpLocks/>
+          </p:cNvCxnSpPr>
+          <p:nvPr/>
+        </p:nvCxnSpPr>
+        <p:spPr>
+          <a:xfrm>
+            <a:off x="2333297" y="1192644"/>
+            <a:ext cx="493" cy="1682715"/>
+          </a:xfrm>
+          <a:prstGeom prst="line">
+            <a:avLst/>
+          </a:prstGeom>
+          <a:ln w="38100">
+            <a:solidFill>
+              <a:schemeClr val="accent1">
+                <a:lumMod val="50000"/>
+              </a:schemeClr>
+            </a:solidFill>
+          </a:ln>
+        </p:spPr>
+        <p:style>
+          <a:lnRef idx="1">
+            <a:schemeClr val="accent1"/>
+          </a:lnRef>
+          <a:fillRef idx="0">
+            <a:schemeClr val="accent1"/>
+          </a:fillRef>
+          <a:effectRef idx="0">
+            <a:schemeClr val="accent1"/>
+          </a:effectRef>
+          <a:fontRef idx="minor">
+            <a:schemeClr val="tx1"/>
+          </a:fontRef>
+        </p:style>
+      </p:cxnSp>
+      <p:cxnSp>
+        <p:nvCxnSpPr>
+          <p:cNvPr id="68" name="직선 연결선 67">
+            <a:extLst>
+              <a:ext uri="{FF2B5EF4-FFF2-40B4-BE49-F238E27FC236}">
+                <a16:creationId xmlns:a16="http://schemas.microsoft.com/office/drawing/2014/main" id="{91095343-11FB-EBF1-5DE0-D6AA0235CBEC}"/>
+              </a:ext>
+            </a:extLst>
+          </p:cNvPr>
+          <p:cNvCxnSpPr>
+            <a:cxnSpLocks/>
+            <a:stCxn id="54" idx="1"/>
+          </p:cNvCxnSpPr>
+          <p:nvPr/>
+        </p:nvCxnSpPr>
+        <p:spPr>
+          <a:xfrm flipH="1">
+            <a:off x="2318025" y="1634494"/>
+            <a:ext cx="492692" cy="0"/>
+          </a:xfrm>
+          <a:prstGeom prst="line">
+            <a:avLst/>
+          </a:prstGeom>
+          <a:ln w="38100">
+            <a:solidFill>
+              <a:schemeClr val="accent1">
+                <a:lumMod val="50000"/>
+              </a:schemeClr>
+            </a:solidFill>
+          </a:ln>
+        </p:spPr>
+        <p:style>
+          <a:lnRef idx="1">
+            <a:schemeClr val="accent1"/>
+          </a:lnRef>
+          <a:fillRef idx="0">
+            <a:schemeClr val="accent1"/>
+          </a:fillRef>
+          <a:effectRef idx="0">
+            <a:schemeClr val="accent1"/>
+          </a:effectRef>
+          <a:fontRef idx="minor">
+            <a:schemeClr val="tx1"/>
+          </a:fontRef>
+        </p:style>
+      </p:cxnSp>
+      <p:cxnSp>
+        <p:nvCxnSpPr>
+          <p:cNvPr id="69" name="직선 연결선 68">
+            <a:extLst>
+              <a:ext uri="{FF2B5EF4-FFF2-40B4-BE49-F238E27FC236}">
+                <a16:creationId xmlns:a16="http://schemas.microsoft.com/office/drawing/2014/main" id="{C9C1C5EB-82BA-31CE-277C-55846A241835}"/>
+              </a:ext>
+            </a:extLst>
+          </p:cNvPr>
+          <p:cNvCxnSpPr>
+            <a:cxnSpLocks/>
+          </p:cNvCxnSpPr>
+          <p:nvPr/>
+        </p:nvCxnSpPr>
+        <p:spPr>
+          <a:xfrm flipH="1">
+            <a:off x="2316627" y="2238839"/>
+            <a:ext cx="492692" cy="0"/>
+          </a:xfrm>
+          <a:prstGeom prst="line">
+            <a:avLst/>
+          </a:prstGeom>
+          <a:ln w="38100">
+            <a:solidFill>
+              <a:schemeClr val="accent1">
+                <a:lumMod val="50000"/>
+              </a:schemeClr>
+            </a:solidFill>
+          </a:ln>
+        </p:spPr>
+        <p:style>
+          <a:lnRef idx="1">
+            <a:schemeClr val="accent1"/>
+          </a:lnRef>
+          <a:fillRef idx="0">
+            <a:schemeClr val="accent1"/>
+          </a:fillRef>
+          <a:effectRef idx="0">
+            <a:schemeClr val="accent1"/>
+          </a:effectRef>
+          <a:fontRef idx="minor">
+            <a:schemeClr val="tx1"/>
+          </a:fontRef>
+        </p:style>
+      </p:cxnSp>
+      <p:cxnSp>
+        <p:nvCxnSpPr>
+          <p:cNvPr id="70" name="직선 연결선 69">
+            <a:extLst>
+              <a:ext uri="{FF2B5EF4-FFF2-40B4-BE49-F238E27FC236}">
+                <a16:creationId xmlns:a16="http://schemas.microsoft.com/office/drawing/2014/main" id="{57217C60-4BCB-BA37-0A60-3C5457E12CB9}"/>
+              </a:ext>
+            </a:extLst>
+          </p:cNvPr>
+          <p:cNvCxnSpPr>
+            <a:cxnSpLocks/>
+          </p:cNvCxnSpPr>
+          <p:nvPr/>
+        </p:nvCxnSpPr>
+        <p:spPr>
+          <a:xfrm flipH="1">
+            <a:off x="2333790" y="2862726"/>
+            <a:ext cx="492692" cy="0"/>
+          </a:xfrm>
+          <a:prstGeom prst="line">
+            <a:avLst/>
+          </a:prstGeom>
+          <a:ln w="38100">
+            <a:solidFill>
+              <a:schemeClr val="accent1">
+                <a:lumMod val="50000"/>
+              </a:schemeClr>
+            </a:solidFill>
+          </a:ln>
+        </p:spPr>
+        <p:style>
+          <a:lnRef idx="1">
+            <a:schemeClr val="accent1"/>
+          </a:lnRef>
+          <a:fillRef idx="0">
+            <a:schemeClr val="accent1"/>
+          </a:fillRef>
+          <a:effectRef idx="0">
+            <a:schemeClr val="accent1"/>
+          </a:effectRef>
+          <a:fontRef idx="minor">
+            <a:schemeClr val="tx1"/>
+          </a:fontRef>
+        </p:style>
+      </p:cxnSp>
+      <p:cxnSp>
+        <p:nvCxnSpPr>
+          <p:cNvPr id="71" name="직선 연결선 70">
+            <a:extLst>
+              <a:ext uri="{FF2B5EF4-FFF2-40B4-BE49-F238E27FC236}">
+                <a16:creationId xmlns:a16="http://schemas.microsoft.com/office/drawing/2014/main" id="{F8C3B0F9-CDB3-D91D-A9A3-FAE5E67E189A}"/>
+              </a:ext>
+            </a:extLst>
+          </p:cNvPr>
+          <p:cNvCxnSpPr>
+            <a:cxnSpLocks/>
+          </p:cNvCxnSpPr>
+          <p:nvPr/>
+        </p:nvCxnSpPr>
+        <p:spPr>
+          <a:xfrm>
+            <a:off x="5026972" y="1213266"/>
+            <a:ext cx="493" cy="1682715"/>
+          </a:xfrm>
+          <a:prstGeom prst="line">
+            <a:avLst/>
+          </a:prstGeom>
+          <a:ln w="38100">
+            <a:solidFill>
+              <a:schemeClr val="accent1">
+                <a:lumMod val="50000"/>
+              </a:schemeClr>
+            </a:solidFill>
+          </a:ln>
+        </p:spPr>
+        <p:style>
+          <a:lnRef idx="1">
+            <a:schemeClr val="accent1"/>
+          </a:lnRef>
+          <a:fillRef idx="0">
+            <a:schemeClr val="accent1"/>
+          </a:fillRef>
+          <a:effectRef idx="0">
+            <a:schemeClr val="accent1"/>
+          </a:effectRef>
+          <a:fontRef idx="minor">
+            <a:schemeClr val="tx1"/>
+          </a:fontRef>
+        </p:style>
+      </p:cxnSp>
+      <p:cxnSp>
+        <p:nvCxnSpPr>
+          <p:cNvPr id="72" name="직선 연결선 71">
+            <a:extLst>
+              <a:ext uri="{FF2B5EF4-FFF2-40B4-BE49-F238E27FC236}">
+                <a16:creationId xmlns:a16="http://schemas.microsoft.com/office/drawing/2014/main" id="{3EF0E5D0-DE5F-F838-19A0-18D17EDC0D21}"/>
+              </a:ext>
+            </a:extLst>
+          </p:cNvPr>
+          <p:cNvCxnSpPr>
+            <a:cxnSpLocks/>
+          </p:cNvCxnSpPr>
+          <p:nvPr/>
+        </p:nvCxnSpPr>
+        <p:spPr>
+          <a:xfrm flipH="1">
+            <a:off x="5011700" y="1655116"/>
+            <a:ext cx="492692" cy="0"/>
+          </a:xfrm>
+          <a:prstGeom prst="line">
+            <a:avLst/>
+          </a:prstGeom>
+          <a:ln w="38100">
+            <a:solidFill>
+              <a:schemeClr val="accent1">
+                <a:lumMod val="50000"/>
+              </a:schemeClr>
+            </a:solidFill>
+          </a:ln>
+        </p:spPr>
+        <p:style>
+          <a:lnRef idx="1">
+            <a:schemeClr val="accent1"/>
+          </a:lnRef>
+          <a:fillRef idx="0">
+            <a:schemeClr val="accent1"/>
+          </a:fillRef>
+          <a:effectRef idx="0">
+            <a:schemeClr val="accent1"/>
+          </a:effectRef>
+          <a:fontRef idx="minor">
+            <a:schemeClr val="tx1"/>
+          </a:fontRef>
+        </p:style>
+      </p:cxnSp>
+      <p:cxnSp>
+        <p:nvCxnSpPr>
+          <p:cNvPr id="73" name="직선 연결선 72">
+            <a:extLst>
+              <a:ext uri="{FF2B5EF4-FFF2-40B4-BE49-F238E27FC236}">
+                <a16:creationId xmlns:a16="http://schemas.microsoft.com/office/drawing/2014/main" id="{6313B5C3-2461-88BD-F8B3-D73337190044}"/>
+              </a:ext>
+            </a:extLst>
+          </p:cNvPr>
+          <p:cNvCxnSpPr>
+            <a:cxnSpLocks/>
+          </p:cNvCxnSpPr>
+          <p:nvPr/>
+        </p:nvCxnSpPr>
+        <p:spPr>
+          <a:xfrm flipH="1">
+            <a:off x="5010302" y="2259461"/>
+            <a:ext cx="492692" cy="0"/>
+          </a:xfrm>
+          <a:prstGeom prst="line">
+            <a:avLst/>
+          </a:prstGeom>
+          <a:ln w="38100">
+            <a:solidFill>
+              <a:schemeClr val="accent1">
+                <a:lumMod val="50000"/>
+              </a:schemeClr>
+            </a:solidFill>
+          </a:ln>
+        </p:spPr>
+        <p:style>
+          <a:lnRef idx="1">
+            <a:schemeClr val="accent1"/>
+          </a:lnRef>
+          <a:fillRef idx="0">
+            <a:schemeClr val="accent1"/>
+          </a:fillRef>
+          <a:effectRef idx="0">
+            <a:schemeClr val="accent1"/>
+          </a:effectRef>
+          <a:fontRef idx="minor">
+            <a:schemeClr val="tx1"/>
+          </a:fontRef>
+        </p:style>
+      </p:cxnSp>
+      <p:cxnSp>
+        <p:nvCxnSpPr>
+          <p:cNvPr id="74" name="직선 연결선 73">
+            <a:extLst>
+              <a:ext uri="{FF2B5EF4-FFF2-40B4-BE49-F238E27FC236}">
+                <a16:creationId xmlns:a16="http://schemas.microsoft.com/office/drawing/2014/main" id="{EFCE4BA6-0849-D502-A8B7-0515974F16E5}"/>
+              </a:ext>
+            </a:extLst>
+          </p:cNvPr>
+          <p:cNvCxnSpPr>
+            <a:cxnSpLocks/>
+          </p:cNvCxnSpPr>
+          <p:nvPr/>
+        </p:nvCxnSpPr>
+        <p:spPr>
+          <a:xfrm flipH="1">
+            <a:off x="5027465" y="2883348"/>
+            <a:ext cx="492692" cy="0"/>
+          </a:xfrm>
+          <a:prstGeom prst="line">
+            <a:avLst/>
+          </a:prstGeom>
+          <a:ln w="38100">
+            <a:solidFill>
+              <a:schemeClr val="accent1">
+                <a:lumMod val="50000"/>
+              </a:schemeClr>
+            </a:solidFill>
+          </a:ln>
+        </p:spPr>
+        <p:style>
+          <a:lnRef idx="1">
+            <a:schemeClr val="accent1"/>
+          </a:lnRef>
+          <a:fillRef idx="0">
+            <a:schemeClr val="accent1"/>
+          </a:fillRef>
+          <a:effectRef idx="0">
+            <a:schemeClr val="accent1"/>
+          </a:effectRef>
+          <a:fontRef idx="minor">
+            <a:schemeClr val="tx1"/>
+          </a:fontRef>
+        </p:style>
+      </p:cxnSp>
+      <p:cxnSp>
+        <p:nvCxnSpPr>
+          <p:cNvPr id="75" name="직선 연결선 74">
+            <a:extLst>
+              <a:ext uri="{FF2B5EF4-FFF2-40B4-BE49-F238E27FC236}">
+                <a16:creationId xmlns:a16="http://schemas.microsoft.com/office/drawing/2014/main" id="{A4FF6685-AAA1-4051-F704-BE9ACB833611}"/>
+              </a:ext>
+            </a:extLst>
+          </p:cNvPr>
+          <p:cNvCxnSpPr>
+            <a:cxnSpLocks/>
+          </p:cNvCxnSpPr>
+          <p:nvPr/>
+        </p:nvCxnSpPr>
+        <p:spPr>
+          <a:xfrm flipH="1">
+            <a:off x="8174285" y="1192643"/>
+            <a:ext cx="15066" cy="3710350"/>
+          </a:xfrm>
+          <a:prstGeom prst="line">
+            <a:avLst/>
+          </a:prstGeom>
+          <a:ln w="38100">
+            <a:solidFill>
+              <a:schemeClr val="accent1">
+                <a:lumMod val="50000"/>
+              </a:schemeClr>
+            </a:solidFill>
+          </a:ln>
+        </p:spPr>
+        <p:style>
+          <a:lnRef idx="1">
+            <a:schemeClr val="accent1"/>
+          </a:lnRef>
+          <a:fillRef idx="0">
+            <a:schemeClr val="accent1"/>
+          </a:fillRef>
+          <a:effectRef idx="0">
+            <a:schemeClr val="accent1"/>
+          </a:effectRef>
+          <a:fontRef idx="minor">
+            <a:schemeClr val="tx1"/>
+          </a:fontRef>
+        </p:style>
+      </p:cxnSp>
+      <p:cxnSp>
+        <p:nvCxnSpPr>
+          <p:cNvPr id="76" name="직선 연결선 75">
+            <a:extLst>
+              <a:ext uri="{FF2B5EF4-FFF2-40B4-BE49-F238E27FC236}">
+                <a16:creationId xmlns:a16="http://schemas.microsoft.com/office/drawing/2014/main" id="{3271A351-DB69-9CF3-1FBF-A136B7F58364}"/>
+              </a:ext>
+            </a:extLst>
+          </p:cNvPr>
+          <p:cNvCxnSpPr>
+            <a:cxnSpLocks/>
+            <a:stCxn id="60" idx="1"/>
+          </p:cNvCxnSpPr>
+          <p:nvPr/>
+        </p:nvCxnSpPr>
+        <p:spPr>
+          <a:xfrm flipH="1">
+            <a:off x="8178842" y="1634493"/>
+            <a:ext cx="530287" cy="0"/>
+          </a:xfrm>
+          <a:prstGeom prst="line">
+            <a:avLst/>
+          </a:prstGeom>
+          <a:ln w="38100">
+            <a:solidFill>
+              <a:schemeClr val="accent1">
+                <a:lumMod val="50000"/>
+              </a:schemeClr>
+            </a:solidFill>
+          </a:ln>
+        </p:spPr>
+        <p:style>
+          <a:lnRef idx="1">
+            <a:schemeClr val="accent1"/>
+          </a:lnRef>
+          <a:fillRef idx="0">
+            <a:schemeClr val="accent1"/>
+          </a:fillRef>
+          <a:effectRef idx="0">
+            <a:schemeClr val="accent1"/>
+          </a:effectRef>
+          <a:fontRef idx="minor">
+            <a:schemeClr val="tx1"/>
+          </a:fontRef>
+        </p:style>
+      </p:cxnSp>
+      <p:cxnSp>
+        <p:nvCxnSpPr>
+          <p:cNvPr id="77" name="직선 연결선 76">
+            <a:extLst>
+              <a:ext uri="{FF2B5EF4-FFF2-40B4-BE49-F238E27FC236}">
+                <a16:creationId xmlns:a16="http://schemas.microsoft.com/office/drawing/2014/main" id="{CCC46968-3BF7-BAFA-B5F8-7DDA32905B83}"/>
+              </a:ext>
+            </a:extLst>
+          </p:cNvPr>
+          <p:cNvCxnSpPr>
+            <a:cxnSpLocks/>
+            <a:stCxn id="61" idx="1"/>
+          </p:cNvCxnSpPr>
+          <p:nvPr/>
+        </p:nvCxnSpPr>
+        <p:spPr>
+          <a:xfrm flipH="1">
+            <a:off x="8178842" y="2269950"/>
+            <a:ext cx="530287" cy="82"/>
+          </a:xfrm>
+          <a:prstGeom prst="line">
+            <a:avLst/>
+          </a:prstGeom>
+          <a:ln w="38100">
+            <a:solidFill>
+              <a:schemeClr val="accent1">
+                <a:lumMod val="50000"/>
+              </a:schemeClr>
+            </a:solidFill>
+          </a:ln>
+        </p:spPr>
+        <p:style>
+          <a:lnRef idx="1">
+            <a:schemeClr val="accent1"/>
+          </a:lnRef>
+          <a:fillRef idx="0">
+            <a:schemeClr val="accent1"/>
+          </a:fillRef>
+          <a:effectRef idx="0">
+            <a:schemeClr val="accent1"/>
+          </a:effectRef>
+          <a:fontRef idx="minor">
+            <a:schemeClr val="tx1"/>
+          </a:fontRef>
+        </p:style>
+      </p:cxnSp>
+      <p:cxnSp>
+        <p:nvCxnSpPr>
+          <p:cNvPr id="78" name="직선 연결선 77">
+            <a:extLst>
+              <a:ext uri="{FF2B5EF4-FFF2-40B4-BE49-F238E27FC236}">
+                <a16:creationId xmlns:a16="http://schemas.microsoft.com/office/drawing/2014/main" id="{0ED82EFA-5C05-E089-8D12-1C6F532637A0}"/>
+              </a:ext>
+            </a:extLst>
+          </p:cNvPr>
+          <p:cNvCxnSpPr>
+            <a:cxnSpLocks/>
+            <a:stCxn id="62" idx="1"/>
+          </p:cNvCxnSpPr>
+          <p:nvPr/>
+        </p:nvCxnSpPr>
+        <p:spPr>
+          <a:xfrm flipH="1">
+            <a:off x="8189351" y="2905407"/>
+            <a:ext cx="519777" cy="561"/>
+          </a:xfrm>
+          <a:prstGeom prst="line">
+            <a:avLst/>
+          </a:prstGeom>
+          <a:ln w="38100">
+            <a:solidFill>
+              <a:schemeClr val="accent1">
+                <a:lumMod val="50000"/>
+              </a:schemeClr>
+            </a:solidFill>
+          </a:ln>
+        </p:spPr>
+        <p:style>
+          <a:lnRef idx="1">
+            <a:schemeClr val="accent1"/>
+          </a:lnRef>
+          <a:fillRef idx="0">
+            <a:schemeClr val="accent1"/>
+          </a:fillRef>
+          <a:effectRef idx="0">
+            <a:schemeClr val="accent1"/>
+          </a:effectRef>
+          <a:fontRef idx="minor">
+            <a:schemeClr val="tx1"/>
+          </a:fontRef>
+        </p:style>
+      </p:cxnSp>
+      <p:cxnSp>
+        <p:nvCxnSpPr>
+          <p:cNvPr id="79" name="직선 연결선 78">
+            <a:extLst>
+              <a:ext uri="{FF2B5EF4-FFF2-40B4-BE49-F238E27FC236}">
+                <a16:creationId xmlns:a16="http://schemas.microsoft.com/office/drawing/2014/main" id="{287C581C-34EB-8B0B-DC93-F2524A7623B8}"/>
+              </a:ext>
+            </a:extLst>
+          </p:cNvPr>
+          <p:cNvCxnSpPr>
+            <a:cxnSpLocks/>
+          </p:cNvCxnSpPr>
+          <p:nvPr/>
+        </p:nvCxnSpPr>
+        <p:spPr>
+          <a:xfrm flipH="1">
+            <a:off x="8184096" y="3567279"/>
+            <a:ext cx="519777" cy="561"/>
+          </a:xfrm>
+          <a:prstGeom prst="line">
+            <a:avLst/>
+          </a:prstGeom>
+          <a:ln w="38100">
+            <a:solidFill>
+              <a:schemeClr val="accent1">
+                <a:lumMod val="50000"/>
+              </a:schemeClr>
+            </a:solidFill>
+          </a:ln>
+        </p:spPr>
+        <p:style>
+          <a:lnRef idx="1">
+            <a:schemeClr val="accent1"/>
+          </a:lnRef>
+          <a:fillRef idx="0">
+            <a:schemeClr val="accent1"/>
+          </a:fillRef>
+          <a:effectRef idx="0">
+            <a:schemeClr val="accent1"/>
+          </a:effectRef>
+          <a:fontRef idx="minor">
+            <a:schemeClr val="tx1"/>
+          </a:fontRef>
+        </p:style>
+      </p:cxnSp>
+      <p:cxnSp>
+        <p:nvCxnSpPr>
+          <p:cNvPr id="80" name="직선 연결선 79">
+            <a:extLst>
+              <a:ext uri="{FF2B5EF4-FFF2-40B4-BE49-F238E27FC236}">
+                <a16:creationId xmlns:a16="http://schemas.microsoft.com/office/drawing/2014/main" id="{028E390F-9407-E6FC-546D-9648789BF88F}"/>
+              </a:ext>
+            </a:extLst>
+          </p:cNvPr>
+          <p:cNvCxnSpPr>
+            <a:cxnSpLocks/>
+          </p:cNvCxnSpPr>
+          <p:nvPr/>
+        </p:nvCxnSpPr>
+        <p:spPr>
+          <a:xfrm flipH="1">
+            <a:off x="8186724" y="4228590"/>
+            <a:ext cx="519777" cy="561"/>
+          </a:xfrm>
+          <a:prstGeom prst="line">
+            <a:avLst/>
+          </a:prstGeom>
+          <a:ln w="38100">
+            <a:solidFill>
+              <a:schemeClr val="accent1">
+                <a:lumMod val="50000"/>
+              </a:schemeClr>
+            </a:solidFill>
+          </a:ln>
+        </p:spPr>
+        <p:style>
+          <a:lnRef idx="1">
+            <a:schemeClr val="accent1"/>
+          </a:lnRef>
+          <a:fillRef idx="0">
+            <a:schemeClr val="accent1"/>
+          </a:fillRef>
+          <a:effectRef idx="0">
+            <a:schemeClr val="accent1"/>
+          </a:effectRef>
+          <a:fontRef idx="minor">
+            <a:schemeClr val="tx1"/>
+          </a:fontRef>
+        </p:style>
+      </p:cxnSp>
+      <p:cxnSp>
+        <p:nvCxnSpPr>
+          <p:cNvPr id="81" name="직선 연결선 80">
+            <a:extLst>
+              <a:ext uri="{FF2B5EF4-FFF2-40B4-BE49-F238E27FC236}">
+                <a16:creationId xmlns:a16="http://schemas.microsoft.com/office/drawing/2014/main" id="{BC6917AF-B6FD-92C1-82E4-ACA88687F428}"/>
+              </a:ext>
+            </a:extLst>
+          </p:cNvPr>
+          <p:cNvCxnSpPr>
+            <a:cxnSpLocks/>
+          </p:cNvCxnSpPr>
+          <p:nvPr/>
+        </p:nvCxnSpPr>
+        <p:spPr>
+          <a:xfrm flipH="1">
+            <a:off x="8186724" y="4885824"/>
+            <a:ext cx="519777" cy="561"/>
+          </a:xfrm>
+          <a:prstGeom prst="line">
+            <a:avLst/>
+          </a:prstGeom>
+          <a:ln w="38100">
+            <a:solidFill>
+              <a:schemeClr val="accent1">
+                <a:lumMod val="50000"/>
+              </a:schemeClr>
+            </a:solidFill>
+          </a:ln>
+        </p:spPr>
+        <p:style>
+          <a:lnRef idx="1">
+            <a:schemeClr val="accent1"/>
+          </a:lnRef>
+          <a:fillRef idx="0">
+            <a:schemeClr val="accent1"/>
+          </a:fillRef>
+          <a:effectRef idx="0">
+            <a:schemeClr val="accent1"/>
+          </a:effectRef>
+          <a:fontRef idx="minor">
+            <a:schemeClr val="tx1"/>
+          </a:fontRef>
+        </p:style>
+      </p:cxnSp>
+      <p:cxnSp>
+        <p:nvCxnSpPr>
+          <p:cNvPr id="82" name="직선 연결선 81">
+            <a:extLst>
+              <a:ext uri="{FF2B5EF4-FFF2-40B4-BE49-F238E27FC236}">
+                <a16:creationId xmlns:a16="http://schemas.microsoft.com/office/drawing/2014/main" id="{27B63F75-D39F-4E1E-6674-CDD3633105D2}"/>
+              </a:ext>
+            </a:extLst>
+          </p:cNvPr>
+          <p:cNvCxnSpPr>
+            <a:cxnSpLocks/>
+            <a:stCxn id="66" idx="1"/>
+            <a:endCxn id="62" idx="3"/>
+          </p:cNvCxnSpPr>
+          <p:nvPr/>
+        </p:nvCxnSpPr>
+        <p:spPr>
+          <a:xfrm flipH="1">
+            <a:off x="10176121" y="2905407"/>
+            <a:ext cx="487434" cy="0"/>
+          </a:xfrm>
+          <a:prstGeom prst="line">
+            <a:avLst/>
+          </a:prstGeom>
+          <a:ln w="38100">
+            <a:solidFill>
+              <a:schemeClr val="accent1">
+                <a:lumMod val="50000"/>
+              </a:schemeClr>
+            </a:solidFill>
+          </a:ln>
+        </p:spPr>
+        <p:style>
+          <a:lnRef idx="1">
+            <a:schemeClr val="accent1"/>
+          </a:lnRef>
+          <a:fillRef idx="0">
+            <a:schemeClr val="accent1"/>
+          </a:fillRef>
+          <a:effectRef idx="0">
+            <a:schemeClr val="accent1"/>
+          </a:effectRef>
+          <a:fontRef idx="minor">
+            <a:schemeClr val="tx1"/>
+          </a:fontRef>
+        </p:style>
+      </p:cxnSp>
+      <p:sp>
+        <p:nvSpPr>
+          <p:cNvPr id="83" name="사각형: 둥근 모서리 82">
+            <a:extLst>
+              <a:ext uri="{FF2B5EF4-FFF2-40B4-BE49-F238E27FC236}">
+                <a16:creationId xmlns:a16="http://schemas.microsoft.com/office/drawing/2014/main" id="{6D44B548-BE25-9C4B-3785-A83667AA9436}"/>
+              </a:ext>
+            </a:extLst>
+          </p:cNvPr>
+          <p:cNvSpPr/>
+          <p:nvPr/>
+        </p:nvSpPr>
+        <p:spPr>
+          <a:xfrm>
+            <a:off x="5045022" y="4472339"/>
+            <a:ext cx="1466993" cy="430654"/>
+          </a:xfrm>
+          <a:prstGeom prst="roundRect">
+            <a:avLst>
+              <a:gd name="adj" fmla="val 15623"/>
+            </a:avLst>
+          </a:prstGeom>
+          <a:solidFill>
+            <a:srgbClr val="828CEA"/>
+          </a:solidFill>
+        </p:spPr>
+        <p:style>
+          <a:lnRef idx="2">
+            <a:schemeClr val="accent1">
+              <a:shade val="50000"/>
+            </a:schemeClr>
+          </a:lnRef>
+          <a:fillRef idx="1">
+            <a:schemeClr val="accent1"/>
+          </a:fillRef>
+          <a:effectRef idx="0">
+            <a:schemeClr val="accent1"/>
+          </a:effectRef>
+          <a:fontRef idx="minor">
+            <a:schemeClr val="lt1"/>
+          </a:fontRef>
+        </p:style>
+        <p:txBody>
+          <a:bodyPr rtlCol="0" anchor="ctr"/>
+          <a:lstStyle/>
+          <a:p>
+            <a:pPr algn="ctr"/>
+            <a:r>
+              <a:rPr lang="en-US" altLang="ko-KR" b="1" dirty="0" err="1">
+                <a:effectLst>
+                  <a:outerShdw blurRad="38100" dist="38100" dir="2700000" algn="tl">
+                    <a:srgbClr val="000000">
+                      <a:alpha val="43137"/>
+                    </a:srgbClr>
+                  </a:outerShdw>
+                </a:effectLst>
+              </a:rPr>
+              <a:t>Hitory</a:t>
+            </a:r>
+            <a:endParaRPr lang="ko-KR" altLang="en-US" b="1" dirty="0">
+              <a:effectLst>
+                <a:outerShdw blurRad="38100" dist="38100" dir="2700000" algn="tl">
+                  <a:srgbClr val="000000">
+                    <a:alpha val="43137"/>
+                  </a:srgbClr>
+                </a:outerShdw>
+              </a:effectLst>
+            </a:endParaRPr>
+          </a:p>
+        </p:txBody>
+      </p:sp>
+      <p:sp>
+        <p:nvSpPr>
+          <p:cNvPr id="84" name="사각형: 둥근 모서리 83">
+            <a:extLst>
+              <a:ext uri="{FF2B5EF4-FFF2-40B4-BE49-F238E27FC236}">
+                <a16:creationId xmlns:a16="http://schemas.microsoft.com/office/drawing/2014/main" id="{C0025831-D734-64D4-D86C-1775BEEBCC07}"/>
+              </a:ext>
+            </a:extLst>
+          </p:cNvPr>
+          <p:cNvSpPr/>
+          <p:nvPr/>
+        </p:nvSpPr>
+        <p:spPr>
+          <a:xfrm>
+            <a:off x="2810716" y="4483146"/>
+            <a:ext cx="1466993" cy="430654"/>
+          </a:xfrm>
+          <a:prstGeom prst="roundRect">
+            <a:avLst>
+              <a:gd name="adj" fmla="val 15623"/>
+            </a:avLst>
+          </a:prstGeom>
+          <a:solidFill>
+            <a:srgbClr val="828CEA"/>
+          </a:solidFill>
+        </p:spPr>
+        <p:style>
+          <a:lnRef idx="2">
+            <a:schemeClr val="accent1">
+              <a:shade val="50000"/>
+            </a:schemeClr>
+          </a:lnRef>
+          <a:fillRef idx="1">
+            <a:schemeClr val="accent1"/>
+          </a:fillRef>
+          <a:effectRef idx="0">
+            <a:schemeClr val="accent1"/>
+          </a:effectRef>
+          <a:fontRef idx="minor">
+            <a:schemeClr val="lt1"/>
+          </a:fontRef>
+        </p:style>
+        <p:txBody>
+          <a:bodyPr rtlCol="0" anchor="ctr"/>
+          <a:lstStyle/>
+          <a:p>
+            <a:pPr algn="ctr"/>
+            <a:r>
+              <a:rPr lang="ko-KR" altLang="en-US" sz="2000" b="1" dirty="0">
+                <a:effectLst>
+                  <a:outerShdw blurRad="38100" dist="38100" dir="2700000" algn="tl">
+                    <a:srgbClr val="000000">
+                      <a:alpha val="43137"/>
+                    </a:srgbClr>
+                  </a:outerShdw>
+                </a:effectLst>
+              </a:rPr>
+              <a:t>편집</a:t>
+            </a:r>
+          </a:p>
+        </p:txBody>
+      </p:sp>
+      <p:sp>
+        <p:nvSpPr>
+          <p:cNvPr id="85" name="사각형: 둥근 모서리 84">
+            <a:extLst>
+              <a:ext uri="{FF2B5EF4-FFF2-40B4-BE49-F238E27FC236}">
+                <a16:creationId xmlns:a16="http://schemas.microsoft.com/office/drawing/2014/main" id="{1C5683FC-69A7-9A79-685E-759D3C84B0AC}"/>
+              </a:ext>
+            </a:extLst>
+          </p:cNvPr>
+          <p:cNvSpPr/>
+          <p:nvPr/>
+        </p:nvSpPr>
+        <p:spPr>
+          <a:xfrm>
+            <a:off x="5045021" y="5017036"/>
+            <a:ext cx="1466993" cy="430654"/>
+          </a:xfrm>
+          <a:prstGeom prst="roundRect">
+            <a:avLst>
+              <a:gd name="adj" fmla="val 15623"/>
+            </a:avLst>
+          </a:prstGeom>
+          <a:solidFill>
+            <a:srgbClr val="828CEA"/>
+          </a:solidFill>
+        </p:spPr>
+        <p:style>
+          <a:lnRef idx="2">
+            <a:schemeClr val="accent1">
+              <a:shade val="50000"/>
+            </a:schemeClr>
+          </a:lnRef>
+          <a:fillRef idx="1">
+            <a:schemeClr val="accent1"/>
+          </a:fillRef>
+          <a:effectRef idx="0">
+            <a:schemeClr val="accent1"/>
+          </a:effectRef>
+          <a:fontRef idx="minor">
+            <a:schemeClr val="lt1"/>
+          </a:fontRef>
+        </p:style>
+        <p:txBody>
+          <a:bodyPr rtlCol="0" anchor="ctr"/>
+          <a:lstStyle/>
+          <a:p>
+            <a:pPr algn="ctr"/>
+            <a:r>
+              <a:rPr lang="ko-KR" altLang="en-US" b="1" dirty="0">
+                <a:effectLst>
+                  <a:outerShdw blurRad="38100" dist="38100" dir="2700000" algn="tl">
+                    <a:srgbClr val="000000">
+                      <a:alpha val="43137"/>
+                    </a:srgbClr>
+                  </a:outerShdw>
+                </a:effectLst>
+              </a:rPr>
+              <a:t>이미지</a:t>
+            </a:r>
+          </a:p>
+        </p:txBody>
+      </p:sp>
+      <p:sp>
+        <p:nvSpPr>
+          <p:cNvPr id="86" name="사각형: 둥근 모서리 85">
+            <a:extLst>
+              <a:ext uri="{FF2B5EF4-FFF2-40B4-BE49-F238E27FC236}">
+                <a16:creationId xmlns:a16="http://schemas.microsoft.com/office/drawing/2014/main" id="{B7CE4157-8A30-0574-1CF7-8A195488CA0E}"/>
+              </a:ext>
+            </a:extLst>
+          </p:cNvPr>
+          <p:cNvSpPr/>
+          <p:nvPr/>
+        </p:nvSpPr>
+        <p:spPr>
+          <a:xfrm>
+            <a:off x="2809319" y="5537687"/>
+            <a:ext cx="1466993" cy="430654"/>
+          </a:xfrm>
+          <a:prstGeom prst="roundRect">
+            <a:avLst>
+              <a:gd name="adj" fmla="val 15623"/>
+            </a:avLst>
+          </a:prstGeom>
+          <a:solidFill>
+            <a:srgbClr val="828CEA"/>
+          </a:solidFill>
+        </p:spPr>
+        <p:style>
+          <a:lnRef idx="2">
+            <a:schemeClr val="accent1">
+              <a:shade val="50000"/>
+            </a:schemeClr>
+          </a:lnRef>
+          <a:fillRef idx="1">
+            <a:schemeClr val="accent1"/>
+          </a:fillRef>
+          <a:effectRef idx="0">
+            <a:schemeClr val="accent1"/>
+          </a:effectRef>
+          <a:fontRef idx="minor">
+            <a:schemeClr val="lt1"/>
+          </a:fontRef>
+        </p:style>
+        <p:txBody>
+          <a:bodyPr rtlCol="0" anchor="ctr"/>
+          <a:lstStyle/>
+          <a:p>
+            <a:pPr algn="ctr"/>
+            <a:r>
+              <a:rPr lang="ko-KR" altLang="en-US" sz="2000" b="1" dirty="0">
+                <a:effectLst>
+                  <a:outerShdw blurRad="38100" dist="38100" dir="2700000" algn="tl">
+                    <a:srgbClr val="000000">
+                      <a:alpha val="43137"/>
+                    </a:srgbClr>
+                  </a:outerShdw>
+                </a:effectLst>
+              </a:rPr>
+              <a:t>읽기 전용</a:t>
+            </a:r>
+          </a:p>
+        </p:txBody>
+      </p:sp>
+      <p:sp>
+        <p:nvSpPr>
+          <p:cNvPr id="87" name="사각형: 둥근 모서리 86">
+            <a:extLst>
+              <a:ext uri="{FF2B5EF4-FFF2-40B4-BE49-F238E27FC236}">
+                <a16:creationId xmlns:a16="http://schemas.microsoft.com/office/drawing/2014/main" id="{AE71B54C-799F-BC3F-FE08-3941A5A07754}"/>
+              </a:ext>
+            </a:extLst>
+          </p:cNvPr>
+          <p:cNvSpPr/>
+          <p:nvPr/>
+        </p:nvSpPr>
+        <p:spPr>
+          <a:xfrm>
+            <a:off x="5045023" y="5561733"/>
+            <a:ext cx="1466993" cy="430654"/>
+          </a:xfrm>
+          <a:prstGeom prst="roundRect">
+            <a:avLst>
+              <a:gd name="adj" fmla="val 15623"/>
+            </a:avLst>
+          </a:prstGeom>
+          <a:solidFill>
+            <a:srgbClr val="828CEA"/>
+          </a:solidFill>
+        </p:spPr>
+        <p:style>
+          <a:lnRef idx="2">
+            <a:schemeClr val="accent1">
+              <a:shade val="50000"/>
+            </a:schemeClr>
+          </a:lnRef>
+          <a:fillRef idx="1">
+            <a:schemeClr val="accent1"/>
+          </a:fillRef>
+          <a:effectRef idx="0">
+            <a:schemeClr val="accent1"/>
+          </a:effectRef>
+          <a:fontRef idx="minor">
+            <a:schemeClr val="lt1"/>
+          </a:fontRef>
+        </p:style>
+        <p:txBody>
+          <a:bodyPr rtlCol="0" anchor="ctr"/>
+          <a:lstStyle/>
+          <a:p>
+            <a:pPr algn="ctr"/>
+            <a:r>
+              <a:rPr lang="ko-KR" altLang="en-US" b="1">
+                <a:effectLst>
+                  <a:outerShdw blurRad="38100" dist="38100" dir="2700000" algn="tl">
+                    <a:srgbClr val="000000">
+                      <a:alpha val="43137"/>
+                    </a:srgbClr>
+                  </a:outerShdw>
+                </a:effectLst>
+              </a:rPr>
+              <a:t>동영상</a:t>
+            </a:r>
+            <a:endParaRPr lang="ko-KR" altLang="en-US" b="1" dirty="0">
+              <a:effectLst>
+                <a:outerShdw blurRad="38100" dist="38100" dir="2700000" algn="tl">
+                  <a:srgbClr val="000000">
+                    <a:alpha val="43137"/>
+                  </a:srgbClr>
+                </a:outerShdw>
+              </a:effectLst>
+            </a:endParaRPr>
+          </a:p>
+        </p:txBody>
+      </p:sp>
+      <p:cxnSp>
+        <p:nvCxnSpPr>
+          <p:cNvPr id="88" name="직선 연결선 87">
+            <a:extLst>
+              <a:ext uri="{FF2B5EF4-FFF2-40B4-BE49-F238E27FC236}">
+                <a16:creationId xmlns:a16="http://schemas.microsoft.com/office/drawing/2014/main" id="{CD8C5365-E6A7-B8F1-4BEB-53BC9D81AC3A}"/>
+              </a:ext>
+            </a:extLst>
+          </p:cNvPr>
+          <p:cNvCxnSpPr>
+            <a:cxnSpLocks/>
+          </p:cNvCxnSpPr>
+          <p:nvPr/>
+        </p:nvCxnSpPr>
+        <p:spPr>
+          <a:xfrm flipH="1">
+            <a:off x="2322909" y="4198972"/>
+            <a:ext cx="10700" cy="1579131"/>
+          </a:xfrm>
+          <a:prstGeom prst="line">
+            <a:avLst/>
+          </a:prstGeom>
+          <a:ln w="38100">
+            <a:solidFill>
+              <a:schemeClr val="accent1">
+                <a:lumMod val="50000"/>
+              </a:schemeClr>
+            </a:solidFill>
+          </a:ln>
+        </p:spPr>
+        <p:style>
+          <a:lnRef idx="1">
+            <a:schemeClr val="accent1"/>
+          </a:lnRef>
+          <a:fillRef idx="0">
+            <a:schemeClr val="accent1"/>
+          </a:fillRef>
+          <a:effectRef idx="0">
+            <a:schemeClr val="accent1"/>
+          </a:effectRef>
+          <a:fontRef idx="minor">
+            <a:schemeClr val="tx1"/>
+          </a:fontRef>
+        </p:style>
+      </p:cxnSp>
+      <p:cxnSp>
+        <p:nvCxnSpPr>
+          <p:cNvPr id="89" name="직선 연결선 88">
+            <a:extLst>
+              <a:ext uri="{FF2B5EF4-FFF2-40B4-BE49-F238E27FC236}">
+                <a16:creationId xmlns:a16="http://schemas.microsoft.com/office/drawing/2014/main" id="{E83D30C7-6EA6-3239-01DD-801DD656150F}"/>
+              </a:ext>
+            </a:extLst>
+          </p:cNvPr>
+          <p:cNvCxnSpPr>
+            <a:cxnSpLocks/>
+          </p:cNvCxnSpPr>
+          <p:nvPr/>
+        </p:nvCxnSpPr>
+        <p:spPr>
+          <a:xfrm flipH="1">
+            <a:off x="2316627" y="5761898"/>
+            <a:ext cx="492692" cy="0"/>
+          </a:xfrm>
+          <a:prstGeom prst="line">
+            <a:avLst/>
+          </a:prstGeom>
+          <a:ln w="38100">
+            <a:solidFill>
+              <a:schemeClr val="accent1">
+                <a:lumMod val="50000"/>
+              </a:schemeClr>
+            </a:solidFill>
+          </a:ln>
+        </p:spPr>
+        <p:style>
+          <a:lnRef idx="1">
+            <a:schemeClr val="accent1"/>
+          </a:lnRef>
+          <a:fillRef idx="0">
+            <a:schemeClr val="accent1"/>
+          </a:fillRef>
+          <a:effectRef idx="0">
+            <a:schemeClr val="accent1"/>
+          </a:effectRef>
+          <a:fontRef idx="minor">
+            <a:schemeClr val="tx1"/>
+          </a:fontRef>
+        </p:style>
+      </p:cxnSp>
+      <p:cxnSp>
+        <p:nvCxnSpPr>
+          <p:cNvPr id="90" name="직선 연결선 89">
+            <a:extLst>
+              <a:ext uri="{FF2B5EF4-FFF2-40B4-BE49-F238E27FC236}">
+                <a16:creationId xmlns:a16="http://schemas.microsoft.com/office/drawing/2014/main" id="{CEAFA3CF-A417-4712-D145-F3FA1C318956}"/>
+              </a:ext>
+            </a:extLst>
+          </p:cNvPr>
+          <p:cNvCxnSpPr>
+            <a:cxnSpLocks/>
+          </p:cNvCxnSpPr>
+          <p:nvPr/>
+        </p:nvCxnSpPr>
+        <p:spPr>
+          <a:xfrm flipH="1">
+            <a:off x="2316627" y="4683192"/>
+            <a:ext cx="492692" cy="0"/>
+          </a:xfrm>
+          <a:prstGeom prst="line">
+            <a:avLst/>
+          </a:prstGeom>
+          <a:ln w="38100">
+            <a:solidFill>
+              <a:schemeClr val="accent1">
+                <a:lumMod val="50000"/>
+              </a:schemeClr>
+            </a:solidFill>
+          </a:ln>
+        </p:spPr>
+        <p:style>
+          <a:lnRef idx="1">
+            <a:schemeClr val="accent1"/>
+          </a:lnRef>
+          <a:fillRef idx="0">
+            <a:schemeClr val="accent1"/>
+          </a:fillRef>
+          <a:effectRef idx="0">
+            <a:schemeClr val="accent1"/>
+          </a:effectRef>
+          <a:fontRef idx="minor">
+            <a:schemeClr val="tx1"/>
+          </a:fontRef>
+        </p:style>
+      </p:cxnSp>
+      <p:cxnSp>
+        <p:nvCxnSpPr>
+          <p:cNvPr id="91" name="직선 연결선 90">
+            <a:extLst>
+              <a:ext uri="{FF2B5EF4-FFF2-40B4-BE49-F238E27FC236}">
+                <a16:creationId xmlns:a16="http://schemas.microsoft.com/office/drawing/2014/main" id="{C9065F75-7D84-6FBD-D056-4331C2D64D19}"/>
+              </a:ext>
+            </a:extLst>
+          </p:cNvPr>
+          <p:cNvCxnSpPr>
+            <a:cxnSpLocks/>
+            <a:stCxn id="83" idx="1"/>
+          </p:cNvCxnSpPr>
+          <p:nvPr/>
+        </p:nvCxnSpPr>
+        <p:spPr>
+          <a:xfrm flipH="1" flipV="1">
+            <a:off x="4276312" y="4683192"/>
+            <a:ext cx="768710" cy="4474"/>
+          </a:xfrm>
+          <a:prstGeom prst="line">
+            <a:avLst/>
+          </a:prstGeom>
+          <a:ln w="38100">
+            <a:solidFill>
+              <a:schemeClr val="accent1">
+                <a:lumMod val="50000"/>
+              </a:schemeClr>
+            </a:solidFill>
+          </a:ln>
+        </p:spPr>
+        <p:style>
+          <a:lnRef idx="1">
+            <a:schemeClr val="accent1"/>
+          </a:lnRef>
+          <a:fillRef idx="0">
+            <a:schemeClr val="accent1"/>
+          </a:fillRef>
+          <a:effectRef idx="0">
+            <a:schemeClr val="accent1"/>
+          </a:effectRef>
+          <a:fontRef idx="minor">
+            <a:schemeClr val="tx1"/>
+          </a:fontRef>
+        </p:style>
+      </p:cxnSp>
+      <p:cxnSp>
+        <p:nvCxnSpPr>
+          <p:cNvPr id="92" name="직선 연결선 91">
+            <a:extLst>
+              <a:ext uri="{FF2B5EF4-FFF2-40B4-BE49-F238E27FC236}">
+                <a16:creationId xmlns:a16="http://schemas.microsoft.com/office/drawing/2014/main" id="{8F351BA0-BE67-24F8-E8BD-9419393F3426}"/>
+              </a:ext>
+            </a:extLst>
+          </p:cNvPr>
+          <p:cNvCxnSpPr>
+            <a:cxnSpLocks/>
+          </p:cNvCxnSpPr>
+          <p:nvPr/>
+        </p:nvCxnSpPr>
+        <p:spPr>
+          <a:xfrm flipH="1">
+            <a:off x="4652485" y="4683192"/>
+            <a:ext cx="12107" cy="1119914"/>
+          </a:xfrm>
+          <a:prstGeom prst="line">
+            <a:avLst/>
+          </a:prstGeom>
+          <a:ln w="38100">
+            <a:solidFill>
+              <a:schemeClr val="accent1">
+                <a:lumMod val="50000"/>
+              </a:schemeClr>
+            </a:solidFill>
+          </a:ln>
+        </p:spPr>
+        <p:style>
+          <a:lnRef idx="1">
+            <a:schemeClr val="accent1"/>
+          </a:lnRef>
+          <a:fillRef idx="0">
+            <a:schemeClr val="accent1"/>
+          </a:fillRef>
+          <a:effectRef idx="0">
+            <a:schemeClr val="accent1"/>
+          </a:effectRef>
+          <a:fontRef idx="minor">
+            <a:schemeClr val="tx1"/>
+          </a:fontRef>
+        </p:style>
+      </p:cxnSp>
+      <p:cxnSp>
+        <p:nvCxnSpPr>
+          <p:cNvPr id="93" name="직선 연결선 92">
+            <a:extLst>
+              <a:ext uri="{FF2B5EF4-FFF2-40B4-BE49-F238E27FC236}">
+                <a16:creationId xmlns:a16="http://schemas.microsoft.com/office/drawing/2014/main" id="{98920409-FD63-2C59-396F-854B96FBC3A1}"/>
+              </a:ext>
+            </a:extLst>
+          </p:cNvPr>
+          <p:cNvCxnSpPr>
+            <a:cxnSpLocks/>
+            <a:stCxn id="85" idx="1"/>
+          </p:cNvCxnSpPr>
+          <p:nvPr/>
+        </p:nvCxnSpPr>
+        <p:spPr>
+          <a:xfrm flipH="1">
+            <a:off x="4660667" y="5232363"/>
+            <a:ext cx="384354" cy="0"/>
+          </a:xfrm>
+          <a:prstGeom prst="line">
+            <a:avLst/>
+          </a:prstGeom>
+          <a:ln w="38100">
+            <a:solidFill>
+              <a:schemeClr val="accent1">
+                <a:lumMod val="50000"/>
+              </a:schemeClr>
+            </a:solidFill>
+          </a:ln>
+        </p:spPr>
+        <p:style>
+          <a:lnRef idx="1">
+            <a:schemeClr val="accent1"/>
+          </a:lnRef>
+          <a:fillRef idx="0">
+            <a:schemeClr val="accent1"/>
+          </a:fillRef>
+          <a:effectRef idx="0">
+            <a:schemeClr val="accent1"/>
+          </a:effectRef>
+          <a:fontRef idx="minor">
+            <a:schemeClr val="tx1"/>
+          </a:fontRef>
+        </p:style>
+      </p:cxnSp>
+      <p:cxnSp>
+        <p:nvCxnSpPr>
+          <p:cNvPr id="94" name="직선 연결선 93">
+            <a:extLst>
+              <a:ext uri="{FF2B5EF4-FFF2-40B4-BE49-F238E27FC236}">
+                <a16:creationId xmlns:a16="http://schemas.microsoft.com/office/drawing/2014/main" id="{12D799B1-BFA0-C2E5-DA13-AE9B793021E0}"/>
+              </a:ext>
+            </a:extLst>
+          </p:cNvPr>
+          <p:cNvCxnSpPr>
+            <a:cxnSpLocks/>
+          </p:cNvCxnSpPr>
+          <p:nvPr/>
+        </p:nvCxnSpPr>
+        <p:spPr>
+          <a:xfrm flipH="1">
+            <a:off x="4660667" y="5786003"/>
+            <a:ext cx="384354" cy="0"/>
+          </a:xfrm>
+          <a:prstGeom prst="line">
+            <a:avLst/>
+          </a:prstGeom>
+          <a:ln w="38100">
+            <a:solidFill>
+              <a:schemeClr val="accent1">
+                <a:lumMod val="50000"/>
+              </a:schemeClr>
+            </a:solidFill>
+          </a:ln>
+        </p:spPr>
+        <p:style>
+          <a:lnRef idx="1">
+            <a:schemeClr val="accent1"/>
+          </a:lnRef>
+          <a:fillRef idx="0">
+            <a:schemeClr val="accent1"/>
+          </a:fillRef>
+          <a:effectRef idx="0">
+            <a:schemeClr val="accent1"/>
+          </a:effectRef>
+          <a:fontRef idx="minor">
+            <a:schemeClr val="tx1"/>
+          </a:fontRef>
+        </p:style>
+      </p:cxnSp>
+    </p:spTree>
+    <p:extLst>
+      <p:ext uri="{BB962C8B-B14F-4D97-AF65-F5344CB8AC3E}">
+        <p14:creationId xmlns:p14="http://schemas.microsoft.com/office/powerpoint/2010/main" val="3622597973"/>
       </p:ext>
     </p:extLst>
   </p:cSld>

--- a/기획 UI/A조 프로토타입 발표.pptx
+++ b/기획 UI/A조 프로토타입 발표.pptx
@@ -5,23 +5,24 @@
     <p:sldMasterId id="2147483708" r:id="rId1"/>
   </p:sldMasterIdLst>
   <p:notesMasterIdLst>
-    <p:notesMasterId r:id="rId16"/>
+    <p:notesMasterId r:id="rId17"/>
   </p:notesMasterIdLst>
   <p:sldIdLst>
     <p:sldId id="260" r:id="rId2"/>
     <p:sldId id="256" r:id="rId3"/>
-    <p:sldId id="273" r:id="rId4"/>
-    <p:sldId id="261" r:id="rId5"/>
-    <p:sldId id="263" r:id="rId6"/>
-    <p:sldId id="266" r:id="rId7"/>
-    <p:sldId id="265" r:id="rId8"/>
-    <p:sldId id="262" r:id="rId9"/>
-    <p:sldId id="272" r:id="rId10"/>
-    <p:sldId id="267" r:id="rId11"/>
-    <p:sldId id="268" r:id="rId12"/>
-    <p:sldId id="274" r:id="rId13"/>
-    <p:sldId id="270" r:id="rId14"/>
+    <p:sldId id="258" r:id="rId4"/>
+    <p:sldId id="273" r:id="rId5"/>
+    <p:sldId id="261" r:id="rId6"/>
+    <p:sldId id="263" r:id="rId7"/>
+    <p:sldId id="266" r:id="rId8"/>
+    <p:sldId id="265" r:id="rId9"/>
+    <p:sldId id="262" r:id="rId10"/>
+    <p:sldId id="272" r:id="rId11"/>
+    <p:sldId id="267" r:id="rId12"/>
+    <p:sldId id="268" r:id="rId13"/>
+    <p:sldId id="271" r:id="rId14"/>
     <p:sldId id="264" r:id="rId15"/>
+    <p:sldId id="270" r:id="rId16"/>
   </p:sldIdLst>
   <p:sldSz cx="12192000" cy="6858000"/>
   <p:notesSz cx="6858000" cy="9144000"/>
@@ -1298,7 +1299,7 @@
           <a:p>
             <a:fld id="{BAB0EF52-0BC9-4FAB-B538-F1BCB30B3D84}" type="datetimeFigureOut">
               <a:rPr lang="ko-KR" altLang="en-US" smtClean="0"/>
-              <a:t>2023-10-10</a:t>
+              <a:t>2023-06-23</a:t>
             </a:fld>
             <a:endParaRPr lang="ko-KR" altLang="en-US"/>
           </a:p>
@@ -1630,7 +1631,7 @@
           <a:p>
             <a:fld id="{D2A03A7A-A6BE-420D-A040-6E99343C7960}" type="slidenum">
               <a:rPr lang="ko-KR" altLang="en-US" smtClean="0"/>
-              <a:t>5</a:t>
+              <a:t>6</a:t>
             </a:fld>
             <a:endParaRPr lang="ko-KR" altLang="en-US"/>
           </a:p>
@@ -1780,7 +1781,7 @@
           <a:p>
             <a:fld id="{63398173-0E1E-4132-A695-781E3AD47F04}" type="datetimeFigureOut">
               <a:rPr lang="ko-KR" altLang="en-US" smtClean="0"/>
-              <a:t>2023-10-10</a:t>
+              <a:t>2023-06-23</a:t>
             </a:fld>
             <a:endParaRPr lang="ko-KR" altLang="en-US"/>
           </a:p>
@@ -1950,7 +1951,7 @@
           <a:p>
             <a:fld id="{63398173-0E1E-4132-A695-781E3AD47F04}" type="datetimeFigureOut">
               <a:rPr lang="ko-KR" altLang="en-US" smtClean="0"/>
-              <a:t>2023-10-10</a:t>
+              <a:t>2023-06-23</a:t>
             </a:fld>
             <a:endParaRPr lang="ko-KR" altLang="en-US"/>
           </a:p>
@@ -2130,7 +2131,7 @@
           <a:p>
             <a:fld id="{63398173-0E1E-4132-A695-781E3AD47F04}" type="datetimeFigureOut">
               <a:rPr lang="ko-KR" altLang="en-US" smtClean="0"/>
-              <a:t>2023-10-10</a:t>
+              <a:t>2023-06-23</a:t>
             </a:fld>
             <a:endParaRPr lang="ko-KR" altLang="en-US"/>
           </a:p>
@@ -2300,7 +2301,7 @@
           <a:p>
             <a:fld id="{63398173-0E1E-4132-A695-781E3AD47F04}" type="datetimeFigureOut">
               <a:rPr lang="ko-KR" altLang="en-US" smtClean="0"/>
-              <a:t>2023-10-10</a:t>
+              <a:t>2023-06-23</a:t>
             </a:fld>
             <a:endParaRPr lang="ko-KR" altLang="en-US"/>
           </a:p>
@@ -2546,7 +2547,7 @@
           <a:p>
             <a:fld id="{63398173-0E1E-4132-A695-781E3AD47F04}" type="datetimeFigureOut">
               <a:rPr lang="ko-KR" altLang="en-US" smtClean="0"/>
-              <a:t>2023-10-10</a:t>
+              <a:t>2023-06-23</a:t>
             </a:fld>
             <a:endParaRPr lang="ko-KR" altLang="en-US"/>
           </a:p>
@@ -2778,7 +2779,7 @@
           <a:p>
             <a:fld id="{63398173-0E1E-4132-A695-781E3AD47F04}" type="datetimeFigureOut">
               <a:rPr lang="ko-KR" altLang="en-US" smtClean="0"/>
-              <a:t>2023-10-10</a:t>
+              <a:t>2023-06-23</a:t>
             </a:fld>
             <a:endParaRPr lang="ko-KR" altLang="en-US"/>
           </a:p>
@@ -3145,7 +3146,7 @@
           <a:p>
             <a:fld id="{63398173-0E1E-4132-A695-781E3AD47F04}" type="datetimeFigureOut">
               <a:rPr lang="ko-KR" altLang="en-US" smtClean="0"/>
-              <a:t>2023-10-10</a:t>
+              <a:t>2023-06-23</a:t>
             </a:fld>
             <a:endParaRPr lang="ko-KR" altLang="en-US"/>
           </a:p>
@@ -3263,7 +3264,7 @@
           <a:p>
             <a:fld id="{63398173-0E1E-4132-A695-781E3AD47F04}" type="datetimeFigureOut">
               <a:rPr lang="ko-KR" altLang="en-US" smtClean="0"/>
-              <a:t>2023-10-10</a:t>
+              <a:t>2023-06-23</a:t>
             </a:fld>
             <a:endParaRPr lang="ko-KR" altLang="en-US"/>
           </a:p>
@@ -3358,7 +3359,7 @@
           <a:p>
             <a:fld id="{63398173-0E1E-4132-A695-781E3AD47F04}" type="datetimeFigureOut">
               <a:rPr lang="ko-KR" altLang="en-US" smtClean="0"/>
-              <a:t>2023-10-10</a:t>
+              <a:t>2023-06-23</a:t>
             </a:fld>
             <a:endParaRPr lang="ko-KR" altLang="en-US"/>
           </a:p>
@@ -3635,7 +3636,7 @@
           <a:p>
             <a:fld id="{63398173-0E1E-4132-A695-781E3AD47F04}" type="datetimeFigureOut">
               <a:rPr lang="ko-KR" altLang="en-US" smtClean="0"/>
-              <a:t>2023-10-10</a:t>
+              <a:t>2023-06-23</a:t>
             </a:fld>
             <a:endParaRPr lang="ko-KR" altLang="en-US"/>
           </a:p>
@@ -3892,7 +3893,7 @@
           <a:p>
             <a:fld id="{63398173-0E1E-4132-A695-781E3AD47F04}" type="datetimeFigureOut">
               <a:rPr lang="ko-KR" altLang="en-US" smtClean="0"/>
-              <a:t>2023-10-10</a:t>
+              <a:t>2023-06-23</a:t>
             </a:fld>
             <a:endParaRPr lang="ko-KR" altLang="en-US"/>
           </a:p>
@@ -4105,7 +4106,7 @@
           <a:p>
             <a:fld id="{63398173-0E1E-4132-A695-781E3AD47F04}" type="datetimeFigureOut">
               <a:rPr lang="ko-KR" altLang="en-US" smtClean="0"/>
-              <a:t>2023-10-10</a:t>
+              <a:t>2023-06-23</a:t>
             </a:fld>
             <a:endParaRPr lang="ko-KR" altLang="en-US"/>
           </a:p>
@@ -4520,10 +4521,10 @@
       </p:grpSpPr>
       <p:sp useBgFill="1">
         <p:nvSpPr>
-          <p:cNvPr id="73" name="Rectangle 72">
+          <p:cNvPr id="66" name="Rectangle 65">
             <a:extLst>
               <a:ext uri="{FF2B5EF4-FFF2-40B4-BE49-F238E27FC236}">
-                <a16:creationId xmlns:a16="http://schemas.microsoft.com/office/drawing/2014/main" id="{91DC6ABD-215C-4EA8-A483-CEF5B99AB385}"/>
+                <a16:creationId xmlns:a16="http://schemas.microsoft.com/office/drawing/2014/main" id="{665DBBEF-238B-476B-96AB-8AAC3224ECEA}"/>
               </a:ext>
               <a:ext uri="{C183D7F6-B498-43B3-948B-1728B52AA6E4}">
                 <adec:decorative xmlns:adec="http://schemas.microsoft.com/office/drawing/2017/decorative" val="1"/>
@@ -4544,7 +4545,7 @@
         <p:spPr>
           <a:xfrm>
             <a:off x="0" y="0"/>
-            <a:ext cx="12191999" cy="6857365"/>
+            <a:ext cx="12192000" cy="6858000"/>
           </a:xfrm>
           <a:prstGeom prst="rect">
             <a:avLst/>
@@ -4596,8 +4597,8 @@
         </p:nvSpPr>
         <p:spPr>
           <a:xfrm>
-            <a:off x="599609" y="679731"/>
-            <a:ext cx="4171994" cy="3736540"/>
+            <a:off x="604192" y="733948"/>
+            <a:ext cx="3571810" cy="3573516"/>
           </a:xfrm>
         </p:spPr>
         <p:txBody>
@@ -4608,9 +4609,11 @@
           <a:p>
             <a:pPr latinLnBrk="0"/>
             <a:r>
-              <a:rPr lang="en-US" altLang="ko-KR" sz="6000" b="1" kern="1200" dirty="0">
+              <a:rPr lang="en-US" altLang="ko-KR" sz="5100" b="1" kern="1200" dirty="0">
                 <a:solidFill>
-                  <a:srgbClr val="5161CE"/>
+                  <a:schemeClr val="accent1">
+                    <a:lumMod val="75000"/>
+                  </a:schemeClr>
                 </a:solidFill>
                 <a:effectLst>
                   <a:outerShdw blurRad="38100" dist="38100" dir="2700000" algn="tl">
@@ -4619,14 +4622,30 @@
                     </a:srgbClr>
                   </a:outerShdw>
                 </a:effectLst>
-                <a:latin typeface="+mj-lt"/>
-                <a:ea typeface="+mj-ea"/>
-                <a:cs typeface="+mj-cs"/>
+                <a:latin typeface="나눔고딕" pitchFamily="2" charset="-127"/>
+                <a:ea typeface="나눔고딕" pitchFamily="2" charset="-127"/>
               </a:rPr>
-              <a:t>B.  </a:t>
+              <a:t>B</a:t>
             </a:r>
             <a:r>
-              <a:rPr lang="en-US" altLang="ko-KR" sz="6000" b="1" kern="1200" dirty="0">
+              <a:rPr lang="en-US" altLang="ko-KR" sz="5100" b="1" kern="1200" dirty="0">
+                <a:solidFill>
+                  <a:srgbClr val="017A59"/>
+                </a:solidFill>
+                <a:effectLst>
+                  <a:outerShdw blurRad="38100" dist="38100" dir="2700000" algn="tl">
+                    <a:srgbClr val="000000">
+                      <a:alpha val="43137"/>
+                    </a:srgbClr>
+                  </a:outerShdw>
+                </a:effectLst>
+                <a:latin typeface="나눔고딕" pitchFamily="2" charset="-127"/>
+                <a:ea typeface="나눔고딕" pitchFamily="2" charset="-127"/>
+              </a:rPr>
+              <a:t>.</a:t>
+            </a:r>
+            <a:r>
+              <a:rPr lang="en-US" altLang="ko-KR" sz="5100" b="1" kern="1200" dirty="0">
                 <a:solidFill>
                   <a:schemeClr val="tx1"/>
                 </a:solidFill>
@@ -4637,14 +4656,13 @@
                     </a:srgbClr>
                   </a:outerShdw>
                 </a:effectLst>
-                <a:latin typeface="+mj-lt"/>
-                <a:ea typeface="+mj-ea"/>
-                <a:cs typeface="+mj-cs"/>
+                <a:latin typeface="나눔고딕" pitchFamily="2" charset="-127"/>
+                <a:ea typeface="나눔고딕" pitchFamily="2" charset="-127"/>
               </a:rPr>
-              <a:t>lack</a:t>
+              <a:t>  lack</a:t>
             </a:r>
             <a:br>
-              <a:rPr lang="en-US" altLang="ko-KR" sz="6000" b="1" kern="1200" dirty="0">
+              <a:rPr lang="en-US" altLang="ko-KR" sz="5100" b="1" kern="1200" dirty="0">
                 <a:solidFill>
                   <a:schemeClr val="tx1"/>
                 </a:solidFill>
@@ -4655,15 +4673,16 @@
                     </a:srgbClr>
                   </a:outerShdw>
                 </a:effectLst>
-                <a:latin typeface="+mj-lt"/>
-                <a:ea typeface="+mj-ea"/>
-                <a:cs typeface="+mj-cs"/>
+                <a:latin typeface="나눔고딕" pitchFamily="2" charset="-127"/>
+                <a:ea typeface="나눔고딕" pitchFamily="2" charset="-127"/>
               </a:rPr>
             </a:br>
             <a:r>
-              <a:rPr lang="en-US" altLang="ko-KR" sz="6000" b="1" kern="1200" dirty="0">
+              <a:rPr lang="en-US" altLang="ko-KR" sz="5100" b="1" kern="1200" dirty="0">
                 <a:solidFill>
-                  <a:srgbClr val="5161CE"/>
+                  <a:schemeClr val="accent1">
+                    <a:lumMod val="75000"/>
+                  </a:schemeClr>
                 </a:solidFill>
                 <a:effectLst>
                   <a:outerShdw blurRad="38100" dist="38100" dir="2700000" algn="tl">
@@ -4672,14 +4691,13 @@
                     </a:srgbClr>
                   </a:outerShdw>
                 </a:effectLst>
-                <a:latin typeface="+mj-lt"/>
-                <a:ea typeface="+mj-ea"/>
-                <a:cs typeface="+mj-cs"/>
+                <a:latin typeface="나눔고딕" pitchFamily="2" charset="-127"/>
+                <a:ea typeface="나눔고딕" pitchFamily="2" charset="-127"/>
               </a:rPr>
               <a:t>P.  </a:t>
             </a:r>
             <a:r>
-              <a:rPr lang="en-US" altLang="ko-KR" sz="6000" b="1" kern="1200" dirty="0" err="1">
+              <a:rPr lang="en-US" altLang="ko-KR" sz="5100" b="1" kern="1200" dirty="0" err="1">
                 <a:solidFill>
                   <a:schemeClr val="tx1"/>
                 </a:solidFill>
@@ -4690,14 +4708,13 @@
                     </a:srgbClr>
                   </a:outerShdw>
                 </a:effectLst>
-                <a:latin typeface="+mj-lt"/>
-                <a:ea typeface="+mj-ea"/>
-                <a:cs typeface="+mj-cs"/>
+                <a:latin typeface="나눔고딕" pitchFamily="2" charset="-127"/>
+                <a:ea typeface="나눔고딕" pitchFamily="2" charset="-127"/>
               </a:rPr>
               <a:t>roject</a:t>
             </a:r>
             <a:br>
-              <a:rPr lang="en-US" altLang="ko-KR" sz="6000" b="1" kern="1200" dirty="0">
+              <a:rPr lang="en-US" altLang="ko-KR" sz="5100" b="1" kern="1200" dirty="0">
                 <a:solidFill>
                   <a:schemeClr val="tx1"/>
                 </a:solidFill>
@@ -4708,15 +4725,16 @@
                     </a:srgbClr>
                   </a:outerShdw>
                 </a:effectLst>
-                <a:latin typeface="+mj-lt"/>
-                <a:ea typeface="+mj-ea"/>
-                <a:cs typeface="+mj-cs"/>
+                <a:latin typeface="나눔고딕" pitchFamily="2" charset="-127"/>
+                <a:ea typeface="나눔고딕" pitchFamily="2" charset="-127"/>
               </a:rPr>
             </a:br>
             <a:r>
-              <a:rPr lang="en-US" altLang="ko-KR" sz="6000" b="1" kern="1200" dirty="0">
+              <a:rPr lang="en-US" altLang="ko-KR" sz="5100" b="1" kern="1200" dirty="0">
                 <a:solidFill>
-                  <a:srgbClr val="5161CE"/>
+                  <a:schemeClr val="accent1">
+                    <a:lumMod val="75000"/>
+                  </a:schemeClr>
                 </a:solidFill>
                 <a:effectLst>
                   <a:outerShdw blurRad="38100" dist="38100" dir="2700000" algn="tl">
@@ -4725,14 +4743,13 @@
                     </a:srgbClr>
                   </a:outerShdw>
                 </a:effectLst>
-                <a:latin typeface="+mj-lt"/>
-                <a:ea typeface="+mj-ea"/>
-                <a:cs typeface="+mj-cs"/>
+                <a:latin typeface="나눔고딕" pitchFamily="2" charset="-127"/>
+                <a:ea typeface="나눔고딕" pitchFamily="2" charset="-127"/>
               </a:rPr>
-              <a:t>M. </a:t>
+              <a:t>M.</a:t>
             </a:r>
             <a:r>
-              <a:rPr lang="en-US" altLang="ko-KR" sz="6000" b="1" kern="1200" dirty="0" err="1">
+              <a:rPr lang="en-US" altLang="ko-KR" sz="5100" b="1" kern="1200" dirty="0">
                 <a:solidFill>
                   <a:schemeClr val="tx1"/>
                 </a:solidFill>
@@ -4743,13 +4760,29 @@
                     </a:srgbClr>
                   </a:outerShdw>
                 </a:effectLst>
-                <a:latin typeface="+mj-lt"/>
-                <a:ea typeface="+mj-ea"/>
-                <a:cs typeface="+mj-cs"/>
+                <a:latin typeface="나눔고딕" pitchFamily="2" charset="-127"/>
+                <a:ea typeface="나눔고딕" pitchFamily="2" charset="-127"/>
+              </a:rPr>
+              <a:t> </a:t>
+            </a:r>
+            <a:r>
+              <a:rPr lang="en-US" altLang="ko-KR" sz="5100" b="1" kern="1200" dirty="0" err="1">
+                <a:solidFill>
+                  <a:schemeClr val="tx1"/>
+                </a:solidFill>
+                <a:effectLst>
+                  <a:outerShdw blurRad="38100" dist="38100" dir="2700000" algn="tl">
+                    <a:srgbClr val="000000">
+                      <a:alpha val="43137"/>
+                    </a:srgbClr>
+                  </a:outerShdw>
+                </a:effectLst>
+                <a:latin typeface="나눔고딕" pitchFamily="2" charset="-127"/>
+                <a:ea typeface="나눔고딕" pitchFamily="2" charset="-127"/>
               </a:rPr>
               <a:t>anager</a:t>
             </a:r>
-            <a:endParaRPr lang="en-US" altLang="ko-KR" sz="6000" b="1" kern="1200" dirty="0">
+            <a:endParaRPr lang="en-US" altLang="ko-KR" sz="5100" b="1" kern="1200" dirty="0">
               <a:solidFill>
                 <a:schemeClr val="tx1"/>
               </a:solidFill>
@@ -4760,9 +4793,8 @@
                   </a:srgbClr>
                 </a:outerShdw>
               </a:effectLst>
-              <a:latin typeface="+mj-lt"/>
-              <a:ea typeface="+mj-ea"/>
-              <a:cs typeface="+mj-cs"/>
+              <a:latin typeface="나눔고딕" pitchFamily="2" charset="-127"/>
+              <a:ea typeface="나눔고딕" pitchFamily="2" charset="-127"/>
             </a:endParaRPr>
           </a:p>
         </p:txBody>
@@ -4783,8 +4815,8 @@
         </p:nvSpPr>
         <p:spPr>
           <a:xfrm>
-            <a:off x="599609" y="4685288"/>
-            <a:ext cx="4171994" cy="1035781"/>
+            <a:off x="2877777" y="4658870"/>
+            <a:ext cx="3571810" cy="1559327"/>
           </a:xfrm>
           <a:prstGeom prst="rect">
             <a:avLst/>
@@ -4820,7 +4852,7 @@
               </a:spcBef>
             </a:pPr>
             <a:r>
-              <a:rPr lang="ko-KR" altLang="en-US" sz="1500" b="1" kern="1200">
+              <a:rPr lang="ko-KR" altLang="en-US" sz="2400" b="1" kern="1200" dirty="0">
                 <a:solidFill>
                   <a:schemeClr val="tx1"/>
                 </a:solidFill>
@@ -4831,13 +4863,13 @@
                     </a:srgbClr>
                   </a:outerShdw>
                 </a:effectLst>
-                <a:latin typeface="+mn-lt"/>
-                <a:ea typeface="+mn-ea"/>
+                <a:latin typeface="나눔고딕" pitchFamily="2" charset="-127"/>
+                <a:ea typeface="나눔고딕" pitchFamily="2" charset="-127"/>
                 <a:cs typeface="+mn-cs"/>
               </a:rPr>
               <a:t>박종혁</a:t>
             </a:r>
-            <a:endParaRPr lang="en-US" altLang="ko-KR" sz="1500" b="1" kern="1200">
+            <a:endParaRPr lang="en-US" altLang="ko-KR" sz="2400" b="1" kern="1200" dirty="0">
               <a:solidFill>
                 <a:schemeClr val="tx1"/>
               </a:solidFill>
@@ -4848,8 +4880,8 @@
                   </a:srgbClr>
                 </a:outerShdw>
               </a:effectLst>
-              <a:latin typeface="+mn-lt"/>
-              <a:ea typeface="+mn-ea"/>
+              <a:latin typeface="나눔고딕" pitchFamily="2" charset="-127"/>
+              <a:ea typeface="나눔고딕" pitchFamily="2" charset="-127"/>
               <a:cs typeface="+mn-cs"/>
             </a:endParaRPr>
           </a:p>
@@ -4860,7 +4892,7 @@
               </a:spcBef>
             </a:pPr>
             <a:r>
-              <a:rPr lang="ko-KR" altLang="en-US" sz="1500" b="1" kern="1200">
+              <a:rPr lang="ko-KR" altLang="en-US" sz="2400" b="1" kern="1200" dirty="0">
                 <a:solidFill>
                   <a:schemeClr val="tx1"/>
                 </a:solidFill>
@@ -4871,13 +4903,13 @@
                     </a:srgbClr>
                   </a:outerShdw>
                 </a:effectLst>
-                <a:latin typeface="+mn-lt"/>
-                <a:ea typeface="+mn-ea"/>
+                <a:latin typeface="나눔고딕" pitchFamily="2" charset="-127"/>
+                <a:ea typeface="나눔고딕" pitchFamily="2" charset="-127"/>
                 <a:cs typeface="+mn-cs"/>
               </a:rPr>
               <a:t>신현성</a:t>
             </a:r>
-            <a:endParaRPr lang="en-US" altLang="ko-KR" sz="1500" b="1" kern="1200">
+            <a:endParaRPr lang="en-US" altLang="ko-KR" sz="2400" b="1" kern="1200" dirty="0">
               <a:solidFill>
                 <a:schemeClr val="tx1"/>
               </a:solidFill>
@@ -4888,8 +4920,8 @@
                   </a:srgbClr>
                 </a:outerShdw>
               </a:effectLst>
-              <a:latin typeface="+mn-lt"/>
-              <a:ea typeface="+mn-ea"/>
+              <a:latin typeface="나눔고딕" pitchFamily="2" charset="-127"/>
+              <a:ea typeface="나눔고딕" pitchFamily="2" charset="-127"/>
               <a:cs typeface="+mn-cs"/>
             </a:endParaRPr>
           </a:p>
@@ -4900,7 +4932,7 @@
               </a:spcBef>
             </a:pPr>
             <a:r>
-              <a:rPr lang="ko-KR" altLang="en-US" sz="1500" b="1" kern="1200">
+              <a:rPr lang="ko-KR" altLang="en-US" sz="2400" b="1" kern="1200" dirty="0">
                 <a:solidFill>
                   <a:schemeClr val="tx1"/>
                 </a:solidFill>
@@ -4911,13 +4943,13 @@
                     </a:srgbClr>
                   </a:outerShdw>
                 </a:effectLst>
-                <a:latin typeface="+mn-lt"/>
-                <a:ea typeface="+mn-ea"/>
+                <a:latin typeface="나눔고딕" pitchFamily="2" charset="-127"/>
+                <a:ea typeface="나눔고딕" pitchFamily="2" charset="-127"/>
                 <a:cs typeface="+mn-cs"/>
               </a:rPr>
               <a:t>유영훈</a:t>
             </a:r>
-            <a:endParaRPr lang="en-US" altLang="ko-KR" sz="1500" b="1" kern="1200">
+            <a:endParaRPr lang="en-US" altLang="ko-KR" sz="2400" b="1" kern="1200" dirty="0">
               <a:solidFill>
                 <a:schemeClr val="tx1"/>
               </a:solidFill>
@@ -4928,164 +4960,19 @@
                   </a:srgbClr>
                 </a:outerShdw>
               </a:effectLst>
-              <a:latin typeface="+mn-lt"/>
-              <a:ea typeface="+mn-ea"/>
+              <a:latin typeface="나눔고딕" pitchFamily="2" charset="-127"/>
+              <a:ea typeface="나눔고딕" pitchFamily="2" charset="-127"/>
               <a:cs typeface="+mn-cs"/>
             </a:endParaRPr>
           </a:p>
         </p:txBody>
       </p:sp>
-      <p:grpSp>
-        <p:nvGrpSpPr>
-          <p:cNvPr id="75" name="Group 74">
-            <a:extLst>
-              <a:ext uri="{FF2B5EF4-FFF2-40B4-BE49-F238E27FC236}">
-                <a16:creationId xmlns:a16="http://schemas.microsoft.com/office/drawing/2014/main" id="{3AF6A671-C637-4547-85F4-51B6D1881399}"/>
-              </a:ext>
-              <a:ext uri="{C183D7F6-B498-43B3-948B-1728B52AA6E4}">
-                <adec:decorative xmlns:adec="http://schemas.microsoft.com/office/drawing/2017/decorative" val="1"/>
-              </a:ext>
-            </a:extLst>
-          </p:cNvPr>
-          <p:cNvGrpSpPr>
-            <a:grpSpLocks noGrp="1" noUngrp="1" noRot="1" noChangeAspect="1" noMove="1" noResize="1"/>
-          </p:cNvGrpSpPr>
-          <p:nvPr>
-            <p:extLst>
-              <p:ext uri="{386F3935-93C4-4BCD-93E2-E3B085C9AB24}">
-                <p16:designElem xmlns:p16="http://schemas.microsoft.com/office/powerpoint/2015/main" val="1"/>
-              </p:ext>
-            </p:extLst>
-          </p:nvPr>
-        </p:nvGrpSpPr>
-        <p:grpSpPr>
-          <a:xfrm>
-            <a:off x="9416432" y="1"/>
-            <a:ext cx="2446384" cy="5777808"/>
-            <a:chOff x="329184" y="1"/>
-            <a:chExt cx="524256" cy="5777808"/>
-          </a:xfrm>
-        </p:grpSpPr>
-        <p:cxnSp>
-          <p:nvCxnSpPr>
-            <p:cNvPr id="76" name="Straight Connector 75">
-              <a:extLst>
-                <a:ext uri="{FF2B5EF4-FFF2-40B4-BE49-F238E27FC236}">
-                  <a16:creationId xmlns:a16="http://schemas.microsoft.com/office/drawing/2014/main" id="{C575CF26-3D3C-4C5A-A2B7-00432016EF62}"/>
-                </a:ext>
-                <a:ext uri="{C183D7F6-B498-43B3-948B-1728B52AA6E4}">
-                  <adec:decorative xmlns:adec="http://schemas.microsoft.com/office/drawing/2017/decorative" val="1"/>
-                </a:ext>
-              </a:extLst>
-            </p:cNvPr>
-            <p:cNvCxnSpPr>
-              <a:cxnSpLocks/>
-            </p:cNvCxnSpPr>
-            <p:nvPr>
-              <p:extLst>
-                <p:ext uri="{386F3935-93C4-4BCD-93E2-E3B085C9AB24}">
-                  <p16:designElem xmlns:p16="http://schemas.microsoft.com/office/powerpoint/2015/main" val="1"/>
-                </p:ext>
-              </p:extLst>
-            </p:nvPr>
-          </p:nvCxnSpPr>
-          <p:spPr>
-            <a:xfrm flipH="1">
-              <a:off x="329184" y="5777809"/>
-              <a:ext cx="521208" cy="0"/>
-            </a:xfrm>
-            <a:prstGeom prst="line">
-              <a:avLst/>
-            </a:prstGeom>
-            <a:ln w="152400">
-              <a:solidFill>
-                <a:schemeClr val="accent4"/>
-              </a:solidFill>
-            </a:ln>
-          </p:spPr>
-          <p:style>
-            <a:lnRef idx="1">
-              <a:schemeClr val="accent1"/>
-            </a:lnRef>
-            <a:fillRef idx="0">
-              <a:schemeClr val="accent1"/>
-            </a:fillRef>
-            <a:effectRef idx="0">
-              <a:schemeClr val="accent1"/>
-            </a:effectRef>
-            <a:fontRef idx="minor">
-              <a:schemeClr val="tx1"/>
-            </a:fontRef>
-          </p:style>
-        </p:cxnSp>
-        <p:sp>
-          <p:nvSpPr>
-            <p:cNvPr id="77" name="Rectangle 76">
-              <a:extLst>
-                <a:ext uri="{FF2B5EF4-FFF2-40B4-BE49-F238E27FC236}">
-                  <a16:creationId xmlns:a16="http://schemas.microsoft.com/office/drawing/2014/main" id="{99413ED5-9ED4-4772-BCE4-2BCAE6B12E35}"/>
-                </a:ext>
-                <a:ext uri="{C183D7F6-B498-43B3-948B-1728B52AA6E4}">
-                  <adec:decorative xmlns:adec="http://schemas.microsoft.com/office/drawing/2017/decorative" val="1"/>
-                </a:ext>
-              </a:extLst>
-            </p:cNvPr>
-            <p:cNvSpPr/>
-            <p:nvPr>
-              <p:extLst>
-                <p:ext uri="{386F3935-93C4-4BCD-93E2-E3B085C9AB24}">
-                  <p16:designElem xmlns:p16="http://schemas.microsoft.com/office/powerpoint/2015/main" val="1"/>
-                </p:ext>
-              </p:extLst>
-            </p:nvPr>
-          </p:nvSpPr>
-          <p:spPr>
-            <a:xfrm>
-              <a:off x="329184" y="1"/>
-              <a:ext cx="524256" cy="5532119"/>
-            </a:xfrm>
-            <a:prstGeom prst="rect">
-              <a:avLst/>
-            </a:prstGeom>
-            <a:solidFill>
-              <a:schemeClr val="accent4"/>
-            </a:solidFill>
-            <a:ln>
-              <a:noFill/>
-            </a:ln>
-          </p:spPr>
-          <p:style>
-            <a:lnRef idx="2">
-              <a:schemeClr val="accent1">
-                <a:shade val="50000"/>
-              </a:schemeClr>
-            </a:lnRef>
-            <a:fillRef idx="1">
-              <a:schemeClr val="accent1"/>
-            </a:fillRef>
-            <a:effectRef idx="0">
-              <a:schemeClr val="accent1"/>
-            </a:effectRef>
-            <a:fontRef idx="minor">
-              <a:schemeClr val="lt1"/>
-            </a:fontRef>
-          </p:style>
-          <p:txBody>
-            <a:bodyPr rtlCol="0" anchor="ctr"/>
-            <a:lstStyle/>
-            <a:p>
-              <a:pPr algn="ctr"/>
-              <a:endParaRPr lang="en-US"/>
-            </a:p>
-          </p:txBody>
-        </p:sp>
-      </p:grpSp>
       <p:sp>
         <p:nvSpPr>
-          <p:cNvPr id="79" name="Rectangle 78">
+          <p:cNvPr id="68" name="sketch line">
             <a:extLst>
               <a:ext uri="{FF2B5EF4-FFF2-40B4-BE49-F238E27FC236}">
-                <a16:creationId xmlns:a16="http://schemas.microsoft.com/office/drawing/2014/main" id="{04357C93-F0CB-4A1C-8F77-4E9063789819}"/>
+                <a16:creationId xmlns:a16="http://schemas.microsoft.com/office/drawing/2014/main" id="{3FCFB1DE-0B7E-48CC-BA90-B2AB0889F9D6}"/>
               </a:ext>
               <a:ext uri="{C183D7F6-B498-43B3-948B-1728B52AA6E4}">
                 <adec:decorative xmlns:adec="http://schemas.microsoft.com/office/drawing/2017/decorative" val="1"/>
@@ -5105,25 +4992,228 @@
         </p:nvSpPr>
         <p:spPr>
           <a:xfrm>
-            <a:off x="5386598" y="269324"/>
-            <a:ext cx="6116779" cy="6208776"/>
-          </a:xfrm>
-          <a:prstGeom prst="rect">
+            <a:off x="643278" y="4409267"/>
+            <a:ext cx="3255095" cy="18288"/>
+          </a:xfrm>
+          <a:custGeom>
             <a:avLst/>
-          </a:prstGeom>
+            <a:gdLst>
+              <a:gd name="connsiteX0" fmla="*/ 0 w 3255095"/>
+              <a:gd name="connsiteY0" fmla="*/ 0 h 18288"/>
+              <a:gd name="connsiteX1" fmla="*/ 618468 w 3255095"/>
+              <a:gd name="connsiteY1" fmla="*/ 0 h 18288"/>
+              <a:gd name="connsiteX2" fmla="*/ 1269487 w 3255095"/>
+              <a:gd name="connsiteY2" fmla="*/ 0 h 18288"/>
+              <a:gd name="connsiteX3" fmla="*/ 1953057 w 3255095"/>
+              <a:gd name="connsiteY3" fmla="*/ 0 h 18288"/>
+              <a:gd name="connsiteX4" fmla="*/ 2636627 w 3255095"/>
+              <a:gd name="connsiteY4" fmla="*/ 0 h 18288"/>
+              <a:gd name="connsiteX5" fmla="*/ 3255095 w 3255095"/>
+              <a:gd name="connsiteY5" fmla="*/ 0 h 18288"/>
+              <a:gd name="connsiteX6" fmla="*/ 3255095 w 3255095"/>
+              <a:gd name="connsiteY6" fmla="*/ 18288 h 18288"/>
+              <a:gd name="connsiteX7" fmla="*/ 2538974 w 3255095"/>
+              <a:gd name="connsiteY7" fmla="*/ 18288 h 18288"/>
+              <a:gd name="connsiteX8" fmla="*/ 1822853 w 3255095"/>
+              <a:gd name="connsiteY8" fmla="*/ 18288 h 18288"/>
+              <a:gd name="connsiteX9" fmla="*/ 1171834 w 3255095"/>
+              <a:gd name="connsiteY9" fmla="*/ 18288 h 18288"/>
+              <a:gd name="connsiteX10" fmla="*/ 0 w 3255095"/>
+              <a:gd name="connsiteY10" fmla="*/ 18288 h 18288"/>
+              <a:gd name="connsiteX11" fmla="*/ 0 w 3255095"/>
+              <a:gd name="connsiteY11" fmla="*/ 0 h 18288"/>
+            </a:gdLst>
+            <a:ahLst/>
+            <a:cxnLst>
+              <a:cxn ang="0">
+                <a:pos x="connsiteX0" y="connsiteY0"/>
+              </a:cxn>
+              <a:cxn ang="0">
+                <a:pos x="connsiteX1" y="connsiteY1"/>
+              </a:cxn>
+              <a:cxn ang="0">
+                <a:pos x="connsiteX2" y="connsiteY2"/>
+              </a:cxn>
+              <a:cxn ang="0">
+                <a:pos x="connsiteX3" y="connsiteY3"/>
+              </a:cxn>
+              <a:cxn ang="0">
+                <a:pos x="connsiteX4" y="connsiteY4"/>
+              </a:cxn>
+              <a:cxn ang="0">
+                <a:pos x="connsiteX5" y="connsiteY5"/>
+              </a:cxn>
+              <a:cxn ang="0">
+                <a:pos x="connsiteX6" y="connsiteY6"/>
+              </a:cxn>
+              <a:cxn ang="0">
+                <a:pos x="connsiteX7" y="connsiteY7"/>
+              </a:cxn>
+              <a:cxn ang="0">
+                <a:pos x="connsiteX8" y="connsiteY8"/>
+              </a:cxn>
+              <a:cxn ang="0">
+                <a:pos x="connsiteX9" y="connsiteY9"/>
+              </a:cxn>
+              <a:cxn ang="0">
+                <a:pos x="connsiteX10" y="connsiteY10"/>
+              </a:cxn>
+              <a:cxn ang="0">
+                <a:pos x="connsiteX11" y="connsiteY11"/>
+              </a:cxn>
+            </a:cxnLst>
+            <a:rect l="l" t="t" r="r" b="b"/>
+            <a:pathLst>
+              <a:path w="3255095" h="18288" fill="none" extrusionOk="0">
+                <a:moveTo>
+                  <a:pt x="0" y="0"/>
+                </a:moveTo>
+                <a:cubicBezTo>
+                  <a:pt x="240201" y="-22123"/>
+                  <a:pt x="462021" y="-19623"/>
+                  <a:pt x="618468" y="0"/>
+                </a:cubicBezTo>
+                <a:cubicBezTo>
+                  <a:pt x="774915" y="19623"/>
+                  <a:pt x="974734" y="2035"/>
+                  <a:pt x="1269487" y="0"/>
+                </a:cubicBezTo>
+                <a:cubicBezTo>
+                  <a:pt x="1564240" y="-2035"/>
+                  <a:pt x="1733579" y="10639"/>
+                  <a:pt x="1953057" y="0"/>
+                </a:cubicBezTo>
+                <a:cubicBezTo>
+                  <a:pt x="2172535" y="-10639"/>
+                  <a:pt x="2453962" y="14018"/>
+                  <a:pt x="2636627" y="0"/>
+                </a:cubicBezTo>
+                <a:cubicBezTo>
+                  <a:pt x="2819292" y="-14018"/>
+                  <a:pt x="3121375" y="5399"/>
+                  <a:pt x="3255095" y="0"/>
+                </a:cubicBezTo>
+                <a:cubicBezTo>
+                  <a:pt x="3254386" y="8157"/>
+                  <a:pt x="3254682" y="12125"/>
+                  <a:pt x="3255095" y="18288"/>
+                </a:cubicBezTo>
+                <a:cubicBezTo>
+                  <a:pt x="3088545" y="23203"/>
+                  <a:pt x="2687475" y="7419"/>
+                  <a:pt x="2538974" y="18288"/>
+                </a:cubicBezTo>
+                <a:cubicBezTo>
+                  <a:pt x="2390473" y="29157"/>
+                  <a:pt x="2137381" y="-8959"/>
+                  <a:pt x="1822853" y="18288"/>
+                </a:cubicBezTo>
+                <a:cubicBezTo>
+                  <a:pt x="1508325" y="45535"/>
+                  <a:pt x="1466437" y="20385"/>
+                  <a:pt x="1171834" y="18288"/>
+                </a:cubicBezTo>
+                <a:cubicBezTo>
+                  <a:pt x="877231" y="16191"/>
+                  <a:pt x="561097" y="37643"/>
+                  <a:pt x="0" y="18288"/>
+                </a:cubicBezTo>
+                <a:cubicBezTo>
+                  <a:pt x="-46" y="12483"/>
+                  <a:pt x="-203" y="6491"/>
+                  <a:pt x="0" y="0"/>
+                </a:cubicBezTo>
+                <a:close/>
+              </a:path>
+              <a:path w="3255095" h="18288" stroke="0" extrusionOk="0">
+                <a:moveTo>
+                  <a:pt x="0" y="0"/>
+                </a:moveTo>
+                <a:cubicBezTo>
+                  <a:pt x="291965" y="19429"/>
+                  <a:pt x="363155" y="8568"/>
+                  <a:pt x="618468" y="0"/>
+                </a:cubicBezTo>
+                <a:cubicBezTo>
+                  <a:pt x="873781" y="-8568"/>
+                  <a:pt x="904459" y="-19505"/>
+                  <a:pt x="1171834" y="0"/>
+                </a:cubicBezTo>
+                <a:cubicBezTo>
+                  <a:pt x="1439209" y="19505"/>
+                  <a:pt x="1744369" y="9790"/>
+                  <a:pt x="1887955" y="0"/>
+                </a:cubicBezTo>
+                <a:cubicBezTo>
+                  <a:pt x="2031541" y="-9790"/>
+                  <a:pt x="2346378" y="21240"/>
+                  <a:pt x="2506423" y="0"/>
+                </a:cubicBezTo>
+                <a:cubicBezTo>
+                  <a:pt x="2666468" y="-21240"/>
+                  <a:pt x="2990257" y="30414"/>
+                  <a:pt x="3255095" y="0"/>
+                </a:cubicBezTo>
+                <a:cubicBezTo>
+                  <a:pt x="3254831" y="4493"/>
+                  <a:pt x="3255479" y="9472"/>
+                  <a:pt x="3255095" y="18288"/>
+                </a:cubicBezTo>
+                <a:cubicBezTo>
+                  <a:pt x="3120743" y="16690"/>
+                  <a:pt x="2759628" y="42462"/>
+                  <a:pt x="2604076" y="18288"/>
+                </a:cubicBezTo>
+                <a:cubicBezTo>
+                  <a:pt x="2448524" y="-5886"/>
+                  <a:pt x="2184336" y="19599"/>
+                  <a:pt x="1887955" y="18288"/>
+                </a:cubicBezTo>
+                <a:cubicBezTo>
+                  <a:pt x="1591574" y="16977"/>
+                  <a:pt x="1548845" y="6870"/>
+                  <a:pt x="1334589" y="18288"/>
+                </a:cubicBezTo>
+                <a:cubicBezTo>
+                  <a:pt x="1120333" y="29706"/>
+                  <a:pt x="996014" y="9662"/>
+                  <a:pt x="683570" y="18288"/>
+                </a:cubicBezTo>
+                <a:cubicBezTo>
+                  <a:pt x="371126" y="26914"/>
+                  <a:pt x="198687" y="16167"/>
+                  <a:pt x="0" y="18288"/>
+                </a:cubicBezTo>
+                <a:cubicBezTo>
+                  <a:pt x="843" y="9577"/>
+                  <a:pt x="371" y="6900"/>
+                  <a:pt x="0" y="0"/>
+                </a:cubicBezTo>
+                <a:close/>
+              </a:path>
+            </a:pathLst>
+          </a:custGeom>
           <a:solidFill>
-            <a:schemeClr val="bg1"/>
+            <a:schemeClr val="accent2"/>
           </a:solidFill>
-          <a:ln>
-            <a:noFill/>
+          <a:ln w="38100" cap="rnd">
+            <a:solidFill>
+              <a:schemeClr val="accent2"/>
+            </a:solidFill>
+            <a:round/>
+            <a:extLst>
+              <a:ext uri="{C807C97D-BFC1-408E-A445-0C87EB9F89A2}">
+                <ask:lineSketchStyleProps xmlns:ask="http://schemas.microsoft.com/office/drawing/2018/sketchyshapes" sd="1219033472">
+                  <a:prstGeom prst="rect">
+                    <a:avLst/>
+                  </a:prstGeom>
+                  <ask:type>
+                    <ask:lineSketchFreehand/>
+                  </ask:type>
+                </ask:lineSketchStyleProps>
+              </a:ext>
+            </a:extLst>
           </a:ln>
-          <a:effectLst>
-            <a:outerShdw blurRad="139700" dist="127000" dir="5400000" algn="t" rotWithShape="0">
-              <a:prstClr val="black">
-                <a:alpha val="15000"/>
-              </a:prstClr>
-            </a:outerShdw>
-          </a:effectLst>
         </p:spPr>
         <p:style>
           <a:lnRef idx="2">
@@ -5152,10 +5242,10 @@
       </p:sp>
       <p:pic>
         <p:nvPicPr>
-          <p:cNvPr id="5" name="그림 4" descr="폰트, 그래픽, 원, 상징이(가) 표시된 사진&#10;&#10;자동 생성된 설명">
+          <p:cNvPr id="3" name="그림 2" descr="블랙, 어둠이(가) 표시된 사진&#10;&#10;자동 생성된 설명">
             <a:extLst>
               <a:ext uri="{FF2B5EF4-FFF2-40B4-BE49-F238E27FC236}">
-                <a16:creationId xmlns:a16="http://schemas.microsoft.com/office/drawing/2014/main" id="{461B6D24-6680-BB32-073B-43A19D48F5FA}"/>
+                <a16:creationId xmlns:a16="http://schemas.microsoft.com/office/drawing/2014/main" id="{FB45AADA-1B92-7F34-5067-828F56D0BD7B}"/>
               </a:ext>
             </a:extLst>
           </p:cNvPr>
@@ -5166,6 +5256,13 @@
         </p:nvPicPr>
         <p:blipFill>
           <a:blip r:embed="rId2">
+            <a:duotone>
+              <a:schemeClr val="accent1">
+                <a:shade val="45000"/>
+                <a:satMod val="135000"/>
+              </a:schemeClr>
+              <a:prstClr val="white"/>
+            </a:duotone>
             <a:extLst>
               <a:ext uri="{28A0092B-C50C-407E-A947-70E740481C1C}">
                 <a14:useLocalDpi xmlns:a14="http://schemas.microsoft.com/office/drawing/2010/main" val="0"/>
@@ -5178,8 +5275,8 @@
         </p:blipFill>
         <p:spPr>
           <a:xfrm>
-            <a:off x="5640572" y="569297"/>
-            <a:ext cx="5608830" cy="5608830"/>
+            <a:off x="6211048" y="1173139"/>
+            <a:ext cx="4877481" cy="4877481"/>
           </a:xfrm>
           <a:prstGeom prst="rect">
             <a:avLst/>
@@ -5212,6 +5309,2584 @@
 </file>
 
 <file path=ppt/slides/slide10.xml><?xml version="1.0" encoding="utf-8"?>
+<p:sld xmlns:a="http://schemas.openxmlformats.org/drawingml/2006/main" xmlns:r="http://schemas.openxmlformats.org/officeDocument/2006/relationships" xmlns:p="http://schemas.openxmlformats.org/presentationml/2006/main">
+  <p:cSld>
+    <p:spTree>
+      <p:nvGrpSpPr>
+        <p:cNvPr id="1" name=""/>
+        <p:cNvGrpSpPr/>
+        <p:nvPr/>
+      </p:nvGrpSpPr>
+      <p:grpSpPr>
+        <a:xfrm>
+          <a:off x="0" y="0"/>
+          <a:ext cx="0" cy="0"/>
+          <a:chOff x="0" y="0"/>
+          <a:chExt cx="0" cy="0"/>
+        </a:xfrm>
+      </p:grpSpPr>
+      <p:sp>
+        <p:nvSpPr>
+          <p:cNvPr id="4" name="직사각형 3">
+            <a:extLst>
+              <a:ext uri="{FF2B5EF4-FFF2-40B4-BE49-F238E27FC236}">
+                <a16:creationId xmlns:a16="http://schemas.microsoft.com/office/drawing/2014/main" id="{C35F139B-CDDB-42FA-525C-DA01A8146D90}"/>
+              </a:ext>
+            </a:extLst>
+          </p:cNvPr>
+          <p:cNvSpPr/>
+          <p:nvPr/>
+        </p:nvSpPr>
+        <p:spPr>
+          <a:xfrm>
+            <a:off x="0" y="0"/>
+            <a:ext cx="1573619" cy="6858000"/>
+          </a:xfrm>
+          <a:prstGeom prst="rect">
+            <a:avLst/>
+          </a:prstGeom>
+          <a:solidFill>
+            <a:schemeClr val="accent1"/>
+          </a:solidFill>
+        </p:spPr>
+        <p:style>
+          <a:lnRef idx="2">
+            <a:schemeClr val="accent1">
+              <a:shade val="50000"/>
+            </a:schemeClr>
+          </a:lnRef>
+          <a:fillRef idx="1">
+            <a:schemeClr val="accent1"/>
+          </a:fillRef>
+          <a:effectRef idx="0">
+            <a:schemeClr val="accent1"/>
+          </a:effectRef>
+          <a:fontRef idx="minor">
+            <a:schemeClr val="lt1"/>
+          </a:fontRef>
+        </p:style>
+        <p:txBody>
+          <a:bodyPr vert="eaVert" rtlCol="0" anchor="ctr"/>
+          <a:lstStyle/>
+          <a:p>
+            <a:pPr algn="ctr"/>
+            <a:r>
+              <a:rPr lang="ko-KR" altLang="en-US" sz="3500" b="1" dirty="0">
+                <a:solidFill>
+                  <a:schemeClr val="bg1"/>
+                </a:solidFill>
+                <a:effectLst>
+                  <a:outerShdw blurRad="38100" dist="38100" dir="2700000" algn="tl">
+                    <a:srgbClr val="000000">
+                      <a:alpha val="43137"/>
+                    </a:srgbClr>
+                  </a:outerShdw>
+                </a:effectLst>
+                <a:latin typeface="나눔고딕" pitchFamily="2" charset="-127"/>
+                <a:ea typeface="나눔고딕" pitchFamily="2" charset="-127"/>
+              </a:rPr>
+              <a:t>시  </a:t>
+            </a:r>
+            <a:r>
+              <a:rPr lang="ko-KR" altLang="en-US" sz="3500" b="1" dirty="0" err="1">
+                <a:solidFill>
+                  <a:schemeClr val="bg1"/>
+                </a:solidFill>
+                <a:effectLst>
+                  <a:outerShdw blurRad="38100" dist="38100" dir="2700000" algn="tl">
+                    <a:srgbClr val="000000">
+                      <a:alpha val="43137"/>
+                    </a:srgbClr>
+                  </a:outerShdw>
+                </a:effectLst>
+                <a:latin typeface="나눔고딕" pitchFamily="2" charset="-127"/>
+                <a:ea typeface="나눔고딕" pitchFamily="2" charset="-127"/>
+              </a:rPr>
+              <a:t>스</a:t>
+            </a:r>
+            <a:r>
+              <a:rPr lang="ko-KR" altLang="en-US" sz="3500" b="1" dirty="0">
+                <a:solidFill>
+                  <a:schemeClr val="bg1"/>
+                </a:solidFill>
+                <a:effectLst>
+                  <a:outerShdw blurRad="38100" dist="38100" dir="2700000" algn="tl">
+                    <a:srgbClr val="000000">
+                      <a:alpha val="43137"/>
+                    </a:srgbClr>
+                  </a:outerShdw>
+                </a:effectLst>
+                <a:latin typeface="나눔고딕" pitchFamily="2" charset="-127"/>
+                <a:ea typeface="나눔고딕" pitchFamily="2" charset="-127"/>
+              </a:rPr>
+              <a:t>  템  주  요  기  능</a:t>
+            </a:r>
+          </a:p>
+        </p:txBody>
+      </p:sp>
+      <p:sp>
+        <p:nvSpPr>
+          <p:cNvPr id="50" name="사각형: 둥근 모서리 49">
+            <a:extLst>
+              <a:ext uri="{FF2B5EF4-FFF2-40B4-BE49-F238E27FC236}">
+                <a16:creationId xmlns:a16="http://schemas.microsoft.com/office/drawing/2014/main" id="{03AF9854-8907-12D2-E7F9-000656C9A490}"/>
+              </a:ext>
+            </a:extLst>
+          </p:cNvPr>
+          <p:cNvSpPr/>
+          <p:nvPr/>
+        </p:nvSpPr>
+        <p:spPr>
+          <a:xfrm>
+            <a:off x="2112579" y="557043"/>
+            <a:ext cx="2165131" cy="635601"/>
+          </a:xfrm>
+          <a:prstGeom prst="roundRect">
+            <a:avLst>
+              <a:gd name="adj" fmla="val 15623"/>
+            </a:avLst>
+          </a:prstGeom>
+          <a:solidFill>
+            <a:srgbClr val="1D9A78"/>
+          </a:solidFill>
+        </p:spPr>
+        <p:style>
+          <a:lnRef idx="2">
+            <a:schemeClr val="accent1">
+              <a:shade val="50000"/>
+            </a:schemeClr>
+          </a:lnRef>
+          <a:fillRef idx="1">
+            <a:schemeClr val="accent1"/>
+          </a:fillRef>
+          <a:effectRef idx="0">
+            <a:schemeClr val="accent1"/>
+          </a:effectRef>
+          <a:fontRef idx="minor">
+            <a:schemeClr val="lt1"/>
+          </a:fontRef>
+        </p:style>
+        <p:txBody>
+          <a:bodyPr rtlCol="0" anchor="ctr"/>
+          <a:lstStyle/>
+          <a:p>
+            <a:pPr algn="ctr"/>
+            <a:r>
+              <a:rPr lang="en-US" altLang="ko-KR" sz="2500" b="1" dirty="0">
+                <a:effectLst>
+                  <a:outerShdw blurRad="38100" dist="38100" dir="2700000" algn="tl">
+                    <a:srgbClr val="000000">
+                      <a:alpha val="43137"/>
+                    </a:srgbClr>
+                  </a:outerShdw>
+                </a:effectLst>
+              </a:rPr>
+              <a:t>Index </a:t>
+            </a:r>
+            <a:r>
+              <a:rPr lang="ko-KR" altLang="en-US" sz="2500" b="1" dirty="0">
+                <a:effectLst>
+                  <a:outerShdw blurRad="38100" dist="38100" dir="2700000" algn="tl">
+                    <a:srgbClr val="000000">
+                      <a:alpha val="43137"/>
+                    </a:srgbClr>
+                  </a:outerShdw>
+                </a:effectLst>
+              </a:rPr>
+              <a:t>창</a:t>
+            </a:r>
+          </a:p>
+        </p:txBody>
+      </p:sp>
+      <p:sp>
+        <p:nvSpPr>
+          <p:cNvPr id="51" name="사각형: 둥근 모서리 50">
+            <a:extLst>
+              <a:ext uri="{FF2B5EF4-FFF2-40B4-BE49-F238E27FC236}">
+                <a16:creationId xmlns:a16="http://schemas.microsoft.com/office/drawing/2014/main" id="{6105FBFB-6071-9C39-2680-AE536B9B4B20}"/>
+              </a:ext>
+            </a:extLst>
+          </p:cNvPr>
+          <p:cNvSpPr/>
+          <p:nvPr/>
+        </p:nvSpPr>
+        <p:spPr>
+          <a:xfrm>
+            <a:off x="4816269" y="557043"/>
+            <a:ext cx="2165131" cy="635601"/>
+          </a:xfrm>
+          <a:prstGeom prst="roundRect">
+            <a:avLst>
+              <a:gd name="adj" fmla="val 15623"/>
+            </a:avLst>
+          </a:prstGeom>
+          <a:solidFill>
+            <a:srgbClr val="1D9A78"/>
+          </a:solidFill>
+        </p:spPr>
+        <p:style>
+          <a:lnRef idx="2">
+            <a:schemeClr val="accent1">
+              <a:shade val="50000"/>
+            </a:schemeClr>
+          </a:lnRef>
+          <a:fillRef idx="1">
+            <a:schemeClr val="accent1"/>
+          </a:fillRef>
+          <a:effectRef idx="0">
+            <a:schemeClr val="accent1"/>
+          </a:effectRef>
+          <a:fontRef idx="minor">
+            <a:schemeClr val="lt1"/>
+          </a:fontRef>
+        </p:style>
+        <p:txBody>
+          <a:bodyPr rtlCol="0" anchor="ctr"/>
+          <a:lstStyle/>
+          <a:p>
+            <a:pPr algn="ctr"/>
+            <a:r>
+              <a:rPr lang="ko-KR" altLang="en-US" sz="2000" b="1" dirty="0">
+                <a:effectLst>
+                  <a:outerShdw blurRad="38100" dist="38100" dir="2700000" algn="tl">
+                    <a:srgbClr val="000000">
+                      <a:alpha val="43137"/>
+                    </a:srgbClr>
+                  </a:outerShdw>
+                </a:effectLst>
+              </a:rPr>
+              <a:t>프로젝트 선택창</a:t>
+            </a:r>
+          </a:p>
+        </p:txBody>
+      </p:sp>
+      <p:sp>
+        <p:nvSpPr>
+          <p:cNvPr id="52" name="사각형: 둥근 모서리 51">
+            <a:extLst>
+              <a:ext uri="{FF2B5EF4-FFF2-40B4-BE49-F238E27FC236}">
+                <a16:creationId xmlns:a16="http://schemas.microsoft.com/office/drawing/2014/main" id="{A3AE165E-FF7A-84B9-C000-34D0E5BC330D}"/>
+              </a:ext>
+            </a:extLst>
+          </p:cNvPr>
+          <p:cNvSpPr/>
+          <p:nvPr/>
+        </p:nvSpPr>
+        <p:spPr>
+          <a:xfrm>
+            <a:off x="8005734" y="557042"/>
+            <a:ext cx="2165131" cy="635601"/>
+          </a:xfrm>
+          <a:prstGeom prst="roundRect">
+            <a:avLst>
+              <a:gd name="adj" fmla="val 15623"/>
+            </a:avLst>
+          </a:prstGeom>
+          <a:solidFill>
+            <a:srgbClr val="1D9A78"/>
+          </a:solidFill>
+        </p:spPr>
+        <p:style>
+          <a:lnRef idx="2">
+            <a:schemeClr val="accent1">
+              <a:shade val="50000"/>
+            </a:schemeClr>
+          </a:lnRef>
+          <a:fillRef idx="1">
+            <a:schemeClr val="accent1"/>
+          </a:fillRef>
+          <a:effectRef idx="0">
+            <a:schemeClr val="accent1"/>
+          </a:effectRef>
+          <a:fontRef idx="minor">
+            <a:schemeClr val="lt1"/>
+          </a:fontRef>
+        </p:style>
+        <p:txBody>
+          <a:bodyPr rtlCol="0" anchor="ctr"/>
+          <a:lstStyle/>
+          <a:p>
+            <a:pPr algn="ctr"/>
+            <a:r>
+              <a:rPr lang="ko-KR" altLang="en-US" sz="2500" b="1" dirty="0">
+                <a:effectLst>
+                  <a:outerShdw blurRad="38100" dist="38100" dir="2700000" algn="tl">
+                    <a:srgbClr val="000000">
+                      <a:alpha val="43137"/>
+                    </a:srgbClr>
+                  </a:outerShdw>
+                </a:effectLst>
+              </a:rPr>
+              <a:t>프로젝트 창</a:t>
+            </a:r>
+          </a:p>
+        </p:txBody>
+      </p:sp>
+      <p:sp>
+        <p:nvSpPr>
+          <p:cNvPr id="53" name="사각형: 둥근 모서리 52">
+            <a:extLst>
+              <a:ext uri="{FF2B5EF4-FFF2-40B4-BE49-F238E27FC236}">
+                <a16:creationId xmlns:a16="http://schemas.microsoft.com/office/drawing/2014/main" id="{D87B9832-294A-B921-59B5-80B22F69B700}"/>
+              </a:ext>
+            </a:extLst>
+          </p:cNvPr>
+          <p:cNvSpPr/>
+          <p:nvPr/>
+        </p:nvSpPr>
+        <p:spPr>
+          <a:xfrm>
+            <a:off x="2128344" y="3570463"/>
+            <a:ext cx="2165131" cy="635601"/>
+          </a:xfrm>
+          <a:prstGeom prst="roundRect">
+            <a:avLst>
+              <a:gd name="adj" fmla="val 15623"/>
+            </a:avLst>
+          </a:prstGeom>
+          <a:solidFill>
+            <a:srgbClr val="1D9A78"/>
+          </a:solidFill>
+        </p:spPr>
+        <p:style>
+          <a:lnRef idx="2">
+            <a:schemeClr val="accent1">
+              <a:shade val="50000"/>
+            </a:schemeClr>
+          </a:lnRef>
+          <a:fillRef idx="1">
+            <a:schemeClr val="accent1"/>
+          </a:fillRef>
+          <a:effectRef idx="0">
+            <a:schemeClr val="accent1"/>
+          </a:effectRef>
+          <a:fontRef idx="minor">
+            <a:schemeClr val="lt1"/>
+          </a:fontRef>
+        </p:style>
+        <p:txBody>
+          <a:bodyPr rtlCol="0" anchor="ctr"/>
+          <a:lstStyle/>
+          <a:p>
+            <a:pPr algn="ctr"/>
+            <a:r>
+              <a:rPr lang="ko-KR" altLang="en-US" sz="2500" b="1" dirty="0">
+                <a:effectLst>
+                  <a:outerShdw blurRad="38100" dist="38100" dir="2700000" algn="tl">
+                    <a:srgbClr val="000000">
+                      <a:alpha val="43137"/>
+                    </a:srgbClr>
+                  </a:outerShdw>
+                </a:effectLst>
+              </a:rPr>
+              <a:t>문서 창</a:t>
+            </a:r>
+          </a:p>
+        </p:txBody>
+      </p:sp>
+      <p:sp>
+        <p:nvSpPr>
+          <p:cNvPr id="54" name="사각형: 둥근 모서리 53">
+            <a:extLst>
+              <a:ext uri="{FF2B5EF4-FFF2-40B4-BE49-F238E27FC236}">
+                <a16:creationId xmlns:a16="http://schemas.microsoft.com/office/drawing/2014/main" id="{06977E4E-1F6B-6C83-3CD2-78DE12D79EE7}"/>
+              </a:ext>
+            </a:extLst>
+          </p:cNvPr>
+          <p:cNvSpPr/>
+          <p:nvPr/>
+        </p:nvSpPr>
+        <p:spPr>
+          <a:xfrm>
+            <a:off x="2810717" y="1419167"/>
+            <a:ext cx="1466993" cy="430654"/>
+          </a:xfrm>
+          <a:prstGeom prst="roundRect">
+            <a:avLst>
+              <a:gd name="adj" fmla="val 15623"/>
+            </a:avLst>
+          </a:prstGeom>
+          <a:solidFill>
+            <a:srgbClr val="7BAA3C"/>
+          </a:solidFill>
+        </p:spPr>
+        <p:style>
+          <a:lnRef idx="2">
+            <a:schemeClr val="accent1">
+              <a:shade val="50000"/>
+            </a:schemeClr>
+          </a:lnRef>
+          <a:fillRef idx="1">
+            <a:schemeClr val="accent1"/>
+          </a:fillRef>
+          <a:effectRef idx="0">
+            <a:schemeClr val="accent1"/>
+          </a:effectRef>
+          <a:fontRef idx="minor">
+            <a:schemeClr val="lt1"/>
+          </a:fontRef>
+        </p:style>
+        <p:txBody>
+          <a:bodyPr rtlCol="0" anchor="ctr"/>
+          <a:lstStyle/>
+          <a:p>
+            <a:pPr algn="ctr"/>
+            <a:r>
+              <a:rPr lang="ko-KR" altLang="en-US" sz="2000" b="1">
+                <a:effectLst>
+                  <a:outerShdw blurRad="38100" dist="38100" dir="2700000" algn="tl">
+                    <a:srgbClr val="000000">
+                      <a:alpha val="43137"/>
+                    </a:srgbClr>
+                  </a:outerShdw>
+                </a:effectLst>
+              </a:rPr>
+              <a:t>로그인</a:t>
+            </a:r>
+            <a:endParaRPr lang="ko-KR" altLang="en-US" sz="2000" b="1" dirty="0">
+              <a:effectLst>
+                <a:outerShdw blurRad="38100" dist="38100" dir="2700000" algn="tl">
+                  <a:srgbClr val="000000">
+                    <a:alpha val="43137"/>
+                  </a:srgbClr>
+                </a:outerShdw>
+              </a:effectLst>
+            </a:endParaRPr>
+          </a:p>
+        </p:txBody>
+      </p:sp>
+      <p:sp>
+        <p:nvSpPr>
+          <p:cNvPr id="55" name="사각형: 둥근 모서리 54">
+            <a:extLst>
+              <a:ext uri="{FF2B5EF4-FFF2-40B4-BE49-F238E27FC236}">
+                <a16:creationId xmlns:a16="http://schemas.microsoft.com/office/drawing/2014/main" id="{821613AE-90D0-9ED1-5AEB-69363B46C093}"/>
+              </a:ext>
+            </a:extLst>
+          </p:cNvPr>
+          <p:cNvSpPr/>
+          <p:nvPr/>
+        </p:nvSpPr>
+        <p:spPr>
+          <a:xfrm>
+            <a:off x="2810717" y="2023512"/>
+            <a:ext cx="1466993" cy="430654"/>
+          </a:xfrm>
+          <a:prstGeom prst="roundRect">
+            <a:avLst>
+              <a:gd name="adj" fmla="val 15623"/>
+            </a:avLst>
+          </a:prstGeom>
+          <a:solidFill>
+            <a:srgbClr val="7BAA3C"/>
+          </a:solidFill>
+        </p:spPr>
+        <p:style>
+          <a:lnRef idx="2">
+            <a:schemeClr val="accent1">
+              <a:shade val="50000"/>
+            </a:schemeClr>
+          </a:lnRef>
+          <a:fillRef idx="1">
+            <a:schemeClr val="accent1"/>
+          </a:fillRef>
+          <a:effectRef idx="0">
+            <a:schemeClr val="accent1"/>
+          </a:effectRef>
+          <a:fontRef idx="minor">
+            <a:schemeClr val="lt1"/>
+          </a:fontRef>
+        </p:style>
+        <p:txBody>
+          <a:bodyPr rtlCol="0" anchor="ctr"/>
+          <a:lstStyle/>
+          <a:p>
+            <a:pPr algn="ctr"/>
+            <a:r>
+              <a:rPr lang="ko-KR" altLang="en-US" sz="2000" b="1" dirty="0">
+                <a:effectLst>
+                  <a:outerShdw blurRad="38100" dist="38100" dir="2700000" algn="tl">
+                    <a:srgbClr val="000000">
+                      <a:alpha val="43137"/>
+                    </a:srgbClr>
+                  </a:outerShdw>
+                </a:effectLst>
+              </a:rPr>
+              <a:t>회원가입</a:t>
+            </a:r>
+          </a:p>
+        </p:txBody>
+      </p:sp>
+      <p:sp>
+        <p:nvSpPr>
+          <p:cNvPr id="56" name="사각형: 둥근 모서리 55">
+            <a:extLst>
+              <a:ext uri="{FF2B5EF4-FFF2-40B4-BE49-F238E27FC236}">
+                <a16:creationId xmlns:a16="http://schemas.microsoft.com/office/drawing/2014/main" id="{52DAE9B0-2D99-E32C-6B1E-C6046636503F}"/>
+              </a:ext>
+            </a:extLst>
+          </p:cNvPr>
+          <p:cNvSpPr/>
+          <p:nvPr/>
+        </p:nvSpPr>
+        <p:spPr>
+          <a:xfrm>
+            <a:off x="2826482" y="2627857"/>
+            <a:ext cx="1466993" cy="430654"/>
+          </a:xfrm>
+          <a:prstGeom prst="roundRect">
+            <a:avLst>
+              <a:gd name="adj" fmla="val 15623"/>
+            </a:avLst>
+          </a:prstGeom>
+          <a:solidFill>
+            <a:srgbClr val="7BAA3C"/>
+          </a:solidFill>
+        </p:spPr>
+        <p:style>
+          <a:lnRef idx="2">
+            <a:schemeClr val="accent1">
+              <a:shade val="50000"/>
+            </a:schemeClr>
+          </a:lnRef>
+          <a:fillRef idx="1">
+            <a:schemeClr val="accent1"/>
+          </a:fillRef>
+          <a:effectRef idx="0">
+            <a:schemeClr val="accent1"/>
+          </a:effectRef>
+          <a:fontRef idx="minor">
+            <a:schemeClr val="lt1"/>
+          </a:fontRef>
+        </p:style>
+        <p:txBody>
+          <a:bodyPr rtlCol="0" anchor="ctr"/>
+          <a:lstStyle/>
+          <a:p>
+            <a:pPr algn="ctr"/>
+            <a:r>
+              <a:rPr lang="ko-KR" altLang="en-US" sz="2000" b="1" dirty="0">
+                <a:effectLst>
+                  <a:outerShdw blurRad="38100" dist="38100" dir="2700000" algn="tl">
+                    <a:srgbClr val="000000">
+                      <a:alpha val="43137"/>
+                    </a:srgbClr>
+                  </a:outerShdw>
+                </a:effectLst>
+              </a:rPr>
+              <a:t>정보 수정</a:t>
+            </a:r>
+          </a:p>
+        </p:txBody>
+      </p:sp>
+      <p:sp>
+        <p:nvSpPr>
+          <p:cNvPr id="57" name="사각형: 둥근 모서리 56">
+            <a:extLst>
+              <a:ext uri="{FF2B5EF4-FFF2-40B4-BE49-F238E27FC236}">
+                <a16:creationId xmlns:a16="http://schemas.microsoft.com/office/drawing/2014/main" id="{381ACC84-EEF7-022B-D39A-38F619AB39A6}"/>
+              </a:ext>
+            </a:extLst>
+          </p:cNvPr>
+          <p:cNvSpPr/>
+          <p:nvPr/>
+        </p:nvSpPr>
+        <p:spPr>
+          <a:xfrm>
+            <a:off x="5518266" y="1419167"/>
+            <a:ext cx="1466993" cy="430654"/>
+          </a:xfrm>
+          <a:prstGeom prst="roundRect">
+            <a:avLst>
+              <a:gd name="adj" fmla="val 15623"/>
+            </a:avLst>
+          </a:prstGeom>
+          <a:solidFill>
+            <a:srgbClr val="7BAA3C"/>
+          </a:solidFill>
+        </p:spPr>
+        <p:style>
+          <a:lnRef idx="2">
+            <a:schemeClr val="accent1">
+              <a:shade val="50000"/>
+            </a:schemeClr>
+          </a:lnRef>
+          <a:fillRef idx="1">
+            <a:schemeClr val="accent1"/>
+          </a:fillRef>
+          <a:effectRef idx="0">
+            <a:schemeClr val="accent1"/>
+          </a:effectRef>
+          <a:fontRef idx="minor">
+            <a:schemeClr val="lt1"/>
+          </a:fontRef>
+        </p:style>
+        <p:txBody>
+          <a:bodyPr rtlCol="0" anchor="ctr"/>
+          <a:lstStyle/>
+          <a:p>
+            <a:pPr algn="ctr"/>
+            <a:r>
+              <a:rPr lang="ko-KR" altLang="en-US" sz="2000" b="1" dirty="0">
+                <a:effectLst>
+                  <a:outerShdw blurRad="38100" dist="38100" dir="2700000" algn="tl">
+                    <a:srgbClr val="000000">
+                      <a:alpha val="43137"/>
+                    </a:srgbClr>
+                  </a:outerShdw>
+                </a:effectLst>
+              </a:rPr>
+              <a:t>읽기 전용</a:t>
+            </a:r>
+          </a:p>
+        </p:txBody>
+      </p:sp>
+      <p:sp>
+        <p:nvSpPr>
+          <p:cNvPr id="58" name="사각형: 둥근 모서리 57">
+            <a:extLst>
+              <a:ext uri="{FF2B5EF4-FFF2-40B4-BE49-F238E27FC236}">
+                <a16:creationId xmlns:a16="http://schemas.microsoft.com/office/drawing/2014/main" id="{53174CC8-E3B1-BC5F-CE59-B497DE2DB4C4}"/>
+              </a:ext>
+            </a:extLst>
+          </p:cNvPr>
+          <p:cNvSpPr/>
+          <p:nvPr/>
+        </p:nvSpPr>
+        <p:spPr>
+          <a:xfrm>
+            <a:off x="5518266" y="2054624"/>
+            <a:ext cx="1466993" cy="430654"/>
+          </a:xfrm>
+          <a:prstGeom prst="roundRect">
+            <a:avLst>
+              <a:gd name="adj" fmla="val 15623"/>
+            </a:avLst>
+          </a:prstGeom>
+          <a:solidFill>
+            <a:srgbClr val="7BAA3C"/>
+          </a:solidFill>
+        </p:spPr>
+        <p:style>
+          <a:lnRef idx="2">
+            <a:schemeClr val="accent1">
+              <a:shade val="50000"/>
+            </a:schemeClr>
+          </a:lnRef>
+          <a:fillRef idx="1">
+            <a:schemeClr val="accent1"/>
+          </a:fillRef>
+          <a:effectRef idx="0">
+            <a:schemeClr val="accent1"/>
+          </a:effectRef>
+          <a:fontRef idx="minor">
+            <a:schemeClr val="lt1"/>
+          </a:fontRef>
+        </p:style>
+        <p:txBody>
+          <a:bodyPr rtlCol="0" anchor="ctr"/>
+          <a:lstStyle/>
+          <a:p>
+            <a:pPr algn="ctr"/>
+            <a:r>
+              <a:rPr lang="ko-KR" altLang="en-US" sz="2000" b="1" dirty="0">
+                <a:effectLst>
+                  <a:outerShdw blurRad="38100" dist="38100" dir="2700000" algn="tl">
+                    <a:srgbClr val="000000">
+                      <a:alpha val="43137"/>
+                    </a:srgbClr>
+                  </a:outerShdw>
+                </a:effectLst>
+              </a:rPr>
+              <a:t>편집 전용</a:t>
+            </a:r>
+          </a:p>
+        </p:txBody>
+      </p:sp>
+      <p:sp>
+        <p:nvSpPr>
+          <p:cNvPr id="59" name="사각형: 둥근 모서리 58">
+            <a:extLst>
+              <a:ext uri="{FF2B5EF4-FFF2-40B4-BE49-F238E27FC236}">
+                <a16:creationId xmlns:a16="http://schemas.microsoft.com/office/drawing/2014/main" id="{D2F9F16F-D2ED-DD9E-3D43-8FCF3BDC6149}"/>
+              </a:ext>
+            </a:extLst>
+          </p:cNvPr>
+          <p:cNvSpPr/>
+          <p:nvPr/>
+        </p:nvSpPr>
+        <p:spPr>
+          <a:xfrm>
+            <a:off x="5518265" y="2717057"/>
+            <a:ext cx="1466993" cy="430654"/>
+          </a:xfrm>
+          <a:prstGeom prst="roundRect">
+            <a:avLst>
+              <a:gd name="adj" fmla="val 15623"/>
+            </a:avLst>
+          </a:prstGeom>
+          <a:solidFill>
+            <a:srgbClr val="7BAA3C"/>
+          </a:solidFill>
+        </p:spPr>
+        <p:style>
+          <a:lnRef idx="2">
+            <a:schemeClr val="accent1">
+              <a:shade val="50000"/>
+            </a:schemeClr>
+          </a:lnRef>
+          <a:fillRef idx="1">
+            <a:schemeClr val="accent1"/>
+          </a:fillRef>
+          <a:effectRef idx="0">
+            <a:schemeClr val="accent1"/>
+          </a:effectRef>
+          <a:fontRef idx="minor">
+            <a:schemeClr val="lt1"/>
+          </a:fontRef>
+        </p:style>
+        <p:txBody>
+          <a:bodyPr rtlCol="0" anchor="ctr"/>
+          <a:lstStyle/>
+          <a:p>
+            <a:pPr algn="ctr"/>
+            <a:r>
+              <a:rPr lang="ko-KR" altLang="en-US" sz="2000" b="1" dirty="0">
+                <a:effectLst>
+                  <a:outerShdw blurRad="38100" dist="38100" dir="2700000" algn="tl">
+                    <a:srgbClr val="000000">
+                      <a:alpha val="43137"/>
+                    </a:srgbClr>
+                  </a:outerShdw>
+                </a:effectLst>
+              </a:rPr>
+              <a:t>초대 확인</a:t>
+            </a:r>
+          </a:p>
+        </p:txBody>
+      </p:sp>
+      <p:sp>
+        <p:nvSpPr>
+          <p:cNvPr id="60" name="사각형: 둥근 모서리 59">
+            <a:extLst>
+              <a:ext uri="{FF2B5EF4-FFF2-40B4-BE49-F238E27FC236}">
+                <a16:creationId xmlns:a16="http://schemas.microsoft.com/office/drawing/2014/main" id="{BA859C46-CB0C-D7DC-8A85-47FF6453BFB0}"/>
+              </a:ext>
+            </a:extLst>
+          </p:cNvPr>
+          <p:cNvSpPr/>
+          <p:nvPr/>
+        </p:nvSpPr>
+        <p:spPr>
+          <a:xfrm>
+            <a:off x="8709129" y="1419166"/>
+            <a:ext cx="1466993" cy="430654"/>
+          </a:xfrm>
+          <a:prstGeom prst="roundRect">
+            <a:avLst>
+              <a:gd name="adj" fmla="val 15623"/>
+            </a:avLst>
+          </a:prstGeom>
+          <a:solidFill>
+            <a:srgbClr val="7BAA3C"/>
+          </a:solidFill>
+        </p:spPr>
+        <p:style>
+          <a:lnRef idx="2">
+            <a:schemeClr val="accent1">
+              <a:shade val="50000"/>
+            </a:schemeClr>
+          </a:lnRef>
+          <a:fillRef idx="1">
+            <a:schemeClr val="accent1"/>
+          </a:fillRef>
+          <a:effectRef idx="0">
+            <a:schemeClr val="accent1"/>
+          </a:effectRef>
+          <a:fontRef idx="minor">
+            <a:schemeClr val="lt1"/>
+          </a:fontRef>
+        </p:style>
+        <p:txBody>
+          <a:bodyPr rtlCol="0" anchor="ctr"/>
+          <a:lstStyle/>
+          <a:p>
+            <a:pPr algn="ctr"/>
+            <a:r>
+              <a:rPr lang="ko-KR" altLang="en-US" sz="2000" b="1" dirty="0">
+                <a:effectLst>
+                  <a:outerShdw blurRad="38100" dist="38100" dir="2700000" algn="tl">
+                    <a:srgbClr val="000000">
+                      <a:alpha val="43137"/>
+                    </a:srgbClr>
+                  </a:outerShdw>
+                </a:effectLst>
+              </a:rPr>
+              <a:t>목표</a:t>
+            </a:r>
+          </a:p>
+        </p:txBody>
+      </p:sp>
+      <p:sp>
+        <p:nvSpPr>
+          <p:cNvPr id="61" name="사각형: 둥근 모서리 60">
+            <a:extLst>
+              <a:ext uri="{FF2B5EF4-FFF2-40B4-BE49-F238E27FC236}">
+                <a16:creationId xmlns:a16="http://schemas.microsoft.com/office/drawing/2014/main" id="{D0B8DDCA-FDF7-E115-4DEA-5EDBBE674398}"/>
+              </a:ext>
+            </a:extLst>
+          </p:cNvPr>
+          <p:cNvSpPr/>
+          <p:nvPr/>
+        </p:nvSpPr>
+        <p:spPr>
+          <a:xfrm>
+            <a:off x="8709129" y="2054623"/>
+            <a:ext cx="1466993" cy="430654"/>
+          </a:xfrm>
+          <a:prstGeom prst="roundRect">
+            <a:avLst>
+              <a:gd name="adj" fmla="val 15623"/>
+            </a:avLst>
+          </a:prstGeom>
+          <a:solidFill>
+            <a:srgbClr val="7BAA3C"/>
+          </a:solidFill>
+        </p:spPr>
+        <p:style>
+          <a:lnRef idx="2">
+            <a:schemeClr val="accent1">
+              <a:shade val="50000"/>
+            </a:schemeClr>
+          </a:lnRef>
+          <a:fillRef idx="1">
+            <a:schemeClr val="accent1"/>
+          </a:fillRef>
+          <a:effectRef idx="0">
+            <a:schemeClr val="accent1"/>
+          </a:effectRef>
+          <a:fontRef idx="minor">
+            <a:schemeClr val="lt1"/>
+          </a:fontRef>
+        </p:style>
+        <p:txBody>
+          <a:bodyPr rtlCol="0" anchor="ctr"/>
+          <a:lstStyle/>
+          <a:p>
+            <a:pPr algn="ctr"/>
+            <a:r>
+              <a:rPr lang="ko-KR" altLang="en-US" sz="2000" b="1" dirty="0">
+                <a:effectLst>
+                  <a:outerShdw blurRad="38100" dist="38100" dir="2700000" algn="tl">
+                    <a:srgbClr val="000000">
+                      <a:alpha val="43137"/>
+                    </a:srgbClr>
+                  </a:outerShdw>
+                </a:effectLst>
+              </a:rPr>
+              <a:t>하위 목표</a:t>
+            </a:r>
+          </a:p>
+        </p:txBody>
+      </p:sp>
+      <p:sp>
+        <p:nvSpPr>
+          <p:cNvPr id="62" name="사각형: 둥근 모서리 61">
+            <a:extLst>
+              <a:ext uri="{FF2B5EF4-FFF2-40B4-BE49-F238E27FC236}">
+                <a16:creationId xmlns:a16="http://schemas.microsoft.com/office/drawing/2014/main" id="{696C2C38-AC00-2227-8BE3-691A9B6FB92C}"/>
+              </a:ext>
+            </a:extLst>
+          </p:cNvPr>
+          <p:cNvSpPr/>
+          <p:nvPr/>
+        </p:nvSpPr>
+        <p:spPr>
+          <a:xfrm>
+            <a:off x="8709128" y="2690080"/>
+            <a:ext cx="1466993" cy="430654"/>
+          </a:xfrm>
+          <a:prstGeom prst="roundRect">
+            <a:avLst>
+              <a:gd name="adj" fmla="val 15623"/>
+            </a:avLst>
+          </a:prstGeom>
+          <a:solidFill>
+            <a:srgbClr val="7BAA3C"/>
+          </a:solidFill>
+        </p:spPr>
+        <p:style>
+          <a:lnRef idx="2">
+            <a:schemeClr val="accent1">
+              <a:shade val="50000"/>
+            </a:schemeClr>
+          </a:lnRef>
+          <a:fillRef idx="1">
+            <a:schemeClr val="accent1"/>
+          </a:fillRef>
+          <a:effectRef idx="0">
+            <a:schemeClr val="accent1"/>
+          </a:effectRef>
+          <a:fontRef idx="minor">
+            <a:schemeClr val="lt1"/>
+          </a:fontRef>
+        </p:style>
+        <p:txBody>
+          <a:bodyPr rtlCol="0" anchor="ctr"/>
+          <a:lstStyle/>
+          <a:p>
+            <a:pPr algn="ctr"/>
+            <a:r>
+              <a:rPr lang="ko-KR" altLang="en-US" sz="2000" b="1" dirty="0">
+                <a:effectLst>
+                  <a:outerShdw blurRad="38100" dist="38100" dir="2700000" algn="tl">
+                    <a:srgbClr val="000000">
+                      <a:alpha val="43137"/>
+                    </a:srgbClr>
+                  </a:outerShdw>
+                </a:effectLst>
+              </a:rPr>
+              <a:t>세부 작업</a:t>
+            </a:r>
+          </a:p>
+        </p:txBody>
+      </p:sp>
+      <p:sp>
+        <p:nvSpPr>
+          <p:cNvPr id="63" name="사각형: 둥근 모서리 62">
+            <a:extLst>
+              <a:ext uri="{FF2B5EF4-FFF2-40B4-BE49-F238E27FC236}">
+                <a16:creationId xmlns:a16="http://schemas.microsoft.com/office/drawing/2014/main" id="{11907755-3D27-D688-A1CE-54B002EB0019}"/>
+              </a:ext>
+            </a:extLst>
+          </p:cNvPr>
+          <p:cNvSpPr/>
+          <p:nvPr/>
+        </p:nvSpPr>
+        <p:spPr>
+          <a:xfrm>
+            <a:off x="8709128" y="3352513"/>
+            <a:ext cx="1466993" cy="430654"/>
+          </a:xfrm>
+          <a:prstGeom prst="roundRect">
+            <a:avLst>
+              <a:gd name="adj" fmla="val 15623"/>
+            </a:avLst>
+          </a:prstGeom>
+          <a:solidFill>
+            <a:srgbClr val="7BAA3C"/>
+          </a:solidFill>
+        </p:spPr>
+        <p:style>
+          <a:lnRef idx="2">
+            <a:schemeClr val="accent1">
+              <a:shade val="50000"/>
+            </a:schemeClr>
+          </a:lnRef>
+          <a:fillRef idx="1">
+            <a:schemeClr val="accent1"/>
+          </a:fillRef>
+          <a:effectRef idx="0">
+            <a:schemeClr val="accent1"/>
+          </a:effectRef>
+          <a:fontRef idx="minor">
+            <a:schemeClr val="lt1"/>
+          </a:fontRef>
+        </p:style>
+        <p:txBody>
+          <a:bodyPr rtlCol="0" anchor="ctr"/>
+          <a:lstStyle/>
+          <a:p>
+            <a:pPr algn="ctr"/>
+            <a:r>
+              <a:rPr lang="ko-KR" altLang="en-US" sz="2000" b="1" dirty="0">
+                <a:effectLst>
+                  <a:outerShdw blurRad="38100" dist="38100" dir="2700000" algn="tl">
+                    <a:srgbClr val="000000">
+                      <a:alpha val="43137"/>
+                    </a:srgbClr>
+                  </a:outerShdw>
+                </a:effectLst>
+              </a:rPr>
+              <a:t>캘린더</a:t>
+            </a:r>
+          </a:p>
+        </p:txBody>
+      </p:sp>
+      <p:sp>
+        <p:nvSpPr>
+          <p:cNvPr id="64" name="사각형: 둥근 모서리 63">
+            <a:extLst>
+              <a:ext uri="{FF2B5EF4-FFF2-40B4-BE49-F238E27FC236}">
+                <a16:creationId xmlns:a16="http://schemas.microsoft.com/office/drawing/2014/main" id="{A01E704C-A8D4-F389-C7E9-49E614ADBDF2}"/>
+              </a:ext>
+            </a:extLst>
+          </p:cNvPr>
+          <p:cNvSpPr/>
+          <p:nvPr/>
+        </p:nvSpPr>
+        <p:spPr>
+          <a:xfrm>
+            <a:off x="8709128" y="4014945"/>
+            <a:ext cx="1466993" cy="430654"/>
+          </a:xfrm>
+          <a:prstGeom prst="roundRect">
+            <a:avLst>
+              <a:gd name="adj" fmla="val 15623"/>
+            </a:avLst>
+          </a:prstGeom>
+          <a:solidFill>
+            <a:srgbClr val="7BAA3C"/>
+          </a:solidFill>
+        </p:spPr>
+        <p:style>
+          <a:lnRef idx="2">
+            <a:schemeClr val="accent1">
+              <a:shade val="50000"/>
+            </a:schemeClr>
+          </a:lnRef>
+          <a:fillRef idx="1">
+            <a:schemeClr val="accent1"/>
+          </a:fillRef>
+          <a:effectRef idx="0">
+            <a:schemeClr val="accent1"/>
+          </a:effectRef>
+          <a:fontRef idx="minor">
+            <a:schemeClr val="lt1"/>
+          </a:fontRef>
+        </p:style>
+        <p:txBody>
+          <a:bodyPr rtlCol="0" anchor="ctr"/>
+          <a:lstStyle/>
+          <a:p>
+            <a:pPr algn="ctr"/>
+            <a:r>
+              <a:rPr lang="ko-KR" altLang="en-US" sz="2000" b="1" dirty="0">
+                <a:effectLst>
+                  <a:outerShdw blurRad="38100" dist="38100" dir="2700000" algn="tl">
+                    <a:srgbClr val="000000">
+                      <a:alpha val="43137"/>
+                    </a:srgbClr>
+                  </a:outerShdw>
+                </a:effectLst>
+              </a:rPr>
+              <a:t>멤버 초대</a:t>
+            </a:r>
+          </a:p>
+        </p:txBody>
+      </p:sp>
+      <p:sp>
+        <p:nvSpPr>
+          <p:cNvPr id="65" name="사각형: 둥근 모서리 64">
+            <a:extLst>
+              <a:ext uri="{FF2B5EF4-FFF2-40B4-BE49-F238E27FC236}">
+                <a16:creationId xmlns:a16="http://schemas.microsoft.com/office/drawing/2014/main" id="{7A4C4118-42A5-1029-6D4A-135051F5BEF2}"/>
+              </a:ext>
+            </a:extLst>
+          </p:cNvPr>
+          <p:cNvSpPr/>
+          <p:nvPr/>
+        </p:nvSpPr>
+        <p:spPr>
+          <a:xfrm>
+            <a:off x="8703872" y="4650546"/>
+            <a:ext cx="1466993" cy="430654"/>
+          </a:xfrm>
+          <a:prstGeom prst="roundRect">
+            <a:avLst>
+              <a:gd name="adj" fmla="val 15623"/>
+            </a:avLst>
+          </a:prstGeom>
+          <a:solidFill>
+            <a:srgbClr val="7BAA3C"/>
+          </a:solidFill>
+        </p:spPr>
+        <p:style>
+          <a:lnRef idx="2">
+            <a:schemeClr val="accent1">
+              <a:shade val="50000"/>
+            </a:schemeClr>
+          </a:lnRef>
+          <a:fillRef idx="1">
+            <a:schemeClr val="accent1"/>
+          </a:fillRef>
+          <a:effectRef idx="0">
+            <a:schemeClr val="accent1"/>
+          </a:effectRef>
+          <a:fontRef idx="minor">
+            <a:schemeClr val="lt1"/>
+          </a:fontRef>
+        </p:style>
+        <p:txBody>
+          <a:bodyPr rtlCol="0" anchor="ctr"/>
+          <a:lstStyle/>
+          <a:p>
+            <a:pPr algn="ctr"/>
+            <a:r>
+              <a:rPr lang="ko-KR" altLang="en-US" sz="2000" b="1" dirty="0">
+                <a:effectLst>
+                  <a:outerShdw blurRad="38100" dist="38100" dir="2700000" algn="tl">
+                    <a:srgbClr val="000000">
+                      <a:alpha val="43137"/>
+                    </a:srgbClr>
+                  </a:outerShdw>
+                </a:effectLst>
+              </a:rPr>
+              <a:t>상태 표시</a:t>
+            </a:r>
+          </a:p>
+        </p:txBody>
+      </p:sp>
+      <p:sp>
+        <p:nvSpPr>
+          <p:cNvPr id="66" name="사각형: 둥근 모서리 65">
+            <a:extLst>
+              <a:ext uri="{FF2B5EF4-FFF2-40B4-BE49-F238E27FC236}">
+                <a16:creationId xmlns:a16="http://schemas.microsoft.com/office/drawing/2014/main" id="{7DEEC610-AF0D-B78A-2FD2-E25D869D14E2}"/>
+              </a:ext>
+            </a:extLst>
+          </p:cNvPr>
+          <p:cNvSpPr/>
+          <p:nvPr/>
+        </p:nvSpPr>
+        <p:spPr>
+          <a:xfrm>
+            <a:off x="10663555" y="2690080"/>
+            <a:ext cx="1466993" cy="430654"/>
+          </a:xfrm>
+          <a:prstGeom prst="roundRect">
+            <a:avLst>
+              <a:gd name="adj" fmla="val 15623"/>
+            </a:avLst>
+          </a:prstGeom>
+          <a:solidFill>
+            <a:srgbClr val="3AAC42"/>
+          </a:solidFill>
+        </p:spPr>
+        <p:style>
+          <a:lnRef idx="2">
+            <a:schemeClr val="accent1">
+              <a:shade val="50000"/>
+            </a:schemeClr>
+          </a:lnRef>
+          <a:fillRef idx="1">
+            <a:schemeClr val="accent1"/>
+          </a:fillRef>
+          <a:effectRef idx="0">
+            <a:schemeClr val="accent1"/>
+          </a:effectRef>
+          <a:fontRef idx="minor">
+            <a:schemeClr val="lt1"/>
+          </a:fontRef>
+        </p:style>
+        <p:txBody>
+          <a:bodyPr rtlCol="0" anchor="ctr"/>
+          <a:lstStyle/>
+          <a:p>
+            <a:pPr algn="ctr"/>
+            <a:r>
+              <a:rPr lang="ko-KR" altLang="en-US" b="1" dirty="0">
+                <a:effectLst>
+                  <a:outerShdw blurRad="38100" dist="38100" dir="2700000" algn="tl">
+                    <a:srgbClr val="000000">
+                      <a:alpha val="43137"/>
+                    </a:srgbClr>
+                  </a:outerShdw>
+                </a:effectLst>
+              </a:rPr>
+              <a:t>댓글</a:t>
+            </a:r>
+          </a:p>
+        </p:txBody>
+      </p:sp>
+      <p:cxnSp>
+        <p:nvCxnSpPr>
+          <p:cNvPr id="67" name="직선 연결선 66">
+            <a:extLst>
+              <a:ext uri="{FF2B5EF4-FFF2-40B4-BE49-F238E27FC236}">
+                <a16:creationId xmlns:a16="http://schemas.microsoft.com/office/drawing/2014/main" id="{86068A42-F644-616C-D3C0-B3226979DD25}"/>
+              </a:ext>
+            </a:extLst>
+          </p:cNvPr>
+          <p:cNvCxnSpPr>
+            <a:cxnSpLocks/>
+          </p:cNvCxnSpPr>
+          <p:nvPr/>
+        </p:nvCxnSpPr>
+        <p:spPr>
+          <a:xfrm>
+            <a:off x="2333297" y="1192644"/>
+            <a:ext cx="493" cy="1682715"/>
+          </a:xfrm>
+          <a:prstGeom prst="line">
+            <a:avLst/>
+          </a:prstGeom>
+          <a:ln w="38100">
+            <a:solidFill>
+              <a:schemeClr val="accent1">
+                <a:lumMod val="50000"/>
+              </a:schemeClr>
+            </a:solidFill>
+          </a:ln>
+        </p:spPr>
+        <p:style>
+          <a:lnRef idx="1">
+            <a:schemeClr val="accent1"/>
+          </a:lnRef>
+          <a:fillRef idx="0">
+            <a:schemeClr val="accent1"/>
+          </a:fillRef>
+          <a:effectRef idx="0">
+            <a:schemeClr val="accent1"/>
+          </a:effectRef>
+          <a:fontRef idx="minor">
+            <a:schemeClr val="tx1"/>
+          </a:fontRef>
+        </p:style>
+      </p:cxnSp>
+      <p:cxnSp>
+        <p:nvCxnSpPr>
+          <p:cNvPr id="68" name="직선 연결선 67">
+            <a:extLst>
+              <a:ext uri="{FF2B5EF4-FFF2-40B4-BE49-F238E27FC236}">
+                <a16:creationId xmlns:a16="http://schemas.microsoft.com/office/drawing/2014/main" id="{91095343-11FB-EBF1-5DE0-D6AA0235CBEC}"/>
+              </a:ext>
+            </a:extLst>
+          </p:cNvPr>
+          <p:cNvCxnSpPr>
+            <a:cxnSpLocks/>
+            <a:stCxn id="54" idx="1"/>
+          </p:cNvCxnSpPr>
+          <p:nvPr/>
+        </p:nvCxnSpPr>
+        <p:spPr>
+          <a:xfrm flipH="1">
+            <a:off x="2318025" y="1634494"/>
+            <a:ext cx="492692" cy="0"/>
+          </a:xfrm>
+          <a:prstGeom prst="line">
+            <a:avLst/>
+          </a:prstGeom>
+          <a:ln w="38100">
+            <a:solidFill>
+              <a:schemeClr val="accent1">
+                <a:lumMod val="50000"/>
+              </a:schemeClr>
+            </a:solidFill>
+          </a:ln>
+        </p:spPr>
+        <p:style>
+          <a:lnRef idx="1">
+            <a:schemeClr val="accent1"/>
+          </a:lnRef>
+          <a:fillRef idx="0">
+            <a:schemeClr val="accent1"/>
+          </a:fillRef>
+          <a:effectRef idx="0">
+            <a:schemeClr val="accent1"/>
+          </a:effectRef>
+          <a:fontRef idx="minor">
+            <a:schemeClr val="tx1"/>
+          </a:fontRef>
+        </p:style>
+      </p:cxnSp>
+      <p:cxnSp>
+        <p:nvCxnSpPr>
+          <p:cNvPr id="69" name="직선 연결선 68">
+            <a:extLst>
+              <a:ext uri="{FF2B5EF4-FFF2-40B4-BE49-F238E27FC236}">
+                <a16:creationId xmlns:a16="http://schemas.microsoft.com/office/drawing/2014/main" id="{C9C1C5EB-82BA-31CE-277C-55846A241835}"/>
+              </a:ext>
+            </a:extLst>
+          </p:cNvPr>
+          <p:cNvCxnSpPr>
+            <a:cxnSpLocks/>
+          </p:cNvCxnSpPr>
+          <p:nvPr/>
+        </p:nvCxnSpPr>
+        <p:spPr>
+          <a:xfrm flipH="1">
+            <a:off x="2316627" y="2238839"/>
+            <a:ext cx="492692" cy="0"/>
+          </a:xfrm>
+          <a:prstGeom prst="line">
+            <a:avLst/>
+          </a:prstGeom>
+          <a:ln w="38100">
+            <a:solidFill>
+              <a:schemeClr val="accent1">
+                <a:lumMod val="50000"/>
+              </a:schemeClr>
+            </a:solidFill>
+          </a:ln>
+        </p:spPr>
+        <p:style>
+          <a:lnRef idx="1">
+            <a:schemeClr val="accent1"/>
+          </a:lnRef>
+          <a:fillRef idx="0">
+            <a:schemeClr val="accent1"/>
+          </a:fillRef>
+          <a:effectRef idx="0">
+            <a:schemeClr val="accent1"/>
+          </a:effectRef>
+          <a:fontRef idx="minor">
+            <a:schemeClr val="tx1"/>
+          </a:fontRef>
+        </p:style>
+      </p:cxnSp>
+      <p:cxnSp>
+        <p:nvCxnSpPr>
+          <p:cNvPr id="70" name="직선 연결선 69">
+            <a:extLst>
+              <a:ext uri="{FF2B5EF4-FFF2-40B4-BE49-F238E27FC236}">
+                <a16:creationId xmlns:a16="http://schemas.microsoft.com/office/drawing/2014/main" id="{57217C60-4BCB-BA37-0A60-3C5457E12CB9}"/>
+              </a:ext>
+            </a:extLst>
+          </p:cNvPr>
+          <p:cNvCxnSpPr>
+            <a:cxnSpLocks/>
+          </p:cNvCxnSpPr>
+          <p:nvPr/>
+        </p:nvCxnSpPr>
+        <p:spPr>
+          <a:xfrm flipH="1">
+            <a:off x="2333790" y="2862726"/>
+            <a:ext cx="492692" cy="0"/>
+          </a:xfrm>
+          <a:prstGeom prst="line">
+            <a:avLst/>
+          </a:prstGeom>
+          <a:ln w="38100">
+            <a:solidFill>
+              <a:schemeClr val="accent1">
+                <a:lumMod val="50000"/>
+              </a:schemeClr>
+            </a:solidFill>
+          </a:ln>
+        </p:spPr>
+        <p:style>
+          <a:lnRef idx="1">
+            <a:schemeClr val="accent1"/>
+          </a:lnRef>
+          <a:fillRef idx="0">
+            <a:schemeClr val="accent1"/>
+          </a:fillRef>
+          <a:effectRef idx="0">
+            <a:schemeClr val="accent1"/>
+          </a:effectRef>
+          <a:fontRef idx="minor">
+            <a:schemeClr val="tx1"/>
+          </a:fontRef>
+        </p:style>
+      </p:cxnSp>
+      <p:cxnSp>
+        <p:nvCxnSpPr>
+          <p:cNvPr id="71" name="직선 연결선 70">
+            <a:extLst>
+              <a:ext uri="{FF2B5EF4-FFF2-40B4-BE49-F238E27FC236}">
+                <a16:creationId xmlns:a16="http://schemas.microsoft.com/office/drawing/2014/main" id="{F8C3B0F9-CDB3-D91D-A9A3-FAE5E67E189A}"/>
+              </a:ext>
+            </a:extLst>
+          </p:cNvPr>
+          <p:cNvCxnSpPr>
+            <a:cxnSpLocks/>
+          </p:cNvCxnSpPr>
+          <p:nvPr/>
+        </p:nvCxnSpPr>
+        <p:spPr>
+          <a:xfrm>
+            <a:off x="5026972" y="1213266"/>
+            <a:ext cx="493" cy="1682715"/>
+          </a:xfrm>
+          <a:prstGeom prst="line">
+            <a:avLst/>
+          </a:prstGeom>
+          <a:ln w="38100">
+            <a:solidFill>
+              <a:schemeClr val="accent1">
+                <a:lumMod val="50000"/>
+              </a:schemeClr>
+            </a:solidFill>
+          </a:ln>
+        </p:spPr>
+        <p:style>
+          <a:lnRef idx="1">
+            <a:schemeClr val="accent1"/>
+          </a:lnRef>
+          <a:fillRef idx="0">
+            <a:schemeClr val="accent1"/>
+          </a:fillRef>
+          <a:effectRef idx="0">
+            <a:schemeClr val="accent1"/>
+          </a:effectRef>
+          <a:fontRef idx="minor">
+            <a:schemeClr val="tx1"/>
+          </a:fontRef>
+        </p:style>
+      </p:cxnSp>
+      <p:cxnSp>
+        <p:nvCxnSpPr>
+          <p:cNvPr id="72" name="직선 연결선 71">
+            <a:extLst>
+              <a:ext uri="{FF2B5EF4-FFF2-40B4-BE49-F238E27FC236}">
+                <a16:creationId xmlns:a16="http://schemas.microsoft.com/office/drawing/2014/main" id="{3EF0E5D0-DE5F-F838-19A0-18D17EDC0D21}"/>
+              </a:ext>
+            </a:extLst>
+          </p:cNvPr>
+          <p:cNvCxnSpPr>
+            <a:cxnSpLocks/>
+          </p:cNvCxnSpPr>
+          <p:nvPr/>
+        </p:nvCxnSpPr>
+        <p:spPr>
+          <a:xfrm flipH="1">
+            <a:off x="5011700" y="1655116"/>
+            <a:ext cx="492692" cy="0"/>
+          </a:xfrm>
+          <a:prstGeom prst="line">
+            <a:avLst/>
+          </a:prstGeom>
+          <a:ln w="38100">
+            <a:solidFill>
+              <a:schemeClr val="accent1">
+                <a:lumMod val="50000"/>
+              </a:schemeClr>
+            </a:solidFill>
+          </a:ln>
+        </p:spPr>
+        <p:style>
+          <a:lnRef idx="1">
+            <a:schemeClr val="accent1"/>
+          </a:lnRef>
+          <a:fillRef idx="0">
+            <a:schemeClr val="accent1"/>
+          </a:fillRef>
+          <a:effectRef idx="0">
+            <a:schemeClr val="accent1"/>
+          </a:effectRef>
+          <a:fontRef idx="minor">
+            <a:schemeClr val="tx1"/>
+          </a:fontRef>
+        </p:style>
+      </p:cxnSp>
+      <p:cxnSp>
+        <p:nvCxnSpPr>
+          <p:cNvPr id="73" name="직선 연결선 72">
+            <a:extLst>
+              <a:ext uri="{FF2B5EF4-FFF2-40B4-BE49-F238E27FC236}">
+                <a16:creationId xmlns:a16="http://schemas.microsoft.com/office/drawing/2014/main" id="{6313B5C3-2461-88BD-F8B3-D73337190044}"/>
+              </a:ext>
+            </a:extLst>
+          </p:cNvPr>
+          <p:cNvCxnSpPr>
+            <a:cxnSpLocks/>
+          </p:cNvCxnSpPr>
+          <p:nvPr/>
+        </p:nvCxnSpPr>
+        <p:spPr>
+          <a:xfrm flipH="1">
+            <a:off x="5010302" y="2259461"/>
+            <a:ext cx="492692" cy="0"/>
+          </a:xfrm>
+          <a:prstGeom prst="line">
+            <a:avLst/>
+          </a:prstGeom>
+          <a:ln w="38100">
+            <a:solidFill>
+              <a:schemeClr val="accent1">
+                <a:lumMod val="50000"/>
+              </a:schemeClr>
+            </a:solidFill>
+          </a:ln>
+        </p:spPr>
+        <p:style>
+          <a:lnRef idx="1">
+            <a:schemeClr val="accent1"/>
+          </a:lnRef>
+          <a:fillRef idx="0">
+            <a:schemeClr val="accent1"/>
+          </a:fillRef>
+          <a:effectRef idx="0">
+            <a:schemeClr val="accent1"/>
+          </a:effectRef>
+          <a:fontRef idx="minor">
+            <a:schemeClr val="tx1"/>
+          </a:fontRef>
+        </p:style>
+      </p:cxnSp>
+      <p:cxnSp>
+        <p:nvCxnSpPr>
+          <p:cNvPr id="74" name="직선 연결선 73">
+            <a:extLst>
+              <a:ext uri="{FF2B5EF4-FFF2-40B4-BE49-F238E27FC236}">
+                <a16:creationId xmlns:a16="http://schemas.microsoft.com/office/drawing/2014/main" id="{EFCE4BA6-0849-D502-A8B7-0515974F16E5}"/>
+              </a:ext>
+            </a:extLst>
+          </p:cNvPr>
+          <p:cNvCxnSpPr>
+            <a:cxnSpLocks/>
+          </p:cNvCxnSpPr>
+          <p:nvPr/>
+        </p:nvCxnSpPr>
+        <p:spPr>
+          <a:xfrm flipH="1">
+            <a:off x="5027465" y="2883348"/>
+            <a:ext cx="492692" cy="0"/>
+          </a:xfrm>
+          <a:prstGeom prst="line">
+            <a:avLst/>
+          </a:prstGeom>
+          <a:ln w="38100">
+            <a:solidFill>
+              <a:schemeClr val="accent1">
+                <a:lumMod val="50000"/>
+              </a:schemeClr>
+            </a:solidFill>
+          </a:ln>
+        </p:spPr>
+        <p:style>
+          <a:lnRef idx="1">
+            <a:schemeClr val="accent1"/>
+          </a:lnRef>
+          <a:fillRef idx="0">
+            <a:schemeClr val="accent1"/>
+          </a:fillRef>
+          <a:effectRef idx="0">
+            <a:schemeClr val="accent1"/>
+          </a:effectRef>
+          <a:fontRef idx="minor">
+            <a:schemeClr val="tx1"/>
+          </a:fontRef>
+        </p:style>
+      </p:cxnSp>
+      <p:cxnSp>
+        <p:nvCxnSpPr>
+          <p:cNvPr id="75" name="직선 연결선 74">
+            <a:extLst>
+              <a:ext uri="{FF2B5EF4-FFF2-40B4-BE49-F238E27FC236}">
+                <a16:creationId xmlns:a16="http://schemas.microsoft.com/office/drawing/2014/main" id="{A4FF6685-AAA1-4051-F704-BE9ACB833611}"/>
+              </a:ext>
+            </a:extLst>
+          </p:cNvPr>
+          <p:cNvCxnSpPr>
+            <a:cxnSpLocks/>
+          </p:cNvCxnSpPr>
+          <p:nvPr/>
+        </p:nvCxnSpPr>
+        <p:spPr>
+          <a:xfrm flipH="1">
+            <a:off x="8174285" y="1192643"/>
+            <a:ext cx="15066" cy="3710350"/>
+          </a:xfrm>
+          <a:prstGeom prst="line">
+            <a:avLst/>
+          </a:prstGeom>
+          <a:ln w="38100">
+            <a:solidFill>
+              <a:schemeClr val="accent1">
+                <a:lumMod val="50000"/>
+              </a:schemeClr>
+            </a:solidFill>
+          </a:ln>
+        </p:spPr>
+        <p:style>
+          <a:lnRef idx="1">
+            <a:schemeClr val="accent1"/>
+          </a:lnRef>
+          <a:fillRef idx="0">
+            <a:schemeClr val="accent1"/>
+          </a:fillRef>
+          <a:effectRef idx="0">
+            <a:schemeClr val="accent1"/>
+          </a:effectRef>
+          <a:fontRef idx="minor">
+            <a:schemeClr val="tx1"/>
+          </a:fontRef>
+        </p:style>
+      </p:cxnSp>
+      <p:cxnSp>
+        <p:nvCxnSpPr>
+          <p:cNvPr id="76" name="직선 연결선 75">
+            <a:extLst>
+              <a:ext uri="{FF2B5EF4-FFF2-40B4-BE49-F238E27FC236}">
+                <a16:creationId xmlns:a16="http://schemas.microsoft.com/office/drawing/2014/main" id="{3271A351-DB69-9CF3-1FBF-A136B7F58364}"/>
+              </a:ext>
+            </a:extLst>
+          </p:cNvPr>
+          <p:cNvCxnSpPr>
+            <a:cxnSpLocks/>
+            <a:stCxn id="60" idx="1"/>
+          </p:cNvCxnSpPr>
+          <p:nvPr/>
+        </p:nvCxnSpPr>
+        <p:spPr>
+          <a:xfrm flipH="1">
+            <a:off x="8178842" y="1634493"/>
+            <a:ext cx="530287" cy="0"/>
+          </a:xfrm>
+          <a:prstGeom prst="line">
+            <a:avLst/>
+          </a:prstGeom>
+          <a:ln w="38100">
+            <a:solidFill>
+              <a:schemeClr val="accent1">
+                <a:lumMod val="50000"/>
+              </a:schemeClr>
+            </a:solidFill>
+          </a:ln>
+        </p:spPr>
+        <p:style>
+          <a:lnRef idx="1">
+            <a:schemeClr val="accent1"/>
+          </a:lnRef>
+          <a:fillRef idx="0">
+            <a:schemeClr val="accent1"/>
+          </a:fillRef>
+          <a:effectRef idx="0">
+            <a:schemeClr val="accent1"/>
+          </a:effectRef>
+          <a:fontRef idx="minor">
+            <a:schemeClr val="tx1"/>
+          </a:fontRef>
+        </p:style>
+      </p:cxnSp>
+      <p:cxnSp>
+        <p:nvCxnSpPr>
+          <p:cNvPr id="77" name="직선 연결선 76">
+            <a:extLst>
+              <a:ext uri="{FF2B5EF4-FFF2-40B4-BE49-F238E27FC236}">
+                <a16:creationId xmlns:a16="http://schemas.microsoft.com/office/drawing/2014/main" id="{CCC46968-3BF7-BAFA-B5F8-7DDA32905B83}"/>
+              </a:ext>
+            </a:extLst>
+          </p:cNvPr>
+          <p:cNvCxnSpPr>
+            <a:cxnSpLocks/>
+            <a:stCxn id="61" idx="1"/>
+          </p:cNvCxnSpPr>
+          <p:nvPr/>
+        </p:nvCxnSpPr>
+        <p:spPr>
+          <a:xfrm flipH="1">
+            <a:off x="8178842" y="2269950"/>
+            <a:ext cx="530287" cy="82"/>
+          </a:xfrm>
+          <a:prstGeom prst="line">
+            <a:avLst/>
+          </a:prstGeom>
+          <a:ln w="38100">
+            <a:solidFill>
+              <a:schemeClr val="accent1">
+                <a:lumMod val="50000"/>
+              </a:schemeClr>
+            </a:solidFill>
+          </a:ln>
+        </p:spPr>
+        <p:style>
+          <a:lnRef idx="1">
+            <a:schemeClr val="accent1"/>
+          </a:lnRef>
+          <a:fillRef idx="0">
+            <a:schemeClr val="accent1"/>
+          </a:fillRef>
+          <a:effectRef idx="0">
+            <a:schemeClr val="accent1"/>
+          </a:effectRef>
+          <a:fontRef idx="minor">
+            <a:schemeClr val="tx1"/>
+          </a:fontRef>
+        </p:style>
+      </p:cxnSp>
+      <p:cxnSp>
+        <p:nvCxnSpPr>
+          <p:cNvPr id="78" name="직선 연결선 77">
+            <a:extLst>
+              <a:ext uri="{FF2B5EF4-FFF2-40B4-BE49-F238E27FC236}">
+                <a16:creationId xmlns:a16="http://schemas.microsoft.com/office/drawing/2014/main" id="{0ED82EFA-5C05-E089-8D12-1C6F532637A0}"/>
+              </a:ext>
+            </a:extLst>
+          </p:cNvPr>
+          <p:cNvCxnSpPr>
+            <a:cxnSpLocks/>
+            <a:stCxn id="62" idx="1"/>
+          </p:cNvCxnSpPr>
+          <p:nvPr/>
+        </p:nvCxnSpPr>
+        <p:spPr>
+          <a:xfrm flipH="1">
+            <a:off x="8189351" y="2905407"/>
+            <a:ext cx="519777" cy="561"/>
+          </a:xfrm>
+          <a:prstGeom prst="line">
+            <a:avLst/>
+          </a:prstGeom>
+          <a:ln w="38100">
+            <a:solidFill>
+              <a:schemeClr val="accent1">
+                <a:lumMod val="50000"/>
+              </a:schemeClr>
+            </a:solidFill>
+          </a:ln>
+        </p:spPr>
+        <p:style>
+          <a:lnRef idx="1">
+            <a:schemeClr val="accent1"/>
+          </a:lnRef>
+          <a:fillRef idx="0">
+            <a:schemeClr val="accent1"/>
+          </a:fillRef>
+          <a:effectRef idx="0">
+            <a:schemeClr val="accent1"/>
+          </a:effectRef>
+          <a:fontRef idx="minor">
+            <a:schemeClr val="tx1"/>
+          </a:fontRef>
+        </p:style>
+      </p:cxnSp>
+      <p:cxnSp>
+        <p:nvCxnSpPr>
+          <p:cNvPr id="79" name="직선 연결선 78">
+            <a:extLst>
+              <a:ext uri="{FF2B5EF4-FFF2-40B4-BE49-F238E27FC236}">
+                <a16:creationId xmlns:a16="http://schemas.microsoft.com/office/drawing/2014/main" id="{287C581C-34EB-8B0B-DC93-F2524A7623B8}"/>
+              </a:ext>
+            </a:extLst>
+          </p:cNvPr>
+          <p:cNvCxnSpPr>
+            <a:cxnSpLocks/>
+          </p:cNvCxnSpPr>
+          <p:nvPr/>
+        </p:nvCxnSpPr>
+        <p:spPr>
+          <a:xfrm flipH="1">
+            <a:off x="8184096" y="3567279"/>
+            <a:ext cx="519777" cy="561"/>
+          </a:xfrm>
+          <a:prstGeom prst="line">
+            <a:avLst/>
+          </a:prstGeom>
+          <a:ln w="38100">
+            <a:solidFill>
+              <a:schemeClr val="accent1">
+                <a:lumMod val="50000"/>
+              </a:schemeClr>
+            </a:solidFill>
+          </a:ln>
+        </p:spPr>
+        <p:style>
+          <a:lnRef idx="1">
+            <a:schemeClr val="accent1"/>
+          </a:lnRef>
+          <a:fillRef idx="0">
+            <a:schemeClr val="accent1"/>
+          </a:fillRef>
+          <a:effectRef idx="0">
+            <a:schemeClr val="accent1"/>
+          </a:effectRef>
+          <a:fontRef idx="minor">
+            <a:schemeClr val="tx1"/>
+          </a:fontRef>
+        </p:style>
+      </p:cxnSp>
+      <p:cxnSp>
+        <p:nvCxnSpPr>
+          <p:cNvPr id="80" name="직선 연결선 79">
+            <a:extLst>
+              <a:ext uri="{FF2B5EF4-FFF2-40B4-BE49-F238E27FC236}">
+                <a16:creationId xmlns:a16="http://schemas.microsoft.com/office/drawing/2014/main" id="{028E390F-9407-E6FC-546D-9648789BF88F}"/>
+              </a:ext>
+            </a:extLst>
+          </p:cNvPr>
+          <p:cNvCxnSpPr>
+            <a:cxnSpLocks/>
+          </p:cNvCxnSpPr>
+          <p:nvPr/>
+        </p:nvCxnSpPr>
+        <p:spPr>
+          <a:xfrm flipH="1">
+            <a:off x="8186724" y="4228590"/>
+            <a:ext cx="519777" cy="561"/>
+          </a:xfrm>
+          <a:prstGeom prst="line">
+            <a:avLst/>
+          </a:prstGeom>
+          <a:ln w="38100">
+            <a:solidFill>
+              <a:schemeClr val="accent1">
+                <a:lumMod val="50000"/>
+              </a:schemeClr>
+            </a:solidFill>
+          </a:ln>
+        </p:spPr>
+        <p:style>
+          <a:lnRef idx="1">
+            <a:schemeClr val="accent1"/>
+          </a:lnRef>
+          <a:fillRef idx="0">
+            <a:schemeClr val="accent1"/>
+          </a:fillRef>
+          <a:effectRef idx="0">
+            <a:schemeClr val="accent1"/>
+          </a:effectRef>
+          <a:fontRef idx="minor">
+            <a:schemeClr val="tx1"/>
+          </a:fontRef>
+        </p:style>
+      </p:cxnSp>
+      <p:cxnSp>
+        <p:nvCxnSpPr>
+          <p:cNvPr id="81" name="직선 연결선 80">
+            <a:extLst>
+              <a:ext uri="{FF2B5EF4-FFF2-40B4-BE49-F238E27FC236}">
+                <a16:creationId xmlns:a16="http://schemas.microsoft.com/office/drawing/2014/main" id="{BC6917AF-B6FD-92C1-82E4-ACA88687F428}"/>
+              </a:ext>
+            </a:extLst>
+          </p:cNvPr>
+          <p:cNvCxnSpPr>
+            <a:cxnSpLocks/>
+          </p:cNvCxnSpPr>
+          <p:nvPr/>
+        </p:nvCxnSpPr>
+        <p:spPr>
+          <a:xfrm flipH="1">
+            <a:off x="8186724" y="4885824"/>
+            <a:ext cx="519777" cy="561"/>
+          </a:xfrm>
+          <a:prstGeom prst="line">
+            <a:avLst/>
+          </a:prstGeom>
+          <a:ln w="38100">
+            <a:solidFill>
+              <a:schemeClr val="accent1">
+                <a:lumMod val="50000"/>
+              </a:schemeClr>
+            </a:solidFill>
+          </a:ln>
+        </p:spPr>
+        <p:style>
+          <a:lnRef idx="1">
+            <a:schemeClr val="accent1"/>
+          </a:lnRef>
+          <a:fillRef idx="0">
+            <a:schemeClr val="accent1"/>
+          </a:fillRef>
+          <a:effectRef idx="0">
+            <a:schemeClr val="accent1"/>
+          </a:effectRef>
+          <a:fontRef idx="minor">
+            <a:schemeClr val="tx1"/>
+          </a:fontRef>
+        </p:style>
+      </p:cxnSp>
+      <p:cxnSp>
+        <p:nvCxnSpPr>
+          <p:cNvPr id="82" name="직선 연결선 81">
+            <a:extLst>
+              <a:ext uri="{FF2B5EF4-FFF2-40B4-BE49-F238E27FC236}">
+                <a16:creationId xmlns:a16="http://schemas.microsoft.com/office/drawing/2014/main" id="{27B63F75-D39F-4E1E-6674-CDD3633105D2}"/>
+              </a:ext>
+            </a:extLst>
+          </p:cNvPr>
+          <p:cNvCxnSpPr>
+            <a:cxnSpLocks/>
+            <a:stCxn id="66" idx="1"/>
+            <a:endCxn id="62" idx="3"/>
+          </p:cNvCxnSpPr>
+          <p:nvPr/>
+        </p:nvCxnSpPr>
+        <p:spPr>
+          <a:xfrm flipH="1">
+            <a:off x="10176121" y="2905407"/>
+            <a:ext cx="487434" cy="0"/>
+          </a:xfrm>
+          <a:prstGeom prst="line">
+            <a:avLst/>
+          </a:prstGeom>
+          <a:ln w="38100">
+            <a:solidFill>
+              <a:schemeClr val="accent1">
+                <a:lumMod val="50000"/>
+              </a:schemeClr>
+            </a:solidFill>
+          </a:ln>
+        </p:spPr>
+        <p:style>
+          <a:lnRef idx="1">
+            <a:schemeClr val="accent1"/>
+          </a:lnRef>
+          <a:fillRef idx="0">
+            <a:schemeClr val="accent1"/>
+          </a:fillRef>
+          <a:effectRef idx="0">
+            <a:schemeClr val="accent1"/>
+          </a:effectRef>
+          <a:fontRef idx="minor">
+            <a:schemeClr val="tx1"/>
+          </a:fontRef>
+        </p:style>
+      </p:cxnSp>
+      <p:sp>
+        <p:nvSpPr>
+          <p:cNvPr id="83" name="사각형: 둥근 모서리 82">
+            <a:extLst>
+              <a:ext uri="{FF2B5EF4-FFF2-40B4-BE49-F238E27FC236}">
+                <a16:creationId xmlns:a16="http://schemas.microsoft.com/office/drawing/2014/main" id="{6D44B548-BE25-9C4B-3785-A83667AA9436}"/>
+              </a:ext>
+            </a:extLst>
+          </p:cNvPr>
+          <p:cNvSpPr/>
+          <p:nvPr/>
+        </p:nvSpPr>
+        <p:spPr>
+          <a:xfrm>
+            <a:off x="5045022" y="4472339"/>
+            <a:ext cx="1466993" cy="430654"/>
+          </a:xfrm>
+          <a:prstGeom prst="roundRect">
+            <a:avLst>
+              <a:gd name="adj" fmla="val 15623"/>
+            </a:avLst>
+          </a:prstGeom>
+          <a:solidFill>
+            <a:srgbClr val="7BAA3C"/>
+          </a:solidFill>
+        </p:spPr>
+        <p:style>
+          <a:lnRef idx="2">
+            <a:schemeClr val="accent1">
+              <a:shade val="50000"/>
+            </a:schemeClr>
+          </a:lnRef>
+          <a:fillRef idx="1">
+            <a:schemeClr val="accent1"/>
+          </a:fillRef>
+          <a:effectRef idx="0">
+            <a:schemeClr val="accent1"/>
+          </a:effectRef>
+          <a:fontRef idx="minor">
+            <a:schemeClr val="lt1"/>
+          </a:fontRef>
+        </p:style>
+        <p:txBody>
+          <a:bodyPr rtlCol="0" anchor="ctr"/>
+          <a:lstStyle/>
+          <a:p>
+            <a:pPr algn="ctr"/>
+            <a:r>
+              <a:rPr lang="en-US" altLang="ko-KR" b="1" dirty="0" err="1">
+                <a:effectLst>
+                  <a:outerShdw blurRad="38100" dist="38100" dir="2700000" algn="tl">
+                    <a:srgbClr val="000000">
+                      <a:alpha val="43137"/>
+                    </a:srgbClr>
+                  </a:outerShdw>
+                </a:effectLst>
+              </a:rPr>
+              <a:t>Hitory</a:t>
+            </a:r>
+            <a:endParaRPr lang="ko-KR" altLang="en-US" b="1" dirty="0">
+              <a:effectLst>
+                <a:outerShdw blurRad="38100" dist="38100" dir="2700000" algn="tl">
+                  <a:srgbClr val="000000">
+                    <a:alpha val="43137"/>
+                  </a:srgbClr>
+                </a:outerShdw>
+              </a:effectLst>
+            </a:endParaRPr>
+          </a:p>
+        </p:txBody>
+      </p:sp>
+      <p:sp>
+        <p:nvSpPr>
+          <p:cNvPr id="84" name="사각형: 둥근 모서리 83">
+            <a:extLst>
+              <a:ext uri="{FF2B5EF4-FFF2-40B4-BE49-F238E27FC236}">
+                <a16:creationId xmlns:a16="http://schemas.microsoft.com/office/drawing/2014/main" id="{C0025831-D734-64D4-D86C-1775BEEBCC07}"/>
+              </a:ext>
+            </a:extLst>
+          </p:cNvPr>
+          <p:cNvSpPr/>
+          <p:nvPr/>
+        </p:nvSpPr>
+        <p:spPr>
+          <a:xfrm>
+            <a:off x="2810716" y="4483146"/>
+            <a:ext cx="1466993" cy="430654"/>
+          </a:xfrm>
+          <a:prstGeom prst="roundRect">
+            <a:avLst>
+              <a:gd name="adj" fmla="val 15623"/>
+            </a:avLst>
+          </a:prstGeom>
+          <a:solidFill>
+            <a:srgbClr val="7BAA3C"/>
+          </a:solidFill>
+        </p:spPr>
+        <p:style>
+          <a:lnRef idx="2">
+            <a:schemeClr val="accent1">
+              <a:shade val="50000"/>
+            </a:schemeClr>
+          </a:lnRef>
+          <a:fillRef idx="1">
+            <a:schemeClr val="accent1"/>
+          </a:fillRef>
+          <a:effectRef idx="0">
+            <a:schemeClr val="accent1"/>
+          </a:effectRef>
+          <a:fontRef idx="minor">
+            <a:schemeClr val="lt1"/>
+          </a:fontRef>
+        </p:style>
+        <p:txBody>
+          <a:bodyPr rtlCol="0" anchor="ctr"/>
+          <a:lstStyle/>
+          <a:p>
+            <a:pPr algn="ctr"/>
+            <a:r>
+              <a:rPr lang="ko-KR" altLang="en-US" sz="2000" b="1" dirty="0">
+                <a:effectLst>
+                  <a:outerShdw blurRad="38100" dist="38100" dir="2700000" algn="tl">
+                    <a:srgbClr val="000000">
+                      <a:alpha val="43137"/>
+                    </a:srgbClr>
+                  </a:outerShdw>
+                </a:effectLst>
+              </a:rPr>
+              <a:t>편집</a:t>
+            </a:r>
+          </a:p>
+        </p:txBody>
+      </p:sp>
+      <p:sp>
+        <p:nvSpPr>
+          <p:cNvPr id="85" name="사각형: 둥근 모서리 84">
+            <a:extLst>
+              <a:ext uri="{FF2B5EF4-FFF2-40B4-BE49-F238E27FC236}">
+                <a16:creationId xmlns:a16="http://schemas.microsoft.com/office/drawing/2014/main" id="{1C5683FC-69A7-9A79-685E-759D3C84B0AC}"/>
+              </a:ext>
+            </a:extLst>
+          </p:cNvPr>
+          <p:cNvSpPr/>
+          <p:nvPr/>
+        </p:nvSpPr>
+        <p:spPr>
+          <a:xfrm>
+            <a:off x="5045021" y="5017036"/>
+            <a:ext cx="1466993" cy="430654"/>
+          </a:xfrm>
+          <a:prstGeom prst="roundRect">
+            <a:avLst>
+              <a:gd name="adj" fmla="val 15623"/>
+            </a:avLst>
+          </a:prstGeom>
+          <a:solidFill>
+            <a:srgbClr val="7BAA3C"/>
+          </a:solidFill>
+        </p:spPr>
+        <p:style>
+          <a:lnRef idx="2">
+            <a:schemeClr val="accent1">
+              <a:shade val="50000"/>
+            </a:schemeClr>
+          </a:lnRef>
+          <a:fillRef idx="1">
+            <a:schemeClr val="accent1"/>
+          </a:fillRef>
+          <a:effectRef idx="0">
+            <a:schemeClr val="accent1"/>
+          </a:effectRef>
+          <a:fontRef idx="minor">
+            <a:schemeClr val="lt1"/>
+          </a:fontRef>
+        </p:style>
+        <p:txBody>
+          <a:bodyPr rtlCol="0" anchor="ctr"/>
+          <a:lstStyle/>
+          <a:p>
+            <a:pPr algn="ctr"/>
+            <a:r>
+              <a:rPr lang="ko-KR" altLang="en-US" b="1" dirty="0">
+                <a:effectLst>
+                  <a:outerShdw blurRad="38100" dist="38100" dir="2700000" algn="tl">
+                    <a:srgbClr val="000000">
+                      <a:alpha val="43137"/>
+                    </a:srgbClr>
+                  </a:outerShdw>
+                </a:effectLst>
+              </a:rPr>
+              <a:t>이미지</a:t>
+            </a:r>
+          </a:p>
+        </p:txBody>
+      </p:sp>
+      <p:sp>
+        <p:nvSpPr>
+          <p:cNvPr id="86" name="사각형: 둥근 모서리 85">
+            <a:extLst>
+              <a:ext uri="{FF2B5EF4-FFF2-40B4-BE49-F238E27FC236}">
+                <a16:creationId xmlns:a16="http://schemas.microsoft.com/office/drawing/2014/main" id="{B7CE4157-8A30-0574-1CF7-8A195488CA0E}"/>
+              </a:ext>
+            </a:extLst>
+          </p:cNvPr>
+          <p:cNvSpPr/>
+          <p:nvPr/>
+        </p:nvSpPr>
+        <p:spPr>
+          <a:xfrm>
+            <a:off x="2809319" y="5537687"/>
+            <a:ext cx="1466993" cy="430654"/>
+          </a:xfrm>
+          <a:prstGeom prst="roundRect">
+            <a:avLst>
+              <a:gd name="adj" fmla="val 15623"/>
+            </a:avLst>
+          </a:prstGeom>
+          <a:solidFill>
+            <a:srgbClr val="7BAA3C"/>
+          </a:solidFill>
+        </p:spPr>
+        <p:style>
+          <a:lnRef idx="2">
+            <a:schemeClr val="accent1">
+              <a:shade val="50000"/>
+            </a:schemeClr>
+          </a:lnRef>
+          <a:fillRef idx="1">
+            <a:schemeClr val="accent1"/>
+          </a:fillRef>
+          <a:effectRef idx="0">
+            <a:schemeClr val="accent1"/>
+          </a:effectRef>
+          <a:fontRef idx="minor">
+            <a:schemeClr val="lt1"/>
+          </a:fontRef>
+        </p:style>
+        <p:txBody>
+          <a:bodyPr rtlCol="0" anchor="ctr"/>
+          <a:lstStyle/>
+          <a:p>
+            <a:pPr algn="ctr"/>
+            <a:r>
+              <a:rPr lang="ko-KR" altLang="en-US" sz="2000" b="1" dirty="0">
+                <a:effectLst>
+                  <a:outerShdw blurRad="38100" dist="38100" dir="2700000" algn="tl">
+                    <a:srgbClr val="000000">
+                      <a:alpha val="43137"/>
+                    </a:srgbClr>
+                  </a:outerShdw>
+                </a:effectLst>
+              </a:rPr>
+              <a:t>읽기 전용</a:t>
+            </a:r>
+          </a:p>
+        </p:txBody>
+      </p:sp>
+      <p:sp>
+        <p:nvSpPr>
+          <p:cNvPr id="87" name="사각형: 둥근 모서리 86">
+            <a:extLst>
+              <a:ext uri="{FF2B5EF4-FFF2-40B4-BE49-F238E27FC236}">
+                <a16:creationId xmlns:a16="http://schemas.microsoft.com/office/drawing/2014/main" id="{AE71B54C-799F-BC3F-FE08-3941A5A07754}"/>
+              </a:ext>
+            </a:extLst>
+          </p:cNvPr>
+          <p:cNvSpPr/>
+          <p:nvPr/>
+        </p:nvSpPr>
+        <p:spPr>
+          <a:xfrm>
+            <a:off x="5045023" y="5561733"/>
+            <a:ext cx="1466993" cy="430654"/>
+          </a:xfrm>
+          <a:prstGeom prst="roundRect">
+            <a:avLst>
+              <a:gd name="adj" fmla="val 15623"/>
+            </a:avLst>
+          </a:prstGeom>
+          <a:solidFill>
+            <a:srgbClr val="7BAA3C"/>
+          </a:solidFill>
+        </p:spPr>
+        <p:style>
+          <a:lnRef idx="2">
+            <a:schemeClr val="accent1">
+              <a:shade val="50000"/>
+            </a:schemeClr>
+          </a:lnRef>
+          <a:fillRef idx="1">
+            <a:schemeClr val="accent1"/>
+          </a:fillRef>
+          <a:effectRef idx="0">
+            <a:schemeClr val="accent1"/>
+          </a:effectRef>
+          <a:fontRef idx="minor">
+            <a:schemeClr val="lt1"/>
+          </a:fontRef>
+        </p:style>
+        <p:txBody>
+          <a:bodyPr rtlCol="0" anchor="ctr"/>
+          <a:lstStyle/>
+          <a:p>
+            <a:pPr algn="ctr"/>
+            <a:r>
+              <a:rPr lang="ko-KR" altLang="en-US" b="1">
+                <a:effectLst>
+                  <a:outerShdw blurRad="38100" dist="38100" dir="2700000" algn="tl">
+                    <a:srgbClr val="000000">
+                      <a:alpha val="43137"/>
+                    </a:srgbClr>
+                  </a:outerShdw>
+                </a:effectLst>
+              </a:rPr>
+              <a:t>동영상</a:t>
+            </a:r>
+            <a:endParaRPr lang="ko-KR" altLang="en-US" b="1" dirty="0">
+              <a:effectLst>
+                <a:outerShdw blurRad="38100" dist="38100" dir="2700000" algn="tl">
+                  <a:srgbClr val="000000">
+                    <a:alpha val="43137"/>
+                  </a:srgbClr>
+                </a:outerShdw>
+              </a:effectLst>
+            </a:endParaRPr>
+          </a:p>
+        </p:txBody>
+      </p:sp>
+      <p:cxnSp>
+        <p:nvCxnSpPr>
+          <p:cNvPr id="88" name="직선 연결선 87">
+            <a:extLst>
+              <a:ext uri="{FF2B5EF4-FFF2-40B4-BE49-F238E27FC236}">
+                <a16:creationId xmlns:a16="http://schemas.microsoft.com/office/drawing/2014/main" id="{CD8C5365-E6A7-B8F1-4BEB-53BC9D81AC3A}"/>
+              </a:ext>
+            </a:extLst>
+          </p:cNvPr>
+          <p:cNvCxnSpPr>
+            <a:cxnSpLocks/>
+          </p:cNvCxnSpPr>
+          <p:nvPr/>
+        </p:nvCxnSpPr>
+        <p:spPr>
+          <a:xfrm flipH="1">
+            <a:off x="2322909" y="4198972"/>
+            <a:ext cx="10700" cy="1579131"/>
+          </a:xfrm>
+          <a:prstGeom prst="line">
+            <a:avLst/>
+          </a:prstGeom>
+          <a:ln w="38100">
+            <a:solidFill>
+              <a:schemeClr val="accent1">
+                <a:lumMod val="50000"/>
+              </a:schemeClr>
+            </a:solidFill>
+          </a:ln>
+        </p:spPr>
+        <p:style>
+          <a:lnRef idx="1">
+            <a:schemeClr val="accent1"/>
+          </a:lnRef>
+          <a:fillRef idx="0">
+            <a:schemeClr val="accent1"/>
+          </a:fillRef>
+          <a:effectRef idx="0">
+            <a:schemeClr val="accent1"/>
+          </a:effectRef>
+          <a:fontRef idx="minor">
+            <a:schemeClr val="tx1"/>
+          </a:fontRef>
+        </p:style>
+      </p:cxnSp>
+      <p:cxnSp>
+        <p:nvCxnSpPr>
+          <p:cNvPr id="89" name="직선 연결선 88">
+            <a:extLst>
+              <a:ext uri="{FF2B5EF4-FFF2-40B4-BE49-F238E27FC236}">
+                <a16:creationId xmlns:a16="http://schemas.microsoft.com/office/drawing/2014/main" id="{E83D30C7-6EA6-3239-01DD-801DD656150F}"/>
+              </a:ext>
+            </a:extLst>
+          </p:cNvPr>
+          <p:cNvCxnSpPr>
+            <a:cxnSpLocks/>
+          </p:cNvCxnSpPr>
+          <p:nvPr/>
+        </p:nvCxnSpPr>
+        <p:spPr>
+          <a:xfrm flipH="1">
+            <a:off x="2316627" y="5761898"/>
+            <a:ext cx="492692" cy="0"/>
+          </a:xfrm>
+          <a:prstGeom prst="line">
+            <a:avLst/>
+          </a:prstGeom>
+          <a:ln w="38100">
+            <a:solidFill>
+              <a:schemeClr val="accent1">
+                <a:lumMod val="50000"/>
+              </a:schemeClr>
+            </a:solidFill>
+          </a:ln>
+        </p:spPr>
+        <p:style>
+          <a:lnRef idx="1">
+            <a:schemeClr val="accent1"/>
+          </a:lnRef>
+          <a:fillRef idx="0">
+            <a:schemeClr val="accent1"/>
+          </a:fillRef>
+          <a:effectRef idx="0">
+            <a:schemeClr val="accent1"/>
+          </a:effectRef>
+          <a:fontRef idx="minor">
+            <a:schemeClr val="tx1"/>
+          </a:fontRef>
+        </p:style>
+      </p:cxnSp>
+      <p:cxnSp>
+        <p:nvCxnSpPr>
+          <p:cNvPr id="90" name="직선 연결선 89">
+            <a:extLst>
+              <a:ext uri="{FF2B5EF4-FFF2-40B4-BE49-F238E27FC236}">
+                <a16:creationId xmlns:a16="http://schemas.microsoft.com/office/drawing/2014/main" id="{CEAFA3CF-A417-4712-D145-F3FA1C318956}"/>
+              </a:ext>
+            </a:extLst>
+          </p:cNvPr>
+          <p:cNvCxnSpPr>
+            <a:cxnSpLocks/>
+          </p:cNvCxnSpPr>
+          <p:nvPr/>
+        </p:nvCxnSpPr>
+        <p:spPr>
+          <a:xfrm flipH="1">
+            <a:off x="2316627" y="4683192"/>
+            <a:ext cx="492692" cy="0"/>
+          </a:xfrm>
+          <a:prstGeom prst="line">
+            <a:avLst/>
+          </a:prstGeom>
+          <a:ln w="38100">
+            <a:solidFill>
+              <a:schemeClr val="accent1">
+                <a:lumMod val="50000"/>
+              </a:schemeClr>
+            </a:solidFill>
+          </a:ln>
+        </p:spPr>
+        <p:style>
+          <a:lnRef idx="1">
+            <a:schemeClr val="accent1"/>
+          </a:lnRef>
+          <a:fillRef idx="0">
+            <a:schemeClr val="accent1"/>
+          </a:fillRef>
+          <a:effectRef idx="0">
+            <a:schemeClr val="accent1"/>
+          </a:effectRef>
+          <a:fontRef idx="minor">
+            <a:schemeClr val="tx1"/>
+          </a:fontRef>
+        </p:style>
+      </p:cxnSp>
+      <p:cxnSp>
+        <p:nvCxnSpPr>
+          <p:cNvPr id="91" name="직선 연결선 90">
+            <a:extLst>
+              <a:ext uri="{FF2B5EF4-FFF2-40B4-BE49-F238E27FC236}">
+                <a16:creationId xmlns:a16="http://schemas.microsoft.com/office/drawing/2014/main" id="{C9065F75-7D84-6FBD-D056-4331C2D64D19}"/>
+              </a:ext>
+            </a:extLst>
+          </p:cNvPr>
+          <p:cNvCxnSpPr>
+            <a:cxnSpLocks/>
+            <a:stCxn id="83" idx="1"/>
+          </p:cNvCxnSpPr>
+          <p:nvPr/>
+        </p:nvCxnSpPr>
+        <p:spPr>
+          <a:xfrm flipH="1" flipV="1">
+            <a:off x="4276312" y="4683192"/>
+            <a:ext cx="768710" cy="4474"/>
+          </a:xfrm>
+          <a:prstGeom prst="line">
+            <a:avLst/>
+          </a:prstGeom>
+          <a:ln w="38100">
+            <a:solidFill>
+              <a:schemeClr val="accent1">
+                <a:lumMod val="50000"/>
+              </a:schemeClr>
+            </a:solidFill>
+          </a:ln>
+        </p:spPr>
+        <p:style>
+          <a:lnRef idx="1">
+            <a:schemeClr val="accent1"/>
+          </a:lnRef>
+          <a:fillRef idx="0">
+            <a:schemeClr val="accent1"/>
+          </a:fillRef>
+          <a:effectRef idx="0">
+            <a:schemeClr val="accent1"/>
+          </a:effectRef>
+          <a:fontRef idx="minor">
+            <a:schemeClr val="tx1"/>
+          </a:fontRef>
+        </p:style>
+      </p:cxnSp>
+      <p:cxnSp>
+        <p:nvCxnSpPr>
+          <p:cNvPr id="92" name="직선 연결선 91">
+            <a:extLst>
+              <a:ext uri="{FF2B5EF4-FFF2-40B4-BE49-F238E27FC236}">
+                <a16:creationId xmlns:a16="http://schemas.microsoft.com/office/drawing/2014/main" id="{8F351BA0-BE67-24F8-E8BD-9419393F3426}"/>
+              </a:ext>
+            </a:extLst>
+          </p:cNvPr>
+          <p:cNvCxnSpPr>
+            <a:cxnSpLocks/>
+          </p:cNvCxnSpPr>
+          <p:nvPr/>
+        </p:nvCxnSpPr>
+        <p:spPr>
+          <a:xfrm flipH="1">
+            <a:off x="4652485" y="4683192"/>
+            <a:ext cx="12107" cy="1119914"/>
+          </a:xfrm>
+          <a:prstGeom prst="line">
+            <a:avLst/>
+          </a:prstGeom>
+          <a:ln w="38100">
+            <a:solidFill>
+              <a:schemeClr val="accent1">
+                <a:lumMod val="50000"/>
+              </a:schemeClr>
+            </a:solidFill>
+          </a:ln>
+        </p:spPr>
+        <p:style>
+          <a:lnRef idx="1">
+            <a:schemeClr val="accent1"/>
+          </a:lnRef>
+          <a:fillRef idx="0">
+            <a:schemeClr val="accent1"/>
+          </a:fillRef>
+          <a:effectRef idx="0">
+            <a:schemeClr val="accent1"/>
+          </a:effectRef>
+          <a:fontRef idx="minor">
+            <a:schemeClr val="tx1"/>
+          </a:fontRef>
+        </p:style>
+      </p:cxnSp>
+      <p:cxnSp>
+        <p:nvCxnSpPr>
+          <p:cNvPr id="93" name="직선 연결선 92">
+            <a:extLst>
+              <a:ext uri="{FF2B5EF4-FFF2-40B4-BE49-F238E27FC236}">
+                <a16:creationId xmlns:a16="http://schemas.microsoft.com/office/drawing/2014/main" id="{98920409-FD63-2C59-396F-854B96FBC3A1}"/>
+              </a:ext>
+            </a:extLst>
+          </p:cNvPr>
+          <p:cNvCxnSpPr>
+            <a:cxnSpLocks/>
+            <a:stCxn id="85" idx="1"/>
+          </p:cNvCxnSpPr>
+          <p:nvPr/>
+        </p:nvCxnSpPr>
+        <p:spPr>
+          <a:xfrm flipH="1">
+            <a:off x="4660667" y="5232363"/>
+            <a:ext cx="384354" cy="0"/>
+          </a:xfrm>
+          <a:prstGeom prst="line">
+            <a:avLst/>
+          </a:prstGeom>
+          <a:ln w="38100">
+            <a:solidFill>
+              <a:schemeClr val="accent1">
+                <a:lumMod val="50000"/>
+              </a:schemeClr>
+            </a:solidFill>
+          </a:ln>
+        </p:spPr>
+        <p:style>
+          <a:lnRef idx="1">
+            <a:schemeClr val="accent1"/>
+          </a:lnRef>
+          <a:fillRef idx="0">
+            <a:schemeClr val="accent1"/>
+          </a:fillRef>
+          <a:effectRef idx="0">
+            <a:schemeClr val="accent1"/>
+          </a:effectRef>
+          <a:fontRef idx="minor">
+            <a:schemeClr val="tx1"/>
+          </a:fontRef>
+        </p:style>
+      </p:cxnSp>
+      <p:cxnSp>
+        <p:nvCxnSpPr>
+          <p:cNvPr id="94" name="직선 연결선 93">
+            <a:extLst>
+              <a:ext uri="{FF2B5EF4-FFF2-40B4-BE49-F238E27FC236}">
+                <a16:creationId xmlns:a16="http://schemas.microsoft.com/office/drawing/2014/main" id="{12D799B1-BFA0-C2E5-DA13-AE9B793021E0}"/>
+              </a:ext>
+            </a:extLst>
+          </p:cNvPr>
+          <p:cNvCxnSpPr>
+            <a:cxnSpLocks/>
+          </p:cNvCxnSpPr>
+          <p:nvPr/>
+        </p:nvCxnSpPr>
+        <p:spPr>
+          <a:xfrm flipH="1">
+            <a:off x="4660667" y="5786003"/>
+            <a:ext cx="384354" cy="0"/>
+          </a:xfrm>
+          <a:prstGeom prst="line">
+            <a:avLst/>
+          </a:prstGeom>
+          <a:ln w="38100">
+            <a:solidFill>
+              <a:schemeClr val="accent1">
+                <a:lumMod val="50000"/>
+              </a:schemeClr>
+            </a:solidFill>
+          </a:ln>
+        </p:spPr>
+        <p:style>
+          <a:lnRef idx="1">
+            <a:schemeClr val="accent1"/>
+          </a:lnRef>
+          <a:fillRef idx="0">
+            <a:schemeClr val="accent1"/>
+          </a:fillRef>
+          <a:effectRef idx="0">
+            <a:schemeClr val="accent1"/>
+          </a:effectRef>
+          <a:fontRef idx="minor">
+            <a:schemeClr val="tx1"/>
+          </a:fontRef>
+        </p:style>
+      </p:cxnSp>
+    </p:spTree>
+    <p:extLst>
+      <p:ext uri="{BB962C8B-B14F-4D97-AF65-F5344CB8AC3E}">
+        <p14:creationId xmlns:p14="http://schemas.microsoft.com/office/powerpoint/2010/main" val="3622597973"/>
+      </p:ext>
+    </p:extLst>
+  </p:cSld>
+  <p:clrMapOvr>
+    <a:masterClrMapping/>
+  </p:clrMapOvr>
+  <p:transition spd="slow">
+    <p:push dir="u"/>
+  </p:transition>
+</p:sld>
+</file>
+
+<file path=ppt/slides/slide11.xml><?xml version="1.0" encoding="utf-8"?>
 <p:sld xmlns:a="http://schemas.openxmlformats.org/drawingml/2006/main" xmlns:r="http://schemas.openxmlformats.org/officeDocument/2006/relationships" xmlns:p="http://schemas.openxmlformats.org/presentationml/2006/main">
   <p:cSld>
     <p:bg>
@@ -5707,9 +8382,6 @@
           <a:prstGeom prst="rect">
             <a:avLst/>
           </a:prstGeom>
-          <a:solidFill>
-            <a:srgbClr val="5161CE"/>
-          </a:solidFill>
         </p:spPr>
         <p:style>
           <a:lnRef idx="2">
@@ -5882,7 +8554,7 @@
 </p:sld>
 </file>
 
-<file path=ppt/slides/slide11.xml><?xml version="1.0" encoding="utf-8"?>
+<file path=ppt/slides/slide12.xml><?xml version="1.0" encoding="utf-8"?>
 <p:sld xmlns:a="http://schemas.openxmlformats.org/drawingml/2006/main" xmlns:r="http://schemas.openxmlformats.org/officeDocument/2006/relationships" xmlns:p="http://schemas.openxmlformats.org/presentationml/2006/main">
   <p:cSld>
     <p:spTree>
@@ -5920,7 +8592,7 @@
             <a:avLst/>
           </a:prstGeom>
           <a:solidFill>
-            <a:srgbClr val="5161CE"/>
+            <a:schemeClr val="accent1"/>
           </a:solidFill>
         </p:spPr>
         <p:style>
@@ -6045,7 +8717,7 @@
             <a:noFill/>
             <a:ln w="28575" algn="ctr">
               <a:solidFill>
-                <a:srgbClr val="5161CE"/>
+                <a:schemeClr val="accent1"/>
               </a:solidFill>
               <a:round/>
               <a:headEnd/>
@@ -6088,7 +8760,7 @@
               </a:avLst>
             </a:prstGeom>
             <a:solidFill>
-              <a:srgbClr val="5161CE"/>
+              <a:srgbClr val="1D9A78"/>
             </a:solidFill>
           </p:spPr>
           <p:style>
@@ -6288,7 +8960,7 @@
             <a:noFill/>
             <a:ln w="28575" algn="ctr">
               <a:solidFill>
-                <a:srgbClr val="5161CE"/>
+                <a:schemeClr val="accent1"/>
               </a:solidFill>
               <a:round/>
               <a:headEnd/>
@@ -6331,7 +9003,7 @@
               </a:avLst>
             </a:prstGeom>
             <a:solidFill>
-              <a:srgbClr val="5161CE"/>
+              <a:srgbClr val="1D9A78"/>
             </a:solidFill>
           </p:spPr>
           <p:style>
@@ -6519,9 +9191,17 @@
 </p:sld>
 </file>
 
-<file path=ppt/slides/slide12.xml><?xml version="1.0" encoding="utf-8"?>
+<file path=ppt/slides/slide13.xml><?xml version="1.0" encoding="utf-8"?>
 <p:sld xmlns:a="http://schemas.openxmlformats.org/drawingml/2006/main" xmlns:r="http://schemas.openxmlformats.org/officeDocument/2006/relationships" xmlns:p="http://schemas.openxmlformats.org/presentationml/2006/main">
   <p:cSld>
+    <p:bg>
+      <p:bgPr>
+        <a:solidFill>
+          <a:schemeClr val="bg1"/>
+        </a:solidFill>
+        <a:effectLst/>
+      </p:bgPr>
+    </p:bg>
     <p:spTree>
       <p:nvGrpSpPr>
         <p:cNvPr id="1" name=""/>
@@ -6536,6 +9216,457 @@
           <a:chExt cx="0" cy="0"/>
         </a:xfrm>
       </p:grpSpPr>
+      <p:sp useBgFill="1">
+        <p:nvSpPr>
+          <p:cNvPr id="9" name="Rectangle 8">
+            <a:extLst>
+              <a:ext uri="{FF2B5EF4-FFF2-40B4-BE49-F238E27FC236}">
+                <a16:creationId xmlns:a16="http://schemas.microsoft.com/office/drawing/2014/main" id="{FFD48BC7-DC40-47DE-87EE-9F4B6ECB9ABB}"/>
+              </a:ext>
+              <a:ext uri="{C183D7F6-B498-43B3-948B-1728B52AA6E4}">
+                <adec:decorative xmlns:adec="http://schemas.microsoft.com/office/drawing/2017/decorative" val="1"/>
+              </a:ext>
+            </a:extLst>
+          </p:cNvPr>
+          <p:cNvSpPr>
+            <a:spLocks noGrp="1" noRot="1" noChangeAspect="1" noMove="1" noResize="1" noEditPoints="1" noAdjustHandles="1" noChangeArrowheads="1" noChangeShapeType="1" noTextEdit="1"/>
+          </p:cNvSpPr>
+          <p:nvPr>
+            <p:extLst>
+              <p:ext uri="{386F3935-93C4-4BCD-93E2-E3B085C9AB24}">
+                <p16:designElem xmlns:p16="http://schemas.microsoft.com/office/powerpoint/2015/main" val="1"/>
+              </p:ext>
+            </p:extLst>
+          </p:nvPr>
+        </p:nvSpPr>
+        <p:spPr>
+          <a:xfrm>
+            <a:off x="0" y="0"/>
+            <a:ext cx="12192000" cy="6858000"/>
+          </a:xfrm>
+          <a:prstGeom prst="rect">
+            <a:avLst/>
+          </a:prstGeom>
+          <a:ln>
+            <a:noFill/>
+          </a:ln>
+        </p:spPr>
+        <p:style>
+          <a:lnRef idx="2">
+            <a:schemeClr val="accent1">
+              <a:shade val="50000"/>
+            </a:schemeClr>
+          </a:lnRef>
+          <a:fillRef idx="1">
+            <a:schemeClr val="accent1"/>
+          </a:fillRef>
+          <a:effectRef idx="0">
+            <a:schemeClr val="accent1"/>
+          </a:effectRef>
+          <a:fontRef idx="minor">
+            <a:schemeClr val="lt1"/>
+          </a:fontRef>
+        </p:style>
+        <p:txBody>
+          <a:bodyPr rtlCol="0" anchor="ctr"/>
+          <a:lstStyle/>
+          <a:p>
+            <a:pPr algn="ctr"/>
+            <a:endParaRPr lang="en-US"/>
+          </a:p>
+        </p:txBody>
+      </p:sp>
+      <p:sp useBgFill="1">
+        <p:nvSpPr>
+          <p:cNvPr id="11" name="Freeform: Shape 10">
+            <a:extLst>
+              <a:ext uri="{FF2B5EF4-FFF2-40B4-BE49-F238E27FC236}">
+                <a16:creationId xmlns:a16="http://schemas.microsoft.com/office/drawing/2014/main" id="{E502BBC7-2C76-46F3-BC24-5985BC13DB88}"/>
+              </a:ext>
+              <a:ext uri="{C183D7F6-B498-43B3-948B-1728B52AA6E4}">
+                <adec:decorative xmlns:adec="http://schemas.microsoft.com/office/drawing/2017/decorative" val="1"/>
+              </a:ext>
+            </a:extLst>
+          </p:cNvPr>
+          <p:cNvSpPr>
+            <a:spLocks noGrp="1" noRot="1" noChangeAspect="1" noMove="1" noResize="1" noEditPoints="1" noAdjustHandles="1" noChangeArrowheads="1" noChangeShapeType="1" noTextEdit="1"/>
+          </p:cNvSpPr>
+          <p:nvPr>
+            <p:extLst>
+              <p:ext uri="{386F3935-93C4-4BCD-93E2-E3B085C9AB24}">
+                <p16:designElem xmlns:p16="http://schemas.microsoft.com/office/powerpoint/2015/main" val="1"/>
+              </p:ext>
+            </p:extLst>
+          </p:nvPr>
+        </p:nvSpPr>
+        <p:spPr>
+          <a:xfrm>
+            <a:off x="1114425" y="0"/>
+            <a:ext cx="9963150" cy="6858000"/>
+          </a:xfrm>
+          <a:custGeom>
+            <a:avLst/>
+            <a:gdLst>
+              <a:gd name="connsiteX0" fmla="*/ 1595771 w 9963150"/>
+              <a:gd name="connsiteY0" fmla="*/ 0 h 6858000"/>
+              <a:gd name="connsiteX1" fmla="*/ 8367379 w 9963150"/>
+              <a:gd name="connsiteY1" fmla="*/ 0 h 6858000"/>
+              <a:gd name="connsiteX2" fmla="*/ 8504080 w 9963150"/>
+              <a:gd name="connsiteY2" fmla="*/ 130333 h 6858000"/>
+              <a:gd name="connsiteX3" fmla="*/ 9963150 w 9963150"/>
+              <a:gd name="connsiteY3" fmla="*/ 3652838 h 6858000"/>
+              <a:gd name="connsiteX4" fmla="*/ 8825600 w 9963150"/>
+              <a:gd name="connsiteY4" fmla="*/ 6821583 h 6858000"/>
+              <a:gd name="connsiteX5" fmla="*/ 8794055 w 9963150"/>
+              <a:gd name="connsiteY5" fmla="*/ 6858000 h 6858000"/>
+              <a:gd name="connsiteX6" fmla="*/ 1169096 w 9963150"/>
+              <a:gd name="connsiteY6" fmla="*/ 6858000 h 6858000"/>
+              <a:gd name="connsiteX7" fmla="*/ 1137550 w 9963150"/>
+              <a:gd name="connsiteY7" fmla="*/ 6821583 h 6858000"/>
+              <a:gd name="connsiteX8" fmla="*/ 0 w 9963150"/>
+              <a:gd name="connsiteY8" fmla="*/ 3652838 h 6858000"/>
+              <a:gd name="connsiteX9" fmla="*/ 1459070 w 9963150"/>
+              <a:gd name="connsiteY9" fmla="*/ 130333 h 6858000"/>
+            </a:gdLst>
+            <a:ahLst/>
+            <a:cxnLst>
+              <a:cxn ang="0">
+                <a:pos x="connsiteX0" y="connsiteY0"/>
+              </a:cxn>
+              <a:cxn ang="0">
+                <a:pos x="connsiteX1" y="connsiteY1"/>
+              </a:cxn>
+              <a:cxn ang="0">
+                <a:pos x="connsiteX2" y="connsiteY2"/>
+              </a:cxn>
+              <a:cxn ang="0">
+                <a:pos x="connsiteX3" y="connsiteY3"/>
+              </a:cxn>
+              <a:cxn ang="0">
+                <a:pos x="connsiteX4" y="connsiteY4"/>
+              </a:cxn>
+              <a:cxn ang="0">
+                <a:pos x="connsiteX5" y="connsiteY5"/>
+              </a:cxn>
+              <a:cxn ang="0">
+                <a:pos x="connsiteX6" y="connsiteY6"/>
+              </a:cxn>
+              <a:cxn ang="0">
+                <a:pos x="connsiteX7" y="connsiteY7"/>
+              </a:cxn>
+              <a:cxn ang="0">
+                <a:pos x="connsiteX8" y="connsiteY8"/>
+              </a:cxn>
+              <a:cxn ang="0">
+                <a:pos x="connsiteX9" y="connsiteY9"/>
+              </a:cxn>
+            </a:cxnLst>
+            <a:rect l="l" t="t" r="r" b="b"/>
+            <a:pathLst>
+              <a:path w="9963150" h="6858000">
+                <a:moveTo>
+                  <a:pt x="1595771" y="0"/>
+                </a:moveTo>
+                <a:lnTo>
+                  <a:pt x="8367379" y="0"/>
+                </a:lnTo>
+                <a:lnTo>
+                  <a:pt x="8504080" y="130333"/>
+                </a:lnTo>
+                <a:cubicBezTo>
+                  <a:pt x="9405568" y="1031820"/>
+                  <a:pt x="9963150" y="2277214"/>
+                  <a:pt x="9963150" y="3652838"/>
+                </a:cubicBezTo>
+                <a:cubicBezTo>
+                  <a:pt x="9963150" y="4856509"/>
+                  <a:pt x="9536251" y="5960473"/>
+                  <a:pt x="8825600" y="6821583"/>
+                </a:cubicBezTo>
+                <a:lnTo>
+                  <a:pt x="8794055" y="6858000"/>
+                </a:lnTo>
+                <a:lnTo>
+                  <a:pt x="1169096" y="6858000"/>
+                </a:lnTo>
+                <a:lnTo>
+                  <a:pt x="1137550" y="6821583"/>
+                </a:lnTo>
+                <a:cubicBezTo>
+                  <a:pt x="426899" y="5960473"/>
+                  <a:pt x="0" y="4856509"/>
+                  <a:pt x="0" y="3652838"/>
+                </a:cubicBezTo>
+                <a:cubicBezTo>
+                  <a:pt x="0" y="2277214"/>
+                  <a:pt x="557582" y="1031820"/>
+                  <a:pt x="1459070" y="130333"/>
+                </a:cubicBezTo>
+                <a:close/>
+              </a:path>
+            </a:pathLst>
+          </a:custGeom>
+          <a:ln w="9525">
+            <a:solidFill>
+              <a:srgbClr val="EFEFEF"/>
+            </a:solidFill>
+          </a:ln>
+          <a:effectLst>
+            <a:outerShdw blurRad="139700" sx="102000" sy="102000" algn="ctr" rotWithShape="0">
+              <a:schemeClr val="bg1">
+                <a:lumMod val="85000"/>
+                <a:alpha val="38000"/>
+              </a:schemeClr>
+            </a:outerShdw>
+          </a:effectLst>
+        </p:spPr>
+        <p:style>
+          <a:lnRef idx="2">
+            <a:schemeClr val="accent1">
+              <a:shade val="50000"/>
+            </a:schemeClr>
+          </a:lnRef>
+          <a:fillRef idx="1">
+            <a:schemeClr val="accent1"/>
+          </a:fillRef>
+          <a:effectRef idx="0">
+            <a:schemeClr val="accent1"/>
+          </a:effectRef>
+          <a:fontRef idx="minor">
+            <a:schemeClr val="lt1"/>
+          </a:fontRef>
+        </p:style>
+        <p:txBody>
+          <a:bodyPr wrap="square" rtlCol="0" anchor="ctr">
+            <a:noAutofit/>
+          </a:bodyPr>
+          <a:lstStyle/>
+          <a:p>
+            <a:pPr marL="0" marR="0" lvl="0" indent="0" algn="ctr" defTabSz="914400" rtl="0" eaLnBrk="1" fontAlgn="auto" latinLnBrk="0" hangingPunct="1">
+              <a:lnSpc>
+                <a:spcPct val="100000"/>
+              </a:lnSpc>
+              <a:spcBef>
+                <a:spcPts val="0"/>
+              </a:spcBef>
+              <a:spcAft>
+                <a:spcPts val="0"/>
+              </a:spcAft>
+              <a:buClrTx/>
+              <a:buSzTx/>
+              <a:buFontTx/>
+              <a:buNone/>
+              <a:tabLst/>
+              <a:defRPr/>
+            </a:pPr>
+            <a:endParaRPr kumimoji="0" lang="en-US" sz="1800" b="0" i="0" u="none" strike="noStrike" kern="1200" cap="none" spc="0" normalizeH="0" baseline="0" noProof="0">
+              <a:ln>
+                <a:noFill/>
+              </a:ln>
+              <a:solidFill>
+                <a:prstClr val="white"/>
+              </a:solidFill>
+              <a:effectLst/>
+              <a:uLnTx/>
+              <a:uFillTx/>
+              <a:latin typeface="Calibri" panose="020F0502020204030204"/>
+              <a:ea typeface="+mn-ea"/>
+              <a:cs typeface="+mn-cs"/>
+            </a:endParaRPr>
+          </a:p>
+        </p:txBody>
+      </p:sp>
+      <p:sp useBgFill="1">
+        <p:nvSpPr>
+          <p:cNvPr id="13" name="Freeform: Shape 12">
+            <a:extLst>
+              <a:ext uri="{FF2B5EF4-FFF2-40B4-BE49-F238E27FC236}">
+                <a16:creationId xmlns:a16="http://schemas.microsoft.com/office/drawing/2014/main" id="{C7F28D52-2A5F-4D23-81AE-7CB8B591C7AF}"/>
+              </a:ext>
+              <a:ext uri="{C183D7F6-B498-43B3-948B-1728B52AA6E4}">
+                <adec:decorative xmlns:adec="http://schemas.microsoft.com/office/drawing/2017/decorative" val="1"/>
+              </a:ext>
+            </a:extLst>
+          </p:cNvPr>
+          <p:cNvSpPr>
+            <a:spLocks noGrp="1" noRot="1" noChangeAspect="1" noMove="1" noResize="1" noEditPoints="1" noAdjustHandles="1" noChangeArrowheads="1" noChangeShapeType="1" noTextEdit="1"/>
+          </p:cNvSpPr>
+          <p:nvPr>
+            <p:extLst>
+              <p:ext uri="{386F3935-93C4-4BCD-93E2-E3B085C9AB24}">
+                <p16:designElem xmlns:p16="http://schemas.microsoft.com/office/powerpoint/2015/main" val="1"/>
+              </p:ext>
+            </p:extLst>
+          </p:nvPr>
+        </p:nvSpPr>
+        <p:spPr>
+          <a:xfrm>
+            <a:off x="1121664" y="0"/>
+            <a:ext cx="9948672" cy="6858000"/>
+          </a:xfrm>
+          <a:custGeom>
+            <a:avLst/>
+            <a:gdLst>
+              <a:gd name="connsiteX0" fmla="*/ 1595771 w 9963150"/>
+              <a:gd name="connsiteY0" fmla="*/ 0 h 6858000"/>
+              <a:gd name="connsiteX1" fmla="*/ 8367379 w 9963150"/>
+              <a:gd name="connsiteY1" fmla="*/ 0 h 6858000"/>
+              <a:gd name="connsiteX2" fmla="*/ 8504080 w 9963150"/>
+              <a:gd name="connsiteY2" fmla="*/ 130333 h 6858000"/>
+              <a:gd name="connsiteX3" fmla="*/ 9963150 w 9963150"/>
+              <a:gd name="connsiteY3" fmla="*/ 3652838 h 6858000"/>
+              <a:gd name="connsiteX4" fmla="*/ 8825600 w 9963150"/>
+              <a:gd name="connsiteY4" fmla="*/ 6821583 h 6858000"/>
+              <a:gd name="connsiteX5" fmla="*/ 8794055 w 9963150"/>
+              <a:gd name="connsiteY5" fmla="*/ 6858000 h 6858000"/>
+              <a:gd name="connsiteX6" fmla="*/ 1169096 w 9963150"/>
+              <a:gd name="connsiteY6" fmla="*/ 6858000 h 6858000"/>
+              <a:gd name="connsiteX7" fmla="*/ 1137550 w 9963150"/>
+              <a:gd name="connsiteY7" fmla="*/ 6821583 h 6858000"/>
+              <a:gd name="connsiteX8" fmla="*/ 0 w 9963150"/>
+              <a:gd name="connsiteY8" fmla="*/ 3652838 h 6858000"/>
+              <a:gd name="connsiteX9" fmla="*/ 1459070 w 9963150"/>
+              <a:gd name="connsiteY9" fmla="*/ 130333 h 6858000"/>
+            </a:gdLst>
+            <a:ahLst/>
+            <a:cxnLst>
+              <a:cxn ang="0">
+                <a:pos x="connsiteX0" y="connsiteY0"/>
+              </a:cxn>
+              <a:cxn ang="0">
+                <a:pos x="connsiteX1" y="connsiteY1"/>
+              </a:cxn>
+              <a:cxn ang="0">
+                <a:pos x="connsiteX2" y="connsiteY2"/>
+              </a:cxn>
+              <a:cxn ang="0">
+                <a:pos x="connsiteX3" y="connsiteY3"/>
+              </a:cxn>
+              <a:cxn ang="0">
+                <a:pos x="connsiteX4" y="connsiteY4"/>
+              </a:cxn>
+              <a:cxn ang="0">
+                <a:pos x="connsiteX5" y="connsiteY5"/>
+              </a:cxn>
+              <a:cxn ang="0">
+                <a:pos x="connsiteX6" y="connsiteY6"/>
+              </a:cxn>
+              <a:cxn ang="0">
+                <a:pos x="connsiteX7" y="connsiteY7"/>
+              </a:cxn>
+              <a:cxn ang="0">
+                <a:pos x="connsiteX8" y="connsiteY8"/>
+              </a:cxn>
+              <a:cxn ang="0">
+                <a:pos x="connsiteX9" y="connsiteY9"/>
+              </a:cxn>
+            </a:cxnLst>
+            <a:rect l="l" t="t" r="r" b="b"/>
+            <a:pathLst>
+              <a:path w="9963150" h="6858000">
+                <a:moveTo>
+                  <a:pt x="1595771" y="0"/>
+                </a:moveTo>
+                <a:lnTo>
+                  <a:pt x="8367379" y="0"/>
+                </a:lnTo>
+                <a:lnTo>
+                  <a:pt x="8504080" y="130333"/>
+                </a:lnTo>
+                <a:cubicBezTo>
+                  <a:pt x="9405568" y="1031820"/>
+                  <a:pt x="9963150" y="2277214"/>
+                  <a:pt x="9963150" y="3652838"/>
+                </a:cubicBezTo>
+                <a:cubicBezTo>
+                  <a:pt x="9963150" y="4856509"/>
+                  <a:pt x="9536251" y="5960473"/>
+                  <a:pt x="8825600" y="6821583"/>
+                </a:cubicBezTo>
+                <a:lnTo>
+                  <a:pt x="8794055" y="6858000"/>
+                </a:lnTo>
+                <a:lnTo>
+                  <a:pt x="1169096" y="6858000"/>
+                </a:lnTo>
+                <a:lnTo>
+                  <a:pt x="1137550" y="6821583"/>
+                </a:lnTo>
+                <a:cubicBezTo>
+                  <a:pt x="426899" y="5960473"/>
+                  <a:pt x="0" y="4856509"/>
+                  <a:pt x="0" y="3652838"/>
+                </a:cubicBezTo>
+                <a:cubicBezTo>
+                  <a:pt x="0" y="2277214"/>
+                  <a:pt x="557582" y="1031820"/>
+                  <a:pt x="1459070" y="130333"/>
+                </a:cubicBezTo>
+                <a:close/>
+              </a:path>
+            </a:pathLst>
+          </a:custGeom>
+          <a:ln w="9525">
+            <a:noFill/>
+          </a:ln>
+          <a:effectLst/>
+        </p:spPr>
+        <p:style>
+          <a:lnRef idx="2">
+            <a:schemeClr val="accent1">
+              <a:shade val="50000"/>
+            </a:schemeClr>
+          </a:lnRef>
+          <a:fillRef idx="1">
+            <a:schemeClr val="accent1"/>
+          </a:fillRef>
+          <a:effectRef idx="0">
+            <a:schemeClr val="accent1"/>
+          </a:effectRef>
+          <a:fontRef idx="minor">
+            <a:schemeClr val="lt1"/>
+          </a:fontRef>
+        </p:style>
+        <p:txBody>
+          <a:bodyPr wrap="square" rtlCol="0" anchor="ctr">
+            <a:noAutofit/>
+          </a:bodyPr>
+          <a:lstStyle/>
+          <a:p>
+            <a:pPr marL="0" marR="0" lvl="0" indent="0" algn="ctr" defTabSz="914400" rtl="0" eaLnBrk="1" fontAlgn="auto" latinLnBrk="0" hangingPunct="1">
+              <a:lnSpc>
+                <a:spcPct val="100000"/>
+              </a:lnSpc>
+              <a:spcBef>
+                <a:spcPts val="0"/>
+              </a:spcBef>
+              <a:spcAft>
+                <a:spcPts val="0"/>
+              </a:spcAft>
+              <a:buClrTx/>
+              <a:buSzTx/>
+              <a:buFontTx/>
+              <a:buNone/>
+              <a:tabLst/>
+              <a:defRPr/>
+            </a:pPr>
+            <a:endParaRPr kumimoji="0" lang="en-US" sz="1800" b="0" i="0" u="none" strike="noStrike" kern="1200" cap="none" spc="0" normalizeH="0" baseline="0" noProof="0">
+              <a:ln>
+                <a:noFill/>
+              </a:ln>
+              <a:solidFill>
+                <a:prstClr val="white"/>
+              </a:solidFill>
+              <a:effectLst/>
+              <a:uLnTx/>
+              <a:uFillTx/>
+              <a:latin typeface="Calibri" panose="020F0502020204030204"/>
+              <a:ea typeface="+mn-ea"/>
+              <a:cs typeface="+mn-cs"/>
+            </a:endParaRPr>
+          </a:p>
+        </p:txBody>
+      </p:sp>
       <p:sp>
         <p:nvSpPr>
           <p:cNvPr id="4" name="직사각형 3">
@@ -6556,9 +9687,6 @@
           <a:prstGeom prst="rect">
             <a:avLst/>
           </a:prstGeom>
-          <a:solidFill>
-            <a:srgbClr val="5161CE"/>
-          </a:solidFill>
         </p:spPr>
         <p:style>
           <a:lnRef idx="2">
@@ -6594,7 +9722,7 @@
               </a:spcAft>
             </a:pPr>
             <a:r>
-              <a:rPr lang="ko-KR" altLang="en-US" sz="7200" b="1" kern="1200" dirty="0">
+              <a:rPr lang="ko-KR" altLang="en-US" sz="7200" b="1" kern="1200">
                 <a:solidFill>
                   <a:schemeClr val="bg1"/>
                 </a:solidFill>
@@ -6614,10 +9742,102 @@
           </a:p>
         </p:txBody>
       </p:sp>
+      <p:sp>
+        <p:nvSpPr>
+          <p:cNvPr id="15" name="Rectangle 14">
+            <a:extLst>
+              <a:ext uri="{FF2B5EF4-FFF2-40B4-BE49-F238E27FC236}">
+                <a16:creationId xmlns:a16="http://schemas.microsoft.com/office/drawing/2014/main" id="{3629484E-3792-4B3D-89AD-7C8A1ED0E0D4}"/>
+              </a:ext>
+              <a:ext uri="{C183D7F6-B498-43B3-948B-1728B52AA6E4}">
+                <adec:decorative xmlns:adec="http://schemas.microsoft.com/office/drawing/2017/decorative" val="1"/>
+              </a:ext>
+            </a:extLst>
+          </p:cNvPr>
+          <p:cNvSpPr>
+            <a:spLocks noGrp="1" noRot="1" noChangeAspect="1" noMove="1" noResize="1" noEditPoints="1" noAdjustHandles="1" noChangeArrowheads="1" noChangeShapeType="1" noTextEdit="1"/>
+          </p:cNvSpPr>
+          <p:nvPr>
+            <p:extLst>
+              <p:ext uri="{386F3935-93C4-4BCD-93E2-E3B085C9AB24}">
+                <p16:designElem xmlns:p16="http://schemas.microsoft.com/office/powerpoint/2015/main" val="1"/>
+              </p:ext>
+            </p:extLst>
+          </p:nvPr>
+        </p:nvSpPr>
+        <p:spPr>
+          <a:xfrm>
+            <a:off x="3718560" y="5524786"/>
+            <a:ext cx="4754880" cy="27432"/>
+          </a:xfrm>
+          <a:prstGeom prst="rect">
+            <a:avLst/>
+          </a:prstGeom>
+          <a:solidFill>
+            <a:schemeClr val="accent2"/>
+          </a:solidFill>
+          <a:ln>
+            <a:noFill/>
+          </a:ln>
+        </p:spPr>
+        <p:style>
+          <a:lnRef idx="2">
+            <a:schemeClr val="accent1">
+              <a:shade val="50000"/>
+            </a:schemeClr>
+          </a:lnRef>
+          <a:fillRef idx="1">
+            <a:schemeClr val="accent1"/>
+          </a:fillRef>
+          <a:effectRef idx="0">
+            <a:schemeClr val="accent1"/>
+          </a:effectRef>
+          <a:fontRef idx="minor">
+            <a:schemeClr val="lt1"/>
+          </a:fontRef>
+        </p:style>
+        <p:txBody>
+          <a:bodyPr rtlCol="0" anchor="ctr"/>
+          <a:lstStyle/>
+          <a:p>
+            <a:pPr marL="0" marR="0" lvl="0" indent="0" algn="ctr" defTabSz="914400" rtl="0" eaLnBrk="1" fontAlgn="auto" latinLnBrk="0" hangingPunct="1">
+              <a:lnSpc>
+                <a:spcPct val="100000"/>
+              </a:lnSpc>
+              <a:spcBef>
+                <a:spcPts val="0"/>
+              </a:spcBef>
+              <a:spcAft>
+                <a:spcPts val="0"/>
+              </a:spcAft>
+              <a:buClrTx/>
+              <a:buSzTx/>
+              <a:buFontTx/>
+              <a:buNone/>
+              <a:tabLst/>
+              <a:defRPr/>
+            </a:pPr>
+            <a:endParaRPr kumimoji="0" lang="en-US" sz="1800" b="0" i="0" u="none" strike="noStrike" kern="1200" cap="none" spc="0" normalizeH="0" baseline="0" noProof="0">
+              <a:ln>
+                <a:noFill/>
+              </a:ln>
+              <a:solidFill>
+                <a:prstClr val="white"/>
+              </a:solidFill>
+              <a:effectLst/>
+              <a:uLnTx/>
+              <a:uFillTx/>
+              <a:latin typeface="Calibri" panose="020F0502020204030204"/>
+              <a:ea typeface="+mn-ea"/>
+              <a:cs typeface="+mn-cs"/>
+            </a:endParaRPr>
+          </a:p>
+        </p:txBody>
+      </p:sp>
     </p:spTree>
     <p:extLst>
       <p:ext uri="{BB962C8B-B14F-4D97-AF65-F5344CB8AC3E}">
-        <p14:creationId xmlns:p14="http://schemas.microsoft.com/office/powerpoint/2010/main" val="2809456441"/>
+        <p14:creationId xmlns:p14="http://schemas.microsoft.com/office/powerpoint/2010/main" val="2075936973"/>
       </p:ext>
     </p:extLst>
   </p:cSld>
@@ -6636,164 +9856,6 @@
       </p:transition>
     </mc:Fallback>
   </mc:AlternateContent>
-</p:sld>
-</file>
-
-<file path=ppt/slides/slide13.xml><?xml version="1.0" encoding="utf-8"?>
-<p:sld xmlns:a="http://schemas.openxmlformats.org/drawingml/2006/main" xmlns:r="http://schemas.openxmlformats.org/officeDocument/2006/relationships" xmlns:p="http://schemas.openxmlformats.org/presentationml/2006/main">
-  <p:cSld>
-    <p:spTree>
-      <p:nvGrpSpPr>
-        <p:cNvPr id="1" name=""/>
-        <p:cNvGrpSpPr/>
-        <p:nvPr/>
-      </p:nvGrpSpPr>
-      <p:grpSpPr>
-        <a:xfrm>
-          <a:off x="0" y="0"/>
-          <a:ext cx="0" cy="0"/>
-          <a:chOff x="0" y="0"/>
-          <a:chExt cx="0" cy="0"/>
-        </a:xfrm>
-      </p:grpSpPr>
-      <p:graphicFrame>
-        <p:nvGraphicFramePr>
-          <p:cNvPr id="98" name="차트 97">
-            <a:extLst>
-              <a:ext uri="{FF2B5EF4-FFF2-40B4-BE49-F238E27FC236}">
-                <a16:creationId xmlns:a16="http://schemas.microsoft.com/office/drawing/2014/main" id="{304640FD-C803-9AC0-17C4-84CD70B54CE9}"/>
-              </a:ext>
-            </a:extLst>
-          </p:cNvPr>
-          <p:cNvGraphicFramePr/>
-          <p:nvPr>
-            <p:extLst>
-              <p:ext uri="{D42A27DB-BD31-4B8C-83A1-F6EECF244321}">
-                <p14:modId xmlns:p14="http://schemas.microsoft.com/office/powerpoint/2010/main" val="824032288"/>
-              </p:ext>
-            </p:extLst>
-          </p:nvPr>
-        </p:nvGraphicFramePr>
-        <p:xfrm>
-          <a:off x="2031999" y="719666"/>
-          <a:ext cx="9913983" cy="5418667"/>
-        </p:xfrm>
-        <a:graphic>
-          <a:graphicData uri="http://schemas.openxmlformats.org/drawingml/2006/chart">
-            <c:chart xmlns:c="http://schemas.openxmlformats.org/drawingml/2006/chart" xmlns:r="http://schemas.openxmlformats.org/officeDocument/2006/relationships" r:id="rId2"/>
-          </a:graphicData>
-        </a:graphic>
-      </p:graphicFrame>
-    </p:spTree>
-    <p:extLst>
-      <p:ext uri="{BB962C8B-B14F-4D97-AF65-F5344CB8AC3E}">
-        <p14:creationId xmlns:p14="http://schemas.microsoft.com/office/powerpoint/2010/main" val="2817295418"/>
-      </p:ext>
-    </p:extLst>
-  </p:cSld>
-  <p:clrMapOvr>
-    <a:masterClrMapping/>
-  </p:clrMapOvr>
-  <mc:AlternateContent xmlns:mc="http://schemas.openxmlformats.org/markup-compatibility/2006" xmlns:p159="http://schemas.microsoft.com/office/powerpoint/2015/09/main">
-    <mc:Choice Requires="p159">
-      <p:transition xmlns:p14="http://schemas.microsoft.com/office/powerpoint/2010/main" spd="slow" p14:dur="2000">
-        <p159:morph option="byObject"/>
-      </p:transition>
-    </mc:Choice>
-    <mc:Fallback xmlns="">
-      <p:transition spd="slow">
-        <p:fade/>
-      </p:transition>
-    </mc:Fallback>
-  </mc:AlternateContent>
-  <p:timing>
-    <p:tnLst>
-      <p:par>
-        <p:cTn id="1" dur="indefinite" restart="never" nodeType="tmRoot">
-          <p:childTnLst>
-            <p:seq concurrent="1" nextAc="seek">
-              <p:cTn id="2" dur="indefinite" nodeType="mainSeq">
-                <p:childTnLst>
-                  <p:par>
-                    <p:cTn id="3" fill="hold">
-                      <p:stCondLst>
-                        <p:cond delay="indefinite"/>
-                      </p:stCondLst>
-                      <p:childTnLst>
-                        <p:par>
-                          <p:cTn id="4" fill="hold">
-                            <p:stCondLst>
-                              <p:cond delay="0"/>
-                            </p:stCondLst>
-                            <p:childTnLst>
-                              <p:par>
-                                <p:cTn id="5" presetID="10" presetClass="entr" presetSubtype="0" fill="hold" grpId="0" nodeType="clickEffect">
-                                  <p:stCondLst>
-                                    <p:cond delay="0"/>
-                                  </p:stCondLst>
-                                  <p:childTnLst>
-                                    <p:set>
-                                      <p:cBhvr>
-                                        <p:cTn id="6" dur="1" fill="hold">
-                                          <p:stCondLst>
-                                            <p:cond delay="0"/>
-                                          </p:stCondLst>
-                                        </p:cTn>
-                                        <p:tgtEl>
-                                          <p:spTgt spid="98"/>
-                                        </p:tgtEl>
-                                        <p:attrNameLst>
-                                          <p:attrName>style.visibility</p:attrName>
-                                        </p:attrNameLst>
-                                      </p:cBhvr>
-                                      <p:to>
-                                        <p:strVal val="visible"/>
-                                      </p:to>
-                                    </p:set>
-                                    <p:animEffect transition="in" filter="fade">
-                                      <p:cBhvr>
-                                        <p:cTn id="7" dur="500"/>
-                                        <p:tgtEl>
-                                          <p:spTgt spid="98"/>
-                                        </p:tgtEl>
-                                      </p:cBhvr>
-                                    </p:animEffect>
-                                  </p:childTnLst>
-                                </p:cTn>
-                              </p:par>
-                            </p:childTnLst>
-                          </p:cTn>
-                        </p:par>
-                      </p:childTnLst>
-                    </p:cTn>
-                  </p:par>
-                </p:childTnLst>
-              </p:cTn>
-              <p:prevCondLst>
-                <p:cond evt="onPrev" delay="0">
-                  <p:tgtEl>
-                    <p:sldTgt/>
-                  </p:tgtEl>
-                </p:cond>
-              </p:prevCondLst>
-              <p:nextCondLst>
-                <p:cond evt="onNext" delay="0">
-                  <p:tgtEl>
-                    <p:sldTgt/>
-                  </p:tgtEl>
-                </p:cond>
-              </p:nextCondLst>
-            </p:seq>
-          </p:childTnLst>
-        </p:cTn>
-      </p:par>
-    </p:tnLst>
-    <p:bldLst>
-      <p:bldGraphic spid="98" grpId="0">
-        <p:bldAsOne/>
-      </p:bldGraphic>
-    </p:bldLst>
-  </p:timing>
 </p:sld>
 </file>
 
@@ -11947,6 +15009,164 @@
 </p:sld>
 </file>
 
+<file path=ppt/slides/slide15.xml><?xml version="1.0" encoding="utf-8"?>
+<p:sld xmlns:a="http://schemas.openxmlformats.org/drawingml/2006/main" xmlns:r="http://schemas.openxmlformats.org/officeDocument/2006/relationships" xmlns:p="http://schemas.openxmlformats.org/presentationml/2006/main">
+  <p:cSld>
+    <p:spTree>
+      <p:nvGrpSpPr>
+        <p:cNvPr id="1" name=""/>
+        <p:cNvGrpSpPr/>
+        <p:nvPr/>
+      </p:nvGrpSpPr>
+      <p:grpSpPr>
+        <a:xfrm>
+          <a:off x="0" y="0"/>
+          <a:ext cx="0" cy="0"/>
+          <a:chOff x="0" y="0"/>
+          <a:chExt cx="0" cy="0"/>
+        </a:xfrm>
+      </p:grpSpPr>
+      <p:graphicFrame>
+        <p:nvGraphicFramePr>
+          <p:cNvPr id="98" name="차트 97">
+            <a:extLst>
+              <a:ext uri="{FF2B5EF4-FFF2-40B4-BE49-F238E27FC236}">
+                <a16:creationId xmlns:a16="http://schemas.microsoft.com/office/drawing/2014/main" id="{304640FD-C803-9AC0-17C4-84CD70B54CE9}"/>
+              </a:ext>
+            </a:extLst>
+          </p:cNvPr>
+          <p:cNvGraphicFramePr/>
+          <p:nvPr>
+            <p:extLst>
+              <p:ext uri="{D42A27DB-BD31-4B8C-83A1-F6EECF244321}">
+                <p14:modId xmlns:p14="http://schemas.microsoft.com/office/powerpoint/2010/main" val="824032288"/>
+              </p:ext>
+            </p:extLst>
+          </p:nvPr>
+        </p:nvGraphicFramePr>
+        <p:xfrm>
+          <a:off x="2031999" y="719666"/>
+          <a:ext cx="9913983" cy="5418667"/>
+        </p:xfrm>
+        <a:graphic>
+          <a:graphicData uri="http://schemas.openxmlformats.org/drawingml/2006/chart">
+            <c:chart xmlns:c="http://schemas.openxmlformats.org/drawingml/2006/chart" xmlns:r="http://schemas.openxmlformats.org/officeDocument/2006/relationships" r:id="rId2"/>
+          </a:graphicData>
+        </a:graphic>
+      </p:graphicFrame>
+    </p:spTree>
+    <p:extLst>
+      <p:ext uri="{BB962C8B-B14F-4D97-AF65-F5344CB8AC3E}">
+        <p14:creationId xmlns:p14="http://schemas.microsoft.com/office/powerpoint/2010/main" val="2817295418"/>
+      </p:ext>
+    </p:extLst>
+  </p:cSld>
+  <p:clrMapOvr>
+    <a:masterClrMapping/>
+  </p:clrMapOvr>
+  <mc:AlternateContent xmlns:mc="http://schemas.openxmlformats.org/markup-compatibility/2006" xmlns:p159="http://schemas.microsoft.com/office/powerpoint/2015/09/main">
+    <mc:Choice Requires="p159">
+      <p:transition xmlns:p14="http://schemas.microsoft.com/office/powerpoint/2010/main" spd="slow" p14:dur="2000">
+        <p159:morph option="byObject"/>
+      </p:transition>
+    </mc:Choice>
+    <mc:Fallback xmlns="">
+      <p:transition spd="slow">
+        <p:fade/>
+      </p:transition>
+    </mc:Fallback>
+  </mc:AlternateContent>
+  <p:timing>
+    <p:tnLst>
+      <p:par>
+        <p:cTn id="1" dur="indefinite" restart="never" nodeType="tmRoot">
+          <p:childTnLst>
+            <p:seq concurrent="1" nextAc="seek">
+              <p:cTn id="2" dur="indefinite" nodeType="mainSeq">
+                <p:childTnLst>
+                  <p:par>
+                    <p:cTn id="3" fill="hold">
+                      <p:stCondLst>
+                        <p:cond delay="indefinite"/>
+                      </p:stCondLst>
+                      <p:childTnLst>
+                        <p:par>
+                          <p:cTn id="4" fill="hold">
+                            <p:stCondLst>
+                              <p:cond delay="0"/>
+                            </p:stCondLst>
+                            <p:childTnLst>
+                              <p:par>
+                                <p:cTn id="5" presetID="10" presetClass="entr" presetSubtype="0" fill="hold" grpId="0" nodeType="clickEffect">
+                                  <p:stCondLst>
+                                    <p:cond delay="0"/>
+                                  </p:stCondLst>
+                                  <p:childTnLst>
+                                    <p:set>
+                                      <p:cBhvr>
+                                        <p:cTn id="6" dur="1" fill="hold">
+                                          <p:stCondLst>
+                                            <p:cond delay="0"/>
+                                          </p:stCondLst>
+                                        </p:cTn>
+                                        <p:tgtEl>
+                                          <p:spTgt spid="98"/>
+                                        </p:tgtEl>
+                                        <p:attrNameLst>
+                                          <p:attrName>style.visibility</p:attrName>
+                                        </p:attrNameLst>
+                                      </p:cBhvr>
+                                      <p:to>
+                                        <p:strVal val="visible"/>
+                                      </p:to>
+                                    </p:set>
+                                    <p:animEffect transition="in" filter="fade">
+                                      <p:cBhvr>
+                                        <p:cTn id="7" dur="500"/>
+                                        <p:tgtEl>
+                                          <p:spTgt spid="98"/>
+                                        </p:tgtEl>
+                                      </p:cBhvr>
+                                    </p:animEffect>
+                                  </p:childTnLst>
+                                </p:cTn>
+                              </p:par>
+                            </p:childTnLst>
+                          </p:cTn>
+                        </p:par>
+                      </p:childTnLst>
+                    </p:cTn>
+                  </p:par>
+                </p:childTnLst>
+              </p:cTn>
+              <p:prevCondLst>
+                <p:cond evt="onPrev" delay="0">
+                  <p:tgtEl>
+                    <p:sldTgt/>
+                  </p:tgtEl>
+                </p:cond>
+              </p:prevCondLst>
+              <p:nextCondLst>
+                <p:cond evt="onNext" delay="0">
+                  <p:tgtEl>
+                    <p:sldTgt/>
+                  </p:tgtEl>
+                </p:cond>
+              </p:nextCondLst>
+            </p:seq>
+          </p:childTnLst>
+        </p:cTn>
+      </p:par>
+    </p:tnLst>
+    <p:bldLst>
+      <p:bldGraphic spid="98" grpId="0">
+        <p:bldAsOne/>
+      </p:bldGraphic>
+    </p:bldLst>
+  </p:timing>
+</p:sld>
+</file>
+
 <file path=ppt/slides/slide2.xml><?xml version="1.0" encoding="utf-8"?>
 <p:sld xmlns:a="http://schemas.openxmlformats.org/drawingml/2006/main" xmlns:r="http://schemas.openxmlformats.org/officeDocument/2006/relationships" xmlns:p="http://schemas.openxmlformats.org/presentationml/2006/main">
   <p:cSld>
@@ -11985,13 +15205,8 @@
             <a:avLst/>
           </a:prstGeom>
           <a:solidFill>
-            <a:srgbClr val="5161CE"/>
+            <a:schemeClr val="accent1"/>
           </a:solidFill>
-          <a:ln>
-            <a:solidFill>
-              <a:srgbClr val="5161CE"/>
-            </a:solidFill>
-          </a:ln>
         </p:spPr>
         <p:style>
           <a:lnRef idx="2">
@@ -12014,11 +15229,7 @@
           <a:lstStyle/>
           <a:p>
             <a:pPr algn="ctr"/>
-            <a:endParaRPr lang="ko-KR" altLang="en-US">
-              <a:solidFill>
-                <a:srgbClr val="5161CE"/>
-              </a:solidFill>
-            </a:endParaRPr>
+            <a:endParaRPr lang="ko-KR" altLang="en-US"/>
           </a:p>
         </p:txBody>
       </p:sp>
@@ -12097,7 +15308,7 @@
           <a:noFill/>
           <a:ln w="28575" algn="ctr">
             <a:solidFill>
-              <a:srgbClr val="5161CE"/>
+              <a:schemeClr val="accent1"/>
             </a:solidFill>
             <a:round/>
             <a:headEnd/>
@@ -12151,7 +15362,7 @@
           <a:noFill/>
           <a:ln w="28575" algn="ctr">
             <a:solidFill>
-              <a:srgbClr val="5161CE"/>
+              <a:schemeClr val="accent1"/>
             </a:solidFill>
             <a:round/>
             <a:headEnd/>
@@ -12205,7 +15416,7 @@
           <a:noFill/>
           <a:ln w="28575" algn="ctr">
             <a:solidFill>
-              <a:srgbClr val="5161CE"/>
+              <a:schemeClr val="accent1"/>
             </a:solidFill>
             <a:round/>
             <a:headEnd/>
@@ -12259,7 +15470,7 @@
           <a:noFill/>
           <a:ln w="28575" algn="ctr">
             <a:solidFill>
-              <a:srgbClr val="5161CE"/>
+              <a:schemeClr val="accent1"/>
             </a:solidFill>
             <a:round/>
             <a:headEnd/>
@@ -12313,7 +15524,7 @@
           <a:noFill/>
           <a:ln w="28575" algn="ctr">
             <a:solidFill>
-              <a:srgbClr val="5161CE"/>
+              <a:schemeClr val="accent1"/>
             </a:solidFill>
             <a:round/>
             <a:headEnd/>
@@ -12367,7 +15578,7 @@
           <a:noFill/>
           <a:ln w="28575" algn="ctr">
             <a:solidFill>
-              <a:srgbClr val="5161CE"/>
+              <a:schemeClr val="accent1"/>
             </a:solidFill>
             <a:round/>
             <a:headEnd/>
@@ -12421,7 +15632,7 @@
           <a:noFill/>
           <a:ln w="28575" algn="ctr">
             <a:solidFill>
-              <a:srgbClr val="5161CE"/>
+              <a:schemeClr val="accent1"/>
             </a:solidFill>
             <a:round/>
             <a:headEnd/>
@@ -12475,7 +15686,7 @@
           <a:noFill/>
           <a:ln w="28575" algn="ctr">
             <a:solidFill>
-              <a:srgbClr val="5161CE"/>
+              <a:schemeClr val="accent1"/>
             </a:solidFill>
             <a:round/>
             <a:headEnd/>
@@ -12523,9 +15734,6 @@
             <a:avLst/>
           </a:prstGeom>
           <a:noFill/>
-          <a:ln>
-            <a:noFill/>
-          </a:ln>
         </p:spPr>
         <p:txBody>
           <a:bodyPr wrap="none" lIns="91440" tIns="45720" rIns="91440" bIns="45720">
@@ -12538,7 +15746,7 @@
               <a:rPr lang="en-US" altLang="ko-KR" sz="3000" b="1" cap="none" spc="0" dirty="0">
                 <a:ln w="0"/>
                 <a:solidFill>
-                  <a:srgbClr val="5161CE"/>
+                  <a:schemeClr val="accent1"/>
                 </a:solidFill>
               </a:rPr>
               <a:t>01.</a:t>
@@ -12567,9 +15775,6 @@
             <a:avLst/>
           </a:prstGeom>
           <a:noFill/>
-          <a:ln>
-            <a:noFill/>
-          </a:ln>
         </p:spPr>
         <p:txBody>
           <a:bodyPr wrap="none" lIns="91440" tIns="45720" rIns="91440" bIns="45720">
@@ -12582,7 +15787,7 @@
               <a:rPr lang="en-US" altLang="ko-KR" sz="3000" b="1" cap="none" spc="0" dirty="0">
                 <a:ln w="0"/>
                 <a:solidFill>
-                  <a:srgbClr val="5161CE"/>
+                  <a:schemeClr val="accent1"/>
                 </a:solidFill>
               </a:rPr>
               <a:t>02.</a:t>
@@ -12611,9 +15816,6 @@
             <a:avLst/>
           </a:prstGeom>
           <a:noFill/>
-          <a:ln>
-            <a:noFill/>
-          </a:ln>
         </p:spPr>
         <p:txBody>
           <a:bodyPr wrap="none" lIns="91440" tIns="45720" rIns="91440" bIns="45720">
@@ -12626,7 +15828,7 @@
               <a:rPr lang="en-US" altLang="ko-KR" sz="3000" b="1" cap="none" spc="0" dirty="0">
                 <a:ln w="0"/>
                 <a:solidFill>
-                  <a:srgbClr val="5161CE"/>
+                  <a:schemeClr val="accent1"/>
                 </a:solidFill>
               </a:rPr>
               <a:t>03.</a:t>
@@ -12655,9 +15857,6 @@
             <a:avLst/>
           </a:prstGeom>
           <a:noFill/>
-          <a:ln>
-            <a:noFill/>
-          </a:ln>
         </p:spPr>
         <p:txBody>
           <a:bodyPr wrap="none" lIns="91440" tIns="45720" rIns="91440" bIns="45720">
@@ -12670,7 +15869,7 @@
               <a:rPr lang="en-US" altLang="ko-KR" sz="3000" b="1" cap="none" spc="0" dirty="0">
                 <a:ln w="0"/>
                 <a:solidFill>
-                  <a:srgbClr val="5161CE"/>
+                  <a:schemeClr val="accent1"/>
                 </a:solidFill>
               </a:rPr>
               <a:t>04.</a:t>
@@ -12699,9 +15898,6 @@
             <a:avLst/>
           </a:prstGeom>
           <a:noFill/>
-          <a:ln>
-            <a:noFill/>
-          </a:ln>
         </p:spPr>
         <p:txBody>
           <a:bodyPr wrap="none" lIns="91440" tIns="45720" rIns="91440" bIns="45720">
@@ -12714,7 +15910,7 @@
               <a:rPr lang="en-US" altLang="ko-KR" sz="3000" b="1" cap="none" spc="0" dirty="0">
                 <a:ln w="0"/>
                 <a:solidFill>
-                  <a:srgbClr val="5161CE"/>
+                  <a:schemeClr val="accent1"/>
                 </a:solidFill>
               </a:rPr>
               <a:t>05.</a:t>
@@ -12743,9 +15939,6 @@
             <a:avLst/>
           </a:prstGeom>
           <a:noFill/>
-          <a:ln>
-            <a:noFill/>
-          </a:ln>
         </p:spPr>
         <p:txBody>
           <a:bodyPr wrap="none" lIns="91440" tIns="45720" rIns="91440" bIns="45720">
@@ -12758,7 +15951,7 @@
               <a:rPr lang="en-US" altLang="ko-KR" sz="3000" b="1" cap="none" spc="0" dirty="0">
                 <a:ln w="0"/>
                 <a:solidFill>
-                  <a:srgbClr val="5161CE"/>
+                  <a:schemeClr val="accent1"/>
                 </a:solidFill>
               </a:rPr>
               <a:t>06.</a:t>
@@ -12787,9 +15980,6 @@
             <a:avLst/>
           </a:prstGeom>
           <a:noFill/>
-          <a:ln>
-            <a:noFill/>
-          </a:ln>
         </p:spPr>
         <p:txBody>
           <a:bodyPr wrap="none" lIns="91440" tIns="45720" rIns="91440" bIns="45720">
@@ -12802,7 +15992,7 @@
               <a:rPr lang="en-US" altLang="ko-KR" sz="3000" b="1" cap="none" spc="0" dirty="0">
                 <a:ln w="0"/>
                 <a:solidFill>
-                  <a:srgbClr val="5161CE"/>
+                  <a:schemeClr val="accent1"/>
                 </a:solidFill>
               </a:rPr>
               <a:t>07.</a:t>
@@ -12831,9 +16021,6 @@
             <a:avLst/>
           </a:prstGeom>
           <a:noFill/>
-          <a:ln>
-            <a:noFill/>
-          </a:ln>
         </p:spPr>
         <p:txBody>
           <a:bodyPr wrap="none" lIns="91440" tIns="45720" rIns="91440" bIns="45720">
@@ -12846,7 +16033,7 @@
               <a:rPr lang="en-US" altLang="ko-KR" sz="3000" b="1" cap="none" spc="0" dirty="0">
                 <a:ln w="0"/>
                 <a:solidFill>
-                  <a:srgbClr val="5161CE"/>
+                  <a:schemeClr val="accent1"/>
                 </a:solidFill>
               </a:rPr>
               <a:t>08.</a:t>
@@ -12917,11 +16104,8 @@
             <a:avLst/>
           </a:prstGeom>
           <a:solidFill>
-            <a:srgbClr val="5161CE"/>
+            <a:schemeClr val="accent1"/>
           </a:solidFill>
-          <a:ln>
-            <a:noFill/>
-          </a:ln>
         </p:spPr>
         <p:style>
           <a:lnRef idx="2">
@@ -13083,6 +16267,379 @@
           </a:p>
         </p:txBody>
       </p:sp>
+      <p:sp>
+        <p:nvSpPr>
+          <p:cNvPr id="19" name="TextBox 18">
+            <a:extLst>
+              <a:ext uri="{FF2B5EF4-FFF2-40B4-BE49-F238E27FC236}">
+                <a16:creationId xmlns:a16="http://schemas.microsoft.com/office/drawing/2014/main" id="{ADC440AE-6FE0-F325-8A12-A2042E3E8181}"/>
+              </a:ext>
+            </a:extLst>
+          </p:cNvPr>
+          <p:cNvSpPr txBox="1"/>
+          <p:nvPr/>
+        </p:nvSpPr>
+        <p:spPr>
+          <a:xfrm>
+            <a:off x="8400007" y="410647"/>
+            <a:ext cx="3486219" cy="2947282"/>
+          </a:xfrm>
+          <a:prstGeom prst="rect">
+            <a:avLst/>
+          </a:prstGeom>
+          <a:noFill/>
+        </p:spPr>
+        <p:txBody>
+          <a:bodyPr wrap="square" rtlCol="0">
+            <a:spAutoFit/>
+          </a:bodyPr>
+          <a:lstStyle/>
+          <a:p>
+            <a:pPr marL="285750" indent="-285750">
+              <a:lnSpc>
+                <a:spcPct val="150000"/>
+              </a:lnSpc>
+              <a:buFontTx/>
+              <a:buChar char="-"/>
+            </a:pPr>
+            <a:r>
+              <a:rPr lang="ko-KR" altLang="en-US" b="1" dirty="0">
+                <a:latin typeface="맑은 고딕" panose="020B0503020000020004" pitchFamily="50" charset="-127"/>
+                <a:ea typeface="맑은 고딕" panose="020B0503020000020004" pitchFamily="50" charset="-127"/>
+              </a:rPr>
+              <a:t>개발자로써 필연적인 프로젝트 경험</a:t>
+            </a:r>
+            <a:endParaRPr lang="en-US" altLang="ko-KR" b="1" dirty="0">
+              <a:latin typeface="맑은 고딕" panose="020B0503020000020004" pitchFamily="50" charset="-127"/>
+              <a:ea typeface="맑은 고딕" panose="020B0503020000020004" pitchFamily="50" charset="-127"/>
+            </a:endParaRPr>
+          </a:p>
+          <a:p>
+            <a:pPr>
+              <a:lnSpc>
+                <a:spcPct val="150000"/>
+              </a:lnSpc>
+            </a:pPr>
+            <a:endParaRPr lang="en-US" altLang="ko-KR" b="1" dirty="0">
+              <a:latin typeface="맑은 고딕" panose="020B0503020000020004" pitchFamily="50" charset="-127"/>
+              <a:ea typeface="맑은 고딕" panose="020B0503020000020004" pitchFamily="50" charset="-127"/>
+            </a:endParaRPr>
+          </a:p>
+          <a:p>
+            <a:pPr marL="285750" indent="-285750">
+              <a:lnSpc>
+                <a:spcPct val="150000"/>
+              </a:lnSpc>
+              <a:buFontTx/>
+              <a:buChar char="-"/>
+            </a:pPr>
+            <a:r>
+              <a:rPr lang="ko-KR" altLang="en-US" sz="1800" b="1" dirty="0">
+                <a:latin typeface="맑은 고딕" panose="020B0503020000020004" pitchFamily="50" charset="-127"/>
+                <a:ea typeface="맑은 고딕" panose="020B0503020000020004" pitchFamily="50" charset="-127"/>
+              </a:rPr>
+              <a:t>프로젝트 시작의 어려움</a:t>
+            </a:r>
+            <a:endParaRPr lang="en-US" altLang="ko-KR" sz="1800" b="1" dirty="0">
+              <a:latin typeface="맑은 고딕" panose="020B0503020000020004" pitchFamily="50" charset="-127"/>
+              <a:ea typeface="맑은 고딕" panose="020B0503020000020004" pitchFamily="50" charset="-127"/>
+            </a:endParaRPr>
+          </a:p>
+          <a:p>
+            <a:pPr>
+              <a:lnSpc>
+                <a:spcPct val="150000"/>
+              </a:lnSpc>
+            </a:pPr>
+            <a:endParaRPr lang="en-US" altLang="ko-KR" sz="1800" b="1" dirty="0">
+              <a:latin typeface="맑은 고딕" panose="020B0503020000020004" pitchFamily="50" charset="-127"/>
+              <a:ea typeface="맑은 고딕" panose="020B0503020000020004" pitchFamily="50" charset="-127"/>
+            </a:endParaRPr>
+          </a:p>
+          <a:p>
+            <a:pPr marL="285750" indent="-285750">
+              <a:lnSpc>
+                <a:spcPct val="150000"/>
+              </a:lnSpc>
+              <a:buFontTx/>
+              <a:buChar char="-"/>
+            </a:pPr>
+            <a:r>
+              <a:rPr lang="ko-KR" altLang="en-US" b="1" dirty="0">
+                <a:latin typeface="맑은 고딕" panose="020B0503020000020004" pitchFamily="50" charset="-127"/>
+                <a:ea typeface="맑은 고딕" panose="020B0503020000020004" pitchFamily="50" charset="-127"/>
+              </a:rPr>
+              <a:t>프로젝트를 마치며 정리된 문서의 부재</a:t>
+            </a:r>
+            <a:endParaRPr lang="en-US" altLang="ko-KR" sz="1800" b="1" dirty="0">
+              <a:latin typeface="맑은 고딕" panose="020B0503020000020004" pitchFamily="50" charset="-127"/>
+              <a:ea typeface="맑은 고딕" panose="020B0503020000020004" pitchFamily="50" charset="-127"/>
+            </a:endParaRPr>
+          </a:p>
+        </p:txBody>
+      </p:sp>
+      <p:pic>
+        <p:nvPicPr>
+          <p:cNvPr id="21" name="그림 20" descr="텍스트, 스크린샷, 폰트, 번호이(가) 표시된 사진&#10;&#10;자동 생성된 설명">
+            <a:extLst>
+              <a:ext uri="{FF2B5EF4-FFF2-40B4-BE49-F238E27FC236}">
+                <a16:creationId xmlns:a16="http://schemas.microsoft.com/office/drawing/2014/main" id="{78124535-19D4-CB6B-A91E-3DEFC5BB1A41}"/>
+              </a:ext>
+            </a:extLst>
+          </p:cNvPr>
+          <p:cNvPicPr>
+            <a:picLocks noChangeAspect="1"/>
+          </p:cNvPicPr>
+          <p:nvPr/>
+        </p:nvPicPr>
+        <p:blipFill>
+          <a:blip r:embed="rId2">
+            <a:extLst>
+              <a:ext uri="{28A0092B-C50C-407E-A947-70E740481C1C}">
+                <a14:useLocalDpi xmlns:a14="http://schemas.microsoft.com/office/drawing/2010/main" val="0"/>
+              </a:ext>
+            </a:extLst>
+          </a:blip>
+          <a:stretch>
+            <a:fillRect/>
+          </a:stretch>
+        </p:blipFill>
+        <p:spPr>
+          <a:xfrm>
+            <a:off x="1885916" y="269010"/>
+            <a:ext cx="6201794" cy="3319226"/>
+          </a:xfrm>
+          <a:prstGeom prst="rect">
+            <a:avLst/>
+          </a:prstGeom>
+        </p:spPr>
+      </p:pic>
+    </p:spTree>
+    <p:extLst>
+      <p:ext uri="{BB962C8B-B14F-4D97-AF65-F5344CB8AC3E}">
+        <p14:creationId xmlns:p14="http://schemas.microsoft.com/office/powerpoint/2010/main" val="2627018139"/>
+      </p:ext>
+    </p:extLst>
+  </p:cSld>
+  <p:clrMapOvr>
+    <a:masterClrMapping/>
+  </p:clrMapOvr>
+  <mc:AlternateContent xmlns:mc="http://schemas.openxmlformats.org/markup-compatibility/2006" xmlns:p159="http://schemas.microsoft.com/office/powerpoint/2015/09/main">
+    <mc:Choice Requires="p159">
+      <p:transition xmlns:p14="http://schemas.microsoft.com/office/powerpoint/2010/main" spd="slow" p14:dur="2000">
+        <p159:morph option="byObject"/>
+      </p:transition>
+    </mc:Choice>
+    <mc:Fallback xmlns="">
+      <p:transition spd="slow">
+        <p:fade/>
+      </p:transition>
+    </mc:Fallback>
+  </mc:AlternateContent>
+</p:sld>
+</file>
+
+<file path=ppt/slides/slide4.xml><?xml version="1.0" encoding="utf-8"?>
+<p:sld xmlns:a="http://schemas.openxmlformats.org/drawingml/2006/main" xmlns:r="http://schemas.openxmlformats.org/officeDocument/2006/relationships" xmlns:p="http://schemas.openxmlformats.org/presentationml/2006/main">
+  <p:cSld>
+    <p:spTree>
+      <p:nvGrpSpPr>
+        <p:cNvPr id="1" name=""/>
+        <p:cNvGrpSpPr/>
+        <p:nvPr/>
+      </p:nvGrpSpPr>
+      <p:grpSpPr>
+        <a:xfrm>
+          <a:off x="0" y="0"/>
+          <a:ext cx="0" cy="0"/>
+          <a:chOff x="0" y="0"/>
+          <a:chExt cx="0" cy="0"/>
+        </a:xfrm>
+      </p:grpSpPr>
+      <p:sp>
+        <p:nvSpPr>
+          <p:cNvPr id="4" name="직사각형 3">
+            <a:extLst>
+              <a:ext uri="{FF2B5EF4-FFF2-40B4-BE49-F238E27FC236}">
+                <a16:creationId xmlns:a16="http://schemas.microsoft.com/office/drawing/2014/main" id="{C35F139B-CDDB-42FA-525C-DA01A8146D90}"/>
+              </a:ext>
+            </a:extLst>
+          </p:cNvPr>
+          <p:cNvSpPr/>
+          <p:nvPr/>
+        </p:nvSpPr>
+        <p:spPr>
+          <a:xfrm>
+            <a:off x="0" y="0"/>
+            <a:ext cx="1573619" cy="6858000"/>
+          </a:xfrm>
+          <a:prstGeom prst="rect">
+            <a:avLst/>
+          </a:prstGeom>
+          <a:solidFill>
+            <a:schemeClr val="accent1"/>
+          </a:solidFill>
+        </p:spPr>
+        <p:style>
+          <a:lnRef idx="2">
+            <a:schemeClr val="accent1">
+              <a:shade val="50000"/>
+            </a:schemeClr>
+          </a:lnRef>
+          <a:fillRef idx="1">
+            <a:schemeClr val="accent1"/>
+          </a:fillRef>
+          <a:effectRef idx="0">
+            <a:schemeClr val="accent1"/>
+          </a:effectRef>
+          <a:fontRef idx="minor">
+            <a:schemeClr val="lt1"/>
+          </a:fontRef>
+        </p:style>
+        <p:txBody>
+          <a:bodyPr vert="eaVert" rtlCol="0" anchor="ctr"/>
+          <a:lstStyle/>
+          <a:p>
+            <a:pPr algn="ctr"/>
+            <a:endParaRPr lang="ko-KR" altLang="en-US" sz="3500" b="1" dirty="0">
+              <a:solidFill>
+                <a:schemeClr val="bg1"/>
+              </a:solidFill>
+              <a:effectLst>
+                <a:outerShdw blurRad="38100" dist="38100" dir="2700000" algn="tl">
+                  <a:srgbClr val="000000">
+                    <a:alpha val="43137"/>
+                  </a:srgbClr>
+                </a:outerShdw>
+              </a:effectLst>
+              <a:latin typeface="나눔고딕" pitchFamily="2" charset="-127"/>
+              <a:ea typeface="나눔고딕" pitchFamily="2" charset="-127"/>
+            </a:endParaRPr>
+          </a:p>
+        </p:txBody>
+      </p:sp>
+      <p:sp>
+        <p:nvSpPr>
+          <p:cNvPr id="6" name="TextBox 5">
+            <a:extLst>
+              <a:ext uri="{FF2B5EF4-FFF2-40B4-BE49-F238E27FC236}">
+                <a16:creationId xmlns:a16="http://schemas.microsoft.com/office/drawing/2014/main" id="{EC074382-065A-A02C-F5FE-53D97F558448}"/>
+              </a:ext>
+            </a:extLst>
+          </p:cNvPr>
+          <p:cNvSpPr txBox="1"/>
+          <p:nvPr/>
+        </p:nvSpPr>
+        <p:spPr>
+          <a:xfrm>
+            <a:off x="374005" y="1066255"/>
+            <a:ext cx="723275" cy="4725489"/>
+          </a:xfrm>
+          <a:prstGeom prst="rect">
+            <a:avLst/>
+          </a:prstGeom>
+          <a:noFill/>
+        </p:spPr>
+        <p:txBody>
+          <a:bodyPr vert="eaVert" wrap="square" rtlCol="0">
+            <a:spAutoFit/>
+          </a:bodyPr>
+          <a:lstStyle/>
+          <a:p>
+            <a:pPr algn="ctr"/>
+            <a:r>
+              <a:rPr lang="ko-KR" altLang="en-US" sz="3500" b="1" dirty="0" err="1">
+                <a:solidFill>
+                  <a:schemeClr val="bg1"/>
+                </a:solidFill>
+                <a:effectLst>
+                  <a:outerShdw blurRad="38100" dist="38100" dir="2700000" algn="tl">
+                    <a:srgbClr val="000000">
+                      <a:alpha val="43137"/>
+                    </a:srgbClr>
+                  </a:outerShdw>
+                </a:effectLst>
+              </a:rPr>
+              <a:t>프</a:t>
+            </a:r>
+            <a:r>
+              <a:rPr lang="ko-KR" altLang="en-US" sz="3500" b="1" dirty="0">
+                <a:solidFill>
+                  <a:schemeClr val="bg1"/>
+                </a:solidFill>
+                <a:effectLst>
+                  <a:outerShdw blurRad="38100" dist="38100" dir="2700000" algn="tl">
+                    <a:srgbClr val="000000">
+                      <a:alpha val="43137"/>
+                    </a:srgbClr>
+                  </a:outerShdw>
+                </a:effectLst>
+              </a:rPr>
+              <a:t>  로  </a:t>
+            </a:r>
+            <a:r>
+              <a:rPr lang="ko-KR" altLang="en-US" sz="3500" b="1" dirty="0" err="1">
+                <a:solidFill>
+                  <a:schemeClr val="bg1"/>
+                </a:solidFill>
+                <a:effectLst>
+                  <a:outerShdw blurRad="38100" dist="38100" dir="2700000" algn="tl">
+                    <a:srgbClr val="000000">
+                      <a:alpha val="43137"/>
+                    </a:srgbClr>
+                  </a:outerShdw>
+                </a:effectLst>
+              </a:rPr>
+              <a:t>젝</a:t>
+            </a:r>
+            <a:r>
+              <a:rPr lang="ko-KR" altLang="en-US" sz="3500" b="1" dirty="0">
+                <a:solidFill>
+                  <a:schemeClr val="bg1"/>
+                </a:solidFill>
+                <a:effectLst>
+                  <a:outerShdw blurRad="38100" dist="38100" dir="2700000" algn="tl">
+                    <a:srgbClr val="000000">
+                      <a:alpha val="43137"/>
+                    </a:srgbClr>
+                  </a:outerShdw>
+                </a:effectLst>
+              </a:rPr>
+              <a:t>  </a:t>
+            </a:r>
+            <a:r>
+              <a:rPr lang="ko-KR" altLang="en-US" sz="3500" b="1" dirty="0" err="1">
+                <a:solidFill>
+                  <a:schemeClr val="bg1"/>
+                </a:solidFill>
+                <a:effectLst>
+                  <a:outerShdw blurRad="38100" dist="38100" dir="2700000" algn="tl">
+                    <a:srgbClr val="000000">
+                      <a:alpha val="43137"/>
+                    </a:srgbClr>
+                  </a:outerShdw>
+                </a:effectLst>
+              </a:rPr>
+              <a:t>트</a:t>
+            </a:r>
+            <a:r>
+              <a:rPr lang="ko-KR" altLang="en-US" sz="3500" b="1" dirty="0">
+                <a:solidFill>
+                  <a:schemeClr val="bg1"/>
+                </a:solidFill>
+                <a:effectLst>
+                  <a:outerShdw blurRad="38100" dist="38100" dir="2700000" algn="tl">
+                    <a:srgbClr val="000000">
+                      <a:alpha val="43137"/>
+                    </a:srgbClr>
+                  </a:outerShdw>
+                </a:effectLst>
+              </a:rPr>
+              <a:t>  개  요</a:t>
+            </a:r>
+          </a:p>
+        </p:txBody>
+      </p:sp>
       <p:grpSp>
         <p:nvGrpSpPr>
           <p:cNvPr id="18" name="그룹 17">
@@ -13128,7 +16685,7 @@
             <a:noFill/>
             <a:ln w="38100">
               <a:solidFill>
-                <a:srgbClr val="5161CE"/>
+                <a:srgbClr val="1D9A78"/>
               </a:solidFill>
             </a:ln>
           </p:spPr>
@@ -13186,9 +16743,6 @@
               <a:avLst/>
             </a:prstGeom>
             <a:noFill/>
-            <a:ln>
-              <a:noFill/>
-            </a:ln>
           </p:spPr>
           <p:txBody>
             <a:bodyPr wrap="square" rtlCol="0">
@@ -13372,9 +16926,6 @@
               <a:avLst/>
             </a:prstGeom>
             <a:noFill/>
-            <a:ln>
-              <a:noFill/>
-            </a:ln>
           </p:spPr>
           <p:txBody>
             <a:bodyPr wrap="none" lIns="91440" tIns="45720" rIns="91440" bIns="45720">
@@ -13387,7 +16938,7 @@
                 <a:rPr lang="en-US" altLang="ko-KR" sz="4500" b="1" cap="none" spc="0" dirty="0">
                   <a:ln w="0"/>
                   <a:solidFill>
-                    <a:srgbClr val="5161CE"/>
+                    <a:schemeClr val="accent1"/>
                   </a:solidFill>
                   <a:effectLst>
                     <a:outerShdw blurRad="38100" dist="25400" dir="5400000" algn="ctr" rotWithShape="0">
@@ -13575,7 +17126,7 @@
 </p:sld>
 </file>
 
-<file path=ppt/slides/slide4.xml><?xml version="1.0" encoding="utf-8"?>
+<file path=ppt/slides/slide5.xml><?xml version="1.0" encoding="utf-8"?>
 <p:sld xmlns:a="http://schemas.openxmlformats.org/drawingml/2006/main" xmlns:r="http://schemas.openxmlformats.org/officeDocument/2006/relationships" xmlns:p="http://schemas.openxmlformats.org/presentationml/2006/main">
   <p:cSld>
     <p:spTree>
@@ -13613,7 +17164,7 @@
             <a:avLst/>
           </a:prstGeom>
           <a:solidFill>
-            <a:srgbClr val="5161CE"/>
+            <a:schemeClr val="accent1"/>
           </a:solidFill>
         </p:spPr>
         <p:style>
@@ -13803,7 +17354,7 @@
           <a:noFill/>
           <a:ln w="28575" algn="ctr">
             <a:solidFill>
-              <a:srgbClr val="5161CE"/>
+              <a:schemeClr val="accent1"/>
             </a:solidFill>
             <a:round/>
             <a:headEnd/>
@@ -13837,7 +17388,7 @@
         </p:nvSpPr>
         <p:spPr>
           <a:xfrm>
-            <a:off x="2291255" y="3572590"/>
+            <a:off x="2291255" y="3563004"/>
             <a:ext cx="2774732" cy="814557"/>
           </a:xfrm>
           <a:prstGeom prst="roundRect">
@@ -13846,13 +17397,8 @@
             </a:avLst>
           </a:prstGeom>
           <a:solidFill>
-            <a:srgbClr val="5161CE"/>
+            <a:srgbClr val="1D9A78"/>
           </a:solidFill>
-          <a:ln>
-            <a:solidFill>
-              <a:srgbClr val="5161CE"/>
-            </a:solidFill>
-          </a:ln>
         </p:spPr>
         <p:style>
           <a:lnRef idx="2">
@@ -13909,9 +17455,6 @@
             <a:chOff x="2291255" y="851332"/>
             <a:chExt cx="9249103" cy="2316992"/>
           </a:xfrm>
-          <a:solidFill>
-            <a:srgbClr val="5161CE"/>
-          </a:solidFill>
         </p:grpSpPr>
         <p:sp>
           <p:nvSpPr>
@@ -13940,7 +17483,7 @@
             <a:noFill/>
             <a:ln w="28575" algn="ctr">
               <a:solidFill>
-                <a:srgbClr val="5161CE"/>
+                <a:schemeClr val="accent1"/>
               </a:solidFill>
               <a:round/>
               <a:headEnd/>
@@ -13982,7 +17525,9 @@
                 <a:gd name="adj" fmla="val 15623"/>
               </a:avLst>
             </a:prstGeom>
-            <a:grpFill/>
+            <a:solidFill>
+              <a:srgbClr val="1D9A78"/>
+            </a:solidFill>
           </p:spPr>
           <p:style>
             <a:lnRef idx="2">
@@ -14248,7 +17793,7 @@
 </p:sld>
 </file>
 
-<file path=ppt/slides/slide5.xml><?xml version="1.0" encoding="utf-8"?>
+<file path=ppt/slides/slide6.xml><?xml version="1.0" encoding="utf-8"?>
 <p:sld xmlns:a="http://schemas.openxmlformats.org/drawingml/2006/main" xmlns:r="http://schemas.openxmlformats.org/officeDocument/2006/relationships" xmlns:p="http://schemas.openxmlformats.org/presentationml/2006/main">
   <p:cSld>
     <p:spTree>
@@ -14286,7 +17831,7 @@
             <a:avLst/>
           </a:prstGeom>
           <a:solidFill>
-            <a:srgbClr val="5161CE"/>
+            <a:schemeClr val="accent1"/>
           </a:solidFill>
         </p:spPr>
         <p:style>
@@ -14557,7 +18102,7 @@
         </p:blipFill>
         <p:spPr>
           <a:xfrm>
-            <a:off x="2615934" y="4084424"/>
+            <a:off x="2153042" y="4678243"/>
             <a:ext cx="1620000" cy="1620000"/>
           </a:xfrm>
           <a:prstGeom prst="rect">
@@ -14579,7 +18124,7 @@
         </p:nvSpPr>
         <p:spPr>
           <a:xfrm>
-            <a:off x="2288117" y="5617579"/>
+            <a:off x="1825225" y="6211398"/>
             <a:ext cx="2067429" cy="494879"/>
           </a:xfrm>
           <a:prstGeom prst="rect">
@@ -14730,7 +18275,7 @@
         </p:blipFill>
         <p:spPr>
           <a:xfrm>
-            <a:off x="9485734" y="818074"/>
+            <a:off x="9756236" y="1221544"/>
             <a:ext cx="1620000" cy="1620000"/>
           </a:xfrm>
           <a:prstGeom prst="rect">
@@ -14882,7 +18427,7 @@
         </p:nvSpPr>
         <p:spPr>
           <a:xfrm>
-            <a:off x="9572513" y="2530651"/>
+            <a:off x="9843015" y="2934121"/>
             <a:ext cx="1533221" cy="494879"/>
           </a:xfrm>
           <a:prstGeom prst="rect">
@@ -14948,7 +18493,7 @@
               <a:rPr lang="en-US" altLang="ko-KR" sz="6000" b="1" cap="none" spc="0" dirty="0">
                 <a:ln w="0"/>
                 <a:solidFill>
-                  <a:srgbClr val="5161CE"/>
+                  <a:schemeClr val="accent1"/>
                 </a:solidFill>
                 <a:effectLst>
                   <a:outerShdw blurRad="38100" dist="25400" dir="5400000" algn="ctr" rotWithShape="0">
@@ -14979,7 +18524,7 @@
 </p:sld>
 </file>
 
-<file path=ppt/slides/slide6.xml><?xml version="1.0" encoding="utf-8"?>
+<file path=ppt/slides/slide7.xml><?xml version="1.0" encoding="utf-8"?>
 <p:sld xmlns:a="http://schemas.openxmlformats.org/drawingml/2006/main" xmlns:r="http://schemas.openxmlformats.org/officeDocument/2006/relationships" xmlns:p="http://schemas.openxmlformats.org/presentationml/2006/main">
   <p:cSld>
     <p:spTree>
@@ -15017,7 +18562,7 @@
             <a:avLst/>
           </a:prstGeom>
           <a:solidFill>
-            <a:srgbClr val="5161CE"/>
+            <a:schemeClr val="accent1"/>
           </a:solidFill>
         </p:spPr>
         <p:style>
@@ -15076,7 +18621,7 @@
           <p:nvPr>
             <p:extLst>
               <p:ext uri="{D42A27DB-BD31-4B8C-83A1-F6EECF244321}">
-                <p14:modId xmlns:p14="http://schemas.microsoft.com/office/powerpoint/2010/main" val="770823858"/>
+                <p14:modId xmlns:p14="http://schemas.microsoft.com/office/powerpoint/2010/main" val="629336509"/>
               </p:ext>
             </p:extLst>
           </p:nvPr>
@@ -15089,7 +18634,7 @@
           <a:graphicData uri="http://schemas.openxmlformats.org/drawingml/2006/table">
             <a:tbl>
               <a:tblPr firstRow="1" bandRow="1">
-                <a:tableStyleId>{00A15C55-8517-42AA-B614-E9B94910E393}</a:tableStyleId>
+                <a:tableStyleId>{5C22544A-7EE6-4342-B048-85BDC9FD1C3A}</a:tableStyleId>
               </a:tblPr>
               <a:tblGrid>
                 <a:gridCol w="1252921">
@@ -15923,7 +19468,7 @@
             </a:avLst>
           </a:prstGeom>
           <a:solidFill>
-            <a:srgbClr val="5161CE"/>
+            <a:srgbClr val="1D9A78"/>
           </a:solidFill>
         </p:spPr>
         <p:style>
@@ -15982,7 +19527,7 @@
             </a:avLst>
           </a:prstGeom>
           <a:solidFill>
-            <a:srgbClr val="5161CE"/>
+            <a:srgbClr val="1D9A78"/>
           </a:solidFill>
         </p:spPr>
         <p:style>
@@ -16041,7 +19586,7 @@
             </a:avLst>
           </a:prstGeom>
           <a:solidFill>
-            <a:srgbClr val="5161CE"/>
+            <a:srgbClr val="1D9A78"/>
           </a:solidFill>
         </p:spPr>
         <p:style>
@@ -16100,7 +19645,7 @@
             </a:avLst>
           </a:prstGeom>
           <a:solidFill>
-            <a:srgbClr val="5161CE"/>
+            <a:srgbClr val="1D9A78"/>
           </a:solidFill>
         </p:spPr>
         <p:style>
@@ -16159,7 +19704,7 @@
             </a:avLst>
           </a:prstGeom>
           <a:solidFill>
-            <a:srgbClr val="5161CE"/>
+            <a:srgbClr val="1D9A78"/>
           </a:solidFill>
         </p:spPr>
         <p:style>
@@ -16218,7 +19763,7 @@
             </a:avLst>
           </a:prstGeom>
           <a:solidFill>
-            <a:srgbClr val="5161CE"/>
+            <a:srgbClr val="1D9A78"/>
           </a:solidFill>
         </p:spPr>
         <p:style>
@@ -16270,7 +19815,7 @@
 </p:sld>
 </file>
 
-<file path=ppt/slides/slide7.xml><?xml version="1.0" encoding="utf-8"?>
+<file path=ppt/slides/slide8.xml><?xml version="1.0" encoding="utf-8"?>
 <p:sld xmlns:a="http://schemas.openxmlformats.org/drawingml/2006/main" xmlns:r="http://schemas.openxmlformats.org/officeDocument/2006/relationships" xmlns:p="http://schemas.openxmlformats.org/presentationml/2006/main">
   <p:cSld>
     <p:spTree>
@@ -16344,7 +19889,7 @@
             <a:avLst/>
           </a:prstGeom>
           <a:solidFill>
-            <a:srgbClr val="5161CE"/>
+            <a:schemeClr val="accent1"/>
           </a:solidFill>
         </p:spPr>
         <p:style>
@@ -16435,7 +19980,7 @@
             <a:noFill/>
             <a:ln w="28575" algn="ctr">
               <a:solidFill>
-                <a:srgbClr val="5161CE"/>
+                <a:schemeClr val="accent1"/>
               </a:solidFill>
               <a:round/>
               <a:headEnd/>
@@ -16478,7 +20023,7 @@
               </a:avLst>
             </a:prstGeom>
             <a:solidFill>
-              <a:srgbClr val="5161CE"/>
+              <a:srgbClr val="1D9A78"/>
             </a:solidFill>
           </p:spPr>
           <p:style>
@@ -16782,7 +20327,7 @@
             <a:noFill/>
             <a:ln w="28575" algn="ctr">
               <a:solidFill>
-                <a:srgbClr val="5161CE"/>
+                <a:schemeClr val="accent1"/>
               </a:solidFill>
               <a:round/>
               <a:headEnd/>
@@ -16825,7 +20370,7 @@
               </a:avLst>
             </a:prstGeom>
             <a:solidFill>
-              <a:srgbClr val="5161CE"/>
+              <a:srgbClr val="1D9A78"/>
             </a:solidFill>
           </p:spPr>
           <p:style>
@@ -17049,7 +20594,7 @@
             <a:noFill/>
             <a:ln w="28575" algn="ctr">
               <a:solidFill>
-                <a:srgbClr val="5161CE"/>
+                <a:schemeClr val="accent1"/>
               </a:solidFill>
               <a:round/>
               <a:headEnd/>
@@ -17092,7 +20637,7 @@
               </a:avLst>
             </a:prstGeom>
             <a:solidFill>
-              <a:srgbClr val="5161CE"/>
+              <a:srgbClr val="1D9A78"/>
             </a:solidFill>
           </p:spPr>
           <p:style>
@@ -17302,7 +20847,7 @@
 </p:sld>
 </file>
 
-<file path=ppt/slides/slide8.xml><?xml version="1.0" encoding="utf-8"?>
+<file path=ppt/slides/slide9.xml><?xml version="1.0" encoding="utf-8"?>
 <p:sld xmlns:a="http://schemas.openxmlformats.org/drawingml/2006/main" xmlns:r="http://schemas.openxmlformats.org/officeDocument/2006/relationships" xmlns:p="http://schemas.openxmlformats.org/presentationml/2006/main">
   <p:cSld>
     <p:spTree>
@@ -17340,7 +20885,7 @@
             <a:avLst/>
           </a:prstGeom>
           <a:solidFill>
-            <a:srgbClr val="5161CE"/>
+            <a:schemeClr val="accent1"/>
           </a:solidFill>
         </p:spPr>
         <p:style>
@@ -17487,7 +21032,7 @@
             </a:avLst>
           </a:prstGeom>
           <a:solidFill>
-            <a:srgbClr val="7B6DFF"/>
+            <a:srgbClr val="1D9A78"/>
           </a:solidFill>
         </p:spPr>
         <p:style>
@@ -17573,7 +21118,7 @@
             </a:avLst>
           </a:prstGeom>
           <a:solidFill>
-            <a:srgbClr val="949DD7"/>
+            <a:srgbClr val="7BAA3C"/>
           </a:solidFill>
         </p:spPr>
         <p:style>
@@ -17644,7 +21189,7 @@
             </a:avLst>
           </a:prstGeom>
           <a:solidFill>
-            <a:srgbClr val="949DD7"/>
+            <a:srgbClr val="7BAA3C"/>
           </a:solidFill>
         </p:spPr>
         <p:style>
@@ -17706,7 +21251,7 @@
             </a:avLst>
           </a:prstGeom>
           <a:solidFill>
-            <a:srgbClr val="949DD7"/>
+            <a:srgbClr val="7BAA3C"/>
           </a:solidFill>
         </p:spPr>
         <p:style>
@@ -17949,7 +21494,7 @@
             </a:avLst>
           </a:prstGeom>
           <a:solidFill>
-            <a:srgbClr val="5161CE"/>
+            <a:srgbClr val="1D9A78"/>
           </a:solidFill>
         </p:spPr>
         <p:style>
@@ -18110,7 +21655,7 @@
             </a:avLst>
           </a:prstGeom>
           <a:solidFill>
-            <a:srgbClr val="949DD7"/>
+            <a:srgbClr val="7BAA3C"/>
           </a:solidFill>
         </p:spPr>
         <p:style>
@@ -18172,7 +21717,7 @@
             </a:avLst>
           </a:prstGeom>
           <a:solidFill>
-            <a:srgbClr val="7B6DFF"/>
+            <a:srgbClr val="1D9A78"/>
           </a:solidFill>
         </p:spPr>
         <p:style>
@@ -18349,7 +21894,7 @@
             </a:avLst>
           </a:prstGeom>
           <a:solidFill>
-            <a:srgbClr val="949DD7"/>
+            <a:srgbClr val="7BAA3C"/>
           </a:solidFill>
         </p:spPr>
         <p:style>
@@ -18411,7 +21956,7 @@
             </a:avLst>
           </a:prstGeom>
           <a:solidFill>
-            <a:srgbClr val="949DD7"/>
+            <a:srgbClr val="7BAA3C"/>
           </a:solidFill>
         </p:spPr>
         <p:style>
@@ -18473,7 +22018,7 @@
             </a:avLst>
           </a:prstGeom>
           <a:solidFill>
-            <a:srgbClr val="949DD7"/>
+            <a:srgbClr val="7BAA3C"/>
           </a:solidFill>
         </p:spPr>
         <p:style>
@@ -18535,7 +22080,7 @@
             </a:avLst>
           </a:prstGeom>
           <a:solidFill>
-            <a:srgbClr val="949DD7"/>
+            <a:srgbClr val="7BAA3C"/>
           </a:solidFill>
         </p:spPr>
         <p:style>
@@ -18597,7 +22142,7 @@
             </a:avLst>
           </a:prstGeom>
           <a:solidFill>
-            <a:srgbClr val="949DD7"/>
+            <a:srgbClr val="7BAA3C"/>
           </a:solidFill>
         </p:spPr>
         <p:style>
@@ -18659,7 +22204,7 @@
             </a:avLst>
           </a:prstGeom>
           <a:solidFill>
-            <a:srgbClr val="949DD7"/>
+            <a:srgbClr val="7BAA3C"/>
           </a:solidFill>
         </p:spPr>
         <p:style>
@@ -18721,7 +22266,7 @@
             </a:avLst>
           </a:prstGeom>
           <a:solidFill>
-            <a:srgbClr val="949DD7"/>
+            <a:srgbClr val="3AAC42"/>
           </a:solidFill>
         </p:spPr>
         <p:style>
@@ -19010,7 +22555,7 @@
             </a:avLst>
           </a:prstGeom>
           <a:solidFill>
-            <a:srgbClr val="5161CE"/>
+            <a:srgbClr val="1D9A78"/>
           </a:solidFill>
         </p:spPr>
         <p:style>
@@ -19390,7 +22935,7 @@
             </a:avLst>
           </a:prstGeom>
           <a:solidFill>
-            <a:srgbClr val="7B6DFF"/>
+            <a:srgbClr val="7BAA3C"/>
           </a:solidFill>
         </p:spPr>
         <p:style>
@@ -19452,7 +22997,7 @@
             </a:avLst>
           </a:prstGeom>
           <a:solidFill>
-            <a:srgbClr val="7B6DFF"/>
+            <a:srgbClr val="7BAA3C"/>
           </a:solidFill>
         </p:spPr>
         <p:style>
@@ -19604,7 +23149,7 @@
             </a:avLst>
           </a:prstGeom>
           <a:solidFill>
-            <a:srgbClr val="949DD7"/>
+            <a:srgbClr val="3AAC42"/>
           </a:solidFill>
         </p:spPr>
         <p:style>
@@ -19675,7 +23220,7 @@
             </a:avLst>
           </a:prstGeom>
           <a:solidFill>
-            <a:srgbClr val="949DD7"/>
+            <a:srgbClr val="3AAC42"/>
           </a:solidFill>
         </p:spPr>
         <p:style>
@@ -19737,7 +23282,7 @@
             </a:avLst>
           </a:prstGeom>
           <a:solidFill>
-            <a:srgbClr val="949DD7"/>
+            <a:srgbClr val="3AAC42"/>
           </a:solidFill>
         </p:spPr>
         <p:style>
@@ -19960,2584 +23505,6 @@
     <p:extLst>
       <p:ext uri="{BB962C8B-B14F-4D97-AF65-F5344CB8AC3E}">
         <p14:creationId xmlns:p14="http://schemas.microsoft.com/office/powerpoint/2010/main" val="1481692695"/>
-      </p:ext>
-    </p:extLst>
-  </p:cSld>
-  <p:clrMapOvr>
-    <a:masterClrMapping/>
-  </p:clrMapOvr>
-  <p:transition spd="slow">
-    <p:push dir="u"/>
-  </p:transition>
-</p:sld>
-</file>
-
-<file path=ppt/slides/slide9.xml><?xml version="1.0" encoding="utf-8"?>
-<p:sld xmlns:a="http://schemas.openxmlformats.org/drawingml/2006/main" xmlns:r="http://schemas.openxmlformats.org/officeDocument/2006/relationships" xmlns:p="http://schemas.openxmlformats.org/presentationml/2006/main">
-  <p:cSld>
-    <p:spTree>
-      <p:nvGrpSpPr>
-        <p:cNvPr id="1" name=""/>
-        <p:cNvGrpSpPr/>
-        <p:nvPr/>
-      </p:nvGrpSpPr>
-      <p:grpSpPr>
-        <a:xfrm>
-          <a:off x="0" y="0"/>
-          <a:ext cx="0" cy="0"/>
-          <a:chOff x="0" y="0"/>
-          <a:chExt cx="0" cy="0"/>
-        </a:xfrm>
-      </p:grpSpPr>
-      <p:sp>
-        <p:nvSpPr>
-          <p:cNvPr id="4" name="직사각형 3">
-            <a:extLst>
-              <a:ext uri="{FF2B5EF4-FFF2-40B4-BE49-F238E27FC236}">
-                <a16:creationId xmlns:a16="http://schemas.microsoft.com/office/drawing/2014/main" id="{C35F139B-CDDB-42FA-525C-DA01A8146D90}"/>
-              </a:ext>
-            </a:extLst>
-          </p:cNvPr>
-          <p:cNvSpPr/>
-          <p:nvPr/>
-        </p:nvSpPr>
-        <p:spPr>
-          <a:xfrm>
-            <a:off x="0" y="0"/>
-            <a:ext cx="1573619" cy="6858000"/>
-          </a:xfrm>
-          <a:prstGeom prst="rect">
-            <a:avLst/>
-          </a:prstGeom>
-          <a:solidFill>
-            <a:srgbClr val="5161CE"/>
-          </a:solidFill>
-        </p:spPr>
-        <p:style>
-          <a:lnRef idx="2">
-            <a:schemeClr val="accent1">
-              <a:shade val="50000"/>
-            </a:schemeClr>
-          </a:lnRef>
-          <a:fillRef idx="1">
-            <a:schemeClr val="accent1"/>
-          </a:fillRef>
-          <a:effectRef idx="0">
-            <a:schemeClr val="accent1"/>
-          </a:effectRef>
-          <a:fontRef idx="minor">
-            <a:schemeClr val="lt1"/>
-          </a:fontRef>
-        </p:style>
-        <p:txBody>
-          <a:bodyPr vert="eaVert" rtlCol="0" anchor="ctr"/>
-          <a:lstStyle/>
-          <a:p>
-            <a:pPr algn="ctr"/>
-            <a:r>
-              <a:rPr lang="ko-KR" altLang="en-US" sz="3500" b="1" dirty="0">
-                <a:solidFill>
-                  <a:schemeClr val="bg1"/>
-                </a:solidFill>
-                <a:effectLst>
-                  <a:outerShdw blurRad="38100" dist="38100" dir="2700000" algn="tl">
-                    <a:srgbClr val="000000">
-                      <a:alpha val="43137"/>
-                    </a:srgbClr>
-                  </a:outerShdw>
-                </a:effectLst>
-                <a:latin typeface="나눔고딕" pitchFamily="2" charset="-127"/>
-                <a:ea typeface="나눔고딕" pitchFamily="2" charset="-127"/>
-              </a:rPr>
-              <a:t>시  </a:t>
-            </a:r>
-            <a:r>
-              <a:rPr lang="ko-KR" altLang="en-US" sz="3500" b="1" dirty="0" err="1">
-                <a:solidFill>
-                  <a:schemeClr val="bg1"/>
-                </a:solidFill>
-                <a:effectLst>
-                  <a:outerShdw blurRad="38100" dist="38100" dir="2700000" algn="tl">
-                    <a:srgbClr val="000000">
-                      <a:alpha val="43137"/>
-                    </a:srgbClr>
-                  </a:outerShdw>
-                </a:effectLst>
-                <a:latin typeface="나눔고딕" pitchFamily="2" charset="-127"/>
-                <a:ea typeface="나눔고딕" pitchFamily="2" charset="-127"/>
-              </a:rPr>
-              <a:t>스</a:t>
-            </a:r>
-            <a:r>
-              <a:rPr lang="ko-KR" altLang="en-US" sz="3500" b="1" dirty="0">
-                <a:solidFill>
-                  <a:schemeClr val="bg1"/>
-                </a:solidFill>
-                <a:effectLst>
-                  <a:outerShdw blurRad="38100" dist="38100" dir="2700000" algn="tl">
-                    <a:srgbClr val="000000">
-                      <a:alpha val="43137"/>
-                    </a:srgbClr>
-                  </a:outerShdw>
-                </a:effectLst>
-                <a:latin typeface="나눔고딕" pitchFamily="2" charset="-127"/>
-                <a:ea typeface="나눔고딕" pitchFamily="2" charset="-127"/>
-              </a:rPr>
-              <a:t>  템  주  요  기  능</a:t>
-            </a:r>
-          </a:p>
-        </p:txBody>
-      </p:sp>
-      <p:sp>
-        <p:nvSpPr>
-          <p:cNvPr id="50" name="사각형: 둥근 모서리 49">
-            <a:extLst>
-              <a:ext uri="{FF2B5EF4-FFF2-40B4-BE49-F238E27FC236}">
-                <a16:creationId xmlns:a16="http://schemas.microsoft.com/office/drawing/2014/main" id="{03AF9854-8907-12D2-E7F9-000656C9A490}"/>
-              </a:ext>
-            </a:extLst>
-          </p:cNvPr>
-          <p:cNvSpPr/>
-          <p:nvPr/>
-        </p:nvSpPr>
-        <p:spPr>
-          <a:xfrm>
-            <a:off x="2112579" y="557043"/>
-            <a:ext cx="2165131" cy="635601"/>
-          </a:xfrm>
-          <a:prstGeom prst="roundRect">
-            <a:avLst>
-              <a:gd name="adj" fmla="val 15623"/>
-            </a:avLst>
-          </a:prstGeom>
-          <a:solidFill>
-            <a:srgbClr val="5161CE"/>
-          </a:solidFill>
-        </p:spPr>
-        <p:style>
-          <a:lnRef idx="2">
-            <a:schemeClr val="accent1">
-              <a:shade val="50000"/>
-            </a:schemeClr>
-          </a:lnRef>
-          <a:fillRef idx="1">
-            <a:schemeClr val="accent1"/>
-          </a:fillRef>
-          <a:effectRef idx="0">
-            <a:schemeClr val="accent1"/>
-          </a:effectRef>
-          <a:fontRef idx="minor">
-            <a:schemeClr val="lt1"/>
-          </a:fontRef>
-        </p:style>
-        <p:txBody>
-          <a:bodyPr rtlCol="0" anchor="ctr"/>
-          <a:lstStyle/>
-          <a:p>
-            <a:pPr algn="ctr"/>
-            <a:r>
-              <a:rPr lang="en-US" altLang="ko-KR" sz="2500" b="1" dirty="0">
-                <a:effectLst>
-                  <a:outerShdw blurRad="38100" dist="38100" dir="2700000" algn="tl">
-                    <a:srgbClr val="000000">
-                      <a:alpha val="43137"/>
-                    </a:srgbClr>
-                  </a:outerShdw>
-                </a:effectLst>
-              </a:rPr>
-              <a:t>Index </a:t>
-            </a:r>
-            <a:r>
-              <a:rPr lang="ko-KR" altLang="en-US" sz="2500" b="1" dirty="0">
-                <a:effectLst>
-                  <a:outerShdw blurRad="38100" dist="38100" dir="2700000" algn="tl">
-                    <a:srgbClr val="000000">
-                      <a:alpha val="43137"/>
-                    </a:srgbClr>
-                  </a:outerShdw>
-                </a:effectLst>
-              </a:rPr>
-              <a:t>창</a:t>
-            </a:r>
-          </a:p>
-        </p:txBody>
-      </p:sp>
-      <p:sp>
-        <p:nvSpPr>
-          <p:cNvPr id="51" name="사각형: 둥근 모서리 50">
-            <a:extLst>
-              <a:ext uri="{FF2B5EF4-FFF2-40B4-BE49-F238E27FC236}">
-                <a16:creationId xmlns:a16="http://schemas.microsoft.com/office/drawing/2014/main" id="{6105FBFB-6071-9C39-2680-AE536B9B4B20}"/>
-              </a:ext>
-            </a:extLst>
-          </p:cNvPr>
-          <p:cNvSpPr/>
-          <p:nvPr/>
-        </p:nvSpPr>
-        <p:spPr>
-          <a:xfrm>
-            <a:off x="4816269" y="557043"/>
-            <a:ext cx="2165131" cy="635601"/>
-          </a:xfrm>
-          <a:prstGeom prst="roundRect">
-            <a:avLst>
-              <a:gd name="adj" fmla="val 15623"/>
-            </a:avLst>
-          </a:prstGeom>
-          <a:solidFill>
-            <a:srgbClr val="5161CE"/>
-          </a:solidFill>
-        </p:spPr>
-        <p:style>
-          <a:lnRef idx="2">
-            <a:schemeClr val="accent1">
-              <a:shade val="50000"/>
-            </a:schemeClr>
-          </a:lnRef>
-          <a:fillRef idx="1">
-            <a:schemeClr val="accent1"/>
-          </a:fillRef>
-          <a:effectRef idx="0">
-            <a:schemeClr val="accent1"/>
-          </a:effectRef>
-          <a:fontRef idx="minor">
-            <a:schemeClr val="lt1"/>
-          </a:fontRef>
-        </p:style>
-        <p:txBody>
-          <a:bodyPr rtlCol="0" anchor="ctr"/>
-          <a:lstStyle/>
-          <a:p>
-            <a:pPr algn="ctr"/>
-            <a:r>
-              <a:rPr lang="ko-KR" altLang="en-US" sz="2000" b="1" dirty="0">
-                <a:effectLst>
-                  <a:outerShdw blurRad="38100" dist="38100" dir="2700000" algn="tl">
-                    <a:srgbClr val="000000">
-                      <a:alpha val="43137"/>
-                    </a:srgbClr>
-                  </a:outerShdw>
-                </a:effectLst>
-              </a:rPr>
-              <a:t>프로젝트 선택창</a:t>
-            </a:r>
-          </a:p>
-        </p:txBody>
-      </p:sp>
-      <p:sp>
-        <p:nvSpPr>
-          <p:cNvPr id="52" name="사각형: 둥근 모서리 51">
-            <a:extLst>
-              <a:ext uri="{FF2B5EF4-FFF2-40B4-BE49-F238E27FC236}">
-                <a16:creationId xmlns:a16="http://schemas.microsoft.com/office/drawing/2014/main" id="{A3AE165E-FF7A-84B9-C000-34D0E5BC330D}"/>
-              </a:ext>
-            </a:extLst>
-          </p:cNvPr>
-          <p:cNvSpPr/>
-          <p:nvPr/>
-        </p:nvSpPr>
-        <p:spPr>
-          <a:xfrm>
-            <a:off x="8005734" y="557042"/>
-            <a:ext cx="2165131" cy="635601"/>
-          </a:xfrm>
-          <a:prstGeom prst="roundRect">
-            <a:avLst>
-              <a:gd name="adj" fmla="val 15623"/>
-            </a:avLst>
-          </a:prstGeom>
-          <a:solidFill>
-            <a:srgbClr val="5161CE"/>
-          </a:solidFill>
-        </p:spPr>
-        <p:style>
-          <a:lnRef idx="2">
-            <a:schemeClr val="accent1">
-              <a:shade val="50000"/>
-            </a:schemeClr>
-          </a:lnRef>
-          <a:fillRef idx="1">
-            <a:schemeClr val="accent1"/>
-          </a:fillRef>
-          <a:effectRef idx="0">
-            <a:schemeClr val="accent1"/>
-          </a:effectRef>
-          <a:fontRef idx="minor">
-            <a:schemeClr val="lt1"/>
-          </a:fontRef>
-        </p:style>
-        <p:txBody>
-          <a:bodyPr rtlCol="0" anchor="ctr"/>
-          <a:lstStyle/>
-          <a:p>
-            <a:pPr algn="ctr"/>
-            <a:r>
-              <a:rPr lang="ko-KR" altLang="en-US" sz="2500" b="1" dirty="0">
-                <a:effectLst>
-                  <a:outerShdw blurRad="38100" dist="38100" dir="2700000" algn="tl">
-                    <a:srgbClr val="000000">
-                      <a:alpha val="43137"/>
-                    </a:srgbClr>
-                  </a:outerShdw>
-                </a:effectLst>
-              </a:rPr>
-              <a:t>프로젝트 창</a:t>
-            </a:r>
-          </a:p>
-        </p:txBody>
-      </p:sp>
-      <p:sp>
-        <p:nvSpPr>
-          <p:cNvPr id="53" name="사각형: 둥근 모서리 52">
-            <a:extLst>
-              <a:ext uri="{FF2B5EF4-FFF2-40B4-BE49-F238E27FC236}">
-                <a16:creationId xmlns:a16="http://schemas.microsoft.com/office/drawing/2014/main" id="{D87B9832-294A-B921-59B5-80B22F69B700}"/>
-              </a:ext>
-            </a:extLst>
-          </p:cNvPr>
-          <p:cNvSpPr/>
-          <p:nvPr/>
-        </p:nvSpPr>
-        <p:spPr>
-          <a:xfrm>
-            <a:off x="2128344" y="3570463"/>
-            <a:ext cx="2165131" cy="635601"/>
-          </a:xfrm>
-          <a:prstGeom prst="roundRect">
-            <a:avLst>
-              <a:gd name="adj" fmla="val 15623"/>
-            </a:avLst>
-          </a:prstGeom>
-          <a:solidFill>
-            <a:srgbClr val="5161CE"/>
-          </a:solidFill>
-        </p:spPr>
-        <p:style>
-          <a:lnRef idx="2">
-            <a:schemeClr val="accent1">
-              <a:shade val="50000"/>
-            </a:schemeClr>
-          </a:lnRef>
-          <a:fillRef idx="1">
-            <a:schemeClr val="accent1"/>
-          </a:fillRef>
-          <a:effectRef idx="0">
-            <a:schemeClr val="accent1"/>
-          </a:effectRef>
-          <a:fontRef idx="minor">
-            <a:schemeClr val="lt1"/>
-          </a:fontRef>
-        </p:style>
-        <p:txBody>
-          <a:bodyPr rtlCol="0" anchor="ctr"/>
-          <a:lstStyle/>
-          <a:p>
-            <a:pPr algn="ctr"/>
-            <a:r>
-              <a:rPr lang="ko-KR" altLang="en-US" sz="2500" b="1" dirty="0">
-                <a:effectLst>
-                  <a:outerShdw blurRad="38100" dist="38100" dir="2700000" algn="tl">
-                    <a:srgbClr val="000000">
-                      <a:alpha val="43137"/>
-                    </a:srgbClr>
-                  </a:outerShdw>
-                </a:effectLst>
-              </a:rPr>
-              <a:t>문서 창</a:t>
-            </a:r>
-          </a:p>
-        </p:txBody>
-      </p:sp>
-      <p:sp>
-        <p:nvSpPr>
-          <p:cNvPr id="54" name="사각형: 둥근 모서리 53">
-            <a:extLst>
-              <a:ext uri="{FF2B5EF4-FFF2-40B4-BE49-F238E27FC236}">
-                <a16:creationId xmlns:a16="http://schemas.microsoft.com/office/drawing/2014/main" id="{06977E4E-1F6B-6C83-3CD2-78DE12D79EE7}"/>
-              </a:ext>
-            </a:extLst>
-          </p:cNvPr>
-          <p:cNvSpPr/>
-          <p:nvPr/>
-        </p:nvSpPr>
-        <p:spPr>
-          <a:xfrm>
-            <a:off x="2810717" y="1419167"/>
-            <a:ext cx="1466993" cy="430654"/>
-          </a:xfrm>
-          <a:prstGeom prst="roundRect">
-            <a:avLst>
-              <a:gd name="adj" fmla="val 15623"/>
-            </a:avLst>
-          </a:prstGeom>
-          <a:solidFill>
-            <a:srgbClr val="828CEA"/>
-          </a:solidFill>
-        </p:spPr>
-        <p:style>
-          <a:lnRef idx="2">
-            <a:schemeClr val="accent1">
-              <a:shade val="50000"/>
-            </a:schemeClr>
-          </a:lnRef>
-          <a:fillRef idx="1">
-            <a:schemeClr val="accent1"/>
-          </a:fillRef>
-          <a:effectRef idx="0">
-            <a:schemeClr val="accent1"/>
-          </a:effectRef>
-          <a:fontRef idx="minor">
-            <a:schemeClr val="lt1"/>
-          </a:fontRef>
-        </p:style>
-        <p:txBody>
-          <a:bodyPr rtlCol="0" anchor="ctr"/>
-          <a:lstStyle/>
-          <a:p>
-            <a:pPr algn="ctr"/>
-            <a:r>
-              <a:rPr lang="ko-KR" altLang="en-US" sz="2000" b="1">
-                <a:effectLst>
-                  <a:outerShdw blurRad="38100" dist="38100" dir="2700000" algn="tl">
-                    <a:srgbClr val="000000">
-                      <a:alpha val="43137"/>
-                    </a:srgbClr>
-                  </a:outerShdw>
-                </a:effectLst>
-              </a:rPr>
-              <a:t>로그인</a:t>
-            </a:r>
-            <a:endParaRPr lang="ko-KR" altLang="en-US" sz="2000" b="1" dirty="0">
-              <a:effectLst>
-                <a:outerShdw blurRad="38100" dist="38100" dir="2700000" algn="tl">
-                  <a:srgbClr val="000000">
-                    <a:alpha val="43137"/>
-                  </a:srgbClr>
-                </a:outerShdw>
-              </a:effectLst>
-            </a:endParaRPr>
-          </a:p>
-        </p:txBody>
-      </p:sp>
-      <p:sp>
-        <p:nvSpPr>
-          <p:cNvPr id="55" name="사각형: 둥근 모서리 54">
-            <a:extLst>
-              <a:ext uri="{FF2B5EF4-FFF2-40B4-BE49-F238E27FC236}">
-                <a16:creationId xmlns:a16="http://schemas.microsoft.com/office/drawing/2014/main" id="{821613AE-90D0-9ED1-5AEB-69363B46C093}"/>
-              </a:ext>
-            </a:extLst>
-          </p:cNvPr>
-          <p:cNvSpPr/>
-          <p:nvPr/>
-        </p:nvSpPr>
-        <p:spPr>
-          <a:xfrm>
-            <a:off x="2810717" y="2023512"/>
-            <a:ext cx="1466993" cy="430654"/>
-          </a:xfrm>
-          <a:prstGeom prst="roundRect">
-            <a:avLst>
-              <a:gd name="adj" fmla="val 15623"/>
-            </a:avLst>
-          </a:prstGeom>
-          <a:solidFill>
-            <a:srgbClr val="828CEA"/>
-          </a:solidFill>
-        </p:spPr>
-        <p:style>
-          <a:lnRef idx="2">
-            <a:schemeClr val="accent1">
-              <a:shade val="50000"/>
-            </a:schemeClr>
-          </a:lnRef>
-          <a:fillRef idx="1">
-            <a:schemeClr val="accent1"/>
-          </a:fillRef>
-          <a:effectRef idx="0">
-            <a:schemeClr val="accent1"/>
-          </a:effectRef>
-          <a:fontRef idx="minor">
-            <a:schemeClr val="lt1"/>
-          </a:fontRef>
-        </p:style>
-        <p:txBody>
-          <a:bodyPr rtlCol="0" anchor="ctr"/>
-          <a:lstStyle/>
-          <a:p>
-            <a:pPr algn="ctr"/>
-            <a:r>
-              <a:rPr lang="ko-KR" altLang="en-US" sz="2000" b="1" dirty="0">
-                <a:effectLst>
-                  <a:outerShdw blurRad="38100" dist="38100" dir="2700000" algn="tl">
-                    <a:srgbClr val="000000">
-                      <a:alpha val="43137"/>
-                    </a:srgbClr>
-                  </a:outerShdw>
-                </a:effectLst>
-              </a:rPr>
-              <a:t>회원가입</a:t>
-            </a:r>
-          </a:p>
-        </p:txBody>
-      </p:sp>
-      <p:sp>
-        <p:nvSpPr>
-          <p:cNvPr id="56" name="사각형: 둥근 모서리 55">
-            <a:extLst>
-              <a:ext uri="{FF2B5EF4-FFF2-40B4-BE49-F238E27FC236}">
-                <a16:creationId xmlns:a16="http://schemas.microsoft.com/office/drawing/2014/main" id="{52DAE9B0-2D99-E32C-6B1E-C6046636503F}"/>
-              </a:ext>
-            </a:extLst>
-          </p:cNvPr>
-          <p:cNvSpPr/>
-          <p:nvPr/>
-        </p:nvSpPr>
-        <p:spPr>
-          <a:xfrm>
-            <a:off x="2826482" y="2627857"/>
-            <a:ext cx="1466993" cy="430654"/>
-          </a:xfrm>
-          <a:prstGeom prst="roundRect">
-            <a:avLst>
-              <a:gd name="adj" fmla="val 15623"/>
-            </a:avLst>
-          </a:prstGeom>
-          <a:solidFill>
-            <a:srgbClr val="828CEA"/>
-          </a:solidFill>
-        </p:spPr>
-        <p:style>
-          <a:lnRef idx="2">
-            <a:schemeClr val="accent1">
-              <a:shade val="50000"/>
-            </a:schemeClr>
-          </a:lnRef>
-          <a:fillRef idx="1">
-            <a:schemeClr val="accent1"/>
-          </a:fillRef>
-          <a:effectRef idx="0">
-            <a:schemeClr val="accent1"/>
-          </a:effectRef>
-          <a:fontRef idx="minor">
-            <a:schemeClr val="lt1"/>
-          </a:fontRef>
-        </p:style>
-        <p:txBody>
-          <a:bodyPr rtlCol="0" anchor="ctr"/>
-          <a:lstStyle/>
-          <a:p>
-            <a:pPr algn="ctr"/>
-            <a:r>
-              <a:rPr lang="ko-KR" altLang="en-US" sz="2000" b="1" dirty="0">
-                <a:effectLst>
-                  <a:outerShdw blurRad="38100" dist="38100" dir="2700000" algn="tl">
-                    <a:srgbClr val="000000">
-                      <a:alpha val="43137"/>
-                    </a:srgbClr>
-                  </a:outerShdw>
-                </a:effectLst>
-              </a:rPr>
-              <a:t>정보 수정</a:t>
-            </a:r>
-          </a:p>
-        </p:txBody>
-      </p:sp>
-      <p:sp>
-        <p:nvSpPr>
-          <p:cNvPr id="57" name="사각형: 둥근 모서리 56">
-            <a:extLst>
-              <a:ext uri="{FF2B5EF4-FFF2-40B4-BE49-F238E27FC236}">
-                <a16:creationId xmlns:a16="http://schemas.microsoft.com/office/drawing/2014/main" id="{381ACC84-EEF7-022B-D39A-38F619AB39A6}"/>
-              </a:ext>
-            </a:extLst>
-          </p:cNvPr>
-          <p:cNvSpPr/>
-          <p:nvPr/>
-        </p:nvSpPr>
-        <p:spPr>
-          <a:xfrm>
-            <a:off x="5518266" y="1419167"/>
-            <a:ext cx="1466993" cy="430654"/>
-          </a:xfrm>
-          <a:prstGeom prst="roundRect">
-            <a:avLst>
-              <a:gd name="adj" fmla="val 15623"/>
-            </a:avLst>
-          </a:prstGeom>
-          <a:solidFill>
-            <a:srgbClr val="828CEA"/>
-          </a:solidFill>
-        </p:spPr>
-        <p:style>
-          <a:lnRef idx="2">
-            <a:schemeClr val="accent1">
-              <a:shade val="50000"/>
-            </a:schemeClr>
-          </a:lnRef>
-          <a:fillRef idx="1">
-            <a:schemeClr val="accent1"/>
-          </a:fillRef>
-          <a:effectRef idx="0">
-            <a:schemeClr val="accent1"/>
-          </a:effectRef>
-          <a:fontRef idx="minor">
-            <a:schemeClr val="lt1"/>
-          </a:fontRef>
-        </p:style>
-        <p:txBody>
-          <a:bodyPr rtlCol="0" anchor="ctr"/>
-          <a:lstStyle/>
-          <a:p>
-            <a:pPr algn="ctr"/>
-            <a:r>
-              <a:rPr lang="ko-KR" altLang="en-US" sz="2000" b="1" dirty="0">
-                <a:effectLst>
-                  <a:outerShdw blurRad="38100" dist="38100" dir="2700000" algn="tl">
-                    <a:srgbClr val="000000">
-                      <a:alpha val="43137"/>
-                    </a:srgbClr>
-                  </a:outerShdw>
-                </a:effectLst>
-              </a:rPr>
-              <a:t>읽기 전용</a:t>
-            </a:r>
-          </a:p>
-        </p:txBody>
-      </p:sp>
-      <p:sp>
-        <p:nvSpPr>
-          <p:cNvPr id="58" name="사각형: 둥근 모서리 57">
-            <a:extLst>
-              <a:ext uri="{FF2B5EF4-FFF2-40B4-BE49-F238E27FC236}">
-                <a16:creationId xmlns:a16="http://schemas.microsoft.com/office/drawing/2014/main" id="{53174CC8-E3B1-BC5F-CE59-B497DE2DB4C4}"/>
-              </a:ext>
-            </a:extLst>
-          </p:cNvPr>
-          <p:cNvSpPr/>
-          <p:nvPr/>
-        </p:nvSpPr>
-        <p:spPr>
-          <a:xfrm>
-            <a:off x="5518266" y="2054624"/>
-            <a:ext cx="1466993" cy="430654"/>
-          </a:xfrm>
-          <a:prstGeom prst="roundRect">
-            <a:avLst>
-              <a:gd name="adj" fmla="val 15623"/>
-            </a:avLst>
-          </a:prstGeom>
-          <a:solidFill>
-            <a:srgbClr val="828CEA"/>
-          </a:solidFill>
-        </p:spPr>
-        <p:style>
-          <a:lnRef idx="2">
-            <a:schemeClr val="accent1">
-              <a:shade val="50000"/>
-            </a:schemeClr>
-          </a:lnRef>
-          <a:fillRef idx="1">
-            <a:schemeClr val="accent1"/>
-          </a:fillRef>
-          <a:effectRef idx="0">
-            <a:schemeClr val="accent1"/>
-          </a:effectRef>
-          <a:fontRef idx="minor">
-            <a:schemeClr val="lt1"/>
-          </a:fontRef>
-        </p:style>
-        <p:txBody>
-          <a:bodyPr rtlCol="0" anchor="ctr"/>
-          <a:lstStyle/>
-          <a:p>
-            <a:pPr algn="ctr"/>
-            <a:r>
-              <a:rPr lang="ko-KR" altLang="en-US" sz="2000" b="1" dirty="0">
-                <a:effectLst>
-                  <a:outerShdw blurRad="38100" dist="38100" dir="2700000" algn="tl">
-                    <a:srgbClr val="000000">
-                      <a:alpha val="43137"/>
-                    </a:srgbClr>
-                  </a:outerShdw>
-                </a:effectLst>
-              </a:rPr>
-              <a:t>편집 전용</a:t>
-            </a:r>
-          </a:p>
-        </p:txBody>
-      </p:sp>
-      <p:sp>
-        <p:nvSpPr>
-          <p:cNvPr id="59" name="사각형: 둥근 모서리 58">
-            <a:extLst>
-              <a:ext uri="{FF2B5EF4-FFF2-40B4-BE49-F238E27FC236}">
-                <a16:creationId xmlns:a16="http://schemas.microsoft.com/office/drawing/2014/main" id="{D2F9F16F-D2ED-DD9E-3D43-8FCF3BDC6149}"/>
-              </a:ext>
-            </a:extLst>
-          </p:cNvPr>
-          <p:cNvSpPr/>
-          <p:nvPr/>
-        </p:nvSpPr>
-        <p:spPr>
-          <a:xfrm>
-            <a:off x="5518265" y="2717057"/>
-            <a:ext cx="1466993" cy="430654"/>
-          </a:xfrm>
-          <a:prstGeom prst="roundRect">
-            <a:avLst>
-              <a:gd name="adj" fmla="val 15623"/>
-            </a:avLst>
-          </a:prstGeom>
-          <a:solidFill>
-            <a:srgbClr val="828CEA"/>
-          </a:solidFill>
-        </p:spPr>
-        <p:style>
-          <a:lnRef idx="2">
-            <a:schemeClr val="accent1">
-              <a:shade val="50000"/>
-            </a:schemeClr>
-          </a:lnRef>
-          <a:fillRef idx="1">
-            <a:schemeClr val="accent1"/>
-          </a:fillRef>
-          <a:effectRef idx="0">
-            <a:schemeClr val="accent1"/>
-          </a:effectRef>
-          <a:fontRef idx="minor">
-            <a:schemeClr val="lt1"/>
-          </a:fontRef>
-        </p:style>
-        <p:txBody>
-          <a:bodyPr rtlCol="0" anchor="ctr"/>
-          <a:lstStyle/>
-          <a:p>
-            <a:pPr algn="ctr"/>
-            <a:r>
-              <a:rPr lang="ko-KR" altLang="en-US" sz="2000" b="1" dirty="0">
-                <a:effectLst>
-                  <a:outerShdw blurRad="38100" dist="38100" dir="2700000" algn="tl">
-                    <a:srgbClr val="000000">
-                      <a:alpha val="43137"/>
-                    </a:srgbClr>
-                  </a:outerShdw>
-                </a:effectLst>
-              </a:rPr>
-              <a:t>초대 확인</a:t>
-            </a:r>
-          </a:p>
-        </p:txBody>
-      </p:sp>
-      <p:sp>
-        <p:nvSpPr>
-          <p:cNvPr id="60" name="사각형: 둥근 모서리 59">
-            <a:extLst>
-              <a:ext uri="{FF2B5EF4-FFF2-40B4-BE49-F238E27FC236}">
-                <a16:creationId xmlns:a16="http://schemas.microsoft.com/office/drawing/2014/main" id="{BA859C46-CB0C-D7DC-8A85-47FF6453BFB0}"/>
-              </a:ext>
-            </a:extLst>
-          </p:cNvPr>
-          <p:cNvSpPr/>
-          <p:nvPr/>
-        </p:nvSpPr>
-        <p:spPr>
-          <a:xfrm>
-            <a:off x="8709129" y="1419166"/>
-            <a:ext cx="1466993" cy="430654"/>
-          </a:xfrm>
-          <a:prstGeom prst="roundRect">
-            <a:avLst>
-              <a:gd name="adj" fmla="val 15623"/>
-            </a:avLst>
-          </a:prstGeom>
-          <a:solidFill>
-            <a:srgbClr val="828CEA"/>
-          </a:solidFill>
-        </p:spPr>
-        <p:style>
-          <a:lnRef idx="2">
-            <a:schemeClr val="accent1">
-              <a:shade val="50000"/>
-            </a:schemeClr>
-          </a:lnRef>
-          <a:fillRef idx="1">
-            <a:schemeClr val="accent1"/>
-          </a:fillRef>
-          <a:effectRef idx="0">
-            <a:schemeClr val="accent1"/>
-          </a:effectRef>
-          <a:fontRef idx="minor">
-            <a:schemeClr val="lt1"/>
-          </a:fontRef>
-        </p:style>
-        <p:txBody>
-          <a:bodyPr rtlCol="0" anchor="ctr"/>
-          <a:lstStyle/>
-          <a:p>
-            <a:pPr algn="ctr"/>
-            <a:r>
-              <a:rPr lang="ko-KR" altLang="en-US" sz="2000" b="1" dirty="0">
-                <a:effectLst>
-                  <a:outerShdw blurRad="38100" dist="38100" dir="2700000" algn="tl">
-                    <a:srgbClr val="000000">
-                      <a:alpha val="43137"/>
-                    </a:srgbClr>
-                  </a:outerShdw>
-                </a:effectLst>
-              </a:rPr>
-              <a:t>목표</a:t>
-            </a:r>
-          </a:p>
-        </p:txBody>
-      </p:sp>
-      <p:sp>
-        <p:nvSpPr>
-          <p:cNvPr id="61" name="사각형: 둥근 모서리 60">
-            <a:extLst>
-              <a:ext uri="{FF2B5EF4-FFF2-40B4-BE49-F238E27FC236}">
-                <a16:creationId xmlns:a16="http://schemas.microsoft.com/office/drawing/2014/main" id="{D0B8DDCA-FDF7-E115-4DEA-5EDBBE674398}"/>
-              </a:ext>
-            </a:extLst>
-          </p:cNvPr>
-          <p:cNvSpPr/>
-          <p:nvPr/>
-        </p:nvSpPr>
-        <p:spPr>
-          <a:xfrm>
-            <a:off x="8709129" y="2054623"/>
-            <a:ext cx="1466993" cy="430654"/>
-          </a:xfrm>
-          <a:prstGeom prst="roundRect">
-            <a:avLst>
-              <a:gd name="adj" fmla="val 15623"/>
-            </a:avLst>
-          </a:prstGeom>
-          <a:solidFill>
-            <a:srgbClr val="828CEA"/>
-          </a:solidFill>
-        </p:spPr>
-        <p:style>
-          <a:lnRef idx="2">
-            <a:schemeClr val="accent1">
-              <a:shade val="50000"/>
-            </a:schemeClr>
-          </a:lnRef>
-          <a:fillRef idx="1">
-            <a:schemeClr val="accent1"/>
-          </a:fillRef>
-          <a:effectRef idx="0">
-            <a:schemeClr val="accent1"/>
-          </a:effectRef>
-          <a:fontRef idx="minor">
-            <a:schemeClr val="lt1"/>
-          </a:fontRef>
-        </p:style>
-        <p:txBody>
-          <a:bodyPr rtlCol="0" anchor="ctr"/>
-          <a:lstStyle/>
-          <a:p>
-            <a:pPr algn="ctr"/>
-            <a:r>
-              <a:rPr lang="ko-KR" altLang="en-US" sz="2000" b="1" dirty="0">
-                <a:effectLst>
-                  <a:outerShdw blurRad="38100" dist="38100" dir="2700000" algn="tl">
-                    <a:srgbClr val="000000">
-                      <a:alpha val="43137"/>
-                    </a:srgbClr>
-                  </a:outerShdw>
-                </a:effectLst>
-              </a:rPr>
-              <a:t>하위 목표</a:t>
-            </a:r>
-          </a:p>
-        </p:txBody>
-      </p:sp>
-      <p:sp>
-        <p:nvSpPr>
-          <p:cNvPr id="62" name="사각형: 둥근 모서리 61">
-            <a:extLst>
-              <a:ext uri="{FF2B5EF4-FFF2-40B4-BE49-F238E27FC236}">
-                <a16:creationId xmlns:a16="http://schemas.microsoft.com/office/drawing/2014/main" id="{696C2C38-AC00-2227-8BE3-691A9B6FB92C}"/>
-              </a:ext>
-            </a:extLst>
-          </p:cNvPr>
-          <p:cNvSpPr/>
-          <p:nvPr/>
-        </p:nvSpPr>
-        <p:spPr>
-          <a:xfrm>
-            <a:off x="8709128" y="2690080"/>
-            <a:ext cx="1466993" cy="430654"/>
-          </a:xfrm>
-          <a:prstGeom prst="roundRect">
-            <a:avLst>
-              <a:gd name="adj" fmla="val 15623"/>
-            </a:avLst>
-          </a:prstGeom>
-          <a:solidFill>
-            <a:srgbClr val="828CEA"/>
-          </a:solidFill>
-        </p:spPr>
-        <p:style>
-          <a:lnRef idx="2">
-            <a:schemeClr val="accent1">
-              <a:shade val="50000"/>
-            </a:schemeClr>
-          </a:lnRef>
-          <a:fillRef idx="1">
-            <a:schemeClr val="accent1"/>
-          </a:fillRef>
-          <a:effectRef idx="0">
-            <a:schemeClr val="accent1"/>
-          </a:effectRef>
-          <a:fontRef idx="minor">
-            <a:schemeClr val="lt1"/>
-          </a:fontRef>
-        </p:style>
-        <p:txBody>
-          <a:bodyPr rtlCol="0" anchor="ctr"/>
-          <a:lstStyle/>
-          <a:p>
-            <a:pPr algn="ctr"/>
-            <a:r>
-              <a:rPr lang="ko-KR" altLang="en-US" sz="2000" b="1" dirty="0">
-                <a:effectLst>
-                  <a:outerShdw blurRad="38100" dist="38100" dir="2700000" algn="tl">
-                    <a:srgbClr val="000000">
-                      <a:alpha val="43137"/>
-                    </a:srgbClr>
-                  </a:outerShdw>
-                </a:effectLst>
-              </a:rPr>
-              <a:t>세부 작업</a:t>
-            </a:r>
-          </a:p>
-        </p:txBody>
-      </p:sp>
-      <p:sp>
-        <p:nvSpPr>
-          <p:cNvPr id="63" name="사각형: 둥근 모서리 62">
-            <a:extLst>
-              <a:ext uri="{FF2B5EF4-FFF2-40B4-BE49-F238E27FC236}">
-                <a16:creationId xmlns:a16="http://schemas.microsoft.com/office/drawing/2014/main" id="{11907755-3D27-D688-A1CE-54B002EB0019}"/>
-              </a:ext>
-            </a:extLst>
-          </p:cNvPr>
-          <p:cNvSpPr/>
-          <p:nvPr/>
-        </p:nvSpPr>
-        <p:spPr>
-          <a:xfrm>
-            <a:off x="8709128" y="3352513"/>
-            <a:ext cx="1466993" cy="430654"/>
-          </a:xfrm>
-          <a:prstGeom prst="roundRect">
-            <a:avLst>
-              <a:gd name="adj" fmla="val 15623"/>
-            </a:avLst>
-          </a:prstGeom>
-          <a:solidFill>
-            <a:srgbClr val="828CEA"/>
-          </a:solidFill>
-        </p:spPr>
-        <p:style>
-          <a:lnRef idx="2">
-            <a:schemeClr val="accent1">
-              <a:shade val="50000"/>
-            </a:schemeClr>
-          </a:lnRef>
-          <a:fillRef idx="1">
-            <a:schemeClr val="accent1"/>
-          </a:fillRef>
-          <a:effectRef idx="0">
-            <a:schemeClr val="accent1"/>
-          </a:effectRef>
-          <a:fontRef idx="minor">
-            <a:schemeClr val="lt1"/>
-          </a:fontRef>
-        </p:style>
-        <p:txBody>
-          <a:bodyPr rtlCol="0" anchor="ctr"/>
-          <a:lstStyle/>
-          <a:p>
-            <a:pPr algn="ctr"/>
-            <a:r>
-              <a:rPr lang="ko-KR" altLang="en-US" sz="2000" b="1" dirty="0">
-                <a:effectLst>
-                  <a:outerShdw blurRad="38100" dist="38100" dir="2700000" algn="tl">
-                    <a:srgbClr val="000000">
-                      <a:alpha val="43137"/>
-                    </a:srgbClr>
-                  </a:outerShdw>
-                </a:effectLst>
-              </a:rPr>
-              <a:t>캘린더</a:t>
-            </a:r>
-          </a:p>
-        </p:txBody>
-      </p:sp>
-      <p:sp>
-        <p:nvSpPr>
-          <p:cNvPr id="64" name="사각형: 둥근 모서리 63">
-            <a:extLst>
-              <a:ext uri="{FF2B5EF4-FFF2-40B4-BE49-F238E27FC236}">
-                <a16:creationId xmlns:a16="http://schemas.microsoft.com/office/drawing/2014/main" id="{A01E704C-A8D4-F389-C7E9-49E614ADBDF2}"/>
-              </a:ext>
-            </a:extLst>
-          </p:cNvPr>
-          <p:cNvSpPr/>
-          <p:nvPr/>
-        </p:nvSpPr>
-        <p:spPr>
-          <a:xfrm>
-            <a:off x="8709128" y="4014945"/>
-            <a:ext cx="1466993" cy="430654"/>
-          </a:xfrm>
-          <a:prstGeom prst="roundRect">
-            <a:avLst>
-              <a:gd name="adj" fmla="val 15623"/>
-            </a:avLst>
-          </a:prstGeom>
-          <a:solidFill>
-            <a:srgbClr val="828CEA"/>
-          </a:solidFill>
-        </p:spPr>
-        <p:style>
-          <a:lnRef idx="2">
-            <a:schemeClr val="accent1">
-              <a:shade val="50000"/>
-            </a:schemeClr>
-          </a:lnRef>
-          <a:fillRef idx="1">
-            <a:schemeClr val="accent1"/>
-          </a:fillRef>
-          <a:effectRef idx="0">
-            <a:schemeClr val="accent1"/>
-          </a:effectRef>
-          <a:fontRef idx="minor">
-            <a:schemeClr val="lt1"/>
-          </a:fontRef>
-        </p:style>
-        <p:txBody>
-          <a:bodyPr rtlCol="0" anchor="ctr"/>
-          <a:lstStyle/>
-          <a:p>
-            <a:pPr algn="ctr"/>
-            <a:r>
-              <a:rPr lang="ko-KR" altLang="en-US" sz="2000" b="1" dirty="0">
-                <a:effectLst>
-                  <a:outerShdw blurRad="38100" dist="38100" dir="2700000" algn="tl">
-                    <a:srgbClr val="000000">
-                      <a:alpha val="43137"/>
-                    </a:srgbClr>
-                  </a:outerShdw>
-                </a:effectLst>
-              </a:rPr>
-              <a:t>멤버 초대</a:t>
-            </a:r>
-          </a:p>
-        </p:txBody>
-      </p:sp>
-      <p:sp>
-        <p:nvSpPr>
-          <p:cNvPr id="65" name="사각형: 둥근 모서리 64">
-            <a:extLst>
-              <a:ext uri="{FF2B5EF4-FFF2-40B4-BE49-F238E27FC236}">
-                <a16:creationId xmlns:a16="http://schemas.microsoft.com/office/drawing/2014/main" id="{7A4C4118-42A5-1029-6D4A-135051F5BEF2}"/>
-              </a:ext>
-            </a:extLst>
-          </p:cNvPr>
-          <p:cNvSpPr/>
-          <p:nvPr/>
-        </p:nvSpPr>
-        <p:spPr>
-          <a:xfrm>
-            <a:off x="8703872" y="4650546"/>
-            <a:ext cx="1466993" cy="430654"/>
-          </a:xfrm>
-          <a:prstGeom prst="roundRect">
-            <a:avLst>
-              <a:gd name="adj" fmla="val 15623"/>
-            </a:avLst>
-          </a:prstGeom>
-          <a:solidFill>
-            <a:srgbClr val="828CEA"/>
-          </a:solidFill>
-        </p:spPr>
-        <p:style>
-          <a:lnRef idx="2">
-            <a:schemeClr val="accent1">
-              <a:shade val="50000"/>
-            </a:schemeClr>
-          </a:lnRef>
-          <a:fillRef idx="1">
-            <a:schemeClr val="accent1"/>
-          </a:fillRef>
-          <a:effectRef idx="0">
-            <a:schemeClr val="accent1"/>
-          </a:effectRef>
-          <a:fontRef idx="minor">
-            <a:schemeClr val="lt1"/>
-          </a:fontRef>
-        </p:style>
-        <p:txBody>
-          <a:bodyPr rtlCol="0" anchor="ctr"/>
-          <a:lstStyle/>
-          <a:p>
-            <a:pPr algn="ctr"/>
-            <a:r>
-              <a:rPr lang="ko-KR" altLang="en-US" sz="2000" b="1" dirty="0">
-                <a:effectLst>
-                  <a:outerShdw blurRad="38100" dist="38100" dir="2700000" algn="tl">
-                    <a:srgbClr val="000000">
-                      <a:alpha val="43137"/>
-                    </a:srgbClr>
-                  </a:outerShdw>
-                </a:effectLst>
-              </a:rPr>
-              <a:t>상태 표시</a:t>
-            </a:r>
-          </a:p>
-        </p:txBody>
-      </p:sp>
-      <p:sp>
-        <p:nvSpPr>
-          <p:cNvPr id="66" name="사각형: 둥근 모서리 65">
-            <a:extLst>
-              <a:ext uri="{FF2B5EF4-FFF2-40B4-BE49-F238E27FC236}">
-                <a16:creationId xmlns:a16="http://schemas.microsoft.com/office/drawing/2014/main" id="{7DEEC610-AF0D-B78A-2FD2-E25D869D14E2}"/>
-              </a:ext>
-            </a:extLst>
-          </p:cNvPr>
-          <p:cNvSpPr/>
-          <p:nvPr/>
-        </p:nvSpPr>
-        <p:spPr>
-          <a:xfrm>
-            <a:off x="10663555" y="2690080"/>
-            <a:ext cx="1466993" cy="430654"/>
-          </a:xfrm>
-          <a:prstGeom prst="roundRect">
-            <a:avLst>
-              <a:gd name="adj" fmla="val 15623"/>
-            </a:avLst>
-          </a:prstGeom>
-          <a:solidFill>
-            <a:srgbClr val="5161CE"/>
-          </a:solidFill>
-        </p:spPr>
-        <p:style>
-          <a:lnRef idx="2">
-            <a:schemeClr val="accent1">
-              <a:shade val="50000"/>
-            </a:schemeClr>
-          </a:lnRef>
-          <a:fillRef idx="1">
-            <a:schemeClr val="accent1"/>
-          </a:fillRef>
-          <a:effectRef idx="0">
-            <a:schemeClr val="accent1"/>
-          </a:effectRef>
-          <a:fontRef idx="minor">
-            <a:schemeClr val="lt1"/>
-          </a:fontRef>
-        </p:style>
-        <p:txBody>
-          <a:bodyPr rtlCol="0" anchor="ctr"/>
-          <a:lstStyle/>
-          <a:p>
-            <a:pPr algn="ctr"/>
-            <a:r>
-              <a:rPr lang="ko-KR" altLang="en-US" b="1" dirty="0">
-                <a:effectLst>
-                  <a:outerShdw blurRad="38100" dist="38100" dir="2700000" algn="tl">
-                    <a:srgbClr val="000000">
-                      <a:alpha val="43137"/>
-                    </a:srgbClr>
-                  </a:outerShdw>
-                </a:effectLst>
-              </a:rPr>
-              <a:t>댓글</a:t>
-            </a:r>
-          </a:p>
-        </p:txBody>
-      </p:sp>
-      <p:cxnSp>
-        <p:nvCxnSpPr>
-          <p:cNvPr id="67" name="직선 연결선 66">
-            <a:extLst>
-              <a:ext uri="{FF2B5EF4-FFF2-40B4-BE49-F238E27FC236}">
-                <a16:creationId xmlns:a16="http://schemas.microsoft.com/office/drawing/2014/main" id="{86068A42-F644-616C-D3C0-B3226979DD25}"/>
-              </a:ext>
-            </a:extLst>
-          </p:cNvPr>
-          <p:cNvCxnSpPr>
-            <a:cxnSpLocks/>
-          </p:cNvCxnSpPr>
-          <p:nvPr/>
-        </p:nvCxnSpPr>
-        <p:spPr>
-          <a:xfrm>
-            <a:off x="2333297" y="1192644"/>
-            <a:ext cx="493" cy="1682715"/>
-          </a:xfrm>
-          <a:prstGeom prst="line">
-            <a:avLst/>
-          </a:prstGeom>
-          <a:ln w="38100">
-            <a:solidFill>
-              <a:schemeClr val="accent1">
-                <a:lumMod val="50000"/>
-              </a:schemeClr>
-            </a:solidFill>
-          </a:ln>
-        </p:spPr>
-        <p:style>
-          <a:lnRef idx="1">
-            <a:schemeClr val="accent1"/>
-          </a:lnRef>
-          <a:fillRef idx="0">
-            <a:schemeClr val="accent1"/>
-          </a:fillRef>
-          <a:effectRef idx="0">
-            <a:schemeClr val="accent1"/>
-          </a:effectRef>
-          <a:fontRef idx="minor">
-            <a:schemeClr val="tx1"/>
-          </a:fontRef>
-        </p:style>
-      </p:cxnSp>
-      <p:cxnSp>
-        <p:nvCxnSpPr>
-          <p:cNvPr id="68" name="직선 연결선 67">
-            <a:extLst>
-              <a:ext uri="{FF2B5EF4-FFF2-40B4-BE49-F238E27FC236}">
-                <a16:creationId xmlns:a16="http://schemas.microsoft.com/office/drawing/2014/main" id="{91095343-11FB-EBF1-5DE0-D6AA0235CBEC}"/>
-              </a:ext>
-            </a:extLst>
-          </p:cNvPr>
-          <p:cNvCxnSpPr>
-            <a:cxnSpLocks/>
-            <a:stCxn id="54" idx="1"/>
-          </p:cNvCxnSpPr>
-          <p:nvPr/>
-        </p:nvCxnSpPr>
-        <p:spPr>
-          <a:xfrm flipH="1">
-            <a:off x="2318025" y="1634494"/>
-            <a:ext cx="492692" cy="0"/>
-          </a:xfrm>
-          <a:prstGeom prst="line">
-            <a:avLst/>
-          </a:prstGeom>
-          <a:ln w="38100">
-            <a:solidFill>
-              <a:schemeClr val="accent1">
-                <a:lumMod val="50000"/>
-              </a:schemeClr>
-            </a:solidFill>
-          </a:ln>
-        </p:spPr>
-        <p:style>
-          <a:lnRef idx="1">
-            <a:schemeClr val="accent1"/>
-          </a:lnRef>
-          <a:fillRef idx="0">
-            <a:schemeClr val="accent1"/>
-          </a:fillRef>
-          <a:effectRef idx="0">
-            <a:schemeClr val="accent1"/>
-          </a:effectRef>
-          <a:fontRef idx="minor">
-            <a:schemeClr val="tx1"/>
-          </a:fontRef>
-        </p:style>
-      </p:cxnSp>
-      <p:cxnSp>
-        <p:nvCxnSpPr>
-          <p:cNvPr id="69" name="직선 연결선 68">
-            <a:extLst>
-              <a:ext uri="{FF2B5EF4-FFF2-40B4-BE49-F238E27FC236}">
-                <a16:creationId xmlns:a16="http://schemas.microsoft.com/office/drawing/2014/main" id="{C9C1C5EB-82BA-31CE-277C-55846A241835}"/>
-              </a:ext>
-            </a:extLst>
-          </p:cNvPr>
-          <p:cNvCxnSpPr>
-            <a:cxnSpLocks/>
-          </p:cNvCxnSpPr>
-          <p:nvPr/>
-        </p:nvCxnSpPr>
-        <p:spPr>
-          <a:xfrm flipH="1">
-            <a:off x="2316627" y="2238839"/>
-            <a:ext cx="492692" cy="0"/>
-          </a:xfrm>
-          <a:prstGeom prst="line">
-            <a:avLst/>
-          </a:prstGeom>
-          <a:ln w="38100">
-            <a:solidFill>
-              <a:schemeClr val="accent1">
-                <a:lumMod val="50000"/>
-              </a:schemeClr>
-            </a:solidFill>
-          </a:ln>
-        </p:spPr>
-        <p:style>
-          <a:lnRef idx="1">
-            <a:schemeClr val="accent1"/>
-          </a:lnRef>
-          <a:fillRef idx="0">
-            <a:schemeClr val="accent1"/>
-          </a:fillRef>
-          <a:effectRef idx="0">
-            <a:schemeClr val="accent1"/>
-          </a:effectRef>
-          <a:fontRef idx="minor">
-            <a:schemeClr val="tx1"/>
-          </a:fontRef>
-        </p:style>
-      </p:cxnSp>
-      <p:cxnSp>
-        <p:nvCxnSpPr>
-          <p:cNvPr id="70" name="직선 연결선 69">
-            <a:extLst>
-              <a:ext uri="{FF2B5EF4-FFF2-40B4-BE49-F238E27FC236}">
-                <a16:creationId xmlns:a16="http://schemas.microsoft.com/office/drawing/2014/main" id="{57217C60-4BCB-BA37-0A60-3C5457E12CB9}"/>
-              </a:ext>
-            </a:extLst>
-          </p:cNvPr>
-          <p:cNvCxnSpPr>
-            <a:cxnSpLocks/>
-          </p:cNvCxnSpPr>
-          <p:nvPr/>
-        </p:nvCxnSpPr>
-        <p:spPr>
-          <a:xfrm flipH="1">
-            <a:off x="2333790" y="2862726"/>
-            <a:ext cx="492692" cy="0"/>
-          </a:xfrm>
-          <a:prstGeom prst="line">
-            <a:avLst/>
-          </a:prstGeom>
-          <a:ln w="38100">
-            <a:solidFill>
-              <a:schemeClr val="accent1">
-                <a:lumMod val="50000"/>
-              </a:schemeClr>
-            </a:solidFill>
-          </a:ln>
-        </p:spPr>
-        <p:style>
-          <a:lnRef idx="1">
-            <a:schemeClr val="accent1"/>
-          </a:lnRef>
-          <a:fillRef idx="0">
-            <a:schemeClr val="accent1"/>
-          </a:fillRef>
-          <a:effectRef idx="0">
-            <a:schemeClr val="accent1"/>
-          </a:effectRef>
-          <a:fontRef idx="minor">
-            <a:schemeClr val="tx1"/>
-          </a:fontRef>
-        </p:style>
-      </p:cxnSp>
-      <p:cxnSp>
-        <p:nvCxnSpPr>
-          <p:cNvPr id="71" name="직선 연결선 70">
-            <a:extLst>
-              <a:ext uri="{FF2B5EF4-FFF2-40B4-BE49-F238E27FC236}">
-                <a16:creationId xmlns:a16="http://schemas.microsoft.com/office/drawing/2014/main" id="{F8C3B0F9-CDB3-D91D-A9A3-FAE5E67E189A}"/>
-              </a:ext>
-            </a:extLst>
-          </p:cNvPr>
-          <p:cNvCxnSpPr>
-            <a:cxnSpLocks/>
-          </p:cNvCxnSpPr>
-          <p:nvPr/>
-        </p:nvCxnSpPr>
-        <p:spPr>
-          <a:xfrm>
-            <a:off x="5026972" y="1213266"/>
-            <a:ext cx="493" cy="1682715"/>
-          </a:xfrm>
-          <a:prstGeom prst="line">
-            <a:avLst/>
-          </a:prstGeom>
-          <a:ln w="38100">
-            <a:solidFill>
-              <a:schemeClr val="accent1">
-                <a:lumMod val="50000"/>
-              </a:schemeClr>
-            </a:solidFill>
-          </a:ln>
-        </p:spPr>
-        <p:style>
-          <a:lnRef idx="1">
-            <a:schemeClr val="accent1"/>
-          </a:lnRef>
-          <a:fillRef idx="0">
-            <a:schemeClr val="accent1"/>
-          </a:fillRef>
-          <a:effectRef idx="0">
-            <a:schemeClr val="accent1"/>
-          </a:effectRef>
-          <a:fontRef idx="minor">
-            <a:schemeClr val="tx1"/>
-          </a:fontRef>
-        </p:style>
-      </p:cxnSp>
-      <p:cxnSp>
-        <p:nvCxnSpPr>
-          <p:cNvPr id="72" name="직선 연결선 71">
-            <a:extLst>
-              <a:ext uri="{FF2B5EF4-FFF2-40B4-BE49-F238E27FC236}">
-                <a16:creationId xmlns:a16="http://schemas.microsoft.com/office/drawing/2014/main" id="{3EF0E5D0-DE5F-F838-19A0-18D17EDC0D21}"/>
-              </a:ext>
-            </a:extLst>
-          </p:cNvPr>
-          <p:cNvCxnSpPr>
-            <a:cxnSpLocks/>
-          </p:cNvCxnSpPr>
-          <p:nvPr/>
-        </p:nvCxnSpPr>
-        <p:spPr>
-          <a:xfrm flipH="1">
-            <a:off x="5011700" y="1655116"/>
-            <a:ext cx="492692" cy="0"/>
-          </a:xfrm>
-          <a:prstGeom prst="line">
-            <a:avLst/>
-          </a:prstGeom>
-          <a:ln w="38100">
-            <a:solidFill>
-              <a:schemeClr val="accent1">
-                <a:lumMod val="50000"/>
-              </a:schemeClr>
-            </a:solidFill>
-          </a:ln>
-        </p:spPr>
-        <p:style>
-          <a:lnRef idx="1">
-            <a:schemeClr val="accent1"/>
-          </a:lnRef>
-          <a:fillRef idx="0">
-            <a:schemeClr val="accent1"/>
-          </a:fillRef>
-          <a:effectRef idx="0">
-            <a:schemeClr val="accent1"/>
-          </a:effectRef>
-          <a:fontRef idx="minor">
-            <a:schemeClr val="tx1"/>
-          </a:fontRef>
-        </p:style>
-      </p:cxnSp>
-      <p:cxnSp>
-        <p:nvCxnSpPr>
-          <p:cNvPr id="73" name="직선 연결선 72">
-            <a:extLst>
-              <a:ext uri="{FF2B5EF4-FFF2-40B4-BE49-F238E27FC236}">
-                <a16:creationId xmlns:a16="http://schemas.microsoft.com/office/drawing/2014/main" id="{6313B5C3-2461-88BD-F8B3-D73337190044}"/>
-              </a:ext>
-            </a:extLst>
-          </p:cNvPr>
-          <p:cNvCxnSpPr>
-            <a:cxnSpLocks/>
-          </p:cNvCxnSpPr>
-          <p:nvPr/>
-        </p:nvCxnSpPr>
-        <p:spPr>
-          <a:xfrm flipH="1">
-            <a:off x="5010302" y="2259461"/>
-            <a:ext cx="492692" cy="0"/>
-          </a:xfrm>
-          <a:prstGeom prst="line">
-            <a:avLst/>
-          </a:prstGeom>
-          <a:ln w="38100">
-            <a:solidFill>
-              <a:schemeClr val="accent1">
-                <a:lumMod val="50000"/>
-              </a:schemeClr>
-            </a:solidFill>
-          </a:ln>
-        </p:spPr>
-        <p:style>
-          <a:lnRef idx="1">
-            <a:schemeClr val="accent1"/>
-          </a:lnRef>
-          <a:fillRef idx="0">
-            <a:schemeClr val="accent1"/>
-          </a:fillRef>
-          <a:effectRef idx="0">
-            <a:schemeClr val="accent1"/>
-          </a:effectRef>
-          <a:fontRef idx="minor">
-            <a:schemeClr val="tx1"/>
-          </a:fontRef>
-        </p:style>
-      </p:cxnSp>
-      <p:cxnSp>
-        <p:nvCxnSpPr>
-          <p:cNvPr id="74" name="직선 연결선 73">
-            <a:extLst>
-              <a:ext uri="{FF2B5EF4-FFF2-40B4-BE49-F238E27FC236}">
-                <a16:creationId xmlns:a16="http://schemas.microsoft.com/office/drawing/2014/main" id="{EFCE4BA6-0849-D502-A8B7-0515974F16E5}"/>
-              </a:ext>
-            </a:extLst>
-          </p:cNvPr>
-          <p:cNvCxnSpPr>
-            <a:cxnSpLocks/>
-          </p:cNvCxnSpPr>
-          <p:nvPr/>
-        </p:nvCxnSpPr>
-        <p:spPr>
-          <a:xfrm flipH="1">
-            <a:off x="5027465" y="2883348"/>
-            <a:ext cx="492692" cy="0"/>
-          </a:xfrm>
-          <a:prstGeom prst="line">
-            <a:avLst/>
-          </a:prstGeom>
-          <a:ln w="38100">
-            <a:solidFill>
-              <a:schemeClr val="accent1">
-                <a:lumMod val="50000"/>
-              </a:schemeClr>
-            </a:solidFill>
-          </a:ln>
-        </p:spPr>
-        <p:style>
-          <a:lnRef idx="1">
-            <a:schemeClr val="accent1"/>
-          </a:lnRef>
-          <a:fillRef idx="0">
-            <a:schemeClr val="accent1"/>
-          </a:fillRef>
-          <a:effectRef idx="0">
-            <a:schemeClr val="accent1"/>
-          </a:effectRef>
-          <a:fontRef idx="minor">
-            <a:schemeClr val="tx1"/>
-          </a:fontRef>
-        </p:style>
-      </p:cxnSp>
-      <p:cxnSp>
-        <p:nvCxnSpPr>
-          <p:cNvPr id="75" name="직선 연결선 74">
-            <a:extLst>
-              <a:ext uri="{FF2B5EF4-FFF2-40B4-BE49-F238E27FC236}">
-                <a16:creationId xmlns:a16="http://schemas.microsoft.com/office/drawing/2014/main" id="{A4FF6685-AAA1-4051-F704-BE9ACB833611}"/>
-              </a:ext>
-            </a:extLst>
-          </p:cNvPr>
-          <p:cNvCxnSpPr>
-            <a:cxnSpLocks/>
-          </p:cNvCxnSpPr>
-          <p:nvPr/>
-        </p:nvCxnSpPr>
-        <p:spPr>
-          <a:xfrm flipH="1">
-            <a:off x="8174285" y="1192643"/>
-            <a:ext cx="15066" cy="3710350"/>
-          </a:xfrm>
-          <a:prstGeom prst="line">
-            <a:avLst/>
-          </a:prstGeom>
-          <a:ln w="38100">
-            <a:solidFill>
-              <a:schemeClr val="accent1">
-                <a:lumMod val="50000"/>
-              </a:schemeClr>
-            </a:solidFill>
-          </a:ln>
-        </p:spPr>
-        <p:style>
-          <a:lnRef idx="1">
-            <a:schemeClr val="accent1"/>
-          </a:lnRef>
-          <a:fillRef idx="0">
-            <a:schemeClr val="accent1"/>
-          </a:fillRef>
-          <a:effectRef idx="0">
-            <a:schemeClr val="accent1"/>
-          </a:effectRef>
-          <a:fontRef idx="minor">
-            <a:schemeClr val="tx1"/>
-          </a:fontRef>
-        </p:style>
-      </p:cxnSp>
-      <p:cxnSp>
-        <p:nvCxnSpPr>
-          <p:cNvPr id="76" name="직선 연결선 75">
-            <a:extLst>
-              <a:ext uri="{FF2B5EF4-FFF2-40B4-BE49-F238E27FC236}">
-                <a16:creationId xmlns:a16="http://schemas.microsoft.com/office/drawing/2014/main" id="{3271A351-DB69-9CF3-1FBF-A136B7F58364}"/>
-              </a:ext>
-            </a:extLst>
-          </p:cNvPr>
-          <p:cNvCxnSpPr>
-            <a:cxnSpLocks/>
-            <a:stCxn id="60" idx="1"/>
-          </p:cNvCxnSpPr>
-          <p:nvPr/>
-        </p:nvCxnSpPr>
-        <p:spPr>
-          <a:xfrm flipH="1">
-            <a:off x="8178842" y="1634493"/>
-            <a:ext cx="530287" cy="0"/>
-          </a:xfrm>
-          <a:prstGeom prst="line">
-            <a:avLst/>
-          </a:prstGeom>
-          <a:ln w="38100">
-            <a:solidFill>
-              <a:schemeClr val="accent1">
-                <a:lumMod val="50000"/>
-              </a:schemeClr>
-            </a:solidFill>
-          </a:ln>
-        </p:spPr>
-        <p:style>
-          <a:lnRef idx="1">
-            <a:schemeClr val="accent1"/>
-          </a:lnRef>
-          <a:fillRef idx="0">
-            <a:schemeClr val="accent1"/>
-          </a:fillRef>
-          <a:effectRef idx="0">
-            <a:schemeClr val="accent1"/>
-          </a:effectRef>
-          <a:fontRef idx="minor">
-            <a:schemeClr val="tx1"/>
-          </a:fontRef>
-        </p:style>
-      </p:cxnSp>
-      <p:cxnSp>
-        <p:nvCxnSpPr>
-          <p:cNvPr id="77" name="직선 연결선 76">
-            <a:extLst>
-              <a:ext uri="{FF2B5EF4-FFF2-40B4-BE49-F238E27FC236}">
-                <a16:creationId xmlns:a16="http://schemas.microsoft.com/office/drawing/2014/main" id="{CCC46968-3BF7-BAFA-B5F8-7DDA32905B83}"/>
-              </a:ext>
-            </a:extLst>
-          </p:cNvPr>
-          <p:cNvCxnSpPr>
-            <a:cxnSpLocks/>
-            <a:stCxn id="61" idx="1"/>
-          </p:cNvCxnSpPr>
-          <p:nvPr/>
-        </p:nvCxnSpPr>
-        <p:spPr>
-          <a:xfrm flipH="1">
-            <a:off x="8178842" y="2269950"/>
-            <a:ext cx="530287" cy="82"/>
-          </a:xfrm>
-          <a:prstGeom prst="line">
-            <a:avLst/>
-          </a:prstGeom>
-          <a:ln w="38100">
-            <a:solidFill>
-              <a:schemeClr val="accent1">
-                <a:lumMod val="50000"/>
-              </a:schemeClr>
-            </a:solidFill>
-          </a:ln>
-        </p:spPr>
-        <p:style>
-          <a:lnRef idx="1">
-            <a:schemeClr val="accent1"/>
-          </a:lnRef>
-          <a:fillRef idx="0">
-            <a:schemeClr val="accent1"/>
-          </a:fillRef>
-          <a:effectRef idx="0">
-            <a:schemeClr val="accent1"/>
-          </a:effectRef>
-          <a:fontRef idx="minor">
-            <a:schemeClr val="tx1"/>
-          </a:fontRef>
-        </p:style>
-      </p:cxnSp>
-      <p:cxnSp>
-        <p:nvCxnSpPr>
-          <p:cNvPr id="78" name="직선 연결선 77">
-            <a:extLst>
-              <a:ext uri="{FF2B5EF4-FFF2-40B4-BE49-F238E27FC236}">
-                <a16:creationId xmlns:a16="http://schemas.microsoft.com/office/drawing/2014/main" id="{0ED82EFA-5C05-E089-8D12-1C6F532637A0}"/>
-              </a:ext>
-            </a:extLst>
-          </p:cNvPr>
-          <p:cNvCxnSpPr>
-            <a:cxnSpLocks/>
-            <a:stCxn id="62" idx="1"/>
-          </p:cNvCxnSpPr>
-          <p:nvPr/>
-        </p:nvCxnSpPr>
-        <p:spPr>
-          <a:xfrm flipH="1">
-            <a:off x="8189351" y="2905407"/>
-            <a:ext cx="519777" cy="561"/>
-          </a:xfrm>
-          <a:prstGeom prst="line">
-            <a:avLst/>
-          </a:prstGeom>
-          <a:ln w="38100">
-            <a:solidFill>
-              <a:schemeClr val="accent1">
-                <a:lumMod val="50000"/>
-              </a:schemeClr>
-            </a:solidFill>
-          </a:ln>
-        </p:spPr>
-        <p:style>
-          <a:lnRef idx="1">
-            <a:schemeClr val="accent1"/>
-          </a:lnRef>
-          <a:fillRef idx="0">
-            <a:schemeClr val="accent1"/>
-          </a:fillRef>
-          <a:effectRef idx="0">
-            <a:schemeClr val="accent1"/>
-          </a:effectRef>
-          <a:fontRef idx="minor">
-            <a:schemeClr val="tx1"/>
-          </a:fontRef>
-        </p:style>
-      </p:cxnSp>
-      <p:cxnSp>
-        <p:nvCxnSpPr>
-          <p:cNvPr id="79" name="직선 연결선 78">
-            <a:extLst>
-              <a:ext uri="{FF2B5EF4-FFF2-40B4-BE49-F238E27FC236}">
-                <a16:creationId xmlns:a16="http://schemas.microsoft.com/office/drawing/2014/main" id="{287C581C-34EB-8B0B-DC93-F2524A7623B8}"/>
-              </a:ext>
-            </a:extLst>
-          </p:cNvPr>
-          <p:cNvCxnSpPr>
-            <a:cxnSpLocks/>
-          </p:cNvCxnSpPr>
-          <p:nvPr/>
-        </p:nvCxnSpPr>
-        <p:spPr>
-          <a:xfrm flipH="1">
-            <a:off x="8184096" y="3567279"/>
-            <a:ext cx="519777" cy="561"/>
-          </a:xfrm>
-          <a:prstGeom prst="line">
-            <a:avLst/>
-          </a:prstGeom>
-          <a:ln w="38100">
-            <a:solidFill>
-              <a:schemeClr val="accent1">
-                <a:lumMod val="50000"/>
-              </a:schemeClr>
-            </a:solidFill>
-          </a:ln>
-        </p:spPr>
-        <p:style>
-          <a:lnRef idx="1">
-            <a:schemeClr val="accent1"/>
-          </a:lnRef>
-          <a:fillRef idx="0">
-            <a:schemeClr val="accent1"/>
-          </a:fillRef>
-          <a:effectRef idx="0">
-            <a:schemeClr val="accent1"/>
-          </a:effectRef>
-          <a:fontRef idx="minor">
-            <a:schemeClr val="tx1"/>
-          </a:fontRef>
-        </p:style>
-      </p:cxnSp>
-      <p:cxnSp>
-        <p:nvCxnSpPr>
-          <p:cNvPr id="80" name="직선 연결선 79">
-            <a:extLst>
-              <a:ext uri="{FF2B5EF4-FFF2-40B4-BE49-F238E27FC236}">
-                <a16:creationId xmlns:a16="http://schemas.microsoft.com/office/drawing/2014/main" id="{028E390F-9407-E6FC-546D-9648789BF88F}"/>
-              </a:ext>
-            </a:extLst>
-          </p:cNvPr>
-          <p:cNvCxnSpPr>
-            <a:cxnSpLocks/>
-          </p:cNvCxnSpPr>
-          <p:nvPr/>
-        </p:nvCxnSpPr>
-        <p:spPr>
-          <a:xfrm flipH="1">
-            <a:off x="8186724" y="4228590"/>
-            <a:ext cx="519777" cy="561"/>
-          </a:xfrm>
-          <a:prstGeom prst="line">
-            <a:avLst/>
-          </a:prstGeom>
-          <a:ln w="38100">
-            <a:solidFill>
-              <a:schemeClr val="accent1">
-                <a:lumMod val="50000"/>
-              </a:schemeClr>
-            </a:solidFill>
-          </a:ln>
-        </p:spPr>
-        <p:style>
-          <a:lnRef idx="1">
-            <a:schemeClr val="accent1"/>
-          </a:lnRef>
-          <a:fillRef idx="0">
-            <a:schemeClr val="accent1"/>
-          </a:fillRef>
-          <a:effectRef idx="0">
-            <a:schemeClr val="accent1"/>
-          </a:effectRef>
-          <a:fontRef idx="minor">
-            <a:schemeClr val="tx1"/>
-          </a:fontRef>
-        </p:style>
-      </p:cxnSp>
-      <p:cxnSp>
-        <p:nvCxnSpPr>
-          <p:cNvPr id="81" name="직선 연결선 80">
-            <a:extLst>
-              <a:ext uri="{FF2B5EF4-FFF2-40B4-BE49-F238E27FC236}">
-                <a16:creationId xmlns:a16="http://schemas.microsoft.com/office/drawing/2014/main" id="{BC6917AF-B6FD-92C1-82E4-ACA88687F428}"/>
-              </a:ext>
-            </a:extLst>
-          </p:cNvPr>
-          <p:cNvCxnSpPr>
-            <a:cxnSpLocks/>
-          </p:cNvCxnSpPr>
-          <p:nvPr/>
-        </p:nvCxnSpPr>
-        <p:spPr>
-          <a:xfrm flipH="1">
-            <a:off x="8186724" y="4885824"/>
-            <a:ext cx="519777" cy="561"/>
-          </a:xfrm>
-          <a:prstGeom prst="line">
-            <a:avLst/>
-          </a:prstGeom>
-          <a:ln w="38100">
-            <a:solidFill>
-              <a:schemeClr val="accent1">
-                <a:lumMod val="50000"/>
-              </a:schemeClr>
-            </a:solidFill>
-          </a:ln>
-        </p:spPr>
-        <p:style>
-          <a:lnRef idx="1">
-            <a:schemeClr val="accent1"/>
-          </a:lnRef>
-          <a:fillRef idx="0">
-            <a:schemeClr val="accent1"/>
-          </a:fillRef>
-          <a:effectRef idx="0">
-            <a:schemeClr val="accent1"/>
-          </a:effectRef>
-          <a:fontRef idx="minor">
-            <a:schemeClr val="tx1"/>
-          </a:fontRef>
-        </p:style>
-      </p:cxnSp>
-      <p:cxnSp>
-        <p:nvCxnSpPr>
-          <p:cNvPr id="82" name="직선 연결선 81">
-            <a:extLst>
-              <a:ext uri="{FF2B5EF4-FFF2-40B4-BE49-F238E27FC236}">
-                <a16:creationId xmlns:a16="http://schemas.microsoft.com/office/drawing/2014/main" id="{27B63F75-D39F-4E1E-6674-CDD3633105D2}"/>
-              </a:ext>
-            </a:extLst>
-          </p:cNvPr>
-          <p:cNvCxnSpPr>
-            <a:cxnSpLocks/>
-            <a:stCxn id="66" idx="1"/>
-            <a:endCxn id="62" idx="3"/>
-          </p:cNvCxnSpPr>
-          <p:nvPr/>
-        </p:nvCxnSpPr>
-        <p:spPr>
-          <a:xfrm flipH="1">
-            <a:off x="10176121" y="2905407"/>
-            <a:ext cx="487434" cy="0"/>
-          </a:xfrm>
-          <a:prstGeom prst="line">
-            <a:avLst/>
-          </a:prstGeom>
-          <a:ln w="38100">
-            <a:solidFill>
-              <a:schemeClr val="accent1">
-                <a:lumMod val="50000"/>
-              </a:schemeClr>
-            </a:solidFill>
-          </a:ln>
-        </p:spPr>
-        <p:style>
-          <a:lnRef idx="1">
-            <a:schemeClr val="accent1"/>
-          </a:lnRef>
-          <a:fillRef idx="0">
-            <a:schemeClr val="accent1"/>
-          </a:fillRef>
-          <a:effectRef idx="0">
-            <a:schemeClr val="accent1"/>
-          </a:effectRef>
-          <a:fontRef idx="minor">
-            <a:schemeClr val="tx1"/>
-          </a:fontRef>
-        </p:style>
-      </p:cxnSp>
-      <p:sp>
-        <p:nvSpPr>
-          <p:cNvPr id="83" name="사각형: 둥근 모서리 82">
-            <a:extLst>
-              <a:ext uri="{FF2B5EF4-FFF2-40B4-BE49-F238E27FC236}">
-                <a16:creationId xmlns:a16="http://schemas.microsoft.com/office/drawing/2014/main" id="{6D44B548-BE25-9C4B-3785-A83667AA9436}"/>
-              </a:ext>
-            </a:extLst>
-          </p:cNvPr>
-          <p:cNvSpPr/>
-          <p:nvPr/>
-        </p:nvSpPr>
-        <p:spPr>
-          <a:xfrm>
-            <a:off x="5045022" y="4472339"/>
-            <a:ext cx="1466993" cy="430654"/>
-          </a:xfrm>
-          <a:prstGeom prst="roundRect">
-            <a:avLst>
-              <a:gd name="adj" fmla="val 15623"/>
-            </a:avLst>
-          </a:prstGeom>
-          <a:solidFill>
-            <a:srgbClr val="828CEA"/>
-          </a:solidFill>
-        </p:spPr>
-        <p:style>
-          <a:lnRef idx="2">
-            <a:schemeClr val="accent1">
-              <a:shade val="50000"/>
-            </a:schemeClr>
-          </a:lnRef>
-          <a:fillRef idx="1">
-            <a:schemeClr val="accent1"/>
-          </a:fillRef>
-          <a:effectRef idx="0">
-            <a:schemeClr val="accent1"/>
-          </a:effectRef>
-          <a:fontRef idx="minor">
-            <a:schemeClr val="lt1"/>
-          </a:fontRef>
-        </p:style>
-        <p:txBody>
-          <a:bodyPr rtlCol="0" anchor="ctr"/>
-          <a:lstStyle/>
-          <a:p>
-            <a:pPr algn="ctr"/>
-            <a:r>
-              <a:rPr lang="en-US" altLang="ko-KR" b="1" dirty="0" err="1">
-                <a:effectLst>
-                  <a:outerShdw blurRad="38100" dist="38100" dir="2700000" algn="tl">
-                    <a:srgbClr val="000000">
-                      <a:alpha val="43137"/>
-                    </a:srgbClr>
-                  </a:outerShdw>
-                </a:effectLst>
-              </a:rPr>
-              <a:t>Hitory</a:t>
-            </a:r>
-            <a:endParaRPr lang="ko-KR" altLang="en-US" b="1" dirty="0">
-              <a:effectLst>
-                <a:outerShdw blurRad="38100" dist="38100" dir="2700000" algn="tl">
-                  <a:srgbClr val="000000">
-                    <a:alpha val="43137"/>
-                  </a:srgbClr>
-                </a:outerShdw>
-              </a:effectLst>
-            </a:endParaRPr>
-          </a:p>
-        </p:txBody>
-      </p:sp>
-      <p:sp>
-        <p:nvSpPr>
-          <p:cNvPr id="84" name="사각형: 둥근 모서리 83">
-            <a:extLst>
-              <a:ext uri="{FF2B5EF4-FFF2-40B4-BE49-F238E27FC236}">
-                <a16:creationId xmlns:a16="http://schemas.microsoft.com/office/drawing/2014/main" id="{C0025831-D734-64D4-D86C-1775BEEBCC07}"/>
-              </a:ext>
-            </a:extLst>
-          </p:cNvPr>
-          <p:cNvSpPr/>
-          <p:nvPr/>
-        </p:nvSpPr>
-        <p:spPr>
-          <a:xfrm>
-            <a:off x="2810716" y="4483146"/>
-            <a:ext cx="1466993" cy="430654"/>
-          </a:xfrm>
-          <a:prstGeom prst="roundRect">
-            <a:avLst>
-              <a:gd name="adj" fmla="val 15623"/>
-            </a:avLst>
-          </a:prstGeom>
-          <a:solidFill>
-            <a:srgbClr val="828CEA"/>
-          </a:solidFill>
-        </p:spPr>
-        <p:style>
-          <a:lnRef idx="2">
-            <a:schemeClr val="accent1">
-              <a:shade val="50000"/>
-            </a:schemeClr>
-          </a:lnRef>
-          <a:fillRef idx="1">
-            <a:schemeClr val="accent1"/>
-          </a:fillRef>
-          <a:effectRef idx="0">
-            <a:schemeClr val="accent1"/>
-          </a:effectRef>
-          <a:fontRef idx="minor">
-            <a:schemeClr val="lt1"/>
-          </a:fontRef>
-        </p:style>
-        <p:txBody>
-          <a:bodyPr rtlCol="0" anchor="ctr"/>
-          <a:lstStyle/>
-          <a:p>
-            <a:pPr algn="ctr"/>
-            <a:r>
-              <a:rPr lang="ko-KR" altLang="en-US" sz="2000" b="1" dirty="0">
-                <a:effectLst>
-                  <a:outerShdw blurRad="38100" dist="38100" dir="2700000" algn="tl">
-                    <a:srgbClr val="000000">
-                      <a:alpha val="43137"/>
-                    </a:srgbClr>
-                  </a:outerShdw>
-                </a:effectLst>
-              </a:rPr>
-              <a:t>편집</a:t>
-            </a:r>
-          </a:p>
-        </p:txBody>
-      </p:sp>
-      <p:sp>
-        <p:nvSpPr>
-          <p:cNvPr id="85" name="사각형: 둥근 모서리 84">
-            <a:extLst>
-              <a:ext uri="{FF2B5EF4-FFF2-40B4-BE49-F238E27FC236}">
-                <a16:creationId xmlns:a16="http://schemas.microsoft.com/office/drawing/2014/main" id="{1C5683FC-69A7-9A79-685E-759D3C84B0AC}"/>
-              </a:ext>
-            </a:extLst>
-          </p:cNvPr>
-          <p:cNvSpPr/>
-          <p:nvPr/>
-        </p:nvSpPr>
-        <p:spPr>
-          <a:xfrm>
-            <a:off x="5045021" y="5017036"/>
-            <a:ext cx="1466993" cy="430654"/>
-          </a:xfrm>
-          <a:prstGeom prst="roundRect">
-            <a:avLst>
-              <a:gd name="adj" fmla="val 15623"/>
-            </a:avLst>
-          </a:prstGeom>
-          <a:solidFill>
-            <a:srgbClr val="828CEA"/>
-          </a:solidFill>
-        </p:spPr>
-        <p:style>
-          <a:lnRef idx="2">
-            <a:schemeClr val="accent1">
-              <a:shade val="50000"/>
-            </a:schemeClr>
-          </a:lnRef>
-          <a:fillRef idx="1">
-            <a:schemeClr val="accent1"/>
-          </a:fillRef>
-          <a:effectRef idx="0">
-            <a:schemeClr val="accent1"/>
-          </a:effectRef>
-          <a:fontRef idx="minor">
-            <a:schemeClr val="lt1"/>
-          </a:fontRef>
-        </p:style>
-        <p:txBody>
-          <a:bodyPr rtlCol="0" anchor="ctr"/>
-          <a:lstStyle/>
-          <a:p>
-            <a:pPr algn="ctr"/>
-            <a:r>
-              <a:rPr lang="ko-KR" altLang="en-US" b="1" dirty="0">
-                <a:effectLst>
-                  <a:outerShdw blurRad="38100" dist="38100" dir="2700000" algn="tl">
-                    <a:srgbClr val="000000">
-                      <a:alpha val="43137"/>
-                    </a:srgbClr>
-                  </a:outerShdw>
-                </a:effectLst>
-              </a:rPr>
-              <a:t>이미지</a:t>
-            </a:r>
-          </a:p>
-        </p:txBody>
-      </p:sp>
-      <p:sp>
-        <p:nvSpPr>
-          <p:cNvPr id="86" name="사각형: 둥근 모서리 85">
-            <a:extLst>
-              <a:ext uri="{FF2B5EF4-FFF2-40B4-BE49-F238E27FC236}">
-                <a16:creationId xmlns:a16="http://schemas.microsoft.com/office/drawing/2014/main" id="{B7CE4157-8A30-0574-1CF7-8A195488CA0E}"/>
-              </a:ext>
-            </a:extLst>
-          </p:cNvPr>
-          <p:cNvSpPr/>
-          <p:nvPr/>
-        </p:nvSpPr>
-        <p:spPr>
-          <a:xfrm>
-            <a:off x="2809319" y="5537687"/>
-            <a:ext cx="1466993" cy="430654"/>
-          </a:xfrm>
-          <a:prstGeom prst="roundRect">
-            <a:avLst>
-              <a:gd name="adj" fmla="val 15623"/>
-            </a:avLst>
-          </a:prstGeom>
-          <a:solidFill>
-            <a:srgbClr val="828CEA"/>
-          </a:solidFill>
-        </p:spPr>
-        <p:style>
-          <a:lnRef idx="2">
-            <a:schemeClr val="accent1">
-              <a:shade val="50000"/>
-            </a:schemeClr>
-          </a:lnRef>
-          <a:fillRef idx="1">
-            <a:schemeClr val="accent1"/>
-          </a:fillRef>
-          <a:effectRef idx="0">
-            <a:schemeClr val="accent1"/>
-          </a:effectRef>
-          <a:fontRef idx="minor">
-            <a:schemeClr val="lt1"/>
-          </a:fontRef>
-        </p:style>
-        <p:txBody>
-          <a:bodyPr rtlCol="0" anchor="ctr"/>
-          <a:lstStyle/>
-          <a:p>
-            <a:pPr algn="ctr"/>
-            <a:r>
-              <a:rPr lang="ko-KR" altLang="en-US" sz="2000" b="1" dirty="0">
-                <a:effectLst>
-                  <a:outerShdw blurRad="38100" dist="38100" dir="2700000" algn="tl">
-                    <a:srgbClr val="000000">
-                      <a:alpha val="43137"/>
-                    </a:srgbClr>
-                  </a:outerShdw>
-                </a:effectLst>
-              </a:rPr>
-              <a:t>읽기 전용</a:t>
-            </a:r>
-          </a:p>
-        </p:txBody>
-      </p:sp>
-      <p:sp>
-        <p:nvSpPr>
-          <p:cNvPr id="87" name="사각형: 둥근 모서리 86">
-            <a:extLst>
-              <a:ext uri="{FF2B5EF4-FFF2-40B4-BE49-F238E27FC236}">
-                <a16:creationId xmlns:a16="http://schemas.microsoft.com/office/drawing/2014/main" id="{AE71B54C-799F-BC3F-FE08-3941A5A07754}"/>
-              </a:ext>
-            </a:extLst>
-          </p:cNvPr>
-          <p:cNvSpPr/>
-          <p:nvPr/>
-        </p:nvSpPr>
-        <p:spPr>
-          <a:xfrm>
-            <a:off x="5045023" y="5561733"/>
-            <a:ext cx="1466993" cy="430654"/>
-          </a:xfrm>
-          <a:prstGeom prst="roundRect">
-            <a:avLst>
-              <a:gd name="adj" fmla="val 15623"/>
-            </a:avLst>
-          </a:prstGeom>
-          <a:solidFill>
-            <a:srgbClr val="828CEA"/>
-          </a:solidFill>
-        </p:spPr>
-        <p:style>
-          <a:lnRef idx="2">
-            <a:schemeClr val="accent1">
-              <a:shade val="50000"/>
-            </a:schemeClr>
-          </a:lnRef>
-          <a:fillRef idx="1">
-            <a:schemeClr val="accent1"/>
-          </a:fillRef>
-          <a:effectRef idx="0">
-            <a:schemeClr val="accent1"/>
-          </a:effectRef>
-          <a:fontRef idx="minor">
-            <a:schemeClr val="lt1"/>
-          </a:fontRef>
-        </p:style>
-        <p:txBody>
-          <a:bodyPr rtlCol="0" anchor="ctr"/>
-          <a:lstStyle/>
-          <a:p>
-            <a:pPr algn="ctr"/>
-            <a:r>
-              <a:rPr lang="ko-KR" altLang="en-US" b="1">
-                <a:effectLst>
-                  <a:outerShdw blurRad="38100" dist="38100" dir="2700000" algn="tl">
-                    <a:srgbClr val="000000">
-                      <a:alpha val="43137"/>
-                    </a:srgbClr>
-                  </a:outerShdw>
-                </a:effectLst>
-              </a:rPr>
-              <a:t>동영상</a:t>
-            </a:r>
-            <a:endParaRPr lang="ko-KR" altLang="en-US" b="1" dirty="0">
-              <a:effectLst>
-                <a:outerShdw blurRad="38100" dist="38100" dir="2700000" algn="tl">
-                  <a:srgbClr val="000000">
-                    <a:alpha val="43137"/>
-                  </a:srgbClr>
-                </a:outerShdw>
-              </a:effectLst>
-            </a:endParaRPr>
-          </a:p>
-        </p:txBody>
-      </p:sp>
-      <p:cxnSp>
-        <p:nvCxnSpPr>
-          <p:cNvPr id="88" name="직선 연결선 87">
-            <a:extLst>
-              <a:ext uri="{FF2B5EF4-FFF2-40B4-BE49-F238E27FC236}">
-                <a16:creationId xmlns:a16="http://schemas.microsoft.com/office/drawing/2014/main" id="{CD8C5365-E6A7-B8F1-4BEB-53BC9D81AC3A}"/>
-              </a:ext>
-            </a:extLst>
-          </p:cNvPr>
-          <p:cNvCxnSpPr>
-            <a:cxnSpLocks/>
-          </p:cNvCxnSpPr>
-          <p:nvPr/>
-        </p:nvCxnSpPr>
-        <p:spPr>
-          <a:xfrm flipH="1">
-            <a:off x="2322909" y="4198972"/>
-            <a:ext cx="10700" cy="1579131"/>
-          </a:xfrm>
-          <a:prstGeom prst="line">
-            <a:avLst/>
-          </a:prstGeom>
-          <a:ln w="38100">
-            <a:solidFill>
-              <a:schemeClr val="accent1">
-                <a:lumMod val="50000"/>
-              </a:schemeClr>
-            </a:solidFill>
-          </a:ln>
-        </p:spPr>
-        <p:style>
-          <a:lnRef idx="1">
-            <a:schemeClr val="accent1"/>
-          </a:lnRef>
-          <a:fillRef idx="0">
-            <a:schemeClr val="accent1"/>
-          </a:fillRef>
-          <a:effectRef idx="0">
-            <a:schemeClr val="accent1"/>
-          </a:effectRef>
-          <a:fontRef idx="minor">
-            <a:schemeClr val="tx1"/>
-          </a:fontRef>
-        </p:style>
-      </p:cxnSp>
-      <p:cxnSp>
-        <p:nvCxnSpPr>
-          <p:cNvPr id="89" name="직선 연결선 88">
-            <a:extLst>
-              <a:ext uri="{FF2B5EF4-FFF2-40B4-BE49-F238E27FC236}">
-                <a16:creationId xmlns:a16="http://schemas.microsoft.com/office/drawing/2014/main" id="{E83D30C7-6EA6-3239-01DD-801DD656150F}"/>
-              </a:ext>
-            </a:extLst>
-          </p:cNvPr>
-          <p:cNvCxnSpPr>
-            <a:cxnSpLocks/>
-          </p:cNvCxnSpPr>
-          <p:nvPr/>
-        </p:nvCxnSpPr>
-        <p:spPr>
-          <a:xfrm flipH="1">
-            <a:off x="2316627" y="5761898"/>
-            <a:ext cx="492692" cy="0"/>
-          </a:xfrm>
-          <a:prstGeom prst="line">
-            <a:avLst/>
-          </a:prstGeom>
-          <a:ln w="38100">
-            <a:solidFill>
-              <a:schemeClr val="accent1">
-                <a:lumMod val="50000"/>
-              </a:schemeClr>
-            </a:solidFill>
-          </a:ln>
-        </p:spPr>
-        <p:style>
-          <a:lnRef idx="1">
-            <a:schemeClr val="accent1"/>
-          </a:lnRef>
-          <a:fillRef idx="0">
-            <a:schemeClr val="accent1"/>
-          </a:fillRef>
-          <a:effectRef idx="0">
-            <a:schemeClr val="accent1"/>
-          </a:effectRef>
-          <a:fontRef idx="minor">
-            <a:schemeClr val="tx1"/>
-          </a:fontRef>
-        </p:style>
-      </p:cxnSp>
-      <p:cxnSp>
-        <p:nvCxnSpPr>
-          <p:cNvPr id="90" name="직선 연결선 89">
-            <a:extLst>
-              <a:ext uri="{FF2B5EF4-FFF2-40B4-BE49-F238E27FC236}">
-                <a16:creationId xmlns:a16="http://schemas.microsoft.com/office/drawing/2014/main" id="{CEAFA3CF-A417-4712-D145-F3FA1C318956}"/>
-              </a:ext>
-            </a:extLst>
-          </p:cNvPr>
-          <p:cNvCxnSpPr>
-            <a:cxnSpLocks/>
-          </p:cNvCxnSpPr>
-          <p:nvPr/>
-        </p:nvCxnSpPr>
-        <p:spPr>
-          <a:xfrm flipH="1">
-            <a:off x="2316627" y="4683192"/>
-            <a:ext cx="492692" cy="0"/>
-          </a:xfrm>
-          <a:prstGeom prst="line">
-            <a:avLst/>
-          </a:prstGeom>
-          <a:ln w="38100">
-            <a:solidFill>
-              <a:schemeClr val="accent1">
-                <a:lumMod val="50000"/>
-              </a:schemeClr>
-            </a:solidFill>
-          </a:ln>
-        </p:spPr>
-        <p:style>
-          <a:lnRef idx="1">
-            <a:schemeClr val="accent1"/>
-          </a:lnRef>
-          <a:fillRef idx="0">
-            <a:schemeClr val="accent1"/>
-          </a:fillRef>
-          <a:effectRef idx="0">
-            <a:schemeClr val="accent1"/>
-          </a:effectRef>
-          <a:fontRef idx="minor">
-            <a:schemeClr val="tx1"/>
-          </a:fontRef>
-        </p:style>
-      </p:cxnSp>
-      <p:cxnSp>
-        <p:nvCxnSpPr>
-          <p:cNvPr id="91" name="직선 연결선 90">
-            <a:extLst>
-              <a:ext uri="{FF2B5EF4-FFF2-40B4-BE49-F238E27FC236}">
-                <a16:creationId xmlns:a16="http://schemas.microsoft.com/office/drawing/2014/main" id="{C9065F75-7D84-6FBD-D056-4331C2D64D19}"/>
-              </a:ext>
-            </a:extLst>
-          </p:cNvPr>
-          <p:cNvCxnSpPr>
-            <a:cxnSpLocks/>
-            <a:stCxn id="83" idx="1"/>
-          </p:cNvCxnSpPr>
-          <p:nvPr/>
-        </p:nvCxnSpPr>
-        <p:spPr>
-          <a:xfrm flipH="1" flipV="1">
-            <a:off x="4276312" y="4683192"/>
-            <a:ext cx="768710" cy="4474"/>
-          </a:xfrm>
-          <a:prstGeom prst="line">
-            <a:avLst/>
-          </a:prstGeom>
-          <a:ln w="38100">
-            <a:solidFill>
-              <a:schemeClr val="accent1">
-                <a:lumMod val="50000"/>
-              </a:schemeClr>
-            </a:solidFill>
-          </a:ln>
-        </p:spPr>
-        <p:style>
-          <a:lnRef idx="1">
-            <a:schemeClr val="accent1"/>
-          </a:lnRef>
-          <a:fillRef idx="0">
-            <a:schemeClr val="accent1"/>
-          </a:fillRef>
-          <a:effectRef idx="0">
-            <a:schemeClr val="accent1"/>
-          </a:effectRef>
-          <a:fontRef idx="minor">
-            <a:schemeClr val="tx1"/>
-          </a:fontRef>
-        </p:style>
-      </p:cxnSp>
-      <p:cxnSp>
-        <p:nvCxnSpPr>
-          <p:cNvPr id="92" name="직선 연결선 91">
-            <a:extLst>
-              <a:ext uri="{FF2B5EF4-FFF2-40B4-BE49-F238E27FC236}">
-                <a16:creationId xmlns:a16="http://schemas.microsoft.com/office/drawing/2014/main" id="{8F351BA0-BE67-24F8-E8BD-9419393F3426}"/>
-              </a:ext>
-            </a:extLst>
-          </p:cNvPr>
-          <p:cNvCxnSpPr>
-            <a:cxnSpLocks/>
-          </p:cNvCxnSpPr>
-          <p:nvPr/>
-        </p:nvCxnSpPr>
-        <p:spPr>
-          <a:xfrm flipH="1">
-            <a:off x="4652485" y="4683192"/>
-            <a:ext cx="12107" cy="1119914"/>
-          </a:xfrm>
-          <a:prstGeom prst="line">
-            <a:avLst/>
-          </a:prstGeom>
-          <a:ln w="38100">
-            <a:solidFill>
-              <a:schemeClr val="accent1">
-                <a:lumMod val="50000"/>
-              </a:schemeClr>
-            </a:solidFill>
-          </a:ln>
-        </p:spPr>
-        <p:style>
-          <a:lnRef idx="1">
-            <a:schemeClr val="accent1"/>
-          </a:lnRef>
-          <a:fillRef idx="0">
-            <a:schemeClr val="accent1"/>
-          </a:fillRef>
-          <a:effectRef idx="0">
-            <a:schemeClr val="accent1"/>
-          </a:effectRef>
-          <a:fontRef idx="minor">
-            <a:schemeClr val="tx1"/>
-          </a:fontRef>
-        </p:style>
-      </p:cxnSp>
-      <p:cxnSp>
-        <p:nvCxnSpPr>
-          <p:cNvPr id="93" name="직선 연결선 92">
-            <a:extLst>
-              <a:ext uri="{FF2B5EF4-FFF2-40B4-BE49-F238E27FC236}">
-                <a16:creationId xmlns:a16="http://schemas.microsoft.com/office/drawing/2014/main" id="{98920409-FD63-2C59-396F-854B96FBC3A1}"/>
-              </a:ext>
-            </a:extLst>
-          </p:cNvPr>
-          <p:cNvCxnSpPr>
-            <a:cxnSpLocks/>
-            <a:stCxn id="85" idx="1"/>
-          </p:cNvCxnSpPr>
-          <p:nvPr/>
-        </p:nvCxnSpPr>
-        <p:spPr>
-          <a:xfrm flipH="1">
-            <a:off x="4660667" y="5232363"/>
-            <a:ext cx="384354" cy="0"/>
-          </a:xfrm>
-          <a:prstGeom prst="line">
-            <a:avLst/>
-          </a:prstGeom>
-          <a:ln w="38100">
-            <a:solidFill>
-              <a:schemeClr val="accent1">
-                <a:lumMod val="50000"/>
-              </a:schemeClr>
-            </a:solidFill>
-          </a:ln>
-        </p:spPr>
-        <p:style>
-          <a:lnRef idx="1">
-            <a:schemeClr val="accent1"/>
-          </a:lnRef>
-          <a:fillRef idx="0">
-            <a:schemeClr val="accent1"/>
-          </a:fillRef>
-          <a:effectRef idx="0">
-            <a:schemeClr val="accent1"/>
-          </a:effectRef>
-          <a:fontRef idx="minor">
-            <a:schemeClr val="tx1"/>
-          </a:fontRef>
-        </p:style>
-      </p:cxnSp>
-      <p:cxnSp>
-        <p:nvCxnSpPr>
-          <p:cNvPr id="94" name="직선 연결선 93">
-            <a:extLst>
-              <a:ext uri="{FF2B5EF4-FFF2-40B4-BE49-F238E27FC236}">
-                <a16:creationId xmlns:a16="http://schemas.microsoft.com/office/drawing/2014/main" id="{12D799B1-BFA0-C2E5-DA13-AE9B793021E0}"/>
-              </a:ext>
-            </a:extLst>
-          </p:cNvPr>
-          <p:cNvCxnSpPr>
-            <a:cxnSpLocks/>
-          </p:cNvCxnSpPr>
-          <p:nvPr/>
-        </p:nvCxnSpPr>
-        <p:spPr>
-          <a:xfrm flipH="1">
-            <a:off x="4660667" y="5786003"/>
-            <a:ext cx="384354" cy="0"/>
-          </a:xfrm>
-          <a:prstGeom prst="line">
-            <a:avLst/>
-          </a:prstGeom>
-          <a:ln w="38100">
-            <a:solidFill>
-              <a:schemeClr val="accent1">
-                <a:lumMod val="50000"/>
-              </a:schemeClr>
-            </a:solidFill>
-          </a:ln>
-        </p:spPr>
-        <p:style>
-          <a:lnRef idx="1">
-            <a:schemeClr val="accent1"/>
-          </a:lnRef>
-          <a:fillRef idx="0">
-            <a:schemeClr val="accent1"/>
-          </a:fillRef>
-          <a:effectRef idx="0">
-            <a:schemeClr val="accent1"/>
-          </a:effectRef>
-          <a:fontRef idx="minor">
-            <a:schemeClr val="tx1"/>
-          </a:fontRef>
-        </p:style>
-      </p:cxnSp>
-    </p:spTree>
-    <p:extLst>
-      <p:ext uri="{BB962C8B-B14F-4D97-AF65-F5344CB8AC3E}">
-        <p14:creationId xmlns:p14="http://schemas.microsoft.com/office/powerpoint/2010/main" val="3622597973"/>
       </p:ext>
     </p:extLst>
   </p:cSld>

--- a/기획 UI/A조 프로토타입 발표.pptx
+++ b/기획 UI/A조 프로토타입 발표.pptx
@@ -5,24 +5,23 @@
     <p:sldMasterId id="2147483708" r:id="rId1"/>
   </p:sldMasterIdLst>
   <p:notesMasterIdLst>
-    <p:notesMasterId r:id="rId17"/>
+    <p:notesMasterId r:id="rId16"/>
   </p:notesMasterIdLst>
   <p:sldIdLst>
-    <p:sldId id="260" r:id="rId2"/>
+    <p:sldId id="274" r:id="rId2"/>
     <p:sldId id="256" r:id="rId3"/>
-    <p:sldId id="258" r:id="rId4"/>
-    <p:sldId id="273" r:id="rId5"/>
-    <p:sldId id="261" r:id="rId6"/>
-    <p:sldId id="263" r:id="rId7"/>
-    <p:sldId id="266" r:id="rId8"/>
-    <p:sldId id="265" r:id="rId9"/>
-    <p:sldId id="262" r:id="rId10"/>
-    <p:sldId id="272" r:id="rId11"/>
-    <p:sldId id="267" r:id="rId12"/>
-    <p:sldId id="268" r:id="rId13"/>
-    <p:sldId id="271" r:id="rId14"/>
-    <p:sldId id="264" r:id="rId15"/>
-    <p:sldId id="270" r:id="rId16"/>
+    <p:sldId id="273" r:id="rId4"/>
+    <p:sldId id="261" r:id="rId5"/>
+    <p:sldId id="263" r:id="rId6"/>
+    <p:sldId id="266" r:id="rId7"/>
+    <p:sldId id="265" r:id="rId8"/>
+    <p:sldId id="262" r:id="rId9"/>
+    <p:sldId id="272" r:id="rId10"/>
+    <p:sldId id="267" r:id="rId11"/>
+    <p:sldId id="268" r:id="rId12"/>
+    <p:sldId id="271" r:id="rId13"/>
+    <p:sldId id="264" r:id="rId14"/>
+    <p:sldId id="270" r:id="rId15"/>
   </p:sldIdLst>
   <p:sldSz cx="12192000" cy="6858000"/>
   <p:notesSz cx="6858000" cy="9144000"/>
@@ -1299,7 +1298,7 @@
           <a:p>
             <a:fld id="{BAB0EF52-0BC9-4FAB-B538-F1BCB30B3D84}" type="datetimeFigureOut">
               <a:rPr lang="ko-KR" altLang="en-US" smtClean="0"/>
-              <a:t>2023-06-23</a:t>
+              <a:t>2023-10-12</a:t>
             </a:fld>
             <a:endParaRPr lang="ko-KR" altLang="en-US"/>
           </a:p>
@@ -1631,7 +1630,7 @@
           <a:p>
             <a:fld id="{D2A03A7A-A6BE-420D-A040-6E99343C7960}" type="slidenum">
               <a:rPr lang="ko-KR" altLang="en-US" smtClean="0"/>
-              <a:t>6</a:t>
+              <a:t>5</a:t>
             </a:fld>
             <a:endParaRPr lang="ko-KR" altLang="en-US"/>
           </a:p>
@@ -1781,7 +1780,7 @@
           <a:p>
             <a:fld id="{63398173-0E1E-4132-A695-781E3AD47F04}" type="datetimeFigureOut">
               <a:rPr lang="ko-KR" altLang="en-US" smtClean="0"/>
-              <a:t>2023-06-23</a:t>
+              <a:t>2023-10-12</a:t>
             </a:fld>
             <a:endParaRPr lang="ko-KR" altLang="en-US"/>
           </a:p>
@@ -1951,7 +1950,7 @@
           <a:p>
             <a:fld id="{63398173-0E1E-4132-A695-781E3AD47F04}" type="datetimeFigureOut">
               <a:rPr lang="ko-KR" altLang="en-US" smtClean="0"/>
-              <a:t>2023-06-23</a:t>
+              <a:t>2023-10-12</a:t>
             </a:fld>
             <a:endParaRPr lang="ko-KR" altLang="en-US"/>
           </a:p>
@@ -2131,7 +2130,7 @@
           <a:p>
             <a:fld id="{63398173-0E1E-4132-A695-781E3AD47F04}" type="datetimeFigureOut">
               <a:rPr lang="ko-KR" altLang="en-US" smtClean="0"/>
-              <a:t>2023-06-23</a:t>
+              <a:t>2023-10-12</a:t>
             </a:fld>
             <a:endParaRPr lang="ko-KR" altLang="en-US"/>
           </a:p>
@@ -2301,7 +2300,7 @@
           <a:p>
             <a:fld id="{63398173-0E1E-4132-A695-781E3AD47F04}" type="datetimeFigureOut">
               <a:rPr lang="ko-KR" altLang="en-US" smtClean="0"/>
-              <a:t>2023-06-23</a:t>
+              <a:t>2023-10-12</a:t>
             </a:fld>
             <a:endParaRPr lang="ko-KR" altLang="en-US"/>
           </a:p>
@@ -2547,7 +2546,7 @@
           <a:p>
             <a:fld id="{63398173-0E1E-4132-A695-781E3AD47F04}" type="datetimeFigureOut">
               <a:rPr lang="ko-KR" altLang="en-US" smtClean="0"/>
-              <a:t>2023-06-23</a:t>
+              <a:t>2023-10-12</a:t>
             </a:fld>
             <a:endParaRPr lang="ko-KR" altLang="en-US"/>
           </a:p>
@@ -2779,7 +2778,7 @@
           <a:p>
             <a:fld id="{63398173-0E1E-4132-A695-781E3AD47F04}" type="datetimeFigureOut">
               <a:rPr lang="ko-KR" altLang="en-US" smtClean="0"/>
-              <a:t>2023-06-23</a:t>
+              <a:t>2023-10-12</a:t>
             </a:fld>
             <a:endParaRPr lang="ko-KR" altLang="en-US"/>
           </a:p>
@@ -3146,7 +3145,7 @@
           <a:p>
             <a:fld id="{63398173-0E1E-4132-A695-781E3AD47F04}" type="datetimeFigureOut">
               <a:rPr lang="ko-KR" altLang="en-US" smtClean="0"/>
-              <a:t>2023-06-23</a:t>
+              <a:t>2023-10-12</a:t>
             </a:fld>
             <a:endParaRPr lang="ko-KR" altLang="en-US"/>
           </a:p>
@@ -3264,7 +3263,7 @@
           <a:p>
             <a:fld id="{63398173-0E1E-4132-A695-781E3AD47F04}" type="datetimeFigureOut">
               <a:rPr lang="ko-KR" altLang="en-US" smtClean="0"/>
-              <a:t>2023-06-23</a:t>
+              <a:t>2023-10-12</a:t>
             </a:fld>
             <a:endParaRPr lang="ko-KR" altLang="en-US"/>
           </a:p>
@@ -3359,7 +3358,7 @@
           <a:p>
             <a:fld id="{63398173-0E1E-4132-A695-781E3AD47F04}" type="datetimeFigureOut">
               <a:rPr lang="ko-KR" altLang="en-US" smtClean="0"/>
-              <a:t>2023-06-23</a:t>
+              <a:t>2023-10-12</a:t>
             </a:fld>
             <a:endParaRPr lang="ko-KR" altLang="en-US"/>
           </a:p>
@@ -3636,7 +3635,7 @@
           <a:p>
             <a:fld id="{63398173-0E1E-4132-A695-781E3AD47F04}" type="datetimeFigureOut">
               <a:rPr lang="ko-KR" altLang="en-US" smtClean="0"/>
-              <a:t>2023-06-23</a:t>
+              <a:t>2023-10-12</a:t>
             </a:fld>
             <a:endParaRPr lang="ko-KR" altLang="en-US"/>
           </a:p>
@@ -3893,7 +3892,7 @@
           <a:p>
             <a:fld id="{63398173-0E1E-4132-A695-781E3AD47F04}" type="datetimeFigureOut">
               <a:rPr lang="ko-KR" altLang="en-US" smtClean="0"/>
-              <a:t>2023-06-23</a:t>
+              <a:t>2023-10-12</a:t>
             </a:fld>
             <a:endParaRPr lang="ko-KR" altLang="en-US"/>
           </a:p>
@@ -4106,7 +4105,7 @@
           <a:p>
             <a:fld id="{63398173-0E1E-4132-A695-781E3AD47F04}" type="datetimeFigureOut">
               <a:rPr lang="ko-KR" altLang="en-US" smtClean="0"/>
-              <a:t>2023-06-23</a:t>
+              <a:t>2023-10-12</a:t>
             </a:fld>
             <a:endParaRPr lang="ko-KR" altLang="en-US"/>
           </a:p>
@@ -4497,14 +4496,6 @@
 <file path=ppt/slides/slide1.xml><?xml version="1.0" encoding="utf-8"?>
 <p:sld xmlns:a="http://schemas.openxmlformats.org/drawingml/2006/main" xmlns:r="http://schemas.openxmlformats.org/officeDocument/2006/relationships" xmlns:p="http://schemas.openxmlformats.org/presentationml/2006/main">
   <p:cSld>
-    <p:bg>
-      <p:bgPr>
-        <a:solidFill>
-          <a:schemeClr val="bg1"/>
-        </a:solidFill>
-        <a:effectLst/>
-      </p:bgPr>
-    </p:bg>
     <p:spTree>
       <p:nvGrpSpPr>
         <p:cNvPr id="1" name=""/>
@@ -4519,72 +4510,48 @@
           <a:chExt cx="0" cy="0"/>
         </a:xfrm>
       </p:grpSpPr>
-      <p:sp useBgFill="1">
-        <p:nvSpPr>
-          <p:cNvPr id="66" name="Rectangle 65">
+      <p:pic>
+        <p:nvPicPr>
+          <p:cNvPr id="4" name="그림 3" descr="폰트, 그래픽, 원, 상징이(가) 표시된 사진&#10;&#10;자동 생성된 설명">
             <a:extLst>
               <a:ext uri="{FF2B5EF4-FFF2-40B4-BE49-F238E27FC236}">
-                <a16:creationId xmlns:a16="http://schemas.microsoft.com/office/drawing/2014/main" id="{665DBBEF-238B-476B-96AB-8AAC3224ECEA}"/>
-              </a:ext>
-              <a:ext uri="{C183D7F6-B498-43B3-948B-1728B52AA6E4}">
-                <adec:decorative xmlns:adec="http://schemas.microsoft.com/office/drawing/2017/decorative" val="1"/>
+                <a16:creationId xmlns:a16="http://schemas.microsoft.com/office/drawing/2014/main" id="{5E184EA3-A610-71F6-0E8A-25D2E7BFE8AE}"/>
               </a:ext>
             </a:extLst>
           </p:cNvPr>
-          <p:cNvSpPr>
-            <a:spLocks noGrp="1" noRot="1" noChangeAspect="1" noMove="1" noResize="1" noEditPoints="1" noAdjustHandles="1" noChangeArrowheads="1" noChangeShapeType="1" noTextEdit="1"/>
-          </p:cNvSpPr>
-          <p:nvPr>
-            <p:extLst>
-              <p:ext uri="{386F3935-93C4-4BCD-93E2-E3B085C9AB24}">
-                <p16:designElem xmlns:p16="http://schemas.microsoft.com/office/powerpoint/2015/main" val="1"/>
-              </p:ext>
-            </p:extLst>
-          </p:nvPr>
-        </p:nvSpPr>
+          <p:cNvPicPr>
+            <a:picLocks noChangeAspect="1"/>
+          </p:cNvPicPr>
+          <p:nvPr/>
+        </p:nvPicPr>
+        <p:blipFill>
+          <a:blip r:embed="rId2">
+            <a:extLst>
+              <a:ext uri="{28A0092B-C50C-407E-A947-70E740481C1C}">
+                <a14:useLocalDpi xmlns:a14="http://schemas.microsoft.com/office/drawing/2010/main" val="0"/>
+              </a:ext>
+            </a:extLst>
+          </a:blip>
+          <a:stretch>
+            <a:fillRect/>
+          </a:stretch>
+        </p:blipFill>
         <p:spPr>
           <a:xfrm>
-            <a:off x="0" y="0"/>
-            <a:ext cx="12192000" cy="6858000"/>
+            <a:off x="6378291" y="733948"/>
+            <a:ext cx="4877481" cy="4877481"/>
           </a:xfrm>
           <a:prstGeom prst="rect">
             <a:avLst/>
           </a:prstGeom>
-          <a:ln>
-            <a:noFill/>
-          </a:ln>
-        </p:spPr>
-        <p:style>
-          <a:lnRef idx="2">
-            <a:schemeClr val="accent1">
-              <a:shade val="50000"/>
-            </a:schemeClr>
-          </a:lnRef>
-          <a:fillRef idx="1">
-            <a:schemeClr val="accent1"/>
-          </a:fillRef>
-          <a:effectRef idx="0">
-            <a:schemeClr val="accent1"/>
-          </a:effectRef>
-          <a:fontRef idx="minor">
-            <a:schemeClr val="lt1"/>
-          </a:fontRef>
-        </p:style>
-        <p:txBody>
-          <a:bodyPr rtlCol="0" anchor="ctr"/>
-          <a:lstStyle/>
-          <a:p>
-            <a:pPr algn="ctr"/>
-            <a:endParaRPr lang="en-US"/>
-          </a:p>
-        </p:txBody>
-      </p:sp>
+        </p:spPr>
+      </p:pic>
       <p:sp>
         <p:nvSpPr>
-          <p:cNvPr id="2" name="제목 1">
+          <p:cNvPr id="6" name="제목 1">
             <a:extLst>
               <a:ext uri="{FF2B5EF4-FFF2-40B4-BE49-F238E27FC236}">
-                <a16:creationId xmlns:a16="http://schemas.microsoft.com/office/drawing/2014/main" id="{F14195A1-092D-73C6-E780-8AB4E26E55D9}"/>
+                <a16:creationId xmlns:a16="http://schemas.microsoft.com/office/drawing/2014/main" id="{06DFBF89-1573-44E2-84C3-7B92799ECBBF}"/>
               </a:ext>
             </a:extLst>
           </p:cNvPr>
@@ -4611,9 +4578,7 @@
             <a:r>
               <a:rPr lang="en-US" altLang="ko-KR" sz="5100" b="1" kern="1200" dirty="0">
                 <a:solidFill>
-                  <a:schemeClr val="accent1">
-                    <a:lumMod val="75000"/>
-                  </a:schemeClr>
+                  <a:srgbClr val="5161CE"/>
                 </a:solidFill>
                 <a:effectLst>
                   <a:outerShdw blurRad="38100" dist="38100" dir="2700000" algn="tl">
@@ -4625,13 +4590,10 @@
                 <a:latin typeface="나눔고딕" pitchFamily="2" charset="-127"/>
                 <a:ea typeface="나눔고딕" pitchFamily="2" charset="-127"/>
               </a:rPr>
-              <a:t>B</a:t>
+              <a:t>B.  </a:t>
             </a:r>
             <a:r>
-              <a:rPr lang="en-US" altLang="ko-KR" sz="5100" b="1" kern="1200" dirty="0">
-                <a:solidFill>
-                  <a:srgbClr val="017A59"/>
-                </a:solidFill>
+              <a:rPr lang="en-US" altLang="ko-KR" sz="5100" b="1" kern="1200" dirty="0" err="1">
                 <a:effectLst>
                   <a:outerShdw blurRad="38100" dist="38100" dir="2700000" algn="tl">
                     <a:srgbClr val="000000">
@@ -4642,29 +4604,12 @@
                 <a:latin typeface="나눔고딕" pitchFamily="2" charset="-127"/>
                 <a:ea typeface="나눔고딕" pitchFamily="2" charset="-127"/>
               </a:rPr>
-              <a:t>.</a:t>
-            </a:r>
-            <a:r>
-              <a:rPr lang="en-US" altLang="ko-KR" sz="5100" b="1" kern="1200" dirty="0">
-                <a:solidFill>
-                  <a:schemeClr val="tx1"/>
-                </a:solidFill>
-                <a:effectLst>
-                  <a:outerShdw blurRad="38100" dist="38100" dir="2700000" algn="tl">
-                    <a:srgbClr val="000000">
-                      <a:alpha val="43137"/>
-                    </a:srgbClr>
-                  </a:outerShdw>
-                </a:effectLst>
-                <a:latin typeface="나눔고딕" pitchFamily="2" charset="-127"/>
-                <a:ea typeface="나눔고딕" pitchFamily="2" charset="-127"/>
-              </a:rPr>
-              <a:t>  lack</a:t>
+              <a:t>lck</a:t>
             </a:r>
             <a:br>
               <a:rPr lang="en-US" altLang="ko-KR" sz="5100" b="1" kern="1200" dirty="0">
                 <a:solidFill>
-                  <a:schemeClr val="tx1"/>
+                  <a:srgbClr val="5161CE"/>
                 </a:solidFill>
                 <a:effectLst>
                   <a:outerShdw blurRad="38100" dist="38100" dir="2700000" algn="tl">
@@ -4680,9 +4625,7 @@
             <a:r>
               <a:rPr lang="en-US" altLang="ko-KR" sz="5100" b="1" kern="1200" dirty="0">
                 <a:solidFill>
-                  <a:schemeClr val="accent1">
-                    <a:lumMod val="75000"/>
-                  </a:schemeClr>
+                  <a:srgbClr val="5161CE"/>
                 </a:solidFill>
                 <a:effectLst>
                   <a:outerShdw blurRad="38100" dist="38100" dir="2700000" algn="tl">
@@ -4698,9 +4641,6 @@
             </a:r>
             <a:r>
               <a:rPr lang="en-US" altLang="ko-KR" sz="5100" b="1" kern="1200" dirty="0" err="1">
-                <a:solidFill>
-                  <a:schemeClr val="tx1"/>
-                </a:solidFill>
                 <a:effectLst>
                   <a:outerShdw blurRad="38100" dist="38100" dir="2700000" algn="tl">
                     <a:srgbClr val="000000">
@@ -4716,7 +4656,7 @@
             <a:br>
               <a:rPr lang="en-US" altLang="ko-KR" sz="5100" b="1" kern="1200" dirty="0">
                 <a:solidFill>
-                  <a:schemeClr val="tx1"/>
+                  <a:srgbClr val="5161CE"/>
                 </a:solidFill>
                 <a:effectLst>
                   <a:outerShdw blurRad="38100" dist="38100" dir="2700000" algn="tl">
@@ -4732,9 +4672,7 @@
             <a:r>
               <a:rPr lang="en-US" altLang="ko-KR" sz="5100" b="1" kern="1200" dirty="0">
                 <a:solidFill>
-                  <a:schemeClr val="accent1">
-                    <a:lumMod val="75000"/>
-                  </a:schemeClr>
+                  <a:srgbClr val="5161CE"/>
                 </a:solidFill>
                 <a:effectLst>
                   <a:outerShdw blurRad="38100" dist="38100" dir="2700000" algn="tl">
@@ -4746,30 +4684,10 @@
                 <a:latin typeface="나눔고딕" pitchFamily="2" charset="-127"/>
                 <a:ea typeface="나눔고딕" pitchFamily="2" charset="-127"/>
               </a:rPr>
-              <a:t>M.</a:t>
-            </a:r>
-            <a:r>
-              <a:rPr lang="en-US" altLang="ko-KR" sz="5100" b="1" kern="1200" dirty="0">
-                <a:solidFill>
-                  <a:schemeClr val="tx1"/>
-                </a:solidFill>
-                <a:effectLst>
-                  <a:outerShdw blurRad="38100" dist="38100" dir="2700000" algn="tl">
-                    <a:srgbClr val="000000">
-                      <a:alpha val="43137"/>
-                    </a:srgbClr>
-                  </a:outerShdw>
-                </a:effectLst>
-                <a:latin typeface="나눔고딕" pitchFamily="2" charset="-127"/>
-                <a:ea typeface="나눔고딕" pitchFamily="2" charset="-127"/>
-              </a:rPr>
-              <a:t> </a:t>
+              <a:t>M. </a:t>
             </a:r>
             <a:r>
               <a:rPr lang="en-US" altLang="ko-KR" sz="5100" b="1" kern="1200" dirty="0" err="1">
-                <a:solidFill>
-                  <a:schemeClr val="tx1"/>
-                </a:solidFill>
                 <a:effectLst>
                   <a:outerShdw blurRad="38100" dist="38100" dir="2700000" algn="tl">
                     <a:srgbClr val="000000">
@@ -4783,9 +4701,6 @@
               <a:t>anager</a:t>
             </a:r>
             <a:endParaRPr lang="en-US" altLang="ko-KR" sz="5100" b="1" kern="1200" dirty="0">
-              <a:solidFill>
-                <a:schemeClr val="tx1"/>
-              </a:solidFill>
               <a:effectLst>
                 <a:outerShdw blurRad="38100" dist="38100" dir="2700000" algn="tl">
                   <a:srgbClr val="000000">
@@ -4801,10 +4716,10 @@
       </p:sp>
       <p:sp>
         <p:nvSpPr>
-          <p:cNvPr id="19" name="제목 1">
+          <p:cNvPr id="8" name="제목 1">
             <a:extLst>
               <a:ext uri="{FF2B5EF4-FFF2-40B4-BE49-F238E27FC236}">
-                <a16:creationId xmlns:a16="http://schemas.microsoft.com/office/drawing/2014/main" id="{0E6AAA2E-2821-24BF-C3F8-67B65DD35FA2}"/>
+                <a16:creationId xmlns:a16="http://schemas.microsoft.com/office/drawing/2014/main" id="{4F9250F2-9823-759F-181D-595968F1C9EF}"/>
               </a:ext>
             </a:extLst>
           </p:cNvPr>
@@ -4852,7 +4767,7 @@
               </a:spcBef>
             </a:pPr>
             <a:r>
-              <a:rPr lang="ko-KR" altLang="en-US" sz="2400" b="1" kern="1200" dirty="0">
+              <a:rPr lang="ko-KR" altLang="en-US" sz="2400" b="1" kern="1200">
                 <a:solidFill>
                   <a:schemeClr val="tx1"/>
                 </a:solidFill>
@@ -4869,7 +4784,7 @@
               </a:rPr>
               <a:t>박종혁</a:t>
             </a:r>
-            <a:endParaRPr lang="en-US" altLang="ko-KR" sz="2400" b="1" kern="1200" dirty="0">
+            <a:endParaRPr lang="en-US" altLang="ko-KR" sz="2400" b="1" kern="1200">
               <a:solidFill>
                 <a:schemeClr val="tx1"/>
               </a:solidFill>
@@ -4892,7 +4807,7 @@
               </a:spcBef>
             </a:pPr>
             <a:r>
-              <a:rPr lang="ko-KR" altLang="en-US" sz="2400" b="1" kern="1200" dirty="0">
+              <a:rPr lang="ko-KR" altLang="en-US" sz="2400" b="1" kern="1200">
                 <a:solidFill>
                   <a:schemeClr val="tx1"/>
                 </a:solidFill>
@@ -4909,7 +4824,7 @@
               </a:rPr>
               <a:t>신현성</a:t>
             </a:r>
-            <a:endParaRPr lang="en-US" altLang="ko-KR" sz="2400" b="1" kern="1200" dirty="0">
+            <a:endParaRPr lang="en-US" altLang="ko-KR" sz="2400" b="1" kern="1200">
               <a:solidFill>
                 <a:schemeClr val="tx1"/>
               </a:solidFill>
@@ -4932,7 +4847,7 @@
               </a:spcBef>
             </a:pPr>
             <a:r>
-              <a:rPr lang="ko-KR" altLang="en-US" sz="2400" b="1" kern="1200" dirty="0">
+              <a:rPr lang="ko-KR" altLang="en-US" sz="2400" b="1" kern="1200">
                 <a:solidFill>
                   <a:schemeClr val="tx1"/>
                 </a:solidFill>
@@ -4967,2926 +4882,20 @@
           </a:p>
         </p:txBody>
       </p:sp>
-      <p:sp>
-        <p:nvSpPr>
-          <p:cNvPr id="68" name="sketch line">
-            <a:extLst>
-              <a:ext uri="{FF2B5EF4-FFF2-40B4-BE49-F238E27FC236}">
-                <a16:creationId xmlns:a16="http://schemas.microsoft.com/office/drawing/2014/main" id="{3FCFB1DE-0B7E-48CC-BA90-B2AB0889F9D6}"/>
-              </a:ext>
-              <a:ext uri="{C183D7F6-B498-43B3-948B-1728B52AA6E4}">
-                <adec:decorative xmlns:adec="http://schemas.microsoft.com/office/drawing/2017/decorative" val="1"/>
-              </a:ext>
-            </a:extLst>
-          </p:cNvPr>
-          <p:cNvSpPr>
-            <a:spLocks noGrp="1" noRot="1" noChangeAspect="1" noMove="1" noResize="1" noEditPoints="1" noAdjustHandles="1" noChangeArrowheads="1" noChangeShapeType="1" noTextEdit="1"/>
-          </p:cNvSpPr>
-          <p:nvPr>
-            <p:extLst>
-              <p:ext uri="{386F3935-93C4-4BCD-93E2-E3B085C9AB24}">
-                <p16:designElem xmlns:p16="http://schemas.microsoft.com/office/powerpoint/2015/main" val="1"/>
-              </p:ext>
-            </p:extLst>
-          </p:nvPr>
-        </p:nvSpPr>
-        <p:spPr>
-          <a:xfrm>
-            <a:off x="643278" y="4409267"/>
-            <a:ext cx="3255095" cy="18288"/>
-          </a:xfrm>
-          <a:custGeom>
-            <a:avLst/>
-            <a:gdLst>
-              <a:gd name="connsiteX0" fmla="*/ 0 w 3255095"/>
-              <a:gd name="connsiteY0" fmla="*/ 0 h 18288"/>
-              <a:gd name="connsiteX1" fmla="*/ 618468 w 3255095"/>
-              <a:gd name="connsiteY1" fmla="*/ 0 h 18288"/>
-              <a:gd name="connsiteX2" fmla="*/ 1269487 w 3255095"/>
-              <a:gd name="connsiteY2" fmla="*/ 0 h 18288"/>
-              <a:gd name="connsiteX3" fmla="*/ 1953057 w 3255095"/>
-              <a:gd name="connsiteY3" fmla="*/ 0 h 18288"/>
-              <a:gd name="connsiteX4" fmla="*/ 2636627 w 3255095"/>
-              <a:gd name="connsiteY4" fmla="*/ 0 h 18288"/>
-              <a:gd name="connsiteX5" fmla="*/ 3255095 w 3255095"/>
-              <a:gd name="connsiteY5" fmla="*/ 0 h 18288"/>
-              <a:gd name="connsiteX6" fmla="*/ 3255095 w 3255095"/>
-              <a:gd name="connsiteY6" fmla="*/ 18288 h 18288"/>
-              <a:gd name="connsiteX7" fmla="*/ 2538974 w 3255095"/>
-              <a:gd name="connsiteY7" fmla="*/ 18288 h 18288"/>
-              <a:gd name="connsiteX8" fmla="*/ 1822853 w 3255095"/>
-              <a:gd name="connsiteY8" fmla="*/ 18288 h 18288"/>
-              <a:gd name="connsiteX9" fmla="*/ 1171834 w 3255095"/>
-              <a:gd name="connsiteY9" fmla="*/ 18288 h 18288"/>
-              <a:gd name="connsiteX10" fmla="*/ 0 w 3255095"/>
-              <a:gd name="connsiteY10" fmla="*/ 18288 h 18288"/>
-              <a:gd name="connsiteX11" fmla="*/ 0 w 3255095"/>
-              <a:gd name="connsiteY11" fmla="*/ 0 h 18288"/>
-            </a:gdLst>
-            <a:ahLst/>
-            <a:cxnLst>
-              <a:cxn ang="0">
-                <a:pos x="connsiteX0" y="connsiteY0"/>
-              </a:cxn>
-              <a:cxn ang="0">
-                <a:pos x="connsiteX1" y="connsiteY1"/>
-              </a:cxn>
-              <a:cxn ang="0">
-                <a:pos x="connsiteX2" y="connsiteY2"/>
-              </a:cxn>
-              <a:cxn ang="0">
-                <a:pos x="connsiteX3" y="connsiteY3"/>
-              </a:cxn>
-              <a:cxn ang="0">
-                <a:pos x="connsiteX4" y="connsiteY4"/>
-              </a:cxn>
-              <a:cxn ang="0">
-                <a:pos x="connsiteX5" y="connsiteY5"/>
-              </a:cxn>
-              <a:cxn ang="0">
-                <a:pos x="connsiteX6" y="connsiteY6"/>
-              </a:cxn>
-              <a:cxn ang="0">
-                <a:pos x="connsiteX7" y="connsiteY7"/>
-              </a:cxn>
-              <a:cxn ang="0">
-                <a:pos x="connsiteX8" y="connsiteY8"/>
-              </a:cxn>
-              <a:cxn ang="0">
-                <a:pos x="connsiteX9" y="connsiteY9"/>
-              </a:cxn>
-              <a:cxn ang="0">
-                <a:pos x="connsiteX10" y="connsiteY10"/>
-              </a:cxn>
-              <a:cxn ang="0">
-                <a:pos x="connsiteX11" y="connsiteY11"/>
-              </a:cxn>
-            </a:cxnLst>
-            <a:rect l="l" t="t" r="r" b="b"/>
-            <a:pathLst>
-              <a:path w="3255095" h="18288" fill="none" extrusionOk="0">
-                <a:moveTo>
-                  <a:pt x="0" y="0"/>
-                </a:moveTo>
-                <a:cubicBezTo>
-                  <a:pt x="240201" y="-22123"/>
-                  <a:pt x="462021" y="-19623"/>
-                  <a:pt x="618468" y="0"/>
-                </a:cubicBezTo>
-                <a:cubicBezTo>
-                  <a:pt x="774915" y="19623"/>
-                  <a:pt x="974734" y="2035"/>
-                  <a:pt x="1269487" y="0"/>
-                </a:cubicBezTo>
-                <a:cubicBezTo>
-                  <a:pt x="1564240" y="-2035"/>
-                  <a:pt x="1733579" y="10639"/>
-                  <a:pt x="1953057" y="0"/>
-                </a:cubicBezTo>
-                <a:cubicBezTo>
-                  <a:pt x="2172535" y="-10639"/>
-                  <a:pt x="2453962" y="14018"/>
-                  <a:pt x="2636627" y="0"/>
-                </a:cubicBezTo>
-                <a:cubicBezTo>
-                  <a:pt x="2819292" y="-14018"/>
-                  <a:pt x="3121375" y="5399"/>
-                  <a:pt x="3255095" y="0"/>
-                </a:cubicBezTo>
-                <a:cubicBezTo>
-                  <a:pt x="3254386" y="8157"/>
-                  <a:pt x="3254682" y="12125"/>
-                  <a:pt x="3255095" y="18288"/>
-                </a:cubicBezTo>
-                <a:cubicBezTo>
-                  <a:pt x="3088545" y="23203"/>
-                  <a:pt x="2687475" y="7419"/>
-                  <a:pt x="2538974" y="18288"/>
-                </a:cubicBezTo>
-                <a:cubicBezTo>
-                  <a:pt x="2390473" y="29157"/>
-                  <a:pt x="2137381" y="-8959"/>
-                  <a:pt x="1822853" y="18288"/>
-                </a:cubicBezTo>
-                <a:cubicBezTo>
-                  <a:pt x="1508325" y="45535"/>
-                  <a:pt x="1466437" y="20385"/>
-                  <a:pt x="1171834" y="18288"/>
-                </a:cubicBezTo>
-                <a:cubicBezTo>
-                  <a:pt x="877231" y="16191"/>
-                  <a:pt x="561097" y="37643"/>
-                  <a:pt x="0" y="18288"/>
-                </a:cubicBezTo>
-                <a:cubicBezTo>
-                  <a:pt x="-46" y="12483"/>
-                  <a:pt x="-203" y="6491"/>
-                  <a:pt x="0" y="0"/>
-                </a:cubicBezTo>
-                <a:close/>
-              </a:path>
-              <a:path w="3255095" h="18288" stroke="0" extrusionOk="0">
-                <a:moveTo>
-                  <a:pt x="0" y="0"/>
-                </a:moveTo>
-                <a:cubicBezTo>
-                  <a:pt x="291965" y="19429"/>
-                  <a:pt x="363155" y="8568"/>
-                  <a:pt x="618468" y="0"/>
-                </a:cubicBezTo>
-                <a:cubicBezTo>
-                  <a:pt x="873781" y="-8568"/>
-                  <a:pt x="904459" y="-19505"/>
-                  <a:pt x="1171834" y="0"/>
-                </a:cubicBezTo>
-                <a:cubicBezTo>
-                  <a:pt x="1439209" y="19505"/>
-                  <a:pt x="1744369" y="9790"/>
-                  <a:pt x="1887955" y="0"/>
-                </a:cubicBezTo>
-                <a:cubicBezTo>
-                  <a:pt x="2031541" y="-9790"/>
-                  <a:pt x="2346378" y="21240"/>
-                  <a:pt x="2506423" y="0"/>
-                </a:cubicBezTo>
-                <a:cubicBezTo>
-                  <a:pt x="2666468" y="-21240"/>
-                  <a:pt x="2990257" y="30414"/>
-                  <a:pt x="3255095" y="0"/>
-                </a:cubicBezTo>
-                <a:cubicBezTo>
-                  <a:pt x="3254831" y="4493"/>
-                  <a:pt x="3255479" y="9472"/>
-                  <a:pt x="3255095" y="18288"/>
-                </a:cubicBezTo>
-                <a:cubicBezTo>
-                  <a:pt x="3120743" y="16690"/>
-                  <a:pt x="2759628" y="42462"/>
-                  <a:pt x="2604076" y="18288"/>
-                </a:cubicBezTo>
-                <a:cubicBezTo>
-                  <a:pt x="2448524" y="-5886"/>
-                  <a:pt x="2184336" y="19599"/>
-                  <a:pt x="1887955" y="18288"/>
-                </a:cubicBezTo>
-                <a:cubicBezTo>
-                  <a:pt x="1591574" y="16977"/>
-                  <a:pt x="1548845" y="6870"/>
-                  <a:pt x="1334589" y="18288"/>
-                </a:cubicBezTo>
-                <a:cubicBezTo>
-                  <a:pt x="1120333" y="29706"/>
-                  <a:pt x="996014" y="9662"/>
-                  <a:pt x="683570" y="18288"/>
-                </a:cubicBezTo>
-                <a:cubicBezTo>
-                  <a:pt x="371126" y="26914"/>
-                  <a:pt x="198687" y="16167"/>
-                  <a:pt x="0" y="18288"/>
-                </a:cubicBezTo>
-                <a:cubicBezTo>
-                  <a:pt x="843" y="9577"/>
-                  <a:pt x="371" y="6900"/>
-                  <a:pt x="0" y="0"/>
-                </a:cubicBezTo>
-                <a:close/>
-              </a:path>
-            </a:pathLst>
-          </a:custGeom>
-          <a:solidFill>
-            <a:schemeClr val="accent2"/>
-          </a:solidFill>
-          <a:ln w="38100" cap="rnd">
-            <a:solidFill>
-              <a:schemeClr val="accent2"/>
-            </a:solidFill>
-            <a:round/>
-            <a:extLst>
-              <a:ext uri="{C807C97D-BFC1-408E-A445-0C87EB9F89A2}">
-                <ask:lineSketchStyleProps xmlns:ask="http://schemas.microsoft.com/office/drawing/2018/sketchyshapes" sd="1219033472">
-                  <a:prstGeom prst="rect">
-                    <a:avLst/>
-                  </a:prstGeom>
-                  <ask:type>
-                    <ask:lineSketchFreehand/>
-                  </ask:type>
-                </ask:lineSketchStyleProps>
-              </a:ext>
-            </a:extLst>
-          </a:ln>
-        </p:spPr>
-        <p:style>
-          <a:lnRef idx="2">
-            <a:schemeClr val="accent1">
-              <a:shade val="50000"/>
-            </a:schemeClr>
-          </a:lnRef>
-          <a:fillRef idx="1">
-            <a:schemeClr val="accent1"/>
-          </a:fillRef>
-          <a:effectRef idx="0">
-            <a:schemeClr val="accent1"/>
-          </a:effectRef>
-          <a:fontRef idx="minor">
-            <a:schemeClr val="lt1"/>
-          </a:fontRef>
-        </p:style>
-        <p:txBody>
-          <a:bodyPr rtlCol="0" anchor="ctr"/>
-          <a:lstStyle/>
-          <a:p>
-            <a:pPr algn="ctr"/>
-            <a:endParaRPr lang="en-US"/>
-          </a:p>
-        </p:txBody>
-      </p:sp>
-      <p:pic>
-        <p:nvPicPr>
-          <p:cNvPr id="3" name="그림 2" descr="블랙, 어둠이(가) 표시된 사진&#10;&#10;자동 생성된 설명">
-            <a:extLst>
-              <a:ext uri="{FF2B5EF4-FFF2-40B4-BE49-F238E27FC236}">
-                <a16:creationId xmlns:a16="http://schemas.microsoft.com/office/drawing/2014/main" id="{FB45AADA-1B92-7F34-5067-828F56D0BD7B}"/>
-              </a:ext>
-            </a:extLst>
-          </p:cNvPr>
-          <p:cNvPicPr>
-            <a:picLocks noChangeAspect="1"/>
-          </p:cNvPicPr>
-          <p:nvPr/>
-        </p:nvPicPr>
-        <p:blipFill>
-          <a:blip r:embed="rId2">
-            <a:duotone>
-              <a:schemeClr val="accent1">
-                <a:shade val="45000"/>
-                <a:satMod val="135000"/>
-              </a:schemeClr>
-              <a:prstClr val="white"/>
-            </a:duotone>
-            <a:extLst>
-              <a:ext uri="{28A0092B-C50C-407E-A947-70E740481C1C}">
-                <a14:useLocalDpi xmlns:a14="http://schemas.microsoft.com/office/drawing/2010/main" val="0"/>
-              </a:ext>
-            </a:extLst>
-          </a:blip>
-          <a:stretch>
-            <a:fillRect/>
-          </a:stretch>
-        </p:blipFill>
-        <p:spPr>
-          <a:xfrm>
-            <a:off x="6211048" y="1173139"/>
-            <a:ext cx="4877481" cy="4877481"/>
-          </a:xfrm>
-          <a:prstGeom prst="rect">
-            <a:avLst/>
-          </a:prstGeom>
-        </p:spPr>
-      </p:pic>
     </p:spTree>
     <p:extLst>
       <p:ext uri="{BB962C8B-B14F-4D97-AF65-F5344CB8AC3E}">
-        <p14:creationId xmlns:p14="http://schemas.microsoft.com/office/powerpoint/2010/main" val="3414164518"/>
+        <p14:creationId xmlns:p14="http://schemas.microsoft.com/office/powerpoint/2010/main" val="564619089"/>
       </p:ext>
     </p:extLst>
   </p:cSld>
   <p:clrMapOvr>
     <a:masterClrMapping/>
   </p:clrMapOvr>
-  <mc:AlternateContent xmlns:mc="http://schemas.openxmlformats.org/markup-compatibility/2006" xmlns:p159="http://schemas.microsoft.com/office/powerpoint/2015/09/main">
-    <mc:Choice Requires="p159">
-      <p:transition xmlns:p14="http://schemas.microsoft.com/office/powerpoint/2010/main" spd="slow" p14:dur="2000">
-        <p159:morph option="byObject"/>
-      </p:transition>
-    </mc:Choice>
-    <mc:Fallback xmlns="">
-      <p:transition spd="slow">
-        <p:fade/>
-      </p:transition>
-    </mc:Fallback>
-  </mc:AlternateContent>
 </p:sld>
 </file>
 
 <file path=ppt/slides/slide10.xml><?xml version="1.0" encoding="utf-8"?>
-<p:sld xmlns:a="http://schemas.openxmlformats.org/drawingml/2006/main" xmlns:r="http://schemas.openxmlformats.org/officeDocument/2006/relationships" xmlns:p="http://schemas.openxmlformats.org/presentationml/2006/main">
-  <p:cSld>
-    <p:spTree>
-      <p:nvGrpSpPr>
-        <p:cNvPr id="1" name=""/>
-        <p:cNvGrpSpPr/>
-        <p:nvPr/>
-      </p:nvGrpSpPr>
-      <p:grpSpPr>
-        <a:xfrm>
-          <a:off x="0" y="0"/>
-          <a:ext cx="0" cy="0"/>
-          <a:chOff x="0" y="0"/>
-          <a:chExt cx="0" cy="0"/>
-        </a:xfrm>
-      </p:grpSpPr>
-      <p:sp>
-        <p:nvSpPr>
-          <p:cNvPr id="4" name="직사각형 3">
-            <a:extLst>
-              <a:ext uri="{FF2B5EF4-FFF2-40B4-BE49-F238E27FC236}">
-                <a16:creationId xmlns:a16="http://schemas.microsoft.com/office/drawing/2014/main" id="{C35F139B-CDDB-42FA-525C-DA01A8146D90}"/>
-              </a:ext>
-            </a:extLst>
-          </p:cNvPr>
-          <p:cNvSpPr/>
-          <p:nvPr/>
-        </p:nvSpPr>
-        <p:spPr>
-          <a:xfrm>
-            <a:off x="0" y="0"/>
-            <a:ext cx="1573619" cy="6858000"/>
-          </a:xfrm>
-          <a:prstGeom prst="rect">
-            <a:avLst/>
-          </a:prstGeom>
-          <a:solidFill>
-            <a:schemeClr val="accent1"/>
-          </a:solidFill>
-        </p:spPr>
-        <p:style>
-          <a:lnRef idx="2">
-            <a:schemeClr val="accent1">
-              <a:shade val="50000"/>
-            </a:schemeClr>
-          </a:lnRef>
-          <a:fillRef idx="1">
-            <a:schemeClr val="accent1"/>
-          </a:fillRef>
-          <a:effectRef idx="0">
-            <a:schemeClr val="accent1"/>
-          </a:effectRef>
-          <a:fontRef idx="minor">
-            <a:schemeClr val="lt1"/>
-          </a:fontRef>
-        </p:style>
-        <p:txBody>
-          <a:bodyPr vert="eaVert" rtlCol="0" anchor="ctr"/>
-          <a:lstStyle/>
-          <a:p>
-            <a:pPr algn="ctr"/>
-            <a:r>
-              <a:rPr lang="ko-KR" altLang="en-US" sz="3500" b="1" dirty="0">
-                <a:solidFill>
-                  <a:schemeClr val="bg1"/>
-                </a:solidFill>
-                <a:effectLst>
-                  <a:outerShdw blurRad="38100" dist="38100" dir="2700000" algn="tl">
-                    <a:srgbClr val="000000">
-                      <a:alpha val="43137"/>
-                    </a:srgbClr>
-                  </a:outerShdw>
-                </a:effectLst>
-                <a:latin typeface="나눔고딕" pitchFamily="2" charset="-127"/>
-                <a:ea typeface="나눔고딕" pitchFamily="2" charset="-127"/>
-              </a:rPr>
-              <a:t>시  </a:t>
-            </a:r>
-            <a:r>
-              <a:rPr lang="ko-KR" altLang="en-US" sz="3500" b="1" dirty="0" err="1">
-                <a:solidFill>
-                  <a:schemeClr val="bg1"/>
-                </a:solidFill>
-                <a:effectLst>
-                  <a:outerShdw blurRad="38100" dist="38100" dir="2700000" algn="tl">
-                    <a:srgbClr val="000000">
-                      <a:alpha val="43137"/>
-                    </a:srgbClr>
-                  </a:outerShdw>
-                </a:effectLst>
-                <a:latin typeface="나눔고딕" pitchFamily="2" charset="-127"/>
-                <a:ea typeface="나눔고딕" pitchFamily="2" charset="-127"/>
-              </a:rPr>
-              <a:t>스</a:t>
-            </a:r>
-            <a:r>
-              <a:rPr lang="ko-KR" altLang="en-US" sz="3500" b="1" dirty="0">
-                <a:solidFill>
-                  <a:schemeClr val="bg1"/>
-                </a:solidFill>
-                <a:effectLst>
-                  <a:outerShdw blurRad="38100" dist="38100" dir="2700000" algn="tl">
-                    <a:srgbClr val="000000">
-                      <a:alpha val="43137"/>
-                    </a:srgbClr>
-                  </a:outerShdw>
-                </a:effectLst>
-                <a:latin typeface="나눔고딕" pitchFamily="2" charset="-127"/>
-                <a:ea typeface="나눔고딕" pitchFamily="2" charset="-127"/>
-              </a:rPr>
-              <a:t>  템  주  요  기  능</a:t>
-            </a:r>
-          </a:p>
-        </p:txBody>
-      </p:sp>
-      <p:sp>
-        <p:nvSpPr>
-          <p:cNvPr id="50" name="사각형: 둥근 모서리 49">
-            <a:extLst>
-              <a:ext uri="{FF2B5EF4-FFF2-40B4-BE49-F238E27FC236}">
-                <a16:creationId xmlns:a16="http://schemas.microsoft.com/office/drawing/2014/main" id="{03AF9854-8907-12D2-E7F9-000656C9A490}"/>
-              </a:ext>
-            </a:extLst>
-          </p:cNvPr>
-          <p:cNvSpPr/>
-          <p:nvPr/>
-        </p:nvSpPr>
-        <p:spPr>
-          <a:xfrm>
-            <a:off x="2112579" y="557043"/>
-            <a:ext cx="2165131" cy="635601"/>
-          </a:xfrm>
-          <a:prstGeom prst="roundRect">
-            <a:avLst>
-              <a:gd name="adj" fmla="val 15623"/>
-            </a:avLst>
-          </a:prstGeom>
-          <a:solidFill>
-            <a:srgbClr val="1D9A78"/>
-          </a:solidFill>
-        </p:spPr>
-        <p:style>
-          <a:lnRef idx="2">
-            <a:schemeClr val="accent1">
-              <a:shade val="50000"/>
-            </a:schemeClr>
-          </a:lnRef>
-          <a:fillRef idx="1">
-            <a:schemeClr val="accent1"/>
-          </a:fillRef>
-          <a:effectRef idx="0">
-            <a:schemeClr val="accent1"/>
-          </a:effectRef>
-          <a:fontRef idx="minor">
-            <a:schemeClr val="lt1"/>
-          </a:fontRef>
-        </p:style>
-        <p:txBody>
-          <a:bodyPr rtlCol="0" anchor="ctr"/>
-          <a:lstStyle/>
-          <a:p>
-            <a:pPr algn="ctr"/>
-            <a:r>
-              <a:rPr lang="en-US" altLang="ko-KR" sz="2500" b="1" dirty="0">
-                <a:effectLst>
-                  <a:outerShdw blurRad="38100" dist="38100" dir="2700000" algn="tl">
-                    <a:srgbClr val="000000">
-                      <a:alpha val="43137"/>
-                    </a:srgbClr>
-                  </a:outerShdw>
-                </a:effectLst>
-              </a:rPr>
-              <a:t>Index </a:t>
-            </a:r>
-            <a:r>
-              <a:rPr lang="ko-KR" altLang="en-US" sz="2500" b="1" dirty="0">
-                <a:effectLst>
-                  <a:outerShdw blurRad="38100" dist="38100" dir="2700000" algn="tl">
-                    <a:srgbClr val="000000">
-                      <a:alpha val="43137"/>
-                    </a:srgbClr>
-                  </a:outerShdw>
-                </a:effectLst>
-              </a:rPr>
-              <a:t>창</a:t>
-            </a:r>
-          </a:p>
-        </p:txBody>
-      </p:sp>
-      <p:sp>
-        <p:nvSpPr>
-          <p:cNvPr id="51" name="사각형: 둥근 모서리 50">
-            <a:extLst>
-              <a:ext uri="{FF2B5EF4-FFF2-40B4-BE49-F238E27FC236}">
-                <a16:creationId xmlns:a16="http://schemas.microsoft.com/office/drawing/2014/main" id="{6105FBFB-6071-9C39-2680-AE536B9B4B20}"/>
-              </a:ext>
-            </a:extLst>
-          </p:cNvPr>
-          <p:cNvSpPr/>
-          <p:nvPr/>
-        </p:nvSpPr>
-        <p:spPr>
-          <a:xfrm>
-            <a:off x="4816269" y="557043"/>
-            <a:ext cx="2165131" cy="635601"/>
-          </a:xfrm>
-          <a:prstGeom prst="roundRect">
-            <a:avLst>
-              <a:gd name="adj" fmla="val 15623"/>
-            </a:avLst>
-          </a:prstGeom>
-          <a:solidFill>
-            <a:srgbClr val="1D9A78"/>
-          </a:solidFill>
-        </p:spPr>
-        <p:style>
-          <a:lnRef idx="2">
-            <a:schemeClr val="accent1">
-              <a:shade val="50000"/>
-            </a:schemeClr>
-          </a:lnRef>
-          <a:fillRef idx="1">
-            <a:schemeClr val="accent1"/>
-          </a:fillRef>
-          <a:effectRef idx="0">
-            <a:schemeClr val="accent1"/>
-          </a:effectRef>
-          <a:fontRef idx="minor">
-            <a:schemeClr val="lt1"/>
-          </a:fontRef>
-        </p:style>
-        <p:txBody>
-          <a:bodyPr rtlCol="0" anchor="ctr"/>
-          <a:lstStyle/>
-          <a:p>
-            <a:pPr algn="ctr"/>
-            <a:r>
-              <a:rPr lang="ko-KR" altLang="en-US" sz="2000" b="1" dirty="0">
-                <a:effectLst>
-                  <a:outerShdw blurRad="38100" dist="38100" dir="2700000" algn="tl">
-                    <a:srgbClr val="000000">
-                      <a:alpha val="43137"/>
-                    </a:srgbClr>
-                  </a:outerShdw>
-                </a:effectLst>
-              </a:rPr>
-              <a:t>프로젝트 선택창</a:t>
-            </a:r>
-          </a:p>
-        </p:txBody>
-      </p:sp>
-      <p:sp>
-        <p:nvSpPr>
-          <p:cNvPr id="52" name="사각형: 둥근 모서리 51">
-            <a:extLst>
-              <a:ext uri="{FF2B5EF4-FFF2-40B4-BE49-F238E27FC236}">
-                <a16:creationId xmlns:a16="http://schemas.microsoft.com/office/drawing/2014/main" id="{A3AE165E-FF7A-84B9-C000-34D0E5BC330D}"/>
-              </a:ext>
-            </a:extLst>
-          </p:cNvPr>
-          <p:cNvSpPr/>
-          <p:nvPr/>
-        </p:nvSpPr>
-        <p:spPr>
-          <a:xfrm>
-            <a:off x="8005734" y="557042"/>
-            <a:ext cx="2165131" cy="635601"/>
-          </a:xfrm>
-          <a:prstGeom prst="roundRect">
-            <a:avLst>
-              <a:gd name="adj" fmla="val 15623"/>
-            </a:avLst>
-          </a:prstGeom>
-          <a:solidFill>
-            <a:srgbClr val="1D9A78"/>
-          </a:solidFill>
-        </p:spPr>
-        <p:style>
-          <a:lnRef idx="2">
-            <a:schemeClr val="accent1">
-              <a:shade val="50000"/>
-            </a:schemeClr>
-          </a:lnRef>
-          <a:fillRef idx="1">
-            <a:schemeClr val="accent1"/>
-          </a:fillRef>
-          <a:effectRef idx="0">
-            <a:schemeClr val="accent1"/>
-          </a:effectRef>
-          <a:fontRef idx="minor">
-            <a:schemeClr val="lt1"/>
-          </a:fontRef>
-        </p:style>
-        <p:txBody>
-          <a:bodyPr rtlCol="0" anchor="ctr"/>
-          <a:lstStyle/>
-          <a:p>
-            <a:pPr algn="ctr"/>
-            <a:r>
-              <a:rPr lang="ko-KR" altLang="en-US" sz="2500" b="1" dirty="0">
-                <a:effectLst>
-                  <a:outerShdw blurRad="38100" dist="38100" dir="2700000" algn="tl">
-                    <a:srgbClr val="000000">
-                      <a:alpha val="43137"/>
-                    </a:srgbClr>
-                  </a:outerShdw>
-                </a:effectLst>
-              </a:rPr>
-              <a:t>프로젝트 창</a:t>
-            </a:r>
-          </a:p>
-        </p:txBody>
-      </p:sp>
-      <p:sp>
-        <p:nvSpPr>
-          <p:cNvPr id="53" name="사각형: 둥근 모서리 52">
-            <a:extLst>
-              <a:ext uri="{FF2B5EF4-FFF2-40B4-BE49-F238E27FC236}">
-                <a16:creationId xmlns:a16="http://schemas.microsoft.com/office/drawing/2014/main" id="{D87B9832-294A-B921-59B5-80B22F69B700}"/>
-              </a:ext>
-            </a:extLst>
-          </p:cNvPr>
-          <p:cNvSpPr/>
-          <p:nvPr/>
-        </p:nvSpPr>
-        <p:spPr>
-          <a:xfrm>
-            <a:off x="2128344" y="3570463"/>
-            <a:ext cx="2165131" cy="635601"/>
-          </a:xfrm>
-          <a:prstGeom prst="roundRect">
-            <a:avLst>
-              <a:gd name="adj" fmla="val 15623"/>
-            </a:avLst>
-          </a:prstGeom>
-          <a:solidFill>
-            <a:srgbClr val="1D9A78"/>
-          </a:solidFill>
-        </p:spPr>
-        <p:style>
-          <a:lnRef idx="2">
-            <a:schemeClr val="accent1">
-              <a:shade val="50000"/>
-            </a:schemeClr>
-          </a:lnRef>
-          <a:fillRef idx="1">
-            <a:schemeClr val="accent1"/>
-          </a:fillRef>
-          <a:effectRef idx="0">
-            <a:schemeClr val="accent1"/>
-          </a:effectRef>
-          <a:fontRef idx="minor">
-            <a:schemeClr val="lt1"/>
-          </a:fontRef>
-        </p:style>
-        <p:txBody>
-          <a:bodyPr rtlCol="0" anchor="ctr"/>
-          <a:lstStyle/>
-          <a:p>
-            <a:pPr algn="ctr"/>
-            <a:r>
-              <a:rPr lang="ko-KR" altLang="en-US" sz="2500" b="1" dirty="0">
-                <a:effectLst>
-                  <a:outerShdw blurRad="38100" dist="38100" dir="2700000" algn="tl">
-                    <a:srgbClr val="000000">
-                      <a:alpha val="43137"/>
-                    </a:srgbClr>
-                  </a:outerShdw>
-                </a:effectLst>
-              </a:rPr>
-              <a:t>문서 창</a:t>
-            </a:r>
-          </a:p>
-        </p:txBody>
-      </p:sp>
-      <p:sp>
-        <p:nvSpPr>
-          <p:cNvPr id="54" name="사각형: 둥근 모서리 53">
-            <a:extLst>
-              <a:ext uri="{FF2B5EF4-FFF2-40B4-BE49-F238E27FC236}">
-                <a16:creationId xmlns:a16="http://schemas.microsoft.com/office/drawing/2014/main" id="{06977E4E-1F6B-6C83-3CD2-78DE12D79EE7}"/>
-              </a:ext>
-            </a:extLst>
-          </p:cNvPr>
-          <p:cNvSpPr/>
-          <p:nvPr/>
-        </p:nvSpPr>
-        <p:spPr>
-          <a:xfrm>
-            <a:off x="2810717" y="1419167"/>
-            <a:ext cx="1466993" cy="430654"/>
-          </a:xfrm>
-          <a:prstGeom prst="roundRect">
-            <a:avLst>
-              <a:gd name="adj" fmla="val 15623"/>
-            </a:avLst>
-          </a:prstGeom>
-          <a:solidFill>
-            <a:srgbClr val="7BAA3C"/>
-          </a:solidFill>
-        </p:spPr>
-        <p:style>
-          <a:lnRef idx="2">
-            <a:schemeClr val="accent1">
-              <a:shade val="50000"/>
-            </a:schemeClr>
-          </a:lnRef>
-          <a:fillRef idx="1">
-            <a:schemeClr val="accent1"/>
-          </a:fillRef>
-          <a:effectRef idx="0">
-            <a:schemeClr val="accent1"/>
-          </a:effectRef>
-          <a:fontRef idx="minor">
-            <a:schemeClr val="lt1"/>
-          </a:fontRef>
-        </p:style>
-        <p:txBody>
-          <a:bodyPr rtlCol="0" anchor="ctr"/>
-          <a:lstStyle/>
-          <a:p>
-            <a:pPr algn="ctr"/>
-            <a:r>
-              <a:rPr lang="ko-KR" altLang="en-US" sz="2000" b="1">
-                <a:effectLst>
-                  <a:outerShdw blurRad="38100" dist="38100" dir="2700000" algn="tl">
-                    <a:srgbClr val="000000">
-                      <a:alpha val="43137"/>
-                    </a:srgbClr>
-                  </a:outerShdw>
-                </a:effectLst>
-              </a:rPr>
-              <a:t>로그인</a:t>
-            </a:r>
-            <a:endParaRPr lang="ko-KR" altLang="en-US" sz="2000" b="1" dirty="0">
-              <a:effectLst>
-                <a:outerShdw blurRad="38100" dist="38100" dir="2700000" algn="tl">
-                  <a:srgbClr val="000000">
-                    <a:alpha val="43137"/>
-                  </a:srgbClr>
-                </a:outerShdw>
-              </a:effectLst>
-            </a:endParaRPr>
-          </a:p>
-        </p:txBody>
-      </p:sp>
-      <p:sp>
-        <p:nvSpPr>
-          <p:cNvPr id="55" name="사각형: 둥근 모서리 54">
-            <a:extLst>
-              <a:ext uri="{FF2B5EF4-FFF2-40B4-BE49-F238E27FC236}">
-                <a16:creationId xmlns:a16="http://schemas.microsoft.com/office/drawing/2014/main" id="{821613AE-90D0-9ED1-5AEB-69363B46C093}"/>
-              </a:ext>
-            </a:extLst>
-          </p:cNvPr>
-          <p:cNvSpPr/>
-          <p:nvPr/>
-        </p:nvSpPr>
-        <p:spPr>
-          <a:xfrm>
-            <a:off x="2810717" y="2023512"/>
-            <a:ext cx="1466993" cy="430654"/>
-          </a:xfrm>
-          <a:prstGeom prst="roundRect">
-            <a:avLst>
-              <a:gd name="adj" fmla="val 15623"/>
-            </a:avLst>
-          </a:prstGeom>
-          <a:solidFill>
-            <a:srgbClr val="7BAA3C"/>
-          </a:solidFill>
-        </p:spPr>
-        <p:style>
-          <a:lnRef idx="2">
-            <a:schemeClr val="accent1">
-              <a:shade val="50000"/>
-            </a:schemeClr>
-          </a:lnRef>
-          <a:fillRef idx="1">
-            <a:schemeClr val="accent1"/>
-          </a:fillRef>
-          <a:effectRef idx="0">
-            <a:schemeClr val="accent1"/>
-          </a:effectRef>
-          <a:fontRef idx="minor">
-            <a:schemeClr val="lt1"/>
-          </a:fontRef>
-        </p:style>
-        <p:txBody>
-          <a:bodyPr rtlCol="0" anchor="ctr"/>
-          <a:lstStyle/>
-          <a:p>
-            <a:pPr algn="ctr"/>
-            <a:r>
-              <a:rPr lang="ko-KR" altLang="en-US" sz="2000" b="1" dirty="0">
-                <a:effectLst>
-                  <a:outerShdw blurRad="38100" dist="38100" dir="2700000" algn="tl">
-                    <a:srgbClr val="000000">
-                      <a:alpha val="43137"/>
-                    </a:srgbClr>
-                  </a:outerShdw>
-                </a:effectLst>
-              </a:rPr>
-              <a:t>회원가입</a:t>
-            </a:r>
-          </a:p>
-        </p:txBody>
-      </p:sp>
-      <p:sp>
-        <p:nvSpPr>
-          <p:cNvPr id="56" name="사각형: 둥근 모서리 55">
-            <a:extLst>
-              <a:ext uri="{FF2B5EF4-FFF2-40B4-BE49-F238E27FC236}">
-                <a16:creationId xmlns:a16="http://schemas.microsoft.com/office/drawing/2014/main" id="{52DAE9B0-2D99-E32C-6B1E-C6046636503F}"/>
-              </a:ext>
-            </a:extLst>
-          </p:cNvPr>
-          <p:cNvSpPr/>
-          <p:nvPr/>
-        </p:nvSpPr>
-        <p:spPr>
-          <a:xfrm>
-            <a:off x="2826482" y="2627857"/>
-            <a:ext cx="1466993" cy="430654"/>
-          </a:xfrm>
-          <a:prstGeom prst="roundRect">
-            <a:avLst>
-              <a:gd name="adj" fmla="val 15623"/>
-            </a:avLst>
-          </a:prstGeom>
-          <a:solidFill>
-            <a:srgbClr val="7BAA3C"/>
-          </a:solidFill>
-        </p:spPr>
-        <p:style>
-          <a:lnRef idx="2">
-            <a:schemeClr val="accent1">
-              <a:shade val="50000"/>
-            </a:schemeClr>
-          </a:lnRef>
-          <a:fillRef idx="1">
-            <a:schemeClr val="accent1"/>
-          </a:fillRef>
-          <a:effectRef idx="0">
-            <a:schemeClr val="accent1"/>
-          </a:effectRef>
-          <a:fontRef idx="minor">
-            <a:schemeClr val="lt1"/>
-          </a:fontRef>
-        </p:style>
-        <p:txBody>
-          <a:bodyPr rtlCol="0" anchor="ctr"/>
-          <a:lstStyle/>
-          <a:p>
-            <a:pPr algn="ctr"/>
-            <a:r>
-              <a:rPr lang="ko-KR" altLang="en-US" sz="2000" b="1" dirty="0">
-                <a:effectLst>
-                  <a:outerShdw blurRad="38100" dist="38100" dir="2700000" algn="tl">
-                    <a:srgbClr val="000000">
-                      <a:alpha val="43137"/>
-                    </a:srgbClr>
-                  </a:outerShdw>
-                </a:effectLst>
-              </a:rPr>
-              <a:t>정보 수정</a:t>
-            </a:r>
-          </a:p>
-        </p:txBody>
-      </p:sp>
-      <p:sp>
-        <p:nvSpPr>
-          <p:cNvPr id="57" name="사각형: 둥근 모서리 56">
-            <a:extLst>
-              <a:ext uri="{FF2B5EF4-FFF2-40B4-BE49-F238E27FC236}">
-                <a16:creationId xmlns:a16="http://schemas.microsoft.com/office/drawing/2014/main" id="{381ACC84-EEF7-022B-D39A-38F619AB39A6}"/>
-              </a:ext>
-            </a:extLst>
-          </p:cNvPr>
-          <p:cNvSpPr/>
-          <p:nvPr/>
-        </p:nvSpPr>
-        <p:spPr>
-          <a:xfrm>
-            <a:off x="5518266" y="1419167"/>
-            <a:ext cx="1466993" cy="430654"/>
-          </a:xfrm>
-          <a:prstGeom prst="roundRect">
-            <a:avLst>
-              <a:gd name="adj" fmla="val 15623"/>
-            </a:avLst>
-          </a:prstGeom>
-          <a:solidFill>
-            <a:srgbClr val="7BAA3C"/>
-          </a:solidFill>
-        </p:spPr>
-        <p:style>
-          <a:lnRef idx="2">
-            <a:schemeClr val="accent1">
-              <a:shade val="50000"/>
-            </a:schemeClr>
-          </a:lnRef>
-          <a:fillRef idx="1">
-            <a:schemeClr val="accent1"/>
-          </a:fillRef>
-          <a:effectRef idx="0">
-            <a:schemeClr val="accent1"/>
-          </a:effectRef>
-          <a:fontRef idx="minor">
-            <a:schemeClr val="lt1"/>
-          </a:fontRef>
-        </p:style>
-        <p:txBody>
-          <a:bodyPr rtlCol="0" anchor="ctr"/>
-          <a:lstStyle/>
-          <a:p>
-            <a:pPr algn="ctr"/>
-            <a:r>
-              <a:rPr lang="ko-KR" altLang="en-US" sz="2000" b="1" dirty="0">
-                <a:effectLst>
-                  <a:outerShdw blurRad="38100" dist="38100" dir="2700000" algn="tl">
-                    <a:srgbClr val="000000">
-                      <a:alpha val="43137"/>
-                    </a:srgbClr>
-                  </a:outerShdw>
-                </a:effectLst>
-              </a:rPr>
-              <a:t>읽기 전용</a:t>
-            </a:r>
-          </a:p>
-        </p:txBody>
-      </p:sp>
-      <p:sp>
-        <p:nvSpPr>
-          <p:cNvPr id="58" name="사각형: 둥근 모서리 57">
-            <a:extLst>
-              <a:ext uri="{FF2B5EF4-FFF2-40B4-BE49-F238E27FC236}">
-                <a16:creationId xmlns:a16="http://schemas.microsoft.com/office/drawing/2014/main" id="{53174CC8-E3B1-BC5F-CE59-B497DE2DB4C4}"/>
-              </a:ext>
-            </a:extLst>
-          </p:cNvPr>
-          <p:cNvSpPr/>
-          <p:nvPr/>
-        </p:nvSpPr>
-        <p:spPr>
-          <a:xfrm>
-            <a:off x="5518266" y="2054624"/>
-            <a:ext cx="1466993" cy="430654"/>
-          </a:xfrm>
-          <a:prstGeom prst="roundRect">
-            <a:avLst>
-              <a:gd name="adj" fmla="val 15623"/>
-            </a:avLst>
-          </a:prstGeom>
-          <a:solidFill>
-            <a:srgbClr val="7BAA3C"/>
-          </a:solidFill>
-        </p:spPr>
-        <p:style>
-          <a:lnRef idx="2">
-            <a:schemeClr val="accent1">
-              <a:shade val="50000"/>
-            </a:schemeClr>
-          </a:lnRef>
-          <a:fillRef idx="1">
-            <a:schemeClr val="accent1"/>
-          </a:fillRef>
-          <a:effectRef idx="0">
-            <a:schemeClr val="accent1"/>
-          </a:effectRef>
-          <a:fontRef idx="minor">
-            <a:schemeClr val="lt1"/>
-          </a:fontRef>
-        </p:style>
-        <p:txBody>
-          <a:bodyPr rtlCol="0" anchor="ctr"/>
-          <a:lstStyle/>
-          <a:p>
-            <a:pPr algn="ctr"/>
-            <a:r>
-              <a:rPr lang="ko-KR" altLang="en-US" sz="2000" b="1" dirty="0">
-                <a:effectLst>
-                  <a:outerShdw blurRad="38100" dist="38100" dir="2700000" algn="tl">
-                    <a:srgbClr val="000000">
-                      <a:alpha val="43137"/>
-                    </a:srgbClr>
-                  </a:outerShdw>
-                </a:effectLst>
-              </a:rPr>
-              <a:t>편집 전용</a:t>
-            </a:r>
-          </a:p>
-        </p:txBody>
-      </p:sp>
-      <p:sp>
-        <p:nvSpPr>
-          <p:cNvPr id="59" name="사각형: 둥근 모서리 58">
-            <a:extLst>
-              <a:ext uri="{FF2B5EF4-FFF2-40B4-BE49-F238E27FC236}">
-                <a16:creationId xmlns:a16="http://schemas.microsoft.com/office/drawing/2014/main" id="{D2F9F16F-D2ED-DD9E-3D43-8FCF3BDC6149}"/>
-              </a:ext>
-            </a:extLst>
-          </p:cNvPr>
-          <p:cNvSpPr/>
-          <p:nvPr/>
-        </p:nvSpPr>
-        <p:spPr>
-          <a:xfrm>
-            <a:off x="5518265" y="2717057"/>
-            <a:ext cx="1466993" cy="430654"/>
-          </a:xfrm>
-          <a:prstGeom prst="roundRect">
-            <a:avLst>
-              <a:gd name="adj" fmla="val 15623"/>
-            </a:avLst>
-          </a:prstGeom>
-          <a:solidFill>
-            <a:srgbClr val="7BAA3C"/>
-          </a:solidFill>
-        </p:spPr>
-        <p:style>
-          <a:lnRef idx="2">
-            <a:schemeClr val="accent1">
-              <a:shade val="50000"/>
-            </a:schemeClr>
-          </a:lnRef>
-          <a:fillRef idx="1">
-            <a:schemeClr val="accent1"/>
-          </a:fillRef>
-          <a:effectRef idx="0">
-            <a:schemeClr val="accent1"/>
-          </a:effectRef>
-          <a:fontRef idx="minor">
-            <a:schemeClr val="lt1"/>
-          </a:fontRef>
-        </p:style>
-        <p:txBody>
-          <a:bodyPr rtlCol="0" anchor="ctr"/>
-          <a:lstStyle/>
-          <a:p>
-            <a:pPr algn="ctr"/>
-            <a:r>
-              <a:rPr lang="ko-KR" altLang="en-US" sz="2000" b="1" dirty="0">
-                <a:effectLst>
-                  <a:outerShdw blurRad="38100" dist="38100" dir="2700000" algn="tl">
-                    <a:srgbClr val="000000">
-                      <a:alpha val="43137"/>
-                    </a:srgbClr>
-                  </a:outerShdw>
-                </a:effectLst>
-              </a:rPr>
-              <a:t>초대 확인</a:t>
-            </a:r>
-          </a:p>
-        </p:txBody>
-      </p:sp>
-      <p:sp>
-        <p:nvSpPr>
-          <p:cNvPr id="60" name="사각형: 둥근 모서리 59">
-            <a:extLst>
-              <a:ext uri="{FF2B5EF4-FFF2-40B4-BE49-F238E27FC236}">
-                <a16:creationId xmlns:a16="http://schemas.microsoft.com/office/drawing/2014/main" id="{BA859C46-CB0C-D7DC-8A85-47FF6453BFB0}"/>
-              </a:ext>
-            </a:extLst>
-          </p:cNvPr>
-          <p:cNvSpPr/>
-          <p:nvPr/>
-        </p:nvSpPr>
-        <p:spPr>
-          <a:xfrm>
-            <a:off x="8709129" y="1419166"/>
-            <a:ext cx="1466993" cy="430654"/>
-          </a:xfrm>
-          <a:prstGeom prst="roundRect">
-            <a:avLst>
-              <a:gd name="adj" fmla="val 15623"/>
-            </a:avLst>
-          </a:prstGeom>
-          <a:solidFill>
-            <a:srgbClr val="7BAA3C"/>
-          </a:solidFill>
-        </p:spPr>
-        <p:style>
-          <a:lnRef idx="2">
-            <a:schemeClr val="accent1">
-              <a:shade val="50000"/>
-            </a:schemeClr>
-          </a:lnRef>
-          <a:fillRef idx="1">
-            <a:schemeClr val="accent1"/>
-          </a:fillRef>
-          <a:effectRef idx="0">
-            <a:schemeClr val="accent1"/>
-          </a:effectRef>
-          <a:fontRef idx="minor">
-            <a:schemeClr val="lt1"/>
-          </a:fontRef>
-        </p:style>
-        <p:txBody>
-          <a:bodyPr rtlCol="0" anchor="ctr"/>
-          <a:lstStyle/>
-          <a:p>
-            <a:pPr algn="ctr"/>
-            <a:r>
-              <a:rPr lang="ko-KR" altLang="en-US" sz="2000" b="1" dirty="0">
-                <a:effectLst>
-                  <a:outerShdw blurRad="38100" dist="38100" dir="2700000" algn="tl">
-                    <a:srgbClr val="000000">
-                      <a:alpha val="43137"/>
-                    </a:srgbClr>
-                  </a:outerShdw>
-                </a:effectLst>
-              </a:rPr>
-              <a:t>목표</a:t>
-            </a:r>
-          </a:p>
-        </p:txBody>
-      </p:sp>
-      <p:sp>
-        <p:nvSpPr>
-          <p:cNvPr id="61" name="사각형: 둥근 모서리 60">
-            <a:extLst>
-              <a:ext uri="{FF2B5EF4-FFF2-40B4-BE49-F238E27FC236}">
-                <a16:creationId xmlns:a16="http://schemas.microsoft.com/office/drawing/2014/main" id="{D0B8DDCA-FDF7-E115-4DEA-5EDBBE674398}"/>
-              </a:ext>
-            </a:extLst>
-          </p:cNvPr>
-          <p:cNvSpPr/>
-          <p:nvPr/>
-        </p:nvSpPr>
-        <p:spPr>
-          <a:xfrm>
-            <a:off x="8709129" y="2054623"/>
-            <a:ext cx="1466993" cy="430654"/>
-          </a:xfrm>
-          <a:prstGeom prst="roundRect">
-            <a:avLst>
-              <a:gd name="adj" fmla="val 15623"/>
-            </a:avLst>
-          </a:prstGeom>
-          <a:solidFill>
-            <a:srgbClr val="7BAA3C"/>
-          </a:solidFill>
-        </p:spPr>
-        <p:style>
-          <a:lnRef idx="2">
-            <a:schemeClr val="accent1">
-              <a:shade val="50000"/>
-            </a:schemeClr>
-          </a:lnRef>
-          <a:fillRef idx="1">
-            <a:schemeClr val="accent1"/>
-          </a:fillRef>
-          <a:effectRef idx="0">
-            <a:schemeClr val="accent1"/>
-          </a:effectRef>
-          <a:fontRef idx="minor">
-            <a:schemeClr val="lt1"/>
-          </a:fontRef>
-        </p:style>
-        <p:txBody>
-          <a:bodyPr rtlCol="0" anchor="ctr"/>
-          <a:lstStyle/>
-          <a:p>
-            <a:pPr algn="ctr"/>
-            <a:r>
-              <a:rPr lang="ko-KR" altLang="en-US" sz="2000" b="1" dirty="0">
-                <a:effectLst>
-                  <a:outerShdw blurRad="38100" dist="38100" dir="2700000" algn="tl">
-                    <a:srgbClr val="000000">
-                      <a:alpha val="43137"/>
-                    </a:srgbClr>
-                  </a:outerShdw>
-                </a:effectLst>
-              </a:rPr>
-              <a:t>하위 목표</a:t>
-            </a:r>
-          </a:p>
-        </p:txBody>
-      </p:sp>
-      <p:sp>
-        <p:nvSpPr>
-          <p:cNvPr id="62" name="사각형: 둥근 모서리 61">
-            <a:extLst>
-              <a:ext uri="{FF2B5EF4-FFF2-40B4-BE49-F238E27FC236}">
-                <a16:creationId xmlns:a16="http://schemas.microsoft.com/office/drawing/2014/main" id="{696C2C38-AC00-2227-8BE3-691A9B6FB92C}"/>
-              </a:ext>
-            </a:extLst>
-          </p:cNvPr>
-          <p:cNvSpPr/>
-          <p:nvPr/>
-        </p:nvSpPr>
-        <p:spPr>
-          <a:xfrm>
-            <a:off x="8709128" y="2690080"/>
-            <a:ext cx="1466993" cy="430654"/>
-          </a:xfrm>
-          <a:prstGeom prst="roundRect">
-            <a:avLst>
-              <a:gd name="adj" fmla="val 15623"/>
-            </a:avLst>
-          </a:prstGeom>
-          <a:solidFill>
-            <a:srgbClr val="7BAA3C"/>
-          </a:solidFill>
-        </p:spPr>
-        <p:style>
-          <a:lnRef idx="2">
-            <a:schemeClr val="accent1">
-              <a:shade val="50000"/>
-            </a:schemeClr>
-          </a:lnRef>
-          <a:fillRef idx="1">
-            <a:schemeClr val="accent1"/>
-          </a:fillRef>
-          <a:effectRef idx="0">
-            <a:schemeClr val="accent1"/>
-          </a:effectRef>
-          <a:fontRef idx="minor">
-            <a:schemeClr val="lt1"/>
-          </a:fontRef>
-        </p:style>
-        <p:txBody>
-          <a:bodyPr rtlCol="0" anchor="ctr"/>
-          <a:lstStyle/>
-          <a:p>
-            <a:pPr algn="ctr"/>
-            <a:r>
-              <a:rPr lang="ko-KR" altLang="en-US" sz="2000" b="1" dirty="0">
-                <a:effectLst>
-                  <a:outerShdw blurRad="38100" dist="38100" dir="2700000" algn="tl">
-                    <a:srgbClr val="000000">
-                      <a:alpha val="43137"/>
-                    </a:srgbClr>
-                  </a:outerShdw>
-                </a:effectLst>
-              </a:rPr>
-              <a:t>세부 작업</a:t>
-            </a:r>
-          </a:p>
-        </p:txBody>
-      </p:sp>
-      <p:sp>
-        <p:nvSpPr>
-          <p:cNvPr id="63" name="사각형: 둥근 모서리 62">
-            <a:extLst>
-              <a:ext uri="{FF2B5EF4-FFF2-40B4-BE49-F238E27FC236}">
-                <a16:creationId xmlns:a16="http://schemas.microsoft.com/office/drawing/2014/main" id="{11907755-3D27-D688-A1CE-54B002EB0019}"/>
-              </a:ext>
-            </a:extLst>
-          </p:cNvPr>
-          <p:cNvSpPr/>
-          <p:nvPr/>
-        </p:nvSpPr>
-        <p:spPr>
-          <a:xfrm>
-            <a:off x="8709128" y="3352513"/>
-            <a:ext cx="1466993" cy="430654"/>
-          </a:xfrm>
-          <a:prstGeom prst="roundRect">
-            <a:avLst>
-              <a:gd name="adj" fmla="val 15623"/>
-            </a:avLst>
-          </a:prstGeom>
-          <a:solidFill>
-            <a:srgbClr val="7BAA3C"/>
-          </a:solidFill>
-        </p:spPr>
-        <p:style>
-          <a:lnRef idx="2">
-            <a:schemeClr val="accent1">
-              <a:shade val="50000"/>
-            </a:schemeClr>
-          </a:lnRef>
-          <a:fillRef idx="1">
-            <a:schemeClr val="accent1"/>
-          </a:fillRef>
-          <a:effectRef idx="0">
-            <a:schemeClr val="accent1"/>
-          </a:effectRef>
-          <a:fontRef idx="minor">
-            <a:schemeClr val="lt1"/>
-          </a:fontRef>
-        </p:style>
-        <p:txBody>
-          <a:bodyPr rtlCol="0" anchor="ctr"/>
-          <a:lstStyle/>
-          <a:p>
-            <a:pPr algn="ctr"/>
-            <a:r>
-              <a:rPr lang="ko-KR" altLang="en-US" sz="2000" b="1" dirty="0">
-                <a:effectLst>
-                  <a:outerShdw blurRad="38100" dist="38100" dir="2700000" algn="tl">
-                    <a:srgbClr val="000000">
-                      <a:alpha val="43137"/>
-                    </a:srgbClr>
-                  </a:outerShdw>
-                </a:effectLst>
-              </a:rPr>
-              <a:t>캘린더</a:t>
-            </a:r>
-          </a:p>
-        </p:txBody>
-      </p:sp>
-      <p:sp>
-        <p:nvSpPr>
-          <p:cNvPr id="64" name="사각형: 둥근 모서리 63">
-            <a:extLst>
-              <a:ext uri="{FF2B5EF4-FFF2-40B4-BE49-F238E27FC236}">
-                <a16:creationId xmlns:a16="http://schemas.microsoft.com/office/drawing/2014/main" id="{A01E704C-A8D4-F389-C7E9-49E614ADBDF2}"/>
-              </a:ext>
-            </a:extLst>
-          </p:cNvPr>
-          <p:cNvSpPr/>
-          <p:nvPr/>
-        </p:nvSpPr>
-        <p:spPr>
-          <a:xfrm>
-            <a:off x="8709128" y="4014945"/>
-            <a:ext cx="1466993" cy="430654"/>
-          </a:xfrm>
-          <a:prstGeom prst="roundRect">
-            <a:avLst>
-              <a:gd name="adj" fmla="val 15623"/>
-            </a:avLst>
-          </a:prstGeom>
-          <a:solidFill>
-            <a:srgbClr val="7BAA3C"/>
-          </a:solidFill>
-        </p:spPr>
-        <p:style>
-          <a:lnRef idx="2">
-            <a:schemeClr val="accent1">
-              <a:shade val="50000"/>
-            </a:schemeClr>
-          </a:lnRef>
-          <a:fillRef idx="1">
-            <a:schemeClr val="accent1"/>
-          </a:fillRef>
-          <a:effectRef idx="0">
-            <a:schemeClr val="accent1"/>
-          </a:effectRef>
-          <a:fontRef idx="minor">
-            <a:schemeClr val="lt1"/>
-          </a:fontRef>
-        </p:style>
-        <p:txBody>
-          <a:bodyPr rtlCol="0" anchor="ctr"/>
-          <a:lstStyle/>
-          <a:p>
-            <a:pPr algn="ctr"/>
-            <a:r>
-              <a:rPr lang="ko-KR" altLang="en-US" sz="2000" b="1" dirty="0">
-                <a:effectLst>
-                  <a:outerShdw blurRad="38100" dist="38100" dir="2700000" algn="tl">
-                    <a:srgbClr val="000000">
-                      <a:alpha val="43137"/>
-                    </a:srgbClr>
-                  </a:outerShdw>
-                </a:effectLst>
-              </a:rPr>
-              <a:t>멤버 초대</a:t>
-            </a:r>
-          </a:p>
-        </p:txBody>
-      </p:sp>
-      <p:sp>
-        <p:nvSpPr>
-          <p:cNvPr id="65" name="사각형: 둥근 모서리 64">
-            <a:extLst>
-              <a:ext uri="{FF2B5EF4-FFF2-40B4-BE49-F238E27FC236}">
-                <a16:creationId xmlns:a16="http://schemas.microsoft.com/office/drawing/2014/main" id="{7A4C4118-42A5-1029-6D4A-135051F5BEF2}"/>
-              </a:ext>
-            </a:extLst>
-          </p:cNvPr>
-          <p:cNvSpPr/>
-          <p:nvPr/>
-        </p:nvSpPr>
-        <p:spPr>
-          <a:xfrm>
-            <a:off x="8703872" y="4650546"/>
-            <a:ext cx="1466993" cy="430654"/>
-          </a:xfrm>
-          <a:prstGeom prst="roundRect">
-            <a:avLst>
-              <a:gd name="adj" fmla="val 15623"/>
-            </a:avLst>
-          </a:prstGeom>
-          <a:solidFill>
-            <a:srgbClr val="7BAA3C"/>
-          </a:solidFill>
-        </p:spPr>
-        <p:style>
-          <a:lnRef idx="2">
-            <a:schemeClr val="accent1">
-              <a:shade val="50000"/>
-            </a:schemeClr>
-          </a:lnRef>
-          <a:fillRef idx="1">
-            <a:schemeClr val="accent1"/>
-          </a:fillRef>
-          <a:effectRef idx="0">
-            <a:schemeClr val="accent1"/>
-          </a:effectRef>
-          <a:fontRef idx="minor">
-            <a:schemeClr val="lt1"/>
-          </a:fontRef>
-        </p:style>
-        <p:txBody>
-          <a:bodyPr rtlCol="0" anchor="ctr"/>
-          <a:lstStyle/>
-          <a:p>
-            <a:pPr algn="ctr"/>
-            <a:r>
-              <a:rPr lang="ko-KR" altLang="en-US" sz="2000" b="1" dirty="0">
-                <a:effectLst>
-                  <a:outerShdw blurRad="38100" dist="38100" dir="2700000" algn="tl">
-                    <a:srgbClr val="000000">
-                      <a:alpha val="43137"/>
-                    </a:srgbClr>
-                  </a:outerShdw>
-                </a:effectLst>
-              </a:rPr>
-              <a:t>상태 표시</a:t>
-            </a:r>
-          </a:p>
-        </p:txBody>
-      </p:sp>
-      <p:sp>
-        <p:nvSpPr>
-          <p:cNvPr id="66" name="사각형: 둥근 모서리 65">
-            <a:extLst>
-              <a:ext uri="{FF2B5EF4-FFF2-40B4-BE49-F238E27FC236}">
-                <a16:creationId xmlns:a16="http://schemas.microsoft.com/office/drawing/2014/main" id="{7DEEC610-AF0D-B78A-2FD2-E25D869D14E2}"/>
-              </a:ext>
-            </a:extLst>
-          </p:cNvPr>
-          <p:cNvSpPr/>
-          <p:nvPr/>
-        </p:nvSpPr>
-        <p:spPr>
-          <a:xfrm>
-            <a:off x="10663555" y="2690080"/>
-            <a:ext cx="1466993" cy="430654"/>
-          </a:xfrm>
-          <a:prstGeom prst="roundRect">
-            <a:avLst>
-              <a:gd name="adj" fmla="val 15623"/>
-            </a:avLst>
-          </a:prstGeom>
-          <a:solidFill>
-            <a:srgbClr val="3AAC42"/>
-          </a:solidFill>
-        </p:spPr>
-        <p:style>
-          <a:lnRef idx="2">
-            <a:schemeClr val="accent1">
-              <a:shade val="50000"/>
-            </a:schemeClr>
-          </a:lnRef>
-          <a:fillRef idx="1">
-            <a:schemeClr val="accent1"/>
-          </a:fillRef>
-          <a:effectRef idx="0">
-            <a:schemeClr val="accent1"/>
-          </a:effectRef>
-          <a:fontRef idx="minor">
-            <a:schemeClr val="lt1"/>
-          </a:fontRef>
-        </p:style>
-        <p:txBody>
-          <a:bodyPr rtlCol="0" anchor="ctr"/>
-          <a:lstStyle/>
-          <a:p>
-            <a:pPr algn="ctr"/>
-            <a:r>
-              <a:rPr lang="ko-KR" altLang="en-US" b="1" dirty="0">
-                <a:effectLst>
-                  <a:outerShdw blurRad="38100" dist="38100" dir="2700000" algn="tl">
-                    <a:srgbClr val="000000">
-                      <a:alpha val="43137"/>
-                    </a:srgbClr>
-                  </a:outerShdw>
-                </a:effectLst>
-              </a:rPr>
-              <a:t>댓글</a:t>
-            </a:r>
-          </a:p>
-        </p:txBody>
-      </p:sp>
-      <p:cxnSp>
-        <p:nvCxnSpPr>
-          <p:cNvPr id="67" name="직선 연결선 66">
-            <a:extLst>
-              <a:ext uri="{FF2B5EF4-FFF2-40B4-BE49-F238E27FC236}">
-                <a16:creationId xmlns:a16="http://schemas.microsoft.com/office/drawing/2014/main" id="{86068A42-F644-616C-D3C0-B3226979DD25}"/>
-              </a:ext>
-            </a:extLst>
-          </p:cNvPr>
-          <p:cNvCxnSpPr>
-            <a:cxnSpLocks/>
-          </p:cNvCxnSpPr>
-          <p:nvPr/>
-        </p:nvCxnSpPr>
-        <p:spPr>
-          <a:xfrm>
-            <a:off x="2333297" y="1192644"/>
-            <a:ext cx="493" cy="1682715"/>
-          </a:xfrm>
-          <a:prstGeom prst="line">
-            <a:avLst/>
-          </a:prstGeom>
-          <a:ln w="38100">
-            <a:solidFill>
-              <a:schemeClr val="accent1">
-                <a:lumMod val="50000"/>
-              </a:schemeClr>
-            </a:solidFill>
-          </a:ln>
-        </p:spPr>
-        <p:style>
-          <a:lnRef idx="1">
-            <a:schemeClr val="accent1"/>
-          </a:lnRef>
-          <a:fillRef idx="0">
-            <a:schemeClr val="accent1"/>
-          </a:fillRef>
-          <a:effectRef idx="0">
-            <a:schemeClr val="accent1"/>
-          </a:effectRef>
-          <a:fontRef idx="minor">
-            <a:schemeClr val="tx1"/>
-          </a:fontRef>
-        </p:style>
-      </p:cxnSp>
-      <p:cxnSp>
-        <p:nvCxnSpPr>
-          <p:cNvPr id="68" name="직선 연결선 67">
-            <a:extLst>
-              <a:ext uri="{FF2B5EF4-FFF2-40B4-BE49-F238E27FC236}">
-                <a16:creationId xmlns:a16="http://schemas.microsoft.com/office/drawing/2014/main" id="{91095343-11FB-EBF1-5DE0-D6AA0235CBEC}"/>
-              </a:ext>
-            </a:extLst>
-          </p:cNvPr>
-          <p:cNvCxnSpPr>
-            <a:cxnSpLocks/>
-            <a:stCxn id="54" idx="1"/>
-          </p:cNvCxnSpPr>
-          <p:nvPr/>
-        </p:nvCxnSpPr>
-        <p:spPr>
-          <a:xfrm flipH="1">
-            <a:off x="2318025" y="1634494"/>
-            <a:ext cx="492692" cy="0"/>
-          </a:xfrm>
-          <a:prstGeom prst="line">
-            <a:avLst/>
-          </a:prstGeom>
-          <a:ln w="38100">
-            <a:solidFill>
-              <a:schemeClr val="accent1">
-                <a:lumMod val="50000"/>
-              </a:schemeClr>
-            </a:solidFill>
-          </a:ln>
-        </p:spPr>
-        <p:style>
-          <a:lnRef idx="1">
-            <a:schemeClr val="accent1"/>
-          </a:lnRef>
-          <a:fillRef idx="0">
-            <a:schemeClr val="accent1"/>
-          </a:fillRef>
-          <a:effectRef idx="0">
-            <a:schemeClr val="accent1"/>
-          </a:effectRef>
-          <a:fontRef idx="minor">
-            <a:schemeClr val="tx1"/>
-          </a:fontRef>
-        </p:style>
-      </p:cxnSp>
-      <p:cxnSp>
-        <p:nvCxnSpPr>
-          <p:cNvPr id="69" name="직선 연결선 68">
-            <a:extLst>
-              <a:ext uri="{FF2B5EF4-FFF2-40B4-BE49-F238E27FC236}">
-                <a16:creationId xmlns:a16="http://schemas.microsoft.com/office/drawing/2014/main" id="{C9C1C5EB-82BA-31CE-277C-55846A241835}"/>
-              </a:ext>
-            </a:extLst>
-          </p:cNvPr>
-          <p:cNvCxnSpPr>
-            <a:cxnSpLocks/>
-          </p:cNvCxnSpPr>
-          <p:nvPr/>
-        </p:nvCxnSpPr>
-        <p:spPr>
-          <a:xfrm flipH="1">
-            <a:off x="2316627" y="2238839"/>
-            <a:ext cx="492692" cy="0"/>
-          </a:xfrm>
-          <a:prstGeom prst="line">
-            <a:avLst/>
-          </a:prstGeom>
-          <a:ln w="38100">
-            <a:solidFill>
-              <a:schemeClr val="accent1">
-                <a:lumMod val="50000"/>
-              </a:schemeClr>
-            </a:solidFill>
-          </a:ln>
-        </p:spPr>
-        <p:style>
-          <a:lnRef idx="1">
-            <a:schemeClr val="accent1"/>
-          </a:lnRef>
-          <a:fillRef idx="0">
-            <a:schemeClr val="accent1"/>
-          </a:fillRef>
-          <a:effectRef idx="0">
-            <a:schemeClr val="accent1"/>
-          </a:effectRef>
-          <a:fontRef idx="minor">
-            <a:schemeClr val="tx1"/>
-          </a:fontRef>
-        </p:style>
-      </p:cxnSp>
-      <p:cxnSp>
-        <p:nvCxnSpPr>
-          <p:cNvPr id="70" name="직선 연결선 69">
-            <a:extLst>
-              <a:ext uri="{FF2B5EF4-FFF2-40B4-BE49-F238E27FC236}">
-                <a16:creationId xmlns:a16="http://schemas.microsoft.com/office/drawing/2014/main" id="{57217C60-4BCB-BA37-0A60-3C5457E12CB9}"/>
-              </a:ext>
-            </a:extLst>
-          </p:cNvPr>
-          <p:cNvCxnSpPr>
-            <a:cxnSpLocks/>
-          </p:cNvCxnSpPr>
-          <p:nvPr/>
-        </p:nvCxnSpPr>
-        <p:spPr>
-          <a:xfrm flipH="1">
-            <a:off x="2333790" y="2862726"/>
-            <a:ext cx="492692" cy="0"/>
-          </a:xfrm>
-          <a:prstGeom prst="line">
-            <a:avLst/>
-          </a:prstGeom>
-          <a:ln w="38100">
-            <a:solidFill>
-              <a:schemeClr val="accent1">
-                <a:lumMod val="50000"/>
-              </a:schemeClr>
-            </a:solidFill>
-          </a:ln>
-        </p:spPr>
-        <p:style>
-          <a:lnRef idx="1">
-            <a:schemeClr val="accent1"/>
-          </a:lnRef>
-          <a:fillRef idx="0">
-            <a:schemeClr val="accent1"/>
-          </a:fillRef>
-          <a:effectRef idx="0">
-            <a:schemeClr val="accent1"/>
-          </a:effectRef>
-          <a:fontRef idx="minor">
-            <a:schemeClr val="tx1"/>
-          </a:fontRef>
-        </p:style>
-      </p:cxnSp>
-      <p:cxnSp>
-        <p:nvCxnSpPr>
-          <p:cNvPr id="71" name="직선 연결선 70">
-            <a:extLst>
-              <a:ext uri="{FF2B5EF4-FFF2-40B4-BE49-F238E27FC236}">
-                <a16:creationId xmlns:a16="http://schemas.microsoft.com/office/drawing/2014/main" id="{F8C3B0F9-CDB3-D91D-A9A3-FAE5E67E189A}"/>
-              </a:ext>
-            </a:extLst>
-          </p:cNvPr>
-          <p:cNvCxnSpPr>
-            <a:cxnSpLocks/>
-          </p:cNvCxnSpPr>
-          <p:nvPr/>
-        </p:nvCxnSpPr>
-        <p:spPr>
-          <a:xfrm>
-            <a:off x="5026972" y="1213266"/>
-            <a:ext cx="493" cy="1682715"/>
-          </a:xfrm>
-          <a:prstGeom prst="line">
-            <a:avLst/>
-          </a:prstGeom>
-          <a:ln w="38100">
-            <a:solidFill>
-              <a:schemeClr val="accent1">
-                <a:lumMod val="50000"/>
-              </a:schemeClr>
-            </a:solidFill>
-          </a:ln>
-        </p:spPr>
-        <p:style>
-          <a:lnRef idx="1">
-            <a:schemeClr val="accent1"/>
-          </a:lnRef>
-          <a:fillRef idx="0">
-            <a:schemeClr val="accent1"/>
-          </a:fillRef>
-          <a:effectRef idx="0">
-            <a:schemeClr val="accent1"/>
-          </a:effectRef>
-          <a:fontRef idx="minor">
-            <a:schemeClr val="tx1"/>
-          </a:fontRef>
-        </p:style>
-      </p:cxnSp>
-      <p:cxnSp>
-        <p:nvCxnSpPr>
-          <p:cNvPr id="72" name="직선 연결선 71">
-            <a:extLst>
-              <a:ext uri="{FF2B5EF4-FFF2-40B4-BE49-F238E27FC236}">
-                <a16:creationId xmlns:a16="http://schemas.microsoft.com/office/drawing/2014/main" id="{3EF0E5D0-DE5F-F838-19A0-18D17EDC0D21}"/>
-              </a:ext>
-            </a:extLst>
-          </p:cNvPr>
-          <p:cNvCxnSpPr>
-            <a:cxnSpLocks/>
-          </p:cNvCxnSpPr>
-          <p:nvPr/>
-        </p:nvCxnSpPr>
-        <p:spPr>
-          <a:xfrm flipH="1">
-            <a:off x="5011700" y="1655116"/>
-            <a:ext cx="492692" cy="0"/>
-          </a:xfrm>
-          <a:prstGeom prst="line">
-            <a:avLst/>
-          </a:prstGeom>
-          <a:ln w="38100">
-            <a:solidFill>
-              <a:schemeClr val="accent1">
-                <a:lumMod val="50000"/>
-              </a:schemeClr>
-            </a:solidFill>
-          </a:ln>
-        </p:spPr>
-        <p:style>
-          <a:lnRef idx="1">
-            <a:schemeClr val="accent1"/>
-          </a:lnRef>
-          <a:fillRef idx="0">
-            <a:schemeClr val="accent1"/>
-          </a:fillRef>
-          <a:effectRef idx="0">
-            <a:schemeClr val="accent1"/>
-          </a:effectRef>
-          <a:fontRef idx="minor">
-            <a:schemeClr val="tx1"/>
-          </a:fontRef>
-        </p:style>
-      </p:cxnSp>
-      <p:cxnSp>
-        <p:nvCxnSpPr>
-          <p:cNvPr id="73" name="직선 연결선 72">
-            <a:extLst>
-              <a:ext uri="{FF2B5EF4-FFF2-40B4-BE49-F238E27FC236}">
-                <a16:creationId xmlns:a16="http://schemas.microsoft.com/office/drawing/2014/main" id="{6313B5C3-2461-88BD-F8B3-D73337190044}"/>
-              </a:ext>
-            </a:extLst>
-          </p:cNvPr>
-          <p:cNvCxnSpPr>
-            <a:cxnSpLocks/>
-          </p:cNvCxnSpPr>
-          <p:nvPr/>
-        </p:nvCxnSpPr>
-        <p:spPr>
-          <a:xfrm flipH="1">
-            <a:off x="5010302" y="2259461"/>
-            <a:ext cx="492692" cy="0"/>
-          </a:xfrm>
-          <a:prstGeom prst="line">
-            <a:avLst/>
-          </a:prstGeom>
-          <a:ln w="38100">
-            <a:solidFill>
-              <a:schemeClr val="accent1">
-                <a:lumMod val="50000"/>
-              </a:schemeClr>
-            </a:solidFill>
-          </a:ln>
-        </p:spPr>
-        <p:style>
-          <a:lnRef idx="1">
-            <a:schemeClr val="accent1"/>
-          </a:lnRef>
-          <a:fillRef idx="0">
-            <a:schemeClr val="accent1"/>
-          </a:fillRef>
-          <a:effectRef idx="0">
-            <a:schemeClr val="accent1"/>
-          </a:effectRef>
-          <a:fontRef idx="minor">
-            <a:schemeClr val="tx1"/>
-          </a:fontRef>
-        </p:style>
-      </p:cxnSp>
-      <p:cxnSp>
-        <p:nvCxnSpPr>
-          <p:cNvPr id="74" name="직선 연결선 73">
-            <a:extLst>
-              <a:ext uri="{FF2B5EF4-FFF2-40B4-BE49-F238E27FC236}">
-                <a16:creationId xmlns:a16="http://schemas.microsoft.com/office/drawing/2014/main" id="{EFCE4BA6-0849-D502-A8B7-0515974F16E5}"/>
-              </a:ext>
-            </a:extLst>
-          </p:cNvPr>
-          <p:cNvCxnSpPr>
-            <a:cxnSpLocks/>
-          </p:cNvCxnSpPr>
-          <p:nvPr/>
-        </p:nvCxnSpPr>
-        <p:spPr>
-          <a:xfrm flipH="1">
-            <a:off x="5027465" y="2883348"/>
-            <a:ext cx="492692" cy="0"/>
-          </a:xfrm>
-          <a:prstGeom prst="line">
-            <a:avLst/>
-          </a:prstGeom>
-          <a:ln w="38100">
-            <a:solidFill>
-              <a:schemeClr val="accent1">
-                <a:lumMod val="50000"/>
-              </a:schemeClr>
-            </a:solidFill>
-          </a:ln>
-        </p:spPr>
-        <p:style>
-          <a:lnRef idx="1">
-            <a:schemeClr val="accent1"/>
-          </a:lnRef>
-          <a:fillRef idx="0">
-            <a:schemeClr val="accent1"/>
-          </a:fillRef>
-          <a:effectRef idx="0">
-            <a:schemeClr val="accent1"/>
-          </a:effectRef>
-          <a:fontRef idx="minor">
-            <a:schemeClr val="tx1"/>
-          </a:fontRef>
-        </p:style>
-      </p:cxnSp>
-      <p:cxnSp>
-        <p:nvCxnSpPr>
-          <p:cNvPr id="75" name="직선 연결선 74">
-            <a:extLst>
-              <a:ext uri="{FF2B5EF4-FFF2-40B4-BE49-F238E27FC236}">
-                <a16:creationId xmlns:a16="http://schemas.microsoft.com/office/drawing/2014/main" id="{A4FF6685-AAA1-4051-F704-BE9ACB833611}"/>
-              </a:ext>
-            </a:extLst>
-          </p:cNvPr>
-          <p:cNvCxnSpPr>
-            <a:cxnSpLocks/>
-          </p:cNvCxnSpPr>
-          <p:nvPr/>
-        </p:nvCxnSpPr>
-        <p:spPr>
-          <a:xfrm flipH="1">
-            <a:off x="8174285" y="1192643"/>
-            <a:ext cx="15066" cy="3710350"/>
-          </a:xfrm>
-          <a:prstGeom prst="line">
-            <a:avLst/>
-          </a:prstGeom>
-          <a:ln w="38100">
-            <a:solidFill>
-              <a:schemeClr val="accent1">
-                <a:lumMod val="50000"/>
-              </a:schemeClr>
-            </a:solidFill>
-          </a:ln>
-        </p:spPr>
-        <p:style>
-          <a:lnRef idx="1">
-            <a:schemeClr val="accent1"/>
-          </a:lnRef>
-          <a:fillRef idx="0">
-            <a:schemeClr val="accent1"/>
-          </a:fillRef>
-          <a:effectRef idx="0">
-            <a:schemeClr val="accent1"/>
-          </a:effectRef>
-          <a:fontRef idx="minor">
-            <a:schemeClr val="tx1"/>
-          </a:fontRef>
-        </p:style>
-      </p:cxnSp>
-      <p:cxnSp>
-        <p:nvCxnSpPr>
-          <p:cNvPr id="76" name="직선 연결선 75">
-            <a:extLst>
-              <a:ext uri="{FF2B5EF4-FFF2-40B4-BE49-F238E27FC236}">
-                <a16:creationId xmlns:a16="http://schemas.microsoft.com/office/drawing/2014/main" id="{3271A351-DB69-9CF3-1FBF-A136B7F58364}"/>
-              </a:ext>
-            </a:extLst>
-          </p:cNvPr>
-          <p:cNvCxnSpPr>
-            <a:cxnSpLocks/>
-            <a:stCxn id="60" idx="1"/>
-          </p:cNvCxnSpPr>
-          <p:nvPr/>
-        </p:nvCxnSpPr>
-        <p:spPr>
-          <a:xfrm flipH="1">
-            <a:off x="8178842" y="1634493"/>
-            <a:ext cx="530287" cy="0"/>
-          </a:xfrm>
-          <a:prstGeom prst="line">
-            <a:avLst/>
-          </a:prstGeom>
-          <a:ln w="38100">
-            <a:solidFill>
-              <a:schemeClr val="accent1">
-                <a:lumMod val="50000"/>
-              </a:schemeClr>
-            </a:solidFill>
-          </a:ln>
-        </p:spPr>
-        <p:style>
-          <a:lnRef idx="1">
-            <a:schemeClr val="accent1"/>
-          </a:lnRef>
-          <a:fillRef idx="0">
-            <a:schemeClr val="accent1"/>
-          </a:fillRef>
-          <a:effectRef idx="0">
-            <a:schemeClr val="accent1"/>
-          </a:effectRef>
-          <a:fontRef idx="minor">
-            <a:schemeClr val="tx1"/>
-          </a:fontRef>
-        </p:style>
-      </p:cxnSp>
-      <p:cxnSp>
-        <p:nvCxnSpPr>
-          <p:cNvPr id="77" name="직선 연결선 76">
-            <a:extLst>
-              <a:ext uri="{FF2B5EF4-FFF2-40B4-BE49-F238E27FC236}">
-                <a16:creationId xmlns:a16="http://schemas.microsoft.com/office/drawing/2014/main" id="{CCC46968-3BF7-BAFA-B5F8-7DDA32905B83}"/>
-              </a:ext>
-            </a:extLst>
-          </p:cNvPr>
-          <p:cNvCxnSpPr>
-            <a:cxnSpLocks/>
-            <a:stCxn id="61" idx="1"/>
-          </p:cNvCxnSpPr>
-          <p:nvPr/>
-        </p:nvCxnSpPr>
-        <p:spPr>
-          <a:xfrm flipH="1">
-            <a:off x="8178842" y="2269950"/>
-            <a:ext cx="530287" cy="82"/>
-          </a:xfrm>
-          <a:prstGeom prst="line">
-            <a:avLst/>
-          </a:prstGeom>
-          <a:ln w="38100">
-            <a:solidFill>
-              <a:schemeClr val="accent1">
-                <a:lumMod val="50000"/>
-              </a:schemeClr>
-            </a:solidFill>
-          </a:ln>
-        </p:spPr>
-        <p:style>
-          <a:lnRef idx="1">
-            <a:schemeClr val="accent1"/>
-          </a:lnRef>
-          <a:fillRef idx="0">
-            <a:schemeClr val="accent1"/>
-          </a:fillRef>
-          <a:effectRef idx="0">
-            <a:schemeClr val="accent1"/>
-          </a:effectRef>
-          <a:fontRef idx="minor">
-            <a:schemeClr val="tx1"/>
-          </a:fontRef>
-        </p:style>
-      </p:cxnSp>
-      <p:cxnSp>
-        <p:nvCxnSpPr>
-          <p:cNvPr id="78" name="직선 연결선 77">
-            <a:extLst>
-              <a:ext uri="{FF2B5EF4-FFF2-40B4-BE49-F238E27FC236}">
-                <a16:creationId xmlns:a16="http://schemas.microsoft.com/office/drawing/2014/main" id="{0ED82EFA-5C05-E089-8D12-1C6F532637A0}"/>
-              </a:ext>
-            </a:extLst>
-          </p:cNvPr>
-          <p:cNvCxnSpPr>
-            <a:cxnSpLocks/>
-            <a:stCxn id="62" idx="1"/>
-          </p:cNvCxnSpPr>
-          <p:nvPr/>
-        </p:nvCxnSpPr>
-        <p:spPr>
-          <a:xfrm flipH="1">
-            <a:off x="8189351" y="2905407"/>
-            <a:ext cx="519777" cy="561"/>
-          </a:xfrm>
-          <a:prstGeom prst="line">
-            <a:avLst/>
-          </a:prstGeom>
-          <a:ln w="38100">
-            <a:solidFill>
-              <a:schemeClr val="accent1">
-                <a:lumMod val="50000"/>
-              </a:schemeClr>
-            </a:solidFill>
-          </a:ln>
-        </p:spPr>
-        <p:style>
-          <a:lnRef idx="1">
-            <a:schemeClr val="accent1"/>
-          </a:lnRef>
-          <a:fillRef idx="0">
-            <a:schemeClr val="accent1"/>
-          </a:fillRef>
-          <a:effectRef idx="0">
-            <a:schemeClr val="accent1"/>
-          </a:effectRef>
-          <a:fontRef idx="minor">
-            <a:schemeClr val="tx1"/>
-          </a:fontRef>
-        </p:style>
-      </p:cxnSp>
-      <p:cxnSp>
-        <p:nvCxnSpPr>
-          <p:cNvPr id="79" name="직선 연결선 78">
-            <a:extLst>
-              <a:ext uri="{FF2B5EF4-FFF2-40B4-BE49-F238E27FC236}">
-                <a16:creationId xmlns:a16="http://schemas.microsoft.com/office/drawing/2014/main" id="{287C581C-34EB-8B0B-DC93-F2524A7623B8}"/>
-              </a:ext>
-            </a:extLst>
-          </p:cNvPr>
-          <p:cNvCxnSpPr>
-            <a:cxnSpLocks/>
-          </p:cNvCxnSpPr>
-          <p:nvPr/>
-        </p:nvCxnSpPr>
-        <p:spPr>
-          <a:xfrm flipH="1">
-            <a:off x="8184096" y="3567279"/>
-            <a:ext cx="519777" cy="561"/>
-          </a:xfrm>
-          <a:prstGeom prst="line">
-            <a:avLst/>
-          </a:prstGeom>
-          <a:ln w="38100">
-            <a:solidFill>
-              <a:schemeClr val="accent1">
-                <a:lumMod val="50000"/>
-              </a:schemeClr>
-            </a:solidFill>
-          </a:ln>
-        </p:spPr>
-        <p:style>
-          <a:lnRef idx="1">
-            <a:schemeClr val="accent1"/>
-          </a:lnRef>
-          <a:fillRef idx="0">
-            <a:schemeClr val="accent1"/>
-          </a:fillRef>
-          <a:effectRef idx="0">
-            <a:schemeClr val="accent1"/>
-          </a:effectRef>
-          <a:fontRef idx="minor">
-            <a:schemeClr val="tx1"/>
-          </a:fontRef>
-        </p:style>
-      </p:cxnSp>
-      <p:cxnSp>
-        <p:nvCxnSpPr>
-          <p:cNvPr id="80" name="직선 연결선 79">
-            <a:extLst>
-              <a:ext uri="{FF2B5EF4-FFF2-40B4-BE49-F238E27FC236}">
-                <a16:creationId xmlns:a16="http://schemas.microsoft.com/office/drawing/2014/main" id="{028E390F-9407-E6FC-546D-9648789BF88F}"/>
-              </a:ext>
-            </a:extLst>
-          </p:cNvPr>
-          <p:cNvCxnSpPr>
-            <a:cxnSpLocks/>
-          </p:cNvCxnSpPr>
-          <p:nvPr/>
-        </p:nvCxnSpPr>
-        <p:spPr>
-          <a:xfrm flipH="1">
-            <a:off x="8186724" y="4228590"/>
-            <a:ext cx="519777" cy="561"/>
-          </a:xfrm>
-          <a:prstGeom prst="line">
-            <a:avLst/>
-          </a:prstGeom>
-          <a:ln w="38100">
-            <a:solidFill>
-              <a:schemeClr val="accent1">
-                <a:lumMod val="50000"/>
-              </a:schemeClr>
-            </a:solidFill>
-          </a:ln>
-        </p:spPr>
-        <p:style>
-          <a:lnRef idx="1">
-            <a:schemeClr val="accent1"/>
-          </a:lnRef>
-          <a:fillRef idx="0">
-            <a:schemeClr val="accent1"/>
-          </a:fillRef>
-          <a:effectRef idx="0">
-            <a:schemeClr val="accent1"/>
-          </a:effectRef>
-          <a:fontRef idx="minor">
-            <a:schemeClr val="tx1"/>
-          </a:fontRef>
-        </p:style>
-      </p:cxnSp>
-      <p:cxnSp>
-        <p:nvCxnSpPr>
-          <p:cNvPr id="81" name="직선 연결선 80">
-            <a:extLst>
-              <a:ext uri="{FF2B5EF4-FFF2-40B4-BE49-F238E27FC236}">
-                <a16:creationId xmlns:a16="http://schemas.microsoft.com/office/drawing/2014/main" id="{BC6917AF-B6FD-92C1-82E4-ACA88687F428}"/>
-              </a:ext>
-            </a:extLst>
-          </p:cNvPr>
-          <p:cNvCxnSpPr>
-            <a:cxnSpLocks/>
-          </p:cNvCxnSpPr>
-          <p:nvPr/>
-        </p:nvCxnSpPr>
-        <p:spPr>
-          <a:xfrm flipH="1">
-            <a:off x="8186724" y="4885824"/>
-            <a:ext cx="519777" cy="561"/>
-          </a:xfrm>
-          <a:prstGeom prst="line">
-            <a:avLst/>
-          </a:prstGeom>
-          <a:ln w="38100">
-            <a:solidFill>
-              <a:schemeClr val="accent1">
-                <a:lumMod val="50000"/>
-              </a:schemeClr>
-            </a:solidFill>
-          </a:ln>
-        </p:spPr>
-        <p:style>
-          <a:lnRef idx="1">
-            <a:schemeClr val="accent1"/>
-          </a:lnRef>
-          <a:fillRef idx="0">
-            <a:schemeClr val="accent1"/>
-          </a:fillRef>
-          <a:effectRef idx="0">
-            <a:schemeClr val="accent1"/>
-          </a:effectRef>
-          <a:fontRef idx="minor">
-            <a:schemeClr val="tx1"/>
-          </a:fontRef>
-        </p:style>
-      </p:cxnSp>
-      <p:cxnSp>
-        <p:nvCxnSpPr>
-          <p:cNvPr id="82" name="직선 연결선 81">
-            <a:extLst>
-              <a:ext uri="{FF2B5EF4-FFF2-40B4-BE49-F238E27FC236}">
-                <a16:creationId xmlns:a16="http://schemas.microsoft.com/office/drawing/2014/main" id="{27B63F75-D39F-4E1E-6674-CDD3633105D2}"/>
-              </a:ext>
-            </a:extLst>
-          </p:cNvPr>
-          <p:cNvCxnSpPr>
-            <a:cxnSpLocks/>
-            <a:stCxn id="66" idx="1"/>
-            <a:endCxn id="62" idx="3"/>
-          </p:cNvCxnSpPr>
-          <p:nvPr/>
-        </p:nvCxnSpPr>
-        <p:spPr>
-          <a:xfrm flipH="1">
-            <a:off x="10176121" y="2905407"/>
-            <a:ext cx="487434" cy="0"/>
-          </a:xfrm>
-          <a:prstGeom prst="line">
-            <a:avLst/>
-          </a:prstGeom>
-          <a:ln w="38100">
-            <a:solidFill>
-              <a:schemeClr val="accent1">
-                <a:lumMod val="50000"/>
-              </a:schemeClr>
-            </a:solidFill>
-          </a:ln>
-        </p:spPr>
-        <p:style>
-          <a:lnRef idx="1">
-            <a:schemeClr val="accent1"/>
-          </a:lnRef>
-          <a:fillRef idx="0">
-            <a:schemeClr val="accent1"/>
-          </a:fillRef>
-          <a:effectRef idx="0">
-            <a:schemeClr val="accent1"/>
-          </a:effectRef>
-          <a:fontRef idx="minor">
-            <a:schemeClr val="tx1"/>
-          </a:fontRef>
-        </p:style>
-      </p:cxnSp>
-      <p:sp>
-        <p:nvSpPr>
-          <p:cNvPr id="83" name="사각형: 둥근 모서리 82">
-            <a:extLst>
-              <a:ext uri="{FF2B5EF4-FFF2-40B4-BE49-F238E27FC236}">
-                <a16:creationId xmlns:a16="http://schemas.microsoft.com/office/drawing/2014/main" id="{6D44B548-BE25-9C4B-3785-A83667AA9436}"/>
-              </a:ext>
-            </a:extLst>
-          </p:cNvPr>
-          <p:cNvSpPr/>
-          <p:nvPr/>
-        </p:nvSpPr>
-        <p:spPr>
-          <a:xfrm>
-            <a:off x="5045022" y="4472339"/>
-            <a:ext cx="1466993" cy="430654"/>
-          </a:xfrm>
-          <a:prstGeom prst="roundRect">
-            <a:avLst>
-              <a:gd name="adj" fmla="val 15623"/>
-            </a:avLst>
-          </a:prstGeom>
-          <a:solidFill>
-            <a:srgbClr val="7BAA3C"/>
-          </a:solidFill>
-        </p:spPr>
-        <p:style>
-          <a:lnRef idx="2">
-            <a:schemeClr val="accent1">
-              <a:shade val="50000"/>
-            </a:schemeClr>
-          </a:lnRef>
-          <a:fillRef idx="1">
-            <a:schemeClr val="accent1"/>
-          </a:fillRef>
-          <a:effectRef idx="0">
-            <a:schemeClr val="accent1"/>
-          </a:effectRef>
-          <a:fontRef idx="minor">
-            <a:schemeClr val="lt1"/>
-          </a:fontRef>
-        </p:style>
-        <p:txBody>
-          <a:bodyPr rtlCol="0" anchor="ctr"/>
-          <a:lstStyle/>
-          <a:p>
-            <a:pPr algn="ctr"/>
-            <a:r>
-              <a:rPr lang="en-US" altLang="ko-KR" b="1" dirty="0" err="1">
-                <a:effectLst>
-                  <a:outerShdw blurRad="38100" dist="38100" dir="2700000" algn="tl">
-                    <a:srgbClr val="000000">
-                      <a:alpha val="43137"/>
-                    </a:srgbClr>
-                  </a:outerShdw>
-                </a:effectLst>
-              </a:rPr>
-              <a:t>Hitory</a:t>
-            </a:r>
-            <a:endParaRPr lang="ko-KR" altLang="en-US" b="1" dirty="0">
-              <a:effectLst>
-                <a:outerShdw blurRad="38100" dist="38100" dir="2700000" algn="tl">
-                  <a:srgbClr val="000000">
-                    <a:alpha val="43137"/>
-                  </a:srgbClr>
-                </a:outerShdw>
-              </a:effectLst>
-            </a:endParaRPr>
-          </a:p>
-        </p:txBody>
-      </p:sp>
-      <p:sp>
-        <p:nvSpPr>
-          <p:cNvPr id="84" name="사각형: 둥근 모서리 83">
-            <a:extLst>
-              <a:ext uri="{FF2B5EF4-FFF2-40B4-BE49-F238E27FC236}">
-                <a16:creationId xmlns:a16="http://schemas.microsoft.com/office/drawing/2014/main" id="{C0025831-D734-64D4-D86C-1775BEEBCC07}"/>
-              </a:ext>
-            </a:extLst>
-          </p:cNvPr>
-          <p:cNvSpPr/>
-          <p:nvPr/>
-        </p:nvSpPr>
-        <p:spPr>
-          <a:xfrm>
-            <a:off x="2810716" y="4483146"/>
-            <a:ext cx="1466993" cy="430654"/>
-          </a:xfrm>
-          <a:prstGeom prst="roundRect">
-            <a:avLst>
-              <a:gd name="adj" fmla="val 15623"/>
-            </a:avLst>
-          </a:prstGeom>
-          <a:solidFill>
-            <a:srgbClr val="7BAA3C"/>
-          </a:solidFill>
-        </p:spPr>
-        <p:style>
-          <a:lnRef idx="2">
-            <a:schemeClr val="accent1">
-              <a:shade val="50000"/>
-            </a:schemeClr>
-          </a:lnRef>
-          <a:fillRef idx="1">
-            <a:schemeClr val="accent1"/>
-          </a:fillRef>
-          <a:effectRef idx="0">
-            <a:schemeClr val="accent1"/>
-          </a:effectRef>
-          <a:fontRef idx="minor">
-            <a:schemeClr val="lt1"/>
-          </a:fontRef>
-        </p:style>
-        <p:txBody>
-          <a:bodyPr rtlCol="0" anchor="ctr"/>
-          <a:lstStyle/>
-          <a:p>
-            <a:pPr algn="ctr"/>
-            <a:r>
-              <a:rPr lang="ko-KR" altLang="en-US" sz="2000" b="1" dirty="0">
-                <a:effectLst>
-                  <a:outerShdw blurRad="38100" dist="38100" dir="2700000" algn="tl">
-                    <a:srgbClr val="000000">
-                      <a:alpha val="43137"/>
-                    </a:srgbClr>
-                  </a:outerShdw>
-                </a:effectLst>
-              </a:rPr>
-              <a:t>편집</a:t>
-            </a:r>
-          </a:p>
-        </p:txBody>
-      </p:sp>
-      <p:sp>
-        <p:nvSpPr>
-          <p:cNvPr id="85" name="사각형: 둥근 모서리 84">
-            <a:extLst>
-              <a:ext uri="{FF2B5EF4-FFF2-40B4-BE49-F238E27FC236}">
-                <a16:creationId xmlns:a16="http://schemas.microsoft.com/office/drawing/2014/main" id="{1C5683FC-69A7-9A79-685E-759D3C84B0AC}"/>
-              </a:ext>
-            </a:extLst>
-          </p:cNvPr>
-          <p:cNvSpPr/>
-          <p:nvPr/>
-        </p:nvSpPr>
-        <p:spPr>
-          <a:xfrm>
-            <a:off x="5045021" y="5017036"/>
-            <a:ext cx="1466993" cy="430654"/>
-          </a:xfrm>
-          <a:prstGeom prst="roundRect">
-            <a:avLst>
-              <a:gd name="adj" fmla="val 15623"/>
-            </a:avLst>
-          </a:prstGeom>
-          <a:solidFill>
-            <a:srgbClr val="7BAA3C"/>
-          </a:solidFill>
-        </p:spPr>
-        <p:style>
-          <a:lnRef idx="2">
-            <a:schemeClr val="accent1">
-              <a:shade val="50000"/>
-            </a:schemeClr>
-          </a:lnRef>
-          <a:fillRef idx="1">
-            <a:schemeClr val="accent1"/>
-          </a:fillRef>
-          <a:effectRef idx="0">
-            <a:schemeClr val="accent1"/>
-          </a:effectRef>
-          <a:fontRef idx="minor">
-            <a:schemeClr val="lt1"/>
-          </a:fontRef>
-        </p:style>
-        <p:txBody>
-          <a:bodyPr rtlCol="0" anchor="ctr"/>
-          <a:lstStyle/>
-          <a:p>
-            <a:pPr algn="ctr"/>
-            <a:r>
-              <a:rPr lang="ko-KR" altLang="en-US" b="1" dirty="0">
-                <a:effectLst>
-                  <a:outerShdw blurRad="38100" dist="38100" dir="2700000" algn="tl">
-                    <a:srgbClr val="000000">
-                      <a:alpha val="43137"/>
-                    </a:srgbClr>
-                  </a:outerShdw>
-                </a:effectLst>
-              </a:rPr>
-              <a:t>이미지</a:t>
-            </a:r>
-          </a:p>
-        </p:txBody>
-      </p:sp>
-      <p:sp>
-        <p:nvSpPr>
-          <p:cNvPr id="86" name="사각형: 둥근 모서리 85">
-            <a:extLst>
-              <a:ext uri="{FF2B5EF4-FFF2-40B4-BE49-F238E27FC236}">
-                <a16:creationId xmlns:a16="http://schemas.microsoft.com/office/drawing/2014/main" id="{B7CE4157-8A30-0574-1CF7-8A195488CA0E}"/>
-              </a:ext>
-            </a:extLst>
-          </p:cNvPr>
-          <p:cNvSpPr/>
-          <p:nvPr/>
-        </p:nvSpPr>
-        <p:spPr>
-          <a:xfrm>
-            <a:off x="2809319" y="5537687"/>
-            <a:ext cx="1466993" cy="430654"/>
-          </a:xfrm>
-          <a:prstGeom prst="roundRect">
-            <a:avLst>
-              <a:gd name="adj" fmla="val 15623"/>
-            </a:avLst>
-          </a:prstGeom>
-          <a:solidFill>
-            <a:srgbClr val="7BAA3C"/>
-          </a:solidFill>
-        </p:spPr>
-        <p:style>
-          <a:lnRef idx="2">
-            <a:schemeClr val="accent1">
-              <a:shade val="50000"/>
-            </a:schemeClr>
-          </a:lnRef>
-          <a:fillRef idx="1">
-            <a:schemeClr val="accent1"/>
-          </a:fillRef>
-          <a:effectRef idx="0">
-            <a:schemeClr val="accent1"/>
-          </a:effectRef>
-          <a:fontRef idx="minor">
-            <a:schemeClr val="lt1"/>
-          </a:fontRef>
-        </p:style>
-        <p:txBody>
-          <a:bodyPr rtlCol="0" anchor="ctr"/>
-          <a:lstStyle/>
-          <a:p>
-            <a:pPr algn="ctr"/>
-            <a:r>
-              <a:rPr lang="ko-KR" altLang="en-US" sz="2000" b="1" dirty="0">
-                <a:effectLst>
-                  <a:outerShdw blurRad="38100" dist="38100" dir="2700000" algn="tl">
-                    <a:srgbClr val="000000">
-                      <a:alpha val="43137"/>
-                    </a:srgbClr>
-                  </a:outerShdw>
-                </a:effectLst>
-              </a:rPr>
-              <a:t>읽기 전용</a:t>
-            </a:r>
-          </a:p>
-        </p:txBody>
-      </p:sp>
-      <p:sp>
-        <p:nvSpPr>
-          <p:cNvPr id="87" name="사각형: 둥근 모서리 86">
-            <a:extLst>
-              <a:ext uri="{FF2B5EF4-FFF2-40B4-BE49-F238E27FC236}">
-                <a16:creationId xmlns:a16="http://schemas.microsoft.com/office/drawing/2014/main" id="{AE71B54C-799F-BC3F-FE08-3941A5A07754}"/>
-              </a:ext>
-            </a:extLst>
-          </p:cNvPr>
-          <p:cNvSpPr/>
-          <p:nvPr/>
-        </p:nvSpPr>
-        <p:spPr>
-          <a:xfrm>
-            <a:off x="5045023" y="5561733"/>
-            <a:ext cx="1466993" cy="430654"/>
-          </a:xfrm>
-          <a:prstGeom prst="roundRect">
-            <a:avLst>
-              <a:gd name="adj" fmla="val 15623"/>
-            </a:avLst>
-          </a:prstGeom>
-          <a:solidFill>
-            <a:srgbClr val="7BAA3C"/>
-          </a:solidFill>
-        </p:spPr>
-        <p:style>
-          <a:lnRef idx="2">
-            <a:schemeClr val="accent1">
-              <a:shade val="50000"/>
-            </a:schemeClr>
-          </a:lnRef>
-          <a:fillRef idx="1">
-            <a:schemeClr val="accent1"/>
-          </a:fillRef>
-          <a:effectRef idx="0">
-            <a:schemeClr val="accent1"/>
-          </a:effectRef>
-          <a:fontRef idx="minor">
-            <a:schemeClr val="lt1"/>
-          </a:fontRef>
-        </p:style>
-        <p:txBody>
-          <a:bodyPr rtlCol="0" anchor="ctr"/>
-          <a:lstStyle/>
-          <a:p>
-            <a:pPr algn="ctr"/>
-            <a:r>
-              <a:rPr lang="ko-KR" altLang="en-US" b="1">
-                <a:effectLst>
-                  <a:outerShdw blurRad="38100" dist="38100" dir="2700000" algn="tl">
-                    <a:srgbClr val="000000">
-                      <a:alpha val="43137"/>
-                    </a:srgbClr>
-                  </a:outerShdw>
-                </a:effectLst>
-              </a:rPr>
-              <a:t>동영상</a:t>
-            </a:r>
-            <a:endParaRPr lang="ko-KR" altLang="en-US" b="1" dirty="0">
-              <a:effectLst>
-                <a:outerShdw blurRad="38100" dist="38100" dir="2700000" algn="tl">
-                  <a:srgbClr val="000000">
-                    <a:alpha val="43137"/>
-                  </a:srgbClr>
-                </a:outerShdw>
-              </a:effectLst>
-            </a:endParaRPr>
-          </a:p>
-        </p:txBody>
-      </p:sp>
-      <p:cxnSp>
-        <p:nvCxnSpPr>
-          <p:cNvPr id="88" name="직선 연결선 87">
-            <a:extLst>
-              <a:ext uri="{FF2B5EF4-FFF2-40B4-BE49-F238E27FC236}">
-                <a16:creationId xmlns:a16="http://schemas.microsoft.com/office/drawing/2014/main" id="{CD8C5365-E6A7-B8F1-4BEB-53BC9D81AC3A}"/>
-              </a:ext>
-            </a:extLst>
-          </p:cNvPr>
-          <p:cNvCxnSpPr>
-            <a:cxnSpLocks/>
-          </p:cNvCxnSpPr>
-          <p:nvPr/>
-        </p:nvCxnSpPr>
-        <p:spPr>
-          <a:xfrm flipH="1">
-            <a:off x="2322909" y="4198972"/>
-            <a:ext cx="10700" cy="1579131"/>
-          </a:xfrm>
-          <a:prstGeom prst="line">
-            <a:avLst/>
-          </a:prstGeom>
-          <a:ln w="38100">
-            <a:solidFill>
-              <a:schemeClr val="accent1">
-                <a:lumMod val="50000"/>
-              </a:schemeClr>
-            </a:solidFill>
-          </a:ln>
-        </p:spPr>
-        <p:style>
-          <a:lnRef idx="1">
-            <a:schemeClr val="accent1"/>
-          </a:lnRef>
-          <a:fillRef idx="0">
-            <a:schemeClr val="accent1"/>
-          </a:fillRef>
-          <a:effectRef idx="0">
-            <a:schemeClr val="accent1"/>
-          </a:effectRef>
-          <a:fontRef idx="minor">
-            <a:schemeClr val="tx1"/>
-          </a:fontRef>
-        </p:style>
-      </p:cxnSp>
-      <p:cxnSp>
-        <p:nvCxnSpPr>
-          <p:cNvPr id="89" name="직선 연결선 88">
-            <a:extLst>
-              <a:ext uri="{FF2B5EF4-FFF2-40B4-BE49-F238E27FC236}">
-                <a16:creationId xmlns:a16="http://schemas.microsoft.com/office/drawing/2014/main" id="{E83D30C7-6EA6-3239-01DD-801DD656150F}"/>
-              </a:ext>
-            </a:extLst>
-          </p:cNvPr>
-          <p:cNvCxnSpPr>
-            <a:cxnSpLocks/>
-          </p:cNvCxnSpPr>
-          <p:nvPr/>
-        </p:nvCxnSpPr>
-        <p:spPr>
-          <a:xfrm flipH="1">
-            <a:off x="2316627" y="5761898"/>
-            <a:ext cx="492692" cy="0"/>
-          </a:xfrm>
-          <a:prstGeom prst="line">
-            <a:avLst/>
-          </a:prstGeom>
-          <a:ln w="38100">
-            <a:solidFill>
-              <a:schemeClr val="accent1">
-                <a:lumMod val="50000"/>
-              </a:schemeClr>
-            </a:solidFill>
-          </a:ln>
-        </p:spPr>
-        <p:style>
-          <a:lnRef idx="1">
-            <a:schemeClr val="accent1"/>
-          </a:lnRef>
-          <a:fillRef idx="0">
-            <a:schemeClr val="accent1"/>
-          </a:fillRef>
-          <a:effectRef idx="0">
-            <a:schemeClr val="accent1"/>
-          </a:effectRef>
-          <a:fontRef idx="minor">
-            <a:schemeClr val="tx1"/>
-          </a:fontRef>
-        </p:style>
-      </p:cxnSp>
-      <p:cxnSp>
-        <p:nvCxnSpPr>
-          <p:cNvPr id="90" name="직선 연결선 89">
-            <a:extLst>
-              <a:ext uri="{FF2B5EF4-FFF2-40B4-BE49-F238E27FC236}">
-                <a16:creationId xmlns:a16="http://schemas.microsoft.com/office/drawing/2014/main" id="{CEAFA3CF-A417-4712-D145-F3FA1C318956}"/>
-              </a:ext>
-            </a:extLst>
-          </p:cNvPr>
-          <p:cNvCxnSpPr>
-            <a:cxnSpLocks/>
-          </p:cNvCxnSpPr>
-          <p:nvPr/>
-        </p:nvCxnSpPr>
-        <p:spPr>
-          <a:xfrm flipH="1">
-            <a:off x="2316627" y="4683192"/>
-            <a:ext cx="492692" cy="0"/>
-          </a:xfrm>
-          <a:prstGeom prst="line">
-            <a:avLst/>
-          </a:prstGeom>
-          <a:ln w="38100">
-            <a:solidFill>
-              <a:schemeClr val="accent1">
-                <a:lumMod val="50000"/>
-              </a:schemeClr>
-            </a:solidFill>
-          </a:ln>
-        </p:spPr>
-        <p:style>
-          <a:lnRef idx="1">
-            <a:schemeClr val="accent1"/>
-          </a:lnRef>
-          <a:fillRef idx="0">
-            <a:schemeClr val="accent1"/>
-          </a:fillRef>
-          <a:effectRef idx="0">
-            <a:schemeClr val="accent1"/>
-          </a:effectRef>
-          <a:fontRef idx="minor">
-            <a:schemeClr val="tx1"/>
-          </a:fontRef>
-        </p:style>
-      </p:cxnSp>
-      <p:cxnSp>
-        <p:nvCxnSpPr>
-          <p:cNvPr id="91" name="직선 연결선 90">
-            <a:extLst>
-              <a:ext uri="{FF2B5EF4-FFF2-40B4-BE49-F238E27FC236}">
-                <a16:creationId xmlns:a16="http://schemas.microsoft.com/office/drawing/2014/main" id="{C9065F75-7D84-6FBD-D056-4331C2D64D19}"/>
-              </a:ext>
-            </a:extLst>
-          </p:cNvPr>
-          <p:cNvCxnSpPr>
-            <a:cxnSpLocks/>
-            <a:stCxn id="83" idx="1"/>
-          </p:cNvCxnSpPr>
-          <p:nvPr/>
-        </p:nvCxnSpPr>
-        <p:spPr>
-          <a:xfrm flipH="1" flipV="1">
-            <a:off x="4276312" y="4683192"/>
-            <a:ext cx="768710" cy="4474"/>
-          </a:xfrm>
-          <a:prstGeom prst="line">
-            <a:avLst/>
-          </a:prstGeom>
-          <a:ln w="38100">
-            <a:solidFill>
-              <a:schemeClr val="accent1">
-                <a:lumMod val="50000"/>
-              </a:schemeClr>
-            </a:solidFill>
-          </a:ln>
-        </p:spPr>
-        <p:style>
-          <a:lnRef idx="1">
-            <a:schemeClr val="accent1"/>
-          </a:lnRef>
-          <a:fillRef idx="0">
-            <a:schemeClr val="accent1"/>
-          </a:fillRef>
-          <a:effectRef idx="0">
-            <a:schemeClr val="accent1"/>
-          </a:effectRef>
-          <a:fontRef idx="minor">
-            <a:schemeClr val="tx1"/>
-          </a:fontRef>
-        </p:style>
-      </p:cxnSp>
-      <p:cxnSp>
-        <p:nvCxnSpPr>
-          <p:cNvPr id="92" name="직선 연결선 91">
-            <a:extLst>
-              <a:ext uri="{FF2B5EF4-FFF2-40B4-BE49-F238E27FC236}">
-                <a16:creationId xmlns:a16="http://schemas.microsoft.com/office/drawing/2014/main" id="{8F351BA0-BE67-24F8-E8BD-9419393F3426}"/>
-              </a:ext>
-            </a:extLst>
-          </p:cNvPr>
-          <p:cNvCxnSpPr>
-            <a:cxnSpLocks/>
-          </p:cNvCxnSpPr>
-          <p:nvPr/>
-        </p:nvCxnSpPr>
-        <p:spPr>
-          <a:xfrm flipH="1">
-            <a:off x="4652485" y="4683192"/>
-            <a:ext cx="12107" cy="1119914"/>
-          </a:xfrm>
-          <a:prstGeom prst="line">
-            <a:avLst/>
-          </a:prstGeom>
-          <a:ln w="38100">
-            <a:solidFill>
-              <a:schemeClr val="accent1">
-                <a:lumMod val="50000"/>
-              </a:schemeClr>
-            </a:solidFill>
-          </a:ln>
-        </p:spPr>
-        <p:style>
-          <a:lnRef idx="1">
-            <a:schemeClr val="accent1"/>
-          </a:lnRef>
-          <a:fillRef idx="0">
-            <a:schemeClr val="accent1"/>
-          </a:fillRef>
-          <a:effectRef idx="0">
-            <a:schemeClr val="accent1"/>
-          </a:effectRef>
-          <a:fontRef idx="minor">
-            <a:schemeClr val="tx1"/>
-          </a:fontRef>
-        </p:style>
-      </p:cxnSp>
-      <p:cxnSp>
-        <p:nvCxnSpPr>
-          <p:cNvPr id="93" name="직선 연결선 92">
-            <a:extLst>
-              <a:ext uri="{FF2B5EF4-FFF2-40B4-BE49-F238E27FC236}">
-                <a16:creationId xmlns:a16="http://schemas.microsoft.com/office/drawing/2014/main" id="{98920409-FD63-2C59-396F-854B96FBC3A1}"/>
-              </a:ext>
-            </a:extLst>
-          </p:cNvPr>
-          <p:cNvCxnSpPr>
-            <a:cxnSpLocks/>
-            <a:stCxn id="85" idx="1"/>
-          </p:cNvCxnSpPr>
-          <p:nvPr/>
-        </p:nvCxnSpPr>
-        <p:spPr>
-          <a:xfrm flipH="1">
-            <a:off x="4660667" y="5232363"/>
-            <a:ext cx="384354" cy="0"/>
-          </a:xfrm>
-          <a:prstGeom prst="line">
-            <a:avLst/>
-          </a:prstGeom>
-          <a:ln w="38100">
-            <a:solidFill>
-              <a:schemeClr val="accent1">
-                <a:lumMod val="50000"/>
-              </a:schemeClr>
-            </a:solidFill>
-          </a:ln>
-        </p:spPr>
-        <p:style>
-          <a:lnRef idx="1">
-            <a:schemeClr val="accent1"/>
-          </a:lnRef>
-          <a:fillRef idx="0">
-            <a:schemeClr val="accent1"/>
-          </a:fillRef>
-          <a:effectRef idx="0">
-            <a:schemeClr val="accent1"/>
-          </a:effectRef>
-          <a:fontRef idx="minor">
-            <a:schemeClr val="tx1"/>
-          </a:fontRef>
-        </p:style>
-      </p:cxnSp>
-      <p:cxnSp>
-        <p:nvCxnSpPr>
-          <p:cNvPr id="94" name="직선 연결선 93">
-            <a:extLst>
-              <a:ext uri="{FF2B5EF4-FFF2-40B4-BE49-F238E27FC236}">
-                <a16:creationId xmlns:a16="http://schemas.microsoft.com/office/drawing/2014/main" id="{12D799B1-BFA0-C2E5-DA13-AE9B793021E0}"/>
-              </a:ext>
-            </a:extLst>
-          </p:cNvPr>
-          <p:cNvCxnSpPr>
-            <a:cxnSpLocks/>
-          </p:cNvCxnSpPr>
-          <p:nvPr/>
-        </p:nvCxnSpPr>
-        <p:spPr>
-          <a:xfrm flipH="1">
-            <a:off x="4660667" y="5786003"/>
-            <a:ext cx="384354" cy="0"/>
-          </a:xfrm>
-          <a:prstGeom prst="line">
-            <a:avLst/>
-          </a:prstGeom>
-          <a:ln w="38100">
-            <a:solidFill>
-              <a:schemeClr val="accent1">
-                <a:lumMod val="50000"/>
-              </a:schemeClr>
-            </a:solidFill>
-          </a:ln>
-        </p:spPr>
-        <p:style>
-          <a:lnRef idx="1">
-            <a:schemeClr val="accent1"/>
-          </a:lnRef>
-          <a:fillRef idx="0">
-            <a:schemeClr val="accent1"/>
-          </a:fillRef>
-          <a:effectRef idx="0">
-            <a:schemeClr val="accent1"/>
-          </a:effectRef>
-          <a:fontRef idx="minor">
-            <a:schemeClr val="tx1"/>
-          </a:fontRef>
-        </p:style>
-      </p:cxnSp>
-    </p:spTree>
-    <p:extLst>
-      <p:ext uri="{BB962C8B-B14F-4D97-AF65-F5344CB8AC3E}">
-        <p14:creationId xmlns:p14="http://schemas.microsoft.com/office/powerpoint/2010/main" val="3622597973"/>
-      </p:ext>
-    </p:extLst>
-  </p:cSld>
-  <p:clrMapOvr>
-    <a:masterClrMapping/>
-  </p:clrMapOvr>
-  <p:transition spd="slow">
-    <p:push dir="u"/>
-  </p:transition>
-</p:sld>
-</file>
-
-<file path=ppt/slides/slide11.xml><?xml version="1.0" encoding="utf-8"?>
 <p:sld xmlns:a="http://schemas.openxmlformats.org/drawingml/2006/main" xmlns:r="http://schemas.openxmlformats.org/officeDocument/2006/relationships" xmlns:p="http://schemas.openxmlformats.org/presentationml/2006/main">
   <p:cSld>
     <p:bg>
@@ -8554,7 +5563,7 @@
 </p:sld>
 </file>
 
-<file path=ppt/slides/slide12.xml><?xml version="1.0" encoding="utf-8"?>
+<file path=ppt/slides/slide11.xml><?xml version="1.0" encoding="utf-8"?>
 <p:sld xmlns:a="http://schemas.openxmlformats.org/drawingml/2006/main" xmlns:r="http://schemas.openxmlformats.org/officeDocument/2006/relationships" xmlns:p="http://schemas.openxmlformats.org/presentationml/2006/main">
   <p:cSld>
     <p:spTree>
@@ -9191,7 +6200,7 @@
 </p:sld>
 </file>
 
-<file path=ppt/slides/slide13.xml><?xml version="1.0" encoding="utf-8"?>
+<file path=ppt/slides/slide12.xml><?xml version="1.0" encoding="utf-8"?>
 <p:sld xmlns:a="http://schemas.openxmlformats.org/drawingml/2006/main" xmlns:r="http://schemas.openxmlformats.org/officeDocument/2006/relationships" xmlns:p="http://schemas.openxmlformats.org/presentationml/2006/main">
   <p:cSld>
     <p:bg>
@@ -9859,7 +6868,7 @@
 </p:sld>
 </file>
 
-<file path=ppt/slides/slide14.xml><?xml version="1.0" encoding="utf-8"?>
+<file path=ppt/slides/slide13.xml><?xml version="1.0" encoding="utf-8"?>
 <p:sld xmlns:a="http://schemas.openxmlformats.org/drawingml/2006/main" xmlns:r="http://schemas.openxmlformats.org/officeDocument/2006/relationships" xmlns:p="http://schemas.openxmlformats.org/presentationml/2006/main">
   <p:cSld>
     <p:spTree>
@@ -15009,7 +12018,7 @@
 </p:sld>
 </file>
 
-<file path=ppt/slides/slide15.xml><?xml version="1.0" encoding="utf-8"?>
+<file path=ppt/slides/slide14.xml><?xml version="1.0" encoding="utf-8"?>
 <p:sld xmlns:a="http://schemas.openxmlformats.org/drawingml/2006/main" xmlns:r="http://schemas.openxmlformats.org/officeDocument/2006/relationships" xmlns:p="http://schemas.openxmlformats.org/presentationml/2006/main">
   <p:cSld>
     <p:spTree>
@@ -15205,8 +12214,11 @@
             <a:avLst/>
           </a:prstGeom>
           <a:solidFill>
-            <a:schemeClr val="accent1"/>
+            <a:srgbClr val="5161CE"/>
           </a:solidFill>
+          <a:ln>
+            <a:noFill/>
+          </a:ln>
         </p:spPr>
         <p:style>
           <a:lnRef idx="2">
@@ -15308,7 +12320,7 @@
           <a:noFill/>
           <a:ln w="28575" algn="ctr">
             <a:solidFill>
-              <a:schemeClr val="accent1"/>
+              <a:srgbClr val="5161CE"/>
             </a:solidFill>
             <a:round/>
             <a:headEnd/>
@@ -15323,12 +12335,18 @@
             <a:pPr algn="ctr" eaLnBrk="0" hangingPunct="0"/>
             <a:r>
               <a:rPr lang="ko-KR" altLang="en-US" sz="2200" b="1" dirty="0">
+                <a:solidFill>
+                  <a:srgbClr val="5161CE"/>
+                </a:solidFill>
                 <a:latin typeface="나눔고딕" panose="020B0503020000020004" pitchFamily="2" charset="-127"/>
                 <a:ea typeface="나눔고딕" panose="020B0503020000020004" pitchFamily="2" charset="-127"/>
               </a:rPr>
               <a:t>프로젝트 개요</a:t>
             </a:r>
             <a:endParaRPr lang="en-US" altLang="ko-KR" sz="2200" b="1" dirty="0">
+              <a:solidFill>
+                <a:srgbClr val="5161CE"/>
+              </a:solidFill>
               <a:latin typeface="나눔고딕" panose="020B0503020000020004" pitchFamily="2" charset="-127"/>
               <a:ea typeface="나눔고딕" panose="020B0503020000020004" pitchFamily="2" charset="-127"/>
             </a:endParaRPr>
@@ -15362,7 +12380,7 @@
           <a:noFill/>
           <a:ln w="28575" algn="ctr">
             <a:solidFill>
-              <a:schemeClr val="accent1"/>
+              <a:srgbClr val="5161CE"/>
             </a:solidFill>
             <a:round/>
             <a:headEnd/>
@@ -15377,12 +12395,18 @@
             <a:pPr algn="ctr" eaLnBrk="0" hangingPunct="0"/>
             <a:r>
               <a:rPr lang="ko-KR" altLang="en-US" sz="2200" b="1" dirty="0">
+                <a:solidFill>
+                  <a:srgbClr val="5161CE"/>
+                </a:solidFill>
                 <a:latin typeface="나눔고딕" panose="020B0503020000020004" pitchFamily="2" charset="-127"/>
                 <a:ea typeface="나눔고딕" panose="020B0503020000020004" pitchFamily="2" charset="-127"/>
               </a:rPr>
               <a:t>개발 일정</a:t>
             </a:r>
             <a:endParaRPr lang="en-US" altLang="ko-KR" sz="2200" b="1" dirty="0">
+              <a:solidFill>
+                <a:srgbClr val="5161CE"/>
+              </a:solidFill>
               <a:latin typeface="나눔고딕" panose="020B0503020000020004" pitchFamily="2" charset="-127"/>
               <a:ea typeface="나눔고딕" panose="020B0503020000020004" pitchFamily="2" charset="-127"/>
             </a:endParaRPr>
@@ -15416,7 +12440,7 @@
           <a:noFill/>
           <a:ln w="28575" algn="ctr">
             <a:solidFill>
-              <a:schemeClr val="accent1"/>
+              <a:srgbClr val="5161CE"/>
             </a:solidFill>
             <a:round/>
             <a:headEnd/>
@@ -15431,12 +12455,18 @@
             <a:pPr algn="ctr" eaLnBrk="0" hangingPunct="0"/>
             <a:r>
               <a:rPr lang="ko-KR" altLang="en-US" sz="2200" b="1" dirty="0">
+                <a:solidFill>
+                  <a:srgbClr val="5161CE"/>
+                </a:solidFill>
                 <a:latin typeface="나눔고딕" panose="020B0503020000020004" pitchFamily="2" charset="-127"/>
                 <a:ea typeface="나눔고딕" panose="020B0503020000020004" pitchFamily="2" charset="-127"/>
               </a:rPr>
               <a:t>개발 환경</a:t>
             </a:r>
             <a:endParaRPr lang="en-US" altLang="ko-KR" sz="2200" b="1" dirty="0">
+              <a:solidFill>
+                <a:srgbClr val="5161CE"/>
+              </a:solidFill>
               <a:latin typeface="나눔고딕" panose="020B0503020000020004" pitchFamily="2" charset="-127"/>
               <a:ea typeface="나눔고딕" panose="020B0503020000020004" pitchFamily="2" charset="-127"/>
             </a:endParaRPr>
@@ -15470,7 +12500,7 @@
           <a:noFill/>
           <a:ln w="28575" algn="ctr">
             <a:solidFill>
-              <a:schemeClr val="accent1"/>
+              <a:srgbClr val="5161CE"/>
             </a:solidFill>
             <a:round/>
             <a:headEnd/>
@@ -15485,12 +12515,18 @@
             <a:pPr algn="ctr" eaLnBrk="0" hangingPunct="0"/>
             <a:r>
               <a:rPr lang="ko-KR" altLang="en-US" sz="2200" b="1" dirty="0">
+                <a:solidFill>
+                  <a:srgbClr val="5161CE"/>
+                </a:solidFill>
                 <a:latin typeface="나눔고딕" panose="020B0503020000020004" pitchFamily="2" charset="-127"/>
                 <a:ea typeface="나눔고딕" panose="020B0503020000020004" pitchFamily="2" charset="-127"/>
               </a:rPr>
               <a:t>시스템 기능</a:t>
             </a:r>
             <a:endParaRPr lang="en-US" altLang="ko-KR" sz="2200" b="1" dirty="0">
+              <a:solidFill>
+                <a:srgbClr val="5161CE"/>
+              </a:solidFill>
               <a:latin typeface="나눔고딕" panose="020B0503020000020004" pitchFamily="2" charset="-127"/>
               <a:ea typeface="나눔고딕" panose="020B0503020000020004" pitchFamily="2" charset="-127"/>
             </a:endParaRPr>
@@ -15524,7 +12560,7 @@
           <a:noFill/>
           <a:ln w="28575" algn="ctr">
             <a:solidFill>
-              <a:schemeClr val="accent1"/>
+              <a:srgbClr val="5161CE"/>
             </a:solidFill>
             <a:round/>
             <a:headEnd/>
@@ -15539,12 +12575,18 @@
             <a:pPr algn="ctr" eaLnBrk="0" hangingPunct="0"/>
             <a:r>
               <a:rPr lang="ko-KR" altLang="en-US" sz="2200" b="1" dirty="0">
+                <a:solidFill>
+                  <a:srgbClr val="5161CE"/>
+                </a:solidFill>
                 <a:latin typeface="나눔고딕" panose="020B0503020000020004" pitchFamily="2" charset="-127"/>
                 <a:ea typeface="나눔고딕" panose="020B0503020000020004" pitchFamily="2" charset="-127"/>
               </a:rPr>
               <a:t>시스템 요구분석</a:t>
             </a:r>
             <a:endParaRPr lang="en-US" altLang="ko-KR" sz="2200" b="1" dirty="0">
+              <a:solidFill>
+                <a:srgbClr val="5161CE"/>
+              </a:solidFill>
               <a:latin typeface="나눔고딕" panose="020B0503020000020004" pitchFamily="2" charset="-127"/>
               <a:ea typeface="나눔고딕" panose="020B0503020000020004" pitchFamily="2" charset="-127"/>
             </a:endParaRPr>
@@ -15578,7 +12620,7 @@
           <a:noFill/>
           <a:ln w="28575" algn="ctr">
             <a:solidFill>
-              <a:schemeClr val="accent1"/>
+              <a:srgbClr val="5161CE"/>
             </a:solidFill>
             <a:round/>
             <a:headEnd/>
@@ -15593,12 +12635,18 @@
             <a:pPr algn="ctr" eaLnBrk="0" hangingPunct="0"/>
             <a:r>
               <a:rPr lang="ko-KR" altLang="en-US" sz="2200" b="1" dirty="0">
+                <a:solidFill>
+                  <a:srgbClr val="5161CE"/>
+                </a:solidFill>
                 <a:latin typeface="나눔고딕" panose="020B0503020000020004" pitchFamily="2" charset="-127"/>
                 <a:ea typeface="나눔고딕" panose="020B0503020000020004" pitchFamily="2" charset="-127"/>
               </a:rPr>
               <a:t>시스템 주요 기능</a:t>
             </a:r>
             <a:endParaRPr lang="en-US" altLang="ko-KR" sz="2200" b="1" dirty="0">
+              <a:solidFill>
+                <a:srgbClr val="5161CE"/>
+              </a:solidFill>
               <a:latin typeface="나눔고딕" panose="020B0503020000020004" pitchFamily="2" charset="-127"/>
               <a:ea typeface="나눔고딕" panose="020B0503020000020004" pitchFamily="2" charset="-127"/>
             </a:endParaRPr>
@@ -15632,7 +12680,7 @@
           <a:noFill/>
           <a:ln w="28575" algn="ctr">
             <a:solidFill>
-              <a:schemeClr val="accent1"/>
+              <a:srgbClr val="5161CE"/>
             </a:solidFill>
             <a:round/>
             <a:headEnd/>
@@ -15647,12 +12695,18 @@
             <a:pPr algn="ctr" eaLnBrk="0" hangingPunct="0"/>
             <a:r>
               <a:rPr lang="ko-KR" altLang="en-US" sz="2200" b="1" dirty="0">
+                <a:solidFill>
+                  <a:srgbClr val="5161CE"/>
+                </a:solidFill>
                 <a:latin typeface="나눔고딕" panose="020B0503020000020004" pitchFamily="2" charset="-127"/>
                 <a:ea typeface="나눔고딕" panose="020B0503020000020004" pitchFamily="2" charset="-127"/>
               </a:rPr>
               <a:t>시  연</a:t>
             </a:r>
             <a:endParaRPr lang="en-US" altLang="ko-KR" sz="2200" b="1" dirty="0">
+              <a:solidFill>
+                <a:srgbClr val="5161CE"/>
+              </a:solidFill>
               <a:latin typeface="나눔고딕" panose="020B0503020000020004" pitchFamily="2" charset="-127"/>
               <a:ea typeface="나눔고딕" panose="020B0503020000020004" pitchFamily="2" charset="-127"/>
             </a:endParaRPr>
@@ -15686,7 +12740,7 @@
           <a:noFill/>
           <a:ln w="28575" algn="ctr">
             <a:solidFill>
-              <a:schemeClr val="accent1"/>
+              <a:srgbClr val="5161CE"/>
             </a:solidFill>
             <a:round/>
             <a:headEnd/>
@@ -15701,12 +12755,18 @@
             <a:pPr algn="ctr" eaLnBrk="0" hangingPunct="0"/>
             <a:r>
               <a:rPr lang="ko-KR" altLang="en-US" sz="2200" b="1" dirty="0">
+                <a:solidFill>
+                  <a:srgbClr val="5161CE"/>
+                </a:solidFill>
                 <a:latin typeface="나눔고딕" panose="020B0503020000020004" pitchFamily="2" charset="-127"/>
                 <a:ea typeface="나눔고딕" panose="020B0503020000020004" pitchFamily="2" charset="-127"/>
               </a:rPr>
               <a:t>         보완 사항 및 개발 후기</a:t>
             </a:r>
             <a:endParaRPr lang="en-US" altLang="ko-KR" sz="2200" b="1" dirty="0">
+              <a:solidFill>
+                <a:srgbClr val="5161CE"/>
+              </a:solidFill>
               <a:latin typeface="나눔고딕" panose="020B0503020000020004" pitchFamily="2" charset="-127"/>
               <a:ea typeface="나눔고딕" panose="020B0503020000020004" pitchFamily="2" charset="-127"/>
             </a:endParaRPr>
@@ -15734,6 +12794,9 @@
             <a:avLst/>
           </a:prstGeom>
           <a:noFill/>
+          <a:ln>
+            <a:noFill/>
+          </a:ln>
         </p:spPr>
         <p:txBody>
           <a:bodyPr wrap="none" lIns="91440" tIns="45720" rIns="91440" bIns="45720">
@@ -15746,7 +12809,7 @@
               <a:rPr lang="en-US" altLang="ko-KR" sz="3000" b="1" cap="none" spc="0" dirty="0">
                 <a:ln w="0"/>
                 <a:solidFill>
-                  <a:schemeClr val="accent1"/>
+                  <a:srgbClr val="5161CE"/>
                 </a:solidFill>
               </a:rPr>
               <a:t>01.</a:t>
@@ -15775,6 +12838,9 @@
             <a:avLst/>
           </a:prstGeom>
           <a:noFill/>
+          <a:ln>
+            <a:noFill/>
+          </a:ln>
         </p:spPr>
         <p:txBody>
           <a:bodyPr wrap="none" lIns="91440" tIns="45720" rIns="91440" bIns="45720">
@@ -15787,7 +12853,7 @@
               <a:rPr lang="en-US" altLang="ko-KR" sz="3000" b="1" cap="none" spc="0" dirty="0">
                 <a:ln w="0"/>
                 <a:solidFill>
-                  <a:schemeClr val="accent1"/>
+                  <a:srgbClr val="5161CE"/>
                 </a:solidFill>
               </a:rPr>
               <a:t>02.</a:t>
@@ -15816,6 +12882,9 @@
             <a:avLst/>
           </a:prstGeom>
           <a:noFill/>
+          <a:ln>
+            <a:noFill/>
+          </a:ln>
         </p:spPr>
         <p:txBody>
           <a:bodyPr wrap="none" lIns="91440" tIns="45720" rIns="91440" bIns="45720">
@@ -15828,7 +12897,7 @@
               <a:rPr lang="en-US" altLang="ko-KR" sz="3000" b="1" cap="none" spc="0" dirty="0">
                 <a:ln w="0"/>
                 <a:solidFill>
-                  <a:schemeClr val="accent1"/>
+                  <a:srgbClr val="5161CE"/>
                 </a:solidFill>
               </a:rPr>
               <a:t>03.</a:t>
@@ -15857,6 +12926,9 @@
             <a:avLst/>
           </a:prstGeom>
           <a:noFill/>
+          <a:ln>
+            <a:noFill/>
+          </a:ln>
         </p:spPr>
         <p:txBody>
           <a:bodyPr wrap="none" lIns="91440" tIns="45720" rIns="91440" bIns="45720">
@@ -15869,7 +12941,7 @@
               <a:rPr lang="en-US" altLang="ko-KR" sz="3000" b="1" cap="none" spc="0" dirty="0">
                 <a:ln w="0"/>
                 <a:solidFill>
-                  <a:schemeClr val="accent1"/>
+                  <a:srgbClr val="5161CE"/>
                 </a:solidFill>
               </a:rPr>
               <a:t>04.</a:t>
@@ -15898,6 +12970,9 @@
             <a:avLst/>
           </a:prstGeom>
           <a:noFill/>
+          <a:ln>
+            <a:noFill/>
+          </a:ln>
         </p:spPr>
         <p:txBody>
           <a:bodyPr wrap="none" lIns="91440" tIns="45720" rIns="91440" bIns="45720">
@@ -15910,7 +12985,7 @@
               <a:rPr lang="en-US" altLang="ko-KR" sz="3000" b="1" cap="none" spc="0" dirty="0">
                 <a:ln w="0"/>
                 <a:solidFill>
-                  <a:schemeClr val="accent1"/>
+                  <a:srgbClr val="5161CE"/>
                 </a:solidFill>
               </a:rPr>
               <a:t>05.</a:t>
@@ -15939,6 +13014,9 @@
             <a:avLst/>
           </a:prstGeom>
           <a:noFill/>
+          <a:ln>
+            <a:noFill/>
+          </a:ln>
         </p:spPr>
         <p:txBody>
           <a:bodyPr wrap="none" lIns="91440" tIns="45720" rIns="91440" bIns="45720">
@@ -15951,7 +13029,7 @@
               <a:rPr lang="en-US" altLang="ko-KR" sz="3000" b="1" cap="none" spc="0" dirty="0">
                 <a:ln w="0"/>
                 <a:solidFill>
-                  <a:schemeClr val="accent1"/>
+                  <a:srgbClr val="5161CE"/>
                 </a:solidFill>
               </a:rPr>
               <a:t>06.</a:t>
@@ -15980,6 +13058,9 @@
             <a:avLst/>
           </a:prstGeom>
           <a:noFill/>
+          <a:ln>
+            <a:noFill/>
+          </a:ln>
         </p:spPr>
         <p:txBody>
           <a:bodyPr wrap="none" lIns="91440" tIns="45720" rIns="91440" bIns="45720">
@@ -15992,7 +13073,7 @@
               <a:rPr lang="en-US" altLang="ko-KR" sz="3000" b="1" cap="none" spc="0" dirty="0">
                 <a:ln w="0"/>
                 <a:solidFill>
-                  <a:schemeClr val="accent1"/>
+                  <a:srgbClr val="5161CE"/>
                 </a:solidFill>
               </a:rPr>
               <a:t>07.</a:t>
@@ -16021,6 +13102,9 @@
             <a:avLst/>
           </a:prstGeom>
           <a:noFill/>
+          <a:ln>
+            <a:noFill/>
+          </a:ln>
         </p:spPr>
         <p:txBody>
           <a:bodyPr wrap="none" lIns="91440" tIns="45720" rIns="91440" bIns="45720">
@@ -16033,7 +13117,7 @@
               <a:rPr lang="en-US" altLang="ko-KR" sz="3000" b="1" cap="none" spc="0" dirty="0">
                 <a:ln w="0"/>
                 <a:solidFill>
-                  <a:schemeClr val="accent1"/>
+                  <a:srgbClr val="5161CE"/>
                 </a:solidFill>
               </a:rPr>
               <a:t>08.</a:t>
@@ -16104,8 +13188,13 @@
             <a:avLst/>
           </a:prstGeom>
           <a:solidFill>
-            <a:schemeClr val="accent1"/>
+            <a:srgbClr val="5161CE"/>
           </a:solidFill>
+          <a:ln>
+            <a:solidFill>
+              <a:srgbClr val="5161CE"/>
+            </a:solidFill>
+          </a:ln>
         </p:spPr>
         <p:style>
           <a:lnRef idx="2">
@@ -16267,379 +13356,6 @@
           </a:p>
         </p:txBody>
       </p:sp>
-      <p:sp>
-        <p:nvSpPr>
-          <p:cNvPr id="19" name="TextBox 18">
-            <a:extLst>
-              <a:ext uri="{FF2B5EF4-FFF2-40B4-BE49-F238E27FC236}">
-                <a16:creationId xmlns:a16="http://schemas.microsoft.com/office/drawing/2014/main" id="{ADC440AE-6FE0-F325-8A12-A2042E3E8181}"/>
-              </a:ext>
-            </a:extLst>
-          </p:cNvPr>
-          <p:cNvSpPr txBox="1"/>
-          <p:nvPr/>
-        </p:nvSpPr>
-        <p:spPr>
-          <a:xfrm>
-            <a:off x="8400007" y="410647"/>
-            <a:ext cx="3486219" cy="2947282"/>
-          </a:xfrm>
-          <a:prstGeom prst="rect">
-            <a:avLst/>
-          </a:prstGeom>
-          <a:noFill/>
-        </p:spPr>
-        <p:txBody>
-          <a:bodyPr wrap="square" rtlCol="0">
-            <a:spAutoFit/>
-          </a:bodyPr>
-          <a:lstStyle/>
-          <a:p>
-            <a:pPr marL="285750" indent="-285750">
-              <a:lnSpc>
-                <a:spcPct val="150000"/>
-              </a:lnSpc>
-              <a:buFontTx/>
-              <a:buChar char="-"/>
-            </a:pPr>
-            <a:r>
-              <a:rPr lang="ko-KR" altLang="en-US" b="1" dirty="0">
-                <a:latin typeface="맑은 고딕" panose="020B0503020000020004" pitchFamily="50" charset="-127"/>
-                <a:ea typeface="맑은 고딕" panose="020B0503020000020004" pitchFamily="50" charset="-127"/>
-              </a:rPr>
-              <a:t>개발자로써 필연적인 프로젝트 경험</a:t>
-            </a:r>
-            <a:endParaRPr lang="en-US" altLang="ko-KR" b="1" dirty="0">
-              <a:latin typeface="맑은 고딕" panose="020B0503020000020004" pitchFamily="50" charset="-127"/>
-              <a:ea typeface="맑은 고딕" panose="020B0503020000020004" pitchFamily="50" charset="-127"/>
-            </a:endParaRPr>
-          </a:p>
-          <a:p>
-            <a:pPr>
-              <a:lnSpc>
-                <a:spcPct val="150000"/>
-              </a:lnSpc>
-            </a:pPr>
-            <a:endParaRPr lang="en-US" altLang="ko-KR" b="1" dirty="0">
-              <a:latin typeface="맑은 고딕" panose="020B0503020000020004" pitchFamily="50" charset="-127"/>
-              <a:ea typeface="맑은 고딕" panose="020B0503020000020004" pitchFamily="50" charset="-127"/>
-            </a:endParaRPr>
-          </a:p>
-          <a:p>
-            <a:pPr marL="285750" indent="-285750">
-              <a:lnSpc>
-                <a:spcPct val="150000"/>
-              </a:lnSpc>
-              <a:buFontTx/>
-              <a:buChar char="-"/>
-            </a:pPr>
-            <a:r>
-              <a:rPr lang="ko-KR" altLang="en-US" sz="1800" b="1" dirty="0">
-                <a:latin typeface="맑은 고딕" panose="020B0503020000020004" pitchFamily="50" charset="-127"/>
-                <a:ea typeface="맑은 고딕" panose="020B0503020000020004" pitchFamily="50" charset="-127"/>
-              </a:rPr>
-              <a:t>프로젝트 시작의 어려움</a:t>
-            </a:r>
-            <a:endParaRPr lang="en-US" altLang="ko-KR" sz="1800" b="1" dirty="0">
-              <a:latin typeface="맑은 고딕" panose="020B0503020000020004" pitchFamily="50" charset="-127"/>
-              <a:ea typeface="맑은 고딕" panose="020B0503020000020004" pitchFamily="50" charset="-127"/>
-            </a:endParaRPr>
-          </a:p>
-          <a:p>
-            <a:pPr>
-              <a:lnSpc>
-                <a:spcPct val="150000"/>
-              </a:lnSpc>
-            </a:pPr>
-            <a:endParaRPr lang="en-US" altLang="ko-KR" sz="1800" b="1" dirty="0">
-              <a:latin typeface="맑은 고딕" panose="020B0503020000020004" pitchFamily="50" charset="-127"/>
-              <a:ea typeface="맑은 고딕" panose="020B0503020000020004" pitchFamily="50" charset="-127"/>
-            </a:endParaRPr>
-          </a:p>
-          <a:p>
-            <a:pPr marL="285750" indent="-285750">
-              <a:lnSpc>
-                <a:spcPct val="150000"/>
-              </a:lnSpc>
-              <a:buFontTx/>
-              <a:buChar char="-"/>
-            </a:pPr>
-            <a:r>
-              <a:rPr lang="ko-KR" altLang="en-US" b="1" dirty="0">
-                <a:latin typeface="맑은 고딕" panose="020B0503020000020004" pitchFamily="50" charset="-127"/>
-                <a:ea typeface="맑은 고딕" panose="020B0503020000020004" pitchFamily="50" charset="-127"/>
-              </a:rPr>
-              <a:t>프로젝트를 마치며 정리된 문서의 부재</a:t>
-            </a:r>
-            <a:endParaRPr lang="en-US" altLang="ko-KR" sz="1800" b="1" dirty="0">
-              <a:latin typeface="맑은 고딕" panose="020B0503020000020004" pitchFamily="50" charset="-127"/>
-              <a:ea typeface="맑은 고딕" panose="020B0503020000020004" pitchFamily="50" charset="-127"/>
-            </a:endParaRPr>
-          </a:p>
-        </p:txBody>
-      </p:sp>
-      <p:pic>
-        <p:nvPicPr>
-          <p:cNvPr id="21" name="그림 20" descr="텍스트, 스크린샷, 폰트, 번호이(가) 표시된 사진&#10;&#10;자동 생성된 설명">
-            <a:extLst>
-              <a:ext uri="{FF2B5EF4-FFF2-40B4-BE49-F238E27FC236}">
-                <a16:creationId xmlns:a16="http://schemas.microsoft.com/office/drawing/2014/main" id="{78124535-19D4-CB6B-A91E-3DEFC5BB1A41}"/>
-              </a:ext>
-            </a:extLst>
-          </p:cNvPr>
-          <p:cNvPicPr>
-            <a:picLocks noChangeAspect="1"/>
-          </p:cNvPicPr>
-          <p:nvPr/>
-        </p:nvPicPr>
-        <p:blipFill>
-          <a:blip r:embed="rId2">
-            <a:extLst>
-              <a:ext uri="{28A0092B-C50C-407E-A947-70E740481C1C}">
-                <a14:useLocalDpi xmlns:a14="http://schemas.microsoft.com/office/drawing/2010/main" val="0"/>
-              </a:ext>
-            </a:extLst>
-          </a:blip>
-          <a:stretch>
-            <a:fillRect/>
-          </a:stretch>
-        </p:blipFill>
-        <p:spPr>
-          <a:xfrm>
-            <a:off x="1885916" y="269010"/>
-            <a:ext cx="6201794" cy="3319226"/>
-          </a:xfrm>
-          <a:prstGeom prst="rect">
-            <a:avLst/>
-          </a:prstGeom>
-        </p:spPr>
-      </p:pic>
-    </p:spTree>
-    <p:extLst>
-      <p:ext uri="{BB962C8B-B14F-4D97-AF65-F5344CB8AC3E}">
-        <p14:creationId xmlns:p14="http://schemas.microsoft.com/office/powerpoint/2010/main" val="2627018139"/>
-      </p:ext>
-    </p:extLst>
-  </p:cSld>
-  <p:clrMapOvr>
-    <a:masterClrMapping/>
-  </p:clrMapOvr>
-  <mc:AlternateContent xmlns:mc="http://schemas.openxmlformats.org/markup-compatibility/2006" xmlns:p159="http://schemas.microsoft.com/office/powerpoint/2015/09/main">
-    <mc:Choice Requires="p159">
-      <p:transition xmlns:p14="http://schemas.microsoft.com/office/powerpoint/2010/main" spd="slow" p14:dur="2000">
-        <p159:morph option="byObject"/>
-      </p:transition>
-    </mc:Choice>
-    <mc:Fallback xmlns="">
-      <p:transition spd="slow">
-        <p:fade/>
-      </p:transition>
-    </mc:Fallback>
-  </mc:AlternateContent>
-</p:sld>
-</file>
-
-<file path=ppt/slides/slide4.xml><?xml version="1.0" encoding="utf-8"?>
-<p:sld xmlns:a="http://schemas.openxmlformats.org/drawingml/2006/main" xmlns:r="http://schemas.openxmlformats.org/officeDocument/2006/relationships" xmlns:p="http://schemas.openxmlformats.org/presentationml/2006/main">
-  <p:cSld>
-    <p:spTree>
-      <p:nvGrpSpPr>
-        <p:cNvPr id="1" name=""/>
-        <p:cNvGrpSpPr/>
-        <p:nvPr/>
-      </p:nvGrpSpPr>
-      <p:grpSpPr>
-        <a:xfrm>
-          <a:off x="0" y="0"/>
-          <a:ext cx="0" cy="0"/>
-          <a:chOff x="0" y="0"/>
-          <a:chExt cx="0" cy="0"/>
-        </a:xfrm>
-      </p:grpSpPr>
-      <p:sp>
-        <p:nvSpPr>
-          <p:cNvPr id="4" name="직사각형 3">
-            <a:extLst>
-              <a:ext uri="{FF2B5EF4-FFF2-40B4-BE49-F238E27FC236}">
-                <a16:creationId xmlns:a16="http://schemas.microsoft.com/office/drawing/2014/main" id="{C35F139B-CDDB-42FA-525C-DA01A8146D90}"/>
-              </a:ext>
-            </a:extLst>
-          </p:cNvPr>
-          <p:cNvSpPr/>
-          <p:nvPr/>
-        </p:nvSpPr>
-        <p:spPr>
-          <a:xfrm>
-            <a:off x="0" y="0"/>
-            <a:ext cx="1573619" cy="6858000"/>
-          </a:xfrm>
-          <a:prstGeom prst="rect">
-            <a:avLst/>
-          </a:prstGeom>
-          <a:solidFill>
-            <a:schemeClr val="accent1"/>
-          </a:solidFill>
-        </p:spPr>
-        <p:style>
-          <a:lnRef idx="2">
-            <a:schemeClr val="accent1">
-              <a:shade val="50000"/>
-            </a:schemeClr>
-          </a:lnRef>
-          <a:fillRef idx="1">
-            <a:schemeClr val="accent1"/>
-          </a:fillRef>
-          <a:effectRef idx="0">
-            <a:schemeClr val="accent1"/>
-          </a:effectRef>
-          <a:fontRef idx="minor">
-            <a:schemeClr val="lt1"/>
-          </a:fontRef>
-        </p:style>
-        <p:txBody>
-          <a:bodyPr vert="eaVert" rtlCol="0" anchor="ctr"/>
-          <a:lstStyle/>
-          <a:p>
-            <a:pPr algn="ctr"/>
-            <a:endParaRPr lang="ko-KR" altLang="en-US" sz="3500" b="1" dirty="0">
-              <a:solidFill>
-                <a:schemeClr val="bg1"/>
-              </a:solidFill>
-              <a:effectLst>
-                <a:outerShdw blurRad="38100" dist="38100" dir="2700000" algn="tl">
-                  <a:srgbClr val="000000">
-                    <a:alpha val="43137"/>
-                  </a:srgbClr>
-                </a:outerShdw>
-              </a:effectLst>
-              <a:latin typeface="나눔고딕" pitchFamily="2" charset="-127"/>
-              <a:ea typeface="나눔고딕" pitchFamily="2" charset="-127"/>
-            </a:endParaRPr>
-          </a:p>
-        </p:txBody>
-      </p:sp>
-      <p:sp>
-        <p:nvSpPr>
-          <p:cNvPr id="6" name="TextBox 5">
-            <a:extLst>
-              <a:ext uri="{FF2B5EF4-FFF2-40B4-BE49-F238E27FC236}">
-                <a16:creationId xmlns:a16="http://schemas.microsoft.com/office/drawing/2014/main" id="{EC074382-065A-A02C-F5FE-53D97F558448}"/>
-              </a:ext>
-            </a:extLst>
-          </p:cNvPr>
-          <p:cNvSpPr txBox="1"/>
-          <p:nvPr/>
-        </p:nvSpPr>
-        <p:spPr>
-          <a:xfrm>
-            <a:off x="374005" y="1066255"/>
-            <a:ext cx="723275" cy="4725489"/>
-          </a:xfrm>
-          <a:prstGeom prst="rect">
-            <a:avLst/>
-          </a:prstGeom>
-          <a:noFill/>
-        </p:spPr>
-        <p:txBody>
-          <a:bodyPr vert="eaVert" wrap="square" rtlCol="0">
-            <a:spAutoFit/>
-          </a:bodyPr>
-          <a:lstStyle/>
-          <a:p>
-            <a:pPr algn="ctr"/>
-            <a:r>
-              <a:rPr lang="ko-KR" altLang="en-US" sz="3500" b="1" dirty="0" err="1">
-                <a:solidFill>
-                  <a:schemeClr val="bg1"/>
-                </a:solidFill>
-                <a:effectLst>
-                  <a:outerShdw blurRad="38100" dist="38100" dir="2700000" algn="tl">
-                    <a:srgbClr val="000000">
-                      <a:alpha val="43137"/>
-                    </a:srgbClr>
-                  </a:outerShdw>
-                </a:effectLst>
-              </a:rPr>
-              <a:t>프</a:t>
-            </a:r>
-            <a:r>
-              <a:rPr lang="ko-KR" altLang="en-US" sz="3500" b="1" dirty="0">
-                <a:solidFill>
-                  <a:schemeClr val="bg1"/>
-                </a:solidFill>
-                <a:effectLst>
-                  <a:outerShdw blurRad="38100" dist="38100" dir="2700000" algn="tl">
-                    <a:srgbClr val="000000">
-                      <a:alpha val="43137"/>
-                    </a:srgbClr>
-                  </a:outerShdw>
-                </a:effectLst>
-              </a:rPr>
-              <a:t>  로  </a:t>
-            </a:r>
-            <a:r>
-              <a:rPr lang="ko-KR" altLang="en-US" sz="3500" b="1" dirty="0" err="1">
-                <a:solidFill>
-                  <a:schemeClr val="bg1"/>
-                </a:solidFill>
-                <a:effectLst>
-                  <a:outerShdw blurRad="38100" dist="38100" dir="2700000" algn="tl">
-                    <a:srgbClr val="000000">
-                      <a:alpha val="43137"/>
-                    </a:srgbClr>
-                  </a:outerShdw>
-                </a:effectLst>
-              </a:rPr>
-              <a:t>젝</a:t>
-            </a:r>
-            <a:r>
-              <a:rPr lang="ko-KR" altLang="en-US" sz="3500" b="1" dirty="0">
-                <a:solidFill>
-                  <a:schemeClr val="bg1"/>
-                </a:solidFill>
-                <a:effectLst>
-                  <a:outerShdw blurRad="38100" dist="38100" dir="2700000" algn="tl">
-                    <a:srgbClr val="000000">
-                      <a:alpha val="43137"/>
-                    </a:srgbClr>
-                  </a:outerShdw>
-                </a:effectLst>
-              </a:rPr>
-              <a:t>  </a:t>
-            </a:r>
-            <a:r>
-              <a:rPr lang="ko-KR" altLang="en-US" sz="3500" b="1" dirty="0" err="1">
-                <a:solidFill>
-                  <a:schemeClr val="bg1"/>
-                </a:solidFill>
-                <a:effectLst>
-                  <a:outerShdw blurRad="38100" dist="38100" dir="2700000" algn="tl">
-                    <a:srgbClr val="000000">
-                      <a:alpha val="43137"/>
-                    </a:srgbClr>
-                  </a:outerShdw>
-                </a:effectLst>
-              </a:rPr>
-              <a:t>트</a:t>
-            </a:r>
-            <a:r>
-              <a:rPr lang="ko-KR" altLang="en-US" sz="3500" b="1" dirty="0">
-                <a:solidFill>
-                  <a:schemeClr val="bg1"/>
-                </a:solidFill>
-                <a:effectLst>
-                  <a:outerShdw blurRad="38100" dist="38100" dir="2700000" algn="tl">
-                    <a:srgbClr val="000000">
-                      <a:alpha val="43137"/>
-                    </a:srgbClr>
-                  </a:outerShdw>
-                </a:effectLst>
-              </a:rPr>
-              <a:t>  개  요</a:t>
-            </a:r>
-          </a:p>
-        </p:txBody>
-      </p:sp>
       <p:grpSp>
         <p:nvGrpSpPr>
           <p:cNvPr id="18" name="그룹 17">
@@ -16685,7 +13401,7 @@
             <a:noFill/>
             <a:ln w="38100">
               <a:solidFill>
-                <a:srgbClr val="1D9A78"/>
+                <a:srgbClr val="5161CE"/>
               </a:solidFill>
             </a:ln>
           </p:spPr>
@@ -16938,7 +13654,7 @@
                 <a:rPr lang="en-US" altLang="ko-KR" sz="4500" b="1" cap="none" spc="0" dirty="0">
                   <a:ln w="0"/>
                   <a:solidFill>
-                    <a:schemeClr val="accent1"/>
+                    <a:srgbClr val="5161CE"/>
                   </a:solidFill>
                   <a:effectLst>
                     <a:outerShdw blurRad="38100" dist="25400" dir="5400000" algn="ctr" rotWithShape="0">
@@ -17126,7 +13842,7 @@
 </p:sld>
 </file>
 
-<file path=ppt/slides/slide5.xml><?xml version="1.0" encoding="utf-8"?>
+<file path=ppt/slides/slide4.xml><?xml version="1.0" encoding="utf-8"?>
 <p:sld xmlns:a="http://schemas.openxmlformats.org/drawingml/2006/main" xmlns:r="http://schemas.openxmlformats.org/officeDocument/2006/relationships" xmlns:p="http://schemas.openxmlformats.org/presentationml/2006/main">
   <p:cSld>
     <p:spTree>
@@ -17164,8 +13880,13 @@
             <a:avLst/>
           </a:prstGeom>
           <a:solidFill>
-            <a:schemeClr val="accent1"/>
+            <a:srgbClr val="5161CE"/>
           </a:solidFill>
+          <a:ln>
+            <a:solidFill>
+              <a:srgbClr val="5161CE"/>
+            </a:solidFill>
+          </a:ln>
         </p:spPr>
         <p:style>
           <a:lnRef idx="2">
@@ -17354,7 +14075,7 @@
           <a:noFill/>
           <a:ln w="28575" algn="ctr">
             <a:solidFill>
-              <a:schemeClr val="accent1"/>
+              <a:srgbClr val="5161CE"/>
             </a:solidFill>
             <a:round/>
             <a:headEnd/>
@@ -17397,8 +14118,13 @@
             </a:avLst>
           </a:prstGeom>
           <a:solidFill>
-            <a:srgbClr val="1D9A78"/>
+            <a:srgbClr val="5161CE"/>
           </a:solidFill>
+          <a:ln>
+            <a:solidFill>
+              <a:srgbClr val="5161CE"/>
+            </a:solidFill>
+          </a:ln>
         </p:spPr>
         <p:style>
           <a:lnRef idx="2">
@@ -17483,7 +14209,7 @@
             <a:noFill/>
             <a:ln w="28575" algn="ctr">
               <a:solidFill>
-                <a:schemeClr val="accent1"/>
+                <a:srgbClr val="5161CE"/>
               </a:solidFill>
               <a:round/>
               <a:headEnd/>
@@ -17526,7 +14252,7 @@
               </a:avLst>
             </a:prstGeom>
             <a:solidFill>
-              <a:srgbClr val="1D9A78"/>
+              <a:srgbClr val="5161CE"/>
             </a:solidFill>
           </p:spPr>
           <p:style>
@@ -17793,7 +14519,7 @@
 </p:sld>
 </file>
 
-<file path=ppt/slides/slide6.xml><?xml version="1.0" encoding="utf-8"?>
+<file path=ppt/slides/slide5.xml><?xml version="1.0" encoding="utf-8"?>
 <p:sld xmlns:a="http://schemas.openxmlformats.org/drawingml/2006/main" xmlns:r="http://schemas.openxmlformats.org/officeDocument/2006/relationships" xmlns:p="http://schemas.openxmlformats.org/presentationml/2006/main">
   <p:cSld>
     <p:spTree>
@@ -17831,7 +14557,7 @@
             <a:avLst/>
           </a:prstGeom>
           <a:solidFill>
-            <a:schemeClr val="accent1"/>
+            <a:srgbClr val="5161CE"/>
           </a:solidFill>
         </p:spPr>
         <p:style>
@@ -18493,7 +15219,7 @@
               <a:rPr lang="en-US" altLang="ko-KR" sz="6000" b="1" cap="none" spc="0" dirty="0">
                 <a:ln w="0"/>
                 <a:solidFill>
-                  <a:schemeClr val="accent1"/>
+                  <a:srgbClr val="5161CE"/>
                 </a:solidFill>
                 <a:effectLst>
                   <a:outerShdw blurRad="38100" dist="25400" dir="5400000" algn="ctr" rotWithShape="0">
@@ -18524,7 +15250,7 @@
 </p:sld>
 </file>
 
-<file path=ppt/slides/slide7.xml><?xml version="1.0" encoding="utf-8"?>
+<file path=ppt/slides/slide6.xml><?xml version="1.0" encoding="utf-8"?>
 <p:sld xmlns:a="http://schemas.openxmlformats.org/drawingml/2006/main" xmlns:r="http://schemas.openxmlformats.org/officeDocument/2006/relationships" xmlns:p="http://schemas.openxmlformats.org/presentationml/2006/main">
   <p:cSld>
     <p:spTree>
@@ -18562,8 +15288,13 @@
             <a:avLst/>
           </a:prstGeom>
           <a:solidFill>
-            <a:schemeClr val="accent1"/>
+            <a:srgbClr val="5161CE"/>
           </a:solidFill>
+          <a:ln>
+            <a:solidFill>
+              <a:srgbClr val="5161CE"/>
+            </a:solidFill>
+          </a:ln>
         </p:spPr>
         <p:style>
           <a:lnRef idx="2">
@@ -18621,7 +15352,7 @@
           <p:nvPr>
             <p:extLst>
               <p:ext uri="{D42A27DB-BD31-4B8C-83A1-F6EECF244321}">
-                <p14:modId xmlns:p14="http://schemas.microsoft.com/office/powerpoint/2010/main" val="629336509"/>
+                <p14:modId xmlns:p14="http://schemas.microsoft.com/office/powerpoint/2010/main" val="1989156877"/>
               </p:ext>
             </p:extLst>
           </p:nvPr>
@@ -18634,6 +15365,9 @@
           <a:graphicData uri="http://schemas.openxmlformats.org/drawingml/2006/table">
             <a:tbl>
               <a:tblPr firstRow="1" bandRow="1">
+                <a:solidFill>
+                  <a:srgbClr val="5161CE"/>
+                </a:solidFill>
                 <a:tableStyleId>{5C22544A-7EE6-4342-B048-85BDC9FD1C3A}</a:tableStyleId>
               </a:tblPr>
               <a:tblGrid>
@@ -18707,7 +15441,11 @@
                       </a:r>
                     </a:p>
                   </a:txBody>
-                  <a:tcPr/>
+                  <a:tcPr>
+                    <a:solidFill>
+                      <a:srgbClr val="5161CE"/>
+                    </a:solidFill>
+                  </a:tcPr>
                 </a:tc>
                 <a:tc>
                   <a:txBody>
@@ -18725,7 +15463,11 @@
                       </a:r>
                     </a:p>
                   </a:txBody>
-                  <a:tcPr/>
+                  <a:tcPr>
+                    <a:solidFill>
+                      <a:srgbClr val="5161CE"/>
+                    </a:solidFill>
+                  </a:tcPr>
                 </a:tc>
                 <a:tc>
                   <a:txBody>
@@ -18743,7 +15485,11 @@
                       </a:r>
                     </a:p>
                   </a:txBody>
-                  <a:tcPr/>
+                  <a:tcPr>
+                    <a:solidFill>
+                      <a:srgbClr val="5161CE"/>
+                    </a:solidFill>
+                  </a:tcPr>
                 </a:tc>
                 <a:tc>
                   <a:txBody>
@@ -18761,7 +15507,11 @@
                       </a:r>
                     </a:p>
                   </a:txBody>
-                  <a:tcPr/>
+                  <a:tcPr>
+                    <a:solidFill>
+                      <a:srgbClr val="5161CE"/>
+                    </a:solidFill>
+                  </a:tcPr>
                 </a:tc>
                 <a:tc>
                   <a:txBody>
@@ -18779,7 +15529,11 @@
                       </a:r>
                     </a:p>
                   </a:txBody>
-                  <a:tcPr/>
+                  <a:tcPr>
+                    <a:solidFill>
+                      <a:srgbClr val="5161CE"/>
+                    </a:solidFill>
+                  </a:tcPr>
                 </a:tc>
                 <a:tc>
                   <a:txBody>
@@ -18797,7 +15551,11 @@
                       </a:r>
                     </a:p>
                   </a:txBody>
-                  <a:tcPr/>
+                  <a:tcPr>
+                    <a:solidFill>
+                      <a:srgbClr val="5161CE"/>
+                    </a:solidFill>
+                  </a:tcPr>
                 </a:tc>
                 <a:tc>
                   <a:txBody>
@@ -18815,7 +15573,11 @@
                       </a:r>
                     </a:p>
                   </a:txBody>
-                  <a:tcPr/>
+                  <a:tcPr>
+                    <a:solidFill>
+                      <a:srgbClr val="5161CE"/>
+                    </a:solidFill>
+                  </a:tcPr>
                 </a:tc>
                 <a:tc>
                   <a:txBody>
@@ -18833,7 +15595,11 @@
                       </a:r>
                     </a:p>
                   </a:txBody>
-                  <a:tcPr/>
+                  <a:tcPr>
+                    <a:solidFill>
+                      <a:srgbClr val="5161CE"/>
+                    </a:solidFill>
+                  </a:tcPr>
                 </a:tc>
                 <a:extLst>
                   <a:ext uri="{0D108BD9-81ED-4DB2-BD59-A6C34878D82A}">
@@ -18856,18 +15622,11 @@
                       </a:r>
                     </a:p>
                   </a:txBody>
-                  <a:tcPr anchor="ctr"/>
-                </a:tc>
-                <a:tc>
-                  <a:txBody>
-                    <a:bodyPr/>
-                    <a:lstStyle/>
-                    <a:p>
-                      <a:pPr latinLnBrk="1"/>
-                      <a:endParaRPr lang="ko-KR" altLang="en-US"/>
-                    </a:p>
-                  </a:txBody>
-                  <a:tcPr/>
+                  <a:tcPr anchor="ctr">
+                    <a:solidFill>
+                      <a:srgbClr val="ABB2E7"/>
+                    </a:solidFill>
+                  </a:tcPr>
                 </a:tc>
                 <a:tc>
                   <a:txBody>
@@ -18878,7 +15637,11 @@
                       <a:endParaRPr lang="ko-KR" altLang="en-US" dirty="0"/>
                     </a:p>
                   </a:txBody>
-                  <a:tcPr/>
+                  <a:tcPr>
+                    <a:solidFill>
+                      <a:srgbClr val="ABB2E7"/>
+                    </a:solidFill>
+                  </a:tcPr>
                 </a:tc>
                 <a:tc>
                   <a:txBody>
@@ -18889,29 +15652,11 @@
                       <a:endParaRPr lang="ko-KR" altLang="en-US" dirty="0"/>
                     </a:p>
                   </a:txBody>
-                  <a:tcPr/>
-                </a:tc>
-                <a:tc>
-                  <a:txBody>
-                    <a:bodyPr/>
-                    <a:lstStyle/>
-                    <a:p>
-                      <a:pPr latinLnBrk="1"/>
-                      <a:endParaRPr lang="ko-KR" altLang="en-US"/>
-                    </a:p>
-                  </a:txBody>
-                  <a:tcPr/>
-                </a:tc>
-                <a:tc>
-                  <a:txBody>
-                    <a:bodyPr/>
-                    <a:lstStyle/>
-                    <a:p>
-                      <a:pPr latinLnBrk="1"/>
-                      <a:endParaRPr lang="ko-KR" altLang="en-US"/>
-                    </a:p>
-                  </a:txBody>
-                  <a:tcPr/>
+                  <a:tcPr>
+                    <a:solidFill>
+                      <a:srgbClr val="ABB2E7"/>
+                    </a:solidFill>
+                  </a:tcPr>
                 </a:tc>
                 <a:tc>
                   <a:txBody>
@@ -18922,7 +15667,11 @@
                       <a:endParaRPr lang="ko-KR" altLang="en-US" dirty="0"/>
                     </a:p>
                   </a:txBody>
-                  <a:tcPr/>
+                  <a:tcPr>
+                    <a:solidFill>
+                      <a:srgbClr val="ABB2E7"/>
+                    </a:solidFill>
+                  </a:tcPr>
                 </a:tc>
                 <a:tc>
                   <a:txBody>
@@ -18930,10 +15679,59 @@
                     <a:lstStyle/>
                     <a:p>
                       <a:pPr latinLnBrk="1"/>
-                      <a:endParaRPr lang="ko-KR" altLang="en-US"/>
+                      <a:endParaRPr lang="ko-KR" altLang="en-US" dirty="0"/>
                     </a:p>
                   </a:txBody>
-                  <a:tcPr/>
+                  <a:tcPr>
+                    <a:solidFill>
+                      <a:srgbClr val="ABB2E7"/>
+                    </a:solidFill>
+                  </a:tcPr>
+                </a:tc>
+                <a:tc>
+                  <a:txBody>
+                    <a:bodyPr/>
+                    <a:lstStyle/>
+                    <a:p>
+                      <a:pPr latinLnBrk="1"/>
+                      <a:endParaRPr lang="ko-KR" altLang="en-US" dirty="0"/>
+                    </a:p>
+                  </a:txBody>
+                  <a:tcPr>
+                    <a:solidFill>
+                      <a:srgbClr val="ABB2E7"/>
+                    </a:solidFill>
+                  </a:tcPr>
+                </a:tc>
+                <a:tc>
+                  <a:txBody>
+                    <a:bodyPr/>
+                    <a:lstStyle/>
+                    <a:p>
+                      <a:pPr latinLnBrk="1"/>
+                      <a:endParaRPr lang="ko-KR" altLang="en-US" dirty="0"/>
+                    </a:p>
+                  </a:txBody>
+                  <a:tcPr>
+                    <a:solidFill>
+                      <a:srgbClr val="ABB2E7"/>
+                    </a:solidFill>
+                  </a:tcPr>
+                </a:tc>
+                <a:tc>
+                  <a:txBody>
+                    <a:bodyPr/>
+                    <a:lstStyle/>
+                    <a:p>
+                      <a:pPr latinLnBrk="1"/>
+                      <a:endParaRPr lang="ko-KR" altLang="en-US" dirty="0"/>
+                    </a:p>
+                  </a:txBody>
+                  <a:tcPr>
+                    <a:solidFill>
+                      <a:srgbClr val="ABB2E7"/>
+                    </a:solidFill>
+                  </a:tcPr>
                 </a:tc>
                 <a:extLst>
                   <a:ext uri="{0D108BD9-81ED-4DB2-BD59-A6C34878D82A}">
@@ -18956,18 +15754,11 @@
                       </a:r>
                     </a:p>
                   </a:txBody>
-                  <a:tcPr anchor="ctr"/>
-                </a:tc>
-                <a:tc>
-                  <a:txBody>
-                    <a:bodyPr/>
-                    <a:lstStyle/>
-                    <a:p>
-                      <a:pPr latinLnBrk="1"/>
-                      <a:endParaRPr lang="ko-KR" altLang="en-US"/>
-                    </a:p>
-                  </a:txBody>
-                  <a:tcPr/>
+                  <a:tcPr anchor="ctr">
+                    <a:solidFill>
+                      <a:srgbClr val="D2D6F2"/>
+                    </a:solidFill>
+                  </a:tcPr>
                 </a:tc>
                 <a:tc>
                   <a:txBody>
@@ -18978,7 +15769,11 @@
                       <a:endParaRPr lang="ko-KR" altLang="en-US" dirty="0"/>
                     </a:p>
                   </a:txBody>
-                  <a:tcPr/>
+                  <a:tcPr>
+                    <a:solidFill>
+                      <a:srgbClr val="D2D6F2"/>
+                    </a:solidFill>
+                  </a:tcPr>
                 </a:tc>
                 <a:tc>
                   <a:txBody>
@@ -18989,29 +15784,11 @@
                       <a:endParaRPr lang="ko-KR" altLang="en-US" dirty="0"/>
                     </a:p>
                   </a:txBody>
-                  <a:tcPr/>
-                </a:tc>
-                <a:tc>
-                  <a:txBody>
-                    <a:bodyPr/>
-                    <a:lstStyle/>
-                    <a:p>
-                      <a:pPr latinLnBrk="1"/>
-                      <a:endParaRPr lang="ko-KR" altLang="en-US"/>
-                    </a:p>
-                  </a:txBody>
-                  <a:tcPr/>
-                </a:tc>
-                <a:tc>
-                  <a:txBody>
-                    <a:bodyPr/>
-                    <a:lstStyle/>
-                    <a:p>
-                      <a:pPr latinLnBrk="1"/>
-                      <a:endParaRPr lang="ko-KR" altLang="en-US"/>
-                    </a:p>
-                  </a:txBody>
-                  <a:tcPr/>
+                  <a:tcPr>
+                    <a:solidFill>
+                      <a:srgbClr val="D2D6F2"/>
+                    </a:solidFill>
+                  </a:tcPr>
                 </a:tc>
                 <a:tc>
                   <a:txBody>
@@ -19022,7 +15799,11 @@
                       <a:endParaRPr lang="ko-KR" altLang="en-US" dirty="0"/>
                     </a:p>
                   </a:txBody>
-                  <a:tcPr/>
+                  <a:tcPr>
+                    <a:solidFill>
+                      <a:srgbClr val="D2D6F2"/>
+                    </a:solidFill>
+                  </a:tcPr>
                 </a:tc>
                 <a:tc>
                   <a:txBody>
@@ -19033,7 +15814,56 @@
                       <a:endParaRPr lang="ko-KR" altLang="en-US" dirty="0"/>
                     </a:p>
                   </a:txBody>
-                  <a:tcPr/>
+                  <a:tcPr>
+                    <a:solidFill>
+                      <a:srgbClr val="D2D6F2"/>
+                    </a:solidFill>
+                  </a:tcPr>
+                </a:tc>
+                <a:tc>
+                  <a:txBody>
+                    <a:bodyPr/>
+                    <a:lstStyle/>
+                    <a:p>
+                      <a:pPr latinLnBrk="1"/>
+                      <a:endParaRPr lang="ko-KR" altLang="en-US" dirty="0"/>
+                    </a:p>
+                  </a:txBody>
+                  <a:tcPr>
+                    <a:solidFill>
+                      <a:srgbClr val="D2D6F2"/>
+                    </a:solidFill>
+                  </a:tcPr>
+                </a:tc>
+                <a:tc>
+                  <a:txBody>
+                    <a:bodyPr/>
+                    <a:lstStyle/>
+                    <a:p>
+                      <a:pPr latinLnBrk="1"/>
+                      <a:endParaRPr lang="ko-KR" altLang="en-US" dirty="0"/>
+                    </a:p>
+                  </a:txBody>
+                  <a:tcPr>
+                    <a:solidFill>
+                      <a:srgbClr val="D2D6F2"/>
+                    </a:solidFill>
+                  </a:tcPr>
+                </a:tc>
+                <a:tc>
+                  <a:txBody>
+                    <a:bodyPr/>
+                    <a:lstStyle/>
+                    <a:p>
+                      <a:pPr latinLnBrk="1"/>
+                      <a:endParaRPr lang="ko-KR" altLang="en-US" dirty="0"/>
+                    </a:p>
+                  </a:txBody>
+                  <a:tcPr>
+                    <a:solidFill>
+                      <a:srgbClr val="D2D6F2"/>
+                    </a:solidFill>
+                  </a:tcPr>
                 </a:tc>
                 <a:extLst>
                   <a:ext uri="{0D108BD9-81ED-4DB2-BD59-A6C34878D82A}">
@@ -19056,40 +15886,11 @@
                       </a:r>
                     </a:p>
                   </a:txBody>
-                  <a:tcPr anchor="ctr"/>
-                </a:tc>
-                <a:tc>
-                  <a:txBody>
-                    <a:bodyPr/>
-                    <a:lstStyle/>
-                    <a:p>
-                      <a:pPr latinLnBrk="1"/>
-                      <a:endParaRPr lang="ko-KR" altLang="en-US"/>
-                    </a:p>
-                  </a:txBody>
-                  <a:tcPr/>
-                </a:tc>
-                <a:tc>
-                  <a:txBody>
-                    <a:bodyPr/>
-                    <a:lstStyle/>
-                    <a:p>
-                      <a:pPr latinLnBrk="1"/>
-                      <a:endParaRPr lang="ko-KR" altLang="en-US"/>
-                    </a:p>
-                  </a:txBody>
-                  <a:tcPr/>
-                </a:tc>
-                <a:tc>
-                  <a:txBody>
-                    <a:bodyPr/>
-                    <a:lstStyle/>
-                    <a:p>
-                      <a:pPr latinLnBrk="1"/>
-                      <a:endParaRPr lang="ko-KR" altLang="en-US"/>
-                    </a:p>
-                  </a:txBody>
-                  <a:tcPr/>
+                  <a:tcPr anchor="ctr">
+                    <a:solidFill>
+                      <a:srgbClr val="ABB2E7"/>
+                    </a:solidFill>
+                  </a:tcPr>
                 </a:tc>
                 <a:tc>
                   <a:txBody>
@@ -19100,7 +15901,11 @@
                       <a:endParaRPr lang="ko-KR" altLang="en-US" dirty="0"/>
                     </a:p>
                   </a:txBody>
-                  <a:tcPr/>
+                  <a:tcPr>
+                    <a:solidFill>
+                      <a:srgbClr val="ABB2E7"/>
+                    </a:solidFill>
+                  </a:tcPr>
                 </a:tc>
                 <a:tc>
                   <a:txBody>
@@ -19108,10 +15913,14 @@
                     <a:lstStyle/>
                     <a:p>
                       <a:pPr latinLnBrk="1"/>
-                      <a:endParaRPr lang="ko-KR" altLang="en-US"/>
+                      <a:endParaRPr lang="ko-KR" altLang="en-US" dirty="0"/>
                     </a:p>
                   </a:txBody>
-                  <a:tcPr/>
+                  <a:tcPr>
+                    <a:solidFill>
+                      <a:srgbClr val="ABB2E7"/>
+                    </a:solidFill>
+                  </a:tcPr>
                 </a:tc>
                 <a:tc>
                   <a:txBody>
@@ -19119,10 +15928,14 @@
                     <a:lstStyle/>
                     <a:p>
                       <a:pPr latinLnBrk="1"/>
-                      <a:endParaRPr lang="ko-KR" altLang="en-US"/>
+                      <a:endParaRPr lang="ko-KR" altLang="en-US" dirty="0"/>
                     </a:p>
                   </a:txBody>
-                  <a:tcPr/>
+                  <a:tcPr>
+                    <a:solidFill>
+                      <a:srgbClr val="ABB2E7"/>
+                    </a:solidFill>
+                  </a:tcPr>
                 </a:tc>
                 <a:tc>
                   <a:txBody>
@@ -19130,10 +15943,59 @@
                     <a:lstStyle/>
                     <a:p>
                       <a:pPr latinLnBrk="1"/>
-                      <a:endParaRPr lang="ko-KR" altLang="en-US"/>
+                      <a:endParaRPr lang="ko-KR" altLang="en-US" dirty="0"/>
                     </a:p>
                   </a:txBody>
-                  <a:tcPr/>
+                  <a:tcPr>
+                    <a:solidFill>
+                      <a:srgbClr val="ABB2E7"/>
+                    </a:solidFill>
+                  </a:tcPr>
+                </a:tc>
+                <a:tc>
+                  <a:txBody>
+                    <a:bodyPr/>
+                    <a:lstStyle/>
+                    <a:p>
+                      <a:pPr latinLnBrk="1"/>
+                      <a:endParaRPr lang="ko-KR" altLang="en-US" dirty="0"/>
+                    </a:p>
+                  </a:txBody>
+                  <a:tcPr>
+                    <a:solidFill>
+                      <a:srgbClr val="ABB2E7"/>
+                    </a:solidFill>
+                  </a:tcPr>
+                </a:tc>
+                <a:tc>
+                  <a:txBody>
+                    <a:bodyPr/>
+                    <a:lstStyle/>
+                    <a:p>
+                      <a:pPr latinLnBrk="1"/>
+                      <a:endParaRPr lang="ko-KR" altLang="en-US" dirty="0"/>
+                    </a:p>
+                  </a:txBody>
+                  <a:tcPr>
+                    <a:solidFill>
+                      <a:srgbClr val="ABB2E7"/>
+                    </a:solidFill>
+                  </a:tcPr>
+                </a:tc>
+                <a:tc>
+                  <a:txBody>
+                    <a:bodyPr/>
+                    <a:lstStyle/>
+                    <a:p>
+                      <a:pPr latinLnBrk="1"/>
+                      <a:endParaRPr lang="ko-KR" altLang="en-US" dirty="0"/>
+                    </a:p>
+                  </a:txBody>
+                  <a:tcPr>
+                    <a:solidFill>
+                      <a:srgbClr val="ABB2E7"/>
+                    </a:solidFill>
+                  </a:tcPr>
                 </a:tc>
                 <a:extLst>
                   <a:ext uri="{0D108BD9-81ED-4DB2-BD59-A6C34878D82A}">
@@ -19156,62 +16018,11 @@
                       </a:r>
                     </a:p>
                   </a:txBody>
-                  <a:tcPr anchor="ctr"/>
-                </a:tc>
-                <a:tc>
-                  <a:txBody>
-                    <a:bodyPr/>
-                    <a:lstStyle/>
-                    <a:p>
-                      <a:pPr latinLnBrk="1"/>
-                      <a:endParaRPr lang="ko-KR" altLang="en-US"/>
-                    </a:p>
-                  </a:txBody>
-                  <a:tcPr/>
-                </a:tc>
-                <a:tc>
-                  <a:txBody>
-                    <a:bodyPr/>
-                    <a:lstStyle/>
-                    <a:p>
-                      <a:pPr latinLnBrk="1"/>
-                      <a:endParaRPr lang="ko-KR" altLang="en-US"/>
-                    </a:p>
-                  </a:txBody>
-                  <a:tcPr/>
-                </a:tc>
-                <a:tc>
-                  <a:txBody>
-                    <a:bodyPr/>
-                    <a:lstStyle/>
-                    <a:p>
-                      <a:pPr latinLnBrk="1"/>
-                      <a:endParaRPr lang="ko-KR" altLang="en-US"/>
-                    </a:p>
-                  </a:txBody>
-                  <a:tcPr/>
-                </a:tc>
-                <a:tc>
-                  <a:txBody>
-                    <a:bodyPr/>
-                    <a:lstStyle/>
-                    <a:p>
-                      <a:pPr latinLnBrk="1"/>
-                      <a:endParaRPr lang="ko-KR" altLang="en-US"/>
-                    </a:p>
-                  </a:txBody>
-                  <a:tcPr/>
-                </a:tc>
-                <a:tc>
-                  <a:txBody>
-                    <a:bodyPr/>
-                    <a:lstStyle/>
-                    <a:p>
-                      <a:pPr latinLnBrk="1"/>
-                      <a:endParaRPr lang="ko-KR" altLang="en-US"/>
-                    </a:p>
-                  </a:txBody>
-                  <a:tcPr/>
+                  <a:tcPr anchor="ctr">
+                    <a:solidFill>
+                      <a:srgbClr val="D2D6F2"/>
+                    </a:solidFill>
+                  </a:tcPr>
                 </a:tc>
                 <a:tc>
                   <a:txBody>
@@ -19222,7 +16033,11 @@
                       <a:endParaRPr lang="ko-KR" altLang="en-US" dirty="0"/>
                     </a:p>
                   </a:txBody>
-                  <a:tcPr/>
+                  <a:tcPr>
+                    <a:solidFill>
+                      <a:srgbClr val="D2D6F2"/>
+                    </a:solidFill>
+                  </a:tcPr>
                 </a:tc>
                 <a:tc>
                   <a:txBody>
@@ -19233,7 +16048,86 @@
                       <a:endParaRPr lang="ko-KR" altLang="en-US" dirty="0"/>
                     </a:p>
                   </a:txBody>
-                  <a:tcPr/>
+                  <a:tcPr>
+                    <a:solidFill>
+                      <a:srgbClr val="D2D6F2"/>
+                    </a:solidFill>
+                  </a:tcPr>
+                </a:tc>
+                <a:tc>
+                  <a:txBody>
+                    <a:bodyPr/>
+                    <a:lstStyle/>
+                    <a:p>
+                      <a:pPr latinLnBrk="1"/>
+                      <a:endParaRPr lang="ko-KR" altLang="en-US" dirty="0"/>
+                    </a:p>
+                  </a:txBody>
+                  <a:tcPr>
+                    <a:solidFill>
+                      <a:srgbClr val="D2D6F2"/>
+                    </a:solidFill>
+                  </a:tcPr>
+                </a:tc>
+                <a:tc>
+                  <a:txBody>
+                    <a:bodyPr/>
+                    <a:lstStyle/>
+                    <a:p>
+                      <a:pPr latinLnBrk="1"/>
+                      <a:endParaRPr lang="ko-KR" altLang="en-US" dirty="0"/>
+                    </a:p>
+                  </a:txBody>
+                  <a:tcPr>
+                    <a:solidFill>
+                      <a:srgbClr val="D2D6F2"/>
+                    </a:solidFill>
+                  </a:tcPr>
+                </a:tc>
+                <a:tc>
+                  <a:txBody>
+                    <a:bodyPr/>
+                    <a:lstStyle/>
+                    <a:p>
+                      <a:pPr latinLnBrk="1"/>
+                      <a:endParaRPr lang="ko-KR" altLang="en-US" dirty="0"/>
+                    </a:p>
+                  </a:txBody>
+                  <a:tcPr>
+                    <a:solidFill>
+                      <a:srgbClr val="D2D6F2"/>
+                    </a:solidFill>
+                  </a:tcPr>
+                </a:tc>
+                <a:tc>
+                  <a:txBody>
+                    <a:bodyPr/>
+                    <a:lstStyle/>
+                    <a:p>
+                      <a:pPr latinLnBrk="1"/>
+                      <a:endParaRPr lang="ko-KR" altLang="en-US" dirty="0"/>
+                    </a:p>
+                  </a:txBody>
+                  <a:tcPr>
+                    <a:solidFill>
+                      <a:srgbClr val="D2D6F2"/>
+                    </a:solidFill>
+                  </a:tcPr>
+                </a:tc>
+                <a:tc>
+                  <a:txBody>
+                    <a:bodyPr/>
+                    <a:lstStyle/>
+                    <a:p>
+                      <a:pPr latinLnBrk="1"/>
+                      <a:endParaRPr lang="ko-KR" altLang="en-US" dirty="0"/>
+                    </a:p>
+                  </a:txBody>
+                  <a:tcPr>
+                    <a:solidFill>
+                      <a:srgbClr val="D2D6F2"/>
+                    </a:solidFill>
+                  </a:tcPr>
                 </a:tc>
                 <a:extLst>
                   <a:ext uri="{0D108BD9-81ED-4DB2-BD59-A6C34878D82A}">
@@ -19256,62 +16150,11 @@
                       </a:r>
                     </a:p>
                   </a:txBody>
-                  <a:tcPr anchor="ctr"/>
-                </a:tc>
-                <a:tc>
-                  <a:txBody>
-                    <a:bodyPr/>
-                    <a:lstStyle/>
-                    <a:p>
-                      <a:pPr latinLnBrk="1"/>
-                      <a:endParaRPr lang="ko-KR" altLang="en-US"/>
-                    </a:p>
-                  </a:txBody>
-                  <a:tcPr/>
-                </a:tc>
-                <a:tc>
-                  <a:txBody>
-                    <a:bodyPr/>
-                    <a:lstStyle/>
-                    <a:p>
-                      <a:pPr latinLnBrk="1"/>
-                      <a:endParaRPr lang="ko-KR" altLang="en-US"/>
-                    </a:p>
-                  </a:txBody>
-                  <a:tcPr/>
-                </a:tc>
-                <a:tc>
-                  <a:txBody>
-                    <a:bodyPr/>
-                    <a:lstStyle/>
-                    <a:p>
-                      <a:pPr latinLnBrk="1"/>
-                      <a:endParaRPr lang="ko-KR" altLang="en-US"/>
-                    </a:p>
-                  </a:txBody>
-                  <a:tcPr/>
-                </a:tc>
-                <a:tc>
-                  <a:txBody>
-                    <a:bodyPr/>
-                    <a:lstStyle/>
-                    <a:p>
-                      <a:pPr latinLnBrk="1"/>
-                      <a:endParaRPr lang="ko-KR" altLang="en-US"/>
-                    </a:p>
-                  </a:txBody>
-                  <a:tcPr/>
-                </a:tc>
-                <a:tc>
-                  <a:txBody>
-                    <a:bodyPr/>
-                    <a:lstStyle/>
-                    <a:p>
-                      <a:pPr latinLnBrk="1"/>
-                      <a:endParaRPr lang="ko-KR" altLang="en-US"/>
-                    </a:p>
-                  </a:txBody>
-                  <a:tcPr/>
+                  <a:tcPr anchor="ctr">
+                    <a:solidFill>
+                      <a:srgbClr val="ABB2E7"/>
+                    </a:solidFill>
+                  </a:tcPr>
                 </a:tc>
                 <a:tc>
                   <a:txBody>
@@ -19322,7 +16165,11 @@
                       <a:endParaRPr lang="ko-KR" altLang="en-US" dirty="0"/>
                     </a:p>
                   </a:txBody>
-                  <a:tcPr/>
+                  <a:tcPr>
+                    <a:solidFill>
+                      <a:srgbClr val="ABB2E7"/>
+                    </a:solidFill>
+                  </a:tcPr>
                 </a:tc>
                 <a:tc>
                   <a:txBody>
@@ -19333,7 +16180,86 @@
                       <a:endParaRPr lang="ko-KR" altLang="en-US" dirty="0"/>
                     </a:p>
                   </a:txBody>
-                  <a:tcPr/>
+                  <a:tcPr>
+                    <a:solidFill>
+                      <a:srgbClr val="ABB2E7"/>
+                    </a:solidFill>
+                  </a:tcPr>
+                </a:tc>
+                <a:tc>
+                  <a:txBody>
+                    <a:bodyPr/>
+                    <a:lstStyle/>
+                    <a:p>
+                      <a:pPr latinLnBrk="1"/>
+                      <a:endParaRPr lang="ko-KR" altLang="en-US" dirty="0"/>
+                    </a:p>
+                  </a:txBody>
+                  <a:tcPr>
+                    <a:solidFill>
+                      <a:srgbClr val="ABB2E7"/>
+                    </a:solidFill>
+                  </a:tcPr>
+                </a:tc>
+                <a:tc>
+                  <a:txBody>
+                    <a:bodyPr/>
+                    <a:lstStyle/>
+                    <a:p>
+                      <a:pPr latinLnBrk="1"/>
+                      <a:endParaRPr lang="ko-KR" altLang="en-US" dirty="0"/>
+                    </a:p>
+                  </a:txBody>
+                  <a:tcPr>
+                    <a:solidFill>
+                      <a:srgbClr val="ABB2E7"/>
+                    </a:solidFill>
+                  </a:tcPr>
+                </a:tc>
+                <a:tc>
+                  <a:txBody>
+                    <a:bodyPr/>
+                    <a:lstStyle/>
+                    <a:p>
+                      <a:pPr latinLnBrk="1"/>
+                      <a:endParaRPr lang="ko-KR" altLang="en-US" dirty="0"/>
+                    </a:p>
+                  </a:txBody>
+                  <a:tcPr>
+                    <a:solidFill>
+                      <a:srgbClr val="ABB2E7"/>
+                    </a:solidFill>
+                  </a:tcPr>
+                </a:tc>
+                <a:tc>
+                  <a:txBody>
+                    <a:bodyPr/>
+                    <a:lstStyle/>
+                    <a:p>
+                      <a:pPr latinLnBrk="1"/>
+                      <a:endParaRPr lang="ko-KR" altLang="en-US" dirty="0"/>
+                    </a:p>
+                  </a:txBody>
+                  <a:tcPr>
+                    <a:solidFill>
+                      <a:srgbClr val="ABB2E7"/>
+                    </a:solidFill>
+                  </a:tcPr>
+                </a:tc>
+                <a:tc>
+                  <a:txBody>
+                    <a:bodyPr/>
+                    <a:lstStyle/>
+                    <a:p>
+                      <a:pPr latinLnBrk="1"/>
+                      <a:endParaRPr lang="ko-KR" altLang="en-US" dirty="0"/>
+                    </a:p>
+                  </a:txBody>
+                  <a:tcPr>
+                    <a:solidFill>
+                      <a:srgbClr val="ABB2E7"/>
+                    </a:solidFill>
+                  </a:tcPr>
                 </a:tc>
                 <a:extLst>
                   <a:ext uri="{0D108BD9-81ED-4DB2-BD59-A6C34878D82A}">
@@ -19356,7 +16282,26 @@
                       </a:r>
                     </a:p>
                   </a:txBody>
-                  <a:tcPr anchor="ctr"/>
+                  <a:tcPr anchor="ctr">
+                    <a:solidFill>
+                      <a:srgbClr val="D2D6F2"/>
+                    </a:solidFill>
+                  </a:tcPr>
+                </a:tc>
+                <a:tc>
+                  <a:txBody>
+                    <a:bodyPr/>
+                    <a:lstStyle/>
+                    <a:p>
+                      <a:pPr latinLnBrk="1"/>
+                      <a:endParaRPr lang="ko-KR" altLang="en-US" dirty="0"/>
+                    </a:p>
+                  </a:txBody>
+                  <a:tcPr>
+                    <a:solidFill>
+                      <a:srgbClr val="D2D6F2"/>
+                    </a:solidFill>
+                  </a:tcPr>
                 </a:tc>
                 <a:tc>
                   <a:txBody>
@@ -19367,51 +16312,11 @@
                       <a:endParaRPr lang="ko-KR" altLang="en-US"/>
                     </a:p>
                   </a:txBody>
-                  <a:tcPr/>
-                </a:tc>
-                <a:tc>
-                  <a:txBody>
-                    <a:bodyPr/>
-                    <a:lstStyle/>
-                    <a:p>
-                      <a:pPr latinLnBrk="1"/>
-                      <a:endParaRPr lang="ko-KR" altLang="en-US"/>
-                    </a:p>
-                  </a:txBody>
-                  <a:tcPr/>
-                </a:tc>
-                <a:tc>
-                  <a:txBody>
-                    <a:bodyPr/>
-                    <a:lstStyle/>
-                    <a:p>
-                      <a:pPr latinLnBrk="1"/>
-                      <a:endParaRPr lang="ko-KR" altLang="en-US"/>
-                    </a:p>
-                  </a:txBody>
-                  <a:tcPr/>
-                </a:tc>
-                <a:tc>
-                  <a:txBody>
-                    <a:bodyPr/>
-                    <a:lstStyle/>
-                    <a:p>
-                      <a:pPr latinLnBrk="1"/>
-                      <a:endParaRPr lang="ko-KR" altLang="en-US"/>
-                    </a:p>
-                  </a:txBody>
-                  <a:tcPr/>
-                </a:tc>
-                <a:tc>
-                  <a:txBody>
-                    <a:bodyPr/>
-                    <a:lstStyle/>
-                    <a:p>
-                      <a:pPr latinLnBrk="1"/>
-                      <a:endParaRPr lang="ko-KR" altLang="en-US"/>
-                    </a:p>
-                  </a:txBody>
-                  <a:tcPr/>
+                  <a:tcPr>
+                    <a:solidFill>
+                      <a:srgbClr val="D2D6F2"/>
+                    </a:solidFill>
+                  </a:tcPr>
                 </a:tc>
                 <a:tc>
                   <a:txBody>
@@ -19422,7 +16327,11 @@
                       <a:endParaRPr lang="ko-KR" altLang="en-US" dirty="0"/>
                     </a:p>
                   </a:txBody>
-                  <a:tcPr/>
+                  <a:tcPr>
+                    <a:solidFill>
+                      <a:srgbClr val="D2D6F2"/>
+                    </a:solidFill>
+                  </a:tcPr>
                 </a:tc>
                 <a:tc>
                   <a:txBody>
@@ -19433,7 +16342,56 @@
                       <a:endParaRPr lang="ko-KR" altLang="en-US" dirty="0"/>
                     </a:p>
                   </a:txBody>
-                  <a:tcPr/>
+                  <a:tcPr>
+                    <a:solidFill>
+                      <a:srgbClr val="D2D6F2"/>
+                    </a:solidFill>
+                  </a:tcPr>
+                </a:tc>
+                <a:tc>
+                  <a:txBody>
+                    <a:bodyPr/>
+                    <a:lstStyle/>
+                    <a:p>
+                      <a:pPr latinLnBrk="1"/>
+                      <a:endParaRPr lang="ko-KR" altLang="en-US" dirty="0"/>
+                    </a:p>
+                  </a:txBody>
+                  <a:tcPr>
+                    <a:solidFill>
+                      <a:srgbClr val="D2D6F2"/>
+                    </a:solidFill>
+                  </a:tcPr>
+                </a:tc>
+                <a:tc>
+                  <a:txBody>
+                    <a:bodyPr/>
+                    <a:lstStyle/>
+                    <a:p>
+                      <a:pPr latinLnBrk="1"/>
+                      <a:endParaRPr lang="ko-KR" altLang="en-US" dirty="0"/>
+                    </a:p>
+                  </a:txBody>
+                  <a:tcPr>
+                    <a:solidFill>
+                      <a:srgbClr val="D2D6F2"/>
+                    </a:solidFill>
+                  </a:tcPr>
+                </a:tc>
+                <a:tc>
+                  <a:txBody>
+                    <a:bodyPr/>
+                    <a:lstStyle/>
+                    <a:p>
+                      <a:pPr latinLnBrk="1"/>
+                      <a:endParaRPr lang="ko-KR" altLang="en-US" dirty="0"/>
+                    </a:p>
+                  </a:txBody>
+                  <a:tcPr>
+                    <a:solidFill>
+                      <a:srgbClr val="D2D6F2"/>
+                    </a:solidFill>
+                  </a:tcPr>
                 </a:tc>
                 <a:extLst>
                   <a:ext uri="{0D108BD9-81ED-4DB2-BD59-A6C34878D82A}">
@@ -19468,7 +16426,7 @@
             </a:avLst>
           </a:prstGeom>
           <a:solidFill>
-            <a:srgbClr val="1D9A78"/>
+            <a:srgbClr val="5161CE"/>
           </a:solidFill>
         </p:spPr>
         <p:style>
@@ -19527,7 +16485,7 @@
             </a:avLst>
           </a:prstGeom>
           <a:solidFill>
-            <a:srgbClr val="1D9A78"/>
+            <a:srgbClr val="5161CE"/>
           </a:solidFill>
         </p:spPr>
         <p:style>
@@ -19586,7 +16544,7 @@
             </a:avLst>
           </a:prstGeom>
           <a:solidFill>
-            <a:srgbClr val="1D9A78"/>
+            <a:srgbClr val="5161CE"/>
           </a:solidFill>
         </p:spPr>
         <p:style>
@@ -19636,7 +16594,7 @@
         </p:nvSpPr>
         <p:spPr>
           <a:xfrm>
-            <a:off x="6185337" y="4157302"/>
+            <a:off x="6185335" y="4195550"/>
             <a:ext cx="2725908" cy="382399"/>
           </a:xfrm>
           <a:prstGeom prst="roundRect">
@@ -19645,8 +16603,11 @@
             </a:avLst>
           </a:prstGeom>
           <a:solidFill>
-            <a:srgbClr val="1D9A78"/>
+            <a:srgbClr val="5161CE"/>
           </a:solidFill>
+          <a:ln>
+            <a:noFill/>
+          </a:ln>
         </p:spPr>
         <p:style>
           <a:lnRef idx="2">
@@ -19704,8 +16665,11 @@
             </a:avLst>
           </a:prstGeom>
           <a:solidFill>
-            <a:srgbClr val="1D9A78"/>
+            <a:srgbClr val="5161CE"/>
           </a:solidFill>
+          <a:ln>
+            <a:noFill/>
+          </a:ln>
         </p:spPr>
         <p:style>
           <a:lnRef idx="2">
@@ -19763,8 +16727,11 @@
             </a:avLst>
           </a:prstGeom>
           <a:solidFill>
-            <a:srgbClr val="1D9A78"/>
+            <a:srgbClr val="5161CE"/>
           </a:solidFill>
+          <a:ln>
+            <a:noFill/>
+          </a:ln>
         </p:spPr>
         <p:style>
           <a:lnRef idx="2">
@@ -19815,7 +16782,7 @@
 </p:sld>
 </file>
 
-<file path=ppt/slides/slide8.xml><?xml version="1.0" encoding="utf-8"?>
+<file path=ppt/slides/slide7.xml><?xml version="1.0" encoding="utf-8"?>
 <p:sld xmlns:a="http://schemas.openxmlformats.org/drawingml/2006/main" xmlns:r="http://schemas.openxmlformats.org/officeDocument/2006/relationships" xmlns:p="http://schemas.openxmlformats.org/presentationml/2006/main">
   <p:cSld>
     <p:spTree>
@@ -20847,7 +17814,7 @@
 </p:sld>
 </file>
 
-<file path=ppt/slides/slide9.xml><?xml version="1.0" encoding="utf-8"?>
+<file path=ppt/slides/slide8.xml><?xml version="1.0" encoding="utf-8"?>
 <p:sld xmlns:a="http://schemas.openxmlformats.org/drawingml/2006/main" xmlns:r="http://schemas.openxmlformats.org/officeDocument/2006/relationships" xmlns:p="http://schemas.openxmlformats.org/presentationml/2006/main">
   <p:cSld>
     <p:spTree>
@@ -23505,6 +20472,2584 @@
     <p:extLst>
       <p:ext uri="{BB962C8B-B14F-4D97-AF65-F5344CB8AC3E}">
         <p14:creationId xmlns:p14="http://schemas.microsoft.com/office/powerpoint/2010/main" val="1481692695"/>
+      </p:ext>
+    </p:extLst>
+  </p:cSld>
+  <p:clrMapOvr>
+    <a:masterClrMapping/>
+  </p:clrMapOvr>
+  <p:transition spd="slow">
+    <p:push dir="u"/>
+  </p:transition>
+</p:sld>
+</file>
+
+<file path=ppt/slides/slide9.xml><?xml version="1.0" encoding="utf-8"?>
+<p:sld xmlns:a="http://schemas.openxmlformats.org/drawingml/2006/main" xmlns:r="http://schemas.openxmlformats.org/officeDocument/2006/relationships" xmlns:p="http://schemas.openxmlformats.org/presentationml/2006/main">
+  <p:cSld>
+    <p:spTree>
+      <p:nvGrpSpPr>
+        <p:cNvPr id="1" name=""/>
+        <p:cNvGrpSpPr/>
+        <p:nvPr/>
+      </p:nvGrpSpPr>
+      <p:grpSpPr>
+        <a:xfrm>
+          <a:off x="0" y="0"/>
+          <a:ext cx="0" cy="0"/>
+          <a:chOff x="0" y="0"/>
+          <a:chExt cx="0" cy="0"/>
+        </a:xfrm>
+      </p:grpSpPr>
+      <p:sp>
+        <p:nvSpPr>
+          <p:cNvPr id="4" name="직사각형 3">
+            <a:extLst>
+              <a:ext uri="{FF2B5EF4-FFF2-40B4-BE49-F238E27FC236}">
+                <a16:creationId xmlns:a16="http://schemas.microsoft.com/office/drawing/2014/main" id="{C35F139B-CDDB-42FA-525C-DA01A8146D90}"/>
+              </a:ext>
+            </a:extLst>
+          </p:cNvPr>
+          <p:cNvSpPr/>
+          <p:nvPr/>
+        </p:nvSpPr>
+        <p:spPr>
+          <a:xfrm>
+            <a:off x="0" y="0"/>
+            <a:ext cx="1573619" cy="6858000"/>
+          </a:xfrm>
+          <a:prstGeom prst="rect">
+            <a:avLst/>
+          </a:prstGeom>
+          <a:solidFill>
+            <a:schemeClr val="accent1"/>
+          </a:solidFill>
+        </p:spPr>
+        <p:style>
+          <a:lnRef idx="2">
+            <a:schemeClr val="accent1">
+              <a:shade val="50000"/>
+            </a:schemeClr>
+          </a:lnRef>
+          <a:fillRef idx="1">
+            <a:schemeClr val="accent1"/>
+          </a:fillRef>
+          <a:effectRef idx="0">
+            <a:schemeClr val="accent1"/>
+          </a:effectRef>
+          <a:fontRef idx="minor">
+            <a:schemeClr val="lt1"/>
+          </a:fontRef>
+        </p:style>
+        <p:txBody>
+          <a:bodyPr vert="eaVert" rtlCol="0" anchor="ctr"/>
+          <a:lstStyle/>
+          <a:p>
+            <a:pPr algn="ctr"/>
+            <a:r>
+              <a:rPr lang="ko-KR" altLang="en-US" sz="3500" b="1" dirty="0">
+                <a:solidFill>
+                  <a:schemeClr val="bg1"/>
+                </a:solidFill>
+                <a:effectLst>
+                  <a:outerShdw blurRad="38100" dist="38100" dir="2700000" algn="tl">
+                    <a:srgbClr val="000000">
+                      <a:alpha val="43137"/>
+                    </a:srgbClr>
+                  </a:outerShdw>
+                </a:effectLst>
+                <a:latin typeface="나눔고딕" pitchFamily="2" charset="-127"/>
+                <a:ea typeface="나눔고딕" pitchFamily="2" charset="-127"/>
+              </a:rPr>
+              <a:t>시  </a:t>
+            </a:r>
+            <a:r>
+              <a:rPr lang="ko-KR" altLang="en-US" sz="3500" b="1" dirty="0" err="1">
+                <a:solidFill>
+                  <a:schemeClr val="bg1"/>
+                </a:solidFill>
+                <a:effectLst>
+                  <a:outerShdw blurRad="38100" dist="38100" dir="2700000" algn="tl">
+                    <a:srgbClr val="000000">
+                      <a:alpha val="43137"/>
+                    </a:srgbClr>
+                  </a:outerShdw>
+                </a:effectLst>
+                <a:latin typeface="나눔고딕" pitchFamily="2" charset="-127"/>
+                <a:ea typeface="나눔고딕" pitchFamily="2" charset="-127"/>
+              </a:rPr>
+              <a:t>스</a:t>
+            </a:r>
+            <a:r>
+              <a:rPr lang="ko-KR" altLang="en-US" sz="3500" b="1" dirty="0">
+                <a:solidFill>
+                  <a:schemeClr val="bg1"/>
+                </a:solidFill>
+                <a:effectLst>
+                  <a:outerShdw blurRad="38100" dist="38100" dir="2700000" algn="tl">
+                    <a:srgbClr val="000000">
+                      <a:alpha val="43137"/>
+                    </a:srgbClr>
+                  </a:outerShdw>
+                </a:effectLst>
+                <a:latin typeface="나눔고딕" pitchFamily="2" charset="-127"/>
+                <a:ea typeface="나눔고딕" pitchFamily="2" charset="-127"/>
+              </a:rPr>
+              <a:t>  템  주  요  기  능</a:t>
+            </a:r>
+          </a:p>
+        </p:txBody>
+      </p:sp>
+      <p:sp>
+        <p:nvSpPr>
+          <p:cNvPr id="50" name="사각형: 둥근 모서리 49">
+            <a:extLst>
+              <a:ext uri="{FF2B5EF4-FFF2-40B4-BE49-F238E27FC236}">
+                <a16:creationId xmlns:a16="http://schemas.microsoft.com/office/drawing/2014/main" id="{03AF9854-8907-12D2-E7F9-000656C9A490}"/>
+              </a:ext>
+            </a:extLst>
+          </p:cNvPr>
+          <p:cNvSpPr/>
+          <p:nvPr/>
+        </p:nvSpPr>
+        <p:spPr>
+          <a:xfrm>
+            <a:off x="2112579" y="557043"/>
+            <a:ext cx="2165131" cy="635601"/>
+          </a:xfrm>
+          <a:prstGeom prst="roundRect">
+            <a:avLst>
+              <a:gd name="adj" fmla="val 15623"/>
+            </a:avLst>
+          </a:prstGeom>
+          <a:solidFill>
+            <a:srgbClr val="1D9A78"/>
+          </a:solidFill>
+        </p:spPr>
+        <p:style>
+          <a:lnRef idx="2">
+            <a:schemeClr val="accent1">
+              <a:shade val="50000"/>
+            </a:schemeClr>
+          </a:lnRef>
+          <a:fillRef idx="1">
+            <a:schemeClr val="accent1"/>
+          </a:fillRef>
+          <a:effectRef idx="0">
+            <a:schemeClr val="accent1"/>
+          </a:effectRef>
+          <a:fontRef idx="minor">
+            <a:schemeClr val="lt1"/>
+          </a:fontRef>
+        </p:style>
+        <p:txBody>
+          <a:bodyPr rtlCol="0" anchor="ctr"/>
+          <a:lstStyle/>
+          <a:p>
+            <a:pPr algn="ctr"/>
+            <a:r>
+              <a:rPr lang="en-US" altLang="ko-KR" sz="2500" b="1" dirty="0">
+                <a:effectLst>
+                  <a:outerShdw blurRad="38100" dist="38100" dir="2700000" algn="tl">
+                    <a:srgbClr val="000000">
+                      <a:alpha val="43137"/>
+                    </a:srgbClr>
+                  </a:outerShdw>
+                </a:effectLst>
+              </a:rPr>
+              <a:t>Index </a:t>
+            </a:r>
+            <a:r>
+              <a:rPr lang="ko-KR" altLang="en-US" sz="2500" b="1" dirty="0">
+                <a:effectLst>
+                  <a:outerShdw blurRad="38100" dist="38100" dir="2700000" algn="tl">
+                    <a:srgbClr val="000000">
+                      <a:alpha val="43137"/>
+                    </a:srgbClr>
+                  </a:outerShdw>
+                </a:effectLst>
+              </a:rPr>
+              <a:t>창</a:t>
+            </a:r>
+          </a:p>
+        </p:txBody>
+      </p:sp>
+      <p:sp>
+        <p:nvSpPr>
+          <p:cNvPr id="51" name="사각형: 둥근 모서리 50">
+            <a:extLst>
+              <a:ext uri="{FF2B5EF4-FFF2-40B4-BE49-F238E27FC236}">
+                <a16:creationId xmlns:a16="http://schemas.microsoft.com/office/drawing/2014/main" id="{6105FBFB-6071-9C39-2680-AE536B9B4B20}"/>
+              </a:ext>
+            </a:extLst>
+          </p:cNvPr>
+          <p:cNvSpPr/>
+          <p:nvPr/>
+        </p:nvSpPr>
+        <p:spPr>
+          <a:xfrm>
+            <a:off x="4816269" y="557043"/>
+            <a:ext cx="2165131" cy="635601"/>
+          </a:xfrm>
+          <a:prstGeom prst="roundRect">
+            <a:avLst>
+              <a:gd name="adj" fmla="val 15623"/>
+            </a:avLst>
+          </a:prstGeom>
+          <a:solidFill>
+            <a:srgbClr val="1D9A78"/>
+          </a:solidFill>
+        </p:spPr>
+        <p:style>
+          <a:lnRef idx="2">
+            <a:schemeClr val="accent1">
+              <a:shade val="50000"/>
+            </a:schemeClr>
+          </a:lnRef>
+          <a:fillRef idx="1">
+            <a:schemeClr val="accent1"/>
+          </a:fillRef>
+          <a:effectRef idx="0">
+            <a:schemeClr val="accent1"/>
+          </a:effectRef>
+          <a:fontRef idx="minor">
+            <a:schemeClr val="lt1"/>
+          </a:fontRef>
+        </p:style>
+        <p:txBody>
+          <a:bodyPr rtlCol="0" anchor="ctr"/>
+          <a:lstStyle/>
+          <a:p>
+            <a:pPr algn="ctr"/>
+            <a:r>
+              <a:rPr lang="ko-KR" altLang="en-US" sz="2000" b="1" dirty="0">
+                <a:effectLst>
+                  <a:outerShdw blurRad="38100" dist="38100" dir="2700000" algn="tl">
+                    <a:srgbClr val="000000">
+                      <a:alpha val="43137"/>
+                    </a:srgbClr>
+                  </a:outerShdw>
+                </a:effectLst>
+              </a:rPr>
+              <a:t>프로젝트 선택창</a:t>
+            </a:r>
+          </a:p>
+        </p:txBody>
+      </p:sp>
+      <p:sp>
+        <p:nvSpPr>
+          <p:cNvPr id="52" name="사각형: 둥근 모서리 51">
+            <a:extLst>
+              <a:ext uri="{FF2B5EF4-FFF2-40B4-BE49-F238E27FC236}">
+                <a16:creationId xmlns:a16="http://schemas.microsoft.com/office/drawing/2014/main" id="{A3AE165E-FF7A-84B9-C000-34D0E5BC330D}"/>
+              </a:ext>
+            </a:extLst>
+          </p:cNvPr>
+          <p:cNvSpPr/>
+          <p:nvPr/>
+        </p:nvSpPr>
+        <p:spPr>
+          <a:xfrm>
+            <a:off x="8005734" y="557042"/>
+            <a:ext cx="2165131" cy="635601"/>
+          </a:xfrm>
+          <a:prstGeom prst="roundRect">
+            <a:avLst>
+              <a:gd name="adj" fmla="val 15623"/>
+            </a:avLst>
+          </a:prstGeom>
+          <a:solidFill>
+            <a:srgbClr val="1D9A78"/>
+          </a:solidFill>
+        </p:spPr>
+        <p:style>
+          <a:lnRef idx="2">
+            <a:schemeClr val="accent1">
+              <a:shade val="50000"/>
+            </a:schemeClr>
+          </a:lnRef>
+          <a:fillRef idx="1">
+            <a:schemeClr val="accent1"/>
+          </a:fillRef>
+          <a:effectRef idx="0">
+            <a:schemeClr val="accent1"/>
+          </a:effectRef>
+          <a:fontRef idx="minor">
+            <a:schemeClr val="lt1"/>
+          </a:fontRef>
+        </p:style>
+        <p:txBody>
+          <a:bodyPr rtlCol="0" anchor="ctr"/>
+          <a:lstStyle/>
+          <a:p>
+            <a:pPr algn="ctr"/>
+            <a:r>
+              <a:rPr lang="ko-KR" altLang="en-US" sz="2500" b="1" dirty="0">
+                <a:effectLst>
+                  <a:outerShdw blurRad="38100" dist="38100" dir="2700000" algn="tl">
+                    <a:srgbClr val="000000">
+                      <a:alpha val="43137"/>
+                    </a:srgbClr>
+                  </a:outerShdw>
+                </a:effectLst>
+              </a:rPr>
+              <a:t>프로젝트 창</a:t>
+            </a:r>
+          </a:p>
+        </p:txBody>
+      </p:sp>
+      <p:sp>
+        <p:nvSpPr>
+          <p:cNvPr id="53" name="사각형: 둥근 모서리 52">
+            <a:extLst>
+              <a:ext uri="{FF2B5EF4-FFF2-40B4-BE49-F238E27FC236}">
+                <a16:creationId xmlns:a16="http://schemas.microsoft.com/office/drawing/2014/main" id="{D87B9832-294A-B921-59B5-80B22F69B700}"/>
+              </a:ext>
+            </a:extLst>
+          </p:cNvPr>
+          <p:cNvSpPr/>
+          <p:nvPr/>
+        </p:nvSpPr>
+        <p:spPr>
+          <a:xfrm>
+            <a:off x="2128344" y="3570463"/>
+            <a:ext cx="2165131" cy="635601"/>
+          </a:xfrm>
+          <a:prstGeom prst="roundRect">
+            <a:avLst>
+              <a:gd name="adj" fmla="val 15623"/>
+            </a:avLst>
+          </a:prstGeom>
+          <a:solidFill>
+            <a:srgbClr val="1D9A78"/>
+          </a:solidFill>
+        </p:spPr>
+        <p:style>
+          <a:lnRef idx="2">
+            <a:schemeClr val="accent1">
+              <a:shade val="50000"/>
+            </a:schemeClr>
+          </a:lnRef>
+          <a:fillRef idx="1">
+            <a:schemeClr val="accent1"/>
+          </a:fillRef>
+          <a:effectRef idx="0">
+            <a:schemeClr val="accent1"/>
+          </a:effectRef>
+          <a:fontRef idx="minor">
+            <a:schemeClr val="lt1"/>
+          </a:fontRef>
+        </p:style>
+        <p:txBody>
+          <a:bodyPr rtlCol="0" anchor="ctr"/>
+          <a:lstStyle/>
+          <a:p>
+            <a:pPr algn="ctr"/>
+            <a:r>
+              <a:rPr lang="ko-KR" altLang="en-US" sz="2500" b="1" dirty="0">
+                <a:effectLst>
+                  <a:outerShdw blurRad="38100" dist="38100" dir="2700000" algn="tl">
+                    <a:srgbClr val="000000">
+                      <a:alpha val="43137"/>
+                    </a:srgbClr>
+                  </a:outerShdw>
+                </a:effectLst>
+              </a:rPr>
+              <a:t>문서 창</a:t>
+            </a:r>
+          </a:p>
+        </p:txBody>
+      </p:sp>
+      <p:sp>
+        <p:nvSpPr>
+          <p:cNvPr id="54" name="사각형: 둥근 모서리 53">
+            <a:extLst>
+              <a:ext uri="{FF2B5EF4-FFF2-40B4-BE49-F238E27FC236}">
+                <a16:creationId xmlns:a16="http://schemas.microsoft.com/office/drawing/2014/main" id="{06977E4E-1F6B-6C83-3CD2-78DE12D79EE7}"/>
+              </a:ext>
+            </a:extLst>
+          </p:cNvPr>
+          <p:cNvSpPr/>
+          <p:nvPr/>
+        </p:nvSpPr>
+        <p:spPr>
+          <a:xfrm>
+            <a:off x="2810717" y="1419167"/>
+            <a:ext cx="1466993" cy="430654"/>
+          </a:xfrm>
+          <a:prstGeom prst="roundRect">
+            <a:avLst>
+              <a:gd name="adj" fmla="val 15623"/>
+            </a:avLst>
+          </a:prstGeom>
+          <a:solidFill>
+            <a:srgbClr val="7BAA3C"/>
+          </a:solidFill>
+        </p:spPr>
+        <p:style>
+          <a:lnRef idx="2">
+            <a:schemeClr val="accent1">
+              <a:shade val="50000"/>
+            </a:schemeClr>
+          </a:lnRef>
+          <a:fillRef idx="1">
+            <a:schemeClr val="accent1"/>
+          </a:fillRef>
+          <a:effectRef idx="0">
+            <a:schemeClr val="accent1"/>
+          </a:effectRef>
+          <a:fontRef idx="minor">
+            <a:schemeClr val="lt1"/>
+          </a:fontRef>
+        </p:style>
+        <p:txBody>
+          <a:bodyPr rtlCol="0" anchor="ctr"/>
+          <a:lstStyle/>
+          <a:p>
+            <a:pPr algn="ctr"/>
+            <a:r>
+              <a:rPr lang="ko-KR" altLang="en-US" sz="2000" b="1">
+                <a:effectLst>
+                  <a:outerShdw blurRad="38100" dist="38100" dir="2700000" algn="tl">
+                    <a:srgbClr val="000000">
+                      <a:alpha val="43137"/>
+                    </a:srgbClr>
+                  </a:outerShdw>
+                </a:effectLst>
+              </a:rPr>
+              <a:t>로그인</a:t>
+            </a:r>
+            <a:endParaRPr lang="ko-KR" altLang="en-US" sz="2000" b="1" dirty="0">
+              <a:effectLst>
+                <a:outerShdw blurRad="38100" dist="38100" dir="2700000" algn="tl">
+                  <a:srgbClr val="000000">
+                    <a:alpha val="43137"/>
+                  </a:srgbClr>
+                </a:outerShdw>
+              </a:effectLst>
+            </a:endParaRPr>
+          </a:p>
+        </p:txBody>
+      </p:sp>
+      <p:sp>
+        <p:nvSpPr>
+          <p:cNvPr id="55" name="사각형: 둥근 모서리 54">
+            <a:extLst>
+              <a:ext uri="{FF2B5EF4-FFF2-40B4-BE49-F238E27FC236}">
+                <a16:creationId xmlns:a16="http://schemas.microsoft.com/office/drawing/2014/main" id="{821613AE-90D0-9ED1-5AEB-69363B46C093}"/>
+              </a:ext>
+            </a:extLst>
+          </p:cNvPr>
+          <p:cNvSpPr/>
+          <p:nvPr/>
+        </p:nvSpPr>
+        <p:spPr>
+          <a:xfrm>
+            <a:off x="2810717" y="2023512"/>
+            <a:ext cx="1466993" cy="430654"/>
+          </a:xfrm>
+          <a:prstGeom prst="roundRect">
+            <a:avLst>
+              <a:gd name="adj" fmla="val 15623"/>
+            </a:avLst>
+          </a:prstGeom>
+          <a:solidFill>
+            <a:srgbClr val="7BAA3C"/>
+          </a:solidFill>
+        </p:spPr>
+        <p:style>
+          <a:lnRef idx="2">
+            <a:schemeClr val="accent1">
+              <a:shade val="50000"/>
+            </a:schemeClr>
+          </a:lnRef>
+          <a:fillRef idx="1">
+            <a:schemeClr val="accent1"/>
+          </a:fillRef>
+          <a:effectRef idx="0">
+            <a:schemeClr val="accent1"/>
+          </a:effectRef>
+          <a:fontRef idx="minor">
+            <a:schemeClr val="lt1"/>
+          </a:fontRef>
+        </p:style>
+        <p:txBody>
+          <a:bodyPr rtlCol="0" anchor="ctr"/>
+          <a:lstStyle/>
+          <a:p>
+            <a:pPr algn="ctr"/>
+            <a:r>
+              <a:rPr lang="ko-KR" altLang="en-US" sz="2000" b="1" dirty="0">
+                <a:effectLst>
+                  <a:outerShdw blurRad="38100" dist="38100" dir="2700000" algn="tl">
+                    <a:srgbClr val="000000">
+                      <a:alpha val="43137"/>
+                    </a:srgbClr>
+                  </a:outerShdw>
+                </a:effectLst>
+              </a:rPr>
+              <a:t>회원가입</a:t>
+            </a:r>
+          </a:p>
+        </p:txBody>
+      </p:sp>
+      <p:sp>
+        <p:nvSpPr>
+          <p:cNvPr id="56" name="사각형: 둥근 모서리 55">
+            <a:extLst>
+              <a:ext uri="{FF2B5EF4-FFF2-40B4-BE49-F238E27FC236}">
+                <a16:creationId xmlns:a16="http://schemas.microsoft.com/office/drawing/2014/main" id="{52DAE9B0-2D99-E32C-6B1E-C6046636503F}"/>
+              </a:ext>
+            </a:extLst>
+          </p:cNvPr>
+          <p:cNvSpPr/>
+          <p:nvPr/>
+        </p:nvSpPr>
+        <p:spPr>
+          <a:xfrm>
+            <a:off x="2826482" y="2627857"/>
+            <a:ext cx="1466993" cy="430654"/>
+          </a:xfrm>
+          <a:prstGeom prst="roundRect">
+            <a:avLst>
+              <a:gd name="adj" fmla="val 15623"/>
+            </a:avLst>
+          </a:prstGeom>
+          <a:solidFill>
+            <a:srgbClr val="7BAA3C"/>
+          </a:solidFill>
+        </p:spPr>
+        <p:style>
+          <a:lnRef idx="2">
+            <a:schemeClr val="accent1">
+              <a:shade val="50000"/>
+            </a:schemeClr>
+          </a:lnRef>
+          <a:fillRef idx="1">
+            <a:schemeClr val="accent1"/>
+          </a:fillRef>
+          <a:effectRef idx="0">
+            <a:schemeClr val="accent1"/>
+          </a:effectRef>
+          <a:fontRef idx="minor">
+            <a:schemeClr val="lt1"/>
+          </a:fontRef>
+        </p:style>
+        <p:txBody>
+          <a:bodyPr rtlCol="0" anchor="ctr"/>
+          <a:lstStyle/>
+          <a:p>
+            <a:pPr algn="ctr"/>
+            <a:r>
+              <a:rPr lang="ko-KR" altLang="en-US" sz="2000" b="1" dirty="0">
+                <a:effectLst>
+                  <a:outerShdw blurRad="38100" dist="38100" dir="2700000" algn="tl">
+                    <a:srgbClr val="000000">
+                      <a:alpha val="43137"/>
+                    </a:srgbClr>
+                  </a:outerShdw>
+                </a:effectLst>
+              </a:rPr>
+              <a:t>정보 수정</a:t>
+            </a:r>
+          </a:p>
+        </p:txBody>
+      </p:sp>
+      <p:sp>
+        <p:nvSpPr>
+          <p:cNvPr id="57" name="사각형: 둥근 모서리 56">
+            <a:extLst>
+              <a:ext uri="{FF2B5EF4-FFF2-40B4-BE49-F238E27FC236}">
+                <a16:creationId xmlns:a16="http://schemas.microsoft.com/office/drawing/2014/main" id="{381ACC84-EEF7-022B-D39A-38F619AB39A6}"/>
+              </a:ext>
+            </a:extLst>
+          </p:cNvPr>
+          <p:cNvSpPr/>
+          <p:nvPr/>
+        </p:nvSpPr>
+        <p:spPr>
+          <a:xfrm>
+            <a:off x="5518266" y="1419167"/>
+            <a:ext cx="1466993" cy="430654"/>
+          </a:xfrm>
+          <a:prstGeom prst="roundRect">
+            <a:avLst>
+              <a:gd name="adj" fmla="val 15623"/>
+            </a:avLst>
+          </a:prstGeom>
+          <a:solidFill>
+            <a:srgbClr val="7BAA3C"/>
+          </a:solidFill>
+        </p:spPr>
+        <p:style>
+          <a:lnRef idx="2">
+            <a:schemeClr val="accent1">
+              <a:shade val="50000"/>
+            </a:schemeClr>
+          </a:lnRef>
+          <a:fillRef idx="1">
+            <a:schemeClr val="accent1"/>
+          </a:fillRef>
+          <a:effectRef idx="0">
+            <a:schemeClr val="accent1"/>
+          </a:effectRef>
+          <a:fontRef idx="minor">
+            <a:schemeClr val="lt1"/>
+          </a:fontRef>
+        </p:style>
+        <p:txBody>
+          <a:bodyPr rtlCol="0" anchor="ctr"/>
+          <a:lstStyle/>
+          <a:p>
+            <a:pPr algn="ctr"/>
+            <a:r>
+              <a:rPr lang="ko-KR" altLang="en-US" sz="2000" b="1" dirty="0">
+                <a:effectLst>
+                  <a:outerShdw blurRad="38100" dist="38100" dir="2700000" algn="tl">
+                    <a:srgbClr val="000000">
+                      <a:alpha val="43137"/>
+                    </a:srgbClr>
+                  </a:outerShdw>
+                </a:effectLst>
+              </a:rPr>
+              <a:t>읽기 전용</a:t>
+            </a:r>
+          </a:p>
+        </p:txBody>
+      </p:sp>
+      <p:sp>
+        <p:nvSpPr>
+          <p:cNvPr id="58" name="사각형: 둥근 모서리 57">
+            <a:extLst>
+              <a:ext uri="{FF2B5EF4-FFF2-40B4-BE49-F238E27FC236}">
+                <a16:creationId xmlns:a16="http://schemas.microsoft.com/office/drawing/2014/main" id="{53174CC8-E3B1-BC5F-CE59-B497DE2DB4C4}"/>
+              </a:ext>
+            </a:extLst>
+          </p:cNvPr>
+          <p:cNvSpPr/>
+          <p:nvPr/>
+        </p:nvSpPr>
+        <p:spPr>
+          <a:xfrm>
+            <a:off x="5518266" y="2054624"/>
+            <a:ext cx="1466993" cy="430654"/>
+          </a:xfrm>
+          <a:prstGeom prst="roundRect">
+            <a:avLst>
+              <a:gd name="adj" fmla="val 15623"/>
+            </a:avLst>
+          </a:prstGeom>
+          <a:solidFill>
+            <a:srgbClr val="7BAA3C"/>
+          </a:solidFill>
+        </p:spPr>
+        <p:style>
+          <a:lnRef idx="2">
+            <a:schemeClr val="accent1">
+              <a:shade val="50000"/>
+            </a:schemeClr>
+          </a:lnRef>
+          <a:fillRef idx="1">
+            <a:schemeClr val="accent1"/>
+          </a:fillRef>
+          <a:effectRef idx="0">
+            <a:schemeClr val="accent1"/>
+          </a:effectRef>
+          <a:fontRef idx="minor">
+            <a:schemeClr val="lt1"/>
+          </a:fontRef>
+        </p:style>
+        <p:txBody>
+          <a:bodyPr rtlCol="0" anchor="ctr"/>
+          <a:lstStyle/>
+          <a:p>
+            <a:pPr algn="ctr"/>
+            <a:r>
+              <a:rPr lang="ko-KR" altLang="en-US" sz="2000" b="1" dirty="0">
+                <a:effectLst>
+                  <a:outerShdw blurRad="38100" dist="38100" dir="2700000" algn="tl">
+                    <a:srgbClr val="000000">
+                      <a:alpha val="43137"/>
+                    </a:srgbClr>
+                  </a:outerShdw>
+                </a:effectLst>
+              </a:rPr>
+              <a:t>편집 전용</a:t>
+            </a:r>
+          </a:p>
+        </p:txBody>
+      </p:sp>
+      <p:sp>
+        <p:nvSpPr>
+          <p:cNvPr id="59" name="사각형: 둥근 모서리 58">
+            <a:extLst>
+              <a:ext uri="{FF2B5EF4-FFF2-40B4-BE49-F238E27FC236}">
+                <a16:creationId xmlns:a16="http://schemas.microsoft.com/office/drawing/2014/main" id="{D2F9F16F-D2ED-DD9E-3D43-8FCF3BDC6149}"/>
+              </a:ext>
+            </a:extLst>
+          </p:cNvPr>
+          <p:cNvSpPr/>
+          <p:nvPr/>
+        </p:nvSpPr>
+        <p:spPr>
+          <a:xfrm>
+            <a:off x="5518265" y="2717057"/>
+            <a:ext cx="1466993" cy="430654"/>
+          </a:xfrm>
+          <a:prstGeom prst="roundRect">
+            <a:avLst>
+              <a:gd name="adj" fmla="val 15623"/>
+            </a:avLst>
+          </a:prstGeom>
+          <a:solidFill>
+            <a:srgbClr val="7BAA3C"/>
+          </a:solidFill>
+        </p:spPr>
+        <p:style>
+          <a:lnRef idx="2">
+            <a:schemeClr val="accent1">
+              <a:shade val="50000"/>
+            </a:schemeClr>
+          </a:lnRef>
+          <a:fillRef idx="1">
+            <a:schemeClr val="accent1"/>
+          </a:fillRef>
+          <a:effectRef idx="0">
+            <a:schemeClr val="accent1"/>
+          </a:effectRef>
+          <a:fontRef idx="minor">
+            <a:schemeClr val="lt1"/>
+          </a:fontRef>
+        </p:style>
+        <p:txBody>
+          <a:bodyPr rtlCol="0" anchor="ctr"/>
+          <a:lstStyle/>
+          <a:p>
+            <a:pPr algn="ctr"/>
+            <a:r>
+              <a:rPr lang="ko-KR" altLang="en-US" sz="2000" b="1" dirty="0">
+                <a:effectLst>
+                  <a:outerShdw blurRad="38100" dist="38100" dir="2700000" algn="tl">
+                    <a:srgbClr val="000000">
+                      <a:alpha val="43137"/>
+                    </a:srgbClr>
+                  </a:outerShdw>
+                </a:effectLst>
+              </a:rPr>
+              <a:t>초대 확인</a:t>
+            </a:r>
+          </a:p>
+        </p:txBody>
+      </p:sp>
+      <p:sp>
+        <p:nvSpPr>
+          <p:cNvPr id="60" name="사각형: 둥근 모서리 59">
+            <a:extLst>
+              <a:ext uri="{FF2B5EF4-FFF2-40B4-BE49-F238E27FC236}">
+                <a16:creationId xmlns:a16="http://schemas.microsoft.com/office/drawing/2014/main" id="{BA859C46-CB0C-D7DC-8A85-47FF6453BFB0}"/>
+              </a:ext>
+            </a:extLst>
+          </p:cNvPr>
+          <p:cNvSpPr/>
+          <p:nvPr/>
+        </p:nvSpPr>
+        <p:spPr>
+          <a:xfrm>
+            <a:off x="8709129" y="1419166"/>
+            <a:ext cx="1466993" cy="430654"/>
+          </a:xfrm>
+          <a:prstGeom prst="roundRect">
+            <a:avLst>
+              <a:gd name="adj" fmla="val 15623"/>
+            </a:avLst>
+          </a:prstGeom>
+          <a:solidFill>
+            <a:srgbClr val="7BAA3C"/>
+          </a:solidFill>
+        </p:spPr>
+        <p:style>
+          <a:lnRef idx="2">
+            <a:schemeClr val="accent1">
+              <a:shade val="50000"/>
+            </a:schemeClr>
+          </a:lnRef>
+          <a:fillRef idx="1">
+            <a:schemeClr val="accent1"/>
+          </a:fillRef>
+          <a:effectRef idx="0">
+            <a:schemeClr val="accent1"/>
+          </a:effectRef>
+          <a:fontRef idx="minor">
+            <a:schemeClr val="lt1"/>
+          </a:fontRef>
+        </p:style>
+        <p:txBody>
+          <a:bodyPr rtlCol="0" anchor="ctr"/>
+          <a:lstStyle/>
+          <a:p>
+            <a:pPr algn="ctr"/>
+            <a:r>
+              <a:rPr lang="ko-KR" altLang="en-US" sz="2000" b="1" dirty="0">
+                <a:effectLst>
+                  <a:outerShdw blurRad="38100" dist="38100" dir="2700000" algn="tl">
+                    <a:srgbClr val="000000">
+                      <a:alpha val="43137"/>
+                    </a:srgbClr>
+                  </a:outerShdw>
+                </a:effectLst>
+              </a:rPr>
+              <a:t>목표</a:t>
+            </a:r>
+          </a:p>
+        </p:txBody>
+      </p:sp>
+      <p:sp>
+        <p:nvSpPr>
+          <p:cNvPr id="61" name="사각형: 둥근 모서리 60">
+            <a:extLst>
+              <a:ext uri="{FF2B5EF4-FFF2-40B4-BE49-F238E27FC236}">
+                <a16:creationId xmlns:a16="http://schemas.microsoft.com/office/drawing/2014/main" id="{D0B8DDCA-FDF7-E115-4DEA-5EDBBE674398}"/>
+              </a:ext>
+            </a:extLst>
+          </p:cNvPr>
+          <p:cNvSpPr/>
+          <p:nvPr/>
+        </p:nvSpPr>
+        <p:spPr>
+          <a:xfrm>
+            <a:off x="8709129" y="2054623"/>
+            <a:ext cx="1466993" cy="430654"/>
+          </a:xfrm>
+          <a:prstGeom prst="roundRect">
+            <a:avLst>
+              <a:gd name="adj" fmla="val 15623"/>
+            </a:avLst>
+          </a:prstGeom>
+          <a:solidFill>
+            <a:srgbClr val="7BAA3C"/>
+          </a:solidFill>
+        </p:spPr>
+        <p:style>
+          <a:lnRef idx="2">
+            <a:schemeClr val="accent1">
+              <a:shade val="50000"/>
+            </a:schemeClr>
+          </a:lnRef>
+          <a:fillRef idx="1">
+            <a:schemeClr val="accent1"/>
+          </a:fillRef>
+          <a:effectRef idx="0">
+            <a:schemeClr val="accent1"/>
+          </a:effectRef>
+          <a:fontRef idx="minor">
+            <a:schemeClr val="lt1"/>
+          </a:fontRef>
+        </p:style>
+        <p:txBody>
+          <a:bodyPr rtlCol="0" anchor="ctr"/>
+          <a:lstStyle/>
+          <a:p>
+            <a:pPr algn="ctr"/>
+            <a:r>
+              <a:rPr lang="ko-KR" altLang="en-US" sz="2000" b="1" dirty="0">
+                <a:effectLst>
+                  <a:outerShdw blurRad="38100" dist="38100" dir="2700000" algn="tl">
+                    <a:srgbClr val="000000">
+                      <a:alpha val="43137"/>
+                    </a:srgbClr>
+                  </a:outerShdw>
+                </a:effectLst>
+              </a:rPr>
+              <a:t>하위 목표</a:t>
+            </a:r>
+          </a:p>
+        </p:txBody>
+      </p:sp>
+      <p:sp>
+        <p:nvSpPr>
+          <p:cNvPr id="62" name="사각형: 둥근 모서리 61">
+            <a:extLst>
+              <a:ext uri="{FF2B5EF4-FFF2-40B4-BE49-F238E27FC236}">
+                <a16:creationId xmlns:a16="http://schemas.microsoft.com/office/drawing/2014/main" id="{696C2C38-AC00-2227-8BE3-691A9B6FB92C}"/>
+              </a:ext>
+            </a:extLst>
+          </p:cNvPr>
+          <p:cNvSpPr/>
+          <p:nvPr/>
+        </p:nvSpPr>
+        <p:spPr>
+          <a:xfrm>
+            <a:off x="8709128" y="2690080"/>
+            <a:ext cx="1466993" cy="430654"/>
+          </a:xfrm>
+          <a:prstGeom prst="roundRect">
+            <a:avLst>
+              <a:gd name="adj" fmla="val 15623"/>
+            </a:avLst>
+          </a:prstGeom>
+          <a:solidFill>
+            <a:srgbClr val="7BAA3C"/>
+          </a:solidFill>
+        </p:spPr>
+        <p:style>
+          <a:lnRef idx="2">
+            <a:schemeClr val="accent1">
+              <a:shade val="50000"/>
+            </a:schemeClr>
+          </a:lnRef>
+          <a:fillRef idx="1">
+            <a:schemeClr val="accent1"/>
+          </a:fillRef>
+          <a:effectRef idx="0">
+            <a:schemeClr val="accent1"/>
+          </a:effectRef>
+          <a:fontRef idx="minor">
+            <a:schemeClr val="lt1"/>
+          </a:fontRef>
+        </p:style>
+        <p:txBody>
+          <a:bodyPr rtlCol="0" anchor="ctr"/>
+          <a:lstStyle/>
+          <a:p>
+            <a:pPr algn="ctr"/>
+            <a:r>
+              <a:rPr lang="ko-KR" altLang="en-US" sz="2000" b="1" dirty="0">
+                <a:effectLst>
+                  <a:outerShdw blurRad="38100" dist="38100" dir="2700000" algn="tl">
+                    <a:srgbClr val="000000">
+                      <a:alpha val="43137"/>
+                    </a:srgbClr>
+                  </a:outerShdw>
+                </a:effectLst>
+              </a:rPr>
+              <a:t>세부 작업</a:t>
+            </a:r>
+          </a:p>
+        </p:txBody>
+      </p:sp>
+      <p:sp>
+        <p:nvSpPr>
+          <p:cNvPr id="63" name="사각형: 둥근 모서리 62">
+            <a:extLst>
+              <a:ext uri="{FF2B5EF4-FFF2-40B4-BE49-F238E27FC236}">
+                <a16:creationId xmlns:a16="http://schemas.microsoft.com/office/drawing/2014/main" id="{11907755-3D27-D688-A1CE-54B002EB0019}"/>
+              </a:ext>
+            </a:extLst>
+          </p:cNvPr>
+          <p:cNvSpPr/>
+          <p:nvPr/>
+        </p:nvSpPr>
+        <p:spPr>
+          <a:xfrm>
+            <a:off x="8709128" y="3352513"/>
+            <a:ext cx="1466993" cy="430654"/>
+          </a:xfrm>
+          <a:prstGeom prst="roundRect">
+            <a:avLst>
+              <a:gd name="adj" fmla="val 15623"/>
+            </a:avLst>
+          </a:prstGeom>
+          <a:solidFill>
+            <a:srgbClr val="7BAA3C"/>
+          </a:solidFill>
+        </p:spPr>
+        <p:style>
+          <a:lnRef idx="2">
+            <a:schemeClr val="accent1">
+              <a:shade val="50000"/>
+            </a:schemeClr>
+          </a:lnRef>
+          <a:fillRef idx="1">
+            <a:schemeClr val="accent1"/>
+          </a:fillRef>
+          <a:effectRef idx="0">
+            <a:schemeClr val="accent1"/>
+          </a:effectRef>
+          <a:fontRef idx="minor">
+            <a:schemeClr val="lt1"/>
+          </a:fontRef>
+        </p:style>
+        <p:txBody>
+          <a:bodyPr rtlCol="0" anchor="ctr"/>
+          <a:lstStyle/>
+          <a:p>
+            <a:pPr algn="ctr"/>
+            <a:r>
+              <a:rPr lang="ko-KR" altLang="en-US" sz="2000" b="1" dirty="0">
+                <a:effectLst>
+                  <a:outerShdw blurRad="38100" dist="38100" dir="2700000" algn="tl">
+                    <a:srgbClr val="000000">
+                      <a:alpha val="43137"/>
+                    </a:srgbClr>
+                  </a:outerShdw>
+                </a:effectLst>
+              </a:rPr>
+              <a:t>캘린더</a:t>
+            </a:r>
+          </a:p>
+        </p:txBody>
+      </p:sp>
+      <p:sp>
+        <p:nvSpPr>
+          <p:cNvPr id="64" name="사각형: 둥근 모서리 63">
+            <a:extLst>
+              <a:ext uri="{FF2B5EF4-FFF2-40B4-BE49-F238E27FC236}">
+                <a16:creationId xmlns:a16="http://schemas.microsoft.com/office/drawing/2014/main" id="{A01E704C-A8D4-F389-C7E9-49E614ADBDF2}"/>
+              </a:ext>
+            </a:extLst>
+          </p:cNvPr>
+          <p:cNvSpPr/>
+          <p:nvPr/>
+        </p:nvSpPr>
+        <p:spPr>
+          <a:xfrm>
+            <a:off x="8709128" y="4014945"/>
+            <a:ext cx="1466993" cy="430654"/>
+          </a:xfrm>
+          <a:prstGeom prst="roundRect">
+            <a:avLst>
+              <a:gd name="adj" fmla="val 15623"/>
+            </a:avLst>
+          </a:prstGeom>
+          <a:solidFill>
+            <a:srgbClr val="7BAA3C"/>
+          </a:solidFill>
+        </p:spPr>
+        <p:style>
+          <a:lnRef idx="2">
+            <a:schemeClr val="accent1">
+              <a:shade val="50000"/>
+            </a:schemeClr>
+          </a:lnRef>
+          <a:fillRef idx="1">
+            <a:schemeClr val="accent1"/>
+          </a:fillRef>
+          <a:effectRef idx="0">
+            <a:schemeClr val="accent1"/>
+          </a:effectRef>
+          <a:fontRef idx="minor">
+            <a:schemeClr val="lt1"/>
+          </a:fontRef>
+        </p:style>
+        <p:txBody>
+          <a:bodyPr rtlCol="0" anchor="ctr"/>
+          <a:lstStyle/>
+          <a:p>
+            <a:pPr algn="ctr"/>
+            <a:r>
+              <a:rPr lang="ko-KR" altLang="en-US" sz="2000" b="1" dirty="0">
+                <a:effectLst>
+                  <a:outerShdw blurRad="38100" dist="38100" dir="2700000" algn="tl">
+                    <a:srgbClr val="000000">
+                      <a:alpha val="43137"/>
+                    </a:srgbClr>
+                  </a:outerShdw>
+                </a:effectLst>
+              </a:rPr>
+              <a:t>멤버 초대</a:t>
+            </a:r>
+          </a:p>
+        </p:txBody>
+      </p:sp>
+      <p:sp>
+        <p:nvSpPr>
+          <p:cNvPr id="65" name="사각형: 둥근 모서리 64">
+            <a:extLst>
+              <a:ext uri="{FF2B5EF4-FFF2-40B4-BE49-F238E27FC236}">
+                <a16:creationId xmlns:a16="http://schemas.microsoft.com/office/drawing/2014/main" id="{7A4C4118-42A5-1029-6D4A-135051F5BEF2}"/>
+              </a:ext>
+            </a:extLst>
+          </p:cNvPr>
+          <p:cNvSpPr/>
+          <p:nvPr/>
+        </p:nvSpPr>
+        <p:spPr>
+          <a:xfrm>
+            <a:off x="8703872" y="4650546"/>
+            <a:ext cx="1466993" cy="430654"/>
+          </a:xfrm>
+          <a:prstGeom prst="roundRect">
+            <a:avLst>
+              <a:gd name="adj" fmla="val 15623"/>
+            </a:avLst>
+          </a:prstGeom>
+          <a:solidFill>
+            <a:srgbClr val="7BAA3C"/>
+          </a:solidFill>
+        </p:spPr>
+        <p:style>
+          <a:lnRef idx="2">
+            <a:schemeClr val="accent1">
+              <a:shade val="50000"/>
+            </a:schemeClr>
+          </a:lnRef>
+          <a:fillRef idx="1">
+            <a:schemeClr val="accent1"/>
+          </a:fillRef>
+          <a:effectRef idx="0">
+            <a:schemeClr val="accent1"/>
+          </a:effectRef>
+          <a:fontRef idx="minor">
+            <a:schemeClr val="lt1"/>
+          </a:fontRef>
+        </p:style>
+        <p:txBody>
+          <a:bodyPr rtlCol="0" anchor="ctr"/>
+          <a:lstStyle/>
+          <a:p>
+            <a:pPr algn="ctr"/>
+            <a:r>
+              <a:rPr lang="ko-KR" altLang="en-US" sz="2000" b="1" dirty="0">
+                <a:effectLst>
+                  <a:outerShdw blurRad="38100" dist="38100" dir="2700000" algn="tl">
+                    <a:srgbClr val="000000">
+                      <a:alpha val="43137"/>
+                    </a:srgbClr>
+                  </a:outerShdw>
+                </a:effectLst>
+              </a:rPr>
+              <a:t>상태 표시</a:t>
+            </a:r>
+          </a:p>
+        </p:txBody>
+      </p:sp>
+      <p:sp>
+        <p:nvSpPr>
+          <p:cNvPr id="66" name="사각형: 둥근 모서리 65">
+            <a:extLst>
+              <a:ext uri="{FF2B5EF4-FFF2-40B4-BE49-F238E27FC236}">
+                <a16:creationId xmlns:a16="http://schemas.microsoft.com/office/drawing/2014/main" id="{7DEEC610-AF0D-B78A-2FD2-E25D869D14E2}"/>
+              </a:ext>
+            </a:extLst>
+          </p:cNvPr>
+          <p:cNvSpPr/>
+          <p:nvPr/>
+        </p:nvSpPr>
+        <p:spPr>
+          <a:xfrm>
+            <a:off x="10663555" y="2690080"/>
+            <a:ext cx="1466993" cy="430654"/>
+          </a:xfrm>
+          <a:prstGeom prst="roundRect">
+            <a:avLst>
+              <a:gd name="adj" fmla="val 15623"/>
+            </a:avLst>
+          </a:prstGeom>
+          <a:solidFill>
+            <a:srgbClr val="3AAC42"/>
+          </a:solidFill>
+        </p:spPr>
+        <p:style>
+          <a:lnRef idx="2">
+            <a:schemeClr val="accent1">
+              <a:shade val="50000"/>
+            </a:schemeClr>
+          </a:lnRef>
+          <a:fillRef idx="1">
+            <a:schemeClr val="accent1"/>
+          </a:fillRef>
+          <a:effectRef idx="0">
+            <a:schemeClr val="accent1"/>
+          </a:effectRef>
+          <a:fontRef idx="minor">
+            <a:schemeClr val="lt1"/>
+          </a:fontRef>
+        </p:style>
+        <p:txBody>
+          <a:bodyPr rtlCol="0" anchor="ctr"/>
+          <a:lstStyle/>
+          <a:p>
+            <a:pPr algn="ctr"/>
+            <a:r>
+              <a:rPr lang="ko-KR" altLang="en-US" b="1" dirty="0">
+                <a:effectLst>
+                  <a:outerShdw blurRad="38100" dist="38100" dir="2700000" algn="tl">
+                    <a:srgbClr val="000000">
+                      <a:alpha val="43137"/>
+                    </a:srgbClr>
+                  </a:outerShdw>
+                </a:effectLst>
+              </a:rPr>
+              <a:t>댓글</a:t>
+            </a:r>
+          </a:p>
+        </p:txBody>
+      </p:sp>
+      <p:cxnSp>
+        <p:nvCxnSpPr>
+          <p:cNvPr id="67" name="직선 연결선 66">
+            <a:extLst>
+              <a:ext uri="{FF2B5EF4-FFF2-40B4-BE49-F238E27FC236}">
+                <a16:creationId xmlns:a16="http://schemas.microsoft.com/office/drawing/2014/main" id="{86068A42-F644-616C-D3C0-B3226979DD25}"/>
+              </a:ext>
+            </a:extLst>
+          </p:cNvPr>
+          <p:cNvCxnSpPr>
+            <a:cxnSpLocks/>
+          </p:cNvCxnSpPr>
+          <p:nvPr/>
+        </p:nvCxnSpPr>
+        <p:spPr>
+          <a:xfrm>
+            <a:off x="2333297" y="1192644"/>
+            <a:ext cx="493" cy="1682715"/>
+          </a:xfrm>
+          <a:prstGeom prst="line">
+            <a:avLst/>
+          </a:prstGeom>
+          <a:ln w="38100">
+            <a:solidFill>
+              <a:schemeClr val="accent1">
+                <a:lumMod val="50000"/>
+              </a:schemeClr>
+            </a:solidFill>
+          </a:ln>
+        </p:spPr>
+        <p:style>
+          <a:lnRef idx="1">
+            <a:schemeClr val="accent1"/>
+          </a:lnRef>
+          <a:fillRef idx="0">
+            <a:schemeClr val="accent1"/>
+          </a:fillRef>
+          <a:effectRef idx="0">
+            <a:schemeClr val="accent1"/>
+          </a:effectRef>
+          <a:fontRef idx="minor">
+            <a:schemeClr val="tx1"/>
+          </a:fontRef>
+        </p:style>
+      </p:cxnSp>
+      <p:cxnSp>
+        <p:nvCxnSpPr>
+          <p:cNvPr id="68" name="직선 연결선 67">
+            <a:extLst>
+              <a:ext uri="{FF2B5EF4-FFF2-40B4-BE49-F238E27FC236}">
+                <a16:creationId xmlns:a16="http://schemas.microsoft.com/office/drawing/2014/main" id="{91095343-11FB-EBF1-5DE0-D6AA0235CBEC}"/>
+              </a:ext>
+            </a:extLst>
+          </p:cNvPr>
+          <p:cNvCxnSpPr>
+            <a:cxnSpLocks/>
+            <a:stCxn id="54" idx="1"/>
+          </p:cNvCxnSpPr>
+          <p:nvPr/>
+        </p:nvCxnSpPr>
+        <p:spPr>
+          <a:xfrm flipH="1">
+            <a:off x="2318025" y="1634494"/>
+            <a:ext cx="492692" cy="0"/>
+          </a:xfrm>
+          <a:prstGeom prst="line">
+            <a:avLst/>
+          </a:prstGeom>
+          <a:ln w="38100">
+            <a:solidFill>
+              <a:schemeClr val="accent1">
+                <a:lumMod val="50000"/>
+              </a:schemeClr>
+            </a:solidFill>
+          </a:ln>
+        </p:spPr>
+        <p:style>
+          <a:lnRef idx="1">
+            <a:schemeClr val="accent1"/>
+          </a:lnRef>
+          <a:fillRef idx="0">
+            <a:schemeClr val="accent1"/>
+          </a:fillRef>
+          <a:effectRef idx="0">
+            <a:schemeClr val="accent1"/>
+          </a:effectRef>
+          <a:fontRef idx="minor">
+            <a:schemeClr val="tx1"/>
+          </a:fontRef>
+        </p:style>
+      </p:cxnSp>
+      <p:cxnSp>
+        <p:nvCxnSpPr>
+          <p:cNvPr id="69" name="직선 연결선 68">
+            <a:extLst>
+              <a:ext uri="{FF2B5EF4-FFF2-40B4-BE49-F238E27FC236}">
+                <a16:creationId xmlns:a16="http://schemas.microsoft.com/office/drawing/2014/main" id="{C9C1C5EB-82BA-31CE-277C-55846A241835}"/>
+              </a:ext>
+            </a:extLst>
+          </p:cNvPr>
+          <p:cNvCxnSpPr>
+            <a:cxnSpLocks/>
+          </p:cNvCxnSpPr>
+          <p:nvPr/>
+        </p:nvCxnSpPr>
+        <p:spPr>
+          <a:xfrm flipH="1">
+            <a:off x="2316627" y="2238839"/>
+            <a:ext cx="492692" cy="0"/>
+          </a:xfrm>
+          <a:prstGeom prst="line">
+            <a:avLst/>
+          </a:prstGeom>
+          <a:ln w="38100">
+            <a:solidFill>
+              <a:schemeClr val="accent1">
+                <a:lumMod val="50000"/>
+              </a:schemeClr>
+            </a:solidFill>
+          </a:ln>
+        </p:spPr>
+        <p:style>
+          <a:lnRef idx="1">
+            <a:schemeClr val="accent1"/>
+          </a:lnRef>
+          <a:fillRef idx="0">
+            <a:schemeClr val="accent1"/>
+          </a:fillRef>
+          <a:effectRef idx="0">
+            <a:schemeClr val="accent1"/>
+          </a:effectRef>
+          <a:fontRef idx="minor">
+            <a:schemeClr val="tx1"/>
+          </a:fontRef>
+        </p:style>
+      </p:cxnSp>
+      <p:cxnSp>
+        <p:nvCxnSpPr>
+          <p:cNvPr id="70" name="직선 연결선 69">
+            <a:extLst>
+              <a:ext uri="{FF2B5EF4-FFF2-40B4-BE49-F238E27FC236}">
+                <a16:creationId xmlns:a16="http://schemas.microsoft.com/office/drawing/2014/main" id="{57217C60-4BCB-BA37-0A60-3C5457E12CB9}"/>
+              </a:ext>
+            </a:extLst>
+          </p:cNvPr>
+          <p:cNvCxnSpPr>
+            <a:cxnSpLocks/>
+          </p:cNvCxnSpPr>
+          <p:nvPr/>
+        </p:nvCxnSpPr>
+        <p:spPr>
+          <a:xfrm flipH="1">
+            <a:off x="2333790" y="2862726"/>
+            <a:ext cx="492692" cy="0"/>
+          </a:xfrm>
+          <a:prstGeom prst="line">
+            <a:avLst/>
+          </a:prstGeom>
+          <a:ln w="38100">
+            <a:solidFill>
+              <a:schemeClr val="accent1">
+                <a:lumMod val="50000"/>
+              </a:schemeClr>
+            </a:solidFill>
+          </a:ln>
+        </p:spPr>
+        <p:style>
+          <a:lnRef idx="1">
+            <a:schemeClr val="accent1"/>
+          </a:lnRef>
+          <a:fillRef idx="0">
+            <a:schemeClr val="accent1"/>
+          </a:fillRef>
+          <a:effectRef idx="0">
+            <a:schemeClr val="accent1"/>
+          </a:effectRef>
+          <a:fontRef idx="minor">
+            <a:schemeClr val="tx1"/>
+          </a:fontRef>
+        </p:style>
+      </p:cxnSp>
+      <p:cxnSp>
+        <p:nvCxnSpPr>
+          <p:cNvPr id="71" name="직선 연결선 70">
+            <a:extLst>
+              <a:ext uri="{FF2B5EF4-FFF2-40B4-BE49-F238E27FC236}">
+                <a16:creationId xmlns:a16="http://schemas.microsoft.com/office/drawing/2014/main" id="{F8C3B0F9-CDB3-D91D-A9A3-FAE5E67E189A}"/>
+              </a:ext>
+            </a:extLst>
+          </p:cNvPr>
+          <p:cNvCxnSpPr>
+            <a:cxnSpLocks/>
+          </p:cNvCxnSpPr>
+          <p:nvPr/>
+        </p:nvCxnSpPr>
+        <p:spPr>
+          <a:xfrm>
+            <a:off x="5026972" y="1213266"/>
+            <a:ext cx="493" cy="1682715"/>
+          </a:xfrm>
+          <a:prstGeom prst="line">
+            <a:avLst/>
+          </a:prstGeom>
+          <a:ln w="38100">
+            <a:solidFill>
+              <a:schemeClr val="accent1">
+                <a:lumMod val="50000"/>
+              </a:schemeClr>
+            </a:solidFill>
+          </a:ln>
+        </p:spPr>
+        <p:style>
+          <a:lnRef idx="1">
+            <a:schemeClr val="accent1"/>
+          </a:lnRef>
+          <a:fillRef idx="0">
+            <a:schemeClr val="accent1"/>
+          </a:fillRef>
+          <a:effectRef idx="0">
+            <a:schemeClr val="accent1"/>
+          </a:effectRef>
+          <a:fontRef idx="minor">
+            <a:schemeClr val="tx1"/>
+          </a:fontRef>
+        </p:style>
+      </p:cxnSp>
+      <p:cxnSp>
+        <p:nvCxnSpPr>
+          <p:cNvPr id="72" name="직선 연결선 71">
+            <a:extLst>
+              <a:ext uri="{FF2B5EF4-FFF2-40B4-BE49-F238E27FC236}">
+                <a16:creationId xmlns:a16="http://schemas.microsoft.com/office/drawing/2014/main" id="{3EF0E5D0-DE5F-F838-19A0-18D17EDC0D21}"/>
+              </a:ext>
+            </a:extLst>
+          </p:cNvPr>
+          <p:cNvCxnSpPr>
+            <a:cxnSpLocks/>
+          </p:cNvCxnSpPr>
+          <p:nvPr/>
+        </p:nvCxnSpPr>
+        <p:spPr>
+          <a:xfrm flipH="1">
+            <a:off x="5011700" y="1655116"/>
+            <a:ext cx="492692" cy="0"/>
+          </a:xfrm>
+          <a:prstGeom prst="line">
+            <a:avLst/>
+          </a:prstGeom>
+          <a:ln w="38100">
+            <a:solidFill>
+              <a:schemeClr val="accent1">
+                <a:lumMod val="50000"/>
+              </a:schemeClr>
+            </a:solidFill>
+          </a:ln>
+        </p:spPr>
+        <p:style>
+          <a:lnRef idx="1">
+            <a:schemeClr val="accent1"/>
+          </a:lnRef>
+          <a:fillRef idx="0">
+            <a:schemeClr val="accent1"/>
+          </a:fillRef>
+          <a:effectRef idx="0">
+            <a:schemeClr val="accent1"/>
+          </a:effectRef>
+          <a:fontRef idx="minor">
+            <a:schemeClr val="tx1"/>
+          </a:fontRef>
+        </p:style>
+      </p:cxnSp>
+      <p:cxnSp>
+        <p:nvCxnSpPr>
+          <p:cNvPr id="73" name="직선 연결선 72">
+            <a:extLst>
+              <a:ext uri="{FF2B5EF4-FFF2-40B4-BE49-F238E27FC236}">
+                <a16:creationId xmlns:a16="http://schemas.microsoft.com/office/drawing/2014/main" id="{6313B5C3-2461-88BD-F8B3-D73337190044}"/>
+              </a:ext>
+            </a:extLst>
+          </p:cNvPr>
+          <p:cNvCxnSpPr>
+            <a:cxnSpLocks/>
+          </p:cNvCxnSpPr>
+          <p:nvPr/>
+        </p:nvCxnSpPr>
+        <p:spPr>
+          <a:xfrm flipH="1">
+            <a:off x="5010302" y="2259461"/>
+            <a:ext cx="492692" cy="0"/>
+          </a:xfrm>
+          <a:prstGeom prst="line">
+            <a:avLst/>
+          </a:prstGeom>
+          <a:ln w="38100">
+            <a:solidFill>
+              <a:schemeClr val="accent1">
+                <a:lumMod val="50000"/>
+              </a:schemeClr>
+            </a:solidFill>
+          </a:ln>
+        </p:spPr>
+        <p:style>
+          <a:lnRef idx="1">
+            <a:schemeClr val="accent1"/>
+          </a:lnRef>
+          <a:fillRef idx="0">
+            <a:schemeClr val="accent1"/>
+          </a:fillRef>
+          <a:effectRef idx="0">
+            <a:schemeClr val="accent1"/>
+          </a:effectRef>
+          <a:fontRef idx="minor">
+            <a:schemeClr val="tx1"/>
+          </a:fontRef>
+        </p:style>
+      </p:cxnSp>
+      <p:cxnSp>
+        <p:nvCxnSpPr>
+          <p:cNvPr id="74" name="직선 연결선 73">
+            <a:extLst>
+              <a:ext uri="{FF2B5EF4-FFF2-40B4-BE49-F238E27FC236}">
+                <a16:creationId xmlns:a16="http://schemas.microsoft.com/office/drawing/2014/main" id="{EFCE4BA6-0849-D502-A8B7-0515974F16E5}"/>
+              </a:ext>
+            </a:extLst>
+          </p:cNvPr>
+          <p:cNvCxnSpPr>
+            <a:cxnSpLocks/>
+          </p:cNvCxnSpPr>
+          <p:nvPr/>
+        </p:nvCxnSpPr>
+        <p:spPr>
+          <a:xfrm flipH="1">
+            <a:off x="5027465" y="2883348"/>
+            <a:ext cx="492692" cy="0"/>
+          </a:xfrm>
+          <a:prstGeom prst="line">
+            <a:avLst/>
+          </a:prstGeom>
+          <a:ln w="38100">
+            <a:solidFill>
+              <a:schemeClr val="accent1">
+                <a:lumMod val="50000"/>
+              </a:schemeClr>
+            </a:solidFill>
+          </a:ln>
+        </p:spPr>
+        <p:style>
+          <a:lnRef idx="1">
+            <a:schemeClr val="accent1"/>
+          </a:lnRef>
+          <a:fillRef idx="0">
+            <a:schemeClr val="accent1"/>
+          </a:fillRef>
+          <a:effectRef idx="0">
+            <a:schemeClr val="accent1"/>
+          </a:effectRef>
+          <a:fontRef idx="minor">
+            <a:schemeClr val="tx1"/>
+          </a:fontRef>
+        </p:style>
+      </p:cxnSp>
+      <p:cxnSp>
+        <p:nvCxnSpPr>
+          <p:cNvPr id="75" name="직선 연결선 74">
+            <a:extLst>
+              <a:ext uri="{FF2B5EF4-FFF2-40B4-BE49-F238E27FC236}">
+                <a16:creationId xmlns:a16="http://schemas.microsoft.com/office/drawing/2014/main" id="{A4FF6685-AAA1-4051-F704-BE9ACB833611}"/>
+              </a:ext>
+            </a:extLst>
+          </p:cNvPr>
+          <p:cNvCxnSpPr>
+            <a:cxnSpLocks/>
+          </p:cNvCxnSpPr>
+          <p:nvPr/>
+        </p:nvCxnSpPr>
+        <p:spPr>
+          <a:xfrm flipH="1">
+            <a:off x="8174285" y="1192643"/>
+            <a:ext cx="15066" cy="3710350"/>
+          </a:xfrm>
+          <a:prstGeom prst="line">
+            <a:avLst/>
+          </a:prstGeom>
+          <a:ln w="38100">
+            <a:solidFill>
+              <a:schemeClr val="accent1">
+                <a:lumMod val="50000"/>
+              </a:schemeClr>
+            </a:solidFill>
+          </a:ln>
+        </p:spPr>
+        <p:style>
+          <a:lnRef idx="1">
+            <a:schemeClr val="accent1"/>
+          </a:lnRef>
+          <a:fillRef idx="0">
+            <a:schemeClr val="accent1"/>
+          </a:fillRef>
+          <a:effectRef idx="0">
+            <a:schemeClr val="accent1"/>
+          </a:effectRef>
+          <a:fontRef idx="minor">
+            <a:schemeClr val="tx1"/>
+          </a:fontRef>
+        </p:style>
+      </p:cxnSp>
+      <p:cxnSp>
+        <p:nvCxnSpPr>
+          <p:cNvPr id="76" name="직선 연결선 75">
+            <a:extLst>
+              <a:ext uri="{FF2B5EF4-FFF2-40B4-BE49-F238E27FC236}">
+                <a16:creationId xmlns:a16="http://schemas.microsoft.com/office/drawing/2014/main" id="{3271A351-DB69-9CF3-1FBF-A136B7F58364}"/>
+              </a:ext>
+            </a:extLst>
+          </p:cNvPr>
+          <p:cNvCxnSpPr>
+            <a:cxnSpLocks/>
+            <a:stCxn id="60" idx="1"/>
+          </p:cNvCxnSpPr>
+          <p:nvPr/>
+        </p:nvCxnSpPr>
+        <p:spPr>
+          <a:xfrm flipH="1">
+            <a:off x="8178842" y="1634493"/>
+            <a:ext cx="530287" cy="0"/>
+          </a:xfrm>
+          <a:prstGeom prst="line">
+            <a:avLst/>
+          </a:prstGeom>
+          <a:ln w="38100">
+            <a:solidFill>
+              <a:schemeClr val="accent1">
+                <a:lumMod val="50000"/>
+              </a:schemeClr>
+            </a:solidFill>
+          </a:ln>
+        </p:spPr>
+        <p:style>
+          <a:lnRef idx="1">
+            <a:schemeClr val="accent1"/>
+          </a:lnRef>
+          <a:fillRef idx="0">
+            <a:schemeClr val="accent1"/>
+          </a:fillRef>
+          <a:effectRef idx="0">
+            <a:schemeClr val="accent1"/>
+          </a:effectRef>
+          <a:fontRef idx="minor">
+            <a:schemeClr val="tx1"/>
+          </a:fontRef>
+        </p:style>
+      </p:cxnSp>
+      <p:cxnSp>
+        <p:nvCxnSpPr>
+          <p:cNvPr id="77" name="직선 연결선 76">
+            <a:extLst>
+              <a:ext uri="{FF2B5EF4-FFF2-40B4-BE49-F238E27FC236}">
+                <a16:creationId xmlns:a16="http://schemas.microsoft.com/office/drawing/2014/main" id="{CCC46968-3BF7-BAFA-B5F8-7DDA32905B83}"/>
+              </a:ext>
+            </a:extLst>
+          </p:cNvPr>
+          <p:cNvCxnSpPr>
+            <a:cxnSpLocks/>
+            <a:stCxn id="61" idx="1"/>
+          </p:cNvCxnSpPr>
+          <p:nvPr/>
+        </p:nvCxnSpPr>
+        <p:spPr>
+          <a:xfrm flipH="1">
+            <a:off x="8178842" y="2269950"/>
+            <a:ext cx="530287" cy="82"/>
+          </a:xfrm>
+          <a:prstGeom prst="line">
+            <a:avLst/>
+          </a:prstGeom>
+          <a:ln w="38100">
+            <a:solidFill>
+              <a:schemeClr val="accent1">
+                <a:lumMod val="50000"/>
+              </a:schemeClr>
+            </a:solidFill>
+          </a:ln>
+        </p:spPr>
+        <p:style>
+          <a:lnRef idx="1">
+            <a:schemeClr val="accent1"/>
+          </a:lnRef>
+          <a:fillRef idx="0">
+            <a:schemeClr val="accent1"/>
+          </a:fillRef>
+          <a:effectRef idx="0">
+            <a:schemeClr val="accent1"/>
+          </a:effectRef>
+          <a:fontRef idx="minor">
+            <a:schemeClr val="tx1"/>
+          </a:fontRef>
+        </p:style>
+      </p:cxnSp>
+      <p:cxnSp>
+        <p:nvCxnSpPr>
+          <p:cNvPr id="78" name="직선 연결선 77">
+            <a:extLst>
+              <a:ext uri="{FF2B5EF4-FFF2-40B4-BE49-F238E27FC236}">
+                <a16:creationId xmlns:a16="http://schemas.microsoft.com/office/drawing/2014/main" id="{0ED82EFA-5C05-E089-8D12-1C6F532637A0}"/>
+              </a:ext>
+            </a:extLst>
+          </p:cNvPr>
+          <p:cNvCxnSpPr>
+            <a:cxnSpLocks/>
+            <a:stCxn id="62" idx="1"/>
+          </p:cNvCxnSpPr>
+          <p:nvPr/>
+        </p:nvCxnSpPr>
+        <p:spPr>
+          <a:xfrm flipH="1">
+            <a:off x="8189351" y="2905407"/>
+            <a:ext cx="519777" cy="561"/>
+          </a:xfrm>
+          <a:prstGeom prst="line">
+            <a:avLst/>
+          </a:prstGeom>
+          <a:ln w="38100">
+            <a:solidFill>
+              <a:schemeClr val="accent1">
+                <a:lumMod val="50000"/>
+              </a:schemeClr>
+            </a:solidFill>
+          </a:ln>
+        </p:spPr>
+        <p:style>
+          <a:lnRef idx="1">
+            <a:schemeClr val="accent1"/>
+          </a:lnRef>
+          <a:fillRef idx="0">
+            <a:schemeClr val="accent1"/>
+          </a:fillRef>
+          <a:effectRef idx="0">
+            <a:schemeClr val="accent1"/>
+          </a:effectRef>
+          <a:fontRef idx="minor">
+            <a:schemeClr val="tx1"/>
+          </a:fontRef>
+        </p:style>
+      </p:cxnSp>
+      <p:cxnSp>
+        <p:nvCxnSpPr>
+          <p:cNvPr id="79" name="직선 연결선 78">
+            <a:extLst>
+              <a:ext uri="{FF2B5EF4-FFF2-40B4-BE49-F238E27FC236}">
+                <a16:creationId xmlns:a16="http://schemas.microsoft.com/office/drawing/2014/main" id="{287C581C-34EB-8B0B-DC93-F2524A7623B8}"/>
+              </a:ext>
+            </a:extLst>
+          </p:cNvPr>
+          <p:cNvCxnSpPr>
+            <a:cxnSpLocks/>
+          </p:cNvCxnSpPr>
+          <p:nvPr/>
+        </p:nvCxnSpPr>
+        <p:spPr>
+          <a:xfrm flipH="1">
+            <a:off x="8184096" y="3567279"/>
+            <a:ext cx="519777" cy="561"/>
+          </a:xfrm>
+          <a:prstGeom prst="line">
+            <a:avLst/>
+          </a:prstGeom>
+          <a:ln w="38100">
+            <a:solidFill>
+              <a:schemeClr val="accent1">
+                <a:lumMod val="50000"/>
+              </a:schemeClr>
+            </a:solidFill>
+          </a:ln>
+        </p:spPr>
+        <p:style>
+          <a:lnRef idx="1">
+            <a:schemeClr val="accent1"/>
+          </a:lnRef>
+          <a:fillRef idx="0">
+            <a:schemeClr val="accent1"/>
+          </a:fillRef>
+          <a:effectRef idx="0">
+            <a:schemeClr val="accent1"/>
+          </a:effectRef>
+          <a:fontRef idx="minor">
+            <a:schemeClr val="tx1"/>
+          </a:fontRef>
+        </p:style>
+      </p:cxnSp>
+      <p:cxnSp>
+        <p:nvCxnSpPr>
+          <p:cNvPr id="80" name="직선 연결선 79">
+            <a:extLst>
+              <a:ext uri="{FF2B5EF4-FFF2-40B4-BE49-F238E27FC236}">
+                <a16:creationId xmlns:a16="http://schemas.microsoft.com/office/drawing/2014/main" id="{028E390F-9407-E6FC-546D-9648789BF88F}"/>
+              </a:ext>
+            </a:extLst>
+          </p:cNvPr>
+          <p:cNvCxnSpPr>
+            <a:cxnSpLocks/>
+          </p:cNvCxnSpPr>
+          <p:nvPr/>
+        </p:nvCxnSpPr>
+        <p:spPr>
+          <a:xfrm flipH="1">
+            <a:off x="8186724" y="4228590"/>
+            <a:ext cx="519777" cy="561"/>
+          </a:xfrm>
+          <a:prstGeom prst="line">
+            <a:avLst/>
+          </a:prstGeom>
+          <a:ln w="38100">
+            <a:solidFill>
+              <a:schemeClr val="accent1">
+                <a:lumMod val="50000"/>
+              </a:schemeClr>
+            </a:solidFill>
+          </a:ln>
+        </p:spPr>
+        <p:style>
+          <a:lnRef idx="1">
+            <a:schemeClr val="accent1"/>
+          </a:lnRef>
+          <a:fillRef idx="0">
+            <a:schemeClr val="accent1"/>
+          </a:fillRef>
+          <a:effectRef idx="0">
+            <a:schemeClr val="accent1"/>
+          </a:effectRef>
+          <a:fontRef idx="minor">
+            <a:schemeClr val="tx1"/>
+          </a:fontRef>
+        </p:style>
+      </p:cxnSp>
+      <p:cxnSp>
+        <p:nvCxnSpPr>
+          <p:cNvPr id="81" name="직선 연결선 80">
+            <a:extLst>
+              <a:ext uri="{FF2B5EF4-FFF2-40B4-BE49-F238E27FC236}">
+                <a16:creationId xmlns:a16="http://schemas.microsoft.com/office/drawing/2014/main" id="{BC6917AF-B6FD-92C1-82E4-ACA88687F428}"/>
+              </a:ext>
+            </a:extLst>
+          </p:cNvPr>
+          <p:cNvCxnSpPr>
+            <a:cxnSpLocks/>
+          </p:cNvCxnSpPr>
+          <p:nvPr/>
+        </p:nvCxnSpPr>
+        <p:spPr>
+          <a:xfrm flipH="1">
+            <a:off x="8186724" y="4885824"/>
+            <a:ext cx="519777" cy="561"/>
+          </a:xfrm>
+          <a:prstGeom prst="line">
+            <a:avLst/>
+          </a:prstGeom>
+          <a:ln w="38100">
+            <a:solidFill>
+              <a:schemeClr val="accent1">
+                <a:lumMod val="50000"/>
+              </a:schemeClr>
+            </a:solidFill>
+          </a:ln>
+        </p:spPr>
+        <p:style>
+          <a:lnRef idx="1">
+            <a:schemeClr val="accent1"/>
+          </a:lnRef>
+          <a:fillRef idx="0">
+            <a:schemeClr val="accent1"/>
+          </a:fillRef>
+          <a:effectRef idx="0">
+            <a:schemeClr val="accent1"/>
+          </a:effectRef>
+          <a:fontRef idx="minor">
+            <a:schemeClr val="tx1"/>
+          </a:fontRef>
+        </p:style>
+      </p:cxnSp>
+      <p:cxnSp>
+        <p:nvCxnSpPr>
+          <p:cNvPr id="82" name="직선 연결선 81">
+            <a:extLst>
+              <a:ext uri="{FF2B5EF4-FFF2-40B4-BE49-F238E27FC236}">
+                <a16:creationId xmlns:a16="http://schemas.microsoft.com/office/drawing/2014/main" id="{27B63F75-D39F-4E1E-6674-CDD3633105D2}"/>
+              </a:ext>
+            </a:extLst>
+          </p:cNvPr>
+          <p:cNvCxnSpPr>
+            <a:cxnSpLocks/>
+            <a:stCxn id="66" idx="1"/>
+            <a:endCxn id="62" idx="3"/>
+          </p:cNvCxnSpPr>
+          <p:nvPr/>
+        </p:nvCxnSpPr>
+        <p:spPr>
+          <a:xfrm flipH="1">
+            <a:off x="10176121" y="2905407"/>
+            <a:ext cx="487434" cy="0"/>
+          </a:xfrm>
+          <a:prstGeom prst="line">
+            <a:avLst/>
+          </a:prstGeom>
+          <a:ln w="38100">
+            <a:solidFill>
+              <a:schemeClr val="accent1">
+                <a:lumMod val="50000"/>
+              </a:schemeClr>
+            </a:solidFill>
+          </a:ln>
+        </p:spPr>
+        <p:style>
+          <a:lnRef idx="1">
+            <a:schemeClr val="accent1"/>
+          </a:lnRef>
+          <a:fillRef idx="0">
+            <a:schemeClr val="accent1"/>
+          </a:fillRef>
+          <a:effectRef idx="0">
+            <a:schemeClr val="accent1"/>
+          </a:effectRef>
+          <a:fontRef idx="minor">
+            <a:schemeClr val="tx1"/>
+          </a:fontRef>
+        </p:style>
+      </p:cxnSp>
+      <p:sp>
+        <p:nvSpPr>
+          <p:cNvPr id="83" name="사각형: 둥근 모서리 82">
+            <a:extLst>
+              <a:ext uri="{FF2B5EF4-FFF2-40B4-BE49-F238E27FC236}">
+                <a16:creationId xmlns:a16="http://schemas.microsoft.com/office/drawing/2014/main" id="{6D44B548-BE25-9C4B-3785-A83667AA9436}"/>
+              </a:ext>
+            </a:extLst>
+          </p:cNvPr>
+          <p:cNvSpPr/>
+          <p:nvPr/>
+        </p:nvSpPr>
+        <p:spPr>
+          <a:xfrm>
+            <a:off x="5045022" y="4472339"/>
+            <a:ext cx="1466993" cy="430654"/>
+          </a:xfrm>
+          <a:prstGeom prst="roundRect">
+            <a:avLst>
+              <a:gd name="adj" fmla="val 15623"/>
+            </a:avLst>
+          </a:prstGeom>
+          <a:solidFill>
+            <a:srgbClr val="7BAA3C"/>
+          </a:solidFill>
+        </p:spPr>
+        <p:style>
+          <a:lnRef idx="2">
+            <a:schemeClr val="accent1">
+              <a:shade val="50000"/>
+            </a:schemeClr>
+          </a:lnRef>
+          <a:fillRef idx="1">
+            <a:schemeClr val="accent1"/>
+          </a:fillRef>
+          <a:effectRef idx="0">
+            <a:schemeClr val="accent1"/>
+          </a:effectRef>
+          <a:fontRef idx="minor">
+            <a:schemeClr val="lt1"/>
+          </a:fontRef>
+        </p:style>
+        <p:txBody>
+          <a:bodyPr rtlCol="0" anchor="ctr"/>
+          <a:lstStyle/>
+          <a:p>
+            <a:pPr algn="ctr"/>
+            <a:r>
+              <a:rPr lang="en-US" altLang="ko-KR" b="1" dirty="0" err="1">
+                <a:effectLst>
+                  <a:outerShdw blurRad="38100" dist="38100" dir="2700000" algn="tl">
+                    <a:srgbClr val="000000">
+                      <a:alpha val="43137"/>
+                    </a:srgbClr>
+                  </a:outerShdw>
+                </a:effectLst>
+              </a:rPr>
+              <a:t>Hitory</a:t>
+            </a:r>
+            <a:endParaRPr lang="ko-KR" altLang="en-US" b="1" dirty="0">
+              <a:effectLst>
+                <a:outerShdw blurRad="38100" dist="38100" dir="2700000" algn="tl">
+                  <a:srgbClr val="000000">
+                    <a:alpha val="43137"/>
+                  </a:srgbClr>
+                </a:outerShdw>
+              </a:effectLst>
+            </a:endParaRPr>
+          </a:p>
+        </p:txBody>
+      </p:sp>
+      <p:sp>
+        <p:nvSpPr>
+          <p:cNvPr id="84" name="사각형: 둥근 모서리 83">
+            <a:extLst>
+              <a:ext uri="{FF2B5EF4-FFF2-40B4-BE49-F238E27FC236}">
+                <a16:creationId xmlns:a16="http://schemas.microsoft.com/office/drawing/2014/main" id="{C0025831-D734-64D4-D86C-1775BEEBCC07}"/>
+              </a:ext>
+            </a:extLst>
+          </p:cNvPr>
+          <p:cNvSpPr/>
+          <p:nvPr/>
+        </p:nvSpPr>
+        <p:spPr>
+          <a:xfrm>
+            <a:off x="2810716" y="4483146"/>
+            <a:ext cx="1466993" cy="430654"/>
+          </a:xfrm>
+          <a:prstGeom prst="roundRect">
+            <a:avLst>
+              <a:gd name="adj" fmla="val 15623"/>
+            </a:avLst>
+          </a:prstGeom>
+          <a:solidFill>
+            <a:srgbClr val="7BAA3C"/>
+          </a:solidFill>
+        </p:spPr>
+        <p:style>
+          <a:lnRef idx="2">
+            <a:schemeClr val="accent1">
+              <a:shade val="50000"/>
+            </a:schemeClr>
+          </a:lnRef>
+          <a:fillRef idx="1">
+            <a:schemeClr val="accent1"/>
+          </a:fillRef>
+          <a:effectRef idx="0">
+            <a:schemeClr val="accent1"/>
+          </a:effectRef>
+          <a:fontRef idx="minor">
+            <a:schemeClr val="lt1"/>
+          </a:fontRef>
+        </p:style>
+        <p:txBody>
+          <a:bodyPr rtlCol="0" anchor="ctr"/>
+          <a:lstStyle/>
+          <a:p>
+            <a:pPr algn="ctr"/>
+            <a:r>
+              <a:rPr lang="ko-KR" altLang="en-US" sz="2000" b="1" dirty="0">
+                <a:effectLst>
+                  <a:outerShdw blurRad="38100" dist="38100" dir="2700000" algn="tl">
+                    <a:srgbClr val="000000">
+                      <a:alpha val="43137"/>
+                    </a:srgbClr>
+                  </a:outerShdw>
+                </a:effectLst>
+              </a:rPr>
+              <a:t>편집</a:t>
+            </a:r>
+          </a:p>
+        </p:txBody>
+      </p:sp>
+      <p:sp>
+        <p:nvSpPr>
+          <p:cNvPr id="85" name="사각형: 둥근 모서리 84">
+            <a:extLst>
+              <a:ext uri="{FF2B5EF4-FFF2-40B4-BE49-F238E27FC236}">
+                <a16:creationId xmlns:a16="http://schemas.microsoft.com/office/drawing/2014/main" id="{1C5683FC-69A7-9A79-685E-759D3C84B0AC}"/>
+              </a:ext>
+            </a:extLst>
+          </p:cNvPr>
+          <p:cNvSpPr/>
+          <p:nvPr/>
+        </p:nvSpPr>
+        <p:spPr>
+          <a:xfrm>
+            <a:off x="5045021" y="5017036"/>
+            <a:ext cx="1466993" cy="430654"/>
+          </a:xfrm>
+          <a:prstGeom prst="roundRect">
+            <a:avLst>
+              <a:gd name="adj" fmla="val 15623"/>
+            </a:avLst>
+          </a:prstGeom>
+          <a:solidFill>
+            <a:srgbClr val="7BAA3C"/>
+          </a:solidFill>
+        </p:spPr>
+        <p:style>
+          <a:lnRef idx="2">
+            <a:schemeClr val="accent1">
+              <a:shade val="50000"/>
+            </a:schemeClr>
+          </a:lnRef>
+          <a:fillRef idx="1">
+            <a:schemeClr val="accent1"/>
+          </a:fillRef>
+          <a:effectRef idx="0">
+            <a:schemeClr val="accent1"/>
+          </a:effectRef>
+          <a:fontRef idx="minor">
+            <a:schemeClr val="lt1"/>
+          </a:fontRef>
+        </p:style>
+        <p:txBody>
+          <a:bodyPr rtlCol="0" anchor="ctr"/>
+          <a:lstStyle/>
+          <a:p>
+            <a:pPr algn="ctr"/>
+            <a:r>
+              <a:rPr lang="ko-KR" altLang="en-US" b="1" dirty="0">
+                <a:effectLst>
+                  <a:outerShdw blurRad="38100" dist="38100" dir="2700000" algn="tl">
+                    <a:srgbClr val="000000">
+                      <a:alpha val="43137"/>
+                    </a:srgbClr>
+                  </a:outerShdw>
+                </a:effectLst>
+              </a:rPr>
+              <a:t>이미지</a:t>
+            </a:r>
+          </a:p>
+        </p:txBody>
+      </p:sp>
+      <p:sp>
+        <p:nvSpPr>
+          <p:cNvPr id="86" name="사각형: 둥근 모서리 85">
+            <a:extLst>
+              <a:ext uri="{FF2B5EF4-FFF2-40B4-BE49-F238E27FC236}">
+                <a16:creationId xmlns:a16="http://schemas.microsoft.com/office/drawing/2014/main" id="{B7CE4157-8A30-0574-1CF7-8A195488CA0E}"/>
+              </a:ext>
+            </a:extLst>
+          </p:cNvPr>
+          <p:cNvSpPr/>
+          <p:nvPr/>
+        </p:nvSpPr>
+        <p:spPr>
+          <a:xfrm>
+            <a:off x="2809319" y="5537687"/>
+            <a:ext cx="1466993" cy="430654"/>
+          </a:xfrm>
+          <a:prstGeom prst="roundRect">
+            <a:avLst>
+              <a:gd name="adj" fmla="val 15623"/>
+            </a:avLst>
+          </a:prstGeom>
+          <a:solidFill>
+            <a:srgbClr val="7BAA3C"/>
+          </a:solidFill>
+        </p:spPr>
+        <p:style>
+          <a:lnRef idx="2">
+            <a:schemeClr val="accent1">
+              <a:shade val="50000"/>
+            </a:schemeClr>
+          </a:lnRef>
+          <a:fillRef idx="1">
+            <a:schemeClr val="accent1"/>
+          </a:fillRef>
+          <a:effectRef idx="0">
+            <a:schemeClr val="accent1"/>
+          </a:effectRef>
+          <a:fontRef idx="minor">
+            <a:schemeClr val="lt1"/>
+          </a:fontRef>
+        </p:style>
+        <p:txBody>
+          <a:bodyPr rtlCol="0" anchor="ctr"/>
+          <a:lstStyle/>
+          <a:p>
+            <a:pPr algn="ctr"/>
+            <a:r>
+              <a:rPr lang="ko-KR" altLang="en-US" sz="2000" b="1" dirty="0">
+                <a:effectLst>
+                  <a:outerShdw blurRad="38100" dist="38100" dir="2700000" algn="tl">
+                    <a:srgbClr val="000000">
+                      <a:alpha val="43137"/>
+                    </a:srgbClr>
+                  </a:outerShdw>
+                </a:effectLst>
+              </a:rPr>
+              <a:t>읽기 전용</a:t>
+            </a:r>
+          </a:p>
+        </p:txBody>
+      </p:sp>
+      <p:sp>
+        <p:nvSpPr>
+          <p:cNvPr id="87" name="사각형: 둥근 모서리 86">
+            <a:extLst>
+              <a:ext uri="{FF2B5EF4-FFF2-40B4-BE49-F238E27FC236}">
+                <a16:creationId xmlns:a16="http://schemas.microsoft.com/office/drawing/2014/main" id="{AE71B54C-799F-BC3F-FE08-3941A5A07754}"/>
+              </a:ext>
+            </a:extLst>
+          </p:cNvPr>
+          <p:cNvSpPr/>
+          <p:nvPr/>
+        </p:nvSpPr>
+        <p:spPr>
+          <a:xfrm>
+            <a:off x="5045023" y="5561733"/>
+            <a:ext cx="1466993" cy="430654"/>
+          </a:xfrm>
+          <a:prstGeom prst="roundRect">
+            <a:avLst>
+              <a:gd name="adj" fmla="val 15623"/>
+            </a:avLst>
+          </a:prstGeom>
+          <a:solidFill>
+            <a:srgbClr val="7BAA3C"/>
+          </a:solidFill>
+        </p:spPr>
+        <p:style>
+          <a:lnRef idx="2">
+            <a:schemeClr val="accent1">
+              <a:shade val="50000"/>
+            </a:schemeClr>
+          </a:lnRef>
+          <a:fillRef idx="1">
+            <a:schemeClr val="accent1"/>
+          </a:fillRef>
+          <a:effectRef idx="0">
+            <a:schemeClr val="accent1"/>
+          </a:effectRef>
+          <a:fontRef idx="minor">
+            <a:schemeClr val="lt1"/>
+          </a:fontRef>
+        </p:style>
+        <p:txBody>
+          <a:bodyPr rtlCol="0" anchor="ctr"/>
+          <a:lstStyle/>
+          <a:p>
+            <a:pPr algn="ctr"/>
+            <a:r>
+              <a:rPr lang="ko-KR" altLang="en-US" b="1">
+                <a:effectLst>
+                  <a:outerShdw blurRad="38100" dist="38100" dir="2700000" algn="tl">
+                    <a:srgbClr val="000000">
+                      <a:alpha val="43137"/>
+                    </a:srgbClr>
+                  </a:outerShdw>
+                </a:effectLst>
+              </a:rPr>
+              <a:t>동영상</a:t>
+            </a:r>
+            <a:endParaRPr lang="ko-KR" altLang="en-US" b="1" dirty="0">
+              <a:effectLst>
+                <a:outerShdw blurRad="38100" dist="38100" dir="2700000" algn="tl">
+                  <a:srgbClr val="000000">
+                    <a:alpha val="43137"/>
+                  </a:srgbClr>
+                </a:outerShdw>
+              </a:effectLst>
+            </a:endParaRPr>
+          </a:p>
+        </p:txBody>
+      </p:sp>
+      <p:cxnSp>
+        <p:nvCxnSpPr>
+          <p:cNvPr id="88" name="직선 연결선 87">
+            <a:extLst>
+              <a:ext uri="{FF2B5EF4-FFF2-40B4-BE49-F238E27FC236}">
+                <a16:creationId xmlns:a16="http://schemas.microsoft.com/office/drawing/2014/main" id="{CD8C5365-E6A7-B8F1-4BEB-53BC9D81AC3A}"/>
+              </a:ext>
+            </a:extLst>
+          </p:cNvPr>
+          <p:cNvCxnSpPr>
+            <a:cxnSpLocks/>
+          </p:cNvCxnSpPr>
+          <p:nvPr/>
+        </p:nvCxnSpPr>
+        <p:spPr>
+          <a:xfrm flipH="1">
+            <a:off x="2322909" y="4198972"/>
+            <a:ext cx="10700" cy="1579131"/>
+          </a:xfrm>
+          <a:prstGeom prst="line">
+            <a:avLst/>
+          </a:prstGeom>
+          <a:ln w="38100">
+            <a:solidFill>
+              <a:schemeClr val="accent1">
+                <a:lumMod val="50000"/>
+              </a:schemeClr>
+            </a:solidFill>
+          </a:ln>
+        </p:spPr>
+        <p:style>
+          <a:lnRef idx="1">
+            <a:schemeClr val="accent1"/>
+          </a:lnRef>
+          <a:fillRef idx="0">
+            <a:schemeClr val="accent1"/>
+          </a:fillRef>
+          <a:effectRef idx="0">
+            <a:schemeClr val="accent1"/>
+          </a:effectRef>
+          <a:fontRef idx="minor">
+            <a:schemeClr val="tx1"/>
+          </a:fontRef>
+        </p:style>
+      </p:cxnSp>
+      <p:cxnSp>
+        <p:nvCxnSpPr>
+          <p:cNvPr id="89" name="직선 연결선 88">
+            <a:extLst>
+              <a:ext uri="{FF2B5EF4-FFF2-40B4-BE49-F238E27FC236}">
+                <a16:creationId xmlns:a16="http://schemas.microsoft.com/office/drawing/2014/main" id="{E83D30C7-6EA6-3239-01DD-801DD656150F}"/>
+              </a:ext>
+            </a:extLst>
+          </p:cNvPr>
+          <p:cNvCxnSpPr>
+            <a:cxnSpLocks/>
+          </p:cNvCxnSpPr>
+          <p:nvPr/>
+        </p:nvCxnSpPr>
+        <p:spPr>
+          <a:xfrm flipH="1">
+            <a:off x="2316627" y="5761898"/>
+            <a:ext cx="492692" cy="0"/>
+          </a:xfrm>
+          <a:prstGeom prst="line">
+            <a:avLst/>
+          </a:prstGeom>
+          <a:ln w="38100">
+            <a:solidFill>
+              <a:schemeClr val="accent1">
+                <a:lumMod val="50000"/>
+              </a:schemeClr>
+            </a:solidFill>
+          </a:ln>
+        </p:spPr>
+        <p:style>
+          <a:lnRef idx="1">
+            <a:schemeClr val="accent1"/>
+          </a:lnRef>
+          <a:fillRef idx="0">
+            <a:schemeClr val="accent1"/>
+          </a:fillRef>
+          <a:effectRef idx="0">
+            <a:schemeClr val="accent1"/>
+          </a:effectRef>
+          <a:fontRef idx="minor">
+            <a:schemeClr val="tx1"/>
+          </a:fontRef>
+        </p:style>
+      </p:cxnSp>
+      <p:cxnSp>
+        <p:nvCxnSpPr>
+          <p:cNvPr id="90" name="직선 연결선 89">
+            <a:extLst>
+              <a:ext uri="{FF2B5EF4-FFF2-40B4-BE49-F238E27FC236}">
+                <a16:creationId xmlns:a16="http://schemas.microsoft.com/office/drawing/2014/main" id="{CEAFA3CF-A417-4712-D145-F3FA1C318956}"/>
+              </a:ext>
+            </a:extLst>
+          </p:cNvPr>
+          <p:cNvCxnSpPr>
+            <a:cxnSpLocks/>
+          </p:cNvCxnSpPr>
+          <p:nvPr/>
+        </p:nvCxnSpPr>
+        <p:spPr>
+          <a:xfrm flipH="1">
+            <a:off x="2316627" y="4683192"/>
+            <a:ext cx="492692" cy="0"/>
+          </a:xfrm>
+          <a:prstGeom prst="line">
+            <a:avLst/>
+          </a:prstGeom>
+          <a:ln w="38100">
+            <a:solidFill>
+              <a:schemeClr val="accent1">
+                <a:lumMod val="50000"/>
+              </a:schemeClr>
+            </a:solidFill>
+          </a:ln>
+        </p:spPr>
+        <p:style>
+          <a:lnRef idx="1">
+            <a:schemeClr val="accent1"/>
+          </a:lnRef>
+          <a:fillRef idx="0">
+            <a:schemeClr val="accent1"/>
+          </a:fillRef>
+          <a:effectRef idx="0">
+            <a:schemeClr val="accent1"/>
+          </a:effectRef>
+          <a:fontRef idx="minor">
+            <a:schemeClr val="tx1"/>
+          </a:fontRef>
+        </p:style>
+      </p:cxnSp>
+      <p:cxnSp>
+        <p:nvCxnSpPr>
+          <p:cNvPr id="91" name="직선 연결선 90">
+            <a:extLst>
+              <a:ext uri="{FF2B5EF4-FFF2-40B4-BE49-F238E27FC236}">
+                <a16:creationId xmlns:a16="http://schemas.microsoft.com/office/drawing/2014/main" id="{C9065F75-7D84-6FBD-D056-4331C2D64D19}"/>
+              </a:ext>
+            </a:extLst>
+          </p:cNvPr>
+          <p:cNvCxnSpPr>
+            <a:cxnSpLocks/>
+            <a:stCxn id="83" idx="1"/>
+          </p:cNvCxnSpPr>
+          <p:nvPr/>
+        </p:nvCxnSpPr>
+        <p:spPr>
+          <a:xfrm flipH="1" flipV="1">
+            <a:off x="4276312" y="4683192"/>
+            <a:ext cx="768710" cy="4474"/>
+          </a:xfrm>
+          <a:prstGeom prst="line">
+            <a:avLst/>
+          </a:prstGeom>
+          <a:ln w="38100">
+            <a:solidFill>
+              <a:schemeClr val="accent1">
+                <a:lumMod val="50000"/>
+              </a:schemeClr>
+            </a:solidFill>
+          </a:ln>
+        </p:spPr>
+        <p:style>
+          <a:lnRef idx="1">
+            <a:schemeClr val="accent1"/>
+          </a:lnRef>
+          <a:fillRef idx="0">
+            <a:schemeClr val="accent1"/>
+          </a:fillRef>
+          <a:effectRef idx="0">
+            <a:schemeClr val="accent1"/>
+          </a:effectRef>
+          <a:fontRef idx="minor">
+            <a:schemeClr val="tx1"/>
+          </a:fontRef>
+        </p:style>
+      </p:cxnSp>
+      <p:cxnSp>
+        <p:nvCxnSpPr>
+          <p:cNvPr id="92" name="직선 연결선 91">
+            <a:extLst>
+              <a:ext uri="{FF2B5EF4-FFF2-40B4-BE49-F238E27FC236}">
+                <a16:creationId xmlns:a16="http://schemas.microsoft.com/office/drawing/2014/main" id="{8F351BA0-BE67-24F8-E8BD-9419393F3426}"/>
+              </a:ext>
+            </a:extLst>
+          </p:cNvPr>
+          <p:cNvCxnSpPr>
+            <a:cxnSpLocks/>
+          </p:cNvCxnSpPr>
+          <p:nvPr/>
+        </p:nvCxnSpPr>
+        <p:spPr>
+          <a:xfrm flipH="1">
+            <a:off x="4652485" y="4683192"/>
+            <a:ext cx="12107" cy="1119914"/>
+          </a:xfrm>
+          <a:prstGeom prst="line">
+            <a:avLst/>
+          </a:prstGeom>
+          <a:ln w="38100">
+            <a:solidFill>
+              <a:schemeClr val="accent1">
+                <a:lumMod val="50000"/>
+              </a:schemeClr>
+            </a:solidFill>
+          </a:ln>
+        </p:spPr>
+        <p:style>
+          <a:lnRef idx="1">
+            <a:schemeClr val="accent1"/>
+          </a:lnRef>
+          <a:fillRef idx="0">
+            <a:schemeClr val="accent1"/>
+          </a:fillRef>
+          <a:effectRef idx="0">
+            <a:schemeClr val="accent1"/>
+          </a:effectRef>
+          <a:fontRef idx="minor">
+            <a:schemeClr val="tx1"/>
+          </a:fontRef>
+        </p:style>
+      </p:cxnSp>
+      <p:cxnSp>
+        <p:nvCxnSpPr>
+          <p:cNvPr id="93" name="직선 연결선 92">
+            <a:extLst>
+              <a:ext uri="{FF2B5EF4-FFF2-40B4-BE49-F238E27FC236}">
+                <a16:creationId xmlns:a16="http://schemas.microsoft.com/office/drawing/2014/main" id="{98920409-FD63-2C59-396F-854B96FBC3A1}"/>
+              </a:ext>
+            </a:extLst>
+          </p:cNvPr>
+          <p:cNvCxnSpPr>
+            <a:cxnSpLocks/>
+            <a:stCxn id="85" idx="1"/>
+          </p:cNvCxnSpPr>
+          <p:nvPr/>
+        </p:nvCxnSpPr>
+        <p:spPr>
+          <a:xfrm flipH="1">
+            <a:off x="4660667" y="5232363"/>
+            <a:ext cx="384354" cy="0"/>
+          </a:xfrm>
+          <a:prstGeom prst="line">
+            <a:avLst/>
+          </a:prstGeom>
+          <a:ln w="38100">
+            <a:solidFill>
+              <a:schemeClr val="accent1">
+                <a:lumMod val="50000"/>
+              </a:schemeClr>
+            </a:solidFill>
+          </a:ln>
+        </p:spPr>
+        <p:style>
+          <a:lnRef idx="1">
+            <a:schemeClr val="accent1"/>
+          </a:lnRef>
+          <a:fillRef idx="0">
+            <a:schemeClr val="accent1"/>
+          </a:fillRef>
+          <a:effectRef idx="0">
+            <a:schemeClr val="accent1"/>
+          </a:effectRef>
+          <a:fontRef idx="minor">
+            <a:schemeClr val="tx1"/>
+          </a:fontRef>
+        </p:style>
+      </p:cxnSp>
+      <p:cxnSp>
+        <p:nvCxnSpPr>
+          <p:cNvPr id="94" name="직선 연결선 93">
+            <a:extLst>
+              <a:ext uri="{FF2B5EF4-FFF2-40B4-BE49-F238E27FC236}">
+                <a16:creationId xmlns:a16="http://schemas.microsoft.com/office/drawing/2014/main" id="{12D799B1-BFA0-C2E5-DA13-AE9B793021E0}"/>
+              </a:ext>
+            </a:extLst>
+          </p:cNvPr>
+          <p:cNvCxnSpPr>
+            <a:cxnSpLocks/>
+          </p:cNvCxnSpPr>
+          <p:nvPr/>
+        </p:nvCxnSpPr>
+        <p:spPr>
+          <a:xfrm flipH="1">
+            <a:off x="4660667" y="5786003"/>
+            <a:ext cx="384354" cy="0"/>
+          </a:xfrm>
+          <a:prstGeom prst="line">
+            <a:avLst/>
+          </a:prstGeom>
+          <a:ln w="38100">
+            <a:solidFill>
+              <a:schemeClr val="accent1">
+                <a:lumMod val="50000"/>
+              </a:schemeClr>
+            </a:solidFill>
+          </a:ln>
+        </p:spPr>
+        <p:style>
+          <a:lnRef idx="1">
+            <a:schemeClr val="accent1"/>
+          </a:lnRef>
+          <a:fillRef idx="0">
+            <a:schemeClr val="accent1"/>
+          </a:fillRef>
+          <a:effectRef idx="0">
+            <a:schemeClr val="accent1"/>
+          </a:effectRef>
+          <a:fontRef idx="minor">
+            <a:schemeClr val="tx1"/>
+          </a:fontRef>
+        </p:style>
+      </p:cxnSp>
+    </p:spTree>
+    <p:extLst>
+      <p:ext uri="{BB962C8B-B14F-4D97-AF65-F5344CB8AC3E}">
+        <p14:creationId xmlns:p14="http://schemas.microsoft.com/office/powerpoint/2010/main" val="3622597973"/>
       </p:ext>
     </p:extLst>
   </p:cSld>
